--- a/documentation/Prezentare.pptx
+++ b/documentation/Prezentare.pptx
@@ -9,13 +9,17 @@
     <p:sldId id="257" r:id="rId3"/>
     <p:sldId id="258" r:id="rId4"/>
     <p:sldId id="259" r:id="rId5"/>
-    <p:sldId id="260" r:id="rId6"/>
-    <p:sldId id="261" r:id="rId7"/>
-    <p:sldId id="262" r:id="rId8"/>
-    <p:sldId id="263" r:id="rId9"/>
-    <p:sldId id="264" r:id="rId10"/>
-    <p:sldId id="265" r:id="rId11"/>
-    <p:sldId id="266" r:id="rId12"/>
+    <p:sldId id="267" r:id="rId6"/>
+    <p:sldId id="262" r:id="rId7"/>
+    <p:sldId id="263" r:id="rId8"/>
+    <p:sldId id="260" r:id="rId9"/>
+    <p:sldId id="261" r:id="rId10"/>
+    <p:sldId id="270" r:id="rId11"/>
+    <p:sldId id="268" r:id="rId12"/>
+    <p:sldId id="264" r:id="rId13"/>
+    <p:sldId id="265" r:id="rId14"/>
+    <p:sldId id="266" r:id="rId15"/>
+    <p:sldId id="269" r:id="rId16"/>
   </p:sldIdLst>
   <p:sldSz cx="12192000" cy="6858000"/>
   <p:notesSz cx="6858000" cy="9144000"/>
@@ -114,6 +118,11 @@
       </a:defRPr>
     </a:lvl9pPr>
   </p:defaultTextStyle>
+  <p:extLst>
+    <p:ext uri="{EFAFB233-063F-42B5-8137-9DF3F51BA10A}">
+      <p15:sldGuideLst xmlns:p15="http://schemas.microsoft.com/office/powerpoint/2012/main"/>
+    </p:ext>
+  </p:extLst>
 </p:presentation>
 </file>
 
@@ -4393,7 +4402,7 @@
           <a:p>
             <a:fld id="{A783637B-6E4A-4491-8AE9-A3DE6F44193F}" type="datetimeFigureOut">
               <a:rPr lang="en-US" smtClean="0"/>
-              <a:t>2/5/2019</a:t>
+              <a:t>2/6/2019</a:t>
             </a:fld>
             <a:endParaRPr lang="en-US"/>
           </a:p>
@@ -4660,7 +4669,7 @@
           <a:p>
             <a:fld id="{A783637B-6E4A-4491-8AE9-A3DE6F44193F}" type="datetimeFigureOut">
               <a:rPr lang="en-US" smtClean="0"/>
-              <a:t>2/5/2019</a:t>
+              <a:t>2/6/2019</a:t>
             </a:fld>
             <a:endParaRPr lang="en-US"/>
           </a:p>
@@ -4856,7 +4865,7 @@
           <a:p>
             <a:fld id="{A783637B-6E4A-4491-8AE9-A3DE6F44193F}" type="datetimeFigureOut">
               <a:rPr lang="en-US" smtClean="0"/>
-              <a:t>2/5/2019</a:t>
+              <a:t>2/6/2019</a:t>
             </a:fld>
             <a:endParaRPr lang="en-US"/>
           </a:p>
@@ -5119,7 +5128,7 @@
           <a:p>
             <a:fld id="{A783637B-6E4A-4491-8AE9-A3DE6F44193F}" type="datetimeFigureOut">
               <a:rPr lang="en-US" smtClean="0"/>
-              <a:t>2/5/2019</a:t>
+              <a:t>2/6/2019</a:t>
             </a:fld>
             <a:endParaRPr lang="en-US"/>
           </a:p>
@@ -5553,7 +5562,7 @@
           <a:p>
             <a:fld id="{A783637B-6E4A-4491-8AE9-A3DE6F44193F}" type="datetimeFigureOut">
               <a:rPr lang="en-US" smtClean="0"/>
-              <a:t>2/5/2019</a:t>
+              <a:t>2/6/2019</a:t>
             </a:fld>
             <a:endParaRPr lang="en-US"/>
           </a:p>
@@ -6099,7 +6108,7 @@
           <a:p>
             <a:fld id="{A783637B-6E4A-4491-8AE9-A3DE6F44193F}" type="datetimeFigureOut">
               <a:rPr lang="en-US" smtClean="0"/>
-              <a:t>2/5/2019</a:t>
+              <a:t>2/6/2019</a:t>
             </a:fld>
             <a:endParaRPr lang="en-US"/>
           </a:p>
@@ -6819,7 +6828,7 @@
           <a:p>
             <a:fld id="{A783637B-6E4A-4491-8AE9-A3DE6F44193F}" type="datetimeFigureOut">
               <a:rPr lang="en-US" smtClean="0"/>
-              <a:t>2/5/2019</a:t>
+              <a:t>2/6/2019</a:t>
             </a:fld>
             <a:endParaRPr lang="en-US"/>
           </a:p>
@@ -6989,7 +6998,7 @@
           <a:p>
             <a:fld id="{A783637B-6E4A-4491-8AE9-A3DE6F44193F}" type="datetimeFigureOut">
               <a:rPr lang="en-US" smtClean="0"/>
-              <a:t>2/5/2019</a:t>
+              <a:t>2/6/2019</a:t>
             </a:fld>
             <a:endParaRPr lang="en-US"/>
           </a:p>
@@ -7169,7 +7178,7 @@
           <a:p>
             <a:fld id="{A783637B-6E4A-4491-8AE9-A3DE6F44193F}" type="datetimeFigureOut">
               <a:rPr lang="en-US" smtClean="0"/>
-              <a:t>2/5/2019</a:t>
+              <a:t>2/6/2019</a:t>
             </a:fld>
             <a:endParaRPr lang="en-US"/>
           </a:p>
@@ -7339,7 +7348,7 @@
           <a:p>
             <a:fld id="{A783637B-6E4A-4491-8AE9-A3DE6F44193F}" type="datetimeFigureOut">
               <a:rPr lang="en-US" smtClean="0"/>
-              <a:t>2/5/2019</a:t>
+              <a:t>2/6/2019</a:t>
             </a:fld>
             <a:endParaRPr lang="en-US"/>
           </a:p>
@@ -7589,7 +7598,7 @@
           <a:p>
             <a:fld id="{A783637B-6E4A-4491-8AE9-A3DE6F44193F}" type="datetimeFigureOut">
               <a:rPr lang="en-US" smtClean="0"/>
-              <a:t>2/5/2019</a:t>
+              <a:t>2/6/2019</a:t>
             </a:fld>
             <a:endParaRPr lang="en-US"/>
           </a:p>
@@ -7821,7 +7830,7 @@
           <a:p>
             <a:fld id="{A783637B-6E4A-4491-8AE9-A3DE6F44193F}" type="datetimeFigureOut">
               <a:rPr lang="en-US" smtClean="0"/>
-              <a:t>2/5/2019</a:t>
+              <a:t>2/6/2019</a:t>
             </a:fld>
             <a:endParaRPr lang="en-US"/>
           </a:p>
@@ -8202,7 +8211,7 @@
           <a:p>
             <a:fld id="{A783637B-6E4A-4491-8AE9-A3DE6F44193F}" type="datetimeFigureOut">
               <a:rPr lang="en-US" smtClean="0"/>
-              <a:t>2/5/2019</a:t>
+              <a:t>2/6/2019</a:t>
             </a:fld>
             <a:endParaRPr lang="en-US"/>
           </a:p>
@@ -8320,7 +8329,7 @@
           <a:p>
             <a:fld id="{A783637B-6E4A-4491-8AE9-A3DE6F44193F}" type="datetimeFigureOut">
               <a:rPr lang="en-US" smtClean="0"/>
-              <a:t>2/5/2019</a:t>
+              <a:t>2/6/2019</a:t>
             </a:fld>
             <a:endParaRPr lang="en-US"/>
           </a:p>
@@ -8415,7 +8424,7 @@
           <a:p>
             <a:fld id="{A783637B-6E4A-4491-8AE9-A3DE6F44193F}" type="datetimeFigureOut">
               <a:rPr lang="en-US" smtClean="0"/>
-              <a:t>2/5/2019</a:t>
+              <a:t>2/6/2019</a:t>
             </a:fld>
             <a:endParaRPr lang="en-US"/>
           </a:p>
@@ -8664,7 +8673,7 @@
           <a:p>
             <a:fld id="{A783637B-6E4A-4491-8AE9-A3DE6F44193F}" type="datetimeFigureOut">
               <a:rPr lang="en-US" smtClean="0"/>
-              <a:t>2/5/2019</a:t>
+              <a:t>2/6/2019</a:t>
             </a:fld>
             <a:endParaRPr lang="en-US"/>
           </a:p>
@@ -8944,7 +8953,7 @@
           <a:p>
             <a:fld id="{A783637B-6E4A-4491-8AE9-A3DE6F44193F}" type="datetimeFigureOut">
               <a:rPr lang="en-US" smtClean="0"/>
-              <a:t>2/5/2019</a:t>
+              <a:t>2/6/2019</a:t>
             </a:fld>
             <a:endParaRPr lang="en-US"/>
           </a:p>
@@ -12021,7 +12030,7 @@
           <a:p>
             <a:fld id="{A783637B-6E4A-4491-8AE9-A3DE6F44193F}" type="datetimeFigureOut">
               <a:rPr lang="en-US" smtClean="0"/>
-              <a:t>2/5/2019</a:t>
+              <a:t>2/6/2019</a:t>
             </a:fld>
             <a:endParaRPr lang="en-US"/>
           </a:p>
@@ -12718,7 +12727,7 @@
         <p:spPr>
           <a:xfrm>
             <a:off x="1841501" y="38100"/>
-            <a:ext cx="7375096" cy="646331"/>
+            <a:ext cx="6670416" cy="646331"/>
           </a:xfrm>
           <a:prstGeom prst="rect">
             <a:avLst/>
@@ -12739,7 +12748,969 @@
                 <a:latin typeface="Times New Roman" panose="02020603050405020304" pitchFamily="18" charset="0"/>
                 <a:cs typeface="Times New Roman" panose="02020603050405020304" pitchFamily="18" charset="0"/>
               </a:rPr>
-              <a:t>Arhitectura componentelor software</a:t>
+              <a:t>Prelucrarea </a:t>
+            </a:r>
+            <a:r>
+              <a:rPr lang="en-US" sz="3600" b="1" dirty="0" err="1" smtClean="0">
+                <a:solidFill>
+                  <a:schemeClr val="bg1"/>
+                </a:solidFill>
+                <a:latin typeface="Times New Roman" panose="02020603050405020304" pitchFamily="18" charset="0"/>
+                <a:cs typeface="Times New Roman" panose="02020603050405020304" pitchFamily="18" charset="0"/>
+              </a:rPr>
+              <a:t>datelor</a:t>
+            </a:r>
+            <a:r>
+              <a:rPr lang="en-US" sz="3600" b="1" dirty="0" smtClean="0">
+                <a:solidFill>
+                  <a:schemeClr val="bg1"/>
+                </a:solidFill>
+                <a:latin typeface="Times New Roman" panose="02020603050405020304" pitchFamily="18" charset="0"/>
+                <a:cs typeface="Times New Roman" panose="02020603050405020304" pitchFamily="18" charset="0"/>
+              </a:rPr>
+              <a:t> de </a:t>
+            </a:r>
+            <a:r>
+              <a:rPr lang="en-US" sz="3600" b="1" dirty="0" err="1" smtClean="0">
+                <a:solidFill>
+                  <a:schemeClr val="bg1"/>
+                </a:solidFill>
+                <a:latin typeface="Times New Roman" panose="02020603050405020304" pitchFamily="18" charset="0"/>
+                <a:cs typeface="Times New Roman" panose="02020603050405020304" pitchFamily="18" charset="0"/>
+              </a:rPr>
+              <a:t>antrenare</a:t>
+            </a:r>
+            <a:endParaRPr lang="en-US" sz="3600" b="1" i="1" dirty="0">
+              <a:solidFill>
+                <a:schemeClr val="bg1"/>
+              </a:solidFill>
+              <a:latin typeface="Times New Roman" panose="02020603050405020304" pitchFamily="18" charset="0"/>
+              <a:cs typeface="Times New Roman" panose="02020603050405020304" pitchFamily="18" charset="0"/>
+            </a:endParaRPr>
+          </a:p>
+        </p:txBody>
+      </p:sp>
+      <p:pic>
+        <p:nvPicPr>
+          <p:cNvPr id="8" name="Picture 7"/>
+          <p:cNvPicPr>
+            <a:picLocks noChangeAspect="1"/>
+          </p:cNvPicPr>
+          <p:nvPr/>
+        </p:nvPicPr>
+        <p:blipFill>
+          <a:blip r:embed="rId3"/>
+          <a:stretch>
+            <a:fillRect/>
+          </a:stretch>
+        </p:blipFill>
+        <p:spPr>
+          <a:xfrm>
+            <a:off x="1" y="0"/>
+            <a:ext cx="1841500" cy="6867526"/>
+          </a:xfrm>
+          <a:prstGeom prst="rect">
+            <a:avLst/>
+          </a:prstGeom>
+        </p:spPr>
+      </p:pic>
+      <p:sp>
+        <p:nvSpPr>
+          <p:cNvPr id="2" name="TextBox 1"/>
+          <p:cNvSpPr txBox="1"/>
+          <p:nvPr/>
+        </p:nvSpPr>
+        <p:spPr>
+          <a:xfrm>
+            <a:off x="2033221" y="857250"/>
+            <a:ext cx="9587279" cy="923330"/>
+          </a:xfrm>
+          <a:prstGeom prst="rect">
+            <a:avLst/>
+          </a:prstGeom>
+          <a:noFill/>
+        </p:spPr>
+        <p:txBody>
+          <a:bodyPr wrap="square" rtlCol="0">
+            <a:spAutoFit/>
+          </a:bodyPr>
+          <a:lstStyle/>
+          <a:p>
+            <a:r>
+              <a:rPr lang="ro-RO" dirty="0">
+                <a:solidFill>
+                  <a:schemeClr val="bg1"/>
+                </a:solidFill>
+                <a:latin typeface="Times New Roman" panose="02020603050405020304" pitchFamily="18" charset="0"/>
+                <a:cs typeface="Times New Roman" panose="02020603050405020304" pitchFamily="18" charset="0"/>
+              </a:rPr>
+              <a:t>Utilizând cei doi vectori creați, lexic și categorii, toate datele de antrenare se pot coda folosind tehnica </a:t>
+            </a:r>
+            <a:r>
+              <a:rPr lang="ro-RO" i="1" dirty="0">
+                <a:solidFill>
+                  <a:schemeClr val="bg1"/>
+                </a:solidFill>
+                <a:latin typeface="Times New Roman" panose="02020603050405020304" pitchFamily="18" charset="0"/>
+                <a:cs typeface="Times New Roman" panose="02020603050405020304" pitchFamily="18" charset="0"/>
+              </a:rPr>
+              <a:t>one hot</a:t>
+            </a:r>
+            <a:r>
+              <a:rPr lang="ro-RO" dirty="0">
+                <a:solidFill>
+                  <a:schemeClr val="bg1"/>
+                </a:solidFill>
+                <a:latin typeface="Times New Roman" panose="02020603050405020304" pitchFamily="18" charset="0"/>
+                <a:cs typeface="Times New Roman" panose="02020603050405020304" pitchFamily="18" charset="0"/>
+              </a:rPr>
+              <a:t>, obținându-se astfel date interpretabile de rețeaua neuronală.</a:t>
+            </a:r>
+            <a:endParaRPr lang="en-US" dirty="0">
+              <a:solidFill>
+                <a:schemeClr val="bg1"/>
+              </a:solidFill>
+              <a:latin typeface="Times New Roman" panose="02020603050405020304" pitchFamily="18" charset="0"/>
+              <a:cs typeface="Times New Roman" panose="02020603050405020304" pitchFamily="18" charset="0"/>
+            </a:endParaRPr>
+          </a:p>
+          <a:p>
+            <a:endParaRPr lang="en-US" b="1" dirty="0">
+              <a:solidFill>
+                <a:schemeClr val="bg1"/>
+              </a:solidFill>
+              <a:latin typeface="Times New Roman" panose="02020603050405020304" pitchFamily="18" charset="0"/>
+              <a:cs typeface="Times New Roman" panose="02020603050405020304" pitchFamily="18" charset="0"/>
+            </a:endParaRPr>
+          </a:p>
+        </p:txBody>
+      </p:sp>
+      <p:sp>
+        <p:nvSpPr>
+          <p:cNvPr id="4" name="Rectangle 2"/>
+          <p:cNvSpPr>
+            <a:spLocks noChangeArrowheads="1"/>
+          </p:cNvSpPr>
+          <p:nvPr/>
+        </p:nvSpPr>
+        <p:spPr bwMode="auto">
+          <a:xfrm>
+            <a:off x="3686175" y="3257550"/>
+            <a:ext cx="12192000" cy="0"/>
+          </a:xfrm>
+          <a:prstGeom prst="rect">
+            <a:avLst/>
+          </a:prstGeom>
+          <a:noFill/>
+          <a:ln>
+            <a:noFill/>
+          </a:ln>
+          <a:effectLst/>
+          <a:extLst>
+            <a:ext uri="{909E8E84-426E-40DD-AFC4-6F175D3DCCD1}">
+              <a14:hiddenFill xmlns:a14="http://schemas.microsoft.com/office/drawing/2010/main">
+                <a:solidFill>
+                  <a:schemeClr val="accent1"/>
+                </a:solidFill>
+              </a14:hiddenFill>
+            </a:ext>
+            <a:ext uri="{91240B29-F687-4F45-9708-019B960494DF}">
+              <a14:hiddenLine xmlns:a14="http://schemas.microsoft.com/office/drawing/2010/main" w="9525">
+                <a:solidFill>
+                  <a:schemeClr val="tx1"/>
+                </a:solidFill>
+                <a:miter lim="800000"/>
+                <a:headEnd/>
+                <a:tailEnd/>
+              </a14:hiddenLine>
+            </a:ext>
+            <a:ext uri="{AF507438-7753-43E0-B8FC-AC1667EBCBE1}">
+              <a14:hiddenEffects xmlns:a14="http://schemas.microsoft.com/office/drawing/2010/main">
+                <a:effectLst>
+                  <a:outerShdw dist="35921" dir="2700000" algn="ctr" rotWithShape="0">
+                    <a:schemeClr val="bg2"/>
+                  </a:outerShdw>
+                </a:effectLst>
+              </a14:hiddenEffects>
+            </a:ext>
+          </a:extLst>
+        </p:spPr>
+        <p:txBody>
+          <a:bodyPr vert="horz" wrap="none" lIns="91440" tIns="45720" rIns="91440" bIns="45720" numCol="1" anchor="ctr" anchorCtr="0" compatLnSpc="1">
+            <a:prstTxWarp prst="textNoShape">
+              <a:avLst/>
+            </a:prstTxWarp>
+            <a:spAutoFit/>
+          </a:bodyPr>
+          <a:lstStyle/>
+          <a:p>
+            <a:endParaRPr lang="en-US"/>
+          </a:p>
+        </p:txBody>
+      </p:sp>
+      <p:graphicFrame>
+        <p:nvGraphicFramePr>
+          <p:cNvPr id="9" name="Object 8"/>
+          <p:cNvGraphicFramePr>
+            <a:graphicFrameLocks noChangeAspect="1"/>
+          </p:cNvGraphicFramePr>
+          <p:nvPr>
+            <p:extLst>
+              <p:ext uri="{D42A27DB-BD31-4B8C-83A1-F6EECF244321}">
+                <p14:modId xmlns:p14="http://schemas.microsoft.com/office/powerpoint/2010/main" val="3956778432"/>
+              </p:ext>
+            </p:extLst>
+          </p:nvPr>
+        </p:nvGraphicFramePr>
+        <p:xfrm>
+          <a:off x="3197835" y="2081705"/>
+          <a:ext cx="7258050" cy="3388547"/>
+        </p:xfrm>
+        <a:graphic>
+          <a:graphicData uri="http://schemas.openxmlformats.org/presentationml/2006/ole">
+            <mc:AlternateContent xmlns:mc="http://schemas.openxmlformats.org/markup-compatibility/2006">
+              <mc:Choice xmlns:v="urn:schemas-microsoft-com:vml" Requires="v">
+                <p:oleObj spid="_x0000_s13316" name="Visio" r:id="rId4" imgW="6324779" imgH="2952724" progId="Visio.Drawing.15">
+                  <p:embed/>
+                </p:oleObj>
+              </mc:Choice>
+              <mc:Fallback>
+                <p:oleObj name="Visio" r:id="rId4" imgW="6324779" imgH="2952724" progId="Visio.Drawing.15">
+                  <p:embed/>
+                  <p:pic>
+                    <p:nvPicPr>
+                      <p:cNvPr id="5" name="Object 4"/>
+                      <p:cNvPicPr/>
+                      <p:nvPr/>
+                    </p:nvPicPr>
+                    <p:blipFill>
+                      <a:blip r:embed="rId5"/>
+                      <a:stretch>
+                        <a:fillRect/>
+                      </a:stretch>
+                    </p:blipFill>
+                    <p:spPr>
+                      <a:xfrm>
+                        <a:off x="3197835" y="2081705"/>
+                        <a:ext cx="7258050" cy="3388547"/>
+                      </a:xfrm>
+                      <a:prstGeom prst="rect">
+                        <a:avLst/>
+                      </a:prstGeom>
+                    </p:spPr>
+                  </p:pic>
+                </p:oleObj>
+              </mc:Fallback>
+            </mc:AlternateContent>
+          </a:graphicData>
+        </a:graphic>
+      </p:graphicFrame>
+    </p:spTree>
+    <p:extLst>
+      <p:ext uri="{BB962C8B-B14F-4D97-AF65-F5344CB8AC3E}">
+        <p14:creationId xmlns:p14="http://schemas.microsoft.com/office/powerpoint/2010/main" val="2233564723"/>
+      </p:ext>
+    </p:extLst>
+  </p:cSld>
+  <p:clrMapOvr>
+    <a:masterClrMapping/>
+  </p:clrMapOvr>
+  <p:timing>
+    <p:tnLst>
+      <p:par>
+        <p:cTn id="1" dur="indefinite" restart="never" nodeType="tmRoot"/>
+      </p:par>
+    </p:tnLst>
+  </p:timing>
+</p:sld>
+</file>
+
+<file path=ppt/slides/slide11.xml><?xml version="1.0" encoding="utf-8"?>
+<p:sld xmlns:a="http://schemas.openxmlformats.org/drawingml/2006/main" xmlns:r="http://schemas.openxmlformats.org/officeDocument/2006/relationships" xmlns:p="http://schemas.openxmlformats.org/presentationml/2006/main">
+  <p:cSld>
+    <p:bg>
+      <p:bgPr>
+        <a:solidFill>
+          <a:schemeClr val="tx1"/>
+        </a:solidFill>
+        <a:effectLst/>
+      </p:bgPr>
+    </p:bg>
+    <p:spTree>
+      <p:nvGrpSpPr>
+        <p:cNvPr id="1" name=""/>
+        <p:cNvGrpSpPr/>
+        <p:nvPr/>
+      </p:nvGrpSpPr>
+      <p:grpSpPr>
+        <a:xfrm>
+          <a:off x="0" y="0"/>
+          <a:ext cx="0" cy="0"/>
+          <a:chOff x="0" y="0"/>
+          <a:chExt cx="0" cy="0"/>
+        </a:xfrm>
+      </p:grpSpPr>
+      <p:sp>
+        <p:nvSpPr>
+          <p:cNvPr id="7" name="TextBox 6"/>
+          <p:cNvSpPr txBox="1"/>
+          <p:nvPr/>
+        </p:nvSpPr>
+        <p:spPr>
+          <a:xfrm>
+            <a:off x="1841501" y="38100"/>
+            <a:ext cx="4823115" cy="646331"/>
+          </a:xfrm>
+          <a:prstGeom prst="rect">
+            <a:avLst/>
+          </a:prstGeom>
+          <a:noFill/>
+        </p:spPr>
+        <p:txBody>
+          <a:bodyPr wrap="none" rtlCol="0">
+            <a:spAutoFit/>
+          </a:bodyPr>
+          <a:lstStyle/>
+          <a:p>
+            <a:r>
+              <a:rPr lang="ro-RO" sz="3600" b="1" dirty="0" smtClean="0">
+                <a:solidFill>
+                  <a:schemeClr val="bg1"/>
+                </a:solidFill>
+                <a:latin typeface="Times New Roman" panose="02020603050405020304" pitchFamily="18" charset="0"/>
+                <a:cs typeface="Times New Roman" panose="02020603050405020304" pitchFamily="18" charset="0"/>
+              </a:rPr>
+              <a:t>Prelucrarea comenzilor</a:t>
+            </a:r>
+            <a:endParaRPr lang="en-US" sz="3600" b="1" i="1" dirty="0">
+              <a:solidFill>
+                <a:schemeClr val="bg1"/>
+              </a:solidFill>
+              <a:latin typeface="Times New Roman" panose="02020603050405020304" pitchFamily="18" charset="0"/>
+              <a:cs typeface="Times New Roman" panose="02020603050405020304" pitchFamily="18" charset="0"/>
+            </a:endParaRPr>
+          </a:p>
+        </p:txBody>
+      </p:sp>
+      <p:pic>
+        <p:nvPicPr>
+          <p:cNvPr id="8" name="Picture 7"/>
+          <p:cNvPicPr>
+            <a:picLocks noChangeAspect="1"/>
+          </p:cNvPicPr>
+          <p:nvPr/>
+        </p:nvPicPr>
+        <p:blipFill>
+          <a:blip r:embed="rId3"/>
+          <a:stretch>
+            <a:fillRect/>
+          </a:stretch>
+        </p:blipFill>
+        <p:spPr>
+          <a:xfrm>
+            <a:off x="1" y="0"/>
+            <a:ext cx="1841500" cy="6867526"/>
+          </a:xfrm>
+          <a:prstGeom prst="rect">
+            <a:avLst/>
+          </a:prstGeom>
+        </p:spPr>
+      </p:pic>
+      <p:sp>
+        <p:nvSpPr>
+          <p:cNvPr id="2" name="TextBox 1"/>
+          <p:cNvSpPr txBox="1"/>
+          <p:nvPr/>
+        </p:nvSpPr>
+        <p:spPr>
+          <a:xfrm>
+            <a:off x="1841501" y="770840"/>
+            <a:ext cx="8885830" cy="2723823"/>
+          </a:xfrm>
+          <a:prstGeom prst="rect">
+            <a:avLst/>
+          </a:prstGeom>
+          <a:noFill/>
+        </p:spPr>
+        <p:txBody>
+          <a:bodyPr wrap="none" rtlCol="0">
+            <a:spAutoFit/>
+          </a:bodyPr>
+          <a:lstStyle/>
+          <a:p>
+            <a:pPr>
+              <a:lnSpc>
+                <a:spcPct val="150000"/>
+              </a:lnSpc>
+            </a:pPr>
+            <a:r>
+              <a:rPr lang="ro-RO" b="1" dirty="0" smtClean="0">
+                <a:solidFill>
+                  <a:schemeClr val="bg1"/>
+                </a:solidFill>
+                <a:latin typeface="Times New Roman" panose="02020603050405020304" pitchFamily="18" charset="0"/>
+                <a:cs typeface="Times New Roman" panose="02020603050405020304" pitchFamily="18" charset="0"/>
+              </a:rPr>
+              <a:t>Etapele prelucrării</a:t>
+            </a:r>
+            <a:r>
+              <a:rPr lang="en-US" b="1" dirty="0" smtClean="0">
+                <a:solidFill>
+                  <a:schemeClr val="bg1"/>
+                </a:solidFill>
+                <a:latin typeface="Times New Roman" panose="02020603050405020304" pitchFamily="18" charset="0"/>
+                <a:cs typeface="Times New Roman" panose="02020603050405020304" pitchFamily="18" charset="0"/>
+              </a:rPr>
+              <a:t>:</a:t>
+            </a:r>
+          </a:p>
+          <a:p>
+            <a:pPr marL="800100" lvl="1" indent="-342900">
+              <a:lnSpc>
+                <a:spcPct val="150000"/>
+              </a:lnSpc>
+              <a:buFont typeface="+mj-lt"/>
+              <a:buAutoNum type="arabicPeriod"/>
+            </a:pPr>
+            <a:r>
+              <a:rPr lang="en-US" dirty="0" err="1" smtClean="0">
+                <a:solidFill>
+                  <a:schemeClr val="bg1"/>
+                </a:solidFill>
+                <a:latin typeface="Times New Roman" panose="02020603050405020304" pitchFamily="18" charset="0"/>
+                <a:cs typeface="Times New Roman" panose="02020603050405020304" pitchFamily="18" charset="0"/>
+              </a:rPr>
+              <a:t>Eliminarea</a:t>
+            </a:r>
+            <a:r>
+              <a:rPr lang="en-US" dirty="0" smtClean="0">
+                <a:solidFill>
+                  <a:schemeClr val="bg1"/>
+                </a:solidFill>
+                <a:latin typeface="Times New Roman" panose="02020603050405020304" pitchFamily="18" charset="0"/>
+                <a:cs typeface="Times New Roman" panose="02020603050405020304" pitchFamily="18" charset="0"/>
+              </a:rPr>
+              <a:t> </a:t>
+            </a:r>
+            <a:r>
+              <a:rPr lang="en-US" dirty="0" err="1" smtClean="0">
+                <a:solidFill>
+                  <a:schemeClr val="bg1"/>
+                </a:solidFill>
+                <a:latin typeface="Times New Roman" panose="02020603050405020304" pitchFamily="18" charset="0"/>
+                <a:cs typeface="Times New Roman" panose="02020603050405020304" pitchFamily="18" charset="0"/>
+              </a:rPr>
+              <a:t>verbelor</a:t>
+            </a:r>
+            <a:r>
+              <a:rPr lang="en-US" dirty="0" smtClean="0">
+                <a:solidFill>
+                  <a:schemeClr val="bg1"/>
+                </a:solidFill>
+                <a:latin typeface="Times New Roman" panose="02020603050405020304" pitchFamily="18" charset="0"/>
+                <a:cs typeface="Times New Roman" panose="02020603050405020304" pitchFamily="18" charset="0"/>
+              </a:rPr>
+              <a:t> </a:t>
+            </a:r>
+            <a:r>
+              <a:rPr lang="en-US" dirty="0" err="1" smtClean="0">
+                <a:solidFill>
+                  <a:schemeClr val="bg1"/>
+                </a:solidFill>
+                <a:latin typeface="Times New Roman" panose="02020603050405020304" pitchFamily="18" charset="0"/>
+                <a:cs typeface="Times New Roman" panose="02020603050405020304" pitchFamily="18" charset="0"/>
+              </a:rPr>
+              <a:t>modale</a:t>
+            </a:r>
+            <a:r>
+              <a:rPr lang="en-US" dirty="0" smtClean="0">
+                <a:solidFill>
+                  <a:schemeClr val="bg1"/>
+                </a:solidFill>
+                <a:latin typeface="Times New Roman" panose="02020603050405020304" pitchFamily="18" charset="0"/>
+                <a:cs typeface="Times New Roman" panose="02020603050405020304" pitchFamily="18" charset="0"/>
+              </a:rPr>
+              <a:t>: </a:t>
+            </a:r>
+            <a:r>
+              <a:rPr lang="en-US" i="1" dirty="0" smtClean="0">
+                <a:solidFill>
+                  <a:schemeClr val="bg1"/>
+                </a:solidFill>
+                <a:latin typeface="Times New Roman" panose="02020603050405020304" pitchFamily="18" charset="0"/>
+                <a:cs typeface="Times New Roman" panose="02020603050405020304" pitchFamily="18" charset="0"/>
+              </a:rPr>
+              <a:t>can, could, should, would, may, might, will, would, must</a:t>
+            </a:r>
+          </a:p>
+          <a:p>
+            <a:pPr marL="800100" lvl="1" indent="-342900">
+              <a:lnSpc>
+                <a:spcPct val="150000"/>
+              </a:lnSpc>
+              <a:buFont typeface="+mj-lt"/>
+              <a:buAutoNum type="arabicPeriod"/>
+            </a:pPr>
+            <a:r>
+              <a:rPr lang="en-US" dirty="0" err="1" smtClean="0">
+                <a:solidFill>
+                  <a:schemeClr val="bg1"/>
+                </a:solidFill>
+                <a:latin typeface="Times New Roman" panose="02020603050405020304" pitchFamily="18" charset="0"/>
+                <a:cs typeface="Times New Roman" panose="02020603050405020304" pitchFamily="18" charset="0"/>
+              </a:rPr>
+              <a:t>Eliminarea</a:t>
+            </a:r>
+            <a:r>
+              <a:rPr lang="en-US" dirty="0" smtClean="0">
+                <a:solidFill>
+                  <a:schemeClr val="bg1"/>
+                </a:solidFill>
+                <a:latin typeface="Times New Roman" panose="02020603050405020304" pitchFamily="18" charset="0"/>
+                <a:cs typeface="Times New Roman" panose="02020603050405020304" pitchFamily="18" charset="0"/>
+              </a:rPr>
+              <a:t> </a:t>
+            </a:r>
+            <a:r>
+              <a:rPr lang="en-US" dirty="0" err="1" smtClean="0">
+                <a:solidFill>
+                  <a:schemeClr val="bg1"/>
+                </a:solidFill>
+                <a:latin typeface="Times New Roman" panose="02020603050405020304" pitchFamily="18" charset="0"/>
+                <a:cs typeface="Times New Roman" panose="02020603050405020304" pitchFamily="18" charset="0"/>
+              </a:rPr>
+              <a:t>cuvintelor</a:t>
+            </a:r>
+            <a:r>
+              <a:rPr lang="en-US" dirty="0" smtClean="0">
+                <a:solidFill>
+                  <a:schemeClr val="bg1"/>
+                </a:solidFill>
+                <a:latin typeface="Times New Roman" panose="02020603050405020304" pitchFamily="18" charset="0"/>
+                <a:cs typeface="Times New Roman" panose="02020603050405020304" pitchFamily="18" charset="0"/>
+              </a:rPr>
+              <a:t> </a:t>
+            </a:r>
+            <a:r>
+              <a:rPr lang="en-US" dirty="0" err="1" smtClean="0">
+                <a:solidFill>
+                  <a:schemeClr val="bg1"/>
+                </a:solidFill>
+                <a:latin typeface="Times New Roman" panose="02020603050405020304" pitchFamily="18" charset="0"/>
+                <a:cs typeface="Times New Roman" panose="02020603050405020304" pitchFamily="18" charset="0"/>
+              </a:rPr>
+              <a:t>nepurt</a:t>
+            </a:r>
+            <a:r>
+              <a:rPr lang="ro-RO" dirty="0" smtClean="0">
+                <a:solidFill>
+                  <a:schemeClr val="bg1"/>
+                </a:solidFill>
+                <a:latin typeface="Times New Roman" panose="02020603050405020304" pitchFamily="18" charset="0"/>
+                <a:cs typeface="Times New Roman" panose="02020603050405020304" pitchFamily="18" charset="0"/>
+              </a:rPr>
+              <a:t>ătoare de informații</a:t>
+            </a:r>
+            <a:r>
+              <a:rPr lang="en-US" dirty="0" smtClean="0">
+                <a:solidFill>
+                  <a:schemeClr val="bg1"/>
+                </a:solidFill>
+                <a:latin typeface="Times New Roman" panose="02020603050405020304" pitchFamily="18" charset="0"/>
+                <a:cs typeface="Times New Roman" panose="02020603050405020304" pitchFamily="18" charset="0"/>
+              </a:rPr>
+              <a:t>: </a:t>
+            </a:r>
+            <a:r>
+              <a:rPr lang="en-US" i="1" dirty="0" smtClean="0">
+                <a:solidFill>
+                  <a:schemeClr val="bg1"/>
+                </a:solidFill>
+                <a:latin typeface="Times New Roman" panose="02020603050405020304" pitchFamily="18" charset="0"/>
+                <a:cs typeface="Times New Roman" panose="02020603050405020304" pitchFamily="18" charset="0"/>
+              </a:rPr>
+              <a:t>please, the</a:t>
+            </a:r>
+          </a:p>
+          <a:p>
+            <a:pPr marL="800100" lvl="1" indent="-342900">
+              <a:lnSpc>
+                <a:spcPct val="150000"/>
+              </a:lnSpc>
+              <a:buFont typeface="+mj-lt"/>
+              <a:buAutoNum type="arabicPeriod"/>
+            </a:pPr>
+            <a:r>
+              <a:rPr lang="en-US" dirty="0" err="1" smtClean="0">
+                <a:solidFill>
+                  <a:schemeClr val="bg1"/>
+                </a:solidFill>
+                <a:latin typeface="Times New Roman" panose="02020603050405020304" pitchFamily="18" charset="0"/>
+                <a:cs typeface="Times New Roman" panose="02020603050405020304" pitchFamily="18" charset="0"/>
+              </a:rPr>
+              <a:t>Transformarea</a:t>
+            </a:r>
+            <a:r>
+              <a:rPr lang="en-US" dirty="0" smtClean="0">
+                <a:solidFill>
+                  <a:schemeClr val="bg1"/>
+                </a:solidFill>
+                <a:latin typeface="Times New Roman" panose="02020603050405020304" pitchFamily="18" charset="0"/>
+                <a:cs typeface="Times New Roman" panose="02020603050405020304" pitchFamily="18" charset="0"/>
+              </a:rPr>
+              <a:t> </a:t>
+            </a:r>
+            <a:r>
+              <a:rPr lang="en-US" dirty="0" err="1" smtClean="0">
+                <a:solidFill>
+                  <a:schemeClr val="bg1"/>
+                </a:solidFill>
+                <a:latin typeface="Times New Roman" panose="02020603050405020304" pitchFamily="18" charset="0"/>
+                <a:cs typeface="Times New Roman" panose="02020603050405020304" pitchFamily="18" charset="0"/>
+              </a:rPr>
+              <a:t>cuvintelor</a:t>
+            </a:r>
+            <a:r>
+              <a:rPr lang="en-US" dirty="0" smtClean="0">
+                <a:solidFill>
+                  <a:schemeClr val="bg1"/>
+                </a:solidFill>
+                <a:latin typeface="Times New Roman" panose="02020603050405020304" pitchFamily="18" charset="0"/>
+                <a:cs typeface="Times New Roman" panose="02020603050405020304" pitchFamily="18" charset="0"/>
+              </a:rPr>
+              <a:t> </a:t>
+            </a:r>
+            <a:r>
+              <a:rPr lang="ro-RO" dirty="0" smtClean="0">
+                <a:solidFill>
+                  <a:schemeClr val="bg1"/>
+                </a:solidFill>
+                <a:latin typeface="Times New Roman" panose="02020603050405020304" pitchFamily="18" charset="0"/>
+                <a:cs typeface="Times New Roman" panose="02020603050405020304" pitchFamily="18" charset="0"/>
+              </a:rPr>
+              <a:t>în rădăcinile sale</a:t>
+            </a:r>
+            <a:r>
+              <a:rPr lang="en-US" dirty="0" smtClean="0">
+                <a:solidFill>
+                  <a:schemeClr val="bg1"/>
+                </a:solidFill>
+                <a:latin typeface="Times New Roman" panose="02020603050405020304" pitchFamily="18" charset="0"/>
+                <a:cs typeface="Times New Roman" panose="02020603050405020304" pitchFamily="18" charset="0"/>
+              </a:rPr>
+              <a:t>: </a:t>
+            </a:r>
+            <a:r>
+              <a:rPr lang="en-US" i="1" dirty="0" smtClean="0">
+                <a:solidFill>
+                  <a:schemeClr val="bg1"/>
+                </a:solidFill>
+                <a:latin typeface="Times New Roman" panose="02020603050405020304" pitchFamily="18" charset="0"/>
+                <a:cs typeface="Times New Roman" panose="02020603050405020304" pitchFamily="18" charset="0"/>
+              </a:rPr>
+              <a:t>darker → dark, heating → heat</a:t>
+            </a:r>
+          </a:p>
+          <a:p>
+            <a:pPr marL="800100" lvl="1" indent="-342900">
+              <a:lnSpc>
+                <a:spcPct val="150000"/>
+              </a:lnSpc>
+              <a:buFont typeface="+mj-lt"/>
+              <a:buAutoNum type="arabicPeriod"/>
+            </a:pPr>
+            <a:r>
+              <a:rPr lang="en-US" dirty="0" err="1" smtClean="0">
+                <a:solidFill>
+                  <a:schemeClr val="bg1"/>
+                </a:solidFill>
+                <a:latin typeface="Times New Roman" panose="02020603050405020304" pitchFamily="18" charset="0"/>
+                <a:cs typeface="Times New Roman" panose="02020603050405020304" pitchFamily="18" charset="0"/>
+              </a:rPr>
+              <a:t>Codare</a:t>
+            </a:r>
+            <a:r>
+              <a:rPr lang="en-US" dirty="0" smtClean="0">
+                <a:solidFill>
+                  <a:schemeClr val="bg1"/>
+                </a:solidFill>
+                <a:latin typeface="Times New Roman" panose="02020603050405020304" pitchFamily="18" charset="0"/>
+                <a:cs typeface="Times New Roman" panose="02020603050405020304" pitchFamily="18" charset="0"/>
+              </a:rPr>
+              <a:t> </a:t>
+            </a:r>
+            <a:r>
+              <a:rPr lang="en-US" i="1" dirty="0" smtClean="0">
+                <a:solidFill>
+                  <a:schemeClr val="bg1"/>
+                </a:solidFill>
+                <a:latin typeface="Times New Roman" panose="02020603050405020304" pitchFamily="18" charset="0"/>
+                <a:cs typeface="Times New Roman" panose="02020603050405020304" pitchFamily="18" charset="0"/>
+              </a:rPr>
+              <a:t>one hot </a:t>
+            </a:r>
+            <a:r>
+              <a:rPr lang="en-US" dirty="0" err="1" smtClean="0">
+                <a:solidFill>
+                  <a:schemeClr val="bg1"/>
+                </a:solidFill>
+                <a:latin typeface="Times New Roman" panose="02020603050405020304" pitchFamily="18" charset="0"/>
+                <a:cs typeface="Times New Roman" panose="02020603050405020304" pitchFamily="18" charset="0"/>
+              </a:rPr>
+              <a:t>folosind</a:t>
+            </a:r>
+            <a:r>
+              <a:rPr lang="en-US" dirty="0" smtClean="0">
+                <a:solidFill>
+                  <a:schemeClr val="bg1"/>
+                </a:solidFill>
+                <a:latin typeface="Times New Roman" panose="02020603050405020304" pitchFamily="18" charset="0"/>
+                <a:cs typeface="Times New Roman" panose="02020603050405020304" pitchFamily="18" charset="0"/>
+              </a:rPr>
+              <a:t> </a:t>
+            </a:r>
+            <a:r>
+              <a:rPr lang="en-US" dirty="0" err="1" smtClean="0">
+                <a:solidFill>
+                  <a:schemeClr val="bg1"/>
+                </a:solidFill>
+                <a:latin typeface="Times New Roman" panose="02020603050405020304" pitchFamily="18" charset="0"/>
+                <a:cs typeface="Times New Roman" panose="02020603050405020304" pitchFamily="18" charset="0"/>
+              </a:rPr>
+              <a:t>lexicul</a:t>
+            </a:r>
+            <a:r>
+              <a:rPr lang="en-US" dirty="0" smtClean="0">
+                <a:solidFill>
+                  <a:schemeClr val="bg1"/>
+                </a:solidFill>
+                <a:latin typeface="Times New Roman" panose="02020603050405020304" pitchFamily="18" charset="0"/>
+                <a:cs typeface="Times New Roman" panose="02020603050405020304" pitchFamily="18" charset="0"/>
+              </a:rPr>
+              <a:t> </a:t>
+            </a:r>
+            <a:r>
+              <a:rPr lang="en-US" dirty="0" err="1" smtClean="0">
+                <a:solidFill>
+                  <a:schemeClr val="bg1"/>
+                </a:solidFill>
+                <a:latin typeface="Times New Roman" panose="02020603050405020304" pitchFamily="18" charset="0"/>
+                <a:cs typeface="Times New Roman" panose="02020603050405020304" pitchFamily="18" charset="0"/>
+              </a:rPr>
+              <a:t>construit</a:t>
+            </a:r>
+            <a:r>
+              <a:rPr lang="en-US" dirty="0" smtClean="0">
+                <a:solidFill>
+                  <a:schemeClr val="bg1"/>
+                </a:solidFill>
+                <a:latin typeface="Times New Roman" panose="02020603050405020304" pitchFamily="18" charset="0"/>
+                <a:cs typeface="Times New Roman" panose="02020603050405020304" pitchFamily="18" charset="0"/>
+              </a:rPr>
+              <a:t> din </a:t>
+            </a:r>
+            <a:r>
+              <a:rPr lang="en-US" dirty="0" err="1" smtClean="0">
+                <a:solidFill>
+                  <a:schemeClr val="bg1"/>
+                </a:solidFill>
+                <a:latin typeface="Times New Roman" panose="02020603050405020304" pitchFamily="18" charset="0"/>
+                <a:cs typeface="Times New Roman" panose="02020603050405020304" pitchFamily="18" charset="0"/>
+              </a:rPr>
+              <a:t>datele</a:t>
+            </a:r>
+            <a:r>
+              <a:rPr lang="en-US" dirty="0" smtClean="0">
+                <a:solidFill>
+                  <a:schemeClr val="bg1"/>
+                </a:solidFill>
+                <a:latin typeface="Times New Roman" panose="02020603050405020304" pitchFamily="18" charset="0"/>
+                <a:cs typeface="Times New Roman" panose="02020603050405020304" pitchFamily="18" charset="0"/>
+              </a:rPr>
+              <a:t> de </a:t>
+            </a:r>
+            <a:r>
+              <a:rPr lang="en-US" dirty="0" err="1" smtClean="0">
+                <a:solidFill>
+                  <a:schemeClr val="bg1"/>
+                </a:solidFill>
+                <a:latin typeface="Times New Roman" panose="02020603050405020304" pitchFamily="18" charset="0"/>
+                <a:cs typeface="Times New Roman" panose="02020603050405020304" pitchFamily="18" charset="0"/>
+              </a:rPr>
+              <a:t>antrenare</a:t>
+            </a:r>
+            <a:r>
+              <a:rPr lang="en-US" i="1" dirty="0" smtClean="0">
+                <a:solidFill>
+                  <a:schemeClr val="bg1"/>
+                </a:solidFill>
+                <a:latin typeface="Times New Roman" panose="02020603050405020304" pitchFamily="18" charset="0"/>
+                <a:cs typeface="Times New Roman" panose="02020603050405020304" pitchFamily="18" charset="0"/>
+              </a:rPr>
+              <a:t>:</a:t>
+            </a:r>
+          </a:p>
+          <a:p>
+            <a:pPr marL="800100" lvl="1" indent="-342900">
+              <a:buFont typeface="+mj-lt"/>
+              <a:buAutoNum type="arabicPeriod"/>
+            </a:pPr>
+            <a:endParaRPr lang="en-US" i="1" dirty="0">
+              <a:solidFill>
+                <a:schemeClr val="bg1"/>
+              </a:solidFill>
+              <a:latin typeface="Times New Roman" panose="02020603050405020304" pitchFamily="18" charset="0"/>
+              <a:cs typeface="Times New Roman" panose="02020603050405020304" pitchFamily="18" charset="0"/>
+            </a:endParaRPr>
+          </a:p>
+          <a:p>
+            <a:pPr marL="800100" lvl="1" indent="-342900">
+              <a:buFont typeface="+mj-lt"/>
+              <a:buAutoNum type="arabicPeriod"/>
+            </a:pPr>
+            <a:endParaRPr lang="en-US" dirty="0">
+              <a:solidFill>
+                <a:schemeClr val="bg1"/>
+              </a:solidFill>
+              <a:latin typeface="Times New Roman" panose="02020603050405020304" pitchFamily="18" charset="0"/>
+              <a:cs typeface="Times New Roman" panose="02020603050405020304" pitchFamily="18" charset="0"/>
+            </a:endParaRPr>
+          </a:p>
+        </p:txBody>
+      </p:sp>
+      <p:graphicFrame>
+        <p:nvGraphicFramePr>
+          <p:cNvPr id="5" name="Object 4"/>
+          <p:cNvGraphicFramePr>
+            <a:graphicFrameLocks noChangeAspect="1"/>
+          </p:cNvGraphicFramePr>
+          <p:nvPr>
+            <p:extLst>
+              <p:ext uri="{D42A27DB-BD31-4B8C-83A1-F6EECF244321}">
+                <p14:modId xmlns:p14="http://schemas.microsoft.com/office/powerpoint/2010/main" val="3320872804"/>
+              </p:ext>
+            </p:extLst>
+          </p:nvPr>
+        </p:nvGraphicFramePr>
+        <p:xfrm>
+          <a:off x="2176769" y="3093791"/>
+          <a:ext cx="10239375" cy="5513315"/>
+        </p:xfrm>
+        <a:graphic>
+          <a:graphicData uri="http://schemas.openxmlformats.org/presentationml/2006/ole">
+            <mc:AlternateContent xmlns:mc="http://schemas.openxmlformats.org/markup-compatibility/2006">
+              <mc:Choice xmlns:v="urn:schemas-microsoft-com:vml" Requires="v">
+                <p:oleObj spid="_x0000_s12294" name="Visio" r:id="rId4" imgW="8934584" imgH="4829214" progId="Visio.Drawing.15">
+                  <p:embed/>
+                </p:oleObj>
+              </mc:Choice>
+              <mc:Fallback>
+                <p:oleObj name="Visio" r:id="rId4" imgW="8934584" imgH="4829214" progId="Visio.Drawing.15">
+                  <p:embed/>
+                  <p:pic>
+                    <p:nvPicPr>
+                      <p:cNvPr id="3" name="Object 2"/>
+                      <p:cNvPicPr/>
+                      <p:nvPr/>
+                    </p:nvPicPr>
+                    <p:blipFill>
+                      <a:blip r:embed="rId5"/>
+                      <a:stretch>
+                        <a:fillRect/>
+                      </a:stretch>
+                    </p:blipFill>
+                    <p:spPr>
+                      <a:xfrm>
+                        <a:off x="2176769" y="3093791"/>
+                        <a:ext cx="10239375" cy="5513315"/>
+                      </a:xfrm>
+                      <a:prstGeom prst="rect">
+                        <a:avLst/>
+                      </a:prstGeom>
+                    </p:spPr>
+                  </p:pic>
+                </p:oleObj>
+              </mc:Fallback>
+            </mc:AlternateContent>
+          </a:graphicData>
+        </a:graphic>
+      </p:graphicFrame>
+    </p:spTree>
+    <p:extLst>
+      <p:ext uri="{BB962C8B-B14F-4D97-AF65-F5344CB8AC3E}">
+        <p14:creationId xmlns:p14="http://schemas.microsoft.com/office/powerpoint/2010/main" val="78155091"/>
+      </p:ext>
+    </p:extLst>
+  </p:cSld>
+  <p:clrMapOvr>
+    <a:masterClrMapping/>
+  </p:clrMapOvr>
+  <p:timing>
+    <p:tnLst>
+      <p:par>
+        <p:cTn id="1" dur="indefinite" restart="never" nodeType="tmRoot"/>
+      </p:par>
+    </p:tnLst>
+  </p:timing>
+</p:sld>
+</file>
+
+<file path=ppt/slides/slide12.xml><?xml version="1.0" encoding="utf-8"?>
+<p:sld xmlns:a="http://schemas.openxmlformats.org/drawingml/2006/main" xmlns:r="http://schemas.openxmlformats.org/officeDocument/2006/relationships" xmlns:p="http://schemas.openxmlformats.org/presentationml/2006/main">
+  <p:cSld>
+    <p:bg>
+      <p:bgPr>
+        <a:solidFill>
+          <a:schemeClr val="tx1"/>
+        </a:solidFill>
+        <a:effectLst/>
+      </p:bgPr>
+    </p:bg>
+    <p:spTree>
+      <p:nvGrpSpPr>
+        <p:cNvPr id="1" name=""/>
+        <p:cNvGrpSpPr/>
+        <p:nvPr/>
+      </p:nvGrpSpPr>
+      <p:grpSpPr>
+        <a:xfrm>
+          <a:off x="0" y="0"/>
+          <a:ext cx="0" cy="0"/>
+          <a:chOff x="0" y="0"/>
+          <a:chExt cx="0" cy="0"/>
+        </a:xfrm>
+      </p:grpSpPr>
+      <p:sp>
+        <p:nvSpPr>
+          <p:cNvPr id="7" name="TextBox 6"/>
+          <p:cNvSpPr txBox="1"/>
+          <p:nvPr/>
+        </p:nvSpPr>
+        <p:spPr>
+          <a:xfrm>
+            <a:off x="1841501" y="38100"/>
+            <a:ext cx="7605928" cy="646331"/>
+          </a:xfrm>
+          <a:prstGeom prst="rect">
+            <a:avLst/>
+          </a:prstGeom>
+          <a:noFill/>
+        </p:spPr>
+        <p:txBody>
+          <a:bodyPr wrap="none" rtlCol="0">
+            <a:spAutoFit/>
+          </a:bodyPr>
+          <a:lstStyle/>
+          <a:p>
+            <a:r>
+              <a:rPr lang="ro-RO" sz="3600" b="1" dirty="0" smtClean="0">
+                <a:solidFill>
+                  <a:schemeClr val="bg1"/>
+                </a:solidFill>
+                <a:latin typeface="Times New Roman" panose="02020603050405020304" pitchFamily="18" charset="0"/>
+                <a:cs typeface="Times New Roman" panose="02020603050405020304" pitchFamily="18" charset="0"/>
+              </a:rPr>
+              <a:t>Arhitectura componentelor hardware</a:t>
             </a:r>
             <a:endParaRPr lang="en-US" sz="3600" b="1" dirty="0">
               <a:solidFill>
@@ -12840,6 +13811,583 @@
       </p:sp>
       <p:graphicFrame>
         <p:nvGraphicFramePr>
+          <p:cNvPr id="3" name="Object 2"/>
+          <p:cNvGraphicFramePr>
+            <a:graphicFrameLocks noChangeAspect="1"/>
+          </p:cNvGraphicFramePr>
+          <p:nvPr>
+            <p:extLst>
+              <p:ext uri="{D42A27DB-BD31-4B8C-83A1-F6EECF244321}">
+                <p14:modId xmlns:p14="http://schemas.microsoft.com/office/powerpoint/2010/main" val="3591985991"/>
+              </p:ext>
+            </p:extLst>
+          </p:nvPr>
+        </p:nvGraphicFramePr>
+        <p:xfrm>
+          <a:off x="2781300" y="722531"/>
+          <a:ext cx="7669706" cy="3441700"/>
+        </p:xfrm>
+        <a:graphic>
+          <a:graphicData uri="http://schemas.openxmlformats.org/presentationml/2006/ole">
+            <mc:AlternateContent xmlns:mc="http://schemas.openxmlformats.org/markup-compatibility/2006">
+              <mc:Choice xmlns:v="urn:schemas-microsoft-com:vml" Requires="v">
+                <p:oleObj spid="_x0000_s3098" name="Visio" r:id="rId4" imgW="7229520" imgH="3247958" progId="Visio.Drawing.15">
+                  <p:embed/>
+                </p:oleObj>
+              </mc:Choice>
+              <mc:Fallback>
+                <p:oleObj name="Visio" r:id="rId4" imgW="7229520" imgH="3247958" progId="Visio.Drawing.15">
+                  <p:embed/>
+                  <p:pic>
+                    <p:nvPicPr>
+                      <p:cNvPr id="0" name="Object 1"/>
+                      <p:cNvPicPr>
+                        <a:picLocks noChangeAspect="1" noChangeArrowheads="1"/>
+                      </p:cNvPicPr>
+                      <p:nvPr/>
+                    </p:nvPicPr>
+                    <p:blipFill>
+                      <a:blip r:embed="rId5">
+                        <a:extLst>
+                          <a:ext uri="{28A0092B-C50C-407E-A947-70E740481C1C}">
+                            <a14:useLocalDpi xmlns:a14="http://schemas.microsoft.com/office/drawing/2010/main" val="0"/>
+                          </a:ext>
+                        </a:extLst>
+                      </a:blip>
+                      <a:srcRect/>
+                      <a:stretch>
+                        <a:fillRect/>
+                      </a:stretch>
+                    </p:blipFill>
+                    <p:spPr bwMode="auto">
+                      <a:xfrm>
+                        <a:off x="2781300" y="722531"/>
+                        <a:ext cx="7669706" cy="3441700"/>
+                      </a:xfrm>
+                      <a:prstGeom prst="rect">
+                        <a:avLst/>
+                      </a:prstGeom>
+                      <a:noFill/>
+                    </p:spPr>
+                  </p:pic>
+                </p:oleObj>
+              </mc:Fallback>
+            </mc:AlternateContent>
+          </a:graphicData>
+        </a:graphic>
+      </p:graphicFrame>
+      <p:sp>
+        <p:nvSpPr>
+          <p:cNvPr id="4" name="TextBox 3"/>
+          <p:cNvSpPr txBox="1"/>
+          <p:nvPr/>
+        </p:nvSpPr>
+        <p:spPr>
+          <a:xfrm>
+            <a:off x="2105025" y="3781425"/>
+            <a:ext cx="8601075" cy="3000821"/>
+          </a:xfrm>
+          <a:prstGeom prst="rect">
+            <a:avLst/>
+          </a:prstGeom>
+          <a:noFill/>
+        </p:spPr>
+        <p:txBody>
+          <a:bodyPr wrap="square" rtlCol="0">
+            <a:spAutoFit/>
+          </a:bodyPr>
+          <a:lstStyle/>
+          <a:p>
+            <a:pPr marL="342900" indent="-342900">
+              <a:lnSpc>
+                <a:spcPct val="150000"/>
+              </a:lnSpc>
+              <a:buAutoNum type="arabicPeriod"/>
+            </a:pPr>
+            <a:r>
+              <a:rPr lang="ro-RO" b="1" dirty="0" smtClean="0">
+                <a:solidFill>
+                  <a:schemeClr val="bg1"/>
+                </a:solidFill>
+                <a:latin typeface="Times New Roman" panose="02020603050405020304" pitchFamily="18" charset="0"/>
+                <a:cs typeface="Times New Roman" panose="02020603050405020304" pitchFamily="18" charset="0"/>
+              </a:rPr>
+              <a:t>Terminat I/O </a:t>
+            </a:r>
+            <a:r>
+              <a:rPr lang="ro-RO" dirty="0" smtClean="0">
+                <a:solidFill>
+                  <a:schemeClr val="bg1"/>
+                </a:solidFill>
+                <a:latin typeface="Times New Roman" panose="02020603050405020304" pitchFamily="18" charset="0"/>
+                <a:cs typeface="Times New Roman" panose="02020603050405020304" pitchFamily="18" charset="0"/>
+              </a:rPr>
+              <a:t>capabil să interpreteze pagini web cu conținut javascript</a:t>
+            </a:r>
+          </a:p>
+          <a:p>
+            <a:pPr marL="342900" indent="-342900">
+              <a:lnSpc>
+                <a:spcPct val="150000"/>
+              </a:lnSpc>
+              <a:buAutoNum type="arabicPeriod"/>
+            </a:pPr>
+            <a:r>
+              <a:rPr lang="ro-RO" b="1" dirty="0" smtClean="0">
+                <a:solidFill>
+                  <a:schemeClr val="bg1"/>
+                </a:solidFill>
+                <a:latin typeface="Times New Roman" panose="02020603050405020304" pitchFamily="18" charset="0"/>
+                <a:cs typeface="Times New Roman" panose="02020603050405020304" pitchFamily="18" charset="0"/>
+              </a:rPr>
+              <a:t>Raspberry Pi 3 model B </a:t>
+            </a:r>
+            <a:r>
+              <a:rPr lang="ro-RO" dirty="0" smtClean="0">
+                <a:solidFill>
+                  <a:schemeClr val="bg1"/>
+                </a:solidFill>
+                <a:latin typeface="Times New Roman" panose="02020603050405020304" pitchFamily="18" charset="0"/>
+                <a:cs typeface="Times New Roman" panose="02020603050405020304" pitchFamily="18" charset="0"/>
+              </a:rPr>
+              <a:t>permite integrarea tuturor tehnologiilor componente</a:t>
+            </a:r>
+          </a:p>
+          <a:p>
+            <a:pPr marL="342900" indent="-342900">
+              <a:lnSpc>
+                <a:spcPct val="150000"/>
+              </a:lnSpc>
+              <a:buAutoNum type="arabicPeriod"/>
+            </a:pPr>
+            <a:r>
+              <a:rPr lang="ro-RO" dirty="0">
+                <a:solidFill>
+                  <a:schemeClr val="bg1"/>
+                </a:solidFill>
+                <a:latin typeface="Times New Roman" panose="02020603050405020304" pitchFamily="18" charset="0"/>
+                <a:cs typeface="Times New Roman" panose="02020603050405020304" pitchFamily="18" charset="0"/>
+              </a:rPr>
+              <a:t>S</a:t>
+            </a:r>
+            <a:r>
+              <a:rPr lang="ro-RO" dirty="0" smtClean="0">
+                <a:solidFill>
+                  <a:schemeClr val="bg1"/>
+                </a:solidFill>
+                <a:latin typeface="Times New Roman" panose="02020603050405020304" pitchFamily="18" charset="0"/>
+                <a:cs typeface="Times New Roman" panose="02020603050405020304" pitchFamily="18" charset="0"/>
+              </a:rPr>
+              <a:t>tick USB controller </a:t>
+            </a:r>
+            <a:r>
+              <a:rPr lang="ro-RO" b="1" dirty="0" smtClean="0">
+                <a:solidFill>
+                  <a:schemeClr val="bg1"/>
+                </a:solidFill>
+                <a:latin typeface="Times New Roman" panose="02020603050405020304" pitchFamily="18" charset="0"/>
+                <a:cs typeface="Times New Roman" panose="02020603050405020304" pitchFamily="18" charset="0"/>
+              </a:rPr>
+              <a:t>Aeotec Z-Stick Gen 5 </a:t>
+            </a:r>
+            <a:r>
+              <a:rPr lang="ro-RO" dirty="0" smtClean="0">
+                <a:solidFill>
+                  <a:schemeClr val="bg1"/>
+                </a:solidFill>
+                <a:latin typeface="Times New Roman" panose="02020603050405020304" pitchFamily="18" charset="0"/>
+                <a:cs typeface="Times New Roman" panose="02020603050405020304" pitchFamily="18" charset="0"/>
+              </a:rPr>
+              <a:t>pentru manipularea rețelei Z-Wave</a:t>
+            </a:r>
+          </a:p>
+          <a:p>
+            <a:pPr marL="342900" indent="-342900">
+              <a:lnSpc>
+                <a:spcPct val="150000"/>
+              </a:lnSpc>
+              <a:buAutoNum type="arabicPeriod"/>
+            </a:pPr>
+            <a:r>
+              <a:rPr lang="ro-RO" dirty="0" smtClean="0">
+                <a:solidFill>
+                  <a:schemeClr val="bg1"/>
+                </a:solidFill>
+                <a:latin typeface="Times New Roman" panose="02020603050405020304" pitchFamily="18" charset="0"/>
+                <a:cs typeface="Times New Roman" panose="02020603050405020304" pitchFamily="18" charset="0"/>
+              </a:rPr>
+              <a:t>Echipamente inteligente compatibile Z-Wave</a:t>
+            </a:r>
+            <a:r>
+              <a:rPr lang="en-US" dirty="0" smtClean="0">
+                <a:solidFill>
+                  <a:schemeClr val="bg1"/>
+                </a:solidFill>
+                <a:latin typeface="Times New Roman" panose="02020603050405020304" pitchFamily="18" charset="0"/>
+                <a:cs typeface="Times New Roman" panose="02020603050405020304" pitchFamily="18" charset="0"/>
+              </a:rPr>
+              <a:t>:</a:t>
+            </a:r>
+          </a:p>
+          <a:p>
+            <a:pPr lvl="2">
+              <a:lnSpc>
+                <a:spcPct val="150000"/>
+              </a:lnSpc>
+            </a:pPr>
+            <a:r>
+              <a:rPr lang="en-US" dirty="0" smtClean="0">
+                <a:solidFill>
+                  <a:schemeClr val="bg1"/>
+                </a:solidFill>
+                <a:latin typeface="Times New Roman" panose="02020603050405020304" pitchFamily="18" charset="0"/>
+                <a:cs typeface="Times New Roman" panose="02020603050405020304" pitchFamily="18" charset="0"/>
+              </a:rPr>
+              <a:t>4.1 </a:t>
+            </a:r>
+            <a:r>
+              <a:rPr lang="en-US" dirty="0" err="1" smtClean="0">
+                <a:solidFill>
+                  <a:schemeClr val="bg1"/>
+                </a:solidFill>
+                <a:latin typeface="Times New Roman" panose="02020603050405020304" pitchFamily="18" charset="0"/>
+                <a:cs typeface="Times New Roman" panose="02020603050405020304" pitchFamily="18" charset="0"/>
+              </a:rPr>
+              <a:t>Bec</a:t>
+            </a:r>
+            <a:r>
+              <a:rPr lang="en-US" dirty="0" smtClean="0">
+                <a:solidFill>
+                  <a:schemeClr val="bg1"/>
+                </a:solidFill>
+                <a:latin typeface="Times New Roman" panose="02020603050405020304" pitchFamily="18" charset="0"/>
+                <a:cs typeface="Times New Roman" panose="02020603050405020304" pitchFamily="18" charset="0"/>
+              </a:rPr>
+              <a:t> </a:t>
+            </a:r>
+            <a:r>
+              <a:rPr lang="en-US" b="1" dirty="0" err="1" smtClean="0">
+                <a:solidFill>
+                  <a:schemeClr val="bg1"/>
+                </a:solidFill>
+                <a:latin typeface="Times New Roman" panose="02020603050405020304" pitchFamily="18" charset="0"/>
+                <a:cs typeface="Times New Roman" panose="02020603050405020304" pitchFamily="18" charset="0"/>
+              </a:rPr>
+              <a:t>Zipato</a:t>
+            </a:r>
+            <a:r>
+              <a:rPr lang="en-US" b="1" dirty="0" smtClean="0">
+                <a:solidFill>
+                  <a:schemeClr val="bg1"/>
+                </a:solidFill>
+                <a:latin typeface="Times New Roman" panose="02020603050405020304" pitchFamily="18" charset="0"/>
+                <a:cs typeface="Times New Roman" panose="02020603050405020304" pitchFamily="18" charset="0"/>
+              </a:rPr>
+              <a:t> Bulb 2 </a:t>
+            </a:r>
+            <a:r>
+              <a:rPr lang="en-US" dirty="0" err="1" smtClean="0">
+                <a:solidFill>
+                  <a:schemeClr val="bg1"/>
+                </a:solidFill>
+                <a:latin typeface="Times New Roman" panose="02020603050405020304" pitchFamily="18" charset="0"/>
+                <a:cs typeface="Times New Roman" panose="02020603050405020304" pitchFamily="18" charset="0"/>
+              </a:rPr>
+              <a:t>permite</a:t>
+            </a:r>
+            <a:r>
+              <a:rPr lang="en-US" dirty="0" smtClean="0">
+                <a:solidFill>
+                  <a:schemeClr val="bg1"/>
+                </a:solidFill>
+                <a:latin typeface="Times New Roman" panose="02020603050405020304" pitchFamily="18" charset="0"/>
+                <a:cs typeface="Times New Roman" panose="02020603050405020304" pitchFamily="18" charset="0"/>
+              </a:rPr>
+              <a:t> </a:t>
+            </a:r>
+            <a:r>
+              <a:rPr lang="en-US" dirty="0" err="1" smtClean="0">
+                <a:solidFill>
+                  <a:schemeClr val="bg1"/>
+                </a:solidFill>
+                <a:latin typeface="Times New Roman" panose="02020603050405020304" pitchFamily="18" charset="0"/>
+                <a:cs typeface="Times New Roman" panose="02020603050405020304" pitchFamily="18" charset="0"/>
+              </a:rPr>
+              <a:t>controlarea</a:t>
+            </a:r>
+            <a:r>
+              <a:rPr lang="en-US" dirty="0" smtClean="0">
+                <a:solidFill>
+                  <a:schemeClr val="bg1"/>
+                </a:solidFill>
+                <a:latin typeface="Times New Roman" panose="02020603050405020304" pitchFamily="18" charset="0"/>
+                <a:cs typeface="Times New Roman" panose="02020603050405020304" pitchFamily="18" charset="0"/>
+              </a:rPr>
+              <a:t> </a:t>
+            </a:r>
+            <a:r>
+              <a:rPr lang="en-US" dirty="0" err="1" smtClean="0">
+                <a:solidFill>
+                  <a:schemeClr val="bg1"/>
+                </a:solidFill>
+                <a:latin typeface="Times New Roman" panose="02020603050405020304" pitchFamily="18" charset="0"/>
+                <a:cs typeface="Times New Roman" panose="02020603050405020304" pitchFamily="18" charset="0"/>
+              </a:rPr>
+              <a:t>intensit</a:t>
+            </a:r>
+            <a:r>
+              <a:rPr lang="ro-RO" dirty="0" smtClean="0">
+                <a:solidFill>
+                  <a:schemeClr val="bg1"/>
+                </a:solidFill>
+                <a:latin typeface="Times New Roman" panose="02020603050405020304" pitchFamily="18" charset="0"/>
+                <a:cs typeface="Times New Roman" panose="02020603050405020304" pitchFamily="18" charset="0"/>
+              </a:rPr>
+              <a:t>ății luminii</a:t>
+            </a:r>
+          </a:p>
+          <a:p>
+            <a:pPr lvl="2">
+              <a:lnSpc>
+                <a:spcPct val="150000"/>
+              </a:lnSpc>
+            </a:pPr>
+            <a:r>
+              <a:rPr lang="ro-RO" dirty="0" smtClean="0">
+                <a:solidFill>
+                  <a:schemeClr val="bg1"/>
+                </a:solidFill>
+                <a:latin typeface="Times New Roman" panose="02020603050405020304" pitchFamily="18" charset="0"/>
+                <a:cs typeface="Times New Roman" panose="02020603050405020304" pitchFamily="18" charset="0"/>
+              </a:rPr>
+              <a:t>4.1 Valvă inteligentă </a:t>
+            </a:r>
+            <a:r>
+              <a:rPr lang="ro-RO" b="1" dirty="0" smtClean="0">
+                <a:solidFill>
+                  <a:schemeClr val="bg1"/>
+                </a:solidFill>
+                <a:latin typeface="Times New Roman" panose="02020603050405020304" pitchFamily="18" charset="0"/>
+                <a:cs typeface="Times New Roman" panose="02020603050405020304" pitchFamily="18" charset="0"/>
+              </a:rPr>
+              <a:t>Popp TRV </a:t>
+            </a:r>
+            <a:r>
+              <a:rPr lang="ro-RO" dirty="0" smtClean="0">
+                <a:solidFill>
+                  <a:schemeClr val="bg1"/>
+                </a:solidFill>
+                <a:latin typeface="Times New Roman" panose="02020603050405020304" pitchFamily="18" charset="0"/>
+                <a:cs typeface="Times New Roman" panose="02020603050405020304" pitchFamily="18" charset="0"/>
+              </a:rPr>
+              <a:t>cu termostat integrat pentru monitorizarea temperaturii ambientale precum și</a:t>
+            </a:r>
+            <a:r>
+              <a:rPr lang="en-US" dirty="0" smtClean="0">
+                <a:solidFill>
+                  <a:schemeClr val="bg1"/>
+                </a:solidFill>
+                <a:latin typeface="Times New Roman" panose="02020603050405020304" pitchFamily="18" charset="0"/>
+                <a:cs typeface="Times New Roman" panose="02020603050405020304" pitchFamily="18" charset="0"/>
+              </a:rPr>
+              <a:t> </a:t>
+            </a:r>
+            <a:r>
+              <a:rPr lang="ro-RO" dirty="0" smtClean="0">
+                <a:solidFill>
+                  <a:schemeClr val="bg1"/>
+                </a:solidFill>
+                <a:latin typeface="Times New Roman" panose="02020603050405020304" pitchFamily="18" charset="0"/>
+                <a:cs typeface="Times New Roman" panose="02020603050405020304" pitchFamily="18" charset="0"/>
+              </a:rPr>
+              <a:t>a setării unor praguri de acționare</a:t>
+            </a:r>
+            <a:endParaRPr lang="en-US" dirty="0">
+              <a:solidFill>
+                <a:schemeClr val="bg1"/>
+              </a:solidFill>
+              <a:latin typeface="Times New Roman" panose="02020603050405020304" pitchFamily="18" charset="0"/>
+              <a:cs typeface="Times New Roman" panose="02020603050405020304" pitchFamily="18" charset="0"/>
+            </a:endParaRPr>
+          </a:p>
+        </p:txBody>
+      </p:sp>
+    </p:spTree>
+    <p:extLst>
+      <p:ext uri="{BB962C8B-B14F-4D97-AF65-F5344CB8AC3E}">
+        <p14:creationId xmlns:p14="http://schemas.microsoft.com/office/powerpoint/2010/main" val="833691999"/>
+      </p:ext>
+    </p:extLst>
+  </p:cSld>
+  <p:clrMapOvr>
+    <a:masterClrMapping/>
+  </p:clrMapOvr>
+  <p:timing>
+    <p:tnLst>
+      <p:par>
+        <p:cTn id="1" dur="indefinite" restart="never" nodeType="tmRoot"/>
+      </p:par>
+    </p:tnLst>
+  </p:timing>
+</p:sld>
+</file>
+
+<file path=ppt/slides/slide13.xml><?xml version="1.0" encoding="utf-8"?>
+<p:sld xmlns:a="http://schemas.openxmlformats.org/drawingml/2006/main" xmlns:r="http://schemas.openxmlformats.org/officeDocument/2006/relationships" xmlns:p="http://schemas.openxmlformats.org/presentationml/2006/main">
+  <p:cSld>
+    <p:bg>
+      <p:bgPr>
+        <a:solidFill>
+          <a:schemeClr val="tx1"/>
+        </a:solidFill>
+        <a:effectLst/>
+      </p:bgPr>
+    </p:bg>
+    <p:spTree>
+      <p:nvGrpSpPr>
+        <p:cNvPr id="1" name=""/>
+        <p:cNvGrpSpPr/>
+        <p:nvPr/>
+      </p:nvGrpSpPr>
+      <p:grpSpPr>
+        <a:xfrm>
+          <a:off x="0" y="0"/>
+          <a:ext cx="0" cy="0"/>
+          <a:chOff x="0" y="0"/>
+          <a:chExt cx="0" cy="0"/>
+        </a:xfrm>
+      </p:grpSpPr>
+      <p:sp>
+        <p:nvSpPr>
+          <p:cNvPr id="7" name="TextBox 6"/>
+          <p:cNvSpPr txBox="1"/>
+          <p:nvPr/>
+        </p:nvSpPr>
+        <p:spPr>
+          <a:xfrm>
+            <a:off x="1841501" y="38100"/>
+            <a:ext cx="7375096" cy="646331"/>
+          </a:xfrm>
+          <a:prstGeom prst="rect">
+            <a:avLst/>
+          </a:prstGeom>
+          <a:noFill/>
+        </p:spPr>
+        <p:txBody>
+          <a:bodyPr wrap="none" rtlCol="0">
+            <a:spAutoFit/>
+          </a:bodyPr>
+          <a:lstStyle/>
+          <a:p>
+            <a:r>
+              <a:rPr lang="ro-RO" sz="3600" b="1" dirty="0" smtClean="0">
+                <a:solidFill>
+                  <a:schemeClr val="bg1"/>
+                </a:solidFill>
+                <a:latin typeface="Times New Roman" panose="02020603050405020304" pitchFamily="18" charset="0"/>
+                <a:cs typeface="Times New Roman" panose="02020603050405020304" pitchFamily="18" charset="0"/>
+              </a:rPr>
+              <a:t>Arhitectura componentelor software</a:t>
+            </a:r>
+            <a:endParaRPr lang="en-US" sz="3600" b="1" dirty="0">
+              <a:solidFill>
+                <a:schemeClr val="bg1"/>
+              </a:solidFill>
+              <a:latin typeface="Times New Roman" panose="02020603050405020304" pitchFamily="18" charset="0"/>
+              <a:cs typeface="Times New Roman" panose="02020603050405020304" pitchFamily="18" charset="0"/>
+            </a:endParaRPr>
+          </a:p>
+        </p:txBody>
+      </p:sp>
+      <p:pic>
+        <p:nvPicPr>
+          <p:cNvPr id="8" name="Picture 7"/>
+          <p:cNvPicPr>
+            <a:picLocks noChangeAspect="1"/>
+          </p:cNvPicPr>
+          <p:nvPr/>
+        </p:nvPicPr>
+        <p:blipFill>
+          <a:blip r:embed="rId3"/>
+          <a:stretch>
+            <a:fillRect/>
+          </a:stretch>
+        </p:blipFill>
+        <p:spPr>
+          <a:xfrm>
+            <a:off x="1" y="0"/>
+            <a:ext cx="1841500" cy="6867526"/>
+          </a:xfrm>
+          <a:prstGeom prst="rect">
+            <a:avLst/>
+          </a:prstGeom>
+        </p:spPr>
+      </p:pic>
+      <p:sp>
+        <p:nvSpPr>
+          <p:cNvPr id="2" name="Rectangle 2"/>
+          <p:cNvSpPr>
+            <a:spLocks noChangeArrowheads="1"/>
+          </p:cNvSpPr>
+          <p:nvPr/>
+        </p:nvSpPr>
+        <p:spPr bwMode="auto">
+          <a:xfrm>
+            <a:off x="3581400" y="927100"/>
+            <a:ext cx="12192000" cy="0"/>
+          </a:xfrm>
+          <a:prstGeom prst="rect">
+            <a:avLst/>
+          </a:prstGeom>
+          <a:noFill/>
+          <a:ln>
+            <a:noFill/>
+          </a:ln>
+          <a:effectLst/>
+          <a:extLst>
+            <a:ext uri="{909E8E84-426E-40DD-AFC4-6F175D3DCCD1}">
+              <a14:hiddenFill xmlns:a14="http://schemas.microsoft.com/office/drawing/2010/main">
+                <a:solidFill>
+                  <a:schemeClr val="accent1"/>
+                </a:solidFill>
+              </a14:hiddenFill>
+            </a:ext>
+            <a:ext uri="{91240B29-F687-4F45-9708-019B960494DF}">
+              <a14:hiddenLine xmlns:a14="http://schemas.microsoft.com/office/drawing/2010/main" w="9525">
+                <a:solidFill>
+                  <a:schemeClr val="tx1"/>
+                </a:solidFill>
+                <a:miter lim="800000"/>
+                <a:headEnd/>
+                <a:tailEnd/>
+              </a14:hiddenLine>
+            </a:ext>
+            <a:ext uri="{AF507438-7753-43E0-B8FC-AC1667EBCBE1}">
+              <a14:hiddenEffects xmlns:a14="http://schemas.microsoft.com/office/drawing/2010/main">
+                <a:effectLst>
+                  <a:outerShdw dist="35921" dir="2700000" algn="ctr" rotWithShape="0">
+                    <a:schemeClr val="bg2"/>
+                  </a:outerShdw>
+                </a:effectLst>
+              </a14:hiddenEffects>
+            </a:ext>
+          </a:extLst>
+        </p:spPr>
+        <p:txBody>
+          <a:bodyPr vert="horz" wrap="none" lIns="91440" tIns="45720" rIns="91440" bIns="45720" numCol="1" anchor="ctr" anchorCtr="0" compatLnSpc="1">
+            <a:prstTxWarp prst="textNoShape">
+              <a:avLst/>
+            </a:prstTxWarp>
+            <a:spAutoFit/>
+          </a:bodyPr>
+          <a:lstStyle/>
+          <a:p>
+            <a:endParaRPr lang="en-US"/>
+          </a:p>
+        </p:txBody>
+      </p:sp>
+      <p:graphicFrame>
+        <p:nvGraphicFramePr>
           <p:cNvPr id="4" name="Object 3"/>
           <p:cNvGraphicFramePr>
             <a:graphicFrameLocks noChangeAspect="1"/>
@@ -12860,7 +14408,7 @@
           <a:graphicData uri="http://schemas.openxmlformats.org/presentationml/2006/ole">
             <mc:AlternateContent xmlns:mc="http://schemas.openxmlformats.org/markup-compatibility/2006">
               <mc:Choice xmlns:v="urn:schemas-microsoft-com:vml" Requires="v">
-                <p:oleObj spid="_x0000_s9219" name="Visio" r:id="rId4" imgW="10715692" imgH="4057689" progId="Visio.Drawing.15">
+                <p:oleObj spid="_x0000_s9240" name="Visio" r:id="rId4" imgW="10715692" imgH="4057689" progId="Visio.Drawing.15">
                   <p:embed/>
                 </p:oleObj>
               </mc:Choice>
@@ -12915,7 +14463,7 @@
 </p:sld>
 </file>
 
-<file path=ppt/slides/slide11.xml><?xml version="1.0" encoding="utf-8"?>
+<file path=ppt/slides/slide14.xml><?xml version="1.0" encoding="utf-8"?>
 <p:sld xmlns:a="http://schemas.openxmlformats.org/drawingml/2006/main" xmlns:r="http://schemas.openxmlformats.org/officeDocument/2006/relationships" xmlns:p="http://schemas.openxmlformats.org/presentationml/2006/main">
   <p:cSld>
     <p:bg>
@@ -12949,7 +14497,7 @@
         <p:spPr>
           <a:xfrm>
             <a:off x="1841501" y="38100"/>
-            <a:ext cx="1954381" cy="646331"/>
+            <a:ext cx="4845049" cy="646331"/>
           </a:xfrm>
           <a:prstGeom prst="rect">
             <a:avLst/>
@@ -12957,7 +14505,7 @@
           <a:noFill/>
         </p:spPr>
         <p:txBody>
-          <a:bodyPr wrap="none" rtlCol="0">
+          <a:bodyPr wrap="square" rtlCol="0">
             <a:spAutoFit/>
           </a:bodyPr>
           <a:lstStyle/>
@@ -12970,7 +14518,7 @@
                 <a:latin typeface="Times New Roman" panose="02020603050405020304" pitchFamily="18" charset="0"/>
                 <a:cs typeface="Times New Roman" panose="02020603050405020304" pitchFamily="18" charset="0"/>
               </a:rPr>
-              <a:t>Interfața</a:t>
+              <a:t>Interfața aplicației</a:t>
             </a:r>
             <a:endParaRPr lang="en-US" sz="3600" b="1" dirty="0">
               <a:solidFill>
@@ -13080,6 +14628,15 @@
         <p:blipFill>
           <a:blip r:embed="rId3">
             <a:extLst>
+              <a:ext uri="{BEBA8EAE-BF5A-486C-A8C5-ECC9F3942E4B}">
+                <a14:imgProps xmlns:a14="http://schemas.microsoft.com/office/drawing/2010/main">
+                  <a14:imgLayer r:embed="rId4">
+                    <a14:imgEffect>
+                      <a14:brightnessContrast bright="-7000"/>
+                    </a14:imgEffect>
+                  </a14:imgLayer>
+                </a14:imgProps>
+              </a:ext>
               <a:ext uri="{28A0092B-C50C-407E-A947-70E740481C1C}">
                 <a14:useLocalDpi xmlns:a14="http://schemas.microsoft.com/office/drawing/2010/main" val="0"/>
               </a:ext>
@@ -13091,8 +14648,8 @@
         </p:blipFill>
         <p:spPr>
           <a:xfrm>
-            <a:off x="3581400" y="927100"/>
-            <a:ext cx="6553200" cy="5126836"/>
+            <a:off x="2790825" y="850900"/>
+            <a:ext cx="7219950" cy="5648462"/>
           </a:xfrm>
           <a:prstGeom prst="rect">
             <a:avLst/>
@@ -13103,6 +14660,95 @@
     <p:extLst>
       <p:ext uri="{BB962C8B-B14F-4D97-AF65-F5344CB8AC3E}">
         <p14:creationId xmlns:p14="http://schemas.microsoft.com/office/powerpoint/2010/main" val="3072592196"/>
+      </p:ext>
+    </p:extLst>
+  </p:cSld>
+  <p:clrMapOvr>
+    <a:masterClrMapping/>
+  </p:clrMapOvr>
+  <p:timing>
+    <p:tnLst>
+      <p:par>
+        <p:cTn id="1" dur="indefinite" restart="never" nodeType="tmRoot"/>
+      </p:par>
+    </p:tnLst>
+  </p:timing>
+</p:sld>
+</file>
+
+<file path=ppt/slides/slide15.xml><?xml version="1.0" encoding="utf-8"?>
+<p:sld xmlns:a="http://schemas.openxmlformats.org/drawingml/2006/main" xmlns:r="http://schemas.openxmlformats.org/officeDocument/2006/relationships" xmlns:p="http://schemas.openxmlformats.org/presentationml/2006/main">
+  <p:cSld>
+    <p:bg>
+      <p:bgPr>
+        <a:gradFill rotWithShape="1">
+          <a:gsLst>
+            <a:gs pos="100000">
+              <a:srgbClr val="5A7993"/>
+            </a:gs>
+            <a:gs pos="8000">
+              <a:srgbClr val="063874"/>
+            </a:gs>
+          </a:gsLst>
+          <a:lin ang="6120000" scaled="1"/>
+        </a:gradFill>
+        <a:effectLst/>
+      </p:bgPr>
+    </p:bg>
+    <p:spTree>
+      <p:nvGrpSpPr>
+        <p:cNvPr id="1" name=""/>
+        <p:cNvGrpSpPr/>
+        <p:nvPr/>
+      </p:nvGrpSpPr>
+      <p:grpSpPr>
+        <a:xfrm>
+          <a:off x="0" y="0"/>
+          <a:ext cx="0" cy="0"/>
+          <a:chOff x="0" y="0"/>
+          <a:chExt cx="0" cy="0"/>
+        </a:xfrm>
+      </p:grpSpPr>
+      <p:sp>
+        <p:nvSpPr>
+          <p:cNvPr id="2" name="TextBox 1"/>
+          <p:cNvSpPr txBox="1"/>
+          <p:nvPr/>
+        </p:nvSpPr>
+        <p:spPr>
+          <a:xfrm>
+            <a:off x="5400675" y="904875"/>
+            <a:ext cx="1545616" cy="3770263"/>
+          </a:xfrm>
+          <a:prstGeom prst="rect">
+            <a:avLst/>
+          </a:prstGeom>
+          <a:noFill/>
+        </p:spPr>
+        <p:txBody>
+          <a:bodyPr wrap="none" rtlCol="0">
+            <a:spAutoFit/>
+          </a:bodyPr>
+          <a:lstStyle/>
+          <a:p>
+            <a:r>
+              <a:rPr lang="en-US" sz="23900" dirty="0" smtClean="0">
+                <a:latin typeface="Times New Roman" panose="02020603050405020304" pitchFamily="18" charset="0"/>
+                <a:cs typeface="Times New Roman" panose="02020603050405020304" pitchFamily="18" charset="0"/>
+              </a:rPr>
+              <a:t>?</a:t>
+            </a:r>
+            <a:endParaRPr lang="en-US" dirty="0">
+              <a:latin typeface="Times New Roman" panose="02020603050405020304" pitchFamily="18" charset="0"/>
+              <a:cs typeface="Times New Roman" panose="02020603050405020304" pitchFamily="18" charset="0"/>
+            </a:endParaRPr>
+          </a:p>
+        </p:txBody>
+      </p:sp>
+    </p:spTree>
+    <p:extLst>
+      <p:ext uri="{BB962C8B-B14F-4D97-AF65-F5344CB8AC3E}">
+        <p14:creationId xmlns:p14="http://schemas.microsoft.com/office/powerpoint/2010/main" val="3123183395"/>
       </p:ext>
     </p:extLst>
   </p:cSld>
@@ -13219,7 +14865,7 @@
         <p:spPr>
           <a:xfrm>
             <a:off x="1841501" y="1184093"/>
-            <a:ext cx="6528326" cy="2806987"/>
+            <a:ext cx="6528326" cy="2862322"/>
           </a:xfrm>
           <a:prstGeom prst="rect">
             <a:avLst/>
@@ -13361,7 +15007,7 @@
         <p:spPr>
           <a:xfrm>
             <a:off x="1841501" y="4391018"/>
-            <a:ext cx="7734300" cy="960328"/>
+            <a:ext cx="7734300" cy="1015663"/>
           </a:xfrm>
           <a:prstGeom prst="rect">
             <a:avLst/>
@@ -13568,6 +15214,608 @@
           </a:prstGeom>
         </p:spPr>
       </p:pic>
+      <p:sp>
+        <p:nvSpPr>
+          <p:cNvPr id="5" name="TextBox 4"/>
+          <p:cNvSpPr txBox="1"/>
+          <p:nvPr/>
+        </p:nvSpPr>
+        <p:spPr>
+          <a:xfrm>
+            <a:off x="1841501" y="932423"/>
+            <a:ext cx="9945031" cy="4093428"/>
+          </a:xfrm>
+          <a:prstGeom prst="rect">
+            <a:avLst/>
+          </a:prstGeom>
+          <a:noFill/>
+        </p:spPr>
+        <p:txBody>
+          <a:bodyPr wrap="square" rtlCol="0">
+            <a:spAutoFit/>
+          </a:bodyPr>
+          <a:lstStyle/>
+          <a:p>
+            <a:pPr>
+              <a:lnSpc>
+                <a:spcPct val="150000"/>
+              </a:lnSpc>
+            </a:pPr>
+            <a:r>
+              <a:rPr lang="en-US" sz="2000" b="1" dirty="0" err="1" smtClean="0">
+                <a:solidFill>
+                  <a:schemeClr val="bg1"/>
+                </a:solidFill>
+                <a:latin typeface="Times New Roman" panose="02020603050405020304" pitchFamily="18" charset="0"/>
+                <a:cs typeface="Times New Roman" panose="02020603050405020304" pitchFamily="18" charset="0"/>
+              </a:rPr>
+              <a:t>Caracteristici</a:t>
+            </a:r>
+            <a:r>
+              <a:rPr lang="en-US" sz="2000" b="1" dirty="0" smtClean="0">
+                <a:solidFill>
+                  <a:schemeClr val="bg1"/>
+                </a:solidFill>
+                <a:latin typeface="Times New Roman" panose="02020603050405020304" pitchFamily="18" charset="0"/>
+                <a:cs typeface="Times New Roman" panose="02020603050405020304" pitchFamily="18" charset="0"/>
+              </a:rPr>
+              <a:t> </a:t>
+            </a:r>
+            <a:r>
+              <a:rPr lang="en-US" sz="2000" b="1" dirty="0" err="1" smtClean="0">
+                <a:solidFill>
+                  <a:schemeClr val="bg1"/>
+                </a:solidFill>
+                <a:latin typeface="Times New Roman" panose="02020603050405020304" pitchFamily="18" charset="0"/>
+                <a:cs typeface="Times New Roman" panose="02020603050405020304" pitchFamily="18" charset="0"/>
+              </a:rPr>
+              <a:t>definitorii</a:t>
+            </a:r>
+            <a:r>
+              <a:rPr lang="en-US" sz="2000" b="1" dirty="0" smtClean="0">
+                <a:solidFill>
+                  <a:schemeClr val="bg1"/>
+                </a:solidFill>
+                <a:latin typeface="Times New Roman" panose="02020603050405020304" pitchFamily="18" charset="0"/>
+                <a:cs typeface="Times New Roman" panose="02020603050405020304" pitchFamily="18" charset="0"/>
+              </a:rPr>
+              <a:t>:</a:t>
+            </a:r>
+          </a:p>
+          <a:p>
+            <a:endParaRPr lang="en-US" sz="2000" b="1" dirty="0" smtClean="0">
+              <a:solidFill>
+                <a:schemeClr val="bg1"/>
+              </a:solidFill>
+              <a:latin typeface="Times New Roman" panose="02020603050405020304" pitchFamily="18" charset="0"/>
+              <a:cs typeface="Times New Roman" panose="02020603050405020304" pitchFamily="18" charset="0"/>
+            </a:endParaRPr>
+          </a:p>
+          <a:p>
+            <a:pPr marL="742950" lvl="1" indent="-285750">
+              <a:lnSpc>
+                <a:spcPct val="150000"/>
+              </a:lnSpc>
+              <a:buFont typeface="Arial" panose="020B0604020202020204" pitchFamily="34" charset="0"/>
+              <a:buChar char="•"/>
+            </a:pPr>
+            <a:r>
+              <a:rPr lang="ro-RO" sz="2000" b="1" dirty="0" smtClean="0">
+                <a:solidFill>
+                  <a:schemeClr val="bg1"/>
+                </a:solidFill>
+                <a:latin typeface="Times New Roman" panose="02020603050405020304" pitchFamily="18" charset="0"/>
+                <a:cs typeface="Times New Roman" panose="02020603050405020304" pitchFamily="18" charset="0"/>
+              </a:rPr>
+              <a:t>Interconectare</a:t>
+            </a:r>
+            <a:r>
+              <a:rPr lang="ro-RO" sz="2000" b="1" dirty="0">
+                <a:solidFill>
+                  <a:schemeClr val="bg1"/>
+                </a:solidFill>
+                <a:latin typeface="Times New Roman" panose="02020603050405020304" pitchFamily="18" charset="0"/>
+                <a:cs typeface="Times New Roman" panose="02020603050405020304" pitchFamily="18" charset="0"/>
+              </a:rPr>
+              <a:t>:</a:t>
+            </a:r>
+            <a:r>
+              <a:rPr lang="ro-RO" sz="2000" dirty="0">
+                <a:solidFill>
+                  <a:schemeClr val="bg1"/>
+                </a:solidFill>
+                <a:latin typeface="Times New Roman" panose="02020603050405020304" pitchFamily="18" charset="0"/>
+                <a:cs typeface="Times New Roman" panose="02020603050405020304" pitchFamily="18" charset="0"/>
+              </a:rPr>
+              <a:t> comunicare </a:t>
+            </a:r>
+            <a:r>
+              <a:rPr lang="ro-RO" sz="2000" dirty="0" smtClean="0">
+                <a:solidFill>
+                  <a:schemeClr val="bg1"/>
+                </a:solidFill>
+                <a:latin typeface="Times New Roman" panose="02020603050405020304" pitchFamily="18" charset="0"/>
+                <a:cs typeface="Times New Roman" panose="02020603050405020304" pitchFamily="18" charset="0"/>
+              </a:rPr>
+              <a:t>Mașină-La-Mașină</a:t>
+            </a:r>
+            <a:r>
+              <a:rPr lang="en-US" sz="2000" dirty="0" smtClean="0">
+                <a:solidFill>
+                  <a:schemeClr val="bg1"/>
+                </a:solidFill>
+                <a:latin typeface="Times New Roman" panose="02020603050405020304" pitchFamily="18" charset="0"/>
+                <a:cs typeface="Times New Roman" panose="02020603050405020304" pitchFamily="18" charset="0"/>
+              </a:rPr>
+              <a:t> (M2M)</a:t>
+            </a:r>
+            <a:r>
+              <a:rPr lang="ro-RO" sz="2000" dirty="0" smtClean="0">
+                <a:solidFill>
+                  <a:schemeClr val="bg1"/>
+                </a:solidFill>
+                <a:latin typeface="Times New Roman" panose="02020603050405020304" pitchFamily="18" charset="0"/>
+                <a:cs typeface="Times New Roman" panose="02020603050405020304" pitchFamily="18" charset="0"/>
+              </a:rPr>
+              <a:t> </a:t>
+            </a:r>
+            <a:r>
+              <a:rPr lang="ro-RO" sz="2000" dirty="0">
+                <a:solidFill>
+                  <a:schemeClr val="bg1"/>
+                </a:solidFill>
+                <a:latin typeface="Times New Roman" panose="02020603050405020304" pitchFamily="18" charset="0"/>
+                <a:cs typeface="Times New Roman" panose="02020603050405020304" pitchFamily="18" charset="0"/>
+              </a:rPr>
+              <a:t>între echipamente sau servere fie locale sau prin intermediul internetului. </a:t>
+            </a:r>
+            <a:r>
+              <a:rPr lang="en-US" sz="2000" dirty="0" smtClean="0">
+                <a:solidFill>
+                  <a:schemeClr val="bg1"/>
+                </a:solidFill>
+                <a:latin typeface="Times New Roman" panose="02020603050405020304" pitchFamily="18" charset="0"/>
+                <a:cs typeface="Times New Roman" panose="02020603050405020304" pitchFamily="18" charset="0"/>
+              </a:rPr>
+              <a:t>P</a:t>
+            </a:r>
+            <a:r>
+              <a:rPr lang="ro-RO" sz="2000" dirty="0" smtClean="0">
+                <a:solidFill>
+                  <a:schemeClr val="bg1"/>
+                </a:solidFill>
+                <a:latin typeface="Times New Roman" panose="02020603050405020304" pitchFamily="18" charset="0"/>
+                <a:cs typeface="Times New Roman" panose="02020603050405020304" pitchFamily="18" charset="0"/>
+              </a:rPr>
+              <a:t>ermite </a:t>
+            </a:r>
+            <a:r>
+              <a:rPr lang="ro-RO" sz="2000" dirty="0">
+                <a:solidFill>
+                  <a:schemeClr val="bg1"/>
+                </a:solidFill>
+                <a:latin typeface="Times New Roman" panose="02020603050405020304" pitchFamily="18" charset="0"/>
+                <a:cs typeface="Times New Roman" panose="02020603050405020304" pitchFamily="18" charset="0"/>
+              </a:rPr>
+              <a:t>generare și consum de </a:t>
+            </a:r>
+            <a:r>
+              <a:rPr lang="ro-RO" sz="2000" dirty="0" smtClean="0">
+                <a:solidFill>
+                  <a:schemeClr val="bg1"/>
+                </a:solidFill>
+                <a:latin typeface="Times New Roman" panose="02020603050405020304" pitchFamily="18" charset="0"/>
+                <a:cs typeface="Times New Roman" panose="02020603050405020304" pitchFamily="18" charset="0"/>
+              </a:rPr>
+              <a:t>date.</a:t>
+            </a:r>
+            <a:endParaRPr lang="en-US" sz="2000" dirty="0" smtClean="0">
+              <a:solidFill>
+                <a:schemeClr val="bg1"/>
+              </a:solidFill>
+              <a:latin typeface="Times New Roman" panose="02020603050405020304" pitchFamily="18" charset="0"/>
+              <a:cs typeface="Times New Roman" panose="02020603050405020304" pitchFamily="18" charset="0"/>
+            </a:endParaRPr>
+          </a:p>
+          <a:p>
+            <a:pPr lvl="1">
+              <a:lnSpc>
+                <a:spcPct val="150000"/>
+              </a:lnSpc>
+            </a:pPr>
+            <a:endParaRPr lang="en-US" sz="2000" dirty="0">
+              <a:solidFill>
+                <a:schemeClr val="bg1"/>
+              </a:solidFill>
+              <a:latin typeface="Times New Roman" panose="02020603050405020304" pitchFamily="18" charset="0"/>
+              <a:cs typeface="Times New Roman" panose="02020603050405020304" pitchFamily="18" charset="0"/>
+            </a:endParaRPr>
+          </a:p>
+          <a:p>
+            <a:pPr marL="742950" lvl="1" indent="-285750">
+              <a:lnSpc>
+                <a:spcPct val="150000"/>
+              </a:lnSpc>
+              <a:buFont typeface="Arial" panose="020B0604020202020204" pitchFamily="34" charset="0"/>
+              <a:buChar char="•"/>
+            </a:pPr>
+            <a:r>
+              <a:rPr lang="pt-BR" sz="2000" b="1" dirty="0" smtClean="0">
+                <a:solidFill>
+                  <a:schemeClr val="bg1"/>
+                </a:solidFill>
+                <a:latin typeface="Times New Roman" panose="02020603050405020304" pitchFamily="18" charset="0"/>
+                <a:cs typeface="Times New Roman" panose="02020603050405020304" pitchFamily="18" charset="0"/>
+              </a:rPr>
+              <a:t>Detectare</a:t>
+            </a:r>
+            <a:r>
+              <a:rPr lang="pt-BR" sz="2000" b="1" dirty="0">
+                <a:solidFill>
+                  <a:schemeClr val="bg1"/>
+                </a:solidFill>
+                <a:latin typeface="Times New Roman" panose="02020603050405020304" pitchFamily="18" charset="0"/>
+                <a:cs typeface="Times New Roman" panose="02020603050405020304" pitchFamily="18" charset="0"/>
+              </a:rPr>
+              <a:t>: </a:t>
+            </a:r>
+            <a:r>
+              <a:rPr lang="pt-BR" sz="2000" dirty="0" smtClean="0">
+                <a:solidFill>
+                  <a:schemeClr val="bg1"/>
+                </a:solidFill>
+                <a:latin typeface="Times New Roman" panose="02020603050405020304" pitchFamily="18" charset="0"/>
+                <a:cs typeface="Times New Roman" panose="02020603050405020304" pitchFamily="18" charset="0"/>
+              </a:rPr>
+              <a:t>elemente </a:t>
+            </a:r>
+            <a:r>
+              <a:rPr lang="pt-BR" sz="2000" dirty="0">
+                <a:solidFill>
+                  <a:schemeClr val="bg1"/>
+                </a:solidFill>
+                <a:latin typeface="Times New Roman" panose="02020603050405020304" pitchFamily="18" charset="0"/>
+                <a:cs typeface="Times New Roman" panose="02020603050405020304" pitchFamily="18" charset="0"/>
+              </a:rPr>
+              <a:t>de monitorizarea mediului </a:t>
+            </a:r>
+            <a:r>
+              <a:rPr lang="pt-BR" sz="2000" dirty="0" smtClean="0">
+                <a:solidFill>
+                  <a:schemeClr val="bg1"/>
+                </a:solidFill>
+                <a:latin typeface="Times New Roman" panose="02020603050405020304" pitchFamily="18" charset="0"/>
+                <a:cs typeface="Times New Roman" panose="02020603050405020304" pitchFamily="18" charset="0"/>
+              </a:rPr>
+              <a:t>înconjurător</a:t>
+            </a:r>
+            <a:r>
+              <a:rPr lang="pt-BR" sz="2000" dirty="0">
+                <a:solidFill>
+                  <a:schemeClr val="bg1"/>
+                </a:solidFill>
+                <a:latin typeface="Times New Roman" panose="02020603050405020304" pitchFamily="18" charset="0"/>
+                <a:cs typeface="Times New Roman" panose="02020603050405020304" pitchFamily="18" charset="0"/>
+              </a:rPr>
+              <a:t> </a:t>
+            </a:r>
+            <a:r>
+              <a:rPr lang="pt-BR" sz="2000" dirty="0" smtClean="0">
+                <a:solidFill>
+                  <a:schemeClr val="bg1"/>
+                </a:solidFill>
+                <a:latin typeface="Times New Roman" panose="02020603050405020304" pitchFamily="18" charset="0"/>
+                <a:cs typeface="Times New Roman" panose="02020603050405020304" pitchFamily="18" charset="0"/>
+              </a:rPr>
+              <a:t>(Senzori)</a:t>
+            </a:r>
+          </a:p>
+          <a:p>
+            <a:pPr lvl="1">
+              <a:lnSpc>
+                <a:spcPct val="150000"/>
+              </a:lnSpc>
+            </a:pPr>
+            <a:endParaRPr lang="pt-BR" sz="2000" dirty="0" smtClean="0">
+              <a:solidFill>
+                <a:schemeClr val="bg1"/>
+              </a:solidFill>
+              <a:latin typeface="Times New Roman" panose="02020603050405020304" pitchFamily="18" charset="0"/>
+              <a:cs typeface="Times New Roman" panose="02020603050405020304" pitchFamily="18" charset="0"/>
+            </a:endParaRPr>
+          </a:p>
+          <a:p>
+            <a:pPr marL="742950" lvl="1" indent="-285750">
+              <a:lnSpc>
+                <a:spcPct val="150000"/>
+              </a:lnSpc>
+              <a:buFont typeface="Arial" panose="020B0604020202020204" pitchFamily="34" charset="0"/>
+              <a:buChar char="•"/>
+            </a:pPr>
+            <a:r>
+              <a:rPr lang="en-US" sz="2000" b="1" dirty="0" err="1" smtClean="0">
+                <a:solidFill>
+                  <a:schemeClr val="bg1"/>
+                </a:solidFill>
+                <a:latin typeface="Times New Roman" panose="02020603050405020304" pitchFamily="18" charset="0"/>
+                <a:cs typeface="Times New Roman" panose="02020603050405020304" pitchFamily="18" charset="0"/>
+              </a:rPr>
+              <a:t>Acționare</a:t>
+            </a:r>
+            <a:r>
+              <a:rPr lang="en-US" sz="2000" b="1" dirty="0">
+                <a:solidFill>
+                  <a:schemeClr val="bg1"/>
+                </a:solidFill>
+                <a:latin typeface="Times New Roman" panose="02020603050405020304" pitchFamily="18" charset="0"/>
+                <a:cs typeface="Times New Roman" panose="02020603050405020304" pitchFamily="18" charset="0"/>
+              </a:rPr>
+              <a:t>:</a:t>
+            </a:r>
+            <a:r>
+              <a:rPr lang="en-US" sz="2000" dirty="0">
+                <a:solidFill>
+                  <a:schemeClr val="bg1"/>
+                </a:solidFill>
+                <a:latin typeface="Times New Roman" panose="02020603050405020304" pitchFamily="18" charset="0"/>
+                <a:cs typeface="Times New Roman" panose="02020603050405020304" pitchFamily="18" charset="0"/>
+              </a:rPr>
+              <a:t> </a:t>
+            </a:r>
+            <a:r>
+              <a:rPr lang="en-US" sz="2000" dirty="0" err="1" smtClean="0">
+                <a:solidFill>
+                  <a:schemeClr val="bg1"/>
+                </a:solidFill>
+                <a:latin typeface="Times New Roman" panose="02020603050405020304" pitchFamily="18" charset="0"/>
+                <a:cs typeface="Times New Roman" panose="02020603050405020304" pitchFamily="18" charset="0"/>
+              </a:rPr>
+              <a:t>elemente</a:t>
+            </a:r>
+            <a:r>
+              <a:rPr lang="en-US" sz="2000" dirty="0" smtClean="0">
+                <a:solidFill>
+                  <a:schemeClr val="bg1"/>
+                </a:solidFill>
+                <a:latin typeface="Times New Roman" panose="02020603050405020304" pitchFamily="18" charset="0"/>
+                <a:cs typeface="Times New Roman" panose="02020603050405020304" pitchFamily="18" charset="0"/>
+              </a:rPr>
+              <a:t> </a:t>
+            </a:r>
+            <a:r>
+              <a:rPr lang="en-US" sz="2000" dirty="0">
+                <a:solidFill>
+                  <a:schemeClr val="bg1"/>
+                </a:solidFill>
+                <a:latin typeface="Times New Roman" panose="02020603050405020304" pitchFamily="18" charset="0"/>
+                <a:cs typeface="Times New Roman" panose="02020603050405020304" pitchFamily="18" charset="0"/>
+              </a:rPr>
+              <a:t>de </a:t>
+            </a:r>
+            <a:r>
+              <a:rPr lang="en-US" sz="2000" dirty="0" err="1" smtClean="0">
+                <a:solidFill>
+                  <a:schemeClr val="bg1"/>
+                </a:solidFill>
+                <a:latin typeface="Times New Roman" panose="02020603050405020304" pitchFamily="18" charset="0"/>
+                <a:cs typeface="Times New Roman" panose="02020603050405020304" pitchFamily="18" charset="0"/>
+              </a:rPr>
+              <a:t>acționarea</a:t>
+            </a:r>
+            <a:r>
+              <a:rPr lang="en-US" sz="2000" dirty="0" smtClean="0">
+                <a:solidFill>
+                  <a:schemeClr val="bg1"/>
+                </a:solidFill>
+                <a:latin typeface="Times New Roman" panose="02020603050405020304" pitchFamily="18" charset="0"/>
+                <a:cs typeface="Times New Roman" panose="02020603050405020304" pitchFamily="18" charset="0"/>
+              </a:rPr>
+              <a:t> </a:t>
+            </a:r>
+            <a:r>
+              <a:rPr lang="en-US" sz="2000" dirty="0" err="1" smtClean="0">
+                <a:solidFill>
+                  <a:schemeClr val="bg1"/>
+                </a:solidFill>
+                <a:latin typeface="Times New Roman" panose="02020603050405020304" pitchFamily="18" charset="0"/>
+                <a:cs typeface="Times New Roman" panose="02020603050405020304" pitchFamily="18" charset="0"/>
+              </a:rPr>
+              <a:t>diferitelor</a:t>
+            </a:r>
+            <a:r>
+              <a:rPr lang="en-US" sz="2000" dirty="0" smtClean="0">
+                <a:solidFill>
+                  <a:schemeClr val="bg1"/>
+                </a:solidFill>
+                <a:latin typeface="Times New Roman" panose="02020603050405020304" pitchFamily="18" charset="0"/>
+                <a:cs typeface="Times New Roman" panose="02020603050405020304" pitchFamily="18" charset="0"/>
+              </a:rPr>
+              <a:t> </a:t>
+            </a:r>
+            <a:r>
+              <a:rPr lang="en-US" sz="2000" dirty="0" err="1">
+                <a:solidFill>
+                  <a:schemeClr val="bg1"/>
+                </a:solidFill>
+                <a:latin typeface="Times New Roman" panose="02020603050405020304" pitchFamily="18" charset="0"/>
+                <a:cs typeface="Times New Roman" panose="02020603050405020304" pitchFamily="18" charset="0"/>
+              </a:rPr>
+              <a:t>comutatoare</a:t>
+            </a:r>
+            <a:r>
+              <a:rPr lang="en-US" sz="2000" dirty="0">
+                <a:solidFill>
+                  <a:schemeClr val="bg1"/>
+                </a:solidFill>
+                <a:latin typeface="Times New Roman" panose="02020603050405020304" pitchFamily="18" charset="0"/>
+                <a:cs typeface="Times New Roman" panose="02020603050405020304" pitchFamily="18" charset="0"/>
+              </a:rPr>
+              <a:t>, </a:t>
+            </a:r>
+            <a:endParaRPr lang="en-US" sz="2000" dirty="0" smtClean="0">
+              <a:solidFill>
+                <a:schemeClr val="bg1"/>
+              </a:solidFill>
+              <a:latin typeface="Times New Roman" panose="02020603050405020304" pitchFamily="18" charset="0"/>
+              <a:cs typeface="Times New Roman" panose="02020603050405020304" pitchFamily="18" charset="0"/>
+            </a:endParaRPr>
+          </a:p>
+          <a:p>
+            <a:pPr lvl="1">
+              <a:lnSpc>
+                <a:spcPct val="150000"/>
+              </a:lnSpc>
+            </a:pPr>
+            <a:r>
+              <a:rPr lang="en-US" sz="2000" dirty="0">
+                <a:solidFill>
+                  <a:schemeClr val="bg1"/>
+                </a:solidFill>
+                <a:latin typeface="Times New Roman" panose="02020603050405020304" pitchFamily="18" charset="0"/>
+                <a:cs typeface="Times New Roman" panose="02020603050405020304" pitchFamily="18" charset="0"/>
+              </a:rPr>
+              <a:t> </a:t>
+            </a:r>
+            <a:r>
+              <a:rPr lang="en-US" sz="2000" dirty="0" smtClean="0">
+                <a:solidFill>
+                  <a:schemeClr val="bg1"/>
+                </a:solidFill>
+                <a:latin typeface="Times New Roman" panose="02020603050405020304" pitchFamily="18" charset="0"/>
+                <a:cs typeface="Times New Roman" panose="02020603050405020304" pitchFamily="18" charset="0"/>
+              </a:rPr>
+              <a:t>   </a:t>
+            </a:r>
+            <a:r>
+              <a:rPr lang="en-US" sz="2000" dirty="0" err="1" smtClean="0">
+                <a:solidFill>
+                  <a:schemeClr val="bg1"/>
+                </a:solidFill>
+                <a:latin typeface="Times New Roman" panose="02020603050405020304" pitchFamily="18" charset="0"/>
+                <a:cs typeface="Times New Roman" panose="02020603050405020304" pitchFamily="18" charset="0"/>
+              </a:rPr>
+              <a:t>încuietoare</a:t>
+            </a:r>
+            <a:r>
+              <a:rPr lang="en-US" sz="2000" dirty="0">
+                <a:solidFill>
+                  <a:schemeClr val="bg1"/>
+                </a:solidFill>
+                <a:latin typeface="Times New Roman" panose="02020603050405020304" pitchFamily="18" charset="0"/>
+                <a:cs typeface="Times New Roman" panose="02020603050405020304" pitchFamily="18" charset="0"/>
+              </a:rPr>
+              <a:t>, </a:t>
+            </a:r>
+            <a:r>
+              <a:rPr lang="en-US" sz="2000" dirty="0" err="1" smtClean="0">
+                <a:solidFill>
+                  <a:schemeClr val="bg1"/>
+                </a:solidFill>
+                <a:latin typeface="Times New Roman" panose="02020603050405020304" pitchFamily="18" charset="0"/>
+                <a:cs typeface="Times New Roman" panose="02020603050405020304" pitchFamily="18" charset="0"/>
+              </a:rPr>
+              <a:t>sau</a:t>
+            </a:r>
+            <a:r>
+              <a:rPr lang="en-US" sz="2000" dirty="0" smtClean="0">
+                <a:solidFill>
+                  <a:schemeClr val="bg1"/>
+                </a:solidFill>
+                <a:latin typeface="Times New Roman" panose="02020603050405020304" pitchFamily="18" charset="0"/>
+                <a:cs typeface="Times New Roman" panose="02020603050405020304" pitchFamily="18" charset="0"/>
+              </a:rPr>
+              <a:t> </a:t>
+            </a:r>
+            <a:r>
+              <a:rPr lang="en-US" sz="2000" dirty="0" err="1">
+                <a:solidFill>
+                  <a:schemeClr val="bg1"/>
+                </a:solidFill>
+                <a:latin typeface="Times New Roman" panose="02020603050405020304" pitchFamily="18" charset="0"/>
+                <a:cs typeface="Times New Roman" panose="02020603050405020304" pitchFamily="18" charset="0"/>
+              </a:rPr>
+              <a:t>alte</a:t>
+            </a:r>
+            <a:r>
+              <a:rPr lang="en-US" sz="2000" dirty="0">
+                <a:solidFill>
+                  <a:schemeClr val="bg1"/>
+                </a:solidFill>
+                <a:latin typeface="Times New Roman" panose="02020603050405020304" pitchFamily="18" charset="0"/>
+                <a:cs typeface="Times New Roman" panose="02020603050405020304" pitchFamily="18" charset="0"/>
+              </a:rPr>
+              <a:t> </a:t>
+            </a:r>
+            <a:r>
+              <a:rPr lang="en-US" sz="2000" dirty="0" err="1">
+                <a:solidFill>
+                  <a:schemeClr val="bg1"/>
+                </a:solidFill>
+                <a:latin typeface="Times New Roman" panose="02020603050405020304" pitchFamily="18" charset="0"/>
+                <a:cs typeface="Times New Roman" panose="02020603050405020304" pitchFamily="18" charset="0"/>
+              </a:rPr>
+              <a:t>echipamente</a:t>
+            </a:r>
+            <a:r>
+              <a:rPr lang="en-US" sz="2000" dirty="0">
+                <a:solidFill>
+                  <a:schemeClr val="bg1"/>
+                </a:solidFill>
+                <a:latin typeface="Times New Roman" panose="02020603050405020304" pitchFamily="18" charset="0"/>
+                <a:cs typeface="Times New Roman" panose="02020603050405020304" pitchFamily="18" charset="0"/>
+              </a:rPr>
+              <a:t> </a:t>
+            </a:r>
+            <a:r>
+              <a:rPr lang="en-US" sz="2000" dirty="0" err="1" smtClean="0">
+                <a:solidFill>
+                  <a:schemeClr val="bg1"/>
+                </a:solidFill>
+                <a:latin typeface="Times New Roman" panose="02020603050405020304" pitchFamily="18" charset="0"/>
+                <a:cs typeface="Times New Roman" panose="02020603050405020304" pitchFamily="18" charset="0"/>
+              </a:rPr>
+              <a:t>electrice</a:t>
+            </a:r>
+            <a:r>
+              <a:rPr lang="en-US" sz="2000" dirty="0" smtClean="0">
+                <a:solidFill>
+                  <a:schemeClr val="bg1"/>
+                </a:solidFill>
+                <a:latin typeface="Times New Roman" panose="02020603050405020304" pitchFamily="18" charset="0"/>
+                <a:cs typeface="Times New Roman" panose="02020603050405020304" pitchFamily="18" charset="0"/>
+              </a:rPr>
+              <a:t> (</a:t>
+            </a:r>
+            <a:r>
+              <a:rPr lang="en-US" sz="2000" dirty="0" err="1" smtClean="0">
+                <a:solidFill>
+                  <a:schemeClr val="bg1"/>
+                </a:solidFill>
+                <a:latin typeface="Times New Roman" panose="02020603050405020304" pitchFamily="18" charset="0"/>
+                <a:cs typeface="Times New Roman" panose="02020603050405020304" pitchFamily="18" charset="0"/>
+              </a:rPr>
+              <a:t>Actuatori</a:t>
+            </a:r>
+            <a:r>
+              <a:rPr lang="en-US" sz="2000" dirty="0" smtClean="0">
+                <a:solidFill>
+                  <a:schemeClr val="bg1"/>
+                </a:solidFill>
+                <a:latin typeface="Times New Roman" panose="02020603050405020304" pitchFamily="18" charset="0"/>
+                <a:cs typeface="Times New Roman" panose="02020603050405020304" pitchFamily="18" charset="0"/>
+              </a:rPr>
+              <a:t>)</a:t>
+            </a:r>
+            <a:endParaRPr lang="en-US" sz="2000" dirty="0">
+              <a:solidFill>
+                <a:schemeClr val="bg1"/>
+              </a:solidFill>
+              <a:latin typeface="Times New Roman" panose="02020603050405020304" pitchFamily="18" charset="0"/>
+              <a:cs typeface="Times New Roman" panose="02020603050405020304" pitchFamily="18" charset="0"/>
+            </a:endParaRPr>
+          </a:p>
+        </p:txBody>
+      </p:sp>
     </p:spTree>
     <p:extLst>
       <p:ext uri="{BB962C8B-B14F-4D97-AF65-F5344CB8AC3E}">
@@ -13703,6 +15951,291 @@
           </a:prstGeom>
         </p:spPr>
       </p:pic>
+      <p:sp>
+        <p:nvSpPr>
+          <p:cNvPr id="5" name="TextBox 4"/>
+          <p:cNvSpPr txBox="1"/>
+          <p:nvPr/>
+        </p:nvSpPr>
+        <p:spPr>
+          <a:xfrm>
+            <a:off x="1841501" y="922836"/>
+            <a:ext cx="9945031" cy="4247317"/>
+          </a:xfrm>
+          <a:prstGeom prst="rect">
+            <a:avLst/>
+          </a:prstGeom>
+          <a:noFill/>
+        </p:spPr>
+        <p:txBody>
+          <a:bodyPr wrap="square" rtlCol="0">
+            <a:spAutoFit/>
+          </a:bodyPr>
+          <a:lstStyle/>
+          <a:p>
+            <a:pPr marL="342900" indent="-342900">
+              <a:lnSpc>
+                <a:spcPct val="150000"/>
+              </a:lnSpc>
+              <a:buFont typeface="Arial" panose="020B0604020202020204" pitchFamily="34" charset="0"/>
+              <a:buChar char="•"/>
+            </a:pPr>
+            <a:r>
+              <a:rPr lang="en-US" sz="2000" b="1" dirty="0" err="1" smtClean="0">
+                <a:solidFill>
+                  <a:schemeClr val="bg1"/>
+                </a:solidFill>
+                <a:latin typeface="Times New Roman" panose="02020603050405020304" pitchFamily="18" charset="0"/>
+                <a:cs typeface="Times New Roman" panose="02020603050405020304" pitchFamily="18" charset="0"/>
+              </a:rPr>
+              <a:t>Comunicare</a:t>
+            </a:r>
+            <a:r>
+              <a:rPr lang="en-US" sz="2000" b="1" dirty="0" smtClean="0">
+                <a:solidFill>
+                  <a:schemeClr val="bg1"/>
+                </a:solidFill>
+                <a:latin typeface="Times New Roman" panose="02020603050405020304" pitchFamily="18" charset="0"/>
+                <a:cs typeface="Times New Roman" panose="02020603050405020304" pitchFamily="18" charset="0"/>
+              </a:rPr>
+              <a:t> Wireless </a:t>
+            </a:r>
+            <a:r>
+              <a:rPr lang="en-US" sz="2000" b="1" dirty="0" err="1" smtClean="0">
+                <a:solidFill>
+                  <a:schemeClr val="bg1"/>
+                </a:solidFill>
+                <a:latin typeface="Times New Roman" panose="02020603050405020304" pitchFamily="18" charset="0"/>
+                <a:cs typeface="Times New Roman" panose="02020603050405020304" pitchFamily="18" charset="0"/>
+              </a:rPr>
+              <a:t>utilizat</a:t>
+            </a:r>
+            <a:r>
+              <a:rPr lang="en-US" sz="2000" b="1" dirty="0" smtClean="0">
+                <a:solidFill>
+                  <a:schemeClr val="bg1"/>
+                </a:solidFill>
+                <a:latin typeface="Times New Roman" panose="02020603050405020304" pitchFamily="18" charset="0"/>
+                <a:cs typeface="Times New Roman" panose="02020603050405020304" pitchFamily="18" charset="0"/>
+              </a:rPr>
+              <a:t> </a:t>
+            </a:r>
+            <a:r>
+              <a:rPr lang="en-US" sz="2000" b="1" dirty="0" err="1" smtClean="0">
+                <a:solidFill>
+                  <a:schemeClr val="bg1"/>
+                </a:solidFill>
+                <a:latin typeface="Times New Roman" panose="02020603050405020304" pitchFamily="18" charset="0"/>
+                <a:cs typeface="Times New Roman" panose="02020603050405020304" pitchFamily="18" charset="0"/>
+              </a:rPr>
+              <a:t>preponderent</a:t>
+            </a:r>
+            <a:r>
+              <a:rPr lang="en-US" sz="2000" b="1" dirty="0" smtClean="0">
+                <a:solidFill>
+                  <a:schemeClr val="bg1"/>
+                </a:solidFill>
+                <a:latin typeface="Times New Roman" panose="02020603050405020304" pitchFamily="18" charset="0"/>
+                <a:cs typeface="Times New Roman" panose="02020603050405020304" pitchFamily="18" charset="0"/>
+              </a:rPr>
+              <a:t> </a:t>
+            </a:r>
+            <a:r>
+              <a:rPr lang="ro-RO" sz="2000" b="1" dirty="0" smtClean="0">
+                <a:solidFill>
+                  <a:schemeClr val="bg1"/>
+                </a:solidFill>
+                <a:latin typeface="Times New Roman" panose="02020603050405020304" pitchFamily="18" charset="0"/>
+                <a:cs typeface="Times New Roman" panose="02020603050405020304" pitchFamily="18" charset="0"/>
+              </a:rPr>
+              <a:t>în automatizări de case</a:t>
+            </a:r>
+          </a:p>
+          <a:p>
+            <a:pPr marL="800100" lvl="1" indent="-342900">
+              <a:lnSpc>
+                <a:spcPct val="150000"/>
+              </a:lnSpc>
+              <a:buFont typeface="Courier New" panose="02070309020205020404" pitchFamily="49" charset="0"/>
+              <a:buChar char="o"/>
+            </a:pPr>
+            <a:r>
+              <a:rPr lang="ro-RO" sz="2000" dirty="0" smtClean="0">
+                <a:solidFill>
+                  <a:schemeClr val="bg1"/>
+                </a:solidFill>
+                <a:latin typeface="Times New Roman" panose="02020603050405020304" pitchFamily="18" charset="0"/>
+                <a:cs typeface="Times New Roman" panose="02020603050405020304" pitchFamily="18" charset="0"/>
+              </a:rPr>
+              <a:t>Peste 2.400 de echipamente compatibile Z-Wave (aprilie 2018)</a:t>
+            </a:r>
+          </a:p>
+          <a:p>
+            <a:pPr marL="342900" indent="-342900">
+              <a:lnSpc>
+                <a:spcPct val="150000"/>
+              </a:lnSpc>
+              <a:buFont typeface="Arial" panose="020B0604020202020204" pitchFamily="34" charset="0"/>
+              <a:buChar char="•"/>
+            </a:pPr>
+            <a:r>
+              <a:rPr lang="ro-RO" sz="2000" b="1" dirty="0" smtClean="0">
+                <a:solidFill>
+                  <a:schemeClr val="bg1"/>
+                </a:solidFill>
+                <a:latin typeface="Times New Roman" panose="02020603050405020304" pitchFamily="18" charset="0"/>
+                <a:cs typeface="Times New Roman" panose="02020603050405020304" pitchFamily="18" charset="0"/>
+              </a:rPr>
+              <a:t>Rețea de tip plasă</a:t>
+            </a:r>
+          </a:p>
+          <a:p>
+            <a:pPr marL="800100" lvl="1" indent="-342900">
+              <a:lnSpc>
+                <a:spcPct val="150000"/>
+              </a:lnSpc>
+              <a:buFont typeface="Courier New" panose="02070309020205020404" pitchFamily="49" charset="0"/>
+              <a:buChar char="o"/>
+            </a:pPr>
+            <a:r>
+              <a:rPr lang="ro-RO" sz="2000" dirty="0" smtClean="0">
+                <a:solidFill>
+                  <a:schemeClr val="bg1"/>
+                </a:solidFill>
+                <a:latin typeface="Times New Roman" panose="02020603050405020304" pitchFamily="18" charset="0"/>
+                <a:cs typeface="Times New Roman" panose="02020603050405020304" pitchFamily="18" charset="0"/>
+              </a:rPr>
+              <a:t>Extinderea ariei de acoperire </a:t>
+            </a:r>
+          </a:p>
+          <a:p>
+            <a:pPr marL="800100" lvl="1" indent="-342900">
+              <a:lnSpc>
+                <a:spcPct val="150000"/>
+              </a:lnSpc>
+              <a:buFont typeface="Courier New" panose="02070309020205020404" pitchFamily="49" charset="0"/>
+              <a:buChar char="o"/>
+            </a:pPr>
+            <a:r>
+              <a:rPr lang="ro-RO" sz="2000" dirty="0" smtClean="0">
+                <a:solidFill>
+                  <a:schemeClr val="bg1"/>
+                </a:solidFill>
+                <a:latin typeface="Times New Roman" panose="02020603050405020304" pitchFamily="18" charset="0"/>
+                <a:cs typeface="Times New Roman" panose="02020603050405020304" pitchFamily="18" charset="0"/>
+              </a:rPr>
+              <a:t>Posibilitatea transmiterii informației printre toate nodurile conectate (information bouncing)</a:t>
+            </a:r>
+          </a:p>
+          <a:p>
+            <a:pPr marL="800100" lvl="1" indent="-342900">
+              <a:lnSpc>
+                <a:spcPct val="150000"/>
+              </a:lnSpc>
+              <a:buFont typeface="Courier New" panose="02070309020205020404" pitchFamily="49" charset="0"/>
+              <a:buChar char="o"/>
+            </a:pPr>
+            <a:r>
+              <a:rPr lang="ro-RO" sz="2000" dirty="0" smtClean="0">
+                <a:solidFill>
+                  <a:schemeClr val="bg1"/>
+                </a:solidFill>
+                <a:latin typeface="Times New Roman" panose="02020603050405020304" pitchFamily="18" charset="0"/>
+                <a:cs typeface="Times New Roman" panose="02020603050405020304" pitchFamily="18" charset="0"/>
+              </a:rPr>
+              <a:t>Reconfigurarea automată a topologiei în cazul defectării unui nod</a:t>
+            </a:r>
+          </a:p>
+          <a:p>
+            <a:pPr marL="342900" indent="-342900">
+              <a:lnSpc>
+                <a:spcPct val="150000"/>
+              </a:lnSpc>
+              <a:buFont typeface="Arial" panose="020B0604020202020204" pitchFamily="34" charset="0"/>
+              <a:buChar char="•"/>
+            </a:pPr>
+            <a:r>
+              <a:rPr lang="ro-RO" sz="2000" b="1" dirty="0" smtClean="0">
+                <a:solidFill>
+                  <a:schemeClr val="bg1"/>
+                </a:solidFill>
+                <a:latin typeface="Times New Roman" panose="02020603050405020304" pitchFamily="18" charset="0"/>
+                <a:cs typeface="Times New Roman" panose="02020603050405020304" pitchFamily="18" charset="0"/>
+              </a:rPr>
+              <a:t>Bandă de frecvență joasă între 800 – 900 MHz</a:t>
+            </a:r>
+          </a:p>
+          <a:p>
+            <a:pPr marL="800100" lvl="1" indent="-342900">
+              <a:lnSpc>
+                <a:spcPct val="150000"/>
+              </a:lnSpc>
+              <a:buFont typeface="Courier New" panose="02070309020205020404" pitchFamily="49" charset="0"/>
+              <a:buChar char="o"/>
+            </a:pPr>
+            <a:r>
+              <a:rPr lang="ro-RO" sz="2000" dirty="0" smtClean="0">
+                <a:solidFill>
+                  <a:schemeClr val="bg1"/>
+                </a:solidFill>
+                <a:latin typeface="Times New Roman" panose="02020603050405020304" pitchFamily="18" charset="0"/>
+                <a:cs typeface="Times New Roman" panose="02020603050405020304" pitchFamily="18" charset="0"/>
+              </a:rPr>
+              <a:t>Distanță mare de comunicare între două noduri (Z</a:t>
+            </a:r>
+            <a:r>
+              <a:rPr lang="en-US" sz="2000" dirty="0" smtClean="0">
+                <a:solidFill>
+                  <a:schemeClr val="bg1"/>
+                </a:solidFill>
+                <a:latin typeface="Times New Roman" panose="02020603050405020304" pitchFamily="18" charset="0"/>
+                <a:cs typeface="Times New Roman" panose="02020603050405020304" pitchFamily="18" charset="0"/>
+              </a:rPr>
+              <a:t>-</a:t>
+            </a:r>
+            <a:r>
+              <a:rPr lang="en-US" sz="2000" dirty="0">
+                <a:solidFill>
+                  <a:schemeClr val="bg1"/>
+                </a:solidFill>
+                <a:latin typeface="Times New Roman" panose="02020603050405020304" pitchFamily="18" charset="0"/>
+                <a:cs typeface="Times New Roman" panose="02020603050405020304" pitchFamily="18" charset="0"/>
+              </a:rPr>
+              <a:t>W</a:t>
+            </a:r>
+            <a:r>
+              <a:rPr lang="ro-RO" sz="2000" dirty="0" smtClean="0">
+                <a:solidFill>
+                  <a:schemeClr val="bg1"/>
+                </a:solidFill>
+                <a:latin typeface="Times New Roman" panose="02020603050405020304" pitchFamily="18" charset="0"/>
+                <a:cs typeface="Times New Roman" panose="02020603050405020304" pitchFamily="18" charset="0"/>
+              </a:rPr>
+              <a:t>ave</a:t>
+            </a:r>
+            <a:r>
+              <a:rPr lang="en-US" sz="2000" dirty="0" smtClean="0">
+                <a:solidFill>
+                  <a:schemeClr val="bg1"/>
+                </a:solidFill>
+                <a:latin typeface="Times New Roman" panose="02020603050405020304" pitchFamily="18" charset="0"/>
+                <a:cs typeface="Times New Roman" panose="02020603050405020304" pitchFamily="18" charset="0"/>
+              </a:rPr>
+              <a:t>: 40m, Z-Wave Plus: 100m</a:t>
+            </a:r>
+            <a:r>
+              <a:rPr lang="ro-RO" sz="2000" dirty="0" smtClean="0">
+                <a:solidFill>
+                  <a:schemeClr val="bg1"/>
+                </a:solidFill>
+                <a:latin typeface="Times New Roman" panose="02020603050405020304" pitchFamily="18" charset="0"/>
+                <a:cs typeface="Times New Roman" panose="02020603050405020304" pitchFamily="18" charset="0"/>
+              </a:rPr>
+              <a:t>)</a:t>
+            </a:r>
+          </a:p>
+        </p:txBody>
+      </p:sp>
     </p:spTree>
     <p:extLst>
       <p:ext uri="{BB962C8B-B14F-4D97-AF65-F5344CB8AC3E}">
@@ -13757,7 +16290,7 @@
         <p:spPr>
           <a:xfrm>
             <a:off x="1841501" y="38100"/>
-            <a:ext cx="9644948" cy="646331"/>
+            <a:ext cx="3908314" cy="646331"/>
           </a:xfrm>
           <a:prstGeom prst="rect">
             <a:avLst/>
@@ -13778,19 +16311,9 @@
                 <a:latin typeface="Times New Roman" panose="02020603050405020304" pitchFamily="18" charset="0"/>
                 <a:cs typeface="Times New Roman" panose="02020603050405020304" pitchFamily="18" charset="0"/>
               </a:rPr>
-              <a:t>Rețea neuronală pentru clasificare, </a:t>
-            </a:r>
-            <a:r>
-              <a:rPr lang="ro-RO" sz="3600" b="1" i="1" dirty="0" smtClean="0">
-                <a:solidFill>
-                  <a:schemeClr val="bg1"/>
-                </a:solidFill>
-                <a:latin typeface="Times New Roman" panose="02020603050405020304" pitchFamily="18" charset="0"/>
-                <a:cs typeface="Times New Roman" panose="02020603050405020304" pitchFamily="18" charset="0"/>
-              </a:rPr>
-              <a:t>feed forward</a:t>
-            </a:r>
-            <a:endParaRPr lang="en-US" sz="3600" b="1" i="1" dirty="0">
+              <a:t>Protocolul Z-Wave</a:t>
+            </a:r>
+            <a:endParaRPr lang="en-US" sz="3600" b="1" dirty="0">
               <a:solidFill>
                 <a:schemeClr val="bg1"/>
               </a:solidFill>
@@ -13800,6 +16323,30 @@
           </a:p>
         </p:txBody>
       </p:sp>
+      <p:pic>
+        <p:nvPicPr>
+          <p:cNvPr id="2" name="Picture 1"/>
+          <p:cNvPicPr>
+            <a:picLocks noChangeAspect="1"/>
+          </p:cNvPicPr>
+          <p:nvPr/>
+        </p:nvPicPr>
+        <p:blipFill>
+          <a:blip r:embed="rId2"/>
+          <a:stretch>
+            <a:fillRect/>
+          </a:stretch>
+        </p:blipFill>
+        <p:spPr>
+          <a:xfrm>
+            <a:off x="8838399" y="5424022"/>
+            <a:ext cx="3340901" cy="1421278"/>
+          </a:xfrm>
+          <a:prstGeom prst="rect">
+            <a:avLst/>
+          </a:prstGeom>
+        </p:spPr>
+      </p:pic>
       <p:pic>
         <p:nvPicPr>
           <p:cNvPr id="8" name="Picture 7"/>
@@ -13809,7 +16356,7 @@
           <p:nvPr/>
         </p:nvPicPr>
         <p:blipFill>
-          <a:blip r:embed="rId2"/>
+          <a:blip r:embed="rId3"/>
           <a:stretch>
             <a:fillRect/>
           </a:stretch>
@@ -13824,10 +16371,437 @@
           </a:prstGeom>
         </p:spPr>
       </p:pic>
+      <p:sp>
+        <p:nvSpPr>
+          <p:cNvPr id="5" name="TextBox 4"/>
+          <p:cNvSpPr txBox="1"/>
+          <p:nvPr/>
+        </p:nvSpPr>
+        <p:spPr>
+          <a:xfrm>
+            <a:off x="1833337" y="898342"/>
+            <a:ext cx="9945031" cy="4247317"/>
+          </a:xfrm>
+          <a:prstGeom prst="rect">
+            <a:avLst/>
+          </a:prstGeom>
+          <a:noFill/>
+        </p:spPr>
+        <p:txBody>
+          <a:bodyPr wrap="square" rtlCol="0">
+            <a:spAutoFit/>
+          </a:bodyPr>
+          <a:lstStyle/>
+          <a:p>
+            <a:pPr marL="342900" indent="-342900">
+              <a:lnSpc>
+                <a:spcPct val="150000"/>
+              </a:lnSpc>
+              <a:buFont typeface="Arial" panose="020B0604020202020204" pitchFamily="34" charset="0"/>
+              <a:buChar char="•"/>
+            </a:pPr>
+            <a:r>
+              <a:rPr lang="en-US" sz="2000" b="1" dirty="0" err="1" smtClean="0">
+                <a:solidFill>
+                  <a:schemeClr val="bg1"/>
+                </a:solidFill>
+                <a:latin typeface="Times New Roman" panose="02020603050405020304" pitchFamily="18" charset="0"/>
+                <a:cs typeface="Times New Roman" panose="02020603050405020304" pitchFamily="18" charset="0"/>
+              </a:rPr>
+              <a:t>Apartenen</a:t>
+            </a:r>
+            <a:r>
+              <a:rPr lang="ro-RO" sz="2000" b="1" dirty="0" smtClean="0">
+                <a:solidFill>
+                  <a:schemeClr val="bg1"/>
+                </a:solidFill>
+                <a:latin typeface="Times New Roman" panose="02020603050405020304" pitchFamily="18" charset="0"/>
+                <a:cs typeface="Times New Roman" panose="02020603050405020304" pitchFamily="18" charset="0"/>
+              </a:rPr>
+              <a:t>ța unică a echipamentelor în cadrul unei rețele</a:t>
+            </a:r>
+            <a:endParaRPr lang="en-US" sz="2000" b="1" dirty="0" smtClean="0">
+              <a:solidFill>
+                <a:schemeClr val="bg1"/>
+              </a:solidFill>
+              <a:latin typeface="Times New Roman" panose="02020603050405020304" pitchFamily="18" charset="0"/>
+              <a:cs typeface="Times New Roman" panose="02020603050405020304" pitchFamily="18" charset="0"/>
+            </a:endParaRPr>
+          </a:p>
+          <a:p>
+            <a:pPr marL="800100" lvl="1" indent="-342900">
+              <a:lnSpc>
+                <a:spcPct val="150000"/>
+              </a:lnSpc>
+              <a:buFont typeface="Courier New" panose="02070309020205020404" pitchFamily="49" charset="0"/>
+              <a:buChar char="o"/>
+            </a:pPr>
+            <a:r>
+              <a:rPr lang="ro-RO" sz="2000" dirty="0" smtClean="0">
+                <a:solidFill>
+                  <a:schemeClr val="bg1"/>
+                </a:solidFill>
+                <a:latin typeface="Times New Roman" panose="02020603050405020304" pitchFamily="18" charset="0"/>
+                <a:cs typeface="Times New Roman" panose="02020603050405020304" pitchFamily="18" charset="0"/>
+              </a:rPr>
+              <a:t>În același perimetru pot funcționa mai multe rețele, fără interferențe</a:t>
+            </a:r>
+          </a:p>
+          <a:p>
+            <a:pPr marL="342900" indent="-342900">
+              <a:lnSpc>
+                <a:spcPct val="150000"/>
+              </a:lnSpc>
+              <a:buFont typeface="Arial" panose="020B0604020202020204" pitchFamily="34" charset="0"/>
+              <a:buChar char="•"/>
+            </a:pPr>
+            <a:r>
+              <a:rPr lang="ro-RO" sz="2000" b="1" dirty="0" smtClean="0">
+                <a:solidFill>
+                  <a:schemeClr val="bg1"/>
+                </a:solidFill>
+                <a:latin typeface="Times New Roman" panose="02020603050405020304" pitchFamily="18" charset="0"/>
+                <a:cs typeface="Times New Roman" panose="02020603050405020304" pitchFamily="18" charset="0"/>
+              </a:rPr>
+              <a:t>Interoperabilitate garantată prin clase de comenzi standardizate</a:t>
+            </a:r>
+          </a:p>
+          <a:p>
+            <a:pPr marL="914400" lvl="1" indent="-457200">
+              <a:lnSpc>
+                <a:spcPct val="150000"/>
+              </a:lnSpc>
+              <a:buFont typeface="+mj-lt"/>
+              <a:buAutoNum type="arabicPeriod"/>
+            </a:pPr>
+            <a:r>
+              <a:rPr lang="ro-RO" sz="2000" b="1" dirty="0" smtClean="0">
+                <a:solidFill>
+                  <a:schemeClr val="bg1"/>
+                </a:solidFill>
+                <a:latin typeface="Times New Roman" panose="02020603050405020304" pitchFamily="18" charset="0"/>
+                <a:cs typeface="Times New Roman" panose="02020603050405020304" pitchFamily="18" charset="0"/>
+              </a:rPr>
+              <a:t>Comenzi de bază</a:t>
+            </a:r>
+            <a:r>
+              <a:rPr lang="en-US" sz="2000" b="1" dirty="0" smtClean="0">
+                <a:solidFill>
+                  <a:schemeClr val="bg1"/>
+                </a:solidFill>
+                <a:latin typeface="Times New Roman" panose="02020603050405020304" pitchFamily="18" charset="0"/>
+                <a:cs typeface="Times New Roman" panose="02020603050405020304" pitchFamily="18" charset="0"/>
+              </a:rPr>
+              <a:t>: </a:t>
+            </a:r>
+            <a:r>
+              <a:rPr lang="ro-RO" sz="2000" dirty="0" smtClean="0">
+                <a:solidFill>
+                  <a:schemeClr val="bg1"/>
+                </a:solidFill>
+                <a:latin typeface="Times New Roman" panose="02020603050405020304" pitchFamily="18" charset="0"/>
+                <a:cs typeface="Times New Roman" panose="02020603050405020304" pitchFamily="18" charset="0"/>
+              </a:rPr>
+              <a:t>funcții de bază</a:t>
+            </a:r>
+            <a:r>
+              <a:rPr lang="ro-RO" sz="2000" b="1" dirty="0" smtClean="0">
+                <a:solidFill>
+                  <a:schemeClr val="bg1"/>
+                </a:solidFill>
+                <a:latin typeface="Times New Roman" panose="02020603050405020304" pitchFamily="18" charset="0"/>
+                <a:cs typeface="Times New Roman" panose="02020603050405020304" pitchFamily="18" charset="0"/>
+              </a:rPr>
+              <a:t> </a:t>
+            </a:r>
+            <a:r>
+              <a:rPr lang="en-US" sz="2000" dirty="0" smtClean="0">
+                <a:solidFill>
+                  <a:schemeClr val="bg1"/>
+                </a:solidFill>
+                <a:latin typeface="Times New Roman" panose="02020603050405020304" pitchFamily="18" charset="0"/>
+                <a:cs typeface="Times New Roman" panose="02020603050405020304" pitchFamily="18" charset="0"/>
+              </a:rPr>
+              <a:t>universal </a:t>
+            </a:r>
+            <a:r>
+              <a:rPr lang="en-US" sz="2000" dirty="0" err="1" smtClean="0">
+                <a:solidFill>
+                  <a:schemeClr val="bg1"/>
+                </a:solidFill>
+                <a:latin typeface="Times New Roman" panose="02020603050405020304" pitchFamily="18" charset="0"/>
+                <a:cs typeface="Times New Roman" panose="02020603050405020304" pitchFamily="18" charset="0"/>
+              </a:rPr>
+              <a:t>valabile</a:t>
+            </a:r>
+            <a:r>
+              <a:rPr lang="ro-RO" sz="2000" dirty="0" smtClean="0">
+                <a:solidFill>
+                  <a:schemeClr val="bg1"/>
+                </a:solidFill>
+                <a:latin typeface="Times New Roman" panose="02020603050405020304" pitchFamily="18" charset="0"/>
+                <a:cs typeface="Times New Roman" panose="02020603050405020304" pitchFamily="18" charset="0"/>
+              </a:rPr>
+              <a:t>,</a:t>
+            </a:r>
+            <a:r>
+              <a:rPr lang="en-US" sz="2000" dirty="0" smtClean="0">
+                <a:solidFill>
+                  <a:schemeClr val="bg1"/>
+                </a:solidFill>
+                <a:latin typeface="Times New Roman" panose="02020603050405020304" pitchFamily="18" charset="0"/>
+                <a:cs typeface="Times New Roman" panose="02020603050405020304" pitchFamily="18" charset="0"/>
+              </a:rPr>
+              <a:t> </a:t>
+            </a:r>
+            <a:r>
+              <a:rPr lang="en-US" sz="2000" dirty="0" err="1" smtClean="0">
+                <a:solidFill>
+                  <a:schemeClr val="bg1"/>
+                </a:solidFill>
+                <a:latin typeface="Times New Roman" panose="02020603050405020304" pitchFamily="18" charset="0"/>
+                <a:cs typeface="Times New Roman" panose="02020603050405020304" pitchFamily="18" charset="0"/>
+              </a:rPr>
+              <a:t>agnostice</a:t>
+            </a:r>
+            <a:r>
+              <a:rPr lang="en-US" sz="2000" dirty="0" smtClean="0">
+                <a:solidFill>
+                  <a:schemeClr val="bg1"/>
+                </a:solidFill>
+                <a:latin typeface="Times New Roman" panose="02020603050405020304" pitchFamily="18" charset="0"/>
+                <a:cs typeface="Times New Roman" panose="02020603050405020304" pitchFamily="18" charset="0"/>
+              </a:rPr>
+              <a:t> de </a:t>
+            </a:r>
+            <a:r>
+              <a:rPr lang="en-US" sz="2000" dirty="0" err="1" smtClean="0">
+                <a:solidFill>
+                  <a:schemeClr val="bg1"/>
+                </a:solidFill>
+                <a:latin typeface="Times New Roman" panose="02020603050405020304" pitchFamily="18" charset="0"/>
+                <a:cs typeface="Times New Roman" panose="02020603050405020304" pitchFamily="18" charset="0"/>
+              </a:rPr>
+              <a:t>produc</a:t>
+            </a:r>
+            <a:r>
+              <a:rPr lang="ro-RO" sz="2000" dirty="0" smtClean="0">
+                <a:solidFill>
+                  <a:schemeClr val="bg1"/>
+                </a:solidFill>
+                <a:latin typeface="Times New Roman" panose="02020603050405020304" pitchFamily="18" charset="0"/>
+                <a:cs typeface="Times New Roman" panose="02020603050405020304" pitchFamily="18" charset="0"/>
+              </a:rPr>
+              <a:t>ător sau tip</a:t>
+            </a:r>
+          </a:p>
+          <a:p>
+            <a:pPr marL="914400" lvl="1" indent="-457200">
+              <a:lnSpc>
+                <a:spcPct val="150000"/>
+              </a:lnSpc>
+              <a:buFont typeface="+mj-lt"/>
+              <a:buAutoNum type="arabicPeriod"/>
+            </a:pPr>
+            <a:r>
+              <a:rPr lang="ro-RO" sz="2000" b="1" dirty="0" smtClean="0">
+                <a:solidFill>
+                  <a:schemeClr val="bg1"/>
+                </a:solidFill>
+                <a:latin typeface="Times New Roman" panose="02020603050405020304" pitchFamily="18" charset="0"/>
+                <a:cs typeface="Times New Roman" panose="02020603050405020304" pitchFamily="18" charset="0"/>
+              </a:rPr>
+              <a:t>Comen</a:t>
+            </a:r>
+            <a:r>
+              <a:rPr lang="en-US" sz="2000" b="1" dirty="0" smtClean="0">
+                <a:solidFill>
+                  <a:schemeClr val="bg1"/>
+                </a:solidFill>
+                <a:latin typeface="Times New Roman" panose="02020603050405020304" pitchFamily="18" charset="0"/>
+                <a:cs typeface="Times New Roman" panose="02020603050405020304" pitchFamily="18" charset="0"/>
+              </a:rPr>
+              <a:t>z</a:t>
+            </a:r>
+            <a:r>
+              <a:rPr lang="ro-RO" sz="2000" b="1" dirty="0" smtClean="0">
+                <a:solidFill>
+                  <a:schemeClr val="bg1"/>
+                </a:solidFill>
+                <a:latin typeface="Times New Roman" panose="02020603050405020304" pitchFamily="18" charset="0"/>
+                <a:cs typeface="Times New Roman" panose="02020603050405020304" pitchFamily="18" charset="0"/>
+              </a:rPr>
+              <a:t>i generice</a:t>
+            </a:r>
+            <a:r>
+              <a:rPr lang="en-US" sz="2000" b="1" dirty="0" smtClean="0">
+                <a:solidFill>
+                  <a:schemeClr val="bg1"/>
+                </a:solidFill>
+                <a:latin typeface="Times New Roman" panose="02020603050405020304" pitchFamily="18" charset="0"/>
+                <a:cs typeface="Times New Roman" panose="02020603050405020304" pitchFamily="18" charset="0"/>
+              </a:rPr>
+              <a:t>: </a:t>
+            </a:r>
+            <a:r>
+              <a:rPr lang="ro-RO" sz="2000" dirty="0" smtClean="0">
+                <a:solidFill>
+                  <a:schemeClr val="bg1"/>
+                </a:solidFill>
+                <a:latin typeface="Times New Roman" panose="02020603050405020304" pitchFamily="18" charset="0"/>
+                <a:cs typeface="Times New Roman" panose="02020603050405020304" pitchFamily="18" charset="0"/>
+              </a:rPr>
+              <a:t>definesc funcționalitățile nodului și tipul echipamentului (ex. De iluminat, de termoficare, de securitate, utilitară, de confort)</a:t>
+            </a:r>
+          </a:p>
+          <a:p>
+            <a:pPr marL="914400" lvl="1" indent="-457200">
+              <a:lnSpc>
+                <a:spcPct val="150000"/>
+              </a:lnSpc>
+              <a:buFont typeface="+mj-lt"/>
+              <a:buAutoNum type="arabicPeriod"/>
+            </a:pPr>
+            <a:r>
+              <a:rPr lang="ro-RO" sz="2000" b="1" dirty="0" smtClean="0">
+                <a:solidFill>
+                  <a:schemeClr val="bg1"/>
+                </a:solidFill>
+                <a:latin typeface="Times New Roman" panose="02020603050405020304" pitchFamily="18" charset="0"/>
+                <a:cs typeface="Times New Roman" panose="02020603050405020304" pitchFamily="18" charset="0"/>
+              </a:rPr>
+              <a:t>Comenzi specific</a:t>
+            </a:r>
+            <a:r>
+              <a:rPr lang="en-US" sz="2000" b="1" dirty="0" smtClean="0">
+                <a:solidFill>
+                  <a:schemeClr val="bg1"/>
+                </a:solidFill>
+                <a:latin typeface="Times New Roman" panose="02020603050405020304" pitchFamily="18" charset="0"/>
+                <a:cs typeface="Times New Roman" panose="02020603050405020304" pitchFamily="18" charset="0"/>
+              </a:rPr>
+              <a:t>e: </a:t>
+            </a:r>
+            <a:r>
+              <a:rPr lang="en-US" sz="2000" dirty="0" smtClean="0">
+                <a:solidFill>
+                  <a:schemeClr val="bg1"/>
+                </a:solidFill>
+                <a:latin typeface="Times New Roman" panose="02020603050405020304" pitchFamily="18" charset="0"/>
+                <a:cs typeface="Times New Roman" panose="02020603050405020304" pitchFamily="18" charset="0"/>
+              </a:rPr>
+              <a:t>definite generic, </a:t>
+            </a:r>
+            <a:r>
+              <a:rPr lang="en-US" sz="2000" dirty="0" err="1" smtClean="0">
+                <a:solidFill>
+                  <a:schemeClr val="bg1"/>
+                </a:solidFill>
+                <a:latin typeface="Times New Roman" panose="02020603050405020304" pitchFamily="18" charset="0"/>
+                <a:cs typeface="Times New Roman" panose="02020603050405020304" pitchFamily="18" charset="0"/>
+              </a:rPr>
+              <a:t>interpretarea</a:t>
+            </a:r>
+            <a:r>
+              <a:rPr lang="en-US" sz="2000" dirty="0" smtClean="0">
+                <a:solidFill>
+                  <a:schemeClr val="bg1"/>
+                </a:solidFill>
+                <a:latin typeface="Times New Roman" panose="02020603050405020304" pitchFamily="18" charset="0"/>
+                <a:cs typeface="Times New Roman" panose="02020603050405020304" pitchFamily="18" charset="0"/>
+              </a:rPr>
+              <a:t> </a:t>
+            </a:r>
+            <a:r>
+              <a:rPr lang="en-US" sz="2000" dirty="0" err="1" smtClean="0">
+                <a:solidFill>
+                  <a:schemeClr val="bg1"/>
+                </a:solidFill>
+                <a:latin typeface="Times New Roman" panose="02020603050405020304" pitchFamily="18" charset="0"/>
+                <a:cs typeface="Times New Roman" panose="02020603050405020304" pitchFamily="18" charset="0"/>
+              </a:rPr>
+              <a:t>lor</a:t>
+            </a:r>
+            <a:r>
+              <a:rPr lang="en-US" sz="2000" dirty="0" smtClean="0">
+                <a:solidFill>
+                  <a:schemeClr val="bg1"/>
+                </a:solidFill>
+                <a:latin typeface="Times New Roman" panose="02020603050405020304" pitchFamily="18" charset="0"/>
+                <a:cs typeface="Times New Roman" panose="02020603050405020304" pitchFamily="18" charset="0"/>
+              </a:rPr>
+              <a:t> </a:t>
+            </a:r>
+            <a:r>
+              <a:rPr lang="en-US" sz="2000" dirty="0" err="1" smtClean="0">
+                <a:solidFill>
+                  <a:schemeClr val="bg1"/>
+                </a:solidFill>
+                <a:latin typeface="Times New Roman" panose="02020603050405020304" pitchFamily="18" charset="0"/>
+                <a:cs typeface="Times New Roman" panose="02020603050405020304" pitchFamily="18" charset="0"/>
+              </a:rPr>
+              <a:t>depinz</a:t>
+            </a:r>
+            <a:r>
+              <a:rPr lang="ro-RO" sz="2000" dirty="0" smtClean="0">
+                <a:solidFill>
+                  <a:schemeClr val="bg1"/>
+                </a:solidFill>
+                <a:latin typeface="Times New Roman" panose="02020603050405020304" pitchFamily="18" charset="0"/>
+                <a:cs typeface="Times New Roman" panose="02020603050405020304" pitchFamily="18" charset="0"/>
+              </a:rPr>
+              <a:t>ând strict de nodul utilizator (ex. Setarea unei valori, interogarea unui </a:t>
+            </a:r>
+            <a:r>
+              <a:rPr lang="en-US" sz="2000" dirty="0" smtClean="0">
+                <a:solidFill>
+                  <a:schemeClr val="bg1"/>
+                </a:solidFill>
+                <a:latin typeface="Times New Roman" panose="02020603050405020304" pitchFamily="18" charset="0"/>
+                <a:cs typeface="Times New Roman" panose="02020603050405020304" pitchFamily="18" charset="0"/>
+              </a:rPr>
+              <a:t>c</a:t>
+            </a:r>
+            <a:r>
+              <a:rPr lang="ro-RO" sz="2000" dirty="0" smtClean="0">
+                <a:solidFill>
+                  <a:schemeClr val="bg1"/>
+                </a:solidFill>
+                <a:latin typeface="Times New Roman" panose="02020603050405020304" pitchFamily="18" charset="0"/>
+                <a:cs typeface="Times New Roman" panose="02020603050405020304" pitchFamily="18" charset="0"/>
+              </a:rPr>
+              <a:t>âmp)</a:t>
+            </a:r>
+            <a:endParaRPr lang="ro-RO" sz="2000" b="1" dirty="0" smtClean="0">
+              <a:solidFill>
+                <a:schemeClr val="bg1"/>
+              </a:solidFill>
+              <a:latin typeface="Times New Roman" panose="02020603050405020304" pitchFamily="18" charset="0"/>
+              <a:cs typeface="Times New Roman" panose="02020603050405020304" pitchFamily="18" charset="0"/>
+            </a:endParaRPr>
+          </a:p>
+          <a:p>
+            <a:pPr marL="800100" lvl="1" indent="-342900">
+              <a:lnSpc>
+                <a:spcPct val="150000"/>
+              </a:lnSpc>
+              <a:buFont typeface="Courier New" panose="02070309020205020404" pitchFamily="49" charset="0"/>
+              <a:buChar char="o"/>
+            </a:pPr>
+            <a:endParaRPr lang="en-US" sz="2000" b="1" dirty="0">
+              <a:solidFill>
+                <a:schemeClr val="bg1"/>
+              </a:solidFill>
+              <a:latin typeface="Times New Roman" panose="02020603050405020304" pitchFamily="18" charset="0"/>
+              <a:cs typeface="Times New Roman" panose="02020603050405020304" pitchFamily="18" charset="0"/>
+            </a:endParaRPr>
+          </a:p>
+        </p:txBody>
+      </p:sp>
     </p:spTree>
     <p:extLst>
       <p:ext uri="{BB962C8B-B14F-4D97-AF65-F5344CB8AC3E}">
-        <p14:creationId xmlns:p14="http://schemas.microsoft.com/office/powerpoint/2010/main" val="4100381051"/>
+        <p14:creationId xmlns:p14="http://schemas.microsoft.com/office/powerpoint/2010/main" val="2273745997"/>
       </p:ext>
     </p:extLst>
   </p:cSld>
@@ -13878,7 +16852,7 @@
         <p:spPr>
           <a:xfrm>
             <a:off x="1841501" y="38100"/>
-            <a:ext cx="3664465" cy="646331"/>
+            <a:ext cx="4818627" cy="646331"/>
           </a:xfrm>
           <a:prstGeom prst="rect">
             <a:avLst/>
@@ -13899,19 +16873,9 @@
                 <a:latin typeface="Times New Roman" panose="02020603050405020304" pitchFamily="18" charset="0"/>
                 <a:cs typeface="Times New Roman" panose="02020603050405020304" pitchFamily="18" charset="0"/>
               </a:rPr>
-              <a:t>Codarea </a:t>
-            </a:r>
-            <a:r>
-              <a:rPr lang="ro-RO" sz="3600" b="1" i="1" dirty="0" smtClean="0">
-                <a:solidFill>
-                  <a:schemeClr val="bg1"/>
-                </a:solidFill>
-                <a:latin typeface="Times New Roman" panose="02020603050405020304" pitchFamily="18" charset="0"/>
-                <a:cs typeface="Times New Roman" panose="02020603050405020304" pitchFamily="18" charset="0"/>
-              </a:rPr>
-              <a:t>One Hot</a:t>
-            </a:r>
-            <a:endParaRPr lang="en-US" sz="3600" b="1" i="1" dirty="0">
+              <a:t>Node-RED (Front End)</a:t>
+            </a:r>
+            <a:endParaRPr lang="en-US" sz="3600" b="1" dirty="0">
               <a:solidFill>
                 <a:schemeClr val="bg1"/>
               </a:solidFill>
@@ -13945,10 +16909,258 @@
           </a:prstGeom>
         </p:spPr>
       </p:pic>
+      <p:sp>
+        <p:nvSpPr>
+          <p:cNvPr id="2" name="TextBox 1"/>
+          <p:cNvSpPr txBox="1"/>
+          <p:nvPr/>
+        </p:nvSpPr>
+        <p:spPr>
+          <a:xfrm>
+            <a:off x="1842576" y="2240050"/>
+            <a:ext cx="4264024" cy="1200329"/>
+          </a:xfrm>
+          <a:prstGeom prst="rect">
+            <a:avLst/>
+          </a:prstGeom>
+          <a:noFill/>
+        </p:spPr>
+        <p:txBody>
+          <a:bodyPr wrap="square" rtlCol="0">
+            <a:spAutoFit/>
+          </a:bodyPr>
+          <a:lstStyle/>
+          <a:p>
+            <a:r>
+              <a:rPr lang="ro-RO" dirty="0" smtClean="0">
+                <a:solidFill>
+                  <a:schemeClr val="bg1"/>
+                </a:solidFill>
+                <a:latin typeface="Times New Roman" panose="02020603050405020304" pitchFamily="18" charset="0"/>
+                <a:cs typeface="Times New Roman" panose="02020603050405020304" pitchFamily="18" charset="0"/>
+              </a:rPr>
+              <a:t>Dezvoltarea </a:t>
+            </a:r>
+            <a:r>
+              <a:rPr lang="ro-RO" dirty="0">
+                <a:solidFill>
+                  <a:schemeClr val="bg1"/>
+                </a:solidFill>
+                <a:latin typeface="Times New Roman" panose="02020603050405020304" pitchFamily="18" charset="0"/>
+                <a:cs typeface="Times New Roman" panose="02020603050405020304" pitchFamily="18" charset="0"/>
+              </a:rPr>
+              <a:t>pe bază fluxurilor de date, descriind modul de operare și interconectarea diferitlor noduri de lucru, palete și elemente vizuale</a:t>
+            </a:r>
+            <a:endParaRPr lang="en-US" dirty="0">
+              <a:solidFill>
+                <a:schemeClr val="bg1"/>
+              </a:solidFill>
+              <a:latin typeface="Times New Roman" panose="02020603050405020304" pitchFamily="18" charset="0"/>
+              <a:cs typeface="Times New Roman" panose="02020603050405020304" pitchFamily="18" charset="0"/>
+            </a:endParaRPr>
+          </a:p>
+        </p:txBody>
+      </p:sp>
+      <p:pic>
+        <p:nvPicPr>
+          <p:cNvPr id="3" name="Picture 2"/>
+          <p:cNvPicPr>
+            <a:picLocks noChangeAspect="1"/>
+          </p:cNvPicPr>
+          <p:nvPr/>
+        </p:nvPicPr>
+        <p:blipFill>
+          <a:blip r:embed="rId3"/>
+          <a:stretch>
+            <a:fillRect/>
+          </a:stretch>
+        </p:blipFill>
+        <p:spPr>
+          <a:xfrm>
+            <a:off x="6005513" y="847725"/>
+            <a:ext cx="6110288" cy="2784651"/>
+          </a:xfrm>
+          <a:prstGeom prst="rect">
+            <a:avLst/>
+          </a:prstGeom>
+        </p:spPr>
+      </p:pic>
+      <p:sp>
+        <p:nvSpPr>
+          <p:cNvPr id="6" name="TextBox 5"/>
+          <p:cNvSpPr txBox="1"/>
+          <p:nvPr/>
+        </p:nvSpPr>
+        <p:spPr>
+          <a:xfrm>
+            <a:off x="1801020" y="879779"/>
+            <a:ext cx="4244974" cy="1200329"/>
+          </a:xfrm>
+          <a:prstGeom prst="rect">
+            <a:avLst/>
+          </a:prstGeom>
+          <a:noFill/>
+        </p:spPr>
+        <p:txBody>
+          <a:bodyPr wrap="square" rtlCol="0">
+            <a:spAutoFit/>
+          </a:bodyPr>
+          <a:lstStyle/>
+          <a:p>
+            <a:r>
+              <a:rPr lang="ro-RO" dirty="0">
+                <a:solidFill>
+                  <a:schemeClr val="bg1"/>
+                </a:solidFill>
+                <a:latin typeface="Times New Roman" panose="02020603050405020304" pitchFamily="18" charset="0"/>
+                <a:cs typeface="Times New Roman" panose="02020603050405020304" pitchFamily="18" charset="0"/>
+              </a:rPr>
+              <a:t>Mediu de programare vizuală, open source, dedicată integrării echipamentelor hardware în proiecte de IoT</a:t>
+            </a:r>
+          </a:p>
+          <a:p>
+            <a:endParaRPr lang="en-US" dirty="0"/>
+          </a:p>
+        </p:txBody>
+      </p:sp>
+      <p:sp>
+        <p:nvSpPr>
+          <p:cNvPr id="9" name="TextBox 8"/>
+          <p:cNvSpPr txBox="1"/>
+          <p:nvPr/>
+        </p:nvSpPr>
+        <p:spPr>
+          <a:xfrm>
+            <a:off x="1839912" y="3774503"/>
+            <a:ext cx="10209213" cy="646331"/>
+          </a:xfrm>
+          <a:prstGeom prst="rect">
+            <a:avLst/>
+          </a:prstGeom>
+          <a:noFill/>
+        </p:spPr>
+        <p:txBody>
+          <a:bodyPr wrap="square" rtlCol="0">
+            <a:spAutoFit/>
+          </a:bodyPr>
+          <a:lstStyle/>
+          <a:p>
+            <a:r>
+              <a:rPr lang="ro-RO" dirty="0">
+                <a:solidFill>
+                  <a:schemeClr val="bg1"/>
+                </a:solidFill>
+                <a:latin typeface="Times New Roman" panose="02020603050405020304" pitchFamily="18" charset="0"/>
+                <a:cs typeface="Times New Roman" panose="02020603050405020304" pitchFamily="18" charset="0"/>
+              </a:rPr>
+              <a:t>Permite utilizarea unui număr vast de protocoale de </a:t>
+            </a:r>
+            <a:r>
+              <a:rPr lang="ro-RO" dirty="0" smtClean="0">
+                <a:solidFill>
+                  <a:schemeClr val="bg1"/>
+                </a:solidFill>
+                <a:latin typeface="Times New Roman" panose="02020603050405020304" pitchFamily="18" charset="0"/>
+                <a:cs typeface="Times New Roman" panose="02020603050405020304" pitchFamily="18" charset="0"/>
+              </a:rPr>
+              <a:t>comunicare, </a:t>
+            </a:r>
+            <a:r>
+              <a:rPr lang="ro-RO" b="1" dirty="0" smtClean="0">
+                <a:solidFill>
+                  <a:schemeClr val="bg1"/>
+                </a:solidFill>
+                <a:latin typeface="Times New Roman" panose="02020603050405020304" pitchFamily="18" charset="0"/>
+                <a:cs typeface="Times New Roman" panose="02020603050405020304" pitchFamily="18" charset="0"/>
+              </a:rPr>
+              <a:t>inclusiv MQTT</a:t>
+            </a:r>
+            <a:r>
+              <a:rPr lang="ro-RO" dirty="0" smtClean="0">
+                <a:solidFill>
+                  <a:schemeClr val="bg1"/>
+                </a:solidFill>
+                <a:latin typeface="Times New Roman" panose="02020603050405020304" pitchFamily="18" charset="0"/>
+                <a:cs typeface="Times New Roman" panose="02020603050405020304" pitchFamily="18" charset="0"/>
+              </a:rPr>
+              <a:t>, </a:t>
+            </a:r>
+            <a:r>
+              <a:rPr lang="ro-RO" dirty="0">
+                <a:solidFill>
+                  <a:schemeClr val="bg1"/>
+                </a:solidFill>
+                <a:latin typeface="Times New Roman" panose="02020603050405020304" pitchFamily="18" charset="0"/>
+                <a:cs typeface="Times New Roman" panose="02020603050405020304" pitchFamily="18" charset="0"/>
+              </a:rPr>
+              <a:t>API-uri și servicii online, cât și prelucrarea mai multor structuri de </a:t>
+            </a:r>
+            <a:r>
+              <a:rPr lang="ro-RO" dirty="0" smtClean="0">
+                <a:solidFill>
+                  <a:schemeClr val="bg1"/>
+                </a:solidFill>
+                <a:latin typeface="Times New Roman" panose="02020603050405020304" pitchFamily="18" charset="0"/>
+                <a:cs typeface="Times New Roman" panose="02020603050405020304" pitchFamily="18" charset="0"/>
+              </a:rPr>
+              <a:t>date</a:t>
+            </a:r>
+            <a:endParaRPr lang="ro-RO" dirty="0">
+              <a:solidFill>
+                <a:schemeClr val="bg1"/>
+              </a:solidFill>
+              <a:latin typeface="Times New Roman" panose="02020603050405020304" pitchFamily="18" charset="0"/>
+              <a:cs typeface="Times New Roman" panose="02020603050405020304" pitchFamily="18" charset="0"/>
+            </a:endParaRPr>
+          </a:p>
+        </p:txBody>
+      </p:sp>
+      <p:sp>
+        <p:nvSpPr>
+          <p:cNvPr id="10" name="TextBox 9"/>
+          <p:cNvSpPr txBox="1"/>
+          <p:nvPr/>
+        </p:nvSpPr>
+        <p:spPr>
+          <a:xfrm>
+            <a:off x="1801020" y="4562961"/>
+            <a:ext cx="9704388" cy="646331"/>
+          </a:xfrm>
+          <a:prstGeom prst="rect">
+            <a:avLst/>
+          </a:prstGeom>
+          <a:noFill/>
+        </p:spPr>
+        <p:txBody>
+          <a:bodyPr wrap="square" rtlCol="0">
+            <a:spAutoFit/>
+          </a:bodyPr>
+          <a:lstStyle/>
+          <a:p>
+            <a:r>
+              <a:rPr lang="ro-RO" dirty="0" smtClean="0">
+                <a:solidFill>
+                  <a:schemeClr val="bg1"/>
+                </a:solidFill>
+                <a:latin typeface="Times New Roman" panose="02020603050405020304" pitchFamily="18" charset="0"/>
+                <a:cs typeface="Times New Roman" panose="02020603050405020304" pitchFamily="18" charset="0"/>
+              </a:rPr>
+              <a:t>Oferă o gamă variată de elemente vizuale ușor configurabile și utilizabile, permițând dezvoltarea rapidă a unor interfețe de lucru</a:t>
+            </a:r>
+            <a:endParaRPr lang="ro-RO" dirty="0">
+              <a:solidFill>
+                <a:schemeClr val="bg1"/>
+              </a:solidFill>
+              <a:latin typeface="Times New Roman" panose="02020603050405020304" pitchFamily="18" charset="0"/>
+              <a:cs typeface="Times New Roman" panose="02020603050405020304" pitchFamily="18" charset="0"/>
+            </a:endParaRPr>
+          </a:p>
+        </p:txBody>
+      </p:sp>
     </p:spTree>
     <p:extLst>
       <p:ext uri="{BB962C8B-B14F-4D97-AF65-F5344CB8AC3E}">
-        <p14:creationId xmlns:p14="http://schemas.microsoft.com/office/powerpoint/2010/main" val="3551341767"/>
+        <p14:creationId xmlns:p14="http://schemas.microsoft.com/office/powerpoint/2010/main" val="3425413954"/>
       </p:ext>
     </p:extLst>
   </p:cSld>
@@ -13999,7 +17211,7 @@
         <p:spPr>
           <a:xfrm>
             <a:off x="1841501" y="38100"/>
-            <a:ext cx="4664739" cy="646331"/>
+            <a:ext cx="3954929" cy="646331"/>
           </a:xfrm>
           <a:prstGeom prst="rect">
             <a:avLst/>
@@ -14020,7 +17232,7 @@
                 <a:latin typeface="Times New Roman" panose="02020603050405020304" pitchFamily="18" charset="0"/>
                 <a:cs typeface="Times New Roman" panose="02020603050405020304" pitchFamily="18" charset="0"/>
               </a:rPr>
-              <a:t>Node-RED (Fron End)</a:t>
+              <a:t>Python (Back End)</a:t>
             </a:r>
             <a:endParaRPr lang="en-US" sz="3600" b="1" dirty="0">
               <a:solidFill>
@@ -14056,10 +17268,1981 @@
           </a:prstGeom>
         </p:spPr>
       </p:pic>
+      <p:sp>
+        <p:nvSpPr>
+          <p:cNvPr id="2" name="TextBox 1"/>
+          <p:cNvSpPr txBox="1"/>
+          <p:nvPr/>
+        </p:nvSpPr>
+        <p:spPr>
+          <a:xfrm>
+            <a:off x="1841501" y="722531"/>
+            <a:ext cx="9836149" cy="5909310"/>
+          </a:xfrm>
+          <a:prstGeom prst="rect">
+            <a:avLst/>
+          </a:prstGeom>
+          <a:noFill/>
+        </p:spPr>
+        <p:txBody>
+          <a:bodyPr wrap="square" rtlCol="0">
+            <a:spAutoFit/>
+          </a:bodyPr>
+          <a:lstStyle/>
+          <a:p>
+            <a:pPr>
+              <a:lnSpc>
+                <a:spcPct val="150000"/>
+              </a:lnSpc>
+            </a:pPr>
+            <a:r>
+              <a:rPr lang="ro-RO" dirty="0" err="1" smtClean="0">
+                <a:solidFill>
+                  <a:schemeClr val="bg1"/>
+                </a:solidFill>
+                <a:latin typeface="Times New Roman" panose="02020603050405020304" pitchFamily="18" charset="0"/>
+                <a:cs typeface="Times New Roman" panose="02020603050405020304" pitchFamily="18" charset="0"/>
+              </a:rPr>
+              <a:t>O</a:t>
+            </a:r>
+            <a:r>
+              <a:rPr lang="en-US" dirty="0" err="1" smtClean="0">
+                <a:solidFill>
+                  <a:schemeClr val="bg1"/>
+                </a:solidFill>
+                <a:latin typeface="Times New Roman" panose="02020603050405020304" pitchFamily="18" charset="0"/>
+                <a:cs typeface="Times New Roman" panose="02020603050405020304" pitchFamily="18" charset="0"/>
+              </a:rPr>
+              <a:t>feră</a:t>
+            </a:r>
+            <a:r>
+              <a:rPr lang="en-US" dirty="0" smtClean="0">
+                <a:solidFill>
+                  <a:schemeClr val="bg1"/>
+                </a:solidFill>
+                <a:latin typeface="Times New Roman" panose="02020603050405020304" pitchFamily="18" charset="0"/>
+                <a:cs typeface="Times New Roman" panose="02020603050405020304" pitchFamily="18" charset="0"/>
+              </a:rPr>
+              <a:t> </a:t>
+            </a:r>
+            <a:r>
+              <a:rPr lang="en-US" dirty="0" err="1">
+                <a:solidFill>
+                  <a:schemeClr val="bg1"/>
+                </a:solidFill>
+                <a:latin typeface="Times New Roman" panose="02020603050405020304" pitchFamily="18" charset="0"/>
+                <a:cs typeface="Times New Roman" panose="02020603050405020304" pitchFamily="18" charset="0"/>
+              </a:rPr>
+              <a:t>suport</a:t>
+            </a:r>
+            <a:r>
+              <a:rPr lang="en-US" dirty="0">
+                <a:solidFill>
+                  <a:schemeClr val="bg1"/>
+                </a:solidFill>
+                <a:latin typeface="Times New Roman" panose="02020603050405020304" pitchFamily="18" charset="0"/>
+                <a:cs typeface="Times New Roman" panose="02020603050405020304" pitchFamily="18" charset="0"/>
+              </a:rPr>
+              <a:t> </a:t>
+            </a:r>
+            <a:r>
+              <a:rPr lang="en-US" dirty="0" err="1">
+                <a:solidFill>
+                  <a:schemeClr val="bg1"/>
+                </a:solidFill>
+                <a:latin typeface="Times New Roman" panose="02020603050405020304" pitchFamily="18" charset="0"/>
+                <a:cs typeface="Times New Roman" panose="02020603050405020304" pitchFamily="18" charset="0"/>
+              </a:rPr>
+              <a:t>nativ</a:t>
+            </a:r>
+            <a:r>
+              <a:rPr lang="en-US" dirty="0">
+                <a:solidFill>
+                  <a:schemeClr val="bg1"/>
+                </a:solidFill>
+                <a:latin typeface="Times New Roman" panose="02020603050405020304" pitchFamily="18" charset="0"/>
+                <a:cs typeface="Times New Roman" panose="02020603050405020304" pitchFamily="18" charset="0"/>
+              </a:rPr>
+              <a:t> </a:t>
+            </a:r>
+            <a:r>
+              <a:rPr lang="en-US" dirty="0" err="1">
+                <a:solidFill>
+                  <a:schemeClr val="bg1"/>
+                </a:solidFill>
+                <a:latin typeface="Times New Roman" panose="02020603050405020304" pitchFamily="18" charset="0"/>
+                <a:cs typeface="Times New Roman" panose="02020603050405020304" pitchFamily="18" charset="0"/>
+              </a:rPr>
+              <a:t>pentru</a:t>
+            </a:r>
+            <a:r>
+              <a:rPr lang="en-US" dirty="0">
+                <a:solidFill>
+                  <a:schemeClr val="bg1"/>
+                </a:solidFill>
+                <a:latin typeface="Times New Roman" panose="02020603050405020304" pitchFamily="18" charset="0"/>
+                <a:cs typeface="Times New Roman" panose="02020603050405020304" pitchFamily="18" charset="0"/>
+              </a:rPr>
+              <a:t> o </a:t>
+            </a:r>
+            <a:r>
+              <a:rPr lang="en-US" dirty="0" err="1">
+                <a:solidFill>
+                  <a:schemeClr val="bg1"/>
+                </a:solidFill>
+                <a:latin typeface="Times New Roman" panose="02020603050405020304" pitchFamily="18" charset="0"/>
+                <a:cs typeface="Times New Roman" panose="02020603050405020304" pitchFamily="18" charset="0"/>
+              </a:rPr>
+              <a:t>multitudine</a:t>
+            </a:r>
+            <a:r>
+              <a:rPr lang="en-US" dirty="0">
+                <a:solidFill>
+                  <a:schemeClr val="bg1"/>
+                </a:solidFill>
+                <a:latin typeface="Times New Roman" panose="02020603050405020304" pitchFamily="18" charset="0"/>
+                <a:cs typeface="Times New Roman" panose="02020603050405020304" pitchFamily="18" charset="0"/>
+              </a:rPr>
+              <a:t> de module </a:t>
+            </a:r>
+            <a:r>
+              <a:rPr lang="en-US" dirty="0" err="1" smtClean="0">
+                <a:solidFill>
+                  <a:schemeClr val="bg1"/>
+                </a:solidFill>
+                <a:latin typeface="Times New Roman" panose="02020603050405020304" pitchFamily="18" charset="0"/>
+                <a:cs typeface="Times New Roman" panose="02020603050405020304" pitchFamily="18" charset="0"/>
+              </a:rPr>
+              <a:t>utilizate</a:t>
+            </a:r>
+            <a:r>
+              <a:rPr lang="ro-RO" dirty="0" smtClean="0">
+                <a:solidFill>
+                  <a:schemeClr val="bg1"/>
+                </a:solidFill>
+                <a:latin typeface="Times New Roman" panose="02020603050405020304" pitchFamily="18" charset="0"/>
+                <a:cs typeface="Times New Roman" panose="02020603050405020304" pitchFamily="18" charset="0"/>
+              </a:rPr>
+              <a:t>,</a:t>
+            </a:r>
+            <a:r>
+              <a:rPr lang="en-US" dirty="0" smtClean="0">
+                <a:solidFill>
+                  <a:schemeClr val="bg1"/>
+                </a:solidFill>
+                <a:latin typeface="Times New Roman" panose="02020603050405020304" pitchFamily="18" charset="0"/>
+                <a:cs typeface="Times New Roman" panose="02020603050405020304" pitchFamily="18" charset="0"/>
+              </a:rPr>
+              <a:t> </a:t>
+            </a:r>
+            <a:r>
+              <a:rPr lang="en-US" dirty="0" err="1">
+                <a:solidFill>
+                  <a:schemeClr val="bg1"/>
+                </a:solidFill>
+                <a:latin typeface="Times New Roman" panose="02020603050405020304" pitchFamily="18" charset="0"/>
+                <a:cs typeface="Times New Roman" panose="02020603050405020304" pitchFamily="18" charset="0"/>
+              </a:rPr>
+              <a:t>Printre</a:t>
+            </a:r>
+            <a:r>
+              <a:rPr lang="en-US" dirty="0">
+                <a:solidFill>
+                  <a:schemeClr val="bg1"/>
+                </a:solidFill>
+                <a:latin typeface="Times New Roman" panose="02020603050405020304" pitchFamily="18" charset="0"/>
+                <a:cs typeface="Times New Roman" panose="02020603050405020304" pitchFamily="18" charset="0"/>
+              </a:rPr>
+              <a:t> </a:t>
+            </a:r>
+            <a:r>
+              <a:rPr lang="ro-RO" dirty="0" smtClean="0">
+                <a:solidFill>
+                  <a:schemeClr val="bg1"/>
+                </a:solidFill>
+                <a:latin typeface="Times New Roman" panose="02020603050405020304" pitchFamily="18" charset="0"/>
+                <a:cs typeface="Times New Roman" panose="02020603050405020304" pitchFamily="18" charset="0"/>
+              </a:rPr>
+              <a:t>care</a:t>
+            </a:r>
+            <a:r>
+              <a:rPr lang="en-US" dirty="0" smtClean="0">
+                <a:solidFill>
+                  <a:schemeClr val="bg1"/>
+                </a:solidFill>
+                <a:latin typeface="Times New Roman" panose="02020603050405020304" pitchFamily="18" charset="0"/>
+                <a:cs typeface="Times New Roman" panose="02020603050405020304" pitchFamily="18" charset="0"/>
+              </a:rPr>
+              <a:t> </a:t>
+            </a:r>
+            <a:r>
+              <a:rPr lang="en-US" dirty="0" err="1">
+                <a:solidFill>
+                  <a:schemeClr val="bg1"/>
+                </a:solidFill>
+                <a:latin typeface="Times New Roman" panose="02020603050405020304" pitchFamily="18" charset="0"/>
+                <a:cs typeface="Times New Roman" panose="02020603050405020304" pitchFamily="18" charset="0"/>
+              </a:rPr>
+              <a:t>merită</a:t>
+            </a:r>
+            <a:r>
+              <a:rPr lang="en-US" dirty="0">
+                <a:solidFill>
+                  <a:schemeClr val="bg1"/>
+                </a:solidFill>
+                <a:latin typeface="Times New Roman" panose="02020603050405020304" pitchFamily="18" charset="0"/>
+                <a:cs typeface="Times New Roman" panose="02020603050405020304" pitchFamily="18" charset="0"/>
+              </a:rPr>
+              <a:t> </a:t>
+            </a:r>
+            <a:r>
+              <a:rPr lang="en-US" dirty="0" err="1">
+                <a:solidFill>
+                  <a:schemeClr val="bg1"/>
+                </a:solidFill>
+                <a:latin typeface="Times New Roman" panose="02020603050405020304" pitchFamily="18" charset="0"/>
+                <a:cs typeface="Times New Roman" panose="02020603050405020304" pitchFamily="18" charset="0"/>
+              </a:rPr>
+              <a:t>meționate</a:t>
+            </a:r>
+            <a:r>
+              <a:rPr lang="en-US" dirty="0">
+                <a:solidFill>
+                  <a:schemeClr val="bg1"/>
+                </a:solidFill>
+                <a:latin typeface="Times New Roman" panose="02020603050405020304" pitchFamily="18" charset="0"/>
+                <a:cs typeface="Times New Roman" panose="02020603050405020304" pitchFamily="18" charset="0"/>
+              </a:rPr>
+              <a:t>:</a:t>
+            </a:r>
+          </a:p>
+          <a:p>
+            <a:pPr marL="742950" lvl="1" indent="-285750">
+              <a:lnSpc>
+                <a:spcPct val="150000"/>
+              </a:lnSpc>
+              <a:buFont typeface="Arial" panose="020B0604020202020204" pitchFamily="34" charset="0"/>
+              <a:buChar char="•"/>
+            </a:pPr>
+            <a:r>
+              <a:rPr lang="en-US" b="1" dirty="0" err="1" smtClean="0">
+                <a:solidFill>
+                  <a:schemeClr val="bg1"/>
+                </a:solidFill>
+                <a:latin typeface="Times New Roman" panose="02020603050405020304" pitchFamily="18" charset="0"/>
+                <a:cs typeface="Times New Roman" panose="02020603050405020304" pitchFamily="18" charset="0"/>
+              </a:rPr>
+              <a:t>paho-mqtt</a:t>
+            </a:r>
+            <a:r>
+              <a:rPr lang="en-US" b="1" dirty="0">
+                <a:solidFill>
+                  <a:schemeClr val="bg1"/>
+                </a:solidFill>
+                <a:latin typeface="Times New Roman" panose="02020603050405020304" pitchFamily="18" charset="0"/>
+                <a:cs typeface="Times New Roman" panose="02020603050405020304" pitchFamily="18" charset="0"/>
+              </a:rPr>
+              <a:t>:</a:t>
+            </a:r>
+            <a:r>
+              <a:rPr lang="en-US" dirty="0">
+                <a:solidFill>
+                  <a:schemeClr val="bg1"/>
+                </a:solidFill>
+                <a:latin typeface="Times New Roman" panose="02020603050405020304" pitchFamily="18" charset="0"/>
+                <a:cs typeface="Times New Roman" panose="02020603050405020304" pitchFamily="18" charset="0"/>
+              </a:rPr>
+              <a:t> </a:t>
+            </a:r>
+            <a:r>
+              <a:rPr lang="en-US" dirty="0" err="1">
+                <a:solidFill>
+                  <a:schemeClr val="bg1"/>
+                </a:solidFill>
+                <a:latin typeface="Times New Roman" panose="02020603050405020304" pitchFamily="18" charset="0"/>
+                <a:cs typeface="Times New Roman" panose="02020603050405020304" pitchFamily="18" charset="0"/>
+              </a:rPr>
+              <a:t>librăria</a:t>
+            </a:r>
+            <a:r>
+              <a:rPr lang="en-US" dirty="0">
+                <a:solidFill>
+                  <a:schemeClr val="bg1"/>
+                </a:solidFill>
+                <a:latin typeface="Times New Roman" panose="02020603050405020304" pitchFamily="18" charset="0"/>
+                <a:cs typeface="Times New Roman" panose="02020603050405020304" pitchFamily="18" charset="0"/>
+              </a:rPr>
+              <a:t> </a:t>
+            </a:r>
+            <a:r>
+              <a:rPr lang="en-US" dirty="0" err="1">
+                <a:solidFill>
+                  <a:schemeClr val="bg1"/>
+                </a:solidFill>
+                <a:latin typeface="Times New Roman" panose="02020603050405020304" pitchFamily="18" charset="0"/>
+                <a:cs typeface="Times New Roman" panose="02020603050405020304" pitchFamily="18" charset="0"/>
+              </a:rPr>
+              <a:t>dedicată</a:t>
+            </a:r>
+            <a:r>
+              <a:rPr lang="en-US" dirty="0">
+                <a:solidFill>
+                  <a:schemeClr val="bg1"/>
+                </a:solidFill>
+                <a:latin typeface="Times New Roman" panose="02020603050405020304" pitchFamily="18" charset="0"/>
+                <a:cs typeface="Times New Roman" panose="02020603050405020304" pitchFamily="18" charset="0"/>
+              </a:rPr>
+              <a:t> </a:t>
+            </a:r>
+            <a:r>
+              <a:rPr lang="en-US" dirty="0" err="1">
+                <a:solidFill>
+                  <a:schemeClr val="bg1"/>
+                </a:solidFill>
+                <a:latin typeface="Times New Roman" panose="02020603050405020304" pitchFamily="18" charset="0"/>
+                <a:cs typeface="Times New Roman" panose="02020603050405020304" pitchFamily="18" charset="0"/>
+              </a:rPr>
+              <a:t>comunicării</a:t>
+            </a:r>
+            <a:r>
+              <a:rPr lang="en-US" dirty="0">
+                <a:solidFill>
+                  <a:schemeClr val="bg1"/>
+                </a:solidFill>
+                <a:latin typeface="Times New Roman" panose="02020603050405020304" pitchFamily="18" charset="0"/>
+                <a:cs typeface="Times New Roman" panose="02020603050405020304" pitchFamily="18" charset="0"/>
+              </a:rPr>
+              <a:t> </a:t>
+            </a:r>
+            <a:r>
+              <a:rPr lang="en-US" dirty="0" err="1">
+                <a:solidFill>
+                  <a:schemeClr val="bg1"/>
+                </a:solidFill>
+                <a:latin typeface="Times New Roman" panose="02020603050405020304" pitchFamily="18" charset="0"/>
+                <a:cs typeface="Times New Roman" panose="02020603050405020304" pitchFamily="18" charset="0"/>
+              </a:rPr>
+              <a:t>prin</a:t>
+            </a:r>
+            <a:r>
+              <a:rPr lang="en-US" dirty="0">
+                <a:solidFill>
+                  <a:schemeClr val="bg1"/>
+                </a:solidFill>
+                <a:latin typeface="Times New Roman" panose="02020603050405020304" pitchFamily="18" charset="0"/>
+                <a:cs typeface="Times New Roman" panose="02020603050405020304" pitchFamily="18" charset="0"/>
+              </a:rPr>
+              <a:t> </a:t>
+            </a:r>
+            <a:r>
+              <a:rPr lang="en-US" dirty="0" err="1">
+                <a:solidFill>
+                  <a:schemeClr val="bg1"/>
+                </a:solidFill>
+                <a:latin typeface="Times New Roman" panose="02020603050405020304" pitchFamily="18" charset="0"/>
+                <a:cs typeface="Times New Roman" panose="02020603050405020304" pitchFamily="18" charset="0"/>
+              </a:rPr>
+              <a:t>protocolul</a:t>
+            </a:r>
+            <a:r>
+              <a:rPr lang="en-US" dirty="0">
+                <a:solidFill>
+                  <a:schemeClr val="bg1"/>
+                </a:solidFill>
+                <a:latin typeface="Times New Roman" panose="02020603050405020304" pitchFamily="18" charset="0"/>
+                <a:cs typeface="Times New Roman" panose="02020603050405020304" pitchFamily="18" charset="0"/>
+              </a:rPr>
+              <a:t> MQTT</a:t>
+            </a:r>
+          </a:p>
+          <a:p>
+            <a:pPr marL="742950" lvl="1" indent="-285750">
+              <a:lnSpc>
+                <a:spcPct val="150000"/>
+              </a:lnSpc>
+              <a:buFont typeface="Arial" panose="020B0604020202020204" pitchFamily="34" charset="0"/>
+              <a:buChar char="•"/>
+            </a:pPr>
+            <a:r>
+              <a:rPr lang="en-US" b="1" dirty="0" err="1" smtClean="0">
+                <a:solidFill>
+                  <a:schemeClr val="bg1"/>
+                </a:solidFill>
+                <a:latin typeface="Times New Roman" panose="02020603050405020304" pitchFamily="18" charset="0"/>
+                <a:cs typeface="Times New Roman" panose="02020603050405020304" pitchFamily="18" charset="0"/>
+              </a:rPr>
+              <a:t>numpy</a:t>
+            </a:r>
+            <a:r>
+              <a:rPr lang="en-US" b="1" dirty="0">
+                <a:solidFill>
+                  <a:schemeClr val="bg1"/>
+                </a:solidFill>
+                <a:latin typeface="Times New Roman" panose="02020603050405020304" pitchFamily="18" charset="0"/>
+                <a:cs typeface="Times New Roman" panose="02020603050405020304" pitchFamily="18" charset="0"/>
+              </a:rPr>
+              <a:t>:</a:t>
+            </a:r>
+            <a:r>
+              <a:rPr lang="en-US" dirty="0">
+                <a:solidFill>
+                  <a:schemeClr val="bg1"/>
+                </a:solidFill>
+                <a:latin typeface="Times New Roman" panose="02020603050405020304" pitchFamily="18" charset="0"/>
+                <a:cs typeface="Times New Roman" panose="02020603050405020304" pitchFamily="18" charset="0"/>
+              </a:rPr>
+              <a:t> </a:t>
+            </a:r>
+            <a:r>
+              <a:rPr lang="en-US" dirty="0" err="1">
+                <a:solidFill>
+                  <a:schemeClr val="bg1"/>
+                </a:solidFill>
+                <a:latin typeface="Times New Roman" panose="02020603050405020304" pitchFamily="18" charset="0"/>
+                <a:cs typeface="Times New Roman" panose="02020603050405020304" pitchFamily="18" charset="0"/>
+              </a:rPr>
+              <a:t>librăria</a:t>
+            </a:r>
+            <a:r>
+              <a:rPr lang="en-US" dirty="0">
+                <a:solidFill>
+                  <a:schemeClr val="bg1"/>
+                </a:solidFill>
+                <a:latin typeface="Times New Roman" panose="02020603050405020304" pitchFamily="18" charset="0"/>
+                <a:cs typeface="Times New Roman" panose="02020603050405020304" pitchFamily="18" charset="0"/>
+              </a:rPr>
+              <a:t> standard </a:t>
+            </a:r>
+            <a:r>
+              <a:rPr lang="en-US" dirty="0" err="1">
+                <a:solidFill>
+                  <a:schemeClr val="bg1"/>
+                </a:solidFill>
+                <a:latin typeface="Times New Roman" panose="02020603050405020304" pitchFamily="18" charset="0"/>
+                <a:cs typeface="Times New Roman" panose="02020603050405020304" pitchFamily="18" charset="0"/>
+              </a:rPr>
+              <a:t>utilizată</a:t>
+            </a:r>
+            <a:r>
+              <a:rPr lang="en-US" dirty="0">
+                <a:solidFill>
+                  <a:schemeClr val="bg1"/>
+                </a:solidFill>
+                <a:latin typeface="Times New Roman" panose="02020603050405020304" pitchFamily="18" charset="0"/>
+                <a:cs typeface="Times New Roman" panose="02020603050405020304" pitchFamily="18" charset="0"/>
+              </a:rPr>
+              <a:t> </a:t>
+            </a:r>
+            <a:r>
+              <a:rPr lang="en-US" dirty="0" err="1">
+                <a:solidFill>
+                  <a:schemeClr val="bg1"/>
+                </a:solidFill>
+                <a:latin typeface="Times New Roman" panose="02020603050405020304" pitchFamily="18" charset="0"/>
+                <a:cs typeface="Times New Roman" panose="02020603050405020304" pitchFamily="18" charset="0"/>
+              </a:rPr>
+              <a:t>pentru</a:t>
+            </a:r>
+            <a:r>
+              <a:rPr lang="en-US" dirty="0">
+                <a:solidFill>
+                  <a:schemeClr val="bg1"/>
+                </a:solidFill>
+                <a:latin typeface="Times New Roman" panose="02020603050405020304" pitchFamily="18" charset="0"/>
+                <a:cs typeface="Times New Roman" panose="02020603050405020304" pitchFamily="18" charset="0"/>
+              </a:rPr>
+              <a:t> </a:t>
+            </a:r>
+            <a:r>
+              <a:rPr lang="en-US" dirty="0" err="1">
+                <a:solidFill>
+                  <a:schemeClr val="bg1"/>
+                </a:solidFill>
+                <a:latin typeface="Times New Roman" panose="02020603050405020304" pitchFamily="18" charset="0"/>
+                <a:cs typeface="Times New Roman" panose="02020603050405020304" pitchFamily="18" charset="0"/>
+              </a:rPr>
+              <a:t>operații</a:t>
+            </a:r>
+            <a:r>
+              <a:rPr lang="en-US" dirty="0">
+                <a:solidFill>
+                  <a:schemeClr val="bg1"/>
+                </a:solidFill>
+                <a:latin typeface="Times New Roman" panose="02020603050405020304" pitchFamily="18" charset="0"/>
+                <a:cs typeface="Times New Roman" panose="02020603050405020304" pitchFamily="18" charset="0"/>
+              </a:rPr>
+              <a:t> cu </a:t>
+            </a:r>
+            <a:r>
+              <a:rPr lang="en-US" dirty="0" err="1">
+                <a:solidFill>
+                  <a:schemeClr val="bg1"/>
+                </a:solidFill>
+                <a:latin typeface="Times New Roman" panose="02020603050405020304" pitchFamily="18" charset="0"/>
+                <a:cs typeface="Times New Roman" panose="02020603050405020304" pitchFamily="18" charset="0"/>
+              </a:rPr>
+              <a:t>matrici</a:t>
+            </a:r>
+            <a:r>
+              <a:rPr lang="en-US" dirty="0">
+                <a:solidFill>
+                  <a:schemeClr val="bg1"/>
+                </a:solidFill>
+                <a:latin typeface="Times New Roman" panose="02020603050405020304" pitchFamily="18" charset="0"/>
+                <a:cs typeface="Times New Roman" panose="02020603050405020304" pitchFamily="18" charset="0"/>
+              </a:rPr>
+              <a:t> </a:t>
+            </a:r>
+            <a:r>
+              <a:rPr lang="en-US" dirty="0" err="1">
+                <a:solidFill>
+                  <a:schemeClr val="bg1"/>
+                </a:solidFill>
+                <a:latin typeface="Times New Roman" panose="02020603050405020304" pitchFamily="18" charset="0"/>
+                <a:cs typeface="Times New Roman" panose="02020603050405020304" pitchFamily="18" charset="0"/>
+              </a:rPr>
+              <a:t>multidimensionali</a:t>
+            </a:r>
+            <a:r>
+              <a:rPr lang="en-US" dirty="0">
+                <a:solidFill>
+                  <a:schemeClr val="bg1"/>
+                </a:solidFill>
+                <a:latin typeface="Times New Roman" panose="02020603050405020304" pitchFamily="18" charset="0"/>
+                <a:cs typeface="Times New Roman" panose="02020603050405020304" pitchFamily="18" charset="0"/>
+              </a:rPr>
+              <a:t> </a:t>
+            </a:r>
+            <a:r>
+              <a:rPr lang="en-US" dirty="0" err="1">
+                <a:solidFill>
+                  <a:schemeClr val="bg1"/>
+                </a:solidFill>
+                <a:latin typeface="Times New Roman" panose="02020603050405020304" pitchFamily="18" charset="0"/>
+                <a:cs typeface="Times New Roman" panose="02020603050405020304" pitchFamily="18" charset="0"/>
+              </a:rPr>
+              <a:t>precum</a:t>
+            </a:r>
+            <a:r>
+              <a:rPr lang="en-US" dirty="0">
+                <a:solidFill>
+                  <a:schemeClr val="bg1"/>
+                </a:solidFill>
+                <a:latin typeface="Times New Roman" panose="02020603050405020304" pitchFamily="18" charset="0"/>
+                <a:cs typeface="Times New Roman" panose="02020603050405020304" pitchFamily="18" charset="0"/>
+              </a:rPr>
+              <a:t> </a:t>
+            </a:r>
+            <a:r>
+              <a:rPr lang="en-US" dirty="0" err="1">
+                <a:solidFill>
+                  <a:schemeClr val="bg1"/>
+                </a:solidFill>
+                <a:latin typeface="Times New Roman" panose="02020603050405020304" pitchFamily="18" charset="0"/>
+                <a:cs typeface="Times New Roman" panose="02020603050405020304" pitchFamily="18" charset="0"/>
+              </a:rPr>
+              <a:t>și</a:t>
+            </a:r>
+            <a:r>
+              <a:rPr lang="en-US" dirty="0">
+                <a:solidFill>
+                  <a:schemeClr val="bg1"/>
+                </a:solidFill>
+                <a:latin typeface="Times New Roman" panose="02020603050405020304" pitchFamily="18" charset="0"/>
+                <a:cs typeface="Times New Roman" panose="02020603050405020304" pitchFamily="18" charset="0"/>
+              </a:rPr>
+              <a:t> o </a:t>
+            </a:r>
+            <a:r>
+              <a:rPr lang="en-US" dirty="0" err="1" smtClean="0">
+                <a:solidFill>
+                  <a:schemeClr val="bg1"/>
+                </a:solidFill>
+                <a:latin typeface="Times New Roman" panose="02020603050405020304" pitchFamily="18" charset="0"/>
+                <a:cs typeface="Times New Roman" panose="02020603050405020304" pitchFamily="18" charset="0"/>
+              </a:rPr>
+              <a:t>colecți</a:t>
+            </a:r>
+            <a:r>
+              <a:rPr lang="ro-RO" dirty="0" smtClean="0">
+                <a:solidFill>
+                  <a:schemeClr val="bg1"/>
+                </a:solidFill>
+                <a:latin typeface="Times New Roman" panose="02020603050405020304" pitchFamily="18" charset="0"/>
+                <a:cs typeface="Times New Roman" panose="02020603050405020304" pitchFamily="18" charset="0"/>
+              </a:rPr>
+              <a:t>e</a:t>
+            </a:r>
+            <a:r>
+              <a:rPr lang="en-US" dirty="0" smtClean="0">
+                <a:solidFill>
+                  <a:schemeClr val="bg1"/>
+                </a:solidFill>
+                <a:latin typeface="Times New Roman" panose="02020603050405020304" pitchFamily="18" charset="0"/>
+                <a:cs typeface="Times New Roman" panose="02020603050405020304" pitchFamily="18" charset="0"/>
+              </a:rPr>
+              <a:t> </a:t>
+            </a:r>
+            <a:r>
+              <a:rPr lang="en-US" dirty="0" err="1">
+                <a:solidFill>
+                  <a:schemeClr val="bg1"/>
+                </a:solidFill>
+                <a:latin typeface="Times New Roman" panose="02020603050405020304" pitchFamily="18" charset="0"/>
+                <a:cs typeface="Times New Roman" panose="02020603050405020304" pitchFamily="18" charset="0"/>
+              </a:rPr>
+              <a:t>amplă</a:t>
+            </a:r>
+            <a:r>
+              <a:rPr lang="en-US" dirty="0">
+                <a:solidFill>
+                  <a:schemeClr val="bg1"/>
+                </a:solidFill>
+                <a:latin typeface="Times New Roman" panose="02020603050405020304" pitchFamily="18" charset="0"/>
+                <a:cs typeface="Times New Roman" panose="02020603050405020304" pitchFamily="18" charset="0"/>
+              </a:rPr>
+              <a:t> de </a:t>
+            </a:r>
+            <a:r>
+              <a:rPr lang="en-US" dirty="0" err="1">
+                <a:solidFill>
+                  <a:schemeClr val="bg1"/>
+                </a:solidFill>
+                <a:latin typeface="Times New Roman" panose="02020603050405020304" pitchFamily="18" charset="0"/>
+                <a:cs typeface="Times New Roman" panose="02020603050405020304" pitchFamily="18" charset="0"/>
+              </a:rPr>
+              <a:t>funcții</a:t>
+            </a:r>
+            <a:r>
+              <a:rPr lang="en-US" dirty="0">
+                <a:solidFill>
+                  <a:schemeClr val="bg1"/>
+                </a:solidFill>
+                <a:latin typeface="Times New Roman" panose="02020603050405020304" pitchFamily="18" charset="0"/>
+                <a:cs typeface="Times New Roman" panose="02020603050405020304" pitchFamily="18" charset="0"/>
+              </a:rPr>
+              <a:t> </a:t>
+            </a:r>
+            <a:r>
+              <a:rPr lang="en-US" dirty="0" err="1">
+                <a:solidFill>
+                  <a:schemeClr val="bg1"/>
+                </a:solidFill>
+                <a:latin typeface="Times New Roman" panose="02020603050405020304" pitchFamily="18" charset="0"/>
+                <a:cs typeface="Times New Roman" panose="02020603050405020304" pitchFamily="18" charset="0"/>
+              </a:rPr>
+              <a:t>matematice</a:t>
+            </a:r>
+            <a:endParaRPr lang="en-US" dirty="0">
+              <a:solidFill>
+                <a:schemeClr val="bg1"/>
+              </a:solidFill>
+              <a:latin typeface="Times New Roman" panose="02020603050405020304" pitchFamily="18" charset="0"/>
+              <a:cs typeface="Times New Roman" panose="02020603050405020304" pitchFamily="18" charset="0"/>
+            </a:endParaRPr>
+          </a:p>
+          <a:p>
+            <a:pPr marL="742950" lvl="1" indent="-285750">
+              <a:lnSpc>
+                <a:spcPct val="150000"/>
+              </a:lnSpc>
+              <a:buFont typeface="Arial" panose="020B0604020202020204" pitchFamily="34" charset="0"/>
+              <a:buChar char="•"/>
+            </a:pPr>
+            <a:r>
+              <a:rPr lang="en-US" b="1" dirty="0" err="1" smtClean="0">
+                <a:solidFill>
+                  <a:schemeClr val="bg1"/>
+                </a:solidFill>
+                <a:latin typeface="Times New Roman" panose="02020603050405020304" pitchFamily="18" charset="0"/>
+                <a:cs typeface="Times New Roman" panose="02020603050405020304" pitchFamily="18" charset="0"/>
+              </a:rPr>
+              <a:t>tensorflow</a:t>
+            </a:r>
+            <a:r>
+              <a:rPr lang="en-US" b="1" dirty="0">
+                <a:solidFill>
+                  <a:schemeClr val="bg1"/>
+                </a:solidFill>
+                <a:latin typeface="Times New Roman" panose="02020603050405020304" pitchFamily="18" charset="0"/>
+                <a:cs typeface="Times New Roman" panose="02020603050405020304" pitchFamily="18" charset="0"/>
+              </a:rPr>
+              <a:t>:</a:t>
+            </a:r>
+            <a:r>
+              <a:rPr lang="en-US" dirty="0">
+                <a:solidFill>
+                  <a:schemeClr val="bg1"/>
+                </a:solidFill>
+                <a:latin typeface="Times New Roman" panose="02020603050405020304" pitchFamily="18" charset="0"/>
+                <a:cs typeface="Times New Roman" panose="02020603050405020304" pitchFamily="18" charset="0"/>
+              </a:rPr>
+              <a:t> </a:t>
+            </a:r>
+            <a:r>
+              <a:rPr lang="en-US" dirty="0" err="1">
+                <a:solidFill>
+                  <a:schemeClr val="bg1"/>
+                </a:solidFill>
+                <a:latin typeface="Times New Roman" panose="02020603050405020304" pitchFamily="18" charset="0"/>
+                <a:cs typeface="Times New Roman" panose="02020603050405020304" pitchFamily="18" charset="0"/>
+              </a:rPr>
+              <a:t>librăria</a:t>
+            </a:r>
+            <a:r>
+              <a:rPr lang="en-US" dirty="0">
+                <a:solidFill>
+                  <a:schemeClr val="bg1"/>
+                </a:solidFill>
+                <a:latin typeface="Times New Roman" panose="02020603050405020304" pitchFamily="18" charset="0"/>
+                <a:cs typeface="Times New Roman" panose="02020603050405020304" pitchFamily="18" charset="0"/>
+              </a:rPr>
+              <a:t> de </a:t>
+            </a:r>
+            <a:r>
+              <a:rPr lang="en-US" dirty="0" err="1">
+                <a:solidFill>
+                  <a:schemeClr val="bg1"/>
+                </a:solidFill>
+                <a:latin typeface="Times New Roman" panose="02020603050405020304" pitchFamily="18" charset="0"/>
+                <a:cs typeface="Times New Roman" panose="02020603050405020304" pitchFamily="18" charset="0"/>
+              </a:rPr>
+              <a:t>manipulare</a:t>
+            </a:r>
+            <a:r>
+              <a:rPr lang="en-US" dirty="0">
+                <a:solidFill>
+                  <a:schemeClr val="bg1"/>
+                </a:solidFill>
+                <a:latin typeface="Times New Roman" panose="02020603050405020304" pitchFamily="18" charset="0"/>
+                <a:cs typeface="Times New Roman" panose="02020603050405020304" pitchFamily="18" charset="0"/>
+              </a:rPr>
+              <a:t> </a:t>
+            </a:r>
+            <a:r>
+              <a:rPr lang="en-US" dirty="0" err="1">
+                <a:solidFill>
+                  <a:schemeClr val="bg1"/>
+                </a:solidFill>
+                <a:latin typeface="Times New Roman" panose="02020603050405020304" pitchFamily="18" charset="0"/>
+                <a:cs typeface="Times New Roman" panose="02020603050405020304" pitchFamily="18" charset="0"/>
+              </a:rPr>
+              <a:t>grafică</a:t>
+            </a:r>
+            <a:r>
+              <a:rPr lang="en-US" dirty="0">
+                <a:solidFill>
+                  <a:schemeClr val="bg1"/>
+                </a:solidFill>
+                <a:latin typeface="Times New Roman" panose="02020603050405020304" pitchFamily="18" charset="0"/>
+                <a:cs typeface="Times New Roman" panose="02020603050405020304" pitchFamily="18" charset="0"/>
+              </a:rPr>
+              <a:t> de date, </a:t>
+            </a:r>
+            <a:r>
+              <a:rPr lang="en-US" dirty="0" err="1" smtClean="0">
+                <a:solidFill>
+                  <a:schemeClr val="bg1"/>
+                </a:solidFill>
+                <a:latin typeface="Times New Roman" panose="02020603050405020304" pitchFamily="18" charset="0"/>
+                <a:cs typeface="Times New Roman" panose="02020603050405020304" pitchFamily="18" charset="0"/>
+              </a:rPr>
+              <a:t>folosi</a:t>
+            </a:r>
+            <a:r>
+              <a:rPr lang="ro-RO" dirty="0" smtClean="0">
+                <a:solidFill>
+                  <a:schemeClr val="bg1"/>
+                </a:solidFill>
+                <a:latin typeface="Times New Roman" panose="02020603050405020304" pitchFamily="18" charset="0"/>
+                <a:cs typeface="Times New Roman" panose="02020603050405020304" pitchFamily="18" charset="0"/>
+              </a:rPr>
+              <a:t>t</a:t>
+            </a:r>
+            <a:r>
+              <a:rPr lang="en-US" dirty="0" smtClean="0">
+                <a:solidFill>
+                  <a:schemeClr val="bg1"/>
+                </a:solidFill>
+                <a:latin typeface="Times New Roman" panose="02020603050405020304" pitchFamily="18" charset="0"/>
+                <a:cs typeface="Times New Roman" panose="02020603050405020304" pitchFamily="18" charset="0"/>
+              </a:rPr>
+              <a:t> </a:t>
+            </a:r>
+            <a:r>
+              <a:rPr lang="en-US" dirty="0" err="1">
+                <a:solidFill>
+                  <a:schemeClr val="bg1"/>
+                </a:solidFill>
+                <a:latin typeface="Times New Roman" panose="02020603050405020304" pitchFamily="18" charset="0"/>
+                <a:cs typeface="Times New Roman" panose="02020603050405020304" pitchFamily="18" charset="0"/>
+              </a:rPr>
+              <a:t>adesea</a:t>
+            </a:r>
+            <a:r>
+              <a:rPr lang="en-US" dirty="0">
+                <a:solidFill>
+                  <a:schemeClr val="bg1"/>
+                </a:solidFill>
+                <a:latin typeface="Times New Roman" panose="02020603050405020304" pitchFamily="18" charset="0"/>
+                <a:cs typeface="Times New Roman" panose="02020603050405020304" pitchFamily="18" charset="0"/>
+              </a:rPr>
+              <a:t> </a:t>
+            </a:r>
+            <a:r>
+              <a:rPr lang="en-US" dirty="0" err="1">
+                <a:solidFill>
+                  <a:schemeClr val="bg1"/>
+                </a:solidFill>
+                <a:latin typeface="Times New Roman" panose="02020603050405020304" pitchFamily="18" charset="0"/>
+                <a:cs typeface="Times New Roman" panose="02020603050405020304" pitchFamily="18" charset="0"/>
+              </a:rPr>
+              <a:t>în</a:t>
+            </a:r>
+            <a:r>
+              <a:rPr lang="en-US" dirty="0">
+                <a:solidFill>
+                  <a:schemeClr val="bg1"/>
+                </a:solidFill>
+                <a:latin typeface="Times New Roman" panose="02020603050405020304" pitchFamily="18" charset="0"/>
+                <a:cs typeface="Times New Roman" panose="02020603050405020304" pitchFamily="18" charset="0"/>
+              </a:rPr>
+              <a:t> </a:t>
+            </a:r>
+            <a:r>
+              <a:rPr lang="en-US" dirty="0" err="1">
+                <a:solidFill>
+                  <a:schemeClr val="bg1"/>
+                </a:solidFill>
+                <a:latin typeface="Times New Roman" panose="02020603050405020304" pitchFamily="18" charset="0"/>
+                <a:cs typeface="Times New Roman" panose="02020603050405020304" pitchFamily="18" charset="0"/>
+              </a:rPr>
+              <a:t>aplicații</a:t>
+            </a:r>
+            <a:r>
+              <a:rPr lang="en-US" dirty="0">
+                <a:solidFill>
+                  <a:schemeClr val="bg1"/>
+                </a:solidFill>
+                <a:latin typeface="Times New Roman" panose="02020603050405020304" pitchFamily="18" charset="0"/>
+                <a:cs typeface="Times New Roman" panose="02020603050405020304" pitchFamily="18" charset="0"/>
+              </a:rPr>
+              <a:t> de </a:t>
+            </a:r>
+            <a:r>
+              <a:rPr lang="en-US" dirty="0" err="1">
+                <a:solidFill>
+                  <a:schemeClr val="bg1"/>
+                </a:solidFill>
+                <a:latin typeface="Times New Roman" panose="02020603050405020304" pitchFamily="18" charset="0"/>
+                <a:cs typeface="Times New Roman" panose="02020603050405020304" pitchFamily="18" charset="0"/>
+              </a:rPr>
+              <a:t>inteligență</a:t>
+            </a:r>
+            <a:r>
+              <a:rPr lang="en-US" dirty="0">
+                <a:solidFill>
+                  <a:schemeClr val="bg1"/>
+                </a:solidFill>
+                <a:latin typeface="Times New Roman" panose="02020603050405020304" pitchFamily="18" charset="0"/>
+                <a:cs typeface="Times New Roman" panose="02020603050405020304" pitchFamily="18" charset="0"/>
+              </a:rPr>
+              <a:t> </a:t>
+            </a:r>
+            <a:r>
+              <a:rPr lang="en-US" dirty="0" err="1">
+                <a:solidFill>
+                  <a:schemeClr val="bg1"/>
+                </a:solidFill>
+                <a:latin typeface="Times New Roman" panose="02020603050405020304" pitchFamily="18" charset="0"/>
+                <a:cs typeface="Times New Roman" panose="02020603050405020304" pitchFamily="18" charset="0"/>
+              </a:rPr>
+              <a:t>artificială</a:t>
+            </a:r>
+            <a:r>
+              <a:rPr lang="en-US" dirty="0">
+                <a:solidFill>
+                  <a:schemeClr val="bg1"/>
+                </a:solidFill>
+                <a:latin typeface="Times New Roman" panose="02020603050405020304" pitchFamily="18" charset="0"/>
+                <a:cs typeface="Times New Roman" panose="02020603050405020304" pitchFamily="18" charset="0"/>
+              </a:rPr>
+              <a:t>, </a:t>
+            </a:r>
+            <a:r>
+              <a:rPr lang="en-US" dirty="0" err="1">
+                <a:solidFill>
+                  <a:schemeClr val="bg1"/>
+                </a:solidFill>
+                <a:latin typeface="Times New Roman" panose="02020603050405020304" pitchFamily="18" charset="0"/>
+                <a:cs typeface="Times New Roman" panose="02020603050405020304" pitchFamily="18" charset="0"/>
+              </a:rPr>
+              <a:t>în</a:t>
+            </a:r>
+            <a:r>
+              <a:rPr lang="en-US" dirty="0">
+                <a:solidFill>
+                  <a:schemeClr val="bg1"/>
+                </a:solidFill>
+                <a:latin typeface="Times New Roman" panose="02020603050405020304" pitchFamily="18" charset="0"/>
+                <a:cs typeface="Times New Roman" panose="02020603050405020304" pitchFamily="18" charset="0"/>
+              </a:rPr>
+              <a:t> special </a:t>
+            </a:r>
+            <a:r>
+              <a:rPr lang="en-US" dirty="0" err="1">
+                <a:solidFill>
+                  <a:schemeClr val="bg1"/>
+                </a:solidFill>
+                <a:latin typeface="Times New Roman" panose="02020603050405020304" pitchFamily="18" charset="0"/>
+                <a:cs typeface="Times New Roman" panose="02020603050405020304" pitchFamily="18" charset="0"/>
+              </a:rPr>
+              <a:t>pentru</a:t>
+            </a:r>
+            <a:r>
+              <a:rPr lang="en-US" dirty="0">
+                <a:solidFill>
+                  <a:schemeClr val="bg1"/>
+                </a:solidFill>
+                <a:latin typeface="Times New Roman" panose="02020603050405020304" pitchFamily="18" charset="0"/>
+                <a:cs typeface="Times New Roman" panose="02020603050405020304" pitchFamily="18" charset="0"/>
+              </a:rPr>
+              <a:t> </a:t>
+            </a:r>
+            <a:r>
+              <a:rPr lang="en-US" dirty="0" err="1">
+                <a:solidFill>
+                  <a:schemeClr val="bg1"/>
+                </a:solidFill>
+                <a:latin typeface="Times New Roman" panose="02020603050405020304" pitchFamily="18" charset="0"/>
+                <a:cs typeface="Times New Roman" panose="02020603050405020304" pitchFamily="18" charset="0"/>
+              </a:rPr>
+              <a:t>definirea</a:t>
+            </a:r>
+            <a:r>
+              <a:rPr lang="en-US" dirty="0">
+                <a:solidFill>
+                  <a:schemeClr val="bg1"/>
+                </a:solidFill>
+                <a:latin typeface="Times New Roman" panose="02020603050405020304" pitchFamily="18" charset="0"/>
+                <a:cs typeface="Times New Roman" panose="02020603050405020304" pitchFamily="18" charset="0"/>
+              </a:rPr>
+              <a:t> </a:t>
+            </a:r>
+            <a:r>
+              <a:rPr lang="en-US" dirty="0" err="1">
+                <a:solidFill>
+                  <a:schemeClr val="bg1"/>
+                </a:solidFill>
+                <a:latin typeface="Times New Roman" panose="02020603050405020304" pitchFamily="18" charset="0"/>
+                <a:cs typeface="Times New Roman" panose="02020603050405020304" pitchFamily="18" charset="0"/>
+              </a:rPr>
+              <a:t>structurilor</a:t>
+            </a:r>
+            <a:r>
+              <a:rPr lang="en-US" dirty="0">
+                <a:solidFill>
+                  <a:schemeClr val="bg1"/>
+                </a:solidFill>
+                <a:latin typeface="Times New Roman" panose="02020603050405020304" pitchFamily="18" charset="0"/>
+                <a:cs typeface="Times New Roman" panose="02020603050405020304" pitchFamily="18" charset="0"/>
+              </a:rPr>
+              <a:t> de </a:t>
+            </a:r>
+            <a:r>
+              <a:rPr lang="en-US" dirty="0" err="1">
+                <a:solidFill>
+                  <a:schemeClr val="bg1"/>
+                </a:solidFill>
+                <a:latin typeface="Times New Roman" panose="02020603050405020304" pitchFamily="18" charset="0"/>
+                <a:cs typeface="Times New Roman" panose="02020603050405020304" pitchFamily="18" charset="0"/>
+              </a:rPr>
+              <a:t>rețele</a:t>
+            </a:r>
+            <a:r>
+              <a:rPr lang="en-US" dirty="0">
+                <a:solidFill>
+                  <a:schemeClr val="bg1"/>
+                </a:solidFill>
+                <a:latin typeface="Times New Roman" panose="02020603050405020304" pitchFamily="18" charset="0"/>
+                <a:cs typeface="Times New Roman" panose="02020603050405020304" pitchFamily="18" charset="0"/>
+              </a:rPr>
+              <a:t> </a:t>
+            </a:r>
+            <a:r>
+              <a:rPr lang="en-US" dirty="0" err="1">
+                <a:solidFill>
+                  <a:schemeClr val="bg1"/>
+                </a:solidFill>
+                <a:latin typeface="Times New Roman" panose="02020603050405020304" pitchFamily="18" charset="0"/>
+                <a:cs typeface="Times New Roman" panose="02020603050405020304" pitchFamily="18" charset="0"/>
+              </a:rPr>
+              <a:t>neuronale</a:t>
+            </a:r>
+            <a:endParaRPr lang="en-US" dirty="0">
+              <a:solidFill>
+                <a:schemeClr val="bg1"/>
+              </a:solidFill>
+              <a:latin typeface="Times New Roman" panose="02020603050405020304" pitchFamily="18" charset="0"/>
+              <a:cs typeface="Times New Roman" panose="02020603050405020304" pitchFamily="18" charset="0"/>
+            </a:endParaRPr>
+          </a:p>
+          <a:p>
+            <a:pPr marL="742950" lvl="1" indent="-285750">
+              <a:lnSpc>
+                <a:spcPct val="150000"/>
+              </a:lnSpc>
+              <a:buFont typeface="Arial" panose="020B0604020202020204" pitchFamily="34" charset="0"/>
+              <a:buChar char="•"/>
+            </a:pPr>
+            <a:r>
+              <a:rPr lang="en-US" b="1" dirty="0" err="1" smtClean="0">
+                <a:solidFill>
+                  <a:schemeClr val="bg1"/>
+                </a:solidFill>
+                <a:latin typeface="Times New Roman" panose="02020603050405020304" pitchFamily="18" charset="0"/>
+                <a:cs typeface="Times New Roman" panose="02020603050405020304" pitchFamily="18" charset="0"/>
+              </a:rPr>
+              <a:t>json</a:t>
+            </a:r>
+            <a:r>
+              <a:rPr lang="en-US" dirty="0">
+                <a:solidFill>
+                  <a:schemeClr val="bg1"/>
+                </a:solidFill>
+                <a:latin typeface="Times New Roman" panose="02020603050405020304" pitchFamily="18" charset="0"/>
+                <a:cs typeface="Times New Roman" panose="02020603050405020304" pitchFamily="18" charset="0"/>
+              </a:rPr>
+              <a:t>: </a:t>
+            </a:r>
+            <a:r>
+              <a:rPr lang="en-US" dirty="0" err="1">
+                <a:solidFill>
+                  <a:schemeClr val="bg1"/>
+                </a:solidFill>
+                <a:latin typeface="Times New Roman" panose="02020603050405020304" pitchFamily="18" charset="0"/>
+                <a:cs typeface="Times New Roman" panose="02020603050405020304" pitchFamily="18" charset="0"/>
+              </a:rPr>
+              <a:t>librărie</a:t>
+            </a:r>
+            <a:r>
+              <a:rPr lang="en-US" dirty="0">
+                <a:solidFill>
+                  <a:schemeClr val="bg1"/>
+                </a:solidFill>
+                <a:latin typeface="Times New Roman" panose="02020603050405020304" pitchFamily="18" charset="0"/>
+                <a:cs typeface="Times New Roman" panose="02020603050405020304" pitchFamily="18" charset="0"/>
+              </a:rPr>
+              <a:t> </a:t>
+            </a:r>
+            <a:r>
+              <a:rPr lang="en-US" dirty="0" err="1">
+                <a:solidFill>
+                  <a:schemeClr val="bg1"/>
+                </a:solidFill>
+                <a:latin typeface="Times New Roman" panose="02020603050405020304" pitchFamily="18" charset="0"/>
+                <a:cs typeface="Times New Roman" panose="02020603050405020304" pitchFamily="18" charset="0"/>
+              </a:rPr>
+              <a:t>folosită</a:t>
+            </a:r>
+            <a:r>
+              <a:rPr lang="en-US" dirty="0">
+                <a:solidFill>
+                  <a:schemeClr val="bg1"/>
+                </a:solidFill>
+                <a:latin typeface="Times New Roman" panose="02020603050405020304" pitchFamily="18" charset="0"/>
+                <a:cs typeface="Times New Roman" panose="02020603050405020304" pitchFamily="18" charset="0"/>
+              </a:rPr>
+              <a:t> </a:t>
+            </a:r>
+            <a:r>
+              <a:rPr lang="en-US" dirty="0" err="1">
+                <a:solidFill>
+                  <a:schemeClr val="bg1"/>
+                </a:solidFill>
+                <a:latin typeface="Times New Roman" panose="02020603050405020304" pitchFamily="18" charset="0"/>
+                <a:cs typeface="Times New Roman" panose="02020603050405020304" pitchFamily="18" charset="0"/>
+              </a:rPr>
+              <a:t>pentru</a:t>
+            </a:r>
+            <a:r>
+              <a:rPr lang="en-US" dirty="0">
+                <a:solidFill>
+                  <a:schemeClr val="bg1"/>
+                </a:solidFill>
+                <a:latin typeface="Times New Roman" panose="02020603050405020304" pitchFamily="18" charset="0"/>
+                <a:cs typeface="Times New Roman" panose="02020603050405020304" pitchFamily="18" charset="0"/>
+              </a:rPr>
+              <a:t> </a:t>
+            </a:r>
+            <a:r>
+              <a:rPr lang="en-US" dirty="0" err="1">
+                <a:solidFill>
+                  <a:schemeClr val="bg1"/>
+                </a:solidFill>
+                <a:latin typeface="Times New Roman" panose="02020603050405020304" pitchFamily="18" charset="0"/>
+                <a:cs typeface="Times New Roman" panose="02020603050405020304" pitchFamily="18" charset="0"/>
+              </a:rPr>
+              <a:t>convertirea</a:t>
+            </a:r>
+            <a:r>
+              <a:rPr lang="en-US" dirty="0">
+                <a:solidFill>
+                  <a:schemeClr val="bg1"/>
+                </a:solidFill>
+                <a:latin typeface="Times New Roman" panose="02020603050405020304" pitchFamily="18" charset="0"/>
+                <a:cs typeface="Times New Roman" panose="02020603050405020304" pitchFamily="18" charset="0"/>
+              </a:rPr>
+              <a:t> </a:t>
+            </a:r>
+            <a:r>
+              <a:rPr lang="en-US" dirty="0" err="1">
+                <a:solidFill>
+                  <a:schemeClr val="bg1"/>
+                </a:solidFill>
+                <a:latin typeface="Times New Roman" panose="02020603050405020304" pitchFamily="18" charset="0"/>
+                <a:cs typeface="Times New Roman" panose="02020603050405020304" pitchFamily="18" charset="0"/>
+              </a:rPr>
+              <a:t>datelor</a:t>
+            </a:r>
+            <a:r>
+              <a:rPr lang="en-US" dirty="0">
+                <a:solidFill>
+                  <a:schemeClr val="bg1"/>
+                </a:solidFill>
+                <a:latin typeface="Times New Roman" panose="02020603050405020304" pitchFamily="18" charset="0"/>
+                <a:cs typeface="Times New Roman" panose="02020603050405020304" pitchFamily="18" charset="0"/>
+              </a:rPr>
+              <a:t> </a:t>
+            </a:r>
+            <a:r>
+              <a:rPr lang="en-US" dirty="0" err="1">
+                <a:solidFill>
+                  <a:schemeClr val="bg1"/>
+                </a:solidFill>
+                <a:latin typeface="Times New Roman" panose="02020603050405020304" pitchFamily="18" charset="0"/>
+                <a:cs typeface="Times New Roman" panose="02020603050405020304" pitchFamily="18" charset="0"/>
+              </a:rPr>
+              <a:t>în</a:t>
+            </a:r>
+            <a:r>
+              <a:rPr lang="en-US" dirty="0">
+                <a:solidFill>
+                  <a:schemeClr val="bg1"/>
+                </a:solidFill>
+                <a:latin typeface="Times New Roman" panose="02020603050405020304" pitchFamily="18" charset="0"/>
+                <a:cs typeface="Times New Roman" panose="02020603050405020304" pitchFamily="18" charset="0"/>
+              </a:rPr>
+              <a:t> format JSON, </a:t>
+            </a:r>
+            <a:r>
+              <a:rPr lang="en-US" dirty="0" err="1">
+                <a:solidFill>
+                  <a:schemeClr val="bg1"/>
+                </a:solidFill>
+                <a:latin typeface="Times New Roman" panose="02020603050405020304" pitchFamily="18" charset="0"/>
+                <a:cs typeface="Times New Roman" panose="02020603050405020304" pitchFamily="18" charset="0"/>
+              </a:rPr>
+              <a:t>atât</a:t>
+            </a:r>
+            <a:r>
+              <a:rPr lang="en-US" dirty="0">
+                <a:solidFill>
+                  <a:schemeClr val="bg1"/>
+                </a:solidFill>
+                <a:latin typeface="Times New Roman" panose="02020603050405020304" pitchFamily="18" charset="0"/>
+                <a:cs typeface="Times New Roman" panose="02020603050405020304" pitchFamily="18" charset="0"/>
+              </a:rPr>
+              <a:t> la </a:t>
+            </a:r>
+            <a:r>
+              <a:rPr lang="en-US" dirty="0" err="1">
+                <a:solidFill>
+                  <a:schemeClr val="bg1"/>
+                </a:solidFill>
+                <a:latin typeface="Times New Roman" panose="02020603050405020304" pitchFamily="18" charset="0"/>
+                <a:cs typeface="Times New Roman" panose="02020603050405020304" pitchFamily="18" charset="0"/>
+              </a:rPr>
+              <a:t>transmisia</a:t>
+            </a:r>
+            <a:r>
+              <a:rPr lang="en-US" dirty="0">
+                <a:solidFill>
+                  <a:schemeClr val="bg1"/>
+                </a:solidFill>
+                <a:latin typeface="Times New Roman" panose="02020603050405020304" pitchFamily="18" charset="0"/>
+                <a:cs typeface="Times New Roman" panose="02020603050405020304" pitchFamily="18" charset="0"/>
+              </a:rPr>
+              <a:t> </a:t>
+            </a:r>
+            <a:r>
+              <a:rPr lang="en-US" dirty="0" err="1" smtClean="0">
+                <a:solidFill>
+                  <a:schemeClr val="bg1"/>
+                </a:solidFill>
+                <a:latin typeface="Times New Roman" panose="02020603050405020304" pitchFamily="18" charset="0"/>
+                <a:cs typeface="Times New Roman" panose="02020603050405020304" pitchFamily="18" charset="0"/>
+              </a:rPr>
+              <a:t>datelo</a:t>
+            </a:r>
+            <a:r>
+              <a:rPr lang="ro-RO" dirty="0" smtClean="0">
+                <a:solidFill>
+                  <a:schemeClr val="bg1"/>
+                </a:solidFill>
+                <a:latin typeface="Times New Roman" panose="02020603050405020304" pitchFamily="18" charset="0"/>
+                <a:cs typeface="Times New Roman" panose="02020603050405020304" pitchFamily="18" charset="0"/>
+              </a:rPr>
+              <a:t>r</a:t>
+            </a:r>
+            <a:r>
+              <a:rPr lang="en-US" dirty="0" smtClean="0">
+                <a:solidFill>
+                  <a:schemeClr val="bg1"/>
+                </a:solidFill>
+                <a:latin typeface="Times New Roman" panose="02020603050405020304" pitchFamily="18" charset="0"/>
+                <a:cs typeface="Times New Roman" panose="02020603050405020304" pitchFamily="18" charset="0"/>
+              </a:rPr>
+              <a:t> </a:t>
+            </a:r>
+            <a:r>
+              <a:rPr lang="en-US" dirty="0" err="1">
+                <a:solidFill>
+                  <a:schemeClr val="bg1"/>
+                </a:solidFill>
+                <a:latin typeface="Times New Roman" panose="02020603050405020304" pitchFamily="18" charset="0"/>
+                <a:cs typeface="Times New Roman" panose="02020603050405020304" pitchFamily="18" charset="0"/>
+              </a:rPr>
+              <a:t>prin</a:t>
+            </a:r>
+            <a:r>
+              <a:rPr lang="en-US" dirty="0">
+                <a:solidFill>
+                  <a:schemeClr val="bg1"/>
+                </a:solidFill>
+                <a:latin typeface="Times New Roman" panose="02020603050405020304" pitchFamily="18" charset="0"/>
+                <a:cs typeface="Times New Roman" panose="02020603050405020304" pitchFamily="18" charset="0"/>
+              </a:rPr>
+              <a:t> MQTT, </a:t>
+            </a:r>
+            <a:r>
+              <a:rPr lang="en-US" dirty="0" err="1">
+                <a:solidFill>
+                  <a:schemeClr val="bg1"/>
+                </a:solidFill>
+                <a:latin typeface="Times New Roman" panose="02020603050405020304" pitchFamily="18" charset="0"/>
+                <a:cs typeface="Times New Roman" panose="02020603050405020304" pitchFamily="18" charset="0"/>
+              </a:rPr>
+              <a:t>cât</a:t>
+            </a:r>
+            <a:r>
+              <a:rPr lang="en-US" dirty="0">
+                <a:solidFill>
+                  <a:schemeClr val="bg1"/>
+                </a:solidFill>
+                <a:latin typeface="Times New Roman" panose="02020603050405020304" pitchFamily="18" charset="0"/>
+                <a:cs typeface="Times New Roman" panose="02020603050405020304" pitchFamily="18" charset="0"/>
+              </a:rPr>
+              <a:t> </a:t>
+            </a:r>
+            <a:r>
+              <a:rPr lang="en-US" dirty="0" err="1">
+                <a:solidFill>
+                  <a:schemeClr val="bg1"/>
+                </a:solidFill>
+                <a:latin typeface="Times New Roman" panose="02020603050405020304" pitchFamily="18" charset="0"/>
+                <a:cs typeface="Times New Roman" panose="02020603050405020304" pitchFamily="18" charset="0"/>
+              </a:rPr>
+              <a:t>și</a:t>
+            </a:r>
+            <a:r>
+              <a:rPr lang="en-US" dirty="0">
+                <a:solidFill>
+                  <a:schemeClr val="bg1"/>
+                </a:solidFill>
+                <a:latin typeface="Times New Roman" panose="02020603050405020304" pitchFamily="18" charset="0"/>
+                <a:cs typeface="Times New Roman" panose="02020603050405020304" pitchFamily="18" charset="0"/>
+              </a:rPr>
+              <a:t> </a:t>
+            </a:r>
+            <a:r>
+              <a:rPr lang="en-US" dirty="0" err="1">
+                <a:solidFill>
+                  <a:schemeClr val="bg1"/>
+                </a:solidFill>
+                <a:latin typeface="Times New Roman" panose="02020603050405020304" pitchFamily="18" charset="0"/>
+                <a:cs typeface="Times New Roman" panose="02020603050405020304" pitchFamily="18" charset="0"/>
+              </a:rPr>
+              <a:t>serializarea</a:t>
+            </a:r>
+            <a:r>
+              <a:rPr lang="en-US" dirty="0">
+                <a:solidFill>
+                  <a:schemeClr val="bg1"/>
+                </a:solidFill>
+                <a:latin typeface="Times New Roman" panose="02020603050405020304" pitchFamily="18" charset="0"/>
+                <a:cs typeface="Times New Roman" panose="02020603050405020304" pitchFamily="18" charset="0"/>
+              </a:rPr>
+              <a:t> </a:t>
+            </a:r>
+            <a:r>
+              <a:rPr lang="en-US" dirty="0" err="1">
+                <a:solidFill>
+                  <a:schemeClr val="bg1"/>
+                </a:solidFill>
+                <a:latin typeface="Times New Roman" panose="02020603050405020304" pitchFamily="18" charset="0"/>
+                <a:cs typeface="Times New Roman" panose="02020603050405020304" pitchFamily="18" charset="0"/>
+              </a:rPr>
+              <a:t>și</a:t>
+            </a:r>
+            <a:r>
+              <a:rPr lang="en-US" dirty="0">
+                <a:solidFill>
+                  <a:schemeClr val="bg1"/>
+                </a:solidFill>
+                <a:latin typeface="Times New Roman" panose="02020603050405020304" pitchFamily="18" charset="0"/>
+                <a:cs typeface="Times New Roman" panose="02020603050405020304" pitchFamily="18" charset="0"/>
+              </a:rPr>
+              <a:t> </a:t>
+            </a:r>
+            <a:r>
+              <a:rPr lang="en-US" dirty="0" err="1">
+                <a:solidFill>
+                  <a:schemeClr val="bg1"/>
+                </a:solidFill>
+                <a:latin typeface="Times New Roman" panose="02020603050405020304" pitchFamily="18" charset="0"/>
+                <a:cs typeface="Times New Roman" panose="02020603050405020304" pitchFamily="18" charset="0"/>
+              </a:rPr>
+              <a:t>deserializarea</a:t>
+            </a:r>
+            <a:r>
+              <a:rPr lang="en-US" dirty="0">
+                <a:solidFill>
+                  <a:schemeClr val="bg1"/>
+                </a:solidFill>
+                <a:latin typeface="Times New Roman" panose="02020603050405020304" pitchFamily="18" charset="0"/>
+                <a:cs typeface="Times New Roman" panose="02020603050405020304" pitchFamily="18" charset="0"/>
+              </a:rPr>
+              <a:t> </a:t>
+            </a:r>
+            <a:r>
+              <a:rPr lang="en-US" dirty="0" err="1">
+                <a:solidFill>
+                  <a:schemeClr val="bg1"/>
+                </a:solidFill>
+                <a:latin typeface="Times New Roman" panose="02020603050405020304" pitchFamily="18" charset="0"/>
+                <a:cs typeface="Times New Roman" panose="02020603050405020304" pitchFamily="18" charset="0"/>
+              </a:rPr>
+              <a:t>datelor</a:t>
+            </a:r>
+            <a:r>
+              <a:rPr lang="en-US" dirty="0">
+                <a:solidFill>
+                  <a:schemeClr val="bg1"/>
+                </a:solidFill>
+                <a:latin typeface="Times New Roman" panose="02020603050405020304" pitchFamily="18" charset="0"/>
+                <a:cs typeface="Times New Roman" panose="02020603050405020304" pitchFamily="18" charset="0"/>
+              </a:rPr>
+              <a:t> </a:t>
+            </a:r>
+            <a:r>
+              <a:rPr lang="en-US" dirty="0" err="1">
+                <a:solidFill>
+                  <a:schemeClr val="bg1"/>
+                </a:solidFill>
+                <a:latin typeface="Times New Roman" panose="02020603050405020304" pitchFamily="18" charset="0"/>
+                <a:cs typeface="Times New Roman" panose="02020603050405020304" pitchFamily="18" charset="0"/>
+              </a:rPr>
+              <a:t>relevante</a:t>
+            </a:r>
+            <a:r>
+              <a:rPr lang="en-US" dirty="0">
+                <a:solidFill>
+                  <a:schemeClr val="bg1"/>
+                </a:solidFill>
+                <a:latin typeface="Times New Roman" panose="02020603050405020304" pitchFamily="18" charset="0"/>
+                <a:cs typeface="Times New Roman" panose="02020603050405020304" pitchFamily="18" charset="0"/>
+              </a:rPr>
+              <a:t> </a:t>
+            </a:r>
+            <a:r>
+              <a:rPr lang="en-US" dirty="0" err="1">
+                <a:solidFill>
+                  <a:schemeClr val="bg1"/>
+                </a:solidFill>
+                <a:latin typeface="Times New Roman" panose="02020603050405020304" pitchFamily="18" charset="0"/>
+                <a:cs typeface="Times New Roman" panose="02020603050405020304" pitchFamily="18" charset="0"/>
+              </a:rPr>
+              <a:t>prelucrării</a:t>
+            </a:r>
+            <a:r>
+              <a:rPr lang="en-US" dirty="0">
+                <a:solidFill>
+                  <a:schemeClr val="bg1"/>
+                </a:solidFill>
+                <a:latin typeface="Times New Roman" panose="02020603050405020304" pitchFamily="18" charset="0"/>
+                <a:cs typeface="Times New Roman" panose="02020603050405020304" pitchFamily="18" charset="0"/>
+              </a:rPr>
+              <a:t> </a:t>
+            </a:r>
+            <a:r>
+              <a:rPr lang="en-US" dirty="0" err="1">
+                <a:solidFill>
+                  <a:schemeClr val="bg1"/>
+                </a:solidFill>
+                <a:latin typeface="Times New Roman" panose="02020603050405020304" pitchFamily="18" charset="0"/>
+                <a:cs typeface="Times New Roman" panose="02020603050405020304" pitchFamily="18" charset="0"/>
+              </a:rPr>
+              <a:t>limbajului</a:t>
+            </a:r>
+            <a:r>
+              <a:rPr lang="en-US" dirty="0">
+                <a:solidFill>
+                  <a:schemeClr val="bg1"/>
+                </a:solidFill>
+                <a:latin typeface="Times New Roman" panose="02020603050405020304" pitchFamily="18" charset="0"/>
+                <a:cs typeface="Times New Roman" panose="02020603050405020304" pitchFamily="18" charset="0"/>
+              </a:rPr>
+              <a:t> natural</a:t>
+            </a:r>
+          </a:p>
+          <a:p>
+            <a:pPr marL="742950" lvl="1" indent="-285750">
+              <a:lnSpc>
+                <a:spcPct val="150000"/>
+              </a:lnSpc>
+              <a:buFont typeface="Arial" panose="020B0604020202020204" pitchFamily="34" charset="0"/>
+              <a:buChar char="•"/>
+            </a:pPr>
+            <a:r>
+              <a:rPr lang="en-US" b="1" dirty="0" err="1" smtClean="0">
+                <a:solidFill>
+                  <a:schemeClr val="bg1"/>
+                </a:solidFill>
+                <a:latin typeface="Times New Roman" panose="02020603050405020304" pitchFamily="18" charset="0"/>
+                <a:cs typeface="Times New Roman" panose="02020603050405020304" pitchFamily="18" charset="0"/>
+              </a:rPr>
+              <a:t>nltk</a:t>
+            </a:r>
+            <a:r>
+              <a:rPr lang="en-US" dirty="0">
+                <a:solidFill>
+                  <a:schemeClr val="bg1"/>
+                </a:solidFill>
+                <a:latin typeface="Times New Roman" panose="02020603050405020304" pitchFamily="18" charset="0"/>
+                <a:cs typeface="Times New Roman" panose="02020603050405020304" pitchFamily="18" charset="0"/>
+              </a:rPr>
+              <a:t>: </a:t>
+            </a:r>
+            <a:r>
+              <a:rPr lang="en-US" dirty="0" err="1">
+                <a:solidFill>
+                  <a:schemeClr val="bg1"/>
+                </a:solidFill>
+                <a:latin typeface="Times New Roman" panose="02020603050405020304" pitchFamily="18" charset="0"/>
+                <a:cs typeface="Times New Roman" panose="02020603050405020304" pitchFamily="18" charset="0"/>
+              </a:rPr>
+              <a:t>acronim</a:t>
+            </a:r>
+            <a:r>
+              <a:rPr lang="en-US" dirty="0">
+                <a:solidFill>
+                  <a:schemeClr val="bg1"/>
+                </a:solidFill>
+                <a:latin typeface="Times New Roman" panose="02020603050405020304" pitchFamily="18" charset="0"/>
+                <a:cs typeface="Times New Roman" panose="02020603050405020304" pitchFamily="18" charset="0"/>
+              </a:rPr>
+              <a:t> </a:t>
+            </a:r>
+            <a:r>
+              <a:rPr lang="en-US" dirty="0" err="1">
+                <a:solidFill>
+                  <a:schemeClr val="bg1"/>
+                </a:solidFill>
+                <a:latin typeface="Times New Roman" panose="02020603050405020304" pitchFamily="18" charset="0"/>
+                <a:cs typeface="Times New Roman" panose="02020603050405020304" pitchFamily="18" charset="0"/>
+              </a:rPr>
+              <a:t>provenit</a:t>
+            </a:r>
+            <a:r>
+              <a:rPr lang="en-US" dirty="0">
+                <a:solidFill>
+                  <a:schemeClr val="bg1"/>
+                </a:solidFill>
+                <a:latin typeface="Times New Roman" panose="02020603050405020304" pitchFamily="18" charset="0"/>
+                <a:cs typeface="Times New Roman" panose="02020603050405020304" pitchFamily="18" charset="0"/>
+              </a:rPr>
+              <a:t> din Natural Language Toolkit; </a:t>
+            </a:r>
+            <a:r>
+              <a:rPr lang="ro-RO" dirty="0" smtClean="0">
+                <a:solidFill>
+                  <a:schemeClr val="bg1"/>
+                </a:solidFill>
+                <a:latin typeface="Times New Roman" panose="02020603050405020304" pitchFamily="18" charset="0"/>
+                <a:cs typeface="Times New Roman" panose="02020603050405020304" pitchFamily="18" charset="0"/>
+              </a:rPr>
+              <a:t>librăria </a:t>
+            </a:r>
+            <a:r>
+              <a:rPr lang="en-US" dirty="0" err="1" smtClean="0">
+                <a:solidFill>
+                  <a:schemeClr val="bg1"/>
+                </a:solidFill>
+                <a:latin typeface="Times New Roman" panose="02020603050405020304" pitchFamily="18" charset="0"/>
+                <a:cs typeface="Times New Roman" panose="02020603050405020304" pitchFamily="18" charset="0"/>
+              </a:rPr>
+              <a:t>oferă</a:t>
+            </a:r>
+            <a:r>
+              <a:rPr lang="en-US" dirty="0" smtClean="0">
+                <a:solidFill>
+                  <a:schemeClr val="bg1"/>
+                </a:solidFill>
+                <a:latin typeface="Times New Roman" panose="02020603050405020304" pitchFamily="18" charset="0"/>
+                <a:cs typeface="Times New Roman" panose="02020603050405020304" pitchFamily="18" charset="0"/>
+              </a:rPr>
+              <a:t> </a:t>
+            </a:r>
+            <a:r>
+              <a:rPr lang="en-US" dirty="0">
+                <a:solidFill>
+                  <a:schemeClr val="bg1"/>
+                </a:solidFill>
+                <a:latin typeface="Times New Roman" panose="02020603050405020304" pitchFamily="18" charset="0"/>
+                <a:cs typeface="Times New Roman" panose="02020603050405020304" pitchFamily="18" charset="0"/>
+              </a:rPr>
+              <a:t>o </a:t>
+            </a:r>
+            <a:r>
+              <a:rPr lang="en-US" dirty="0" err="1">
+                <a:solidFill>
+                  <a:schemeClr val="bg1"/>
+                </a:solidFill>
+                <a:latin typeface="Times New Roman" panose="02020603050405020304" pitchFamily="18" charset="0"/>
+                <a:cs typeface="Times New Roman" panose="02020603050405020304" pitchFamily="18" charset="0"/>
+              </a:rPr>
+              <a:t>gamă</a:t>
+            </a:r>
+            <a:r>
+              <a:rPr lang="en-US" dirty="0">
+                <a:solidFill>
+                  <a:schemeClr val="bg1"/>
+                </a:solidFill>
+                <a:latin typeface="Times New Roman" panose="02020603050405020304" pitchFamily="18" charset="0"/>
+                <a:cs typeface="Times New Roman" panose="02020603050405020304" pitchFamily="18" charset="0"/>
+              </a:rPr>
+              <a:t> </a:t>
+            </a:r>
+            <a:r>
+              <a:rPr lang="en-US" dirty="0" err="1">
+                <a:solidFill>
+                  <a:schemeClr val="bg1"/>
+                </a:solidFill>
+                <a:latin typeface="Times New Roman" panose="02020603050405020304" pitchFamily="18" charset="0"/>
+                <a:cs typeface="Times New Roman" panose="02020603050405020304" pitchFamily="18" charset="0"/>
+              </a:rPr>
+              <a:t>largă</a:t>
+            </a:r>
+            <a:r>
+              <a:rPr lang="en-US" dirty="0">
+                <a:solidFill>
+                  <a:schemeClr val="bg1"/>
+                </a:solidFill>
+                <a:latin typeface="Times New Roman" panose="02020603050405020304" pitchFamily="18" charset="0"/>
+                <a:cs typeface="Times New Roman" panose="02020603050405020304" pitchFamily="18" charset="0"/>
+              </a:rPr>
+              <a:t> de </a:t>
+            </a:r>
+            <a:r>
+              <a:rPr lang="en-US" dirty="0" err="1">
+                <a:solidFill>
+                  <a:schemeClr val="bg1"/>
+                </a:solidFill>
+                <a:latin typeface="Times New Roman" panose="02020603050405020304" pitchFamily="18" charset="0"/>
+                <a:cs typeface="Times New Roman" panose="02020603050405020304" pitchFamily="18" charset="0"/>
+              </a:rPr>
+              <a:t>operații</a:t>
+            </a:r>
+            <a:r>
+              <a:rPr lang="en-US" dirty="0">
+                <a:solidFill>
+                  <a:schemeClr val="bg1"/>
+                </a:solidFill>
+                <a:latin typeface="Times New Roman" panose="02020603050405020304" pitchFamily="18" charset="0"/>
+                <a:cs typeface="Times New Roman" panose="02020603050405020304" pitchFamily="18" charset="0"/>
+              </a:rPr>
+              <a:t> utile </a:t>
+            </a:r>
+            <a:r>
+              <a:rPr lang="en-US" dirty="0" err="1">
+                <a:solidFill>
+                  <a:schemeClr val="bg1"/>
+                </a:solidFill>
+                <a:latin typeface="Times New Roman" panose="02020603050405020304" pitchFamily="18" charset="0"/>
+                <a:cs typeface="Times New Roman" panose="02020603050405020304" pitchFamily="18" charset="0"/>
+              </a:rPr>
+              <a:t>în</a:t>
+            </a:r>
+            <a:r>
+              <a:rPr lang="en-US" dirty="0">
+                <a:solidFill>
+                  <a:schemeClr val="bg1"/>
+                </a:solidFill>
+                <a:latin typeface="Times New Roman" panose="02020603050405020304" pitchFamily="18" charset="0"/>
+                <a:cs typeface="Times New Roman" panose="02020603050405020304" pitchFamily="18" charset="0"/>
+              </a:rPr>
+              <a:t> </a:t>
+            </a:r>
+            <a:r>
+              <a:rPr lang="en-US" dirty="0" err="1">
+                <a:solidFill>
+                  <a:schemeClr val="bg1"/>
+                </a:solidFill>
+                <a:latin typeface="Times New Roman" panose="02020603050405020304" pitchFamily="18" charset="0"/>
+                <a:cs typeface="Times New Roman" panose="02020603050405020304" pitchFamily="18" charset="0"/>
+              </a:rPr>
+              <a:t>prelucrarea</a:t>
+            </a:r>
+            <a:r>
+              <a:rPr lang="en-US" dirty="0">
+                <a:solidFill>
+                  <a:schemeClr val="bg1"/>
+                </a:solidFill>
+                <a:latin typeface="Times New Roman" panose="02020603050405020304" pitchFamily="18" charset="0"/>
+                <a:cs typeface="Times New Roman" panose="02020603050405020304" pitchFamily="18" charset="0"/>
+              </a:rPr>
+              <a:t> </a:t>
+            </a:r>
+            <a:r>
+              <a:rPr lang="en-US" dirty="0" err="1">
+                <a:solidFill>
+                  <a:schemeClr val="bg1"/>
+                </a:solidFill>
+                <a:latin typeface="Times New Roman" panose="02020603050405020304" pitchFamily="18" charset="0"/>
+                <a:cs typeface="Times New Roman" panose="02020603050405020304" pitchFamily="18" charset="0"/>
+              </a:rPr>
+              <a:t>limbajului</a:t>
+            </a:r>
+            <a:r>
+              <a:rPr lang="en-US" dirty="0">
+                <a:solidFill>
+                  <a:schemeClr val="bg1"/>
+                </a:solidFill>
+                <a:latin typeface="Times New Roman" panose="02020603050405020304" pitchFamily="18" charset="0"/>
+                <a:cs typeface="Times New Roman" panose="02020603050405020304" pitchFamily="18" charset="0"/>
+              </a:rPr>
+              <a:t> natural.</a:t>
+            </a:r>
+          </a:p>
+          <a:p>
+            <a:pPr marL="742950" lvl="1" indent="-285750">
+              <a:lnSpc>
+                <a:spcPct val="150000"/>
+              </a:lnSpc>
+              <a:buFont typeface="Arial" panose="020B0604020202020204" pitchFamily="34" charset="0"/>
+              <a:buChar char="•"/>
+            </a:pPr>
+            <a:r>
+              <a:rPr lang="en-US" b="1" dirty="0" smtClean="0">
+                <a:solidFill>
+                  <a:schemeClr val="bg1"/>
+                </a:solidFill>
+                <a:latin typeface="Times New Roman" panose="02020603050405020304" pitchFamily="18" charset="0"/>
+                <a:cs typeface="Times New Roman" panose="02020603050405020304" pitchFamily="18" charset="0"/>
+              </a:rPr>
+              <a:t>pickle</a:t>
+            </a:r>
+            <a:r>
+              <a:rPr lang="en-US" b="1" dirty="0">
+                <a:solidFill>
+                  <a:schemeClr val="bg1"/>
+                </a:solidFill>
+                <a:latin typeface="Times New Roman" panose="02020603050405020304" pitchFamily="18" charset="0"/>
+                <a:cs typeface="Times New Roman" panose="02020603050405020304" pitchFamily="18" charset="0"/>
+              </a:rPr>
+              <a:t>:</a:t>
+            </a:r>
+            <a:r>
+              <a:rPr lang="en-US" dirty="0">
+                <a:solidFill>
+                  <a:schemeClr val="bg1"/>
+                </a:solidFill>
+                <a:latin typeface="Times New Roman" panose="02020603050405020304" pitchFamily="18" charset="0"/>
+                <a:cs typeface="Times New Roman" panose="02020603050405020304" pitchFamily="18" charset="0"/>
+              </a:rPr>
+              <a:t> </a:t>
+            </a:r>
+            <a:r>
+              <a:rPr lang="en-US" dirty="0" err="1">
+                <a:solidFill>
+                  <a:schemeClr val="bg1"/>
+                </a:solidFill>
+                <a:latin typeface="Times New Roman" panose="02020603050405020304" pitchFamily="18" charset="0"/>
+                <a:cs typeface="Times New Roman" panose="02020603050405020304" pitchFamily="18" charset="0"/>
+              </a:rPr>
+              <a:t>librărie</a:t>
+            </a:r>
+            <a:r>
+              <a:rPr lang="en-US" dirty="0">
+                <a:solidFill>
+                  <a:schemeClr val="bg1"/>
+                </a:solidFill>
+                <a:latin typeface="Times New Roman" panose="02020603050405020304" pitchFamily="18" charset="0"/>
+                <a:cs typeface="Times New Roman" panose="02020603050405020304" pitchFamily="18" charset="0"/>
+              </a:rPr>
+              <a:t> </a:t>
+            </a:r>
+            <a:r>
+              <a:rPr lang="en-US" dirty="0" err="1">
+                <a:solidFill>
+                  <a:schemeClr val="bg1"/>
+                </a:solidFill>
+                <a:latin typeface="Times New Roman" panose="02020603050405020304" pitchFamily="18" charset="0"/>
+                <a:cs typeface="Times New Roman" panose="02020603050405020304" pitchFamily="18" charset="0"/>
+              </a:rPr>
+              <a:t>specializată</a:t>
+            </a:r>
+            <a:r>
+              <a:rPr lang="en-US" dirty="0">
+                <a:solidFill>
+                  <a:schemeClr val="bg1"/>
+                </a:solidFill>
+                <a:latin typeface="Times New Roman" panose="02020603050405020304" pitchFamily="18" charset="0"/>
+                <a:cs typeface="Times New Roman" panose="02020603050405020304" pitchFamily="18" charset="0"/>
+              </a:rPr>
+              <a:t> </a:t>
+            </a:r>
+            <a:r>
+              <a:rPr lang="en-US" dirty="0" err="1">
+                <a:solidFill>
+                  <a:schemeClr val="bg1"/>
+                </a:solidFill>
+                <a:latin typeface="Times New Roman" panose="02020603050405020304" pitchFamily="18" charset="0"/>
+                <a:cs typeface="Times New Roman" panose="02020603050405020304" pitchFamily="18" charset="0"/>
+              </a:rPr>
+              <a:t>pe</a:t>
+            </a:r>
+            <a:r>
+              <a:rPr lang="en-US" dirty="0">
+                <a:solidFill>
+                  <a:schemeClr val="bg1"/>
+                </a:solidFill>
+                <a:latin typeface="Times New Roman" panose="02020603050405020304" pitchFamily="18" charset="0"/>
+                <a:cs typeface="Times New Roman" panose="02020603050405020304" pitchFamily="18" charset="0"/>
+              </a:rPr>
+              <a:t> </a:t>
+            </a:r>
+            <a:r>
+              <a:rPr lang="en-US" dirty="0" err="1">
+                <a:solidFill>
+                  <a:schemeClr val="bg1"/>
+                </a:solidFill>
+                <a:latin typeface="Times New Roman" panose="02020603050405020304" pitchFamily="18" charset="0"/>
+                <a:cs typeface="Times New Roman" panose="02020603050405020304" pitchFamily="18" charset="0"/>
+              </a:rPr>
+              <a:t>serializare</a:t>
+            </a:r>
+            <a:r>
+              <a:rPr lang="en-US" dirty="0">
+                <a:solidFill>
+                  <a:schemeClr val="bg1"/>
+                </a:solidFill>
+                <a:latin typeface="Times New Roman" panose="02020603050405020304" pitchFamily="18" charset="0"/>
+                <a:cs typeface="Times New Roman" panose="02020603050405020304" pitchFamily="18" charset="0"/>
+              </a:rPr>
+              <a:t> </a:t>
+            </a:r>
+            <a:r>
+              <a:rPr lang="en-US" dirty="0" err="1">
+                <a:solidFill>
+                  <a:schemeClr val="bg1"/>
+                </a:solidFill>
+                <a:latin typeface="Times New Roman" panose="02020603050405020304" pitchFamily="18" charset="0"/>
+                <a:cs typeface="Times New Roman" panose="02020603050405020304" pitchFamily="18" charset="0"/>
+              </a:rPr>
+              <a:t>și</a:t>
+            </a:r>
+            <a:r>
+              <a:rPr lang="en-US" dirty="0">
+                <a:solidFill>
+                  <a:schemeClr val="bg1"/>
+                </a:solidFill>
+                <a:latin typeface="Times New Roman" panose="02020603050405020304" pitchFamily="18" charset="0"/>
+                <a:cs typeface="Times New Roman" panose="02020603050405020304" pitchFamily="18" charset="0"/>
+              </a:rPr>
+              <a:t> </a:t>
+            </a:r>
+            <a:r>
+              <a:rPr lang="en-US" dirty="0" err="1">
+                <a:solidFill>
+                  <a:schemeClr val="bg1"/>
+                </a:solidFill>
+                <a:latin typeface="Times New Roman" panose="02020603050405020304" pitchFamily="18" charset="0"/>
+                <a:cs typeface="Times New Roman" panose="02020603050405020304" pitchFamily="18" charset="0"/>
+              </a:rPr>
+              <a:t>deserializare</a:t>
+            </a:r>
+            <a:r>
+              <a:rPr lang="en-US" dirty="0">
+                <a:solidFill>
+                  <a:schemeClr val="bg1"/>
+                </a:solidFill>
+                <a:latin typeface="Times New Roman" panose="02020603050405020304" pitchFamily="18" charset="0"/>
+                <a:cs typeface="Times New Roman" panose="02020603050405020304" pitchFamily="18" charset="0"/>
+              </a:rPr>
+              <a:t> de date </a:t>
+            </a:r>
+            <a:r>
+              <a:rPr lang="en-US" dirty="0" err="1">
+                <a:solidFill>
+                  <a:schemeClr val="bg1"/>
+                </a:solidFill>
+                <a:latin typeface="Times New Roman" panose="02020603050405020304" pitchFamily="18" charset="0"/>
+                <a:cs typeface="Times New Roman" panose="02020603050405020304" pitchFamily="18" charset="0"/>
+              </a:rPr>
+              <a:t>și</a:t>
+            </a:r>
+            <a:r>
+              <a:rPr lang="en-US" dirty="0">
+                <a:solidFill>
+                  <a:schemeClr val="bg1"/>
+                </a:solidFill>
+                <a:latin typeface="Times New Roman" panose="02020603050405020304" pitchFamily="18" charset="0"/>
+                <a:cs typeface="Times New Roman" panose="02020603050405020304" pitchFamily="18" charset="0"/>
+              </a:rPr>
+              <a:t> </a:t>
+            </a:r>
+            <a:r>
+              <a:rPr lang="en-US" dirty="0" err="1">
+                <a:solidFill>
+                  <a:schemeClr val="bg1"/>
+                </a:solidFill>
+                <a:latin typeface="Times New Roman" panose="02020603050405020304" pitchFamily="18" charset="0"/>
+                <a:cs typeface="Times New Roman" panose="02020603050405020304" pitchFamily="18" charset="0"/>
+              </a:rPr>
+              <a:t>stocarea</a:t>
+            </a:r>
+            <a:r>
+              <a:rPr lang="en-US" dirty="0">
+                <a:solidFill>
+                  <a:schemeClr val="bg1"/>
+                </a:solidFill>
+                <a:latin typeface="Times New Roman" panose="02020603050405020304" pitchFamily="18" charset="0"/>
+                <a:cs typeface="Times New Roman" panose="02020603050405020304" pitchFamily="18" charset="0"/>
+              </a:rPr>
+              <a:t> </a:t>
+            </a:r>
+            <a:r>
+              <a:rPr lang="en-US" dirty="0" err="1">
+                <a:solidFill>
+                  <a:schemeClr val="bg1"/>
+                </a:solidFill>
+                <a:latin typeface="Times New Roman" panose="02020603050405020304" pitchFamily="18" charset="0"/>
+                <a:cs typeface="Times New Roman" panose="02020603050405020304" pitchFamily="18" charset="0"/>
+              </a:rPr>
+              <a:t>persistentă</a:t>
+            </a:r>
+            <a:r>
+              <a:rPr lang="en-US" dirty="0">
+                <a:solidFill>
+                  <a:schemeClr val="bg1"/>
+                </a:solidFill>
+                <a:latin typeface="Times New Roman" panose="02020603050405020304" pitchFamily="18" charset="0"/>
+                <a:cs typeface="Times New Roman" panose="02020603050405020304" pitchFamily="18" charset="0"/>
+              </a:rPr>
+              <a:t> a </a:t>
+            </a:r>
+            <a:r>
+              <a:rPr lang="en-US" dirty="0" err="1">
+                <a:solidFill>
+                  <a:schemeClr val="bg1"/>
+                </a:solidFill>
+                <a:latin typeface="Times New Roman" panose="02020603050405020304" pitchFamily="18" charset="0"/>
+                <a:cs typeface="Times New Roman" panose="02020603050405020304" pitchFamily="18" charset="0"/>
+              </a:rPr>
+              <a:t>acestora</a:t>
+            </a:r>
+            <a:r>
+              <a:rPr lang="en-US" dirty="0" smtClean="0">
+                <a:solidFill>
+                  <a:schemeClr val="bg1"/>
+                </a:solidFill>
+                <a:latin typeface="Times New Roman" panose="02020603050405020304" pitchFamily="18" charset="0"/>
+                <a:cs typeface="Times New Roman" panose="02020603050405020304" pitchFamily="18" charset="0"/>
+              </a:rPr>
+              <a:t>.</a:t>
+            </a:r>
+            <a:endParaRPr lang="ro-RO" dirty="0" smtClean="0">
+              <a:solidFill>
+                <a:schemeClr val="bg1"/>
+              </a:solidFill>
+              <a:latin typeface="Times New Roman" panose="02020603050405020304" pitchFamily="18" charset="0"/>
+              <a:cs typeface="Times New Roman" panose="02020603050405020304" pitchFamily="18" charset="0"/>
+            </a:endParaRPr>
+          </a:p>
+          <a:p>
+            <a:pPr marL="742950" lvl="1" indent="-285750">
+              <a:lnSpc>
+                <a:spcPct val="150000"/>
+              </a:lnSpc>
+              <a:buFont typeface="Arial" panose="020B0604020202020204" pitchFamily="34" charset="0"/>
+              <a:buChar char="•"/>
+            </a:pPr>
+            <a:r>
+              <a:rPr lang="en-US" b="1" dirty="0" smtClean="0">
+                <a:solidFill>
+                  <a:schemeClr val="bg1"/>
+                </a:solidFill>
+                <a:latin typeface="Times New Roman" panose="02020603050405020304" pitchFamily="18" charset="0"/>
+                <a:cs typeface="Times New Roman" panose="02020603050405020304" pitchFamily="18" charset="0"/>
+              </a:rPr>
+              <a:t>p</a:t>
+            </a:r>
+            <a:r>
+              <a:rPr lang="ro-RO" b="1" dirty="0" smtClean="0">
+                <a:solidFill>
+                  <a:schemeClr val="bg1"/>
+                </a:solidFill>
+                <a:latin typeface="Times New Roman" panose="02020603050405020304" pitchFamily="18" charset="0"/>
+                <a:cs typeface="Times New Roman" panose="02020603050405020304" pitchFamily="18" charset="0"/>
+              </a:rPr>
+              <a:t>ython-openzwave</a:t>
+            </a:r>
+            <a:r>
+              <a:rPr lang="en-US" b="1" dirty="0" smtClean="0">
+                <a:solidFill>
+                  <a:schemeClr val="bg1"/>
+                </a:solidFill>
+                <a:latin typeface="Times New Roman" panose="02020603050405020304" pitchFamily="18" charset="0"/>
+                <a:cs typeface="Times New Roman" panose="02020603050405020304" pitchFamily="18" charset="0"/>
+              </a:rPr>
+              <a:t>: </a:t>
+            </a:r>
+            <a:r>
+              <a:rPr lang="ro-RO" dirty="0" smtClean="0">
+                <a:solidFill>
+                  <a:schemeClr val="bg1"/>
+                </a:solidFill>
+                <a:latin typeface="Times New Roman" panose="02020603050405020304" pitchFamily="18" charset="0"/>
+                <a:cs typeface="Times New Roman" panose="02020603050405020304" pitchFamily="18" charset="0"/>
+              </a:rPr>
+              <a:t>librărie dedicată interacțiunii cu controller Z-Wave, folosit pentru interogarea și configurarea nodurilor membre rețelei</a:t>
+            </a:r>
+            <a:endParaRPr lang="en-US" b="1" dirty="0">
+              <a:solidFill>
+                <a:schemeClr val="bg1"/>
+              </a:solidFill>
+              <a:latin typeface="Times New Roman" panose="02020603050405020304" pitchFamily="18" charset="0"/>
+              <a:cs typeface="Times New Roman" panose="02020603050405020304" pitchFamily="18" charset="0"/>
+            </a:endParaRPr>
+          </a:p>
+        </p:txBody>
+      </p:sp>
     </p:spTree>
     <p:extLst>
       <p:ext uri="{BB962C8B-B14F-4D97-AF65-F5344CB8AC3E}">
-        <p14:creationId xmlns:p14="http://schemas.microsoft.com/office/powerpoint/2010/main" val="3425413954"/>
+        <p14:creationId xmlns:p14="http://schemas.microsoft.com/office/powerpoint/2010/main" val="194929616"/>
       </p:ext>
     </p:extLst>
   </p:cSld>
@@ -14110,7 +19293,7 @@
         <p:spPr>
           <a:xfrm>
             <a:off x="1841501" y="38100"/>
-            <a:ext cx="3954929" cy="646331"/>
+            <a:ext cx="9644948" cy="646331"/>
           </a:xfrm>
           <a:prstGeom prst="rect">
             <a:avLst/>
@@ -14131,9 +19314,19 @@
                 <a:latin typeface="Times New Roman" panose="02020603050405020304" pitchFamily="18" charset="0"/>
                 <a:cs typeface="Times New Roman" panose="02020603050405020304" pitchFamily="18" charset="0"/>
               </a:rPr>
-              <a:t>Python (Back End)</a:t>
-            </a:r>
-            <a:endParaRPr lang="en-US" sz="3600" b="1" dirty="0">
+              <a:t>Rețea neuronală pentru clasificare, </a:t>
+            </a:r>
+            <a:r>
+              <a:rPr lang="ro-RO" sz="3600" b="1" i="1" dirty="0" smtClean="0">
+                <a:solidFill>
+                  <a:schemeClr val="bg1"/>
+                </a:solidFill>
+                <a:latin typeface="Times New Roman" panose="02020603050405020304" pitchFamily="18" charset="0"/>
+                <a:cs typeface="Times New Roman" panose="02020603050405020304" pitchFamily="18" charset="0"/>
+              </a:rPr>
+              <a:t>feed forward</a:t>
+            </a:r>
+            <a:endParaRPr lang="en-US" sz="3600" b="1" i="1" dirty="0">
               <a:solidFill>
                 <a:schemeClr val="bg1"/>
               </a:solidFill>
@@ -14152,7 +19345,7 @@
           <p:nvPr/>
         </p:nvPicPr>
         <p:blipFill>
-          <a:blip r:embed="rId2"/>
+          <a:blip r:embed="rId3"/>
           <a:stretch>
             <a:fillRect/>
           </a:stretch>
@@ -14167,10 +19360,477 @@
           </a:prstGeom>
         </p:spPr>
       </p:pic>
+      <p:graphicFrame>
+        <p:nvGraphicFramePr>
+          <p:cNvPr id="2" name="Object 1"/>
+          <p:cNvGraphicFramePr>
+            <a:graphicFrameLocks noChangeAspect="1"/>
+          </p:cNvGraphicFramePr>
+          <p:nvPr>
+            <p:extLst>
+              <p:ext uri="{D42A27DB-BD31-4B8C-83A1-F6EECF244321}">
+                <p14:modId xmlns:p14="http://schemas.microsoft.com/office/powerpoint/2010/main" val="803809521"/>
+              </p:ext>
+            </p:extLst>
+          </p:nvPr>
+        </p:nvGraphicFramePr>
+        <p:xfrm>
+          <a:off x="5965826" y="817751"/>
+          <a:ext cx="6129336" cy="3791925"/>
+        </p:xfrm>
+        <a:graphic>
+          <a:graphicData uri="http://schemas.openxmlformats.org/presentationml/2006/ole">
+            <mc:AlternateContent xmlns:mc="http://schemas.openxmlformats.org/markup-compatibility/2006">
+              <mc:Choice xmlns:v="urn:schemas-microsoft-com:vml" Requires="v">
+                <p:oleObj spid="_x0000_s10255" name="Visio" r:id="rId4" imgW="10315508" imgH="6381842" progId="Visio.Drawing.15">
+                  <p:embed/>
+                </p:oleObj>
+              </mc:Choice>
+              <mc:Fallback>
+                <p:oleObj name="Visio" r:id="rId4" imgW="10315508" imgH="6381842" progId="Visio.Drawing.15">
+                  <p:embed/>
+                  <p:pic>
+                    <p:nvPicPr>
+                      <p:cNvPr id="0" name=""/>
+                      <p:cNvPicPr/>
+                      <p:nvPr/>
+                    </p:nvPicPr>
+                    <p:blipFill>
+                      <a:blip r:embed="rId5"/>
+                      <a:stretch>
+                        <a:fillRect/>
+                      </a:stretch>
+                    </p:blipFill>
+                    <p:spPr>
+                      <a:xfrm>
+                        <a:off x="5965826" y="817751"/>
+                        <a:ext cx="6129336" cy="3791925"/>
+                      </a:xfrm>
+                      <a:prstGeom prst="rect">
+                        <a:avLst/>
+                      </a:prstGeom>
+                    </p:spPr>
+                  </p:pic>
+                </p:oleObj>
+              </mc:Fallback>
+            </mc:AlternateContent>
+          </a:graphicData>
+        </a:graphic>
+      </p:graphicFrame>
+      <p:sp>
+        <p:nvSpPr>
+          <p:cNvPr id="3" name="TextBox 2"/>
+          <p:cNvSpPr txBox="1"/>
+          <p:nvPr/>
+        </p:nvSpPr>
+        <p:spPr>
+          <a:xfrm>
+            <a:off x="1841501" y="3027573"/>
+            <a:ext cx="4044949" cy="1477328"/>
+          </a:xfrm>
+          <a:prstGeom prst="rect">
+            <a:avLst/>
+          </a:prstGeom>
+          <a:noFill/>
+        </p:spPr>
+        <p:txBody>
+          <a:bodyPr wrap="square" rtlCol="0">
+            <a:spAutoFit/>
+          </a:bodyPr>
+          <a:lstStyle/>
+          <a:p>
+            <a:pPr marL="285750" indent="-285750">
+              <a:buFont typeface="Arial" panose="020B0604020202020204" pitchFamily="34" charset="0"/>
+              <a:buChar char="•"/>
+            </a:pPr>
+            <a:r>
+              <a:rPr lang="ro-RO" dirty="0" smtClean="0">
+                <a:solidFill>
+                  <a:schemeClr val="bg1"/>
+                </a:solidFill>
+                <a:latin typeface="Times New Roman" panose="02020603050405020304" pitchFamily="18" charset="0"/>
+                <a:cs typeface="Times New Roman" panose="02020603050405020304" pitchFamily="18" charset="0"/>
+              </a:rPr>
+              <a:t>Funcția de activare a neuronlilor din straturi ascunse</a:t>
+            </a:r>
+            <a:r>
+              <a:rPr lang="en-US" dirty="0" smtClean="0">
+                <a:solidFill>
+                  <a:schemeClr val="bg1"/>
+                </a:solidFill>
+                <a:latin typeface="Times New Roman" panose="02020603050405020304" pitchFamily="18" charset="0"/>
+                <a:cs typeface="Times New Roman" panose="02020603050405020304" pitchFamily="18" charset="0"/>
+              </a:rPr>
+              <a:t>: </a:t>
+            </a:r>
+            <a:r>
+              <a:rPr lang="en-US" b="1" dirty="0" err="1" smtClean="0">
+                <a:solidFill>
+                  <a:schemeClr val="bg1"/>
+                </a:solidFill>
+                <a:latin typeface="Times New Roman" panose="02020603050405020304" pitchFamily="18" charset="0"/>
+                <a:cs typeface="Times New Roman" panose="02020603050405020304" pitchFamily="18" charset="0"/>
+              </a:rPr>
+              <a:t>ReLU</a:t>
+            </a:r>
+            <a:endParaRPr lang="ro-RO" b="1" dirty="0" smtClean="0">
+              <a:solidFill>
+                <a:schemeClr val="bg1"/>
+              </a:solidFill>
+              <a:latin typeface="Times New Roman" panose="02020603050405020304" pitchFamily="18" charset="0"/>
+              <a:cs typeface="Times New Roman" panose="02020603050405020304" pitchFamily="18" charset="0"/>
+            </a:endParaRPr>
+          </a:p>
+          <a:p>
+            <a:pPr marL="285750" indent="-285750">
+              <a:buFont typeface="Arial" panose="020B0604020202020204" pitchFamily="34" charset="0"/>
+              <a:buChar char="•"/>
+            </a:pPr>
+            <a:endParaRPr lang="en-US" b="1" dirty="0" smtClean="0">
+              <a:solidFill>
+                <a:schemeClr val="bg1"/>
+              </a:solidFill>
+              <a:latin typeface="Times New Roman" panose="02020603050405020304" pitchFamily="18" charset="0"/>
+              <a:cs typeface="Times New Roman" panose="02020603050405020304" pitchFamily="18" charset="0"/>
+            </a:endParaRPr>
+          </a:p>
+          <a:p>
+            <a:pPr marL="285750" indent="-285750">
+              <a:buFont typeface="Arial" panose="020B0604020202020204" pitchFamily="34" charset="0"/>
+              <a:buChar char="•"/>
+            </a:pPr>
+            <a:r>
+              <a:rPr lang="en-US" dirty="0" err="1" smtClean="0">
+                <a:solidFill>
+                  <a:schemeClr val="bg1"/>
+                </a:solidFill>
+                <a:latin typeface="Times New Roman" panose="02020603050405020304" pitchFamily="18" charset="0"/>
+                <a:cs typeface="Times New Roman" panose="02020603050405020304" pitchFamily="18" charset="0"/>
+              </a:rPr>
+              <a:t>Func</a:t>
+            </a:r>
+            <a:r>
+              <a:rPr lang="ro-RO" dirty="0" smtClean="0">
+                <a:solidFill>
+                  <a:schemeClr val="bg1"/>
+                </a:solidFill>
+                <a:latin typeface="Times New Roman" panose="02020603050405020304" pitchFamily="18" charset="0"/>
+                <a:cs typeface="Times New Roman" panose="02020603050405020304" pitchFamily="18" charset="0"/>
+              </a:rPr>
+              <a:t>ția de activare a neuronilor din statul de ieșire</a:t>
+            </a:r>
+            <a:r>
+              <a:rPr lang="en-US" dirty="0" smtClean="0">
+                <a:solidFill>
+                  <a:schemeClr val="bg1"/>
+                </a:solidFill>
+                <a:latin typeface="Times New Roman" panose="02020603050405020304" pitchFamily="18" charset="0"/>
+                <a:cs typeface="Times New Roman" panose="02020603050405020304" pitchFamily="18" charset="0"/>
+              </a:rPr>
+              <a:t>:</a:t>
+            </a:r>
+            <a:r>
+              <a:rPr lang="ro-RO" dirty="0" smtClean="0">
+                <a:solidFill>
+                  <a:schemeClr val="bg1"/>
+                </a:solidFill>
+                <a:latin typeface="Times New Roman" panose="02020603050405020304" pitchFamily="18" charset="0"/>
+                <a:cs typeface="Times New Roman" panose="02020603050405020304" pitchFamily="18" charset="0"/>
+              </a:rPr>
+              <a:t> </a:t>
+            </a:r>
+            <a:r>
+              <a:rPr lang="ro-RO" b="1" dirty="0" smtClean="0">
+                <a:solidFill>
+                  <a:schemeClr val="bg1"/>
+                </a:solidFill>
+                <a:latin typeface="Times New Roman" panose="02020603050405020304" pitchFamily="18" charset="0"/>
+                <a:cs typeface="Times New Roman" panose="02020603050405020304" pitchFamily="18" charset="0"/>
+              </a:rPr>
+              <a:t>Sigmoidală </a:t>
+            </a:r>
+            <a:endParaRPr lang="en-US" b="1" dirty="0">
+              <a:solidFill>
+                <a:schemeClr val="bg1"/>
+              </a:solidFill>
+              <a:latin typeface="Times New Roman" panose="02020603050405020304" pitchFamily="18" charset="0"/>
+              <a:cs typeface="Times New Roman" panose="02020603050405020304" pitchFamily="18" charset="0"/>
+            </a:endParaRPr>
+          </a:p>
+        </p:txBody>
+      </p:sp>
+      <p:sp>
+        <p:nvSpPr>
+          <p:cNvPr id="6" name="TextBox 5"/>
+          <p:cNvSpPr txBox="1"/>
+          <p:nvPr/>
+        </p:nvSpPr>
+        <p:spPr>
+          <a:xfrm>
+            <a:off x="1841501" y="874931"/>
+            <a:ext cx="4124325" cy="2031325"/>
+          </a:xfrm>
+          <a:prstGeom prst="rect">
+            <a:avLst/>
+          </a:prstGeom>
+          <a:noFill/>
+        </p:spPr>
+        <p:txBody>
+          <a:bodyPr wrap="square" rtlCol="0">
+            <a:spAutoFit/>
+          </a:bodyPr>
+          <a:lstStyle/>
+          <a:p>
+            <a:pPr marL="285750" indent="-285750">
+              <a:buFont typeface="Arial" panose="020B0604020202020204" pitchFamily="34" charset="0"/>
+              <a:buChar char="•"/>
+            </a:pPr>
+            <a:r>
+              <a:rPr lang="ro-RO" b="1" dirty="0" smtClean="0">
+                <a:solidFill>
+                  <a:schemeClr val="bg1"/>
+                </a:solidFill>
+                <a:latin typeface="Times New Roman" panose="02020603050405020304" pitchFamily="18" charset="0"/>
+                <a:cs typeface="Times New Roman" panose="02020603050405020304" pitchFamily="18" charset="0"/>
+              </a:rPr>
+              <a:t>3 </a:t>
+            </a:r>
+            <a:r>
+              <a:rPr lang="ro-RO" dirty="0" smtClean="0">
+                <a:solidFill>
+                  <a:schemeClr val="bg1"/>
+                </a:solidFill>
+                <a:latin typeface="Times New Roman" panose="02020603050405020304" pitchFamily="18" charset="0"/>
+                <a:cs typeface="Times New Roman" panose="02020603050405020304" pitchFamily="18" charset="0"/>
+              </a:rPr>
+              <a:t>straturi ascunse</a:t>
+            </a:r>
+          </a:p>
+          <a:p>
+            <a:pPr marL="285750" indent="-285750">
+              <a:buFont typeface="Arial" panose="020B0604020202020204" pitchFamily="34" charset="0"/>
+              <a:buChar char="•"/>
+            </a:pPr>
+            <a:endParaRPr lang="ro-RO" dirty="0" smtClean="0">
+              <a:solidFill>
+                <a:schemeClr val="bg1"/>
+              </a:solidFill>
+              <a:latin typeface="Times New Roman" panose="02020603050405020304" pitchFamily="18" charset="0"/>
+              <a:cs typeface="Times New Roman" panose="02020603050405020304" pitchFamily="18" charset="0"/>
+            </a:endParaRPr>
+          </a:p>
+          <a:p>
+            <a:pPr marL="285750" indent="-285750">
+              <a:buFont typeface="Arial" panose="020B0604020202020204" pitchFamily="34" charset="0"/>
+              <a:buChar char="•"/>
+            </a:pPr>
+            <a:r>
+              <a:rPr lang="ro-RO" b="1" dirty="0" smtClean="0">
+                <a:solidFill>
+                  <a:schemeClr val="bg1"/>
+                </a:solidFill>
+                <a:latin typeface="Times New Roman" panose="02020603050405020304" pitchFamily="18" charset="0"/>
+                <a:cs typeface="Times New Roman" panose="02020603050405020304" pitchFamily="18" charset="0"/>
+              </a:rPr>
+              <a:t>500 </a:t>
+            </a:r>
+            <a:r>
+              <a:rPr lang="ro-RO" dirty="0" smtClean="0">
+                <a:solidFill>
+                  <a:schemeClr val="bg1"/>
+                </a:solidFill>
+                <a:latin typeface="Times New Roman" panose="02020603050405020304" pitchFamily="18" charset="0"/>
+                <a:cs typeface="Times New Roman" panose="02020603050405020304" pitchFamily="18" charset="0"/>
+              </a:rPr>
+              <a:t>neuroni în fiecare strat ascuns</a:t>
+            </a:r>
+          </a:p>
+          <a:p>
+            <a:pPr marL="285750" indent="-285750">
+              <a:buFont typeface="Arial" panose="020B0604020202020204" pitchFamily="34" charset="0"/>
+              <a:buChar char="•"/>
+            </a:pPr>
+            <a:endParaRPr lang="ro-RO" dirty="0">
+              <a:solidFill>
+                <a:schemeClr val="bg1"/>
+              </a:solidFill>
+              <a:latin typeface="Times New Roman" panose="02020603050405020304" pitchFamily="18" charset="0"/>
+              <a:cs typeface="Times New Roman" panose="02020603050405020304" pitchFamily="18" charset="0"/>
+            </a:endParaRPr>
+          </a:p>
+          <a:p>
+            <a:pPr marL="285750" indent="-285750">
+              <a:buFont typeface="Arial" panose="020B0604020202020204" pitchFamily="34" charset="0"/>
+              <a:buChar char="•"/>
+            </a:pPr>
+            <a:r>
+              <a:rPr lang="ro-RO" dirty="0" smtClean="0">
+                <a:solidFill>
+                  <a:schemeClr val="bg1"/>
+                </a:solidFill>
+                <a:latin typeface="Times New Roman" panose="02020603050405020304" pitchFamily="18" charset="0"/>
+                <a:cs typeface="Times New Roman" panose="02020603050405020304" pitchFamily="18" charset="0"/>
+              </a:rPr>
+              <a:t>Număr variabil de neuroni în straturile de intrare și ieșire în funcție de datele de antrenare</a:t>
+            </a:r>
+          </a:p>
+        </p:txBody>
+      </p:sp>
+      <p:sp>
+        <p:nvSpPr>
+          <p:cNvPr id="9" name="TextBox 8"/>
+          <p:cNvSpPr txBox="1"/>
+          <p:nvPr/>
+        </p:nvSpPr>
+        <p:spPr>
+          <a:xfrm>
+            <a:off x="1860551" y="4776954"/>
+            <a:ext cx="8493125" cy="1754326"/>
+          </a:xfrm>
+          <a:prstGeom prst="rect">
+            <a:avLst/>
+          </a:prstGeom>
+          <a:noFill/>
+        </p:spPr>
+        <p:txBody>
+          <a:bodyPr wrap="square" rtlCol="0">
+            <a:spAutoFit/>
+          </a:bodyPr>
+          <a:lstStyle/>
+          <a:p>
+            <a:pPr marL="285750" indent="-285750">
+              <a:buFont typeface="Arial" panose="020B0604020202020204" pitchFamily="34" charset="0"/>
+              <a:buChar char="•"/>
+            </a:pPr>
+            <a:r>
+              <a:rPr lang="ro-RO" dirty="0" smtClean="0">
+                <a:solidFill>
+                  <a:schemeClr val="bg1"/>
+                </a:solidFill>
+                <a:latin typeface="Times New Roman" panose="02020603050405020304" pitchFamily="18" charset="0"/>
+                <a:cs typeface="Times New Roman" panose="02020603050405020304" pitchFamily="18" charset="0"/>
+              </a:rPr>
+              <a:t>Antrenare realizată cu backpropagation folosind optimizatorul </a:t>
+            </a:r>
+            <a:r>
+              <a:rPr lang="ro-RO" b="1" dirty="0" smtClean="0">
+                <a:solidFill>
+                  <a:schemeClr val="bg1"/>
+                </a:solidFill>
+                <a:latin typeface="Times New Roman" panose="02020603050405020304" pitchFamily="18" charset="0"/>
+                <a:cs typeface="Times New Roman" panose="02020603050405020304" pitchFamily="18" charset="0"/>
+              </a:rPr>
+              <a:t>Adam</a:t>
+            </a:r>
+          </a:p>
+          <a:p>
+            <a:pPr marL="285750" indent="-285750">
+              <a:buFont typeface="Arial" panose="020B0604020202020204" pitchFamily="34" charset="0"/>
+              <a:buChar char="•"/>
+            </a:pPr>
+            <a:endParaRPr lang="ro-RO" b="1" dirty="0">
+              <a:solidFill>
+                <a:schemeClr val="bg1"/>
+              </a:solidFill>
+              <a:latin typeface="Times New Roman" panose="02020603050405020304" pitchFamily="18" charset="0"/>
+              <a:cs typeface="Times New Roman" panose="02020603050405020304" pitchFamily="18" charset="0"/>
+            </a:endParaRPr>
+          </a:p>
+          <a:p>
+            <a:pPr marL="285750" indent="-285750">
+              <a:buFont typeface="Arial" panose="020B0604020202020204" pitchFamily="34" charset="0"/>
+              <a:buChar char="•"/>
+            </a:pPr>
+            <a:r>
+              <a:rPr lang="ro-RO" dirty="0" smtClean="0">
+                <a:solidFill>
+                  <a:schemeClr val="bg1"/>
+                </a:solidFill>
+                <a:latin typeface="Times New Roman" panose="02020603050405020304" pitchFamily="18" charset="0"/>
+                <a:cs typeface="Times New Roman" panose="02020603050405020304" pitchFamily="18" charset="0"/>
+              </a:rPr>
+              <a:t>Acuratețe medie de </a:t>
+            </a:r>
+            <a:r>
+              <a:rPr lang="ro-RO" b="1" dirty="0" smtClean="0">
+                <a:solidFill>
+                  <a:schemeClr val="bg1"/>
+                </a:solidFill>
+                <a:latin typeface="Times New Roman" panose="02020603050405020304" pitchFamily="18" charset="0"/>
+                <a:cs typeface="Times New Roman" panose="02020603050405020304" pitchFamily="18" charset="0"/>
+              </a:rPr>
+              <a:t>93.1%</a:t>
+            </a:r>
+            <a:endParaRPr lang="ro-RO" b="1" dirty="0">
+              <a:solidFill>
+                <a:schemeClr val="bg1"/>
+              </a:solidFill>
+              <a:latin typeface="Times New Roman" panose="02020603050405020304" pitchFamily="18" charset="0"/>
+              <a:cs typeface="Times New Roman" panose="02020603050405020304" pitchFamily="18" charset="0"/>
+            </a:endParaRPr>
+          </a:p>
+          <a:p>
+            <a:pPr marL="285750" indent="-285750">
+              <a:buFont typeface="Arial" panose="020B0604020202020204" pitchFamily="34" charset="0"/>
+              <a:buChar char="•"/>
+            </a:pPr>
+            <a:endParaRPr lang="ro-RO" b="1" dirty="0" smtClean="0">
+              <a:solidFill>
+                <a:schemeClr val="bg1"/>
+              </a:solidFill>
+              <a:latin typeface="Times New Roman" panose="02020603050405020304" pitchFamily="18" charset="0"/>
+              <a:cs typeface="Times New Roman" panose="02020603050405020304" pitchFamily="18" charset="0"/>
+            </a:endParaRPr>
+          </a:p>
+          <a:p>
+            <a:pPr marL="285750" indent="-285750">
+              <a:buFont typeface="Arial" panose="020B0604020202020204" pitchFamily="34" charset="0"/>
+              <a:buChar char="•"/>
+            </a:pPr>
+            <a:r>
+              <a:rPr lang="ro-RO" dirty="0" smtClean="0">
+                <a:solidFill>
+                  <a:schemeClr val="bg1"/>
+                </a:solidFill>
+                <a:latin typeface="Times New Roman" panose="02020603050405020304" pitchFamily="18" charset="0"/>
+                <a:cs typeface="Times New Roman" panose="02020603050405020304" pitchFamily="18" charset="0"/>
+              </a:rPr>
+              <a:t>Variabilă prag de decizie setată la </a:t>
+            </a:r>
+            <a:r>
+              <a:rPr lang="ro-RO" b="1" dirty="0" smtClean="0">
+                <a:solidFill>
+                  <a:schemeClr val="bg1"/>
+                </a:solidFill>
+                <a:latin typeface="Times New Roman" panose="02020603050405020304" pitchFamily="18" charset="0"/>
+                <a:cs typeface="Times New Roman" panose="02020603050405020304" pitchFamily="18" charset="0"/>
+              </a:rPr>
+              <a:t>85%. </a:t>
+            </a:r>
+            <a:r>
+              <a:rPr lang="ro-RO" dirty="0" smtClean="0">
+                <a:solidFill>
+                  <a:schemeClr val="bg1"/>
+                </a:solidFill>
+                <a:latin typeface="Times New Roman" panose="02020603050405020304" pitchFamily="18" charset="0"/>
+                <a:cs typeface="Times New Roman" panose="02020603050405020304" pitchFamily="18" charset="0"/>
+              </a:rPr>
+              <a:t>Orice comandă clasificată cu o precizie mai mică de acest prag va fi respinsă și utilizatorul va fi rugat să reformuleze</a:t>
+            </a:r>
+            <a:endParaRPr lang="ro-RO" b="1" dirty="0">
+              <a:solidFill>
+                <a:schemeClr val="bg1"/>
+              </a:solidFill>
+              <a:latin typeface="Times New Roman" panose="02020603050405020304" pitchFamily="18" charset="0"/>
+              <a:cs typeface="Times New Roman" panose="02020603050405020304" pitchFamily="18" charset="0"/>
+            </a:endParaRPr>
+          </a:p>
+        </p:txBody>
+      </p:sp>
     </p:spTree>
     <p:extLst>
       <p:ext uri="{BB962C8B-B14F-4D97-AF65-F5344CB8AC3E}">
-        <p14:creationId xmlns:p14="http://schemas.microsoft.com/office/powerpoint/2010/main" val="194929616"/>
+        <p14:creationId xmlns:p14="http://schemas.microsoft.com/office/powerpoint/2010/main" val="4100381051"/>
       </p:ext>
     </p:extLst>
   </p:cSld>
@@ -14221,7 +19881,7 @@
         <p:spPr>
           <a:xfrm>
             <a:off x="1841501" y="38100"/>
-            <a:ext cx="7605928" cy="646331"/>
+            <a:ext cx="7169149" cy="646331"/>
           </a:xfrm>
           <a:prstGeom prst="rect">
             <a:avLst/>
@@ -14229,7 +19889,7 @@
           <a:noFill/>
         </p:spPr>
         <p:txBody>
-          <a:bodyPr wrap="none" rtlCol="0">
+          <a:bodyPr wrap="square" rtlCol="0">
             <a:spAutoFit/>
           </a:bodyPr>
           <a:lstStyle/>
@@ -14242,9 +19902,39 @@
                 <a:latin typeface="Times New Roman" panose="02020603050405020304" pitchFamily="18" charset="0"/>
                 <a:cs typeface="Times New Roman" panose="02020603050405020304" pitchFamily="18" charset="0"/>
               </a:rPr>
-              <a:t>Arhitectura componentelor hardware</a:t>
-            </a:r>
-            <a:endParaRPr lang="en-US" sz="3600" b="1" dirty="0">
+              <a:t>Prelucrarea </a:t>
+            </a:r>
+            <a:r>
+              <a:rPr lang="en-US" sz="3600" b="1" dirty="0" err="1" smtClean="0">
+                <a:solidFill>
+                  <a:schemeClr val="bg1"/>
+                </a:solidFill>
+                <a:latin typeface="Times New Roman" panose="02020603050405020304" pitchFamily="18" charset="0"/>
+                <a:cs typeface="Times New Roman" panose="02020603050405020304" pitchFamily="18" charset="0"/>
+              </a:rPr>
+              <a:t>datelor</a:t>
+            </a:r>
+            <a:r>
+              <a:rPr lang="en-US" sz="3600" b="1" dirty="0" smtClean="0">
+                <a:solidFill>
+                  <a:schemeClr val="bg1"/>
+                </a:solidFill>
+                <a:latin typeface="Times New Roman" panose="02020603050405020304" pitchFamily="18" charset="0"/>
+                <a:cs typeface="Times New Roman" panose="02020603050405020304" pitchFamily="18" charset="0"/>
+              </a:rPr>
+              <a:t> de </a:t>
+            </a:r>
+            <a:r>
+              <a:rPr lang="en-US" sz="3600" b="1" dirty="0" err="1" smtClean="0">
+                <a:solidFill>
+                  <a:schemeClr val="bg1"/>
+                </a:solidFill>
+                <a:latin typeface="Times New Roman" panose="02020603050405020304" pitchFamily="18" charset="0"/>
+                <a:cs typeface="Times New Roman" panose="02020603050405020304" pitchFamily="18" charset="0"/>
+              </a:rPr>
+              <a:t>antrenare</a:t>
+            </a:r>
+            <a:endParaRPr lang="en-US" sz="3600" b="1" i="1" dirty="0">
               <a:solidFill>
                 <a:schemeClr val="bg1"/>
               </a:solidFill>
@@ -14280,7 +19970,88 @@
       </p:pic>
       <p:sp>
         <p:nvSpPr>
-          <p:cNvPr id="2" name="Rectangle 2"/>
+          <p:cNvPr id="2" name="TextBox 1"/>
+          <p:cNvSpPr txBox="1"/>
+          <p:nvPr/>
+        </p:nvSpPr>
+        <p:spPr>
+          <a:xfrm>
+            <a:off x="2033221" y="857250"/>
+            <a:ext cx="9587279" cy="1754326"/>
+          </a:xfrm>
+          <a:prstGeom prst="rect">
+            <a:avLst/>
+          </a:prstGeom>
+          <a:noFill/>
+        </p:spPr>
+        <p:txBody>
+          <a:bodyPr wrap="square" rtlCol="0">
+            <a:spAutoFit/>
+          </a:bodyPr>
+          <a:lstStyle/>
+          <a:p>
+            <a:r>
+              <a:rPr lang="ro-RO" dirty="0" smtClean="0">
+                <a:solidFill>
+                  <a:schemeClr val="bg1"/>
+                </a:solidFill>
+                <a:latin typeface="Times New Roman" panose="02020603050405020304" pitchFamily="18" charset="0"/>
+                <a:cs typeface="Times New Roman" panose="02020603050405020304" pitchFamily="18" charset="0"/>
+              </a:rPr>
+              <a:t>Pentru </a:t>
+            </a:r>
+            <a:r>
+              <a:rPr lang="ro-RO" dirty="0">
+                <a:solidFill>
+                  <a:schemeClr val="bg1"/>
+                </a:solidFill>
+                <a:latin typeface="Times New Roman" panose="02020603050405020304" pitchFamily="18" charset="0"/>
+                <a:cs typeface="Times New Roman" panose="02020603050405020304" pitchFamily="18" charset="0"/>
+              </a:rPr>
+              <a:t>a putea utiliza codarea one hot, în primă instanță este necesară determinarea lungimii rezultatului codării, care este, în fapt, numărul total de cuvinte diferite utilizabile pentru formarea propozițiilor de comandă. Deoarece acest număr este practic incuantificabil, alegerea logică a fost utilizarea doar a acelor cuvinte care se regăsesc în lista de date folosite pentru antrenarea rețelei. Astfel, a apărut noțiunea de </a:t>
+            </a:r>
+            <a:r>
+              <a:rPr lang="ro-RO" i="1" dirty="0">
+                <a:solidFill>
+                  <a:schemeClr val="bg1"/>
+                </a:solidFill>
+                <a:latin typeface="Times New Roman" panose="02020603050405020304" pitchFamily="18" charset="0"/>
+                <a:cs typeface="Times New Roman" panose="02020603050405020304" pitchFamily="18" charset="0"/>
+              </a:rPr>
+              <a:t>lexic</a:t>
+            </a:r>
+            <a:r>
+              <a:rPr lang="ro-RO" dirty="0">
+                <a:solidFill>
+                  <a:schemeClr val="bg1"/>
+                </a:solidFill>
+                <a:latin typeface="Times New Roman" panose="02020603050405020304" pitchFamily="18" charset="0"/>
+                <a:cs typeface="Times New Roman" panose="02020603050405020304" pitchFamily="18" charset="0"/>
+              </a:rPr>
+              <a:t>.</a:t>
+            </a:r>
+            <a:endParaRPr lang="en-US" dirty="0">
+              <a:solidFill>
+                <a:schemeClr val="bg1"/>
+              </a:solidFill>
+              <a:latin typeface="Times New Roman" panose="02020603050405020304" pitchFamily="18" charset="0"/>
+              <a:cs typeface="Times New Roman" panose="02020603050405020304" pitchFamily="18" charset="0"/>
+            </a:endParaRPr>
+          </a:p>
+          <a:p>
+            <a:endParaRPr lang="en-US" b="1" dirty="0">
+              <a:solidFill>
+                <a:schemeClr val="bg1"/>
+              </a:solidFill>
+              <a:latin typeface="Times New Roman" panose="02020603050405020304" pitchFamily="18" charset="0"/>
+              <a:cs typeface="Times New Roman" panose="02020603050405020304" pitchFamily="18" charset="0"/>
+            </a:endParaRPr>
+          </a:p>
+        </p:txBody>
+      </p:sp>
+      <p:sp>
+        <p:nvSpPr>
+          <p:cNvPr id="4" name="Rectangle 2"/>
           <p:cNvSpPr>
             <a:spLocks noChangeArrowheads="1"/>
           </p:cNvSpPr>
@@ -14288,7 +20059,7 @@
         </p:nvSpPr>
         <p:spPr bwMode="auto">
           <a:xfrm>
-            <a:off x="3581400" y="927100"/>
+            <a:off x="3686175" y="3257550"/>
             <a:ext cx="12192000" cy="0"/>
           </a:xfrm>
           <a:prstGeom prst="rect">
@@ -14343,32 +20114,32 @@
       </p:sp>
       <p:graphicFrame>
         <p:nvGraphicFramePr>
-          <p:cNvPr id="3" name="Object 2"/>
+          <p:cNvPr id="6" name="Object 5"/>
           <p:cNvGraphicFramePr>
             <a:graphicFrameLocks noChangeAspect="1"/>
           </p:cNvGraphicFramePr>
           <p:nvPr>
             <p:extLst>
               <p:ext uri="{D42A27DB-BD31-4B8C-83A1-F6EECF244321}">
-                <p14:modId xmlns:p14="http://schemas.microsoft.com/office/powerpoint/2010/main" val="3591985991"/>
+                <p14:modId xmlns:p14="http://schemas.microsoft.com/office/powerpoint/2010/main" val="1679121333"/>
               </p:ext>
             </p:extLst>
           </p:nvPr>
         </p:nvGraphicFramePr>
         <p:xfrm>
-          <a:off x="2781300" y="722531"/>
-          <a:ext cx="7669706" cy="3441700"/>
+          <a:off x="3357196" y="2350288"/>
+          <a:ext cx="6072554" cy="3454388"/>
         </p:xfrm>
         <a:graphic>
           <a:graphicData uri="http://schemas.openxmlformats.org/presentationml/2006/ole">
             <mc:AlternateContent xmlns:mc="http://schemas.openxmlformats.org/markup-compatibility/2006">
               <mc:Choice xmlns:v="urn:schemas-microsoft-com:vml" Requires="v">
-                <p:oleObj spid="_x0000_s3076" name="Visio" r:id="rId4" imgW="7229520" imgH="3247958" progId="Visio.Drawing.15">
+                <p:oleObj spid="_x0000_s11271" name="Visio" r:id="rId4" imgW="6953384" imgH="3953046" progId="Visio.Drawing.15">
                   <p:embed/>
                 </p:oleObj>
               </mc:Choice>
               <mc:Fallback>
-                <p:oleObj name="Visio" r:id="rId4" imgW="7229520" imgH="3247958" progId="Visio.Drawing.15">
+                <p:oleObj name="Visio" r:id="rId4" imgW="6953384" imgH="3953046" progId="Visio.Drawing.15">
                   <p:embed/>
                   <p:pic>
                     <p:nvPicPr>
@@ -14379,13 +20150,7 @@
                       <p:nvPr/>
                     </p:nvPicPr>
                     <p:blipFill>
-                      <a:blip r:embed="rId5">
-                        <a:extLst>
-                          <a:ext uri="{28A0092B-C50C-407E-A947-70E740481C1C}">
-                            <a14:useLocalDpi xmlns:a14="http://schemas.microsoft.com/office/drawing/2010/main" val="0"/>
-                          </a:ext>
-                        </a:extLst>
-                      </a:blip>
+                      <a:blip r:embed="rId5"/>
                       <a:srcRect/>
                       <a:stretch>
                         <a:fillRect/>
@@ -14393,8 +20158,8 @@
                     </p:blipFill>
                     <p:spPr bwMode="auto">
                       <a:xfrm>
-                        <a:off x="2781300" y="722531"/>
-                        <a:ext cx="7669706" cy="3441700"/>
+                        <a:off x="3357196" y="2350288"/>
+                        <a:ext cx="6072554" cy="3454388"/>
                       </a:xfrm>
                       <a:prstGeom prst="rect">
                         <a:avLst/>
@@ -14408,10 +20173,61 @@
           </a:graphicData>
         </a:graphic>
       </p:graphicFrame>
+      <p:sp>
+        <p:nvSpPr>
+          <p:cNvPr id="9" name="TextBox 8"/>
+          <p:cNvSpPr txBox="1"/>
+          <p:nvPr/>
+        </p:nvSpPr>
+        <p:spPr>
+          <a:xfrm>
+            <a:off x="2152650" y="5934670"/>
+            <a:ext cx="8686800" cy="923330"/>
+          </a:xfrm>
+          <a:prstGeom prst="rect">
+            <a:avLst/>
+          </a:prstGeom>
+          <a:noFill/>
+        </p:spPr>
+        <p:txBody>
+          <a:bodyPr wrap="square" rtlCol="0">
+            <a:spAutoFit/>
+          </a:bodyPr>
+          <a:lstStyle/>
+          <a:p>
+            <a:r>
+              <a:rPr lang="ro-RO" dirty="0">
+                <a:solidFill>
+                  <a:schemeClr val="bg1"/>
+                </a:solidFill>
+                <a:latin typeface="Times New Roman" panose="02020603050405020304" pitchFamily="18" charset="0"/>
+                <a:cs typeface="Times New Roman" panose="02020603050405020304" pitchFamily="18" charset="0"/>
+              </a:rPr>
+              <a:t>Odată generate, lexicul și lista categoriilor se vor utiliza pentru codarea tuturor comenzilor de-a lungul rulării, urmând identic pașii de la codarea datelor de antrenare.</a:t>
+            </a:r>
+            <a:endParaRPr lang="en-US" dirty="0">
+              <a:solidFill>
+                <a:schemeClr val="bg1"/>
+              </a:solidFill>
+              <a:latin typeface="Times New Roman" panose="02020603050405020304" pitchFamily="18" charset="0"/>
+              <a:cs typeface="Times New Roman" panose="02020603050405020304" pitchFamily="18" charset="0"/>
+            </a:endParaRPr>
+          </a:p>
+          <a:p>
+            <a:endParaRPr lang="en-US" dirty="0">
+              <a:solidFill>
+                <a:schemeClr val="bg1"/>
+              </a:solidFill>
+              <a:latin typeface="Times New Roman" panose="02020603050405020304" pitchFamily="18" charset="0"/>
+              <a:cs typeface="Times New Roman" panose="02020603050405020304" pitchFamily="18" charset="0"/>
+            </a:endParaRPr>
+          </a:p>
+        </p:txBody>
+      </p:sp>
     </p:spTree>
     <p:extLst>
       <p:ext uri="{BB962C8B-B14F-4D97-AF65-F5344CB8AC3E}">
-        <p14:creationId xmlns:p14="http://schemas.microsoft.com/office/powerpoint/2010/main" val="833691999"/>
+        <p14:creationId xmlns:p14="http://schemas.microsoft.com/office/powerpoint/2010/main" val="3551341767"/>
       </p:ext>
     </p:extLst>
   </p:cSld>

--- a/documentation/Prezentare.pptx
+++ b/documentation/Prezentare.pptx
@@ -4,6 +4,9 @@
   <p:sldMasterIdLst>
     <p:sldMasterId id="2147483732" r:id="rId1"/>
   </p:sldMasterIdLst>
+  <p:notesMasterIdLst>
+    <p:notesMasterId r:id="rId17"/>
+  </p:notesMasterIdLst>
   <p:sldIdLst>
     <p:sldId id="256" r:id="rId2"/>
     <p:sldId id="257" r:id="rId3"/>
@@ -126,6 +129,524 @@
 </p:presentation>
 </file>
 
+<file path=ppt/notesMasters/notesMaster1.xml><?xml version="1.0" encoding="utf-8"?>
+<p:notesMaster xmlns:a="http://schemas.openxmlformats.org/drawingml/2006/main" xmlns:r="http://schemas.openxmlformats.org/officeDocument/2006/relationships" xmlns:p="http://schemas.openxmlformats.org/presentationml/2006/main">
+  <p:cSld>
+    <p:bg>
+      <p:bgRef idx="1001">
+        <a:schemeClr val="bg1"/>
+      </p:bgRef>
+    </p:bg>
+    <p:spTree>
+      <p:nvGrpSpPr>
+        <p:cNvPr id="1" name=""/>
+        <p:cNvGrpSpPr/>
+        <p:nvPr/>
+      </p:nvGrpSpPr>
+      <p:grpSpPr>
+        <a:xfrm>
+          <a:off x="0" y="0"/>
+          <a:ext cx="0" cy="0"/>
+          <a:chOff x="0" y="0"/>
+          <a:chExt cx="0" cy="0"/>
+        </a:xfrm>
+      </p:grpSpPr>
+      <p:sp>
+        <p:nvSpPr>
+          <p:cNvPr id="2" name="Header Placeholder 1"/>
+          <p:cNvSpPr>
+            <a:spLocks noGrp="1"/>
+          </p:cNvSpPr>
+          <p:nvPr>
+            <p:ph type="hdr" sz="quarter"/>
+          </p:nvPr>
+        </p:nvSpPr>
+        <p:spPr>
+          <a:xfrm>
+            <a:off x="0" y="0"/>
+            <a:ext cx="2971800" cy="458788"/>
+          </a:xfrm>
+          <a:prstGeom prst="rect">
+            <a:avLst/>
+          </a:prstGeom>
+        </p:spPr>
+        <p:txBody>
+          <a:bodyPr vert="horz" lIns="91440" tIns="45720" rIns="91440" bIns="45720" rtlCol="0"/>
+          <a:lstStyle>
+            <a:lvl1pPr algn="l">
+              <a:defRPr sz="1200"/>
+            </a:lvl1pPr>
+          </a:lstStyle>
+          <a:p>
+            <a:endParaRPr lang="en-US"/>
+          </a:p>
+        </p:txBody>
+      </p:sp>
+      <p:sp>
+        <p:nvSpPr>
+          <p:cNvPr id="3" name="Date Placeholder 2"/>
+          <p:cNvSpPr>
+            <a:spLocks noGrp="1"/>
+          </p:cNvSpPr>
+          <p:nvPr>
+            <p:ph type="dt" idx="1"/>
+          </p:nvPr>
+        </p:nvSpPr>
+        <p:spPr>
+          <a:xfrm>
+            <a:off x="3884613" y="0"/>
+            <a:ext cx="2971800" cy="458788"/>
+          </a:xfrm>
+          <a:prstGeom prst="rect">
+            <a:avLst/>
+          </a:prstGeom>
+        </p:spPr>
+        <p:txBody>
+          <a:bodyPr vert="horz" lIns="91440" tIns="45720" rIns="91440" bIns="45720" rtlCol="0"/>
+          <a:lstStyle>
+            <a:lvl1pPr algn="r">
+              <a:defRPr sz="1200"/>
+            </a:lvl1pPr>
+          </a:lstStyle>
+          <a:p>
+            <a:fld id="{86DFBA85-E6BB-4198-A85E-2D428CD13009}" type="datetimeFigureOut">
+              <a:rPr lang="en-US" smtClean="0"/>
+              <a:t>2/6/2019</a:t>
+            </a:fld>
+            <a:endParaRPr lang="en-US"/>
+          </a:p>
+        </p:txBody>
+      </p:sp>
+      <p:sp>
+        <p:nvSpPr>
+          <p:cNvPr id="4" name="Slide Image Placeholder 3"/>
+          <p:cNvSpPr>
+            <a:spLocks noGrp="1" noRot="1" noChangeAspect="1"/>
+          </p:cNvSpPr>
+          <p:nvPr>
+            <p:ph type="sldImg" idx="2"/>
+          </p:nvPr>
+        </p:nvSpPr>
+        <p:spPr>
+          <a:xfrm>
+            <a:off x="685800" y="1143000"/>
+            <a:ext cx="5486400" cy="3086100"/>
+          </a:xfrm>
+          <a:prstGeom prst="rect">
+            <a:avLst/>
+          </a:prstGeom>
+          <a:noFill/>
+          <a:ln w="12700">
+            <a:solidFill>
+              <a:prstClr val="black"/>
+            </a:solidFill>
+          </a:ln>
+        </p:spPr>
+        <p:txBody>
+          <a:bodyPr vert="horz" lIns="91440" tIns="45720" rIns="91440" bIns="45720" rtlCol="0" anchor="ctr"/>
+          <a:lstStyle/>
+          <a:p>
+            <a:endParaRPr lang="en-US"/>
+          </a:p>
+        </p:txBody>
+      </p:sp>
+      <p:sp>
+        <p:nvSpPr>
+          <p:cNvPr id="5" name="Notes Placeholder 4"/>
+          <p:cNvSpPr>
+            <a:spLocks noGrp="1"/>
+          </p:cNvSpPr>
+          <p:nvPr>
+            <p:ph type="body" sz="quarter" idx="3"/>
+          </p:nvPr>
+        </p:nvSpPr>
+        <p:spPr>
+          <a:xfrm>
+            <a:off x="685800" y="4400550"/>
+            <a:ext cx="5486400" cy="3600450"/>
+          </a:xfrm>
+          <a:prstGeom prst="rect">
+            <a:avLst/>
+          </a:prstGeom>
+        </p:spPr>
+        <p:txBody>
+          <a:bodyPr vert="horz" lIns="91440" tIns="45720" rIns="91440" bIns="45720" rtlCol="0"/>
+          <a:lstStyle/>
+          <a:p>
+            <a:pPr lvl="0"/>
+            <a:r>
+              <a:rPr lang="en-US" smtClean="0"/>
+              <a:t>Click to edit Master text styles</a:t>
+            </a:r>
+          </a:p>
+          <a:p>
+            <a:pPr lvl="1"/>
+            <a:r>
+              <a:rPr lang="en-US" smtClean="0"/>
+              <a:t>Second level</a:t>
+            </a:r>
+          </a:p>
+          <a:p>
+            <a:pPr lvl="2"/>
+            <a:r>
+              <a:rPr lang="en-US" smtClean="0"/>
+              <a:t>Third level</a:t>
+            </a:r>
+          </a:p>
+          <a:p>
+            <a:pPr lvl="3"/>
+            <a:r>
+              <a:rPr lang="en-US" smtClean="0"/>
+              <a:t>Fourth level</a:t>
+            </a:r>
+          </a:p>
+          <a:p>
+            <a:pPr lvl="4"/>
+            <a:r>
+              <a:rPr lang="en-US" smtClean="0"/>
+              <a:t>Fifth level</a:t>
+            </a:r>
+            <a:endParaRPr lang="en-US"/>
+          </a:p>
+        </p:txBody>
+      </p:sp>
+      <p:sp>
+        <p:nvSpPr>
+          <p:cNvPr id="6" name="Footer Placeholder 5"/>
+          <p:cNvSpPr>
+            <a:spLocks noGrp="1"/>
+          </p:cNvSpPr>
+          <p:nvPr>
+            <p:ph type="ftr" sz="quarter" idx="4"/>
+          </p:nvPr>
+        </p:nvSpPr>
+        <p:spPr>
+          <a:xfrm>
+            <a:off x="0" y="8685213"/>
+            <a:ext cx="2971800" cy="458787"/>
+          </a:xfrm>
+          <a:prstGeom prst="rect">
+            <a:avLst/>
+          </a:prstGeom>
+        </p:spPr>
+        <p:txBody>
+          <a:bodyPr vert="horz" lIns="91440" tIns="45720" rIns="91440" bIns="45720" rtlCol="0" anchor="b"/>
+          <a:lstStyle>
+            <a:lvl1pPr algn="l">
+              <a:defRPr sz="1200"/>
+            </a:lvl1pPr>
+          </a:lstStyle>
+          <a:p>
+            <a:endParaRPr lang="en-US"/>
+          </a:p>
+        </p:txBody>
+      </p:sp>
+      <p:sp>
+        <p:nvSpPr>
+          <p:cNvPr id="7" name="Slide Number Placeholder 6"/>
+          <p:cNvSpPr>
+            <a:spLocks noGrp="1"/>
+          </p:cNvSpPr>
+          <p:nvPr>
+            <p:ph type="sldNum" sz="quarter" idx="5"/>
+          </p:nvPr>
+        </p:nvSpPr>
+        <p:spPr>
+          <a:xfrm>
+            <a:off x="3884613" y="8685213"/>
+            <a:ext cx="2971800" cy="458787"/>
+          </a:xfrm>
+          <a:prstGeom prst="rect">
+            <a:avLst/>
+          </a:prstGeom>
+        </p:spPr>
+        <p:txBody>
+          <a:bodyPr vert="horz" lIns="91440" tIns="45720" rIns="91440" bIns="45720" rtlCol="0" anchor="b"/>
+          <a:lstStyle>
+            <a:lvl1pPr algn="r">
+              <a:defRPr sz="1200"/>
+            </a:lvl1pPr>
+          </a:lstStyle>
+          <a:p>
+            <a:fld id="{FD9412E6-6B57-4432-A981-5A6E11616801}" type="slidenum">
+              <a:rPr lang="en-US" smtClean="0"/>
+              <a:t>‹#›</a:t>
+            </a:fld>
+            <a:endParaRPr lang="en-US"/>
+          </a:p>
+        </p:txBody>
+      </p:sp>
+    </p:spTree>
+    <p:extLst>
+      <p:ext uri="{BB962C8B-B14F-4D97-AF65-F5344CB8AC3E}">
+        <p14:creationId xmlns:p14="http://schemas.microsoft.com/office/powerpoint/2010/main" val="3987604415"/>
+      </p:ext>
+    </p:extLst>
+  </p:cSld>
+  <p:clrMap bg1="lt1" tx1="dk1" bg2="lt2" tx2="dk2" accent1="accent1" accent2="accent2" accent3="accent3" accent4="accent4" accent5="accent5" accent6="accent6" hlink="hlink" folHlink="folHlink"/>
+  <p:notesStyle>
+    <a:lvl1pPr marL="0" algn="l" defTabSz="914400" rtl="0" eaLnBrk="1" latinLnBrk="0" hangingPunct="1">
+      <a:defRPr sz="1200" kern="1200">
+        <a:solidFill>
+          <a:schemeClr val="tx1"/>
+        </a:solidFill>
+        <a:latin typeface="+mn-lt"/>
+        <a:ea typeface="+mn-ea"/>
+        <a:cs typeface="+mn-cs"/>
+      </a:defRPr>
+    </a:lvl1pPr>
+    <a:lvl2pPr marL="457200" algn="l" defTabSz="914400" rtl="0" eaLnBrk="1" latinLnBrk="0" hangingPunct="1">
+      <a:defRPr sz="1200" kern="1200">
+        <a:solidFill>
+          <a:schemeClr val="tx1"/>
+        </a:solidFill>
+        <a:latin typeface="+mn-lt"/>
+        <a:ea typeface="+mn-ea"/>
+        <a:cs typeface="+mn-cs"/>
+      </a:defRPr>
+    </a:lvl2pPr>
+    <a:lvl3pPr marL="914400" algn="l" defTabSz="914400" rtl="0" eaLnBrk="1" latinLnBrk="0" hangingPunct="1">
+      <a:defRPr sz="1200" kern="1200">
+        <a:solidFill>
+          <a:schemeClr val="tx1"/>
+        </a:solidFill>
+        <a:latin typeface="+mn-lt"/>
+        <a:ea typeface="+mn-ea"/>
+        <a:cs typeface="+mn-cs"/>
+      </a:defRPr>
+    </a:lvl3pPr>
+    <a:lvl4pPr marL="1371600" algn="l" defTabSz="914400" rtl="0" eaLnBrk="1" latinLnBrk="0" hangingPunct="1">
+      <a:defRPr sz="1200" kern="1200">
+        <a:solidFill>
+          <a:schemeClr val="tx1"/>
+        </a:solidFill>
+        <a:latin typeface="+mn-lt"/>
+        <a:ea typeface="+mn-ea"/>
+        <a:cs typeface="+mn-cs"/>
+      </a:defRPr>
+    </a:lvl4pPr>
+    <a:lvl5pPr marL="1828800" algn="l" defTabSz="914400" rtl="0" eaLnBrk="1" latinLnBrk="0" hangingPunct="1">
+      <a:defRPr sz="1200" kern="1200">
+        <a:solidFill>
+          <a:schemeClr val="tx1"/>
+        </a:solidFill>
+        <a:latin typeface="+mn-lt"/>
+        <a:ea typeface="+mn-ea"/>
+        <a:cs typeface="+mn-cs"/>
+      </a:defRPr>
+    </a:lvl5pPr>
+    <a:lvl6pPr marL="2286000" algn="l" defTabSz="914400" rtl="0" eaLnBrk="1" latinLnBrk="0" hangingPunct="1">
+      <a:defRPr sz="1200" kern="1200">
+        <a:solidFill>
+          <a:schemeClr val="tx1"/>
+        </a:solidFill>
+        <a:latin typeface="+mn-lt"/>
+        <a:ea typeface="+mn-ea"/>
+        <a:cs typeface="+mn-cs"/>
+      </a:defRPr>
+    </a:lvl6pPr>
+    <a:lvl7pPr marL="2743200" algn="l" defTabSz="914400" rtl="0" eaLnBrk="1" latinLnBrk="0" hangingPunct="1">
+      <a:defRPr sz="1200" kern="1200">
+        <a:solidFill>
+          <a:schemeClr val="tx1"/>
+        </a:solidFill>
+        <a:latin typeface="+mn-lt"/>
+        <a:ea typeface="+mn-ea"/>
+        <a:cs typeface="+mn-cs"/>
+      </a:defRPr>
+    </a:lvl7pPr>
+    <a:lvl8pPr marL="3200400" algn="l" defTabSz="914400" rtl="0" eaLnBrk="1" latinLnBrk="0" hangingPunct="1">
+      <a:defRPr sz="1200" kern="1200">
+        <a:solidFill>
+          <a:schemeClr val="tx1"/>
+        </a:solidFill>
+        <a:latin typeface="+mn-lt"/>
+        <a:ea typeface="+mn-ea"/>
+        <a:cs typeface="+mn-cs"/>
+      </a:defRPr>
+    </a:lvl8pPr>
+    <a:lvl9pPr marL="3657600" algn="l" defTabSz="914400" rtl="0" eaLnBrk="1" latinLnBrk="0" hangingPunct="1">
+      <a:defRPr sz="1200" kern="1200">
+        <a:solidFill>
+          <a:schemeClr val="tx1"/>
+        </a:solidFill>
+        <a:latin typeface="+mn-lt"/>
+        <a:ea typeface="+mn-ea"/>
+        <a:cs typeface="+mn-cs"/>
+      </a:defRPr>
+    </a:lvl9pPr>
+  </p:notesStyle>
+</p:notesMaster>
+</file>
+
+<file path=ppt/notesSlides/notesSlide1.xml><?xml version="1.0" encoding="utf-8"?>
+<p:notes xmlns:a="http://schemas.openxmlformats.org/drawingml/2006/main" xmlns:r="http://schemas.openxmlformats.org/officeDocument/2006/relationships" xmlns:p="http://schemas.openxmlformats.org/presentationml/2006/main">
+  <p:cSld>
+    <p:spTree>
+      <p:nvGrpSpPr>
+        <p:cNvPr id="1" name=""/>
+        <p:cNvGrpSpPr/>
+        <p:nvPr/>
+      </p:nvGrpSpPr>
+      <p:grpSpPr>
+        <a:xfrm>
+          <a:off x="0" y="0"/>
+          <a:ext cx="0" cy="0"/>
+          <a:chOff x="0" y="0"/>
+          <a:chExt cx="0" cy="0"/>
+        </a:xfrm>
+      </p:grpSpPr>
+      <p:sp>
+        <p:nvSpPr>
+          <p:cNvPr id="2" name="Slide Image Placeholder 1"/>
+          <p:cNvSpPr>
+            <a:spLocks noGrp="1" noRot="1" noChangeAspect="1"/>
+          </p:cNvSpPr>
+          <p:nvPr>
+            <p:ph type="sldImg"/>
+          </p:nvPr>
+        </p:nvSpPr>
+        <p:spPr/>
+      </p:sp>
+      <p:sp>
+        <p:nvSpPr>
+          <p:cNvPr id="3" name="Notes Placeholder 2"/>
+          <p:cNvSpPr>
+            <a:spLocks noGrp="1"/>
+          </p:cNvSpPr>
+          <p:nvPr>
+            <p:ph type="body" idx="1"/>
+          </p:nvPr>
+        </p:nvSpPr>
+        <p:spPr/>
+        <p:txBody>
+          <a:bodyPr/>
+          <a:lstStyle/>
+          <a:p>
+            <a:endParaRPr lang="en-US" dirty="0"/>
+          </a:p>
+        </p:txBody>
+      </p:sp>
+      <p:sp>
+        <p:nvSpPr>
+          <p:cNvPr id="4" name="Slide Number Placeholder 3"/>
+          <p:cNvSpPr>
+            <a:spLocks noGrp="1"/>
+          </p:cNvSpPr>
+          <p:nvPr>
+            <p:ph type="sldNum" sz="quarter" idx="10"/>
+          </p:nvPr>
+        </p:nvSpPr>
+        <p:spPr/>
+        <p:txBody>
+          <a:bodyPr/>
+          <a:lstStyle/>
+          <a:p>
+            <a:fld id="{FD9412E6-6B57-4432-A981-5A6E11616801}" type="slidenum">
+              <a:rPr lang="en-US" smtClean="0"/>
+              <a:t>3</a:t>
+            </a:fld>
+            <a:endParaRPr lang="en-US"/>
+          </a:p>
+        </p:txBody>
+      </p:sp>
+    </p:spTree>
+    <p:extLst>
+      <p:ext uri="{BB962C8B-B14F-4D97-AF65-F5344CB8AC3E}">
+        <p14:creationId xmlns:p14="http://schemas.microsoft.com/office/powerpoint/2010/main" val="2905881328"/>
+      </p:ext>
+    </p:extLst>
+  </p:cSld>
+  <p:clrMapOvr>
+    <a:masterClrMapping/>
+  </p:clrMapOvr>
+</p:notes>
+</file>
+
+<file path=ppt/notesSlides/notesSlide2.xml><?xml version="1.0" encoding="utf-8"?>
+<p:notes xmlns:a="http://schemas.openxmlformats.org/drawingml/2006/main" xmlns:r="http://schemas.openxmlformats.org/officeDocument/2006/relationships" xmlns:p="http://schemas.openxmlformats.org/presentationml/2006/main">
+  <p:cSld>
+    <p:spTree>
+      <p:nvGrpSpPr>
+        <p:cNvPr id="1" name=""/>
+        <p:cNvGrpSpPr/>
+        <p:nvPr/>
+      </p:nvGrpSpPr>
+      <p:grpSpPr>
+        <a:xfrm>
+          <a:off x="0" y="0"/>
+          <a:ext cx="0" cy="0"/>
+          <a:chOff x="0" y="0"/>
+          <a:chExt cx="0" cy="0"/>
+        </a:xfrm>
+      </p:grpSpPr>
+      <p:sp>
+        <p:nvSpPr>
+          <p:cNvPr id="2" name="Slide Image Placeholder 1"/>
+          <p:cNvSpPr>
+            <a:spLocks noGrp="1" noRot="1" noChangeAspect="1"/>
+          </p:cNvSpPr>
+          <p:nvPr>
+            <p:ph type="sldImg"/>
+          </p:nvPr>
+        </p:nvSpPr>
+        <p:spPr/>
+      </p:sp>
+      <p:sp>
+        <p:nvSpPr>
+          <p:cNvPr id="3" name="Notes Placeholder 2"/>
+          <p:cNvSpPr>
+            <a:spLocks noGrp="1"/>
+          </p:cNvSpPr>
+          <p:nvPr>
+            <p:ph type="body" idx="1"/>
+          </p:nvPr>
+        </p:nvSpPr>
+        <p:spPr/>
+        <p:txBody>
+          <a:bodyPr/>
+          <a:lstStyle/>
+          <a:p>
+            <a:endParaRPr lang="en-US" dirty="0"/>
+          </a:p>
+        </p:txBody>
+      </p:sp>
+      <p:sp>
+        <p:nvSpPr>
+          <p:cNvPr id="4" name="Slide Number Placeholder 3"/>
+          <p:cNvSpPr>
+            <a:spLocks noGrp="1"/>
+          </p:cNvSpPr>
+          <p:nvPr>
+            <p:ph type="sldNum" sz="quarter" idx="10"/>
+          </p:nvPr>
+        </p:nvSpPr>
+        <p:spPr/>
+        <p:txBody>
+          <a:bodyPr/>
+          <a:lstStyle/>
+          <a:p>
+            <a:fld id="{FD9412E6-6B57-4432-A981-5A6E11616801}" type="slidenum">
+              <a:rPr lang="en-US" smtClean="0"/>
+              <a:t>5</a:t>
+            </a:fld>
+            <a:endParaRPr lang="en-US"/>
+          </a:p>
+        </p:txBody>
+      </p:sp>
+    </p:spTree>
+    <p:extLst>
+      <p:ext uri="{BB962C8B-B14F-4D97-AF65-F5344CB8AC3E}">
+        <p14:creationId xmlns:p14="http://schemas.microsoft.com/office/powerpoint/2010/main" val="1221189041"/>
+      </p:ext>
+    </p:extLst>
+  </p:cSld>
+  <p:clrMapOvr>
+    <a:masterClrMapping/>
+  </p:clrMapOvr>
+</p:notes>
+</file>
+
 <file path=ppt/slideLayouts/slideLayout1.xml><?xml version="1.0" encoding="utf-8"?>
 <p:sldLayout xmlns:a="http://schemas.openxmlformats.org/drawingml/2006/main" xmlns:r="http://schemas.openxmlformats.org/officeDocument/2006/relationships" xmlns:p="http://schemas.openxmlformats.org/presentationml/2006/main" showMasterSp="0" type="title" preserve="1">
   <p:cSld name="Title Slide">
@@ -176,7 +697,7 @@
           <a:noFill/>
           <a:extLst>
             <a:ext uri="{909E8E84-426E-40dd-AFC4-6F175D3DCCD1}">
-              <a14:hiddenFill xmlns:a14="http://schemas.microsoft.com/office/drawing/2010/main" xmlns="">
+              <a14:hiddenFill xmlns="" xmlns:a14="http://schemas.microsoft.com/office/drawing/2010/main">
                 <a:solidFill>
                   <a:srgbClr val="FFFFFF"/>
                 </a:solidFill>
@@ -236,7 +757,7 @@
             </a:ln>
             <a:extLst>
               <a:ext uri="{91240B29-F687-4f45-9708-019B960494DF}">
-                <a14:hiddenLine xmlns:a14="http://schemas.microsoft.com/office/drawing/2010/main" xmlns="" w="9525">
+                <a14:hiddenLine xmlns="" xmlns:a14="http://schemas.microsoft.com/office/drawing/2010/main" w="9525">
                   <a:solidFill>
                     <a:srgbClr val="000000"/>
                   </a:solidFill>
@@ -326,7 +847,7 @@
             </a:ln>
             <a:extLst>
               <a:ext uri="{91240B29-F687-4f45-9708-019B960494DF}">
-                <a14:hiddenLine xmlns:a14="http://schemas.microsoft.com/office/drawing/2010/main" xmlns="" w="9525">
+                <a14:hiddenLine xmlns="" xmlns:a14="http://schemas.microsoft.com/office/drawing/2010/main" w="9525">
                   <a:solidFill>
                     <a:srgbClr val="000000"/>
                   </a:solidFill>
@@ -416,7 +937,7 @@
             </a:ln>
             <a:extLst>
               <a:ext uri="{91240B29-F687-4f45-9708-019B960494DF}">
-                <a14:hiddenLine xmlns:a14="http://schemas.microsoft.com/office/drawing/2010/main" xmlns="" w="9525">
+                <a14:hiddenLine xmlns="" xmlns:a14="http://schemas.microsoft.com/office/drawing/2010/main" w="9525">
                   <a:solidFill>
                     <a:srgbClr val="000000"/>
                   </a:solidFill>
@@ -450,7 +971,7 @@
             </a:ln>
             <a:extLst>
               <a:ext uri="{91240B29-F687-4f45-9708-019B960494DF}">
-                <a14:hiddenLine xmlns:a14="http://schemas.microsoft.com/office/drawing/2010/main" xmlns="" w="9525">
+                <a14:hiddenLine xmlns="" xmlns:a14="http://schemas.microsoft.com/office/drawing/2010/main" w="9525">
                   <a:solidFill>
                     <a:srgbClr val="000000"/>
                   </a:solidFill>
@@ -540,7 +1061,7 @@
             </a:ln>
             <a:extLst>
               <a:ext uri="{91240B29-F687-4f45-9708-019B960494DF}">
-                <a14:hiddenLine xmlns:a14="http://schemas.microsoft.com/office/drawing/2010/main" xmlns="" w="9525">
+                <a14:hiddenLine xmlns="" xmlns:a14="http://schemas.microsoft.com/office/drawing/2010/main" w="9525">
                   <a:solidFill>
                     <a:srgbClr val="000000"/>
                   </a:solidFill>
@@ -602,7 +1123,7 @@
             </a:ln>
             <a:extLst>
               <a:ext uri="{91240B29-F687-4f45-9708-019B960494DF}">
-                <a14:hiddenLine xmlns:a14="http://schemas.microsoft.com/office/drawing/2010/main" xmlns="" w="9525">
+                <a14:hiddenLine xmlns="" xmlns:a14="http://schemas.microsoft.com/office/drawing/2010/main" w="9525">
                   <a:solidFill>
                     <a:srgbClr val="000000"/>
                   </a:solidFill>
@@ -664,7 +1185,7 @@
             </a:ln>
             <a:extLst>
               <a:ext uri="{91240B29-F687-4f45-9708-019B960494DF}">
-                <a14:hiddenLine xmlns:a14="http://schemas.microsoft.com/office/drawing/2010/main" xmlns="" w="9525">
+                <a14:hiddenLine xmlns="" xmlns:a14="http://schemas.microsoft.com/office/drawing/2010/main" w="9525">
                   <a:solidFill>
                     <a:srgbClr val="000000"/>
                   </a:solidFill>
@@ -754,7 +1275,7 @@
             </a:ln>
             <a:extLst>
               <a:ext uri="{91240B29-F687-4f45-9708-019B960494DF}">
-                <a14:hiddenLine xmlns:a14="http://schemas.microsoft.com/office/drawing/2010/main" xmlns="" w="9525">
+                <a14:hiddenLine xmlns="" xmlns:a14="http://schemas.microsoft.com/office/drawing/2010/main" w="9525">
                   <a:solidFill>
                     <a:srgbClr val="000000"/>
                   </a:solidFill>
@@ -816,7 +1337,7 @@
             </a:ln>
             <a:extLst>
               <a:ext uri="{91240B29-F687-4f45-9708-019B960494DF}">
-                <a14:hiddenLine xmlns:a14="http://schemas.microsoft.com/office/drawing/2010/main" xmlns="" w="9525">
+                <a14:hiddenLine xmlns="" xmlns:a14="http://schemas.microsoft.com/office/drawing/2010/main" w="9525">
                   <a:solidFill>
                     <a:srgbClr val="000000"/>
                   </a:solidFill>
@@ -878,7 +1399,7 @@
             </a:ln>
             <a:extLst>
               <a:ext uri="{91240B29-F687-4f45-9708-019B960494DF}">
-                <a14:hiddenLine xmlns:a14="http://schemas.microsoft.com/office/drawing/2010/main" xmlns="" w="9525">
+                <a14:hiddenLine xmlns="" xmlns:a14="http://schemas.microsoft.com/office/drawing/2010/main" w="9525">
                   <a:solidFill>
                     <a:srgbClr val="000000"/>
                   </a:solidFill>
@@ -968,7 +1489,7 @@
             </a:ln>
             <a:extLst>
               <a:ext uri="{91240B29-F687-4f45-9708-019B960494DF}">
-                <a14:hiddenLine xmlns:a14="http://schemas.microsoft.com/office/drawing/2010/main" xmlns="" w="9525">
+                <a14:hiddenLine xmlns="" xmlns:a14="http://schemas.microsoft.com/office/drawing/2010/main" w="9525">
                   <a:solidFill>
                     <a:srgbClr val="000000"/>
                   </a:solidFill>
@@ -1058,7 +1579,7 @@
             </a:ln>
             <a:extLst>
               <a:ext uri="{91240B29-F687-4f45-9708-019B960494DF}">
-                <a14:hiddenLine xmlns:a14="http://schemas.microsoft.com/office/drawing/2010/main" xmlns="" w="9525">
+                <a14:hiddenLine xmlns="" xmlns:a14="http://schemas.microsoft.com/office/drawing/2010/main" w="9525">
                   <a:solidFill>
                     <a:srgbClr val="000000"/>
                   </a:solidFill>
@@ -1120,7 +1641,7 @@
             </a:ln>
             <a:extLst>
               <a:ext uri="{91240B29-F687-4f45-9708-019B960494DF}">
-                <a14:hiddenLine xmlns:a14="http://schemas.microsoft.com/office/drawing/2010/main" xmlns="" w="9525">
+                <a14:hiddenLine xmlns="" xmlns:a14="http://schemas.microsoft.com/office/drawing/2010/main" w="9525">
                   <a:solidFill>
                     <a:srgbClr val="000000"/>
                   </a:solidFill>
@@ -1230,7 +1751,7 @@
             </a:ln>
             <a:extLst>
               <a:ext uri="{91240B29-F687-4f45-9708-019B960494DF}">
-                <a14:hiddenLine xmlns:a14="http://schemas.microsoft.com/office/drawing/2010/main" xmlns="" w="9525">
+                <a14:hiddenLine xmlns="" xmlns:a14="http://schemas.microsoft.com/office/drawing/2010/main" w="9525">
                   <a:solidFill>
                     <a:srgbClr val="000000"/>
                   </a:solidFill>
@@ -1292,7 +1813,7 @@
             </a:ln>
             <a:extLst>
               <a:ext uri="{91240B29-F687-4f45-9708-019B960494DF}">
-                <a14:hiddenLine xmlns:a14="http://schemas.microsoft.com/office/drawing/2010/main" xmlns="" w="9525">
+                <a14:hiddenLine xmlns="" xmlns:a14="http://schemas.microsoft.com/office/drawing/2010/main" w="9525">
                   <a:solidFill>
                     <a:srgbClr val="000000"/>
                   </a:solidFill>
@@ -1382,7 +1903,7 @@
             </a:ln>
             <a:extLst>
               <a:ext uri="{91240B29-F687-4f45-9708-019B960494DF}">
-                <a14:hiddenLine xmlns:a14="http://schemas.microsoft.com/office/drawing/2010/main" xmlns="" w="9525">
+                <a14:hiddenLine xmlns="" xmlns:a14="http://schemas.microsoft.com/office/drawing/2010/main" w="9525">
                   <a:solidFill>
                     <a:srgbClr val="000000"/>
                   </a:solidFill>
@@ -1472,7 +1993,7 @@
             </a:ln>
             <a:extLst>
               <a:ext uri="{91240B29-F687-4f45-9708-019B960494DF}">
-                <a14:hiddenLine xmlns:a14="http://schemas.microsoft.com/office/drawing/2010/main" xmlns="" w="9525">
+                <a14:hiddenLine xmlns="" xmlns:a14="http://schemas.microsoft.com/office/drawing/2010/main" w="9525">
                   <a:solidFill>
                     <a:srgbClr val="000000"/>
                   </a:solidFill>
@@ -1534,7 +2055,7 @@
             </a:ln>
             <a:extLst>
               <a:ext uri="{91240B29-F687-4f45-9708-019B960494DF}">
-                <a14:hiddenLine xmlns:a14="http://schemas.microsoft.com/office/drawing/2010/main" xmlns="" w="9525">
+                <a14:hiddenLine xmlns="" xmlns:a14="http://schemas.microsoft.com/office/drawing/2010/main" w="9525">
                   <a:solidFill>
                     <a:srgbClr val="000000"/>
                   </a:solidFill>
@@ -1624,7 +2145,7 @@
             </a:ln>
             <a:extLst>
               <a:ext uri="{91240B29-F687-4f45-9708-019B960494DF}">
-                <a14:hiddenLine xmlns:a14="http://schemas.microsoft.com/office/drawing/2010/main" xmlns="" w="9525">
+                <a14:hiddenLine xmlns="" xmlns:a14="http://schemas.microsoft.com/office/drawing/2010/main" w="9525">
                   <a:solidFill>
                     <a:srgbClr val="000000"/>
                   </a:solidFill>
@@ -1714,7 +2235,7 @@
             </a:ln>
             <a:extLst>
               <a:ext uri="{91240B29-F687-4f45-9708-019B960494DF}">
-                <a14:hiddenLine xmlns:a14="http://schemas.microsoft.com/office/drawing/2010/main" xmlns="" w="9525">
+                <a14:hiddenLine xmlns="" xmlns:a14="http://schemas.microsoft.com/office/drawing/2010/main" w="9525">
                   <a:solidFill>
                     <a:srgbClr val="000000"/>
                   </a:solidFill>
@@ -1770,7 +2291,7 @@
             </a:ln>
             <a:extLst>
               <a:ext uri="{91240B29-F687-4f45-9708-019B960494DF}">
-                <a14:hiddenLine xmlns:a14="http://schemas.microsoft.com/office/drawing/2010/main" xmlns="" w="9525">
+                <a14:hiddenLine xmlns="" xmlns:a14="http://schemas.microsoft.com/office/drawing/2010/main" w="9525">
                   <a:solidFill>
                     <a:srgbClr val="000000"/>
                   </a:solidFill>
@@ -1860,7 +2381,7 @@
             </a:ln>
             <a:extLst>
               <a:ext uri="{91240B29-F687-4f45-9708-019B960494DF}">
-                <a14:hiddenLine xmlns:a14="http://schemas.microsoft.com/office/drawing/2010/main" xmlns="" w="9525">
+                <a14:hiddenLine xmlns="" xmlns:a14="http://schemas.microsoft.com/office/drawing/2010/main" w="9525">
                   <a:solidFill>
                     <a:srgbClr val="000000"/>
                   </a:solidFill>
@@ -1916,7 +2437,7 @@
             </a:ln>
             <a:extLst>
               <a:ext uri="{91240B29-F687-4f45-9708-019B960494DF}">
-                <a14:hiddenLine xmlns:a14="http://schemas.microsoft.com/office/drawing/2010/main" xmlns="" w="9525">
+                <a14:hiddenLine xmlns="" xmlns:a14="http://schemas.microsoft.com/office/drawing/2010/main" w="9525">
                   <a:solidFill>
                     <a:srgbClr val="000000"/>
                   </a:solidFill>
@@ -2006,7 +2527,7 @@
             </a:ln>
             <a:extLst>
               <a:ext uri="{91240B29-F687-4f45-9708-019B960494DF}">
-                <a14:hiddenLine xmlns:a14="http://schemas.microsoft.com/office/drawing/2010/main" xmlns="" w="9525">
+                <a14:hiddenLine xmlns="" xmlns:a14="http://schemas.microsoft.com/office/drawing/2010/main" w="9525">
                   <a:solidFill>
                     <a:srgbClr val="000000"/>
                   </a:solidFill>
@@ -2074,7 +2595,7 @@
             </a:ln>
             <a:extLst>
               <a:ext uri="{91240B29-F687-4f45-9708-019B960494DF}">
-                <a14:hiddenLine xmlns:a14="http://schemas.microsoft.com/office/drawing/2010/main" xmlns="" w="9525">
+                <a14:hiddenLine xmlns="" xmlns:a14="http://schemas.microsoft.com/office/drawing/2010/main" w="9525">
                   <a:solidFill>
                     <a:srgbClr val="000000"/>
                   </a:solidFill>
@@ -2164,7 +2685,7 @@
             </a:ln>
             <a:extLst>
               <a:ext uri="{91240B29-F687-4f45-9708-019B960494DF}">
-                <a14:hiddenLine xmlns:a14="http://schemas.microsoft.com/office/drawing/2010/main" xmlns="" w="9525">
+                <a14:hiddenLine xmlns="" xmlns:a14="http://schemas.microsoft.com/office/drawing/2010/main" w="9525">
                   <a:solidFill>
                     <a:srgbClr val="000000"/>
                   </a:solidFill>
@@ -2232,7 +2753,7 @@
             </a:ln>
             <a:extLst>
               <a:ext uri="{91240B29-F687-4f45-9708-019B960494DF}">
-                <a14:hiddenLine xmlns:a14="http://schemas.microsoft.com/office/drawing/2010/main" xmlns="" w="9525">
+                <a14:hiddenLine xmlns="" xmlns:a14="http://schemas.microsoft.com/office/drawing/2010/main" w="9525">
                   <a:solidFill>
                     <a:srgbClr val="000000"/>
                   </a:solidFill>
@@ -2322,7 +2843,7 @@
             </a:ln>
             <a:extLst>
               <a:ext uri="{91240B29-F687-4f45-9708-019B960494DF}">
-                <a14:hiddenLine xmlns:a14="http://schemas.microsoft.com/office/drawing/2010/main" xmlns="" w="9525">
+                <a14:hiddenLine xmlns="" xmlns:a14="http://schemas.microsoft.com/office/drawing/2010/main" w="9525">
                   <a:solidFill>
                     <a:srgbClr val="000000"/>
                   </a:solidFill>
@@ -2356,7 +2877,7 @@
             </a:ln>
             <a:extLst>
               <a:ext uri="{91240B29-F687-4f45-9708-019B960494DF}">
-                <a14:hiddenLine xmlns:a14="http://schemas.microsoft.com/office/drawing/2010/main" xmlns="" w="9525">
+                <a14:hiddenLine xmlns="" xmlns:a14="http://schemas.microsoft.com/office/drawing/2010/main" w="9525">
                   <a:solidFill>
                     <a:srgbClr val="000000"/>
                   </a:solidFill>
@@ -2446,7 +2967,7 @@
             </a:ln>
             <a:extLst>
               <a:ext uri="{91240B29-F687-4f45-9708-019B960494DF}">
-                <a14:hiddenLine xmlns:a14="http://schemas.microsoft.com/office/drawing/2010/main" xmlns="" w="9525">
+                <a14:hiddenLine xmlns="" xmlns:a14="http://schemas.microsoft.com/office/drawing/2010/main" w="9525">
                   <a:solidFill>
                     <a:srgbClr val="000000"/>
                   </a:solidFill>
@@ -2508,7 +3029,7 @@
             </a:ln>
             <a:extLst>
               <a:ext uri="{91240B29-F687-4f45-9708-019B960494DF}">
-                <a14:hiddenLine xmlns:a14="http://schemas.microsoft.com/office/drawing/2010/main" xmlns="" w="9525">
+                <a14:hiddenLine xmlns="" xmlns:a14="http://schemas.microsoft.com/office/drawing/2010/main" w="9525">
                   <a:solidFill>
                     <a:srgbClr val="000000"/>
                   </a:solidFill>
@@ -2570,7 +3091,7 @@
             </a:ln>
             <a:extLst>
               <a:ext uri="{91240B29-F687-4f45-9708-019B960494DF}">
-                <a14:hiddenLine xmlns:a14="http://schemas.microsoft.com/office/drawing/2010/main" xmlns="" w="9525">
+                <a14:hiddenLine xmlns="" xmlns:a14="http://schemas.microsoft.com/office/drawing/2010/main" w="9525">
                   <a:solidFill>
                     <a:srgbClr val="000000"/>
                   </a:solidFill>
@@ -2660,7 +3181,7 @@
             </a:ln>
             <a:extLst>
               <a:ext uri="{91240B29-F687-4f45-9708-019B960494DF}">
-                <a14:hiddenLine xmlns:a14="http://schemas.microsoft.com/office/drawing/2010/main" xmlns="" w="9525">
+                <a14:hiddenLine xmlns="" xmlns:a14="http://schemas.microsoft.com/office/drawing/2010/main" w="9525">
                   <a:solidFill>
                     <a:srgbClr val="000000"/>
                   </a:solidFill>
@@ -2728,7 +3249,7 @@
             </a:ln>
             <a:extLst>
               <a:ext uri="{91240B29-F687-4f45-9708-019B960494DF}">
-                <a14:hiddenLine xmlns:a14="http://schemas.microsoft.com/office/drawing/2010/main" xmlns="" w="9525">
+                <a14:hiddenLine xmlns="" xmlns:a14="http://schemas.microsoft.com/office/drawing/2010/main" w="9525">
                   <a:solidFill>
                     <a:srgbClr val="000000"/>
                   </a:solidFill>
@@ -2790,7 +3311,7 @@
             </a:ln>
             <a:extLst>
               <a:ext uri="{91240B29-F687-4f45-9708-019B960494DF}">
-                <a14:hiddenLine xmlns:a14="http://schemas.microsoft.com/office/drawing/2010/main" xmlns="" w="9525">
+                <a14:hiddenLine xmlns="" xmlns:a14="http://schemas.microsoft.com/office/drawing/2010/main" w="9525">
                   <a:solidFill>
                     <a:srgbClr val="000000"/>
                   </a:solidFill>
@@ -2880,7 +3401,7 @@
             </a:ln>
             <a:extLst>
               <a:ext uri="{91240B29-F687-4f45-9708-019B960494DF}">
-                <a14:hiddenLine xmlns:a14="http://schemas.microsoft.com/office/drawing/2010/main" xmlns="" w="9525">
+                <a14:hiddenLine xmlns="" xmlns:a14="http://schemas.microsoft.com/office/drawing/2010/main" w="9525">
                   <a:solidFill>
                     <a:srgbClr val="000000"/>
                   </a:solidFill>
@@ -2942,7 +3463,7 @@
             </a:ln>
             <a:extLst>
               <a:ext uri="{91240B29-F687-4f45-9708-019B960494DF}">
-                <a14:hiddenLine xmlns:a14="http://schemas.microsoft.com/office/drawing/2010/main" xmlns="" w="9525">
+                <a14:hiddenLine xmlns="" xmlns:a14="http://schemas.microsoft.com/office/drawing/2010/main" w="9525">
                   <a:solidFill>
                     <a:srgbClr val="000000"/>
                   </a:solidFill>
@@ -3032,7 +3553,7 @@
             </a:ln>
             <a:extLst>
               <a:ext uri="{91240B29-F687-4f45-9708-019B960494DF}">
-                <a14:hiddenLine xmlns:a14="http://schemas.microsoft.com/office/drawing/2010/main" xmlns="" w="9525">
+                <a14:hiddenLine xmlns="" xmlns:a14="http://schemas.microsoft.com/office/drawing/2010/main" w="9525">
                   <a:solidFill>
                     <a:srgbClr val="000000"/>
                   </a:solidFill>
@@ -3094,7 +3615,7 @@
             </a:ln>
             <a:extLst>
               <a:ext uri="{91240B29-F687-4f45-9708-019B960494DF}">
-                <a14:hiddenLine xmlns:a14="http://schemas.microsoft.com/office/drawing/2010/main" xmlns="" w="9525">
+                <a14:hiddenLine xmlns="" xmlns:a14="http://schemas.microsoft.com/office/drawing/2010/main" w="9525">
                   <a:solidFill>
                     <a:srgbClr val="000000"/>
                   </a:solidFill>
@@ -3184,7 +3705,7 @@
             </a:ln>
             <a:extLst>
               <a:ext uri="{91240B29-F687-4f45-9708-019B960494DF}">
-                <a14:hiddenLine xmlns:a14="http://schemas.microsoft.com/office/drawing/2010/main" xmlns="" w="9525">
+                <a14:hiddenLine xmlns="" xmlns:a14="http://schemas.microsoft.com/office/drawing/2010/main" w="9525">
                   <a:solidFill>
                     <a:srgbClr val="000000"/>
                   </a:solidFill>
@@ -3218,7 +3739,7 @@
             </a:ln>
             <a:extLst>
               <a:ext uri="{91240B29-F687-4f45-9708-019B960494DF}">
-                <a14:hiddenLine xmlns:a14="http://schemas.microsoft.com/office/drawing/2010/main" xmlns="" w="9525">
+                <a14:hiddenLine xmlns="" xmlns:a14="http://schemas.microsoft.com/office/drawing/2010/main" w="9525">
                   <a:solidFill>
                     <a:srgbClr val="000000"/>
                   </a:solidFill>
@@ -3283,7 +3804,7 @@
             </a:ln>
             <a:extLst>
               <a:ext uri="{91240B29-F687-4f45-9708-019B960494DF}">
-                <a14:hiddenLine xmlns:a14="http://schemas.microsoft.com/office/drawing/2010/main" xmlns="" w="9525">
+                <a14:hiddenLine xmlns="" xmlns:a14="http://schemas.microsoft.com/office/drawing/2010/main" w="9525">
                   <a:solidFill>
                     <a:srgbClr val="000000"/>
                   </a:solidFill>
@@ -3373,7 +3894,7 @@
             </a:ln>
             <a:extLst>
               <a:ext uri="{91240B29-F687-4f45-9708-019B960494DF}">
-                <a14:hiddenLine xmlns:a14="http://schemas.microsoft.com/office/drawing/2010/main" xmlns="" w="9525">
+                <a14:hiddenLine xmlns="" xmlns:a14="http://schemas.microsoft.com/office/drawing/2010/main" w="9525">
                   <a:solidFill>
                     <a:srgbClr val="000000"/>
                   </a:solidFill>
@@ -3435,7 +3956,7 @@
             </a:ln>
             <a:extLst>
               <a:ext uri="{91240B29-F687-4f45-9708-019B960494DF}">
-                <a14:hiddenLine xmlns:a14="http://schemas.microsoft.com/office/drawing/2010/main" xmlns="" w="9525">
+                <a14:hiddenLine xmlns="" xmlns:a14="http://schemas.microsoft.com/office/drawing/2010/main" w="9525">
                   <a:solidFill>
                     <a:srgbClr val="000000"/>
                   </a:solidFill>
@@ -3525,7 +4046,7 @@
             </a:ln>
             <a:extLst>
               <a:ext uri="{91240B29-F687-4f45-9708-019B960494DF}">
-                <a14:hiddenLine xmlns:a14="http://schemas.microsoft.com/office/drawing/2010/main" xmlns="" w="9525">
+                <a14:hiddenLine xmlns="" xmlns:a14="http://schemas.microsoft.com/office/drawing/2010/main" w="9525">
                   <a:solidFill>
                     <a:srgbClr val="000000"/>
                   </a:solidFill>
@@ -3615,7 +4136,7 @@
             </a:ln>
             <a:extLst>
               <a:ext uri="{91240B29-F687-4f45-9708-019B960494DF}">
-                <a14:hiddenLine xmlns:a14="http://schemas.microsoft.com/office/drawing/2010/main" xmlns="" w="9525">
+                <a14:hiddenLine xmlns="" xmlns:a14="http://schemas.microsoft.com/office/drawing/2010/main" w="9525">
                   <a:solidFill>
                     <a:srgbClr val="000000"/>
                   </a:solidFill>
@@ -3680,7 +4201,7 @@
             </a:ln>
             <a:extLst>
               <a:ext uri="{91240B29-F687-4f45-9708-019B960494DF}">
-                <a14:hiddenLine xmlns:a14="http://schemas.microsoft.com/office/drawing/2010/main" xmlns="" w="9525">
+                <a14:hiddenLine xmlns="" xmlns:a14="http://schemas.microsoft.com/office/drawing/2010/main" w="9525">
                   <a:solidFill>
                     <a:srgbClr val="000000"/>
                   </a:solidFill>
@@ -3742,7 +4263,7 @@
             </a:ln>
             <a:extLst>
               <a:ext uri="{91240B29-F687-4f45-9708-019B960494DF}">
-                <a14:hiddenLine xmlns:a14="http://schemas.microsoft.com/office/drawing/2010/main" xmlns="" w="9525">
+                <a14:hiddenLine xmlns="" xmlns:a14="http://schemas.microsoft.com/office/drawing/2010/main" w="9525">
                   <a:solidFill>
                     <a:srgbClr val="000000"/>
                   </a:solidFill>
@@ -3832,7 +4353,7 @@
             </a:ln>
             <a:extLst>
               <a:ext uri="{91240B29-F687-4f45-9708-019B960494DF}">
-                <a14:hiddenLine xmlns:a14="http://schemas.microsoft.com/office/drawing/2010/main" xmlns="" w="9525">
+                <a14:hiddenLine xmlns="" xmlns:a14="http://schemas.microsoft.com/office/drawing/2010/main" w="9525">
                   <a:solidFill>
                     <a:srgbClr val="000000"/>
                   </a:solidFill>
@@ -3922,7 +4443,7 @@
             </a:ln>
             <a:extLst>
               <a:ext uri="{91240B29-F687-4f45-9708-019B960494DF}">
-                <a14:hiddenLine xmlns:a14="http://schemas.microsoft.com/office/drawing/2010/main" xmlns="" w="9525">
+                <a14:hiddenLine xmlns="" xmlns:a14="http://schemas.microsoft.com/office/drawing/2010/main" w="9525">
                   <a:solidFill>
                     <a:srgbClr val="000000"/>
                   </a:solidFill>
@@ -3984,7 +4505,7 @@
             </a:ln>
             <a:extLst>
               <a:ext uri="{91240B29-F687-4f45-9708-019B960494DF}">
-                <a14:hiddenLine xmlns:a14="http://schemas.microsoft.com/office/drawing/2010/main" xmlns="" w="9525">
+                <a14:hiddenLine xmlns="" xmlns:a14="http://schemas.microsoft.com/office/drawing/2010/main" w="9525">
                   <a:solidFill>
                     <a:srgbClr val="000000"/>
                   </a:solidFill>
@@ -4104,7 +4625,7 @@
             </a:ln>
             <a:extLst>
               <a:ext uri="{91240B29-F687-4f45-9708-019B960494DF}">
-                <a14:hiddenLine xmlns:a14="http://schemas.microsoft.com/office/drawing/2010/main" xmlns="" w="9525">
+                <a14:hiddenLine xmlns="" xmlns:a14="http://schemas.microsoft.com/office/drawing/2010/main" w="9525">
                   <a:solidFill>
                     <a:srgbClr val="000000"/>
                   </a:solidFill>
@@ -4172,7 +4693,7 @@
             </a:ln>
             <a:extLst>
               <a:ext uri="{91240B29-F687-4f45-9708-019B960494DF}">
-                <a14:hiddenLine xmlns:a14="http://schemas.microsoft.com/office/drawing/2010/main" xmlns="" w="9525">
+                <a14:hiddenLine xmlns="" xmlns:a14="http://schemas.microsoft.com/office/drawing/2010/main" w="9525">
                   <a:solidFill>
                     <a:srgbClr val="000000"/>
                   </a:solidFill>
@@ -4262,7 +4783,7 @@
             </a:ln>
             <a:extLst>
               <a:ext uri="{91240B29-F687-4f45-9708-019B960494DF}">
-                <a14:hiddenLine xmlns:a14="http://schemas.microsoft.com/office/drawing/2010/main" xmlns="" w="9525">
+                <a14:hiddenLine xmlns="" xmlns:a14="http://schemas.microsoft.com/office/drawing/2010/main" w="9525">
                   <a:solidFill>
                     <a:srgbClr val="000000"/>
                   </a:solidFill>
@@ -9069,7 +9590,7 @@
           <a:noFill/>
           <a:extLst>
             <a:ext uri="{909E8E84-426E-40dd-AFC4-6F175D3DCCD1}">
-              <a14:hiddenFill xmlns:a14="http://schemas.microsoft.com/office/drawing/2010/main" xmlns="">
+              <a14:hiddenFill xmlns="" xmlns:a14="http://schemas.microsoft.com/office/drawing/2010/main">
                 <a:solidFill>
                   <a:srgbClr val="FFFFFF"/>
                 </a:solidFill>
@@ -9143,7 +9664,7 @@
               </a:ln>
               <a:extLst>
                 <a:ext uri="{91240B29-F687-4f45-9708-019B960494DF}">
-                  <a14:hiddenLine xmlns:a14="http://schemas.microsoft.com/office/drawing/2010/main" xmlns="" w="9525">
+                  <a14:hiddenLine xmlns="" xmlns:a14="http://schemas.microsoft.com/office/drawing/2010/main" w="9525">
                     <a:solidFill>
                       <a:srgbClr val="000000"/>
                     </a:solidFill>
@@ -9233,7 +9754,7 @@
               </a:ln>
               <a:extLst>
                 <a:ext uri="{91240B29-F687-4f45-9708-019B960494DF}">
-                  <a14:hiddenLine xmlns:a14="http://schemas.microsoft.com/office/drawing/2010/main" xmlns="" w="9525">
+                  <a14:hiddenLine xmlns="" xmlns:a14="http://schemas.microsoft.com/office/drawing/2010/main" w="9525">
                     <a:solidFill>
                       <a:srgbClr val="000000"/>
                     </a:solidFill>
@@ -9323,7 +9844,7 @@
               </a:ln>
               <a:extLst>
                 <a:ext uri="{91240B29-F687-4f45-9708-019B960494DF}">
-                  <a14:hiddenLine xmlns:a14="http://schemas.microsoft.com/office/drawing/2010/main" xmlns="" w="9525">
+                  <a14:hiddenLine xmlns="" xmlns:a14="http://schemas.microsoft.com/office/drawing/2010/main" w="9525">
                     <a:solidFill>
                       <a:srgbClr val="000000"/>
                     </a:solidFill>
@@ -9385,7 +9906,7 @@
               </a:ln>
               <a:extLst>
                 <a:ext uri="{91240B29-F687-4f45-9708-019B960494DF}">
-                  <a14:hiddenLine xmlns:a14="http://schemas.microsoft.com/office/drawing/2010/main" xmlns="" w="9525">
+                  <a14:hiddenLine xmlns="" xmlns:a14="http://schemas.microsoft.com/office/drawing/2010/main" w="9525">
                     <a:solidFill>
                       <a:srgbClr val="000000"/>
                     </a:solidFill>
@@ -9475,7 +9996,7 @@
               </a:ln>
               <a:extLst>
                 <a:ext uri="{91240B29-F687-4f45-9708-019B960494DF}">
-                  <a14:hiddenLine xmlns:a14="http://schemas.microsoft.com/office/drawing/2010/main" xmlns="" w="9525">
+                  <a14:hiddenLine xmlns="" xmlns:a14="http://schemas.microsoft.com/office/drawing/2010/main" w="9525">
                     <a:solidFill>
                       <a:srgbClr val="000000"/>
                     </a:solidFill>
@@ -9537,7 +10058,7 @@
               </a:ln>
               <a:extLst>
                 <a:ext uri="{91240B29-F687-4f45-9708-019B960494DF}">
-                  <a14:hiddenLine xmlns:a14="http://schemas.microsoft.com/office/drawing/2010/main" xmlns="" w="9525">
+                  <a14:hiddenLine xmlns="" xmlns:a14="http://schemas.microsoft.com/office/drawing/2010/main" w="9525">
                     <a:solidFill>
                       <a:srgbClr val="000000"/>
                     </a:solidFill>
@@ -9599,7 +10120,7 @@
               </a:ln>
               <a:extLst>
                 <a:ext uri="{91240B29-F687-4f45-9708-019B960494DF}">
-                  <a14:hiddenLine xmlns:a14="http://schemas.microsoft.com/office/drawing/2010/main" xmlns="" w="9525">
+                  <a14:hiddenLine xmlns="" xmlns:a14="http://schemas.microsoft.com/office/drawing/2010/main" w="9525">
                     <a:solidFill>
                       <a:srgbClr val="000000"/>
                     </a:solidFill>
@@ -9689,7 +10210,7 @@
               </a:ln>
               <a:extLst>
                 <a:ext uri="{91240B29-F687-4f45-9708-019B960494DF}">
-                  <a14:hiddenLine xmlns:a14="http://schemas.microsoft.com/office/drawing/2010/main" xmlns="" w="9525">
+                  <a14:hiddenLine xmlns="" xmlns:a14="http://schemas.microsoft.com/office/drawing/2010/main" w="9525">
                     <a:solidFill>
                       <a:srgbClr val="000000"/>
                     </a:solidFill>
@@ -9779,7 +10300,7 @@
               </a:ln>
               <a:extLst>
                 <a:ext uri="{91240B29-F687-4f45-9708-019B960494DF}">
-                  <a14:hiddenLine xmlns:a14="http://schemas.microsoft.com/office/drawing/2010/main" xmlns="" w="9525">
+                  <a14:hiddenLine xmlns="" xmlns:a14="http://schemas.microsoft.com/office/drawing/2010/main" w="9525">
                     <a:solidFill>
                       <a:srgbClr val="000000"/>
                     </a:solidFill>
@@ -9841,7 +10362,7 @@
               </a:ln>
               <a:extLst>
                 <a:ext uri="{91240B29-F687-4f45-9708-019B960494DF}">
-                  <a14:hiddenLine xmlns:a14="http://schemas.microsoft.com/office/drawing/2010/main" xmlns="" w="9525">
+                  <a14:hiddenLine xmlns="" xmlns:a14="http://schemas.microsoft.com/office/drawing/2010/main" w="9525">
                     <a:solidFill>
                       <a:srgbClr val="000000"/>
                     </a:solidFill>
@@ -9951,7 +10472,7 @@
               </a:ln>
               <a:extLst>
                 <a:ext uri="{91240B29-F687-4f45-9708-019B960494DF}">
-                  <a14:hiddenLine xmlns:a14="http://schemas.microsoft.com/office/drawing/2010/main" xmlns="" w="9525">
+                  <a14:hiddenLine xmlns="" xmlns:a14="http://schemas.microsoft.com/office/drawing/2010/main" w="9525">
                     <a:solidFill>
                       <a:srgbClr val="000000"/>
                     </a:solidFill>
@@ -10035,7 +10556,7 @@
               </a:ln>
               <a:extLst>
                 <a:ext uri="{91240B29-F687-4f45-9708-019B960494DF}">
-                  <a14:hiddenLine xmlns:a14="http://schemas.microsoft.com/office/drawing/2010/main" xmlns="" w="9525">
+                  <a14:hiddenLine xmlns="" xmlns:a14="http://schemas.microsoft.com/office/drawing/2010/main" w="9525">
                     <a:solidFill>
                       <a:srgbClr val="000000"/>
                     </a:solidFill>
@@ -10097,7 +10618,7 @@
               </a:ln>
               <a:extLst>
                 <a:ext uri="{91240B29-F687-4f45-9708-019B960494DF}">
-                  <a14:hiddenLine xmlns:a14="http://schemas.microsoft.com/office/drawing/2010/main" xmlns="" w="9525">
+                  <a14:hiddenLine xmlns="" xmlns:a14="http://schemas.microsoft.com/office/drawing/2010/main" w="9525">
                     <a:solidFill>
                       <a:srgbClr val="000000"/>
                     </a:solidFill>
@@ -10159,7 +10680,7 @@
               </a:ln>
               <a:extLst>
                 <a:ext uri="{91240B29-F687-4f45-9708-019B960494DF}">
-                  <a14:hiddenLine xmlns:a14="http://schemas.microsoft.com/office/drawing/2010/main" xmlns="" w="9525">
+                  <a14:hiddenLine xmlns="" xmlns:a14="http://schemas.microsoft.com/office/drawing/2010/main" w="9525">
                     <a:solidFill>
                       <a:srgbClr val="000000"/>
                     </a:solidFill>
@@ -10249,7 +10770,7 @@
               </a:ln>
               <a:extLst>
                 <a:ext uri="{91240B29-F687-4f45-9708-019B960494DF}">
-                  <a14:hiddenLine xmlns:a14="http://schemas.microsoft.com/office/drawing/2010/main" xmlns="" w="9525">
+                  <a14:hiddenLine xmlns="" xmlns:a14="http://schemas.microsoft.com/office/drawing/2010/main" w="9525">
                     <a:solidFill>
                       <a:srgbClr val="000000"/>
                     </a:solidFill>
@@ -10283,7 +10804,7 @@
               </a:ln>
               <a:extLst>
                 <a:ext uri="{91240B29-F687-4f45-9708-019B960494DF}">
-                  <a14:hiddenLine xmlns:a14="http://schemas.microsoft.com/office/drawing/2010/main" xmlns="" w="9525">
+                  <a14:hiddenLine xmlns="" xmlns:a14="http://schemas.microsoft.com/office/drawing/2010/main" w="9525">
                     <a:solidFill>
                       <a:srgbClr val="000000"/>
                     </a:solidFill>
@@ -10348,7 +10869,7 @@
               </a:ln>
               <a:extLst>
                 <a:ext uri="{91240B29-F687-4f45-9708-019B960494DF}">
-                  <a14:hiddenLine xmlns:a14="http://schemas.microsoft.com/office/drawing/2010/main" xmlns="" w="9525">
+                  <a14:hiddenLine xmlns="" xmlns:a14="http://schemas.microsoft.com/office/drawing/2010/main" w="9525">
                     <a:solidFill>
                       <a:srgbClr val="000000"/>
                     </a:solidFill>
@@ -10438,7 +10959,7 @@
               </a:ln>
               <a:extLst>
                 <a:ext uri="{91240B29-F687-4f45-9708-019B960494DF}">
-                  <a14:hiddenLine xmlns:a14="http://schemas.microsoft.com/office/drawing/2010/main" xmlns="" w="9525">
+                  <a14:hiddenLine xmlns="" xmlns:a14="http://schemas.microsoft.com/office/drawing/2010/main" w="9525">
                     <a:solidFill>
                       <a:srgbClr val="000000"/>
                     </a:solidFill>
@@ -10500,7 +11021,7 @@
               </a:ln>
               <a:extLst>
                 <a:ext uri="{91240B29-F687-4f45-9708-019B960494DF}">
-                  <a14:hiddenLine xmlns:a14="http://schemas.microsoft.com/office/drawing/2010/main" xmlns="" w="9525">
+                  <a14:hiddenLine xmlns="" xmlns:a14="http://schemas.microsoft.com/office/drawing/2010/main" w="9525">
                     <a:solidFill>
                       <a:srgbClr val="000000"/>
                     </a:solidFill>
@@ -10590,7 +11111,7 @@
               </a:ln>
               <a:extLst>
                 <a:ext uri="{91240B29-F687-4f45-9708-019B960494DF}">
-                  <a14:hiddenLine xmlns:a14="http://schemas.microsoft.com/office/drawing/2010/main" xmlns="" w="9525">
+                  <a14:hiddenLine xmlns="" xmlns:a14="http://schemas.microsoft.com/office/drawing/2010/main" w="9525">
                     <a:solidFill>
                       <a:srgbClr val="000000"/>
                     </a:solidFill>
@@ -10655,7 +11176,7 @@
               </a:ln>
               <a:extLst>
                 <a:ext uri="{91240B29-F687-4f45-9708-019B960494DF}">
-                  <a14:hiddenLine xmlns:a14="http://schemas.microsoft.com/office/drawing/2010/main" xmlns="" w="9525">
+                  <a14:hiddenLine xmlns="" xmlns:a14="http://schemas.microsoft.com/office/drawing/2010/main" w="9525">
                     <a:solidFill>
                       <a:srgbClr val="000000"/>
                     </a:solidFill>
@@ -10717,7 +11238,7 @@
               </a:ln>
               <a:extLst>
                 <a:ext uri="{91240B29-F687-4f45-9708-019B960494DF}">
-                  <a14:hiddenLine xmlns:a14="http://schemas.microsoft.com/office/drawing/2010/main" xmlns="" w="9525">
+                  <a14:hiddenLine xmlns="" xmlns:a14="http://schemas.microsoft.com/office/drawing/2010/main" w="9525">
                     <a:solidFill>
                       <a:srgbClr val="000000"/>
                     </a:solidFill>
@@ -10807,7 +11328,7 @@
               </a:ln>
               <a:extLst>
                 <a:ext uri="{91240B29-F687-4f45-9708-019B960494DF}">
-                  <a14:hiddenLine xmlns:a14="http://schemas.microsoft.com/office/drawing/2010/main" xmlns="" w="9525">
+                  <a14:hiddenLine xmlns="" xmlns:a14="http://schemas.microsoft.com/office/drawing/2010/main" w="9525">
                     <a:solidFill>
                       <a:srgbClr val="000000"/>
                     </a:solidFill>
@@ -10897,7 +11418,7 @@
               </a:ln>
               <a:extLst>
                 <a:ext uri="{91240B29-F687-4f45-9708-019B960494DF}">
-                  <a14:hiddenLine xmlns:a14="http://schemas.microsoft.com/office/drawing/2010/main" xmlns="" w="9525">
+                  <a14:hiddenLine xmlns="" xmlns:a14="http://schemas.microsoft.com/office/drawing/2010/main" w="9525">
                     <a:solidFill>
                       <a:srgbClr val="000000"/>
                     </a:solidFill>
@@ -10962,7 +11483,7 @@
               </a:ln>
               <a:extLst>
                 <a:ext uri="{91240B29-F687-4f45-9708-019B960494DF}">
-                  <a14:hiddenLine xmlns:a14="http://schemas.microsoft.com/office/drawing/2010/main" xmlns="" w="9525">
+                  <a14:hiddenLine xmlns="" xmlns:a14="http://schemas.microsoft.com/office/drawing/2010/main" w="9525">
                     <a:solidFill>
                       <a:srgbClr val="000000"/>
                     </a:solidFill>
@@ -11082,7 +11603,7 @@
               </a:ln>
               <a:extLst>
                 <a:ext uri="{91240B29-F687-4f45-9708-019B960494DF}">
-                  <a14:hiddenLine xmlns:a14="http://schemas.microsoft.com/office/drawing/2010/main" xmlns="" w="9525">
+                  <a14:hiddenLine xmlns="" xmlns:a14="http://schemas.microsoft.com/office/drawing/2010/main" w="9525">
                     <a:solidFill>
                       <a:srgbClr val="000000"/>
                     </a:solidFill>
@@ -11180,7 +11701,7 @@
               </a:ln>
               <a:extLst>
                 <a:ext uri="{91240B29-F687-4f45-9708-019B960494DF}">
-                  <a14:hiddenLine xmlns:a14="http://schemas.microsoft.com/office/drawing/2010/main" xmlns="" w="9525">
+                  <a14:hiddenLine xmlns="" xmlns:a14="http://schemas.microsoft.com/office/drawing/2010/main" w="9525">
                     <a:solidFill>
                       <a:srgbClr val="000000"/>
                     </a:solidFill>
@@ -11295,7 +11816,7 @@
               </a:ln>
               <a:extLst>
                 <a:ext uri="{91240B29-F687-4f45-9708-019B960494DF}">
-                  <a14:hiddenLine xmlns:a14="http://schemas.microsoft.com/office/drawing/2010/main" xmlns="" w="9525">
+                  <a14:hiddenLine xmlns="" xmlns:a14="http://schemas.microsoft.com/office/drawing/2010/main" w="9525">
                     <a:solidFill>
                       <a:srgbClr val="000000"/>
                     </a:solidFill>
@@ -11385,7 +11906,7 @@
               </a:ln>
               <a:extLst>
                 <a:ext uri="{91240B29-F687-4f45-9708-019B960494DF}">
-                  <a14:hiddenLine xmlns:a14="http://schemas.microsoft.com/office/drawing/2010/main" xmlns="" w="9525">
+                  <a14:hiddenLine xmlns="" xmlns:a14="http://schemas.microsoft.com/office/drawing/2010/main" w="9525">
                     <a:solidFill>
                       <a:srgbClr val="000000"/>
                     </a:solidFill>
@@ -11450,7 +11971,7 @@
               </a:ln>
               <a:extLst>
                 <a:ext uri="{91240B29-F687-4f45-9708-019B960494DF}">
-                  <a14:hiddenLine xmlns:a14="http://schemas.microsoft.com/office/drawing/2010/main" xmlns="" w="9525">
+                  <a14:hiddenLine xmlns="" xmlns:a14="http://schemas.microsoft.com/office/drawing/2010/main" w="9525">
                     <a:solidFill>
                       <a:srgbClr val="000000"/>
                     </a:solidFill>
@@ -11540,7 +12061,7 @@
               </a:ln>
               <a:extLst>
                 <a:ext uri="{91240B29-F687-4f45-9708-019B960494DF}">
-                  <a14:hiddenLine xmlns:a14="http://schemas.microsoft.com/office/drawing/2010/main" xmlns="" w="9525">
+                  <a14:hiddenLine xmlns="" xmlns:a14="http://schemas.microsoft.com/office/drawing/2010/main" w="9525">
                     <a:solidFill>
                       <a:srgbClr val="000000"/>
                     </a:solidFill>
@@ -11608,7 +12129,7 @@
               </a:ln>
               <a:extLst>
                 <a:ext uri="{91240B29-F687-4f45-9708-019B960494DF}">
-                  <a14:hiddenLine xmlns:a14="http://schemas.microsoft.com/office/drawing/2010/main" xmlns="" w="9525">
+                  <a14:hiddenLine xmlns="" xmlns:a14="http://schemas.microsoft.com/office/drawing/2010/main" w="9525">
                     <a:solidFill>
                       <a:srgbClr val="000000"/>
                     </a:solidFill>
@@ -11698,7 +12219,7 @@
               </a:ln>
               <a:extLst>
                 <a:ext uri="{91240B29-F687-4f45-9708-019B960494DF}">
-                  <a14:hiddenLine xmlns:a14="http://schemas.microsoft.com/office/drawing/2010/main" xmlns="" w="9525">
+                  <a14:hiddenLine xmlns="" xmlns:a14="http://schemas.microsoft.com/office/drawing/2010/main" w="9525">
                     <a:solidFill>
                       <a:srgbClr val="000000"/>
                     </a:solidFill>
@@ -11766,7 +12287,7 @@
               </a:ln>
               <a:extLst>
                 <a:ext uri="{91240B29-F687-4f45-9708-019B960494DF}">
-                  <a14:hiddenLine xmlns:a14="http://schemas.microsoft.com/office/drawing/2010/main" xmlns="" w="9525">
+                  <a14:hiddenLine xmlns="" xmlns:a14="http://schemas.microsoft.com/office/drawing/2010/main" w="9525">
                     <a:solidFill>
                       <a:srgbClr val="000000"/>
                     </a:solidFill>
@@ -11856,7 +12377,7 @@
               </a:ln>
               <a:extLst>
                 <a:ext uri="{91240B29-F687-4f45-9708-019B960494DF}">
-                  <a14:hiddenLine xmlns:a14="http://schemas.microsoft.com/office/drawing/2010/main" xmlns="" w="9525">
+                  <a14:hiddenLine xmlns="" xmlns:a14="http://schemas.microsoft.com/office/drawing/2010/main" w="9525">
                     <a:solidFill>
                       <a:srgbClr val="000000"/>
                     </a:solidFill>
@@ -11890,7 +12411,7 @@
               </a:ln>
               <a:extLst>
                 <a:ext uri="{91240B29-F687-4f45-9708-019B960494DF}">
-                  <a14:hiddenLine xmlns:a14="http://schemas.microsoft.com/office/drawing/2010/main" xmlns="" w="9525">
+                  <a14:hiddenLine xmlns="" xmlns:a14="http://schemas.microsoft.com/office/drawing/2010/main" w="9525">
                     <a:solidFill>
                       <a:srgbClr val="000000"/>
                     </a:solidFill>
@@ -12957,20 +13478,20 @@
           <p:nvPr>
             <p:extLst>
               <p:ext uri="{D42A27DB-BD31-4B8C-83A1-F6EECF244321}">
-                <p14:modId xmlns:p14="http://schemas.microsoft.com/office/powerpoint/2010/main" val="3956778432"/>
+                <p14:modId xmlns:p14="http://schemas.microsoft.com/office/powerpoint/2010/main" val="315446386"/>
               </p:ext>
             </p:extLst>
           </p:nvPr>
         </p:nvGraphicFramePr>
         <p:xfrm>
           <a:off x="3197835" y="2081705"/>
-          <a:ext cx="7258050" cy="3388547"/>
+          <a:ext cx="8033724" cy="3750684"/>
         </p:xfrm>
         <a:graphic>
           <a:graphicData uri="http://schemas.openxmlformats.org/presentationml/2006/ole">
             <mc:AlternateContent xmlns:mc="http://schemas.openxmlformats.org/markup-compatibility/2006">
               <mc:Choice xmlns:v="urn:schemas-microsoft-com:vml" Requires="v">
-                <p:oleObj spid="_x0000_s13316" name="Visio" r:id="rId4" imgW="6324779" imgH="2952724" progId="Visio.Drawing.15">
+                <p:oleObj spid="_x0000_s13323" name="Visio" r:id="rId4" imgW="6324779" imgH="2952724" progId="Visio.Drawing.15">
                   <p:embed/>
                 </p:oleObj>
               </mc:Choice>
@@ -12992,7 +13513,7 @@
                     <p:spPr>
                       <a:xfrm>
                         <a:off x="3197835" y="2081705"/>
-                        <a:ext cx="7258050" cy="3388547"/>
+                        <a:ext cx="8033724" cy="3750684"/>
                       </a:xfrm>
                       <a:prstGeom prst="rect">
                         <a:avLst/>
@@ -13600,7 +14121,7 @@
           <a:graphicData uri="http://schemas.openxmlformats.org/presentationml/2006/ole">
             <mc:AlternateContent xmlns:mc="http://schemas.openxmlformats.org/markup-compatibility/2006">
               <mc:Choice xmlns:v="urn:schemas-microsoft-com:vml" Requires="v">
-                <p:oleObj spid="_x0000_s12294" name="Visio" r:id="rId4" imgW="8934584" imgH="4829214" progId="Visio.Drawing.15">
+                <p:oleObj spid="_x0000_s12301" name="Visio" r:id="rId4" imgW="8934584" imgH="4829214" progId="Visio.Drawing.15">
                   <p:embed/>
                 </p:oleObj>
               </mc:Choice>
@@ -13831,7 +14352,7 @@
           <a:graphicData uri="http://schemas.openxmlformats.org/presentationml/2006/ole">
             <mc:AlternateContent xmlns:mc="http://schemas.openxmlformats.org/markup-compatibility/2006">
               <mc:Choice xmlns:v="urn:schemas-microsoft-com:vml" Requires="v">
-                <p:oleObj spid="_x0000_s3098" name="Visio" r:id="rId4" imgW="7229520" imgH="3247958" progId="Visio.Drawing.15">
+                <p:oleObj spid="_x0000_s3105" name="Visio" r:id="rId4" imgW="7229520" imgH="3247958" progId="Visio.Drawing.15">
                   <p:embed/>
                 </p:oleObj>
               </mc:Choice>
@@ -14408,7 +14929,7 @@
           <a:graphicData uri="http://schemas.openxmlformats.org/presentationml/2006/ole">
             <mc:AlternateContent xmlns:mc="http://schemas.openxmlformats.org/markup-compatibility/2006">
               <mc:Choice xmlns:v="urn:schemas-microsoft-com:vml" Requires="v">
-                <p:oleObj spid="_x0000_s9240" name="Visio" r:id="rId4" imgW="10715692" imgH="4057689" progId="Visio.Drawing.15">
+                <p:oleObj spid="_x0000_s9247" name="Visio" r:id="rId4" imgW="10715692" imgH="4057689" progId="Visio.Drawing.15">
                   <p:embed/>
                 </p:oleObj>
               </mc:Choice>
@@ -14823,6 +15344,266 @@
         <p:spPr>
           <a:xfrm>
             <a:off x="1841501" y="14715"/>
+            <a:ext cx="10320133" cy="1200329"/>
+          </a:xfrm>
+          <a:prstGeom prst="rect">
+            <a:avLst/>
+          </a:prstGeom>
+          <a:noFill/>
+        </p:spPr>
+        <p:txBody>
+          <a:bodyPr wrap="none" rtlCol="0">
+            <a:spAutoFit/>
+          </a:bodyPr>
+          <a:lstStyle/>
+          <a:p>
+            <a:r>
+              <a:rPr lang="ro-RO" sz="3600" b="1" dirty="0" smtClean="0">
+                <a:solidFill>
+                  <a:schemeClr val="bg1"/>
+                </a:solidFill>
+                <a:latin typeface="Times New Roman" panose="02020603050405020304" pitchFamily="18" charset="0"/>
+                <a:cs typeface="Times New Roman" panose="02020603050405020304" pitchFamily="18" charset="0"/>
+              </a:rPr>
+              <a:t>Automation of locally integrated control equipment</a:t>
+            </a:r>
+          </a:p>
+          <a:p>
+            <a:r>
+              <a:rPr lang="ro-RO" sz="3600" b="1" dirty="0" smtClean="0">
+                <a:solidFill>
+                  <a:schemeClr val="bg1"/>
+                </a:solidFill>
+                <a:latin typeface="Times New Roman" panose="02020603050405020304" pitchFamily="18" charset="0"/>
+                <a:cs typeface="Times New Roman" panose="02020603050405020304" pitchFamily="18" charset="0"/>
+              </a:rPr>
+              <a:t> - A.L.I.C.E. -</a:t>
+            </a:r>
+            <a:endParaRPr lang="ro-RO" sz="3600" b="1" dirty="0" smtClean="0">
+              <a:solidFill>
+                <a:schemeClr val="bg1"/>
+              </a:solidFill>
+              <a:latin typeface="Times New Roman" panose="02020603050405020304" pitchFamily="18" charset="0"/>
+              <a:cs typeface="Times New Roman" panose="02020603050405020304" pitchFamily="18" charset="0"/>
+            </a:endParaRPr>
+          </a:p>
+        </p:txBody>
+      </p:sp>
+      <p:sp>
+        <p:nvSpPr>
+          <p:cNvPr id="8" name="TextBox 7"/>
+          <p:cNvSpPr txBox="1"/>
+          <p:nvPr/>
+        </p:nvSpPr>
+        <p:spPr>
+          <a:xfrm>
+            <a:off x="1841501" y="2333274"/>
+            <a:ext cx="6528326" cy="2862322"/>
+          </a:xfrm>
+          <a:prstGeom prst="rect">
+            <a:avLst/>
+          </a:prstGeom>
+          <a:noFill/>
+        </p:spPr>
+        <p:txBody>
+          <a:bodyPr wrap="none" rtlCol="0">
+            <a:spAutoFit/>
+          </a:bodyPr>
+          <a:lstStyle/>
+          <a:p>
+            <a:pPr>
+              <a:lnSpc>
+                <a:spcPct val="150000"/>
+              </a:lnSpc>
+            </a:pPr>
+            <a:r>
+              <a:rPr lang="ro-RO" sz="2000" b="1" dirty="0" smtClean="0">
+                <a:solidFill>
+                  <a:schemeClr val="bg1"/>
+                </a:solidFill>
+                <a:latin typeface="Times New Roman" panose="02020603050405020304" pitchFamily="18" charset="0"/>
+                <a:cs typeface="Times New Roman" panose="02020603050405020304" pitchFamily="18" charset="0"/>
+              </a:rPr>
+              <a:t>Crearea unei soluții de casă inteligentă</a:t>
+            </a:r>
+          </a:p>
+          <a:p>
+            <a:pPr marL="1371600" lvl="2" indent="-457200">
+              <a:lnSpc>
+                <a:spcPct val="150000"/>
+              </a:lnSpc>
+              <a:buFont typeface="Arial" panose="020B0604020202020204" pitchFamily="34" charset="0"/>
+              <a:buChar char="•"/>
+            </a:pPr>
+            <a:r>
+              <a:rPr lang="ro-RO" sz="2000" b="1" dirty="0" smtClean="0">
+                <a:solidFill>
+                  <a:schemeClr val="bg1"/>
+                </a:solidFill>
+                <a:latin typeface="Times New Roman" panose="02020603050405020304" pitchFamily="18" charset="0"/>
+                <a:cs typeface="Times New Roman" panose="02020603050405020304" pitchFamily="18" charset="0"/>
+              </a:rPr>
+              <a:t>Offline</a:t>
+            </a:r>
+          </a:p>
+          <a:p>
+            <a:pPr marL="1371600" lvl="2" indent="-457200">
+              <a:lnSpc>
+                <a:spcPct val="150000"/>
+              </a:lnSpc>
+              <a:buFont typeface="Arial" panose="020B0604020202020204" pitchFamily="34" charset="0"/>
+              <a:buChar char="•"/>
+            </a:pPr>
+            <a:r>
+              <a:rPr lang="ro-RO" sz="2000" b="1" dirty="0" smtClean="0">
+                <a:solidFill>
+                  <a:schemeClr val="bg1"/>
+                </a:solidFill>
+                <a:latin typeface="Times New Roman" panose="02020603050405020304" pitchFamily="18" charset="0"/>
+                <a:cs typeface="Times New Roman" panose="02020603050405020304" pitchFamily="18" charset="0"/>
+              </a:rPr>
+              <a:t>Folosind echipamente simple și accesibile</a:t>
+            </a:r>
+          </a:p>
+          <a:p>
+            <a:pPr marL="1371600" lvl="2" indent="-457200">
+              <a:lnSpc>
+                <a:spcPct val="150000"/>
+              </a:lnSpc>
+              <a:buFont typeface="Arial" panose="020B0604020202020204" pitchFamily="34" charset="0"/>
+              <a:buChar char="•"/>
+            </a:pPr>
+            <a:r>
+              <a:rPr lang="ro-RO" sz="2000" b="1" dirty="0" smtClean="0">
+                <a:solidFill>
+                  <a:schemeClr val="bg1"/>
+                </a:solidFill>
+                <a:latin typeface="Times New Roman" panose="02020603050405020304" pitchFamily="18" charset="0"/>
+                <a:cs typeface="Times New Roman" panose="02020603050405020304" pitchFamily="18" charset="0"/>
+              </a:rPr>
+              <a:t>Interacționând prin limbaj natural</a:t>
+            </a:r>
+          </a:p>
+          <a:p>
+            <a:pPr marL="1371600" lvl="2" indent="-457200">
+              <a:lnSpc>
+                <a:spcPct val="150000"/>
+              </a:lnSpc>
+              <a:buFont typeface="Arial" panose="020B0604020202020204" pitchFamily="34" charset="0"/>
+              <a:buChar char="•"/>
+            </a:pPr>
+            <a:r>
+              <a:rPr lang="ro-RO" sz="2000" b="1" dirty="0" smtClean="0">
+                <a:solidFill>
+                  <a:schemeClr val="bg1"/>
+                </a:solidFill>
+                <a:latin typeface="Times New Roman" panose="02020603050405020304" pitchFamily="18" charset="0"/>
+                <a:cs typeface="Times New Roman" panose="02020603050405020304" pitchFamily="18" charset="0"/>
+              </a:rPr>
+              <a:t>Utilizând o rețea neuronală pentru clasificare</a:t>
+            </a:r>
+          </a:p>
+          <a:p>
+            <a:pPr marL="1371600" lvl="2" indent="-457200">
+              <a:lnSpc>
+                <a:spcPct val="150000"/>
+              </a:lnSpc>
+              <a:buFont typeface="Arial" panose="020B0604020202020204" pitchFamily="34" charset="0"/>
+              <a:buChar char="•"/>
+            </a:pPr>
+            <a:r>
+              <a:rPr lang="ro-RO" sz="2000" b="1" dirty="0" smtClean="0">
+                <a:solidFill>
+                  <a:schemeClr val="bg1"/>
+                </a:solidFill>
+                <a:latin typeface="Times New Roman" panose="02020603050405020304" pitchFamily="18" charset="0"/>
+                <a:cs typeface="Times New Roman" panose="02020603050405020304" pitchFamily="18" charset="0"/>
+              </a:rPr>
+              <a:t>Interconectat prin protocolul Z-Wave</a:t>
+            </a:r>
+            <a:endParaRPr lang="en-US" sz="2000" b="1" dirty="0">
+              <a:solidFill>
+                <a:schemeClr val="bg1"/>
+              </a:solidFill>
+              <a:latin typeface="Times New Roman" panose="02020603050405020304" pitchFamily="18" charset="0"/>
+              <a:cs typeface="Times New Roman" panose="02020603050405020304" pitchFamily="18" charset="0"/>
+            </a:endParaRPr>
+          </a:p>
+        </p:txBody>
+      </p:sp>
+      <p:sp>
+        <p:nvSpPr>
+          <p:cNvPr id="9" name="TextBox 8"/>
+          <p:cNvSpPr txBox="1"/>
+          <p:nvPr/>
+        </p:nvSpPr>
+        <p:spPr>
+          <a:xfrm>
+            <a:off x="1841501" y="5540199"/>
+            <a:ext cx="7734300" cy="1015663"/>
+          </a:xfrm>
+          <a:prstGeom prst="rect">
+            <a:avLst/>
+          </a:prstGeom>
+          <a:noFill/>
+        </p:spPr>
+        <p:txBody>
+          <a:bodyPr wrap="square" rtlCol="0">
+            <a:spAutoFit/>
+          </a:bodyPr>
+          <a:lstStyle/>
+          <a:p>
+            <a:pPr>
+              <a:lnSpc>
+                <a:spcPct val="150000"/>
+              </a:lnSpc>
+            </a:pPr>
+            <a:r>
+              <a:rPr lang="ro-RO" sz="2000" b="1" dirty="0" smtClean="0">
+                <a:solidFill>
+                  <a:schemeClr val="bg1"/>
+                </a:solidFill>
+                <a:latin typeface="Times New Roman" panose="02020603050405020304" pitchFamily="18" charset="0"/>
+                <a:cs typeface="Times New Roman" panose="02020603050405020304" pitchFamily="18" charset="0"/>
+              </a:rPr>
+              <a:t>Curiozitatea îmbinării domeniilor Internetul Lucrurilor (IoT) </a:t>
+            </a:r>
+          </a:p>
+          <a:p>
+            <a:pPr>
+              <a:lnSpc>
+                <a:spcPct val="150000"/>
+              </a:lnSpc>
+            </a:pPr>
+            <a:r>
+              <a:rPr lang="ro-RO" sz="2000" b="1" dirty="0" smtClean="0">
+                <a:solidFill>
+                  <a:schemeClr val="bg1"/>
+                </a:solidFill>
+                <a:latin typeface="Times New Roman" panose="02020603050405020304" pitchFamily="18" charset="0"/>
+                <a:cs typeface="Times New Roman" panose="02020603050405020304" pitchFamily="18" charset="0"/>
+              </a:rPr>
+              <a:t>cu Inteligență Artificială (A.I.)</a:t>
+            </a:r>
+            <a:endParaRPr lang="en-US" sz="2000" b="1" dirty="0">
+              <a:solidFill>
+                <a:schemeClr val="bg1"/>
+              </a:solidFill>
+              <a:latin typeface="Times New Roman" panose="02020603050405020304" pitchFamily="18" charset="0"/>
+              <a:cs typeface="Times New Roman" panose="02020603050405020304" pitchFamily="18" charset="0"/>
+            </a:endParaRPr>
+          </a:p>
+        </p:txBody>
+      </p:sp>
+      <p:sp>
+        <p:nvSpPr>
+          <p:cNvPr id="10" name="TextBox 9"/>
+          <p:cNvSpPr txBox="1"/>
+          <p:nvPr/>
+        </p:nvSpPr>
+        <p:spPr>
+          <a:xfrm>
+            <a:off x="1841501" y="1665505"/>
             <a:ext cx="2108269" cy="646331"/>
           </a:xfrm>
           <a:prstGeom prst="rect">
@@ -14846,219 +15627,6 @@
               </a:rPr>
               <a:t>Motivația</a:t>
             </a:r>
-            <a:endParaRPr lang="en-US" sz="3600" b="1" dirty="0">
-              <a:solidFill>
-                <a:schemeClr val="bg1"/>
-              </a:solidFill>
-              <a:latin typeface="Times New Roman" panose="02020603050405020304" pitchFamily="18" charset="0"/>
-              <a:cs typeface="Times New Roman" panose="02020603050405020304" pitchFamily="18" charset="0"/>
-            </a:endParaRPr>
-          </a:p>
-        </p:txBody>
-      </p:sp>
-      <p:sp>
-        <p:nvSpPr>
-          <p:cNvPr id="8" name="TextBox 7"/>
-          <p:cNvSpPr txBox="1"/>
-          <p:nvPr/>
-        </p:nvSpPr>
-        <p:spPr>
-          <a:xfrm>
-            <a:off x="1841501" y="1184093"/>
-            <a:ext cx="6528326" cy="2862322"/>
-          </a:xfrm>
-          <a:prstGeom prst="rect">
-            <a:avLst/>
-          </a:prstGeom>
-          <a:noFill/>
-        </p:spPr>
-        <p:txBody>
-          <a:bodyPr wrap="none" rtlCol="0">
-            <a:spAutoFit/>
-          </a:bodyPr>
-          <a:lstStyle/>
-          <a:p>
-            <a:pPr>
-              <a:lnSpc>
-                <a:spcPct val="150000"/>
-              </a:lnSpc>
-            </a:pPr>
-            <a:r>
-              <a:rPr lang="ro-RO" sz="2000" b="1" dirty="0" smtClean="0">
-                <a:solidFill>
-                  <a:schemeClr val="bg1"/>
-                </a:solidFill>
-                <a:latin typeface="Times New Roman" panose="02020603050405020304" pitchFamily="18" charset="0"/>
-                <a:cs typeface="Times New Roman" panose="02020603050405020304" pitchFamily="18" charset="0"/>
-              </a:rPr>
-              <a:t>Crearea unei soluții de casă inteligentă</a:t>
-            </a:r>
-          </a:p>
-          <a:p>
-            <a:pPr marL="1371600" lvl="2" indent="-457200">
-              <a:lnSpc>
-                <a:spcPct val="150000"/>
-              </a:lnSpc>
-              <a:buFont typeface="Arial" panose="020B0604020202020204" pitchFamily="34" charset="0"/>
-              <a:buChar char="•"/>
-            </a:pPr>
-            <a:r>
-              <a:rPr lang="ro-RO" sz="2000" b="1" dirty="0" smtClean="0">
-                <a:solidFill>
-                  <a:schemeClr val="bg1"/>
-                </a:solidFill>
-                <a:latin typeface="Times New Roman" panose="02020603050405020304" pitchFamily="18" charset="0"/>
-                <a:cs typeface="Times New Roman" panose="02020603050405020304" pitchFamily="18" charset="0"/>
-              </a:rPr>
-              <a:t>Offline</a:t>
-            </a:r>
-          </a:p>
-          <a:p>
-            <a:pPr marL="1371600" lvl="2" indent="-457200">
-              <a:lnSpc>
-                <a:spcPct val="150000"/>
-              </a:lnSpc>
-              <a:buFont typeface="Arial" panose="020B0604020202020204" pitchFamily="34" charset="0"/>
-              <a:buChar char="•"/>
-            </a:pPr>
-            <a:r>
-              <a:rPr lang="ro-RO" sz="2000" b="1" dirty="0" smtClean="0">
-                <a:solidFill>
-                  <a:schemeClr val="bg1"/>
-                </a:solidFill>
-                <a:latin typeface="Times New Roman" panose="02020603050405020304" pitchFamily="18" charset="0"/>
-                <a:cs typeface="Times New Roman" panose="02020603050405020304" pitchFamily="18" charset="0"/>
-              </a:rPr>
-              <a:t>Folosind echipamente simple și accesibile</a:t>
-            </a:r>
-          </a:p>
-          <a:p>
-            <a:pPr marL="1371600" lvl="2" indent="-457200">
-              <a:lnSpc>
-                <a:spcPct val="150000"/>
-              </a:lnSpc>
-              <a:buFont typeface="Arial" panose="020B0604020202020204" pitchFamily="34" charset="0"/>
-              <a:buChar char="•"/>
-            </a:pPr>
-            <a:r>
-              <a:rPr lang="ro-RO" sz="2000" b="1" dirty="0" smtClean="0">
-                <a:solidFill>
-                  <a:schemeClr val="bg1"/>
-                </a:solidFill>
-                <a:latin typeface="Times New Roman" panose="02020603050405020304" pitchFamily="18" charset="0"/>
-                <a:cs typeface="Times New Roman" panose="02020603050405020304" pitchFamily="18" charset="0"/>
-              </a:rPr>
-              <a:t>Interacționând prin limbaj natural</a:t>
-            </a:r>
-          </a:p>
-          <a:p>
-            <a:pPr marL="1371600" lvl="2" indent="-457200">
-              <a:lnSpc>
-                <a:spcPct val="150000"/>
-              </a:lnSpc>
-              <a:buFont typeface="Arial" panose="020B0604020202020204" pitchFamily="34" charset="0"/>
-              <a:buChar char="•"/>
-            </a:pPr>
-            <a:r>
-              <a:rPr lang="ro-RO" sz="2000" b="1" dirty="0" smtClean="0">
-                <a:solidFill>
-                  <a:schemeClr val="bg1"/>
-                </a:solidFill>
-                <a:latin typeface="Times New Roman" panose="02020603050405020304" pitchFamily="18" charset="0"/>
-                <a:cs typeface="Times New Roman" panose="02020603050405020304" pitchFamily="18" charset="0"/>
-              </a:rPr>
-              <a:t>Utilizând o rețea neuronală pentru clasificare</a:t>
-            </a:r>
-          </a:p>
-          <a:p>
-            <a:pPr marL="1371600" lvl="2" indent="-457200">
-              <a:lnSpc>
-                <a:spcPct val="150000"/>
-              </a:lnSpc>
-              <a:buFont typeface="Arial" panose="020B0604020202020204" pitchFamily="34" charset="0"/>
-              <a:buChar char="•"/>
-            </a:pPr>
-            <a:r>
-              <a:rPr lang="ro-RO" sz="2000" b="1" dirty="0" smtClean="0">
-                <a:solidFill>
-                  <a:schemeClr val="bg1"/>
-                </a:solidFill>
-                <a:latin typeface="Times New Roman" panose="02020603050405020304" pitchFamily="18" charset="0"/>
-                <a:cs typeface="Times New Roman" panose="02020603050405020304" pitchFamily="18" charset="0"/>
-              </a:rPr>
-              <a:t>Interconectat prin protocolul Z-Wave</a:t>
-            </a:r>
-            <a:endParaRPr lang="en-US" sz="2000" b="1" dirty="0">
-              <a:solidFill>
-                <a:schemeClr val="bg1"/>
-              </a:solidFill>
-              <a:latin typeface="Times New Roman" panose="02020603050405020304" pitchFamily="18" charset="0"/>
-              <a:cs typeface="Times New Roman" panose="02020603050405020304" pitchFamily="18" charset="0"/>
-            </a:endParaRPr>
-          </a:p>
-        </p:txBody>
-      </p:sp>
-      <p:sp>
-        <p:nvSpPr>
-          <p:cNvPr id="9" name="TextBox 8"/>
-          <p:cNvSpPr txBox="1"/>
-          <p:nvPr/>
-        </p:nvSpPr>
-        <p:spPr>
-          <a:xfrm>
-            <a:off x="1841501" y="4391018"/>
-            <a:ext cx="7734300" cy="1015663"/>
-          </a:xfrm>
-          <a:prstGeom prst="rect">
-            <a:avLst/>
-          </a:prstGeom>
-          <a:noFill/>
-        </p:spPr>
-        <p:txBody>
-          <a:bodyPr wrap="square" rtlCol="0">
-            <a:spAutoFit/>
-          </a:bodyPr>
-          <a:lstStyle/>
-          <a:p>
-            <a:pPr>
-              <a:lnSpc>
-                <a:spcPct val="150000"/>
-              </a:lnSpc>
-            </a:pPr>
-            <a:r>
-              <a:rPr lang="ro-RO" sz="2000" b="1" dirty="0" smtClean="0">
-                <a:solidFill>
-                  <a:schemeClr val="bg1"/>
-                </a:solidFill>
-                <a:latin typeface="Times New Roman" panose="02020603050405020304" pitchFamily="18" charset="0"/>
-                <a:cs typeface="Times New Roman" panose="02020603050405020304" pitchFamily="18" charset="0"/>
-              </a:rPr>
-              <a:t>Curiozitatea îmbinării domeniilor Internetul Lucrurilor (IoT) </a:t>
-            </a:r>
-          </a:p>
-          <a:p>
-            <a:pPr>
-              <a:lnSpc>
-                <a:spcPct val="150000"/>
-              </a:lnSpc>
-            </a:pPr>
-            <a:r>
-              <a:rPr lang="ro-RO" sz="2000" b="1" dirty="0" smtClean="0">
-                <a:solidFill>
-                  <a:schemeClr val="bg1"/>
-                </a:solidFill>
-                <a:latin typeface="Times New Roman" panose="02020603050405020304" pitchFamily="18" charset="0"/>
-                <a:cs typeface="Times New Roman" panose="02020603050405020304" pitchFamily="18" charset="0"/>
-              </a:rPr>
-              <a:t>cu Inteligență Artificială (A.I.)</a:t>
-            </a:r>
-            <a:endParaRPr lang="en-US" sz="2000" b="1" dirty="0">
-              <a:solidFill>
-                <a:schemeClr val="bg1"/>
-              </a:solidFill>
-              <a:latin typeface="Times New Roman" panose="02020603050405020304" pitchFamily="18" charset="0"/>
-              <a:cs typeface="Times New Roman" panose="02020603050405020304" pitchFamily="18" charset="0"/>
-            </a:endParaRPr>
           </a:p>
         </p:txBody>
       </p:sp>
@@ -15158,7 +15726,7 @@
           <p:nvPr/>
         </p:nvPicPr>
         <p:blipFill>
-          <a:blip r:embed="rId2" cstate="print">
+          <a:blip r:embed="rId3" cstate="print">
             <a:extLst>
               <a:ext uri="{28A0092B-C50C-407E-A947-70E740481C1C}">
                 <a14:useLocalDpi xmlns:a14="http://schemas.microsoft.com/office/drawing/2010/main" val="0"/>
@@ -15199,7 +15767,7 @@
           <p:nvPr/>
         </p:nvPicPr>
         <p:blipFill>
-          <a:blip r:embed="rId3"/>
+          <a:blip r:embed="rId4"/>
           <a:stretch>
             <a:fillRect/>
           </a:stretch>
@@ -16332,7 +16900,7 @@
           <p:nvPr/>
         </p:nvPicPr>
         <p:blipFill>
-          <a:blip r:embed="rId2"/>
+          <a:blip r:embed="rId3"/>
           <a:stretch>
             <a:fillRect/>
           </a:stretch>
@@ -16356,7 +16924,7 @@
           <p:nvPr/>
         </p:nvPicPr>
         <p:blipFill>
-          <a:blip r:embed="rId3"/>
+          <a:blip r:embed="rId4"/>
           <a:stretch>
             <a:fillRect/>
           </a:stretch>
@@ -16379,8 +16947,8 @@
         </p:nvSpPr>
         <p:spPr>
           <a:xfrm>
-            <a:off x="1833337" y="898342"/>
-            <a:ext cx="9945031" cy="4247317"/>
+            <a:off x="1746839" y="737701"/>
+            <a:ext cx="10152715" cy="5632311"/>
           </a:xfrm>
           <a:prstGeom prst="rect">
             <a:avLst/>
@@ -16463,18 +17031,43 @@
                 <a:latin typeface="Times New Roman" panose="02020603050405020304" pitchFamily="18" charset="0"/>
                 <a:cs typeface="Times New Roman" panose="02020603050405020304" pitchFamily="18" charset="0"/>
               </a:rPr>
-              <a:t>Interoperabilitate garantată prin clase de comenzi standardizate</a:t>
-            </a:r>
-          </a:p>
-          <a:p>
-            <a:pPr marL="914400" lvl="1" indent="-457200">
-              <a:lnSpc>
-                <a:spcPct val="150000"/>
-              </a:lnSpc>
-              <a:buFont typeface="+mj-lt"/>
-              <a:buAutoNum type="arabicPeriod"/>
+              <a:t>Interoperabilitate garantată prin clase de comenzi </a:t>
+            </a:r>
+            <a:r>
+              <a:rPr lang="ro-RO" sz="2000" b="1" dirty="0" smtClean="0">
+                <a:solidFill>
+                  <a:schemeClr val="bg1"/>
+                </a:solidFill>
+                <a:latin typeface="Times New Roman" panose="02020603050405020304" pitchFamily="18" charset="0"/>
+                <a:cs typeface="Times New Roman" panose="02020603050405020304" pitchFamily="18" charset="0"/>
+              </a:rPr>
+              <a:t>standardizate</a:t>
+            </a:r>
+            <a:endParaRPr lang="ro-RO" sz="2000" b="1" dirty="0" smtClean="0">
+              <a:solidFill>
+                <a:schemeClr val="bg1"/>
+              </a:solidFill>
+              <a:latin typeface="Times New Roman" panose="02020603050405020304" pitchFamily="18" charset="0"/>
+              <a:cs typeface="Times New Roman" panose="02020603050405020304" pitchFamily="18" charset="0"/>
+            </a:endParaRPr>
+          </a:p>
+          <a:p>
+            <a:pPr lvl="2">
+              <a:spcBef>
+                <a:spcPts val="1200"/>
+              </a:spcBef>
             </a:pPr>
             <a:r>
+              <a:rPr lang="en-US" sz="2000" b="1" dirty="0" smtClean="0">
+                <a:solidFill>
+                  <a:schemeClr val="bg1"/>
+                </a:solidFill>
+                <a:latin typeface="Times New Roman" panose="02020603050405020304" pitchFamily="18" charset="0"/>
+                <a:cs typeface="Times New Roman" panose="02020603050405020304" pitchFamily="18" charset="0"/>
+              </a:rPr>
+              <a:t>1. </a:t>
+            </a:r>
+            <a:r>
               <a:rPr lang="ro-RO" sz="2000" b="1" dirty="0" smtClean="0">
                 <a:solidFill>
                   <a:schemeClr val="bg1"/>
@@ -16482,7 +17075,17 @@
                 <a:latin typeface="Times New Roman" panose="02020603050405020304" pitchFamily="18" charset="0"/>
                 <a:cs typeface="Times New Roman" panose="02020603050405020304" pitchFamily="18" charset="0"/>
               </a:rPr>
-              <a:t>Comenzi de bază</a:t>
+              <a:t>Comenzi </a:t>
+            </a:r>
+            <a:r>
+              <a:rPr lang="ro-RO" sz="2000" b="1" dirty="0" smtClean="0">
+                <a:solidFill>
+                  <a:schemeClr val="bg1"/>
+                </a:solidFill>
+                <a:latin typeface="Times New Roman" panose="02020603050405020304" pitchFamily="18" charset="0"/>
+                <a:cs typeface="Times New Roman" panose="02020603050405020304" pitchFamily="18" charset="0"/>
+              </a:rPr>
+              <a:t>de bază</a:t>
             </a:r>
             <a:r>
               <a:rPr lang="en-US" sz="2000" b="1" dirty="0" smtClean="0">
@@ -16592,18 +17195,174 @@
                 <a:latin typeface="Times New Roman" panose="02020603050405020304" pitchFamily="18" charset="0"/>
                 <a:cs typeface="Times New Roman" panose="02020603050405020304" pitchFamily="18" charset="0"/>
               </a:rPr>
-              <a:t>ător sau tip</a:t>
-            </a:r>
-          </a:p>
-          <a:p>
-            <a:pPr marL="914400" lvl="1" indent="-457200">
-              <a:lnSpc>
-                <a:spcPct val="150000"/>
-              </a:lnSpc>
-              <a:buFont typeface="+mj-lt"/>
-              <a:buAutoNum type="arabicPeriod"/>
+              <a:t>ător sau </a:t>
+            </a:r>
+            <a:r>
+              <a:rPr lang="ro-RO" sz="2000" dirty="0" smtClean="0">
+                <a:solidFill>
+                  <a:schemeClr val="bg1"/>
+                </a:solidFill>
+                <a:latin typeface="Times New Roman" panose="02020603050405020304" pitchFamily="18" charset="0"/>
+                <a:cs typeface="Times New Roman" panose="02020603050405020304" pitchFamily="18" charset="0"/>
+              </a:rPr>
+              <a:t>tip</a:t>
+            </a:r>
+            <a:r>
+              <a:rPr lang="en-US" sz="2000" dirty="0" smtClean="0">
+                <a:solidFill>
+                  <a:schemeClr val="bg1"/>
+                </a:solidFill>
+                <a:latin typeface="Times New Roman" panose="02020603050405020304" pitchFamily="18" charset="0"/>
+                <a:cs typeface="Times New Roman" panose="02020603050405020304" pitchFamily="18" charset="0"/>
+              </a:rPr>
+              <a:t> </a:t>
+            </a:r>
+          </a:p>
+          <a:p>
+            <a:pPr lvl="2">
+              <a:spcBef>
+                <a:spcPts val="1200"/>
+              </a:spcBef>
             </a:pPr>
             <a:r>
+              <a:rPr lang="en-US" sz="2000" dirty="0">
+                <a:solidFill>
+                  <a:schemeClr val="bg1"/>
+                </a:solidFill>
+                <a:latin typeface="Times New Roman" panose="02020603050405020304" pitchFamily="18" charset="0"/>
+                <a:cs typeface="Times New Roman" panose="02020603050405020304" pitchFamily="18" charset="0"/>
+              </a:rPr>
+              <a:t> </a:t>
+            </a:r>
+            <a:r>
+              <a:rPr lang="en-US" sz="2000" dirty="0" smtClean="0">
+                <a:solidFill>
+                  <a:schemeClr val="bg1"/>
+                </a:solidFill>
+                <a:latin typeface="Times New Roman" panose="02020603050405020304" pitchFamily="18" charset="0"/>
+                <a:cs typeface="Times New Roman" panose="02020603050405020304" pitchFamily="18" charset="0"/>
+              </a:rPr>
+              <a:t>       (ex. </a:t>
+            </a:r>
+            <a:r>
+              <a:rPr lang="ro-RO" sz="2000" dirty="0" smtClean="0">
+                <a:solidFill>
+                  <a:schemeClr val="bg1"/>
+                </a:solidFill>
+                <a:latin typeface="Times New Roman" panose="02020603050405020304" pitchFamily="18" charset="0"/>
+                <a:cs typeface="Times New Roman" panose="02020603050405020304" pitchFamily="18" charset="0"/>
+              </a:rPr>
+              <a:t>Interogare stare</a:t>
+            </a:r>
+            <a:r>
+              <a:rPr lang="en-US" sz="2000" dirty="0" smtClean="0">
+                <a:solidFill>
+                  <a:schemeClr val="bg1"/>
+                </a:solidFill>
+                <a:latin typeface="Times New Roman" panose="02020603050405020304" pitchFamily="18" charset="0"/>
+                <a:cs typeface="Times New Roman" panose="02020603050405020304" pitchFamily="18" charset="0"/>
+              </a:rPr>
+              <a:t>, </a:t>
+            </a:r>
+            <a:r>
+              <a:rPr lang="ro-RO" sz="2000" dirty="0" smtClean="0">
+                <a:solidFill>
+                  <a:schemeClr val="bg1"/>
+                </a:solidFill>
+                <a:latin typeface="Times New Roman" panose="02020603050405020304" pitchFamily="18" charset="0"/>
+                <a:cs typeface="Times New Roman" panose="02020603050405020304" pitchFamily="18" charset="0"/>
+              </a:rPr>
+              <a:t>s</a:t>
+            </a:r>
+            <a:r>
+              <a:rPr lang="en-US" sz="2000" dirty="0" smtClean="0">
+                <a:solidFill>
+                  <a:schemeClr val="bg1"/>
+                </a:solidFill>
+                <a:latin typeface="Times New Roman" panose="02020603050405020304" pitchFamily="18" charset="0"/>
+                <a:cs typeface="Times New Roman" panose="02020603050405020304" pitchFamily="18" charset="0"/>
+              </a:rPr>
+              <a:t>et</a:t>
+            </a:r>
+            <a:r>
+              <a:rPr lang="ro-RO" sz="2000" dirty="0" smtClean="0">
+                <a:solidFill>
+                  <a:schemeClr val="bg1"/>
+                </a:solidFill>
+                <a:latin typeface="Times New Roman" panose="02020603050405020304" pitchFamily="18" charset="0"/>
+                <a:cs typeface="Times New Roman" panose="02020603050405020304" pitchFamily="18" charset="0"/>
+              </a:rPr>
+              <a:t>ări de criptare, setări de identificare</a:t>
+            </a:r>
+            <a:r>
+              <a:rPr lang="en-US" sz="2000" dirty="0" smtClean="0">
+                <a:solidFill>
+                  <a:schemeClr val="bg1"/>
+                </a:solidFill>
+                <a:latin typeface="Times New Roman" panose="02020603050405020304" pitchFamily="18" charset="0"/>
+                <a:cs typeface="Times New Roman" panose="02020603050405020304" pitchFamily="18" charset="0"/>
+              </a:rPr>
+              <a:t>)</a:t>
+            </a:r>
+            <a:r>
+              <a:rPr lang="en-US" sz="2000" dirty="0" smtClean="0">
+                <a:solidFill>
+                  <a:schemeClr val="bg1"/>
+                </a:solidFill>
+                <a:latin typeface="Times New Roman" panose="02020603050405020304" pitchFamily="18" charset="0"/>
+                <a:cs typeface="Times New Roman" panose="02020603050405020304" pitchFamily="18" charset="0"/>
+              </a:rPr>
+              <a:t>    </a:t>
+            </a:r>
+            <a:endParaRPr lang="ro-RO" sz="2000" dirty="0" smtClean="0">
+              <a:solidFill>
+                <a:schemeClr val="bg1"/>
+              </a:solidFill>
+              <a:latin typeface="Times New Roman" panose="02020603050405020304" pitchFamily="18" charset="0"/>
+              <a:cs typeface="Times New Roman" panose="02020603050405020304" pitchFamily="18" charset="0"/>
+            </a:endParaRPr>
+          </a:p>
+          <a:p>
+            <a:pPr lvl="2">
+              <a:spcBef>
+                <a:spcPts val="1200"/>
+              </a:spcBef>
+            </a:pPr>
+            <a:r>
+              <a:rPr lang="en-US" sz="2000" dirty="0" smtClean="0">
+                <a:solidFill>
+                  <a:schemeClr val="bg1"/>
+                </a:solidFill>
+                <a:latin typeface="Times New Roman" panose="02020603050405020304" pitchFamily="18" charset="0"/>
+                <a:cs typeface="Times New Roman" panose="02020603050405020304" pitchFamily="18" charset="0"/>
+              </a:rPr>
+              <a:t>    </a:t>
+            </a:r>
+            <a:endParaRPr lang="en-US" sz="2000" b="1" dirty="0" smtClean="0">
+              <a:solidFill>
+                <a:schemeClr val="bg1"/>
+              </a:solidFill>
+              <a:latin typeface="Times New Roman" panose="02020603050405020304" pitchFamily="18" charset="0"/>
+              <a:cs typeface="Times New Roman" panose="02020603050405020304" pitchFamily="18" charset="0"/>
+            </a:endParaRPr>
+          </a:p>
+          <a:p>
+            <a:pPr lvl="2">
+              <a:spcBef>
+                <a:spcPts val="1200"/>
+              </a:spcBef>
+            </a:pPr>
+            <a:r>
+              <a:rPr lang="en-US" sz="2000" b="1" dirty="0" smtClean="0">
+                <a:solidFill>
+                  <a:schemeClr val="bg1"/>
+                </a:solidFill>
+                <a:latin typeface="Times New Roman" panose="02020603050405020304" pitchFamily="18" charset="0"/>
+                <a:cs typeface="Times New Roman" panose="02020603050405020304" pitchFamily="18" charset="0"/>
+              </a:rPr>
+              <a:t>2. </a:t>
+            </a:r>
+            <a:r>
               <a:rPr lang="ro-RO" sz="2000" b="1" dirty="0" smtClean="0">
                 <a:solidFill>
                   <a:schemeClr val="bg1"/>
@@ -16651,18 +17410,107 @@
                 <a:latin typeface="Times New Roman" panose="02020603050405020304" pitchFamily="18" charset="0"/>
                 <a:cs typeface="Times New Roman" panose="02020603050405020304" pitchFamily="18" charset="0"/>
               </a:rPr>
-              <a:t>definesc funcționalitățile nodului și tipul echipamentului (ex. De iluminat, de termoficare, de securitate, utilitară, de confort)</a:t>
-            </a:r>
-          </a:p>
-          <a:p>
-            <a:pPr marL="914400" lvl="1" indent="-457200">
-              <a:lnSpc>
-                <a:spcPct val="150000"/>
-              </a:lnSpc>
-              <a:buFont typeface="+mj-lt"/>
-              <a:buAutoNum type="arabicPeriod"/>
+              <a:t>definesc funcționalitățile nodului și tipul echipamentului </a:t>
+            </a:r>
+            <a:r>
+              <a:rPr lang="en-US" sz="2000" dirty="0" smtClean="0">
+                <a:solidFill>
+                  <a:schemeClr val="bg1"/>
+                </a:solidFill>
+                <a:latin typeface="Times New Roman" panose="02020603050405020304" pitchFamily="18" charset="0"/>
+                <a:cs typeface="Times New Roman" panose="02020603050405020304" pitchFamily="18" charset="0"/>
+              </a:rPr>
+              <a:t>       </a:t>
+            </a:r>
+          </a:p>
+          <a:p>
+            <a:pPr lvl="2">
+              <a:spcBef>
+                <a:spcPts val="1200"/>
+              </a:spcBef>
             </a:pPr>
             <a:r>
+              <a:rPr lang="en-US" sz="2000" dirty="0">
+                <a:solidFill>
+                  <a:schemeClr val="bg1"/>
+                </a:solidFill>
+                <a:latin typeface="Times New Roman" panose="02020603050405020304" pitchFamily="18" charset="0"/>
+                <a:cs typeface="Times New Roman" panose="02020603050405020304" pitchFamily="18" charset="0"/>
+              </a:rPr>
+              <a:t> </a:t>
+            </a:r>
+            <a:r>
+              <a:rPr lang="en-US" sz="2000" dirty="0" smtClean="0">
+                <a:solidFill>
+                  <a:schemeClr val="bg1"/>
+                </a:solidFill>
+                <a:latin typeface="Times New Roman" panose="02020603050405020304" pitchFamily="18" charset="0"/>
+                <a:cs typeface="Times New Roman" panose="02020603050405020304" pitchFamily="18" charset="0"/>
+              </a:rPr>
+              <a:t>        </a:t>
+            </a:r>
+            <a:r>
+              <a:rPr lang="ro-RO" sz="2000" dirty="0" smtClean="0">
+                <a:solidFill>
+                  <a:schemeClr val="bg1"/>
+                </a:solidFill>
+                <a:latin typeface="Times New Roman" panose="02020603050405020304" pitchFamily="18" charset="0"/>
+                <a:cs typeface="Times New Roman" panose="02020603050405020304" pitchFamily="18" charset="0"/>
+              </a:rPr>
+              <a:t>(</a:t>
+            </a:r>
+            <a:r>
+              <a:rPr lang="ro-RO" sz="2000" dirty="0" smtClean="0">
+                <a:solidFill>
+                  <a:schemeClr val="bg1"/>
+                </a:solidFill>
+                <a:latin typeface="Times New Roman" panose="02020603050405020304" pitchFamily="18" charset="0"/>
+                <a:cs typeface="Times New Roman" panose="02020603050405020304" pitchFamily="18" charset="0"/>
+              </a:rPr>
+              <a:t>ex. De iluminat, de termoficare, de securitate, utilitară, de confort</a:t>
+            </a:r>
+            <a:r>
+              <a:rPr lang="ro-RO" sz="2000" dirty="0" smtClean="0">
+                <a:solidFill>
+                  <a:schemeClr val="bg1"/>
+                </a:solidFill>
+                <a:latin typeface="Times New Roman" panose="02020603050405020304" pitchFamily="18" charset="0"/>
+                <a:cs typeface="Times New Roman" panose="02020603050405020304" pitchFamily="18" charset="0"/>
+              </a:rPr>
+              <a:t>)</a:t>
+            </a:r>
+          </a:p>
+          <a:p>
+            <a:pPr lvl="2">
+              <a:spcBef>
+                <a:spcPts val="1200"/>
+              </a:spcBef>
+            </a:pPr>
+            <a:endParaRPr lang="ro-RO" sz="2000" dirty="0" smtClean="0">
+              <a:solidFill>
+                <a:schemeClr val="bg1"/>
+              </a:solidFill>
+              <a:latin typeface="Times New Roman" panose="02020603050405020304" pitchFamily="18" charset="0"/>
+              <a:cs typeface="Times New Roman" panose="02020603050405020304" pitchFamily="18" charset="0"/>
+            </a:endParaRPr>
+          </a:p>
+          <a:p>
+            <a:pPr lvl="2">
+              <a:spcBef>
+                <a:spcPts val="1200"/>
+              </a:spcBef>
+            </a:pPr>
+            <a:r>
+              <a:rPr lang="en-US" sz="2000" b="1" dirty="0" smtClean="0">
+                <a:solidFill>
+                  <a:schemeClr val="bg1"/>
+                </a:solidFill>
+                <a:latin typeface="Times New Roman" panose="02020603050405020304" pitchFamily="18" charset="0"/>
+                <a:cs typeface="Times New Roman" panose="02020603050405020304" pitchFamily="18" charset="0"/>
+              </a:rPr>
+              <a:t>3. </a:t>
+            </a:r>
+            <a:r>
               <a:rPr lang="ro-RO" sz="2000" b="1" dirty="0" smtClean="0">
                 <a:solidFill>
                   <a:schemeClr val="bg1"/>
@@ -16670,7 +17518,17 @@
                 <a:latin typeface="Times New Roman" panose="02020603050405020304" pitchFamily="18" charset="0"/>
                 <a:cs typeface="Times New Roman" panose="02020603050405020304" pitchFamily="18" charset="0"/>
               </a:rPr>
-              <a:t>Comenzi specific</a:t>
+              <a:t>Comenzi </a:t>
+            </a:r>
+            <a:r>
+              <a:rPr lang="ro-RO" sz="2000" b="1" dirty="0" smtClean="0">
+                <a:solidFill>
+                  <a:schemeClr val="bg1"/>
+                </a:solidFill>
+                <a:latin typeface="Times New Roman" panose="02020603050405020304" pitchFamily="18" charset="0"/>
+                <a:cs typeface="Times New Roman" panose="02020603050405020304" pitchFamily="18" charset="0"/>
+              </a:rPr>
+              <a:t>specific</a:t>
             </a:r>
             <a:r>
               <a:rPr lang="en-US" sz="2000" b="1" dirty="0" smtClean="0">
@@ -16720,7 +17578,27 @@
                 <a:latin typeface="Times New Roman" panose="02020603050405020304" pitchFamily="18" charset="0"/>
                 <a:cs typeface="Times New Roman" panose="02020603050405020304" pitchFamily="18" charset="0"/>
               </a:rPr>
-              <a:t>lor</a:t>
+              <a:t>depinz</a:t>
+            </a:r>
+            <a:r>
+              <a:rPr lang="ro-RO" sz="2000" dirty="0" smtClean="0">
+                <a:solidFill>
+                  <a:schemeClr val="bg1"/>
+                </a:solidFill>
+                <a:latin typeface="Times New Roman" panose="02020603050405020304" pitchFamily="18" charset="0"/>
+                <a:cs typeface="Times New Roman" panose="02020603050405020304" pitchFamily="18" charset="0"/>
+              </a:rPr>
+              <a:t>ând strict de nodul </a:t>
+            </a:r>
+            <a:r>
+              <a:rPr lang="ro-RO" sz="2000" dirty="0" smtClean="0">
+                <a:solidFill>
+                  <a:schemeClr val="bg1"/>
+                </a:solidFill>
+                <a:latin typeface="Times New Roman" panose="02020603050405020304" pitchFamily="18" charset="0"/>
+                <a:cs typeface="Times New Roman" panose="02020603050405020304" pitchFamily="18" charset="0"/>
+              </a:rPr>
+              <a:t>utilizato</a:t>
             </a:r>
             <a:r>
               <a:rPr lang="en-US" sz="2000" dirty="0" smtClean="0">
@@ -16730,17 +17608,34 @@
                 <a:latin typeface="Times New Roman" panose="02020603050405020304" pitchFamily="18" charset="0"/>
                 <a:cs typeface="Times New Roman" panose="02020603050405020304" pitchFamily="18" charset="0"/>
               </a:rPr>
+              <a:t>r     </a:t>
+            </a:r>
+          </a:p>
+          <a:p>
+            <a:pPr lvl="2">
+              <a:spcBef>
+                <a:spcPts val="1200"/>
+              </a:spcBef>
+            </a:pPr>
+            <a:r>
+              <a:rPr lang="en-US" sz="2000" dirty="0">
+                <a:solidFill>
+                  <a:schemeClr val="bg1"/>
+                </a:solidFill>
+                <a:latin typeface="Times New Roman" panose="02020603050405020304" pitchFamily="18" charset="0"/>
+                <a:cs typeface="Times New Roman" panose="02020603050405020304" pitchFamily="18" charset="0"/>
+              </a:rPr>
               <a:t> </a:t>
             </a:r>
             <a:r>
-              <a:rPr lang="en-US" sz="2000" dirty="0" err="1" smtClean="0">
-                <a:solidFill>
-                  <a:schemeClr val="bg1"/>
-                </a:solidFill>
-                <a:latin typeface="Times New Roman" panose="02020603050405020304" pitchFamily="18" charset="0"/>
-                <a:cs typeface="Times New Roman" panose="02020603050405020304" pitchFamily="18" charset="0"/>
-              </a:rPr>
-              <a:t>depinz</a:t>
+              <a:rPr lang="en-US" sz="2000" dirty="0" smtClean="0">
+                <a:solidFill>
+                  <a:schemeClr val="bg1"/>
+                </a:solidFill>
+                <a:latin typeface="Times New Roman" panose="02020603050405020304" pitchFamily="18" charset="0"/>
+                <a:cs typeface="Times New Roman" panose="02020603050405020304" pitchFamily="18" charset="0"/>
+              </a:rPr>
+              <a:t>       </a:t>
             </a:r>
             <a:r>
               <a:rPr lang="ro-RO" sz="2000" dirty="0" smtClean="0">
@@ -16750,7 +17645,17 @@
                 <a:latin typeface="Times New Roman" panose="02020603050405020304" pitchFamily="18" charset="0"/>
                 <a:cs typeface="Times New Roman" panose="02020603050405020304" pitchFamily="18" charset="0"/>
               </a:rPr>
-              <a:t>ând strict de nodul utilizator (ex. Setarea unei valori, interogarea unui </a:t>
+              <a:t>(ex</a:t>
+            </a:r>
+            <a:r>
+              <a:rPr lang="ro-RO" sz="2000" dirty="0" smtClean="0">
+                <a:solidFill>
+                  <a:schemeClr val="bg1"/>
+                </a:solidFill>
+                <a:latin typeface="Times New Roman" panose="02020603050405020304" pitchFamily="18" charset="0"/>
+                <a:cs typeface="Times New Roman" panose="02020603050405020304" pitchFamily="18" charset="0"/>
+              </a:rPr>
+              <a:t>. Setarea unei valori, interogarea unui </a:t>
             </a:r>
             <a:r>
               <a:rPr lang="en-US" sz="2000" dirty="0" smtClean="0">
@@ -16795,6 +17700,54 @@
               <a:latin typeface="Times New Roman" panose="02020603050405020304" pitchFamily="18" charset="0"/>
               <a:cs typeface="Times New Roman" panose="02020603050405020304" pitchFamily="18" charset="0"/>
             </a:endParaRPr>
+          </a:p>
+        </p:txBody>
+      </p:sp>
+      <p:sp>
+        <p:nvSpPr>
+          <p:cNvPr id="3" name="Down Arrow 2"/>
+          <p:cNvSpPr/>
+          <p:nvPr/>
+        </p:nvSpPr>
+        <p:spPr>
+          <a:xfrm>
+            <a:off x="1853508" y="2298349"/>
+            <a:ext cx="716692" cy="3472256"/>
+          </a:xfrm>
+          <a:prstGeom prst="downArrow">
+            <a:avLst/>
+          </a:prstGeom>
+        </p:spPr>
+        <p:style>
+          <a:lnRef idx="2">
+            <a:schemeClr val="accent1">
+              <a:shade val="50000"/>
+            </a:schemeClr>
+          </a:lnRef>
+          <a:fillRef idx="1">
+            <a:schemeClr val="accent1"/>
+          </a:fillRef>
+          <a:effectRef idx="0">
+            <a:schemeClr val="accent1"/>
+          </a:effectRef>
+          <a:fontRef idx="minor">
+            <a:schemeClr val="lt1"/>
+          </a:fontRef>
+        </p:style>
+        <p:txBody>
+          <a:bodyPr rtlCol="0" anchor="ctr"/>
+          <a:lstStyle/>
+          <a:p>
+            <a:pPr algn="ctr"/>
+            <a:r>
+              <a:rPr lang="en-US" dirty="0" smtClean="0"/>
+              <a:t>Special  </a:t>
+            </a:r>
+            <a:r>
+              <a:rPr lang="en-US" dirty="0" err="1" smtClean="0"/>
+              <a:t>izare</a:t>
+            </a:r>
+            <a:endParaRPr lang="en-US" dirty="0"/>
           </a:p>
         </p:txBody>
       </p:sp>
@@ -17277,7 +18230,7 @@
         <p:spPr>
           <a:xfrm>
             <a:off x="1841501" y="722531"/>
-            <a:ext cx="9836149" cy="5909310"/>
+            <a:ext cx="10181623" cy="4662815"/>
           </a:xfrm>
           <a:prstGeom prst="rect">
             <a:avLst/>
@@ -17555,57 +18508,37 @@
               <a:t> </a:t>
             </a:r>
             <a:r>
-              <a:rPr lang="en-US" dirty="0" err="1">
-                <a:solidFill>
-                  <a:schemeClr val="bg1"/>
-                </a:solidFill>
-                <a:latin typeface="Times New Roman" panose="02020603050405020304" pitchFamily="18" charset="0"/>
-                <a:cs typeface="Times New Roman" panose="02020603050405020304" pitchFamily="18" charset="0"/>
-              </a:rPr>
-              <a:t>librăria</a:t>
-            </a:r>
-            <a:r>
-              <a:rPr lang="en-US" dirty="0">
-                <a:solidFill>
-                  <a:schemeClr val="bg1"/>
-                </a:solidFill>
-                <a:latin typeface="Times New Roman" panose="02020603050405020304" pitchFamily="18" charset="0"/>
-                <a:cs typeface="Times New Roman" panose="02020603050405020304" pitchFamily="18" charset="0"/>
-              </a:rPr>
-              <a:t> </a:t>
-            </a:r>
-            <a:r>
-              <a:rPr lang="en-US" dirty="0" err="1">
-                <a:solidFill>
-                  <a:schemeClr val="bg1"/>
-                </a:solidFill>
-                <a:latin typeface="Times New Roman" panose="02020603050405020304" pitchFamily="18" charset="0"/>
-                <a:cs typeface="Times New Roman" panose="02020603050405020304" pitchFamily="18" charset="0"/>
-              </a:rPr>
-              <a:t>dedicată</a:t>
-            </a:r>
-            <a:r>
-              <a:rPr lang="en-US" dirty="0">
-                <a:solidFill>
-                  <a:schemeClr val="bg1"/>
-                </a:solidFill>
-                <a:latin typeface="Times New Roman" panose="02020603050405020304" pitchFamily="18" charset="0"/>
-                <a:cs typeface="Times New Roman" panose="02020603050405020304" pitchFamily="18" charset="0"/>
-              </a:rPr>
-              <a:t> </a:t>
-            </a:r>
-            <a:r>
-              <a:rPr lang="en-US" dirty="0" err="1">
-                <a:solidFill>
-                  <a:schemeClr val="bg1"/>
-                </a:solidFill>
-                <a:latin typeface="Times New Roman" panose="02020603050405020304" pitchFamily="18" charset="0"/>
-                <a:cs typeface="Times New Roman" panose="02020603050405020304" pitchFamily="18" charset="0"/>
-              </a:rPr>
-              <a:t>comunicării</a:t>
-            </a:r>
-            <a:r>
-              <a:rPr lang="en-US" dirty="0">
+              <a:rPr lang="ro-RO" dirty="0" smtClean="0">
+                <a:solidFill>
+                  <a:schemeClr val="bg1"/>
+                </a:solidFill>
+                <a:latin typeface="Times New Roman" panose="02020603050405020304" pitchFamily="18" charset="0"/>
+                <a:cs typeface="Times New Roman" panose="02020603050405020304" pitchFamily="18" charset="0"/>
+              </a:rPr>
+              <a:t>c</a:t>
+            </a:r>
+            <a:r>
+              <a:rPr lang="en-US" dirty="0" err="1" smtClean="0">
+                <a:solidFill>
+                  <a:schemeClr val="bg1"/>
+                </a:solidFill>
+                <a:latin typeface="Times New Roman" panose="02020603050405020304" pitchFamily="18" charset="0"/>
+                <a:cs typeface="Times New Roman" panose="02020603050405020304" pitchFamily="18" charset="0"/>
+              </a:rPr>
+              <a:t>omuni</a:t>
+            </a:r>
+            <a:r>
+              <a:rPr lang="ro-RO" dirty="0" smtClean="0">
+                <a:solidFill>
+                  <a:schemeClr val="bg1"/>
+                </a:solidFill>
+                <a:latin typeface="Times New Roman" panose="02020603050405020304" pitchFamily="18" charset="0"/>
+                <a:cs typeface="Times New Roman" panose="02020603050405020304" pitchFamily="18" charset="0"/>
+              </a:rPr>
+              <a:t>care</a:t>
+            </a:r>
+            <a:r>
+              <a:rPr lang="en-US" dirty="0" smtClean="0">
                 <a:solidFill>
                   <a:schemeClr val="bg1"/>
                 </a:solidFill>
@@ -17694,14 +18627,24 @@
               <a:t> </a:t>
             </a:r>
             <a:r>
-              <a:rPr lang="en-US" dirty="0" err="1">
-                <a:solidFill>
-                  <a:schemeClr val="bg1"/>
-                </a:solidFill>
-                <a:latin typeface="Times New Roman" panose="02020603050405020304" pitchFamily="18" charset="0"/>
-                <a:cs typeface="Times New Roman" panose="02020603050405020304" pitchFamily="18" charset="0"/>
-              </a:rPr>
-              <a:t>librăria</a:t>
+              <a:rPr lang="en-US" dirty="0" err="1" smtClean="0">
+                <a:solidFill>
+                  <a:schemeClr val="bg1"/>
+                </a:solidFill>
+                <a:latin typeface="Times New Roman" panose="02020603050405020304" pitchFamily="18" charset="0"/>
+                <a:cs typeface="Times New Roman" panose="02020603050405020304" pitchFamily="18" charset="0"/>
+              </a:rPr>
+              <a:t>operații</a:t>
+            </a:r>
+            <a:r>
+              <a:rPr lang="en-US" dirty="0" smtClean="0">
+                <a:solidFill>
+                  <a:schemeClr val="bg1"/>
+                </a:solidFill>
+                <a:latin typeface="Times New Roman" panose="02020603050405020304" pitchFamily="18" charset="0"/>
+                <a:cs typeface="Times New Roman" panose="02020603050405020304" pitchFamily="18" charset="0"/>
+              </a:rPr>
+              <a:t> </a:t>
             </a:r>
             <a:r>
               <a:rPr lang="en-US" dirty="0">
@@ -17711,67 +18654,7 @@
                 <a:latin typeface="Times New Roman" panose="02020603050405020304" pitchFamily="18" charset="0"/>
                 <a:cs typeface="Times New Roman" panose="02020603050405020304" pitchFamily="18" charset="0"/>
               </a:rPr>
-              <a:t> standard </a:t>
-            </a:r>
-            <a:r>
-              <a:rPr lang="en-US" dirty="0" err="1">
-                <a:solidFill>
-                  <a:schemeClr val="bg1"/>
-                </a:solidFill>
-                <a:latin typeface="Times New Roman" panose="02020603050405020304" pitchFamily="18" charset="0"/>
-                <a:cs typeface="Times New Roman" panose="02020603050405020304" pitchFamily="18" charset="0"/>
-              </a:rPr>
-              <a:t>utilizată</a:t>
-            </a:r>
-            <a:r>
-              <a:rPr lang="en-US" dirty="0">
-                <a:solidFill>
-                  <a:schemeClr val="bg1"/>
-                </a:solidFill>
-                <a:latin typeface="Times New Roman" panose="02020603050405020304" pitchFamily="18" charset="0"/>
-                <a:cs typeface="Times New Roman" panose="02020603050405020304" pitchFamily="18" charset="0"/>
-              </a:rPr>
-              <a:t> </a:t>
-            </a:r>
-            <a:r>
-              <a:rPr lang="en-US" dirty="0" err="1">
-                <a:solidFill>
-                  <a:schemeClr val="bg1"/>
-                </a:solidFill>
-                <a:latin typeface="Times New Roman" panose="02020603050405020304" pitchFamily="18" charset="0"/>
-                <a:cs typeface="Times New Roman" panose="02020603050405020304" pitchFamily="18" charset="0"/>
-              </a:rPr>
-              <a:t>pentru</a:t>
-            </a:r>
-            <a:r>
-              <a:rPr lang="en-US" dirty="0">
-                <a:solidFill>
-                  <a:schemeClr val="bg1"/>
-                </a:solidFill>
-                <a:latin typeface="Times New Roman" panose="02020603050405020304" pitchFamily="18" charset="0"/>
-                <a:cs typeface="Times New Roman" panose="02020603050405020304" pitchFamily="18" charset="0"/>
-              </a:rPr>
-              <a:t> </a:t>
-            </a:r>
-            <a:r>
-              <a:rPr lang="en-US" dirty="0" err="1">
-                <a:solidFill>
-                  <a:schemeClr val="bg1"/>
-                </a:solidFill>
-                <a:latin typeface="Times New Roman" panose="02020603050405020304" pitchFamily="18" charset="0"/>
-                <a:cs typeface="Times New Roman" panose="02020603050405020304" pitchFamily="18" charset="0"/>
-              </a:rPr>
-              <a:t>operații</a:t>
-            </a:r>
-            <a:r>
-              <a:rPr lang="en-US" dirty="0">
-                <a:solidFill>
-                  <a:schemeClr val="bg1"/>
-                </a:solidFill>
-                <a:latin typeface="Times New Roman" panose="02020603050405020304" pitchFamily="18" charset="0"/>
-                <a:cs typeface="Times New Roman" panose="02020603050405020304" pitchFamily="18" charset="0"/>
-              </a:rPr>
-              <a:t> cu </a:t>
+              <a:t>cu </a:t>
             </a:r>
             <a:r>
               <a:rPr lang="en-US" dirty="0" err="1">
@@ -17980,14 +18863,24 @@
               <a:t> </a:t>
             </a:r>
             <a:r>
-              <a:rPr lang="en-US" dirty="0" err="1">
-                <a:solidFill>
-                  <a:schemeClr val="bg1"/>
-                </a:solidFill>
-                <a:latin typeface="Times New Roman" panose="02020603050405020304" pitchFamily="18" charset="0"/>
-                <a:cs typeface="Times New Roman" panose="02020603050405020304" pitchFamily="18" charset="0"/>
-              </a:rPr>
-              <a:t>librăria</a:t>
+              <a:rPr lang="en-US" dirty="0" err="1" smtClean="0">
+                <a:solidFill>
+                  <a:schemeClr val="bg1"/>
+                </a:solidFill>
+                <a:latin typeface="Times New Roman" panose="02020603050405020304" pitchFamily="18" charset="0"/>
+                <a:cs typeface="Times New Roman" panose="02020603050405020304" pitchFamily="18" charset="0"/>
+              </a:rPr>
+              <a:t>manipulare</a:t>
+            </a:r>
+            <a:r>
+              <a:rPr lang="en-US" dirty="0" smtClean="0">
+                <a:solidFill>
+                  <a:schemeClr val="bg1"/>
+                </a:solidFill>
+                <a:latin typeface="Times New Roman" panose="02020603050405020304" pitchFamily="18" charset="0"/>
+                <a:cs typeface="Times New Roman" panose="02020603050405020304" pitchFamily="18" charset="0"/>
+              </a:rPr>
+              <a:t> </a:t>
             </a:r>
             <a:r>
               <a:rPr lang="en-US" dirty="0">
@@ -17997,47 +18890,37 @@
                 <a:latin typeface="Times New Roman" panose="02020603050405020304" pitchFamily="18" charset="0"/>
                 <a:cs typeface="Times New Roman" panose="02020603050405020304" pitchFamily="18" charset="0"/>
               </a:rPr>
-              <a:t> de </a:t>
-            </a:r>
-            <a:r>
-              <a:rPr lang="en-US" dirty="0" err="1">
-                <a:solidFill>
-                  <a:schemeClr val="bg1"/>
-                </a:solidFill>
-                <a:latin typeface="Times New Roman" panose="02020603050405020304" pitchFamily="18" charset="0"/>
-                <a:cs typeface="Times New Roman" panose="02020603050405020304" pitchFamily="18" charset="0"/>
-              </a:rPr>
-              <a:t>manipulare</a:t>
-            </a:r>
-            <a:r>
-              <a:rPr lang="en-US" dirty="0">
-                <a:solidFill>
-                  <a:schemeClr val="bg1"/>
-                </a:solidFill>
-                <a:latin typeface="Times New Roman" panose="02020603050405020304" pitchFamily="18" charset="0"/>
-                <a:cs typeface="Times New Roman" panose="02020603050405020304" pitchFamily="18" charset="0"/>
-              </a:rPr>
-              <a:t> </a:t>
-            </a:r>
-            <a:r>
-              <a:rPr lang="en-US" dirty="0" err="1">
-                <a:solidFill>
-                  <a:schemeClr val="bg1"/>
-                </a:solidFill>
-                <a:latin typeface="Times New Roman" panose="02020603050405020304" pitchFamily="18" charset="0"/>
-                <a:cs typeface="Times New Roman" panose="02020603050405020304" pitchFamily="18" charset="0"/>
-              </a:rPr>
-              <a:t>grafică</a:t>
-            </a:r>
-            <a:r>
-              <a:rPr lang="en-US" dirty="0">
-                <a:solidFill>
-                  <a:schemeClr val="bg1"/>
-                </a:solidFill>
-                <a:latin typeface="Times New Roman" panose="02020603050405020304" pitchFamily="18" charset="0"/>
-                <a:cs typeface="Times New Roman" panose="02020603050405020304" pitchFamily="18" charset="0"/>
-              </a:rPr>
-              <a:t> de date, </a:t>
+              <a:t>de </a:t>
+            </a:r>
+            <a:r>
+              <a:rPr lang="en-US" dirty="0" smtClean="0">
+                <a:solidFill>
+                  <a:schemeClr val="bg1"/>
+                </a:solidFill>
+                <a:latin typeface="Times New Roman" panose="02020603050405020304" pitchFamily="18" charset="0"/>
+                <a:cs typeface="Times New Roman" panose="02020603050405020304" pitchFamily="18" charset="0"/>
+              </a:rPr>
+              <a:t>date</a:t>
+            </a:r>
+            <a:r>
+              <a:rPr lang="ro-RO" dirty="0" smtClean="0">
+                <a:solidFill>
+                  <a:schemeClr val="bg1"/>
+                </a:solidFill>
+                <a:latin typeface="Times New Roman" panose="02020603050405020304" pitchFamily="18" charset="0"/>
+                <a:cs typeface="Times New Roman" panose="02020603050405020304" pitchFamily="18" charset="0"/>
+              </a:rPr>
+              <a:t> prin grafuri</a:t>
+            </a:r>
+            <a:r>
+              <a:rPr lang="en-US" dirty="0" smtClean="0">
+                <a:solidFill>
+                  <a:schemeClr val="bg1"/>
+                </a:solidFill>
+                <a:latin typeface="Times New Roman" panose="02020603050405020304" pitchFamily="18" charset="0"/>
+                <a:cs typeface="Times New Roman" panose="02020603050405020304" pitchFamily="18" charset="0"/>
+              </a:rPr>
+              <a:t>, </a:t>
             </a:r>
             <a:r>
               <a:rPr lang="en-US" dirty="0" err="1" smtClean="0">
@@ -18316,67 +19199,7 @@
               <a:t>: </a:t>
             </a:r>
             <a:r>
-              <a:rPr lang="en-US" dirty="0" err="1">
-                <a:solidFill>
-                  <a:schemeClr val="bg1"/>
-                </a:solidFill>
-                <a:latin typeface="Times New Roman" panose="02020603050405020304" pitchFamily="18" charset="0"/>
-                <a:cs typeface="Times New Roman" panose="02020603050405020304" pitchFamily="18" charset="0"/>
-              </a:rPr>
-              <a:t>librărie</a:t>
-            </a:r>
-            <a:r>
-              <a:rPr lang="en-US" dirty="0">
-                <a:solidFill>
-                  <a:schemeClr val="bg1"/>
-                </a:solidFill>
-                <a:latin typeface="Times New Roman" panose="02020603050405020304" pitchFamily="18" charset="0"/>
-                <a:cs typeface="Times New Roman" panose="02020603050405020304" pitchFamily="18" charset="0"/>
-              </a:rPr>
-              <a:t> </a:t>
-            </a:r>
-            <a:r>
-              <a:rPr lang="en-US" dirty="0" err="1">
-                <a:solidFill>
-                  <a:schemeClr val="bg1"/>
-                </a:solidFill>
-                <a:latin typeface="Times New Roman" panose="02020603050405020304" pitchFamily="18" charset="0"/>
-                <a:cs typeface="Times New Roman" panose="02020603050405020304" pitchFamily="18" charset="0"/>
-              </a:rPr>
-              <a:t>folosită</a:t>
-            </a:r>
-            <a:r>
-              <a:rPr lang="en-US" dirty="0">
-                <a:solidFill>
-                  <a:schemeClr val="bg1"/>
-                </a:solidFill>
-                <a:latin typeface="Times New Roman" panose="02020603050405020304" pitchFamily="18" charset="0"/>
-                <a:cs typeface="Times New Roman" panose="02020603050405020304" pitchFamily="18" charset="0"/>
-              </a:rPr>
-              <a:t> </a:t>
-            </a:r>
-            <a:r>
-              <a:rPr lang="en-US" dirty="0" err="1">
-                <a:solidFill>
-                  <a:schemeClr val="bg1"/>
-                </a:solidFill>
-                <a:latin typeface="Times New Roman" panose="02020603050405020304" pitchFamily="18" charset="0"/>
-                <a:cs typeface="Times New Roman" panose="02020603050405020304" pitchFamily="18" charset="0"/>
-              </a:rPr>
-              <a:t>pentru</a:t>
-            </a:r>
-            <a:r>
-              <a:rPr lang="en-US" dirty="0">
-                <a:solidFill>
-                  <a:schemeClr val="bg1"/>
-                </a:solidFill>
-                <a:latin typeface="Times New Roman" panose="02020603050405020304" pitchFamily="18" charset="0"/>
-                <a:cs typeface="Times New Roman" panose="02020603050405020304" pitchFamily="18" charset="0"/>
-              </a:rPr>
-              <a:t> </a:t>
-            </a:r>
-            <a:r>
-              <a:rPr lang="en-US" dirty="0" err="1">
+              <a:rPr lang="en-US" dirty="0" err="1" smtClean="0">
                 <a:solidFill>
                   <a:schemeClr val="bg1"/>
                 </a:solidFill>
@@ -18386,7 +19209,7 @@
               <a:t>convertirea</a:t>
             </a:r>
             <a:r>
-              <a:rPr lang="en-US" dirty="0">
+              <a:rPr lang="en-US" dirty="0" smtClean="0">
                 <a:solidFill>
                   <a:schemeClr val="bg1"/>
                 </a:solidFill>
@@ -18735,14 +19558,14 @@
               <a:t>: </a:t>
             </a:r>
             <a:r>
-              <a:rPr lang="en-US" dirty="0" err="1">
-                <a:solidFill>
-                  <a:schemeClr val="bg1"/>
-                </a:solidFill>
-                <a:latin typeface="Times New Roman" panose="02020603050405020304" pitchFamily="18" charset="0"/>
-                <a:cs typeface="Times New Roman" panose="02020603050405020304" pitchFamily="18" charset="0"/>
-              </a:rPr>
-              <a:t>acronim</a:t>
+              <a:rPr lang="en-US" dirty="0" smtClean="0">
+                <a:solidFill>
+                  <a:schemeClr val="bg1"/>
+                </a:solidFill>
+                <a:latin typeface="Times New Roman" panose="02020603050405020304" pitchFamily="18" charset="0"/>
+                <a:cs typeface="Times New Roman" panose="02020603050405020304" pitchFamily="18" charset="0"/>
+              </a:rPr>
+              <a:t>Natural </a:t>
             </a:r>
             <a:r>
               <a:rPr lang="en-US" dirty="0">
@@ -18752,37 +19575,7 @@
                 <a:latin typeface="Times New Roman" panose="02020603050405020304" pitchFamily="18" charset="0"/>
                 <a:cs typeface="Times New Roman" panose="02020603050405020304" pitchFamily="18" charset="0"/>
               </a:rPr>
-              <a:t> </a:t>
-            </a:r>
-            <a:r>
-              <a:rPr lang="en-US" dirty="0" err="1">
-                <a:solidFill>
-                  <a:schemeClr val="bg1"/>
-                </a:solidFill>
-                <a:latin typeface="Times New Roman" panose="02020603050405020304" pitchFamily="18" charset="0"/>
-                <a:cs typeface="Times New Roman" panose="02020603050405020304" pitchFamily="18" charset="0"/>
-              </a:rPr>
-              <a:t>provenit</a:t>
-            </a:r>
-            <a:r>
-              <a:rPr lang="en-US" dirty="0">
-                <a:solidFill>
-                  <a:schemeClr val="bg1"/>
-                </a:solidFill>
-                <a:latin typeface="Times New Roman" panose="02020603050405020304" pitchFamily="18" charset="0"/>
-                <a:cs typeface="Times New Roman" panose="02020603050405020304" pitchFamily="18" charset="0"/>
-              </a:rPr>
-              <a:t> din Natural Language Toolkit; </a:t>
-            </a:r>
-            <a:r>
-              <a:rPr lang="ro-RO" dirty="0" smtClean="0">
-                <a:solidFill>
-                  <a:schemeClr val="bg1"/>
-                </a:solidFill>
-                <a:latin typeface="Times New Roman" panose="02020603050405020304" pitchFamily="18" charset="0"/>
-                <a:cs typeface="Times New Roman" panose="02020603050405020304" pitchFamily="18" charset="0"/>
-              </a:rPr>
-              <a:t>librăria </a:t>
+              <a:t>Language Toolkit; </a:t>
             </a:r>
             <a:r>
               <a:rPr lang="en-US" dirty="0" err="1" smtClean="0">
@@ -18974,67 +19767,7 @@
               <a:t> </a:t>
             </a:r>
             <a:r>
-              <a:rPr lang="en-US" dirty="0" err="1">
-                <a:solidFill>
-                  <a:schemeClr val="bg1"/>
-                </a:solidFill>
-                <a:latin typeface="Times New Roman" panose="02020603050405020304" pitchFamily="18" charset="0"/>
-                <a:cs typeface="Times New Roman" panose="02020603050405020304" pitchFamily="18" charset="0"/>
-              </a:rPr>
-              <a:t>librărie</a:t>
-            </a:r>
-            <a:r>
-              <a:rPr lang="en-US" dirty="0">
-                <a:solidFill>
-                  <a:schemeClr val="bg1"/>
-                </a:solidFill>
-                <a:latin typeface="Times New Roman" panose="02020603050405020304" pitchFamily="18" charset="0"/>
-                <a:cs typeface="Times New Roman" panose="02020603050405020304" pitchFamily="18" charset="0"/>
-              </a:rPr>
-              <a:t> </a:t>
-            </a:r>
-            <a:r>
-              <a:rPr lang="en-US" dirty="0" err="1">
-                <a:solidFill>
-                  <a:schemeClr val="bg1"/>
-                </a:solidFill>
-                <a:latin typeface="Times New Roman" panose="02020603050405020304" pitchFamily="18" charset="0"/>
-                <a:cs typeface="Times New Roman" panose="02020603050405020304" pitchFamily="18" charset="0"/>
-              </a:rPr>
-              <a:t>specializată</a:t>
-            </a:r>
-            <a:r>
-              <a:rPr lang="en-US" dirty="0">
-                <a:solidFill>
-                  <a:schemeClr val="bg1"/>
-                </a:solidFill>
-                <a:latin typeface="Times New Roman" panose="02020603050405020304" pitchFamily="18" charset="0"/>
-                <a:cs typeface="Times New Roman" panose="02020603050405020304" pitchFamily="18" charset="0"/>
-              </a:rPr>
-              <a:t> </a:t>
-            </a:r>
-            <a:r>
-              <a:rPr lang="en-US" dirty="0" err="1">
-                <a:solidFill>
-                  <a:schemeClr val="bg1"/>
-                </a:solidFill>
-                <a:latin typeface="Times New Roman" panose="02020603050405020304" pitchFamily="18" charset="0"/>
-                <a:cs typeface="Times New Roman" panose="02020603050405020304" pitchFamily="18" charset="0"/>
-              </a:rPr>
-              <a:t>pe</a:t>
-            </a:r>
-            <a:r>
-              <a:rPr lang="en-US" dirty="0">
-                <a:solidFill>
-                  <a:schemeClr val="bg1"/>
-                </a:solidFill>
-                <a:latin typeface="Times New Roman" panose="02020603050405020304" pitchFamily="18" charset="0"/>
-                <a:cs typeface="Times New Roman" panose="02020603050405020304" pitchFamily="18" charset="0"/>
-              </a:rPr>
-              <a:t> </a:t>
-            </a:r>
-            <a:r>
-              <a:rPr lang="en-US" dirty="0" err="1">
+              <a:rPr lang="en-US" dirty="0" err="1" smtClean="0">
                 <a:solidFill>
                   <a:schemeClr val="bg1"/>
                 </a:solidFill>
@@ -19044,7 +19777,7 @@
               <a:t>serializare</a:t>
             </a:r>
             <a:r>
-              <a:rPr lang="en-US" dirty="0">
+              <a:rPr lang="en-US" dirty="0" smtClean="0">
                 <a:solidFill>
                   <a:schemeClr val="bg1"/>
                 </a:solidFill>
@@ -19227,7 +19960,17 @@
                 <a:latin typeface="Times New Roman" panose="02020603050405020304" pitchFamily="18" charset="0"/>
                 <a:cs typeface="Times New Roman" panose="02020603050405020304" pitchFamily="18" charset="0"/>
               </a:rPr>
-              <a:t>librărie dedicată interacțiunii cu controller Z-Wave, folosit pentru interogarea și configurarea nodurilor membre rețelei</a:t>
+              <a:t>dedicată </a:t>
+            </a:r>
+            <a:r>
+              <a:rPr lang="ro-RO" dirty="0" smtClean="0">
+                <a:solidFill>
+                  <a:schemeClr val="bg1"/>
+                </a:solidFill>
+                <a:latin typeface="Times New Roman" panose="02020603050405020304" pitchFamily="18" charset="0"/>
+                <a:cs typeface="Times New Roman" panose="02020603050405020304" pitchFamily="18" charset="0"/>
+              </a:rPr>
+              <a:t>interacțiunii cu controller Z-Wave, folosit pentru interogarea și configurarea nodurilor membre rețelei</a:t>
             </a:r>
             <a:endParaRPr lang="en-US" b="1" dirty="0">
               <a:solidFill>
@@ -19369,20 +20112,20 @@
           <p:nvPr>
             <p:extLst>
               <p:ext uri="{D42A27DB-BD31-4B8C-83A1-F6EECF244321}">
-                <p14:modId xmlns:p14="http://schemas.microsoft.com/office/powerpoint/2010/main" val="803809521"/>
+                <p14:modId xmlns:p14="http://schemas.microsoft.com/office/powerpoint/2010/main" val="1130215892"/>
               </p:ext>
             </p:extLst>
           </p:nvPr>
         </p:nvGraphicFramePr>
         <p:xfrm>
-          <a:off x="5965826" y="817751"/>
-          <a:ext cx="6129336" cy="3791925"/>
+          <a:off x="5731042" y="817751"/>
+          <a:ext cx="6399727" cy="3959203"/>
         </p:xfrm>
         <a:graphic>
           <a:graphicData uri="http://schemas.openxmlformats.org/presentationml/2006/ole">
             <mc:AlternateContent xmlns:mc="http://schemas.openxmlformats.org/markup-compatibility/2006">
               <mc:Choice xmlns:v="urn:schemas-microsoft-com:vml" Requires="v">
-                <p:oleObj spid="_x0000_s10255" name="Visio" r:id="rId4" imgW="10315508" imgH="6381842" progId="Visio.Drawing.15">
+                <p:oleObj spid="_x0000_s10262" name="Visio" r:id="rId4" imgW="10315508" imgH="6381842" progId="Visio.Drawing.15">
                   <p:embed/>
                 </p:oleObj>
               </mc:Choice>
@@ -19403,8 +20146,8 @@
                     </p:blipFill>
                     <p:spPr>
                       <a:xfrm>
-                        <a:off x="5965826" y="817751"/>
-                        <a:ext cx="6129336" cy="3791925"/>
+                        <a:off x="5731042" y="817751"/>
+                        <a:ext cx="6399727" cy="3959203"/>
                       </a:xfrm>
                       <a:prstGeom prst="rect">
                         <a:avLst/>
@@ -19425,7 +20168,7 @@
         </p:nvSpPr>
         <p:spPr>
           <a:xfrm>
-            <a:off x="1841501" y="3027573"/>
+            <a:off x="1841501" y="3039930"/>
             <a:ext cx="4044949" cy="1477328"/>
           </a:xfrm>
           <a:prstGeom prst="rect">
@@ -19547,7 +20290,7 @@
                 <a:latin typeface="Times New Roman" panose="02020603050405020304" pitchFamily="18" charset="0"/>
                 <a:cs typeface="Times New Roman" panose="02020603050405020304" pitchFamily="18" charset="0"/>
               </a:rPr>
-              <a:t>Sigmoidală </a:t>
+              <a:t>Softmax </a:t>
             </a:r>
             <a:endParaRPr lang="en-US" b="1" dirty="0">
               <a:solidFill>
@@ -20121,20 +20864,20 @@
           <p:nvPr>
             <p:extLst>
               <p:ext uri="{D42A27DB-BD31-4B8C-83A1-F6EECF244321}">
-                <p14:modId xmlns:p14="http://schemas.microsoft.com/office/powerpoint/2010/main" val="1679121333"/>
+                <p14:modId xmlns:p14="http://schemas.microsoft.com/office/powerpoint/2010/main" val="3341418926"/>
               </p:ext>
             </p:extLst>
           </p:nvPr>
         </p:nvGraphicFramePr>
         <p:xfrm>
           <a:off x="3357196" y="2350288"/>
-          <a:ext cx="6072554" cy="3454388"/>
+          <a:ext cx="6301074" cy="3584382"/>
         </p:xfrm>
         <a:graphic>
           <a:graphicData uri="http://schemas.openxmlformats.org/presentationml/2006/ole">
             <mc:AlternateContent xmlns:mc="http://schemas.openxmlformats.org/markup-compatibility/2006">
               <mc:Choice xmlns:v="urn:schemas-microsoft-com:vml" Requires="v">
-                <p:oleObj spid="_x0000_s11271" name="Visio" r:id="rId4" imgW="6953384" imgH="3953046" progId="Visio.Drawing.15">
+                <p:oleObj spid="_x0000_s11278" name="Visio" r:id="rId4" imgW="6953384" imgH="3953046" progId="Visio.Drawing.15">
                   <p:embed/>
                 </p:oleObj>
               </mc:Choice>
@@ -20159,7 +20902,7 @@
                     <p:spPr bwMode="auto">
                       <a:xfrm>
                         <a:off x="3357196" y="2350288"/>
-                        <a:ext cx="6072554" cy="3454388"/>
+                        <a:ext cx="6301074" cy="3584382"/>
                       </a:xfrm>
                       <a:prstGeom prst="rect">
                         <a:avLst/>
@@ -20493,4 +21236,265 @@
     </a:ext>
   </a:extLst>
 </a:theme>
+</file>
+
+<file path=ppt/theme/theme2.xml><?xml version="1.0" encoding="utf-8"?>
+<a:theme xmlns:a="http://schemas.openxmlformats.org/drawingml/2006/main" name="Office Theme">
+  <a:themeElements>
+    <a:clrScheme name="Office">
+      <a:dk1>
+        <a:sysClr val="windowText" lastClr="000000"/>
+      </a:dk1>
+      <a:lt1>
+        <a:sysClr val="window" lastClr="FFFFFF"/>
+      </a:lt1>
+      <a:dk2>
+        <a:srgbClr val="44546A"/>
+      </a:dk2>
+      <a:lt2>
+        <a:srgbClr val="E7E6E6"/>
+      </a:lt2>
+      <a:accent1>
+        <a:srgbClr val="5B9BD5"/>
+      </a:accent1>
+      <a:accent2>
+        <a:srgbClr val="ED7D31"/>
+      </a:accent2>
+      <a:accent3>
+        <a:srgbClr val="A5A5A5"/>
+      </a:accent3>
+      <a:accent4>
+        <a:srgbClr val="FFC000"/>
+      </a:accent4>
+      <a:accent5>
+        <a:srgbClr val="4472C4"/>
+      </a:accent5>
+      <a:accent6>
+        <a:srgbClr val="70AD47"/>
+      </a:accent6>
+      <a:hlink>
+        <a:srgbClr val="0563C1"/>
+      </a:hlink>
+      <a:folHlink>
+        <a:srgbClr val="954F72"/>
+      </a:folHlink>
+    </a:clrScheme>
+    <a:fontScheme name="Office">
+      <a:majorFont>
+        <a:latin typeface="Calibri Light" panose="020F0302020204030204"/>
+        <a:ea typeface=""/>
+        <a:cs typeface=""/>
+        <a:font script="Jpan" typeface="ＭＳ Ｐゴシック"/>
+        <a:font script="Hang" typeface="맑은 고딕"/>
+        <a:font script="Hans" typeface="宋体"/>
+        <a:font script="Hant" typeface="新細明體"/>
+        <a:font script="Arab" typeface="Times New Roman"/>
+        <a:font script="Hebr" typeface="Times New Roman"/>
+        <a:font script="Thai" typeface="Angsana New"/>
+        <a:font script="Ethi" typeface="Nyala"/>
+        <a:font script="Beng" typeface="Vrinda"/>
+        <a:font script="Gujr" typeface="Shruti"/>
+        <a:font script="Khmr" typeface="MoolBoran"/>
+        <a:font script="Knda" typeface="Tunga"/>
+        <a:font script="Guru" typeface="Raavi"/>
+        <a:font script="Cans" typeface="Euphemia"/>
+        <a:font script="Cher" typeface="Plantagenet Cherokee"/>
+        <a:font script="Yiii" typeface="Microsoft Yi Baiti"/>
+        <a:font script="Tibt" typeface="Microsoft Himalaya"/>
+        <a:font script="Thaa" typeface="MV Boli"/>
+        <a:font script="Deva" typeface="Mangal"/>
+        <a:font script="Telu" typeface="Gautami"/>
+        <a:font script="Taml" typeface="Latha"/>
+        <a:font script="Syrc" typeface="Estrangelo Edessa"/>
+        <a:font script="Orya" typeface="Kalinga"/>
+        <a:font script="Mlym" typeface="Kartika"/>
+        <a:font script="Laoo" typeface="DokChampa"/>
+        <a:font script="Sinh" typeface="Iskoola Pota"/>
+        <a:font script="Mong" typeface="Mongolian Baiti"/>
+        <a:font script="Viet" typeface="Times New Roman"/>
+        <a:font script="Uigh" typeface="Microsoft Uighur"/>
+        <a:font script="Geor" typeface="Sylfaen"/>
+      </a:majorFont>
+      <a:minorFont>
+        <a:latin typeface="Calibri" panose="020F0502020204030204"/>
+        <a:ea typeface=""/>
+        <a:cs typeface=""/>
+        <a:font script="Jpan" typeface="ＭＳ Ｐゴシック"/>
+        <a:font script="Hang" typeface="맑은 고딕"/>
+        <a:font script="Hans" typeface="宋体"/>
+        <a:font script="Hant" typeface="新細明體"/>
+        <a:font script="Arab" typeface="Arial"/>
+        <a:font script="Hebr" typeface="Arial"/>
+        <a:font script="Thai" typeface="Cordia New"/>
+        <a:font script="Ethi" typeface="Nyala"/>
+        <a:font script="Beng" typeface="Vrinda"/>
+        <a:font script="Gujr" typeface="Shruti"/>
+        <a:font script="Khmr" typeface="DaunPenh"/>
+        <a:font script="Knda" typeface="Tunga"/>
+        <a:font script="Guru" typeface="Raavi"/>
+        <a:font script="Cans" typeface="Euphemia"/>
+        <a:font script="Cher" typeface="Plantagenet Cherokee"/>
+        <a:font script="Yiii" typeface="Microsoft Yi Baiti"/>
+        <a:font script="Tibt" typeface="Microsoft Himalaya"/>
+        <a:font script="Thaa" typeface="MV Boli"/>
+        <a:font script="Deva" typeface="Mangal"/>
+        <a:font script="Telu" typeface="Gautami"/>
+        <a:font script="Taml" typeface="Latha"/>
+        <a:font script="Syrc" typeface="Estrangelo Edessa"/>
+        <a:font script="Orya" typeface="Kalinga"/>
+        <a:font script="Mlym" typeface="Kartika"/>
+        <a:font script="Laoo" typeface="DokChampa"/>
+        <a:font script="Sinh" typeface="Iskoola Pota"/>
+        <a:font script="Mong" typeface="Mongolian Baiti"/>
+        <a:font script="Viet" typeface="Arial"/>
+        <a:font script="Uigh" typeface="Microsoft Uighur"/>
+        <a:font script="Geor" typeface="Sylfaen"/>
+      </a:minorFont>
+    </a:fontScheme>
+    <a:fmtScheme name="Office">
+      <a:fillStyleLst>
+        <a:solidFill>
+          <a:schemeClr val="phClr"/>
+        </a:solidFill>
+        <a:gradFill rotWithShape="1">
+          <a:gsLst>
+            <a:gs pos="0">
+              <a:schemeClr val="phClr">
+                <a:lumMod val="110000"/>
+                <a:satMod val="105000"/>
+                <a:tint val="67000"/>
+              </a:schemeClr>
+            </a:gs>
+            <a:gs pos="50000">
+              <a:schemeClr val="phClr">
+                <a:lumMod val="105000"/>
+                <a:satMod val="103000"/>
+                <a:tint val="73000"/>
+              </a:schemeClr>
+            </a:gs>
+            <a:gs pos="100000">
+              <a:schemeClr val="phClr">
+                <a:lumMod val="105000"/>
+                <a:satMod val="109000"/>
+                <a:tint val="81000"/>
+              </a:schemeClr>
+            </a:gs>
+          </a:gsLst>
+          <a:lin ang="5400000" scaled="0"/>
+        </a:gradFill>
+        <a:gradFill rotWithShape="1">
+          <a:gsLst>
+            <a:gs pos="0">
+              <a:schemeClr val="phClr">
+                <a:satMod val="103000"/>
+                <a:lumMod val="102000"/>
+                <a:tint val="94000"/>
+              </a:schemeClr>
+            </a:gs>
+            <a:gs pos="50000">
+              <a:schemeClr val="phClr">
+                <a:satMod val="110000"/>
+                <a:lumMod val="100000"/>
+                <a:shade val="100000"/>
+              </a:schemeClr>
+            </a:gs>
+            <a:gs pos="100000">
+              <a:schemeClr val="phClr">
+                <a:lumMod val="99000"/>
+                <a:satMod val="120000"/>
+                <a:shade val="78000"/>
+              </a:schemeClr>
+            </a:gs>
+          </a:gsLst>
+          <a:lin ang="5400000" scaled="0"/>
+        </a:gradFill>
+      </a:fillStyleLst>
+      <a:lnStyleLst>
+        <a:ln w="6350" cap="flat" cmpd="sng" algn="ctr">
+          <a:solidFill>
+            <a:schemeClr val="phClr"/>
+          </a:solidFill>
+          <a:prstDash val="solid"/>
+          <a:miter lim="800000"/>
+        </a:ln>
+        <a:ln w="12700" cap="flat" cmpd="sng" algn="ctr">
+          <a:solidFill>
+            <a:schemeClr val="phClr"/>
+          </a:solidFill>
+          <a:prstDash val="solid"/>
+          <a:miter lim="800000"/>
+        </a:ln>
+        <a:ln w="19050" cap="flat" cmpd="sng" algn="ctr">
+          <a:solidFill>
+            <a:schemeClr val="phClr"/>
+          </a:solidFill>
+          <a:prstDash val="solid"/>
+          <a:miter lim="800000"/>
+        </a:ln>
+      </a:lnStyleLst>
+      <a:effectStyleLst>
+        <a:effectStyle>
+          <a:effectLst/>
+        </a:effectStyle>
+        <a:effectStyle>
+          <a:effectLst/>
+        </a:effectStyle>
+        <a:effectStyle>
+          <a:effectLst>
+            <a:outerShdw blurRad="57150" dist="19050" dir="5400000" algn="ctr" rotWithShape="0">
+              <a:srgbClr val="000000">
+                <a:alpha val="63000"/>
+              </a:srgbClr>
+            </a:outerShdw>
+          </a:effectLst>
+        </a:effectStyle>
+      </a:effectStyleLst>
+      <a:bgFillStyleLst>
+        <a:solidFill>
+          <a:schemeClr val="phClr"/>
+        </a:solidFill>
+        <a:solidFill>
+          <a:schemeClr val="phClr">
+            <a:tint val="95000"/>
+            <a:satMod val="170000"/>
+          </a:schemeClr>
+        </a:solidFill>
+        <a:gradFill rotWithShape="1">
+          <a:gsLst>
+            <a:gs pos="0">
+              <a:schemeClr val="phClr">
+                <a:tint val="93000"/>
+                <a:satMod val="150000"/>
+                <a:shade val="98000"/>
+                <a:lumMod val="102000"/>
+              </a:schemeClr>
+            </a:gs>
+            <a:gs pos="50000">
+              <a:schemeClr val="phClr">
+                <a:tint val="98000"/>
+                <a:satMod val="130000"/>
+                <a:shade val="90000"/>
+                <a:lumMod val="103000"/>
+              </a:schemeClr>
+            </a:gs>
+            <a:gs pos="100000">
+              <a:schemeClr val="phClr">
+                <a:shade val="63000"/>
+                <a:satMod val="120000"/>
+              </a:schemeClr>
+            </a:gs>
+          </a:gsLst>
+          <a:lin ang="5400000" scaled="0"/>
+        </a:gradFill>
+      </a:bgFillStyleLst>
+    </a:fmtScheme>
+  </a:themeElements>
+  <a:objectDefaults/>
+  <a:extraClrSchemeLst/>
+  <a:extLst>
+    <a:ext uri="{05A4C25C-085E-4340-85A3-A5531E510DB2}">
+      <thm15:themeFamily xmlns:thm15="http://schemas.microsoft.com/office/thememl/2012/main" name="Office Theme" id="{62F939B6-93AF-4DB8-9C6B-D6C7DFDC589F}" vid="{4A3C46E8-61CC-4603-A589-7422A47A8E4A}"/>
+    </a:ext>
+  </a:extLst>
+</a:theme>
 </file>
--- a/documentation/Prezentare.pptx
+++ b/documentation/Prezentare.pptx
@@ -5,7 +5,7 @@
     <p:sldMasterId id="2147483732" r:id="rId1"/>
   </p:sldMasterIdLst>
   <p:notesMasterIdLst>
-    <p:notesMasterId r:id="rId17"/>
+    <p:notesMasterId r:id="rId18"/>
   </p:notesMasterIdLst>
   <p:sldIdLst>
     <p:sldId id="256" r:id="rId2"/>
@@ -22,7 +22,8 @@
     <p:sldId id="264" r:id="rId13"/>
     <p:sldId id="265" r:id="rId14"/>
     <p:sldId id="266" r:id="rId15"/>
-    <p:sldId id="269" r:id="rId16"/>
+    <p:sldId id="271" r:id="rId16"/>
+    <p:sldId id="269" r:id="rId17"/>
   </p:sldIdLst>
   <p:sldSz cx="12192000" cy="6858000"/>
   <p:notesSz cx="6858000" cy="9144000"/>
@@ -211,7 +212,7 @@
           <a:p>
             <a:fld id="{86DFBA85-E6BB-4198-A85E-2D428CD13009}" type="datetimeFigureOut">
               <a:rPr lang="en-US" smtClean="0"/>
-              <a:t>2/6/2019</a:t>
+              <a:t>2/10/2019</a:t>
             </a:fld>
             <a:endParaRPr lang="en-US"/>
           </a:p>
@@ -697,7 +698,7 @@
           <a:noFill/>
           <a:extLst>
             <a:ext uri="{909E8E84-426E-40dd-AFC4-6F175D3DCCD1}">
-              <a14:hiddenFill xmlns="" xmlns:a14="http://schemas.microsoft.com/office/drawing/2010/main">
+              <a14:hiddenFill xmlns:a14="http://schemas.microsoft.com/office/drawing/2010/main" xmlns="">
                 <a:solidFill>
                   <a:srgbClr val="FFFFFF"/>
                 </a:solidFill>
@@ -757,7 +758,7 @@
             </a:ln>
             <a:extLst>
               <a:ext uri="{91240B29-F687-4f45-9708-019B960494DF}">
-                <a14:hiddenLine xmlns="" xmlns:a14="http://schemas.microsoft.com/office/drawing/2010/main" w="9525">
+                <a14:hiddenLine xmlns:a14="http://schemas.microsoft.com/office/drawing/2010/main" xmlns="" w="9525">
                   <a:solidFill>
                     <a:srgbClr val="000000"/>
                   </a:solidFill>
@@ -847,7 +848,7 @@
             </a:ln>
             <a:extLst>
               <a:ext uri="{91240B29-F687-4f45-9708-019B960494DF}">
-                <a14:hiddenLine xmlns="" xmlns:a14="http://schemas.microsoft.com/office/drawing/2010/main" w="9525">
+                <a14:hiddenLine xmlns:a14="http://schemas.microsoft.com/office/drawing/2010/main" xmlns="" w="9525">
                   <a:solidFill>
                     <a:srgbClr val="000000"/>
                   </a:solidFill>
@@ -937,7 +938,7 @@
             </a:ln>
             <a:extLst>
               <a:ext uri="{91240B29-F687-4f45-9708-019B960494DF}">
-                <a14:hiddenLine xmlns="" xmlns:a14="http://schemas.microsoft.com/office/drawing/2010/main" w="9525">
+                <a14:hiddenLine xmlns:a14="http://schemas.microsoft.com/office/drawing/2010/main" xmlns="" w="9525">
                   <a:solidFill>
                     <a:srgbClr val="000000"/>
                   </a:solidFill>
@@ -971,7 +972,7 @@
             </a:ln>
             <a:extLst>
               <a:ext uri="{91240B29-F687-4f45-9708-019B960494DF}">
-                <a14:hiddenLine xmlns="" xmlns:a14="http://schemas.microsoft.com/office/drawing/2010/main" w="9525">
+                <a14:hiddenLine xmlns:a14="http://schemas.microsoft.com/office/drawing/2010/main" xmlns="" w="9525">
                   <a:solidFill>
                     <a:srgbClr val="000000"/>
                   </a:solidFill>
@@ -1061,7 +1062,7 @@
             </a:ln>
             <a:extLst>
               <a:ext uri="{91240B29-F687-4f45-9708-019B960494DF}">
-                <a14:hiddenLine xmlns="" xmlns:a14="http://schemas.microsoft.com/office/drawing/2010/main" w="9525">
+                <a14:hiddenLine xmlns:a14="http://schemas.microsoft.com/office/drawing/2010/main" xmlns="" w="9525">
                   <a:solidFill>
                     <a:srgbClr val="000000"/>
                   </a:solidFill>
@@ -1123,7 +1124,7 @@
             </a:ln>
             <a:extLst>
               <a:ext uri="{91240B29-F687-4f45-9708-019B960494DF}">
-                <a14:hiddenLine xmlns="" xmlns:a14="http://schemas.microsoft.com/office/drawing/2010/main" w="9525">
+                <a14:hiddenLine xmlns:a14="http://schemas.microsoft.com/office/drawing/2010/main" xmlns="" w="9525">
                   <a:solidFill>
                     <a:srgbClr val="000000"/>
                   </a:solidFill>
@@ -1185,7 +1186,7 @@
             </a:ln>
             <a:extLst>
               <a:ext uri="{91240B29-F687-4f45-9708-019B960494DF}">
-                <a14:hiddenLine xmlns="" xmlns:a14="http://schemas.microsoft.com/office/drawing/2010/main" w="9525">
+                <a14:hiddenLine xmlns:a14="http://schemas.microsoft.com/office/drawing/2010/main" xmlns="" w="9525">
                   <a:solidFill>
                     <a:srgbClr val="000000"/>
                   </a:solidFill>
@@ -1275,7 +1276,7 @@
             </a:ln>
             <a:extLst>
               <a:ext uri="{91240B29-F687-4f45-9708-019B960494DF}">
-                <a14:hiddenLine xmlns="" xmlns:a14="http://schemas.microsoft.com/office/drawing/2010/main" w="9525">
+                <a14:hiddenLine xmlns:a14="http://schemas.microsoft.com/office/drawing/2010/main" xmlns="" w="9525">
                   <a:solidFill>
                     <a:srgbClr val="000000"/>
                   </a:solidFill>
@@ -1337,7 +1338,7 @@
             </a:ln>
             <a:extLst>
               <a:ext uri="{91240B29-F687-4f45-9708-019B960494DF}">
-                <a14:hiddenLine xmlns="" xmlns:a14="http://schemas.microsoft.com/office/drawing/2010/main" w="9525">
+                <a14:hiddenLine xmlns:a14="http://schemas.microsoft.com/office/drawing/2010/main" xmlns="" w="9525">
                   <a:solidFill>
                     <a:srgbClr val="000000"/>
                   </a:solidFill>
@@ -1399,7 +1400,7 @@
             </a:ln>
             <a:extLst>
               <a:ext uri="{91240B29-F687-4f45-9708-019B960494DF}">
-                <a14:hiddenLine xmlns="" xmlns:a14="http://schemas.microsoft.com/office/drawing/2010/main" w="9525">
+                <a14:hiddenLine xmlns:a14="http://schemas.microsoft.com/office/drawing/2010/main" xmlns="" w="9525">
                   <a:solidFill>
                     <a:srgbClr val="000000"/>
                   </a:solidFill>
@@ -1489,7 +1490,7 @@
             </a:ln>
             <a:extLst>
               <a:ext uri="{91240B29-F687-4f45-9708-019B960494DF}">
-                <a14:hiddenLine xmlns="" xmlns:a14="http://schemas.microsoft.com/office/drawing/2010/main" w="9525">
+                <a14:hiddenLine xmlns:a14="http://schemas.microsoft.com/office/drawing/2010/main" xmlns="" w="9525">
                   <a:solidFill>
                     <a:srgbClr val="000000"/>
                   </a:solidFill>
@@ -1579,7 +1580,7 @@
             </a:ln>
             <a:extLst>
               <a:ext uri="{91240B29-F687-4f45-9708-019B960494DF}">
-                <a14:hiddenLine xmlns="" xmlns:a14="http://schemas.microsoft.com/office/drawing/2010/main" w="9525">
+                <a14:hiddenLine xmlns:a14="http://schemas.microsoft.com/office/drawing/2010/main" xmlns="" w="9525">
                   <a:solidFill>
                     <a:srgbClr val="000000"/>
                   </a:solidFill>
@@ -1641,7 +1642,7 @@
             </a:ln>
             <a:extLst>
               <a:ext uri="{91240B29-F687-4f45-9708-019B960494DF}">
-                <a14:hiddenLine xmlns="" xmlns:a14="http://schemas.microsoft.com/office/drawing/2010/main" w="9525">
+                <a14:hiddenLine xmlns:a14="http://schemas.microsoft.com/office/drawing/2010/main" xmlns="" w="9525">
                   <a:solidFill>
                     <a:srgbClr val="000000"/>
                   </a:solidFill>
@@ -1751,7 +1752,7 @@
             </a:ln>
             <a:extLst>
               <a:ext uri="{91240B29-F687-4f45-9708-019B960494DF}">
-                <a14:hiddenLine xmlns="" xmlns:a14="http://schemas.microsoft.com/office/drawing/2010/main" w="9525">
+                <a14:hiddenLine xmlns:a14="http://schemas.microsoft.com/office/drawing/2010/main" xmlns="" w="9525">
                   <a:solidFill>
                     <a:srgbClr val="000000"/>
                   </a:solidFill>
@@ -1813,7 +1814,7 @@
             </a:ln>
             <a:extLst>
               <a:ext uri="{91240B29-F687-4f45-9708-019B960494DF}">
-                <a14:hiddenLine xmlns="" xmlns:a14="http://schemas.microsoft.com/office/drawing/2010/main" w="9525">
+                <a14:hiddenLine xmlns:a14="http://schemas.microsoft.com/office/drawing/2010/main" xmlns="" w="9525">
                   <a:solidFill>
                     <a:srgbClr val="000000"/>
                   </a:solidFill>
@@ -1903,7 +1904,7 @@
             </a:ln>
             <a:extLst>
               <a:ext uri="{91240B29-F687-4f45-9708-019B960494DF}">
-                <a14:hiddenLine xmlns="" xmlns:a14="http://schemas.microsoft.com/office/drawing/2010/main" w="9525">
+                <a14:hiddenLine xmlns:a14="http://schemas.microsoft.com/office/drawing/2010/main" xmlns="" w="9525">
                   <a:solidFill>
                     <a:srgbClr val="000000"/>
                   </a:solidFill>
@@ -1993,7 +1994,7 @@
             </a:ln>
             <a:extLst>
               <a:ext uri="{91240B29-F687-4f45-9708-019B960494DF}">
-                <a14:hiddenLine xmlns="" xmlns:a14="http://schemas.microsoft.com/office/drawing/2010/main" w="9525">
+                <a14:hiddenLine xmlns:a14="http://schemas.microsoft.com/office/drawing/2010/main" xmlns="" w="9525">
                   <a:solidFill>
                     <a:srgbClr val="000000"/>
                   </a:solidFill>
@@ -2055,7 +2056,7 @@
             </a:ln>
             <a:extLst>
               <a:ext uri="{91240B29-F687-4f45-9708-019B960494DF}">
-                <a14:hiddenLine xmlns="" xmlns:a14="http://schemas.microsoft.com/office/drawing/2010/main" w="9525">
+                <a14:hiddenLine xmlns:a14="http://schemas.microsoft.com/office/drawing/2010/main" xmlns="" w="9525">
                   <a:solidFill>
                     <a:srgbClr val="000000"/>
                   </a:solidFill>
@@ -2145,7 +2146,7 @@
             </a:ln>
             <a:extLst>
               <a:ext uri="{91240B29-F687-4f45-9708-019B960494DF}">
-                <a14:hiddenLine xmlns="" xmlns:a14="http://schemas.microsoft.com/office/drawing/2010/main" w="9525">
+                <a14:hiddenLine xmlns:a14="http://schemas.microsoft.com/office/drawing/2010/main" xmlns="" w="9525">
                   <a:solidFill>
                     <a:srgbClr val="000000"/>
                   </a:solidFill>
@@ -2235,7 +2236,7 @@
             </a:ln>
             <a:extLst>
               <a:ext uri="{91240B29-F687-4f45-9708-019B960494DF}">
-                <a14:hiddenLine xmlns="" xmlns:a14="http://schemas.microsoft.com/office/drawing/2010/main" w="9525">
+                <a14:hiddenLine xmlns:a14="http://schemas.microsoft.com/office/drawing/2010/main" xmlns="" w="9525">
                   <a:solidFill>
                     <a:srgbClr val="000000"/>
                   </a:solidFill>
@@ -2291,7 +2292,7 @@
             </a:ln>
             <a:extLst>
               <a:ext uri="{91240B29-F687-4f45-9708-019B960494DF}">
-                <a14:hiddenLine xmlns="" xmlns:a14="http://schemas.microsoft.com/office/drawing/2010/main" w="9525">
+                <a14:hiddenLine xmlns:a14="http://schemas.microsoft.com/office/drawing/2010/main" xmlns="" w="9525">
                   <a:solidFill>
                     <a:srgbClr val="000000"/>
                   </a:solidFill>
@@ -2381,7 +2382,7 @@
             </a:ln>
             <a:extLst>
               <a:ext uri="{91240B29-F687-4f45-9708-019B960494DF}">
-                <a14:hiddenLine xmlns="" xmlns:a14="http://schemas.microsoft.com/office/drawing/2010/main" w="9525">
+                <a14:hiddenLine xmlns:a14="http://schemas.microsoft.com/office/drawing/2010/main" xmlns="" w="9525">
                   <a:solidFill>
                     <a:srgbClr val="000000"/>
                   </a:solidFill>
@@ -2437,7 +2438,7 @@
             </a:ln>
             <a:extLst>
               <a:ext uri="{91240B29-F687-4f45-9708-019B960494DF}">
-                <a14:hiddenLine xmlns="" xmlns:a14="http://schemas.microsoft.com/office/drawing/2010/main" w="9525">
+                <a14:hiddenLine xmlns:a14="http://schemas.microsoft.com/office/drawing/2010/main" xmlns="" w="9525">
                   <a:solidFill>
                     <a:srgbClr val="000000"/>
                   </a:solidFill>
@@ -2527,7 +2528,7 @@
             </a:ln>
             <a:extLst>
               <a:ext uri="{91240B29-F687-4f45-9708-019B960494DF}">
-                <a14:hiddenLine xmlns="" xmlns:a14="http://schemas.microsoft.com/office/drawing/2010/main" w="9525">
+                <a14:hiddenLine xmlns:a14="http://schemas.microsoft.com/office/drawing/2010/main" xmlns="" w="9525">
                   <a:solidFill>
                     <a:srgbClr val="000000"/>
                   </a:solidFill>
@@ -2595,7 +2596,7 @@
             </a:ln>
             <a:extLst>
               <a:ext uri="{91240B29-F687-4f45-9708-019B960494DF}">
-                <a14:hiddenLine xmlns="" xmlns:a14="http://schemas.microsoft.com/office/drawing/2010/main" w="9525">
+                <a14:hiddenLine xmlns:a14="http://schemas.microsoft.com/office/drawing/2010/main" xmlns="" w="9525">
                   <a:solidFill>
                     <a:srgbClr val="000000"/>
                   </a:solidFill>
@@ -2685,7 +2686,7 @@
             </a:ln>
             <a:extLst>
               <a:ext uri="{91240B29-F687-4f45-9708-019B960494DF}">
-                <a14:hiddenLine xmlns="" xmlns:a14="http://schemas.microsoft.com/office/drawing/2010/main" w="9525">
+                <a14:hiddenLine xmlns:a14="http://schemas.microsoft.com/office/drawing/2010/main" xmlns="" w="9525">
                   <a:solidFill>
                     <a:srgbClr val="000000"/>
                   </a:solidFill>
@@ -2753,7 +2754,7 @@
             </a:ln>
             <a:extLst>
               <a:ext uri="{91240B29-F687-4f45-9708-019B960494DF}">
-                <a14:hiddenLine xmlns="" xmlns:a14="http://schemas.microsoft.com/office/drawing/2010/main" w="9525">
+                <a14:hiddenLine xmlns:a14="http://schemas.microsoft.com/office/drawing/2010/main" xmlns="" w="9525">
                   <a:solidFill>
                     <a:srgbClr val="000000"/>
                   </a:solidFill>
@@ -2843,7 +2844,7 @@
             </a:ln>
             <a:extLst>
               <a:ext uri="{91240B29-F687-4f45-9708-019B960494DF}">
-                <a14:hiddenLine xmlns="" xmlns:a14="http://schemas.microsoft.com/office/drawing/2010/main" w="9525">
+                <a14:hiddenLine xmlns:a14="http://schemas.microsoft.com/office/drawing/2010/main" xmlns="" w="9525">
                   <a:solidFill>
                     <a:srgbClr val="000000"/>
                   </a:solidFill>
@@ -2877,7 +2878,7 @@
             </a:ln>
             <a:extLst>
               <a:ext uri="{91240B29-F687-4f45-9708-019B960494DF}">
-                <a14:hiddenLine xmlns="" xmlns:a14="http://schemas.microsoft.com/office/drawing/2010/main" w="9525">
+                <a14:hiddenLine xmlns:a14="http://schemas.microsoft.com/office/drawing/2010/main" xmlns="" w="9525">
                   <a:solidFill>
                     <a:srgbClr val="000000"/>
                   </a:solidFill>
@@ -2967,7 +2968,7 @@
             </a:ln>
             <a:extLst>
               <a:ext uri="{91240B29-F687-4f45-9708-019B960494DF}">
-                <a14:hiddenLine xmlns="" xmlns:a14="http://schemas.microsoft.com/office/drawing/2010/main" w="9525">
+                <a14:hiddenLine xmlns:a14="http://schemas.microsoft.com/office/drawing/2010/main" xmlns="" w="9525">
                   <a:solidFill>
                     <a:srgbClr val="000000"/>
                   </a:solidFill>
@@ -3029,7 +3030,7 @@
             </a:ln>
             <a:extLst>
               <a:ext uri="{91240B29-F687-4f45-9708-019B960494DF}">
-                <a14:hiddenLine xmlns="" xmlns:a14="http://schemas.microsoft.com/office/drawing/2010/main" w="9525">
+                <a14:hiddenLine xmlns:a14="http://schemas.microsoft.com/office/drawing/2010/main" xmlns="" w="9525">
                   <a:solidFill>
                     <a:srgbClr val="000000"/>
                   </a:solidFill>
@@ -3091,7 +3092,7 @@
             </a:ln>
             <a:extLst>
               <a:ext uri="{91240B29-F687-4f45-9708-019B960494DF}">
-                <a14:hiddenLine xmlns="" xmlns:a14="http://schemas.microsoft.com/office/drawing/2010/main" w="9525">
+                <a14:hiddenLine xmlns:a14="http://schemas.microsoft.com/office/drawing/2010/main" xmlns="" w="9525">
                   <a:solidFill>
                     <a:srgbClr val="000000"/>
                   </a:solidFill>
@@ -3181,7 +3182,7 @@
             </a:ln>
             <a:extLst>
               <a:ext uri="{91240B29-F687-4f45-9708-019B960494DF}">
-                <a14:hiddenLine xmlns="" xmlns:a14="http://schemas.microsoft.com/office/drawing/2010/main" w="9525">
+                <a14:hiddenLine xmlns:a14="http://schemas.microsoft.com/office/drawing/2010/main" xmlns="" w="9525">
                   <a:solidFill>
                     <a:srgbClr val="000000"/>
                   </a:solidFill>
@@ -3249,7 +3250,7 @@
             </a:ln>
             <a:extLst>
               <a:ext uri="{91240B29-F687-4f45-9708-019B960494DF}">
-                <a14:hiddenLine xmlns="" xmlns:a14="http://schemas.microsoft.com/office/drawing/2010/main" w="9525">
+                <a14:hiddenLine xmlns:a14="http://schemas.microsoft.com/office/drawing/2010/main" xmlns="" w="9525">
                   <a:solidFill>
                     <a:srgbClr val="000000"/>
                   </a:solidFill>
@@ -3311,7 +3312,7 @@
             </a:ln>
             <a:extLst>
               <a:ext uri="{91240B29-F687-4f45-9708-019B960494DF}">
-                <a14:hiddenLine xmlns="" xmlns:a14="http://schemas.microsoft.com/office/drawing/2010/main" w="9525">
+                <a14:hiddenLine xmlns:a14="http://schemas.microsoft.com/office/drawing/2010/main" xmlns="" w="9525">
                   <a:solidFill>
                     <a:srgbClr val="000000"/>
                   </a:solidFill>
@@ -3401,7 +3402,7 @@
             </a:ln>
             <a:extLst>
               <a:ext uri="{91240B29-F687-4f45-9708-019B960494DF}">
-                <a14:hiddenLine xmlns="" xmlns:a14="http://schemas.microsoft.com/office/drawing/2010/main" w="9525">
+                <a14:hiddenLine xmlns:a14="http://schemas.microsoft.com/office/drawing/2010/main" xmlns="" w="9525">
                   <a:solidFill>
                     <a:srgbClr val="000000"/>
                   </a:solidFill>
@@ -3463,7 +3464,7 @@
             </a:ln>
             <a:extLst>
               <a:ext uri="{91240B29-F687-4f45-9708-019B960494DF}">
-                <a14:hiddenLine xmlns="" xmlns:a14="http://schemas.microsoft.com/office/drawing/2010/main" w="9525">
+                <a14:hiddenLine xmlns:a14="http://schemas.microsoft.com/office/drawing/2010/main" xmlns="" w="9525">
                   <a:solidFill>
                     <a:srgbClr val="000000"/>
                   </a:solidFill>
@@ -3553,7 +3554,7 @@
             </a:ln>
             <a:extLst>
               <a:ext uri="{91240B29-F687-4f45-9708-019B960494DF}">
-                <a14:hiddenLine xmlns="" xmlns:a14="http://schemas.microsoft.com/office/drawing/2010/main" w="9525">
+                <a14:hiddenLine xmlns:a14="http://schemas.microsoft.com/office/drawing/2010/main" xmlns="" w="9525">
                   <a:solidFill>
                     <a:srgbClr val="000000"/>
                   </a:solidFill>
@@ -3615,7 +3616,7 @@
             </a:ln>
             <a:extLst>
               <a:ext uri="{91240B29-F687-4f45-9708-019B960494DF}">
-                <a14:hiddenLine xmlns="" xmlns:a14="http://schemas.microsoft.com/office/drawing/2010/main" w="9525">
+                <a14:hiddenLine xmlns:a14="http://schemas.microsoft.com/office/drawing/2010/main" xmlns="" w="9525">
                   <a:solidFill>
                     <a:srgbClr val="000000"/>
                   </a:solidFill>
@@ -3705,7 +3706,7 @@
             </a:ln>
             <a:extLst>
               <a:ext uri="{91240B29-F687-4f45-9708-019B960494DF}">
-                <a14:hiddenLine xmlns="" xmlns:a14="http://schemas.microsoft.com/office/drawing/2010/main" w="9525">
+                <a14:hiddenLine xmlns:a14="http://schemas.microsoft.com/office/drawing/2010/main" xmlns="" w="9525">
                   <a:solidFill>
                     <a:srgbClr val="000000"/>
                   </a:solidFill>
@@ -3739,7 +3740,7 @@
             </a:ln>
             <a:extLst>
               <a:ext uri="{91240B29-F687-4f45-9708-019B960494DF}">
-                <a14:hiddenLine xmlns="" xmlns:a14="http://schemas.microsoft.com/office/drawing/2010/main" w="9525">
+                <a14:hiddenLine xmlns:a14="http://schemas.microsoft.com/office/drawing/2010/main" xmlns="" w="9525">
                   <a:solidFill>
                     <a:srgbClr val="000000"/>
                   </a:solidFill>
@@ -3804,7 +3805,7 @@
             </a:ln>
             <a:extLst>
               <a:ext uri="{91240B29-F687-4f45-9708-019B960494DF}">
-                <a14:hiddenLine xmlns="" xmlns:a14="http://schemas.microsoft.com/office/drawing/2010/main" w="9525">
+                <a14:hiddenLine xmlns:a14="http://schemas.microsoft.com/office/drawing/2010/main" xmlns="" w="9525">
                   <a:solidFill>
                     <a:srgbClr val="000000"/>
                   </a:solidFill>
@@ -3894,7 +3895,7 @@
             </a:ln>
             <a:extLst>
               <a:ext uri="{91240B29-F687-4f45-9708-019B960494DF}">
-                <a14:hiddenLine xmlns="" xmlns:a14="http://schemas.microsoft.com/office/drawing/2010/main" w="9525">
+                <a14:hiddenLine xmlns:a14="http://schemas.microsoft.com/office/drawing/2010/main" xmlns="" w="9525">
                   <a:solidFill>
                     <a:srgbClr val="000000"/>
                   </a:solidFill>
@@ -3956,7 +3957,7 @@
             </a:ln>
             <a:extLst>
               <a:ext uri="{91240B29-F687-4f45-9708-019B960494DF}">
-                <a14:hiddenLine xmlns="" xmlns:a14="http://schemas.microsoft.com/office/drawing/2010/main" w="9525">
+                <a14:hiddenLine xmlns:a14="http://schemas.microsoft.com/office/drawing/2010/main" xmlns="" w="9525">
                   <a:solidFill>
                     <a:srgbClr val="000000"/>
                   </a:solidFill>
@@ -4046,7 +4047,7 @@
             </a:ln>
             <a:extLst>
               <a:ext uri="{91240B29-F687-4f45-9708-019B960494DF}">
-                <a14:hiddenLine xmlns="" xmlns:a14="http://schemas.microsoft.com/office/drawing/2010/main" w="9525">
+                <a14:hiddenLine xmlns:a14="http://schemas.microsoft.com/office/drawing/2010/main" xmlns="" w="9525">
                   <a:solidFill>
                     <a:srgbClr val="000000"/>
                   </a:solidFill>
@@ -4136,7 +4137,7 @@
             </a:ln>
             <a:extLst>
               <a:ext uri="{91240B29-F687-4f45-9708-019B960494DF}">
-                <a14:hiddenLine xmlns="" xmlns:a14="http://schemas.microsoft.com/office/drawing/2010/main" w="9525">
+                <a14:hiddenLine xmlns:a14="http://schemas.microsoft.com/office/drawing/2010/main" xmlns="" w="9525">
                   <a:solidFill>
                     <a:srgbClr val="000000"/>
                   </a:solidFill>
@@ -4201,7 +4202,7 @@
             </a:ln>
             <a:extLst>
               <a:ext uri="{91240B29-F687-4f45-9708-019B960494DF}">
-                <a14:hiddenLine xmlns="" xmlns:a14="http://schemas.microsoft.com/office/drawing/2010/main" w="9525">
+                <a14:hiddenLine xmlns:a14="http://schemas.microsoft.com/office/drawing/2010/main" xmlns="" w="9525">
                   <a:solidFill>
                     <a:srgbClr val="000000"/>
                   </a:solidFill>
@@ -4263,7 +4264,7 @@
             </a:ln>
             <a:extLst>
               <a:ext uri="{91240B29-F687-4f45-9708-019B960494DF}">
-                <a14:hiddenLine xmlns="" xmlns:a14="http://schemas.microsoft.com/office/drawing/2010/main" w="9525">
+                <a14:hiddenLine xmlns:a14="http://schemas.microsoft.com/office/drawing/2010/main" xmlns="" w="9525">
                   <a:solidFill>
                     <a:srgbClr val="000000"/>
                   </a:solidFill>
@@ -4353,7 +4354,7 @@
             </a:ln>
             <a:extLst>
               <a:ext uri="{91240B29-F687-4f45-9708-019B960494DF}">
-                <a14:hiddenLine xmlns="" xmlns:a14="http://schemas.microsoft.com/office/drawing/2010/main" w="9525">
+                <a14:hiddenLine xmlns:a14="http://schemas.microsoft.com/office/drawing/2010/main" xmlns="" w="9525">
                   <a:solidFill>
                     <a:srgbClr val="000000"/>
                   </a:solidFill>
@@ -4443,7 +4444,7 @@
             </a:ln>
             <a:extLst>
               <a:ext uri="{91240B29-F687-4f45-9708-019B960494DF}">
-                <a14:hiddenLine xmlns="" xmlns:a14="http://schemas.microsoft.com/office/drawing/2010/main" w="9525">
+                <a14:hiddenLine xmlns:a14="http://schemas.microsoft.com/office/drawing/2010/main" xmlns="" w="9525">
                   <a:solidFill>
                     <a:srgbClr val="000000"/>
                   </a:solidFill>
@@ -4505,7 +4506,7 @@
             </a:ln>
             <a:extLst>
               <a:ext uri="{91240B29-F687-4f45-9708-019B960494DF}">
-                <a14:hiddenLine xmlns="" xmlns:a14="http://schemas.microsoft.com/office/drawing/2010/main" w="9525">
+                <a14:hiddenLine xmlns:a14="http://schemas.microsoft.com/office/drawing/2010/main" xmlns="" w="9525">
                   <a:solidFill>
                     <a:srgbClr val="000000"/>
                   </a:solidFill>
@@ -4625,7 +4626,7 @@
             </a:ln>
             <a:extLst>
               <a:ext uri="{91240B29-F687-4f45-9708-019B960494DF}">
-                <a14:hiddenLine xmlns="" xmlns:a14="http://schemas.microsoft.com/office/drawing/2010/main" w="9525">
+                <a14:hiddenLine xmlns:a14="http://schemas.microsoft.com/office/drawing/2010/main" xmlns="" w="9525">
                   <a:solidFill>
                     <a:srgbClr val="000000"/>
                   </a:solidFill>
@@ -4693,7 +4694,7 @@
             </a:ln>
             <a:extLst>
               <a:ext uri="{91240B29-F687-4f45-9708-019B960494DF}">
-                <a14:hiddenLine xmlns="" xmlns:a14="http://schemas.microsoft.com/office/drawing/2010/main" w="9525">
+                <a14:hiddenLine xmlns:a14="http://schemas.microsoft.com/office/drawing/2010/main" xmlns="" w="9525">
                   <a:solidFill>
                     <a:srgbClr val="000000"/>
                   </a:solidFill>
@@ -4783,7 +4784,7 @@
             </a:ln>
             <a:extLst>
               <a:ext uri="{91240B29-F687-4f45-9708-019B960494DF}">
-                <a14:hiddenLine xmlns="" xmlns:a14="http://schemas.microsoft.com/office/drawing/2010/main" w="9525">
+                <a14:hiddenLine xmlns:a14="http://schemas.microsoft.com/office/drawing/2010/main" xmlns="" w="9525">
                   <a:solidFill>
                     <a:srgbClr val="000000"/>
                   </a:solidFill>
@@ -4923,7 +4924,7 @@
           <a:p>
             <a:fld id="{A783637B-6E4A-4491-8AE9-A3DE6F44193F}" type="datetimeFigureOut">
               <a:rPr lang="en-US" smtClean="0"/>
-              <a:t>2/6/2019</a:t>
+              <a:t>2/10/2019</a:t>
             </a:fld>
             <a:endParaRPr lang="en-US"/>
           </a:p>
@@ -5190,7 +5191,7 @@
           <a:p>
             <a:fld id="{A783637B-6E4A-4491-8AE9-A3DE6F44193F}" type="datetimeFigureOut">
               <a:rPr lang="en-US" smtClean="0"/>
-              <a:t>2/6/2019</a:t>
+              <a:t>2/10/2019</a:t>
             </a:fld>
             <a:endParaRPr lang="en-US"/>
           </a:p>
@@ -5386,7 +5387,7 @@
           <a:p>
             <a:fld id="{A783637B-6E4A-4491-8AE9-A3DE6F44193F}" type="datetimeFigureOut">
               <a:rPr lang="en-US" smtClean="0"/>
-              <a:t>2/6/2019</a:t>
+              <a:t>2/10/2019</a:t>
             </a:fld>
             <a:endParaRPr lang="en-US"/>
           </a:p>
@@ -5649,7 +5650,7 @@
           <a:p>
             <a:fld id="{A783637B-6E4A-4491-8AE9-A3DE6F44193F}" type="datetimeFigureOut">
               <a:rPr lang="en-US" smtClean="0"/>
-              <a:t>2/6/2019</a:t>
+              <a:t>2/10/2019</a:t>
             </a:fld>
             <a:endParaRPr lang="en-US"/>
           </a:p>
@@ -6083,7 +6084,7 @@
           <a:p>
             <a:fld id="{A783637B-6E4A-4491-8AE9-A3DE6F44193F}" type="datetimeFigureOut">
               <a:rPr lang="en-US" smtClean="0"/>
-              <a:t>2/6/2019</a:t>
+              <a:t>2/10/2019</a:t>
             </a:fld>
             <a:endParaRPr lang="en-US"/>
           </a:p>
@@ -6629,7 +6630,7 @@
           <a:p>
             <a:fld id="{A783637B-6E4A-4491-8AE9-A3DE6F44193F}" type="datetimeFigureOut">
               <a:rPr lang="en-US" smtClean="0"/>
-              <a:t>2/6/2019</a:t>
+              <a:t>2/10/2019</a:t>
             </a:fld>
             <a:endParaRPr lang="en-US"/>
           </a:p>
@@ -7349,7 +7350,7 @@
           <a:p>
             <a:fld id="{A783637B-6E4A-4491-8AE9-A3DE6F44193F}" type="datetimeFigureOut">
               <a:rPr lang="en-US" smtClean="0"/>
-              <a:t>2/6/2019</a:t>
+              <a:t>2/10/2019</a:t>
             </a:fld>
             <a:endParaRPr lang="en-US"/>
           </a:p>
@@ -7519,7 +7520,7 @@
           <a:p>
             <a:fld id="{A783637B-6E4A-4491-8AE9-A3DE6F44193F}" type="datetimeFigureOut">
               <a:rPr lang="en-US" smtClean="0"/>
-              <a:t>2/6/2019</a:t>
+              <a:t>2/10/2019</a:t>
             </a:fld>
             <a:endParaRPr lang="en-US"/>
           </a:p>
@@ -7699,7 +7700,7 @@
           <a:p>
             <a:fld id="{A783637B-6E4A-4491-8AE9-A3DE6F44193F}" type="datetimeFigureOut">
               <a:rPr lang="en-US" smtClean="0"/>
-              <a:t>2/6/2019</a:t>
+              <a:t>2/10/2019</a:t>
             </a:fld>
             <a:endParaRPr lang="en-US"/>
           </a:p>
@@ -7869,7 +7870,7 @@
           <a:p>
             <a:fld id="{A783637B-6E4A-4491-8AE9-A3DE6F44193F}" type="datetimeFigureOut">
               <a:rPr lang="en-US" smtClean="0"/>
-              <a:t>2/6/2019</a:t>
+              <a:t>2/10/2019</a:t>
             </a:fld>
             <a:endParaRPr lang="en-US"/>
           </a:p>
@@ -8119,7 +8120,7 @@
           <a:p>
             <a:fld id="{A783637B-6E4A-4491-8AE9-A3DE6F44193F}" type="datetimeFigureOut">
               <a:rPr lang="en-US" smtClean="0"/>
-              <a:t>2/6/2019</a:t>
+              <a:t>2/10/2019</a:t>
             </a:fld>
             <a:endParaRPr lang="en-US"/>
           </a:p>
@@ -8351,7 +8352,7 @@
           <a:p>
             <a:fld id="{A783637B-6E4A-4491-8AE9-A3DE6F44193F}" type="datetimeFigureOut">
               <a:rPr lang="en-US" smtClean="0"/>
-              <a:t>2/6/2019</a:t>
+              <a:t>2/10/2019</a:t>
             </a:fld>
             <a:endParaRPr lang="en-US"/>
           </a:p>
@@ -8732,7 +8733,7 @@
           <a:p>
             <a:fld id="{A783637B-6E4A-4491-8AE9-A3DE6F44193F}" type="datetimeFigureOut">
               <a:rPr lang="en-US" smtClean="0"/>
-              <a:t>2/6/2019</a:t>
+              <a:t>2/10/2019</a:t>
             </a:fld>
             <a:endParaRPr lang="en-US"/>
           </a:p>
@@ -8850,7 +8851,7 @@
           <a:p>
             <a:fld id="{A783637B-6E4A-4491-8AE9-A3DE6F44193F}" type="datetimeFigureOut">
               <a:rPr lang="en-US" smtClean="0"/>
-              <a:t>2/6/2019</a:t>
+              <a:t>2/10/2019</a:t>
             </a:fld>
             <a:endParaRPr lang="en-US"/>
           </a:p>
@@ -8945,7 +8946,7 @@
           <a:p>
             <a:fld id="{A783637B-6E4A-4491-8AE9-A3DE6F44193F}" type="datetimeFigureOut">
               <a:rPr lang="en-US" smtClean="0"/>
-              <a:t>2/6/2019</a:t>
+              <a:t>2/10/2019</a:t>
             </a:fld>
             <a:endParaRPr lang="en-US"/>
           </a:p>
@@ -9194,7 +9195,7 @@
           <a:p>
             <a:fld id="{A783637B-6E4A-4491-8AE9-A3DE6F44193F}" type="datetimeFigureOut">
               <a:rPr lang="en-US" smtClean="0"/>
-              <a:t>2/6/2019</a:t>
+              <a:t>2/10/2019</a:t>
             </a:fld>
             <a:endParaRPr lang="en-US"/>
           </a:p>
@@ -9474,7 +9475,7 @@
           <a:p>
             <a:fld id="{A783637B-6E4A-4491-8AE9-A3DE6F44193F}" type="datetimeFigureOut">
               <a:rPr lang="en-US" smtClean="0"/>
-              <a:t>2/6/2019</a:t>
+              <a:t>2/10/2019</a:t>
             </a:fld>
             <a:endParaRPr lang="en-US"/>
           </a:p>
@@ -9590,7 +9591,7 @@
           <a:noFill/>
           <a:extLst>
             <a:ext uri="{909E8E84-426E-40dd-AFC4-6F175D3DCCD1}">
-              <a14:hiddenFill xmlns="" xmlns:a14="http://schemas.microsoft.com/office/drawing/2010/main">
+              <a14:hiddenFill xmlns:a14="http://schemas.microsoft.com/office/drawing/2010/main" xmlns="">
                 <a:solidFill>
                   <a:srgbClr val="FFFFFF"/>
                 </a:solidFill>
@@ -9664,7 +9665,7 @@
               </a:ln>
               <a:extLst>
                 <a:ext uri="{91240B29-F687-4f45-9708-019B960494DF}">
-                  <a14:hiddenLine xmlns="" xmlns:a14="http://schemas.microsoft.com/office/drawing/2010/main" w="9525">
+                  <a14:hiddenLine xmlns:a14="http://schemas.microsoft.com/office/drawing/2010/main" xmlns="" w="9525">
                     <a:solidFill>
                       <a:srgbClr val="000000"/>
                     </a:solidFill>
@@ -9754,7 +9755,7 @@
               </a:ln>
               <a:extLst>
                 <a:ext uri="{91240B29-F687-4f45-9708-019B960494DF}">
-                  <a14:hiddenLine xmlns="" xmlns:a14="http://schemas.microsoft.com/office/drawing/2010/main" w="9525">
+                  <a14:hiddenLine xmlns:a14="http://schemas.microsoft.com/office/drawing/2010/main" xmlns="" w="9525">
                     <a:solidFill>
                       <a:srgbClr val="000000"/>
                     </a:solidFill>
@@ -9844,7 +9845,7 @@
               </a:ln>
               <a:extLst>
                 <a:ext uri="{91240B29-F687-4f45-9708-019B960494DF}">
-                  <a14:hiddenLine xmlns="" xmlns:a14="http://schemas.microsoft.com/office/drawing/2010/main" w="9525">
+                  <a14:hiddenLine xmlns:a14="http://schemas.microsoft.com/office/drawing/2010/main" xmlns="" w="9525">
                     <a:solidFill>
                       <a:srgbClr val="000000"/>
                     </a:solidFill>
@@ -9906,7 +9907,7 @@
               </a:ln>
               <a:extLst>
                 <a:ext uri="{91240B29-F687-4f45-9708-019B960494DF}">
-                  <a14:hiddenLine xmlns="" xmlns:a14="http://schemas.microsoft.com/office/drawing/2010/main" w="9525">
+                  <a14:hiddenLine xmlns:a14="http://schemas.microsoft.com/office/drawing/2010/main" xmlns="" w="9525">
                     <a:solidFill>
                       <a:srgbClr val="000000"/>
                     </a:solidFill>
@@ -9996,7 +9997,7 @@
               </a:ln>
               <a:extLst>
                 <a:ext uri="{91240B29-F687-4f45-9708-019B960494DF}">
-                  <a14:hiddenLine xmlns="" xmlns:a14="http://schemas.microsoft.com/office/drawing/2010/main" w="9525">
+                  <a14:hiddenLine xmlns:a14="http://schemas.microsoft.com/office/drawing/2010/main" xmlns="" w="9525">
                     <a:solidFill>
                       <a:srgbClr val="000000"/>
                     </a:solidFill>
@@ -10058,7 +10059,7 @@
               </a:ln>
               <a:extLst>
                 <a:ext uri="{91240B29-F687-4f45-9708-019B960494DF}">
-                  <a14:hiddenLine xmlns="" xmlns:a14="http://schemas.microsoft.com/office/drawing/2010/main" w="9525">
+                  <a14:hiddenLine xmlns:a14="http://schemas.microsoft.com/office/drawing/2010/main" xmlns="" w="9525">
                     <a:solidFill>
                       <a:srgbClr val="000000"/>
                     </a:solidFill>
@@ -10120,7 +10121,7 @@
               </a:ln>
               <a:extLst>
                 <a:ext uri="{91240B29-F687-4f45-9708-019B960494DF}">
-                  <a14:hiddenLine xmlns="" xmlns:a14="http://schemas.microsoft.com/office/drawing/2010/main" w="9525">
+                  <a14:hiddenLine xmlns:a14="http://schemas.microsoft.com/office/drawing/2010/main" xmlns="" w="9525">
                     <a:solidFill>
                       <a:srgbClr val="000000"/>
                     </a:solidFill>
@@ -10210,7 +10211,7 @@
               </a:ln>
               <a:extLst>
                 <a:ext uri="{91240B29-F687-4f45-9708-019B960494DF}">
-                  <a14:hiddenLine xmlns="" xmlns:a14="http://schemas.microsoft.com/office/drawing/2010/main" w="9525">
+                  <a14:hiddenLine xmlns:a14="http://schemas.microsoft.com/office/drawing/2010/main" xmlns="" w="9525">
                     <a:solidFill>
                       <a:srgbClr val="000000"/>
                     </a:solidFill>
@@ -10300,7 +10301,7 @@
               </a:ln>
               <a:extLst>
                 <a:ext uri="{91240B29-F687-4f45-9708-019B960494DF}">
-                  <a14:hiddenLine xmlns="" xmlns:a14="http://schemas.microsoft.com/office/drawing/2010/main" w="9525">
+                  <a14:hiddenLine xmlns:a14="http://schemas.microsoft.com/office/drawing/2010/main" xmlns="" w="9525">
                     <a:solidFill>
                       <a:srgbClr val="000000"/>
                     </a:solidFill>
@@ -10362,7 +10363,7 @@
               </a:ln>
               <a:extLst>
                 <a:ext uri="{91240B29-F687-4f45-9708-019B960494DF}">
-                  <a14:hiddenLine xmlns="" xmlns:a14="http://schemas.microsoft.com/office/drawing/2010/main" w="9525">
+                  <a14:hiddenLine xmlns:a14="http://schemas.microsoft.com/office/drawing/2010/main" xmlns="" w="9525">
                     <a:solidFill>
                       <a:srgbClr val="000000"/>
                     </a:solidFill>
@@ -10472,7 +10473,7 @@
               </a:ln>
               <a:extLst>
                 <a:ext uri="{91240B29-F687-4f45-9708-019B960494DF}">
-                  <a14:hiddenLine xmlns="" xmlns:a14="http://schemas.microsoft.com/office/drawing/2010/main" w="9525">
+                  <a14:hiddenLine xmlns:a14="http://schemas.microsoft.com/office/drawing/2010/main" xmlns="" w="9525">
                     <a:solidFill>
                       <a:srgbClr val="000000"/>
                     </a:solidFill>
@@ -10556,7 +10557,7 @@
               </a:ln>
               <a:extLst>
                 <a:ext uri="{91240B29-F687-4f45-9708-019B960494DF}">
-                  <a14:hiddenLine xmlns="" xmlns:a14="http://schemas.microsoft.com/office/drawing/2010/main" w="9525">
+                  <a14:hiddenLine xmlns:a14="http://schemas.microsoft.com/office/drawing/2010/main" xmlns="" w="9525">
                     <a:solidFill>
                       <a:srgbClr val="000000"/>
                     </a:solidFill>
@@ -10618,7 +10619,7 @@
               </a:ln>
               <a:extLst>
                 <a:ext uri="{91240B29-F687-4f45-9708-019B960494DF}">
-                  <a14:hiddenLine xmlns="" xmlns:a14="http://schemas.microsoft.com/office/drawing/2010/main" w="9525">
+                  <a14:hiddenLine xmlns:a14="http://schemas.microsoft.com/office/drawing/2010/main" xmlns="" w="9525">
                     <a:solidFill>
                       <a:srgbClr val="000000"/>
                     </a:solidFill>
@@ -10680,7 +10681,7 @@
               </a:ln>
               <a:extLst>
                 <a:ext uri="{91240B29-F687-4f45-9708-019B960494DF}">
-                  <a14:hiddenLine xmlns="" xmlns:a14="http://schemas.microsoft.com/office/drawing/2010/main" w="9525">
+                  <a14:hiddenLine xmlns:a14="http://schemas.microsoft.com/office/drawing/2010/main" xmlns="" w="9525">
                     <a:solidFill>
                       <a:srgbClr val="000000"/>
                     </a:solidFill>
@@ -10770,7 +10771,7 @@
               </a:ln>
               <a:extLst>
                 <a:ext uri="{91240B29-F687-4f45-9708-019B960494DF}">
-                  <a14:hiddenLine xmlns="" xmlns:a14="http://schemas.microsoft.com/office/drawing/2010/main" w="9525">
+                  <a14:hiddenLine xmlns:a14="http://schemas.microsoft.com/office/drawing/2010/main" xmlns="" w="9525">
                     <a:solidFill>
                       <a:srgbClr val="000000"/>
                     </a:solidFill>
@@ -10804,7 +10805,7 @@
               </a:ln>
               <a:extLst>
                 <a:ext uri="{91240B29-F687-4f45-9708-019B960494DF}">
-                  <a14:hiddenLine xmlns="" xmlns:a14="http://schemas.microsoft.com/office/drawing/2010/main" w="9525">
+                  <a14:hiddenLine xmlns:a14="http://schemas.microsoft.com/office/drawing/2010/main" xmlns="" w="9525">
                     <a:solidFill>
                       <a:srgbClr val="000000"/>
                     </a:solidFill>
@@ -10869,7 +10870,7 @@
               </a:ln>
               <a:extLst>
                 <a:ext uri="{91240B29-F687-4f45-9708-019B960494DF}">
-                  <a14:hiddenLine xmlns="" xmlns:a14="http://schemas.microsoft.com/office/drawing/2010/main" w="9525">
+                  <a14:hiddenLine xmlns:a14="http://schemas.microsoft.com/office/drawing/2010/main" xmlns="" w="9525">
                     <a:solidFill>
                       <a:srgbClr val="000000"/>
                     </a:solidFill>
@@ -10959,7 +10960,7 @@
               </a:ln>
               <a:extLst>
                 <a:ext uri="{91240B29-F687-4f45-9708-019B960494DF}">
-                  <a14:hiddenLine xmlns="" xmlns:a14="http://schemas.microsoft.com/office/drawing/2010/main" w="9525">
+                  <a14:hiddenLine xmlns:a14="http://schemas.microsoft.com/office/drawing/2010/main" xmlns="" w="9525">
                     <a:solidFill>
                       <a:srgbClr val="000000"/>
                     </a:solidFill>
@@ -11021,7 +11022,7 @@
               </a:ln>
               <a:extLst>
                 <a:ext uri="{91240B29-F687-4f45-9708-019B960494DF}">
-                  <a14:hiddenLine xmlns="" xmlns:a14="http://schemas.microsoft.com/office/drawing/2010/main" w="9525">
+                  <a14:hiddenLine xmlns:a14="http://schemas.microsoft.com/office/drawing/2010/main" xmlns="" w="9525">
                     <a:solidFill>
                       <a:srgbClr val="000000"/>
                     </a:solidFill>
@@ -11111,7 +11112,7 @@
               </a:ln>
               <a:extLst>
                 <a:ext uri="{91240B29-F687-4f45-9708-019B960494DF}">
-                  <a14:hiddenLine xmlns="" xmlns:a14="http://schemas.microsoft.com/office/drawing/2010/main" w="9525">
+                  <a14:hiddenLine xmlns:a14="http://schemas.microsoft.com/office/drawing/2010/main" xmlns="" w="9525">
                     <a:solidFill>
                       <a:srgbClr val="000000"/>
                     </a:solidFill>
@@ -11176,7 +11177,7 @@
               </a:ln>
               <a:extLst>
                 <a:ext uri="{91240B29-F687-4f45-9708-019B960494DF}">
-                  <a14:hiddenLine xmlns="" xmlns:a14="http://schemas.microsoft.com/office/drawing/2010/main" w="9525">
+                  <a14:hiddenLine xmlns:a14="http://schemas.microsoft.com/office/drawing/2010/main" xmlns="" w="9525">
                     <a:solidFill>
                       <a:srgbClr val="000000"/>
                     </a:solidFill>
@@ -11238,7 +11239,7 @@
               </a:ln>
               <a:extLst>
                 <a:ext uri="{91240B29-F687-4f45-9708-019B960494DF}">
-                  <a14:hiddenLine xmlns="" xmlns:a14="http://schemas.microsoft.com/office/drawing/2010/main" w="9525">
+                  <a14:hiddenLine xmlns:a14="http://schemas.microsoft.com/office/drawing/2010/main" xmlns="" w="9525">
                     <a:solidFill>
                       <a:srgbClr val="000000"/>
                     </a:solidFill>
@@ -11328,7 +11329,7 @@
               </a:ln>
               <a:extLst>
                 <a:ext uri="{91240B29-F687-4f45-9708-019B960494DF}">
-                  <a14:hiddenLine xmlns="" xmlns:a14="http://schemas.microsoft.com/office/drawing/2010/main" w="9525">
+                  <a14:hiddenLine xmlns:a14="http://schemas.microsoft.com/office/drawing/2010/main" xmlns="" w="9525">
                     <a:solidFill>
                       <a:srgbClr val="000000"/>
                     </a:solidFill>
@@ -11418,7 +11419,7 @@
               </a:ln>
               <a:extLst>
                 <a:ext uri="{91240B29-F687-4f45-9708-019B960494DF}">
-                  <a14:hiddenLine xmlns="" xmlns:a14="http://schemas.microsoft.com/office/drawing/2010/main" w="9525">
+                  <a14:hiddenLine xmlns:a14="http://schemas.microsoft.com/office/drawing/2010/main" xmlns="" w="9525">
                     <a:solidFill>
                       <a:srgbClr val="000000"/>
                     </a:solidFill>
@@ -11483,7 +11484,7 @@
               </a:ln>
               <a:extLst>
                 <a:ext uri="{91240B29-F687-4f45-9708-019B960494DF}">
-                  <a14:hiddenLine xmlns="" xmlns:a14="http://schemas.microsoft.com/office/drawing/2010/main" w="9525">
+                  <a14:hiddenLine xmlns:a14="http://schemas.microsoft.com/office/drawing/2010/main" xmlns="" w="9525">
                     <a:solidFill>
                       <a:srgbClr val="000000"/>
                     </a:solidFill>
@@ -11603,7 +11604,7 @@
               </a:ln>
               <a:extLst>
                 <a:ext uri="{91240B29-F687-4f45-9708-019B960494DF}">
-                  <a14:hiddenLine xmlns="" xmlns:a14="http://schemas.microsoft.com/office/drawing/2010/main" w="9525">
+                  <a14:hiddenLine xmlns:a14="http://schemas.microsoft.com/office/drawing/2010/main" xmlns="" w="9525">
                     <a:solidFill>
                       <a:srgbClr val="000000"/>
                     </a:solidFill>
@@ -11701,7 +11702,7 @@
               </a:ln>
               <a:extLst>
                 <a:ext uri="{91240B29-F687-4f45-9708-019B960494DF}">
-                  <a14:hiddenLine xmlns="" xmlns:a14="http://schemas.microsoft.com/office/drawing/2010/main" w="9525">
+                  <a14:hiddenLine xmlns:a14="http://schemas.microsoft.com/office/drawing/2010/main" xmlns="" w="9525">
                     <a:solidFill>
                       <a:srgbClr val="000000"/>
                     </a:solidFill>
@@ -11816,7 +11817,7 @@
               </a:ln>
               <a:extLst>
                 <a:ext uri="{91240B29-F687-4f45-9708-019B960494DF}">
-                  <a14:hiddenLine xmlns="" xmlns:a14="http://schemas.microsoft.com/office/drawing/2010/main" w="9525">
+                  <a14:hiddenLine xmlns:a14="http://schemas.microsoft.com/office/drawing/2010/main" xmlns="" w="9525">
                     <a:solidFill>
                       <a:srgbClr val="000000"/>
                     </a:solidFill>
@@ -11906,7 +11907,7 @@
               </a:ln>
               <a:extLst>
                 <a:ext uri="{91240B29-F687-4f45-9708-019B960494DF}">
-                  <a14:hiddenLine xmlns="" xmlns:a14="http://schemas.microsoft.com/office/drawing/2010/main" w="9525">
+                  <a14:hiddenLine xmlns:a14="http://schemas.microsoft.com/office/drawing/2010/main" xmlns="" w="9525">
                     <a:solidFill>
                       <a:srgbClr val="000000"/>
                     </a:solidFill>
@@ -11971,7 +11972,7 @@
               </a:ln>
               <a:extLst>
                 <a:ext uri="{91240B29-F687-4f45-9708-019B960494DF}">
-                  <a14:hiddenLine xmlns="" xmlns:a14="http://schemas.microsoft.com/office/drawing/2010/main" w="9525">
+                  <a14:hiddenLine xmlns:a14="http://schemas.microsoft.com/office/drawing/2010/main" xmlns="" w="9525">
                     <a:solidFill>
                       <a:srgbClr val="000000"/>
                     </a:solidFill>
@@ -12061,7 +12062,7 @@
               </a:ln>
               <a:extLst>
                 <a:ext uri="{91240B29-F687-4f45-9708-019B960494DF}">
-                  <a14:hiddenLine xmlns="" xmlns:a14="http://schemas.microsoft.com/office/drawing/2010/main" w="9525">
+                  <a14:hiddenLine xmlns:a14="http://schemas.microsoft.com/office/drawing/2010/main" xmlns="" w="9525">
                     <a:solidFill>
                       <a:srgbClr val="000000"/>
                     </a:solidFill>
@@ -12129,7 +12130,7 @@
               </a:ln>
               <a:extLst>
                 <a:ext uri="{91240B29-F687-4f45-9708-019B960494DF}">
-                  <a14:hiddenLine xmlns="" xmlns:a14="http://schemas.microsoft.com/office/drawing/2010/main" w="9525">
+                  <a14:hiddenLine xmlns:a14="http://schemas.microsoft.com/office/drawing/2010/main" xmlns="" w="9525">
                     <a:solidFill>
                       <a:srgbClr val="000000"/>
                     </a:solidFill>
@@ -12219,7 +12220,7 @@
               </a:ln>
               <a:extLst>
                 <a:ext uri="{91240B29-F687-4f45-9708-019B960494DF}">
-                  <a14:hiddenLine xmlns="" xmlns:a14="http://schemas.microsoft.com/office/drawing/2010/main" w="9525">
+                  <a14:hiddenLine xmlns:a14="http://schemas.microsoft.com/office/drawing/2010/main" xmlns="" w="9525">
                     <a:solidFill>
                       <a:srgbClr val="000000"/>
                     </a:solidFill>
@@ -12287,7 +12288,7 @@
               </a:ln>
               <a:extLst>
                 <a:ext uri="{91240B29-F687-4f45-9708-019B960494DF}">
-                  <a14:hiddenLine xmlns="" xmlns:a14="http://schemas.microsoft.com/office/drawing/2010/main" w="9525">
+                  <a14:hiddenLine xmlns:a14="http://schemas.microsoft.com/office/drawing/2010/main" xmlns="" w="9525">
                     <a:solidFill>
                       <a:srgbClr val="000000"/>
                     </a:solidFill>
@@ -12377,7 +12378,7 @@
               </a:ln>
               <a:extLst>
                 <a:ext uri="{91240B29-F687-4f45-9708-019B960494DF}">
-                  <a14:hiddenLine xmlns="" xmlns:a14="http://schemas.microsoft.com/office/drawing/2010/main" w="9525">
+                  <a14:hiddenLine xmlns:a14="http://schemas.microsoft.com/office/drawing/2010/main" xmlns="" w="9525">
                     <a:solidFill>
                       <a:srgbClr val="000000"/>
                     </a:solidFill>
@@ -12411,7 +12412,7 @@
               </a:ln>
               <a:extLst>
                 <a:ext uri="{91240B29-F687-4f45-9708-019B960494DF}">
-                  <a14:hiddenLine xmlns="" xmlns:a14="http://schemas.microsoft.com/office/drawing/2010/main" w="9525">
+                  <a14:hiddenLine xmlns:a14="http://schemas.microsoft.com/office/drawing/2010/main" xmlns="" w="9525">
                     <a:solidFill>
                       <a:srgbClr val="000000"/>
                     </a:solidFill>
@@ -12551,7 +12552,7 @@
           <a:p>
             <a:fld id="{A783637B-6E4A-4491-8AE9-A3DE6F44193F}" type="datetimeFigureOut">
               <a:rPr lang="en-US" smtClean="0"/>
-              <a:t>2/6/2019</a:t>
+              <a:t>2/10/2019</a:t>
             </a:fld>
             <a:endParaRPr lang="en-US"/>
           </a:p>
@@ -13491,7 +13492,7 @@
           <a:graphicData uri="http://schemas.openxmlformats.org/presentationml/2006/ole">
             <mc:AlternateContent xmlns:mc="http://schemas.openxmlformats.org/markup-compatibility/2006">
               <mc:Choice xmlns:v="urn:schemas-microsoft-com:vml" Requires="v">
-                <p:oleObj spid="_x0000_s13323" name="Visio" r:id="rId4" imgW="6324779" imgH="2952724" progId="Visio.Drawing.15">
+                <p:oleObj spid="_x0000_s13325" name="Visio" r:id="rId4" imgW="6324779" imgH="2952724" progId="Visio.Drawing.15">
                   <p:embed/>
                 </p:oleObj>
               </mc:Choice>
@@ -14121,7 +14122,7 @@
           <a:graphicData uri="http://schemas.openxmlformats.org/presentationml/2006/ole">
             <mc:AlternateContent xmlns:mc="http://schemas.openxmlformats.org/markup-compatibility/2006">
               <mc:Choice xmlns:v="urn:schemas-microsoft-com:vml" Requires="v">
-                <p:oleObj spid="_x0000_s12301" name="Visio" r:id="rId4" imgW="8934584" imgH="4829214" progId="Visio.Drawing.15">
+                <p:oleObj spid="_x0000_s12303" name="Visio" r:id="rId4" imgW="8934584" imgH="4829214" progId="Visio.Drawing.15">
                   <p:embed/>
                 </p:oleObj>
               </mc:Choice>
@@ -14352,7 +14353,7 @@
           <a:graphicData uri="http://schemas.openxmlformats.org/presentationml/2006/ole">
             <mc:AlternateContent xmlns:mc="http://schemas.openxmlformats.org/markup-compatibility/2006">
               <mc:Choice xmlns:v="urn:schemas-microsoft-com:vml" Requires="v">
-                <p:oleObj spid="_x0000_s3105" name="Visio" r:id="rId4" imgW="7229520" imgH="3247958" progId="Visio.Drawing.15">
+                <p:oleObj spid="_x0000_s3107" name="Visio" r:id="rId4" imgW="7229520" imgH="3247958" progId="Visio.Drawing.15">
                   <p:embed/>
                 </p:oleObj>
               </mc:Choice>
@@ -14929,7 +14930,7 @@
           <a:graphicData uri="http://schemas.openxmlformats.org/presentationml/2006/ole">
             <mc:AlternateContent xmlns:mc="http://schemas.openxmlformats.org/markup-compatibility/2006">
               <mc:Choice xmlns:v="urn:schemas-microsoft-com:vml" Requires="v">
-                <p:oleObj spid="_x0000_s9247" name="Visio" r:id="rId4" imgW="10715692" imgH="4057689" progId="Visio.Drawing.15">
+                <p:oleObj spid="_x0000_s9249" name="Visio" r:id="rId4" imgW="10715692" imgH="4057689" progId="Visio.Drawing.15">
                   <p:embed/>
                 </p:oleObj>
               </mc:Choice>
@@ -15202,6 +15203,479 @@
   <p:cSld>
     <p:bg>
       <p:bgPr>
+        <a:solidFill>
+          <a:schemeClr val="tx1"/>
+        </a:solidFill>
+        <a:effectLst/>
+      </p:bgPr>
+    </p:bg>
+    <p:spTree>
+      <p:nvGrpSpPr>
+        <p:cNvPr id="1" name=""/>
+        <p:cNvGrpSpPr/>
+        <p:nvPr/>
+      </p:nvGrpSpPr>
+      <p:grpSpPr>
+        <a:xfrm>
+          <a:off x="0" y="0"/>
+          <a:ext cx="0" cy="0"/>
+          <a:chOff x="0" y="0"/>
+          <a:chExt cx="0" cy="0"/>
+        </a:xfrm>
+      </p:grpSpPr>
+      <p:sp>
+        <p:nvSpPr>
+          <p:cNvPr id="7" name="TextBox 6"/>
+          <p:cNvSpPr txBox="1"/>
+          <p:nvPr/>
+        </p:nvSpPr>
+        <p:spPr>
+          <a:xfrm>
+            <a:off x="1841501" y="38100"/>
+            <a:ext cx="7537168" cy="646331"/>
+          </a:xfrm>
+          <a:prstGeom prst="rect">
+            <a:avLst/>
+          </a:prstGeom>
+          <a:noFill/>
+        </p:spPr>
+        <p:txBody>
+          <a:bodyPr wrap="square" rtlCol="0">
+            <a:spAutoFit/>
+          </a:bodyPr>
+          <a:lstStyle/>
+          <a:p>
+            <a:r>
+              <a:rPr lang="ro-RO" sz="3600" b="1" dirty="0" smtClean="0">
+                <a:solidFill>
+                  <a:schemeClr val="bg1"/>
+                </a:solidFill>
+                <a:latin typeface="Times New Roman" panose="02020603050405020304" pitchFamily="18" charset="0"/>
+                <a:cs typeface="Times New Roman" panose="02020603050405020304" pitchFamily="18" charset="0"/>
+              </a:rPr>
+              <a:t>Posibile î</a:t>
+            </a:r>
+            <a:r>
+              <a:rPr lang="ro-RO" sz="3600" b="1" dirty="0" smtClean="0">
+                <a:solidFill>
+                  <a:schemeClr val="bg1"/>
+                </a:solidFill>
+                <a:latin typeface="Times New Roman" panose="02020603050405020304" pitchFamily="18" charset="0"/>
+                <a:cs typeface="Times New Roman" panose="02020603050405020304" pitchFamily="18" charset="0"/>
+              </a:rPr>
+              <a:t>mbunătățiri viitoare</a:t>
+            </a:r>
+            <a:endParaRPr lang="en-US" sz="3600" b="1" dirty="0">
+              <a:solidFill>
+                <a:schemeClr val="bg1"/>
+              </a:solidFill>
+              <a:latin typeface="Times New Roman" panose="02020603050405020304" pitchFamily="18" charset="0"/>
+              <a:cs typeface="Times New Roman" panose="02020603050405020304" pitchFamily="18" charset="0"/>
+            </a:endParaRPr>
+          </a:p>
+        </p:txBody>
+      </p:sp>
+      <p:pic>
+        <p:nvPicPr>
+          <p:cNvPr id="8" name="Picture 7"/>
+          <p:cNvPicPr>
+            <a:picLocks noChangeAspect="1"/>
+          </p:cNvPicPr>
+          <p:nvPr/>
+        </p:nvPicPr>
+        <p:blipFill>
+          <a:blip r:embed="rId2"/>
+          <a:stretch>
+            <a:fillRect/>
+          </a:stretch>
+        </p:blipFill>
+        <p:spPr>
+          <a:xfrm>
+            <a:off x="1" y="0"/>
+            <a:ext cx="1841500" cy="6867526"/>
+          </a:xfrm>
+          <a:prstGeom prst="rect">
+            <a:avLst/>
+          </a:prstGeom>
+        </p:spPr>
+      </p:pic>
+      <p:sp>
+        <p:nvSpPr>
+          <p:cNvPr id="2" name="Rectangle 2"/>
+          <p:cNvSpPr>
+            <a:spLocks noChangeArrowheads="1"/>
+          </p:cNvSpPr>
+          <p:nvPr/>
+        </p:nvSpPr>
+        <p:spPr bwMode="auto">
+          <a:xfrm>
+            <a:off x="3581400" y="927100"/>
+            <a:ext cx="12192000" cy="0"/>
+          </a:xfrm>
+          <a:prstGeom prst="rect">
+            <a:avLst/>
+          </a:prstGeom>
+          <a:noFill/>
+          <a:ln>
+            <a:noFill/>
+          </a:ln>
+          <a:effectLst/>
+          <a:extLst>
+            <a:ext uri="{909E8E84-426E-40DD-AFC4-6F175D3DCCD1}">
+              <a14:hiddenFill xmlns:a14="http://schemas.microsoft.com/office/drawing/2010/main">
+                <a:solidFill>
+                  <a:schemeClr val="accent1"/>
+                </a:solidFill>
+              </a14:hiddenFill>
+            </a:ext>
+            <a:ext uri="{91240B29-F687-4F45-9708-019B960494DF}">
+              <a14:hiddenLine xmlns:a14="http://schemas.microsoft.com/office/drawing/2010/main" w="9525">
+                <a:solidFill>
+                  <a:schemeClr val="tx1"/>
+                </a:solidFill>
+                <a:miter lim="800000"/>
+                <a:headEnd/>
+                <a:tailEnd/>
+              </a14:hiddenLine>
+            </a:ext>
+            <a:ext uri="{AF507438-7753-43E0-B8FC-AC1667EBCBE1}">
+              <a14:hiddenEffects xmlns:a14="http://schemas.microsoft.com/office/drawing/2010/main">
+                <a:effectLst>
+                  <a:outerShdw dist="35921" dir="2700000" algn="ctr" rotWithShape="0">
+                    <a:schemeClr val="bg2"/>
+                  </a:outerShdw>
+                </a:effectLst>
+              </a14:hiddenEffects>
+            </a:ext>
+          </a:extLst>
+        </p:spPr>
+        <p:txBody>
+          <a:bodyPr vert="horz" wrap="none" lIns="91440" tIns="45720" rIns="91440" bIns="45720" numCol="1" anchor="ctr" anchorCtr="0" compatLnSpc="1">
+            <a:prstTxWarp prst="textNoShape">
+              <a:avLst/>
+            </a:prstTxWarp>
+            <a:spAutoFit/>
+          </a:bodyPr>
+          <a:lstStyle/>
+          <a:p>
+            <a:endParaRPr lang="en-US"/>
+          </a:p>
+        </p:txBody>
+      </p:sp>
+      <p:sp>
+        <p:nvSpPr>
+          <p:cNvPr id="6" name="TextBox 5"/>
+          <p:cNvSpPr txBox="1"/>
+          <p:nvPr/>
+        </p:nvSpPr>
+        <p:spPr>
+          <a:xfrm>
+            <a:off x="1999829" y="1169770"/>
+            <a:ext cx="8601075" cy="5078313"/>
+          </a:xfrm>
+          <a:prstGeom prst="rect">
+            <a:avLst/>
+          </a:prstGeom>
+          <a:noFill/>
+        </p:spPr>
+        <p:txBody>
+          <a:bodyPr wrap="square" rtlCol="0">
+            <a:spAutoFit/>
+          </a:bodyPr>
+          <a:lstStyle/>
+          <a:p>
+            <a:pPr marL="285750" indent="-285750">
+              <a:lnSpc>
+                <a:spcPct val="150000"/>
+              </a:lnSpc>
+              <a:buFont typeface="Arial" panose="020B0604020202020204" pitchFamily="34" charset="0"/>
+              <a:buChar char="•"/>
+            </a:pPr>
+            <a:r>
+              <a:rPr lang="ro-RO" b="1" dirty="0" smtClean="0">
+                <a:solidFill>
+                  <a:schemeClr val="bg1"/>
+                </a:solidFill>
+                <a:latin typeface="Times New Roman" panose="02020603050405020304" pitchFamily="18" charset="0"/>
+                <a:cs typeface="Times New Roman" panose="02020603050405020304" pitchFamily="18" charset="0"/>
+              </a:rPr>
+              <a:t>Acces din afara LAN</a:t>
+            </a:r>
+          </a:p>
+          <a:p>
+            <a:pPr>
+              <a:lnSpc>
+                <a:spcPct val="150000"/>
+              </a:lnSpc>
+            </a:pPr>
+            <a:r>
+              <a:rPr lang="ro-RO" b="1" dirty="0" smtClean="0">
+                <a:solidFill>
+                  <a:schemeClr val="bg1"/>
+                </a:solidFill>
+                <a:latin typeface="Times New Roman" panose="02020603050405020304" pitchFamily="18" charset="0"/>
+                <a:cs typeface="Times New Roman" panose="02020603050405020304" pitchFamily="18" charset="0"/>
+              </a:rPr>
+              <a:t>	</a:t>
+            </a:r>
+            <a:r>
+              <a:rPr lang="ro-RO" dirty="0" smtClean="0">
+                <a:solidFill>
+                  <a:schemeClr val="bg1"/>
+                </a:solidFill>
+                <a:latin typeface="Times New Roman" panose="02020603050405020304" pitchFamily="18" charset="0"/>
+                <a:cs typeface="Times New Roman" panose="02020603050405020304" pitchFamily="18" charset="0"/>
+              </a:rPr>
+              <a:t>Fie prin acces direct la interfață, prin intermediul unui DNS</a:t>
+            </a:r>
+          </a:p>
+          <a:p>
+            <a:pPr>
+              <a:lnSpc>
+                <a:spcPct val="150000"/>
+              </a:lnSpc>
+            </a:pPr>
+            <a:r>
+              <a:rPr lang="ro-RO" dirty="0">
+                <a:solidFill>
+                  <a:schemeClr val="bg1"/>
+                </a:solidFill>
+                <a:latin typeface="Times New Roman" panose="02020603050405020304" pitchFamily="18" charset="0"/>
+                <a:cs typeface="Times New Roman" panose="02020603050405020304" pitchFamily="18" charset="0"/>
+              </a:rPr>
+              <a:t>	</a:t>
+            </a:r>
+            <a:r>
+              <a:rPr lang="ro-RO" dirty="0" smtClean="0">
+                <a:solidFill>
+                  <a:schemeClr val="bg1"/>
+                </a:solidFill>
+                <a:latin typeface="Times New Roman" panose="02020603050405020304" pitchFamily="18" charset="0"/>
+                <a:cs typeface="Times New Roman" panose="02020603050405020304" pitchFamily="18" charset="0"/>
+              </a:rPr>
+              <a:t>Fie expunerea brokerului MQTT printr-o platformă de Instant Messaging</a:t>
+            </a:r>
+          </a:p>
+          <a:p>
+            <a:pPr>
+              <a:lnSpc>
+                <a:spcPct val="150000"/>
+              </a:lnSpc>
+            </a:pPr>
+            <a:r>
+              <a:rPr lang="ro-RO" dirty="0">
+                <a:solidFill>
+                  <a:schemeClr val="bg1"/>
+                </a:solidFill>
+                <a:latin typeface="Times New Roman" panose="02020603050405020304" pitchFamily="18" charset="0"/>
+                <a:cs typeface="Times New Roman" panose="02020603050405020304" pitchFamily="18" charset="0"/>
+              </a:rPr>
+              <a:t>	</a:t>
+            </a:r>
+            <a:r>
+              <a:rPr lang="ro-RO" dirty="0" smtClean="0">
+                <a:solidFill>
+                  <a:schemeClr val="bg1"/>
+                </a:solidFill>
+                <a:latin typeface="Times New Roman" panose="02020603050405020304" pitchFamily="18" charset="0"/>
+                <a:cs typeface="Times New Roman" panose="02020603050405020304" pitchFamily="18" charset="0"/>
+              </a:rPr>
+              <a:t>	ex. Facebook Messenger</a:t>
+            </a:r>
+          </a:p>
+          <a:p>
+            <a:pPr>
+              <a:lnSpc>
+                <a:spcPct val="150000"/>
+              </a:lnSpc>
+            </a:pPr>
+            <a:endParaRPr lang="ro-RO" dirty="0">
+              <a:solidFill>
+                <a:schemeClr val="bg1"/>
+              </a:solidFill>
+              <a:latin typeface="Times New Roman" panose="02020603050405020304" pitchFamily="18" charset="0"/>
+              <a:cs typeface="Times New Roman" panose="02020603050405020304" pitchFamily="18" charset="0"/>
+            </a:endParaRPr>
+          </a:p>
+          <a:p>
+            <a:pPr marL="285750" indent="-285750">
+              <a:lnSpc>
+                <a:spcPct val="150000"/>
+              </a:lnSpc>
+              <a:buFont typeface="Arial" panose="020B0604020202020204" pitchFamily="34" charset="0"/>
+              <a:buChar char="•"/>
+            </a:pPr>
+            <a:r>
+              <a:rPr lang="ro-RO" b="1" dirty="0" smtClean="0">
+                <a:solidFill>
+                  <a:schemeClr val="bg1"/>
+                </a:solidFill>
+                <a:latin typeface="Times New Roman" panose="02020603050405020304" pitchFamily="18" charset="0"/>
+                <a:cs typeface="Times New Roman" panose="02020603050405020304" pitchFamily="18" charset="0"/>
+              </a:rPr>
+              <a:t>Implementarea unei rețele neuronale recurente (</a:t>
+            </a:r>
+            <a:r>
+              <a:rPr lang="ro-RO" b="1" i="1" dirty="0" smtClean="0">
+                <a:solidFill>
+                  <a:schemeClr val="bg1"/>
+                </a:solidFill>
+                <a:latin typeface="Times New Roman" panose="02020603050405020304" pitchFamily="18" charset="0"/>
+                <a:cs typeface="Times New Roman" panose="02020603050405020304" pitchFamily="18" charset="0"/>
+              </a:rPr>
+              <a:t>RNN</a:t>
+            </a:r>
+            <a:r>
+              <a:rPr lang="ro-RO" b="1" dirty="0" smtClean="0">
+                <a:solidFill>
+                  <a:schemeClr val="bg1"/>
+                </a:solidFill>
+                <a:latin typeface="Times New Roman" panose="02020603050405020304" pitchFamily="18" charset="0"/>
+                <a:cs typeface="Times New Roman" panose="02020603050405020304" pitchFamily="18" charset="0"/>
+              </a:rPr>
+              <a:t>) pentru a utiliza date de intrare de lungime variabilă</a:t>
+            </a:r>
+          </a:p>
+          <a:p>
+            <a:pPr marL="285750" indent="-285750">
+              <a:lnSpc>
+                <a:spcPct val="150000"/>
+              </a:lnSpc>
+              <a:buFont typeface="Arial" panose="020B0604020202020204" pitchFamily="34" charset="0"/>
+              <a:buChar char="•"/>
+            </a:pPr>
+            <a:endParaRPr lang="ro-RO" b="1" dirty="0">
+              <a:solidFill>
+                <a:schemeClr val="bg1"/>
+              </a:solidFill>
+              <a:latin typeface="Times New Roman" panose="02020603050405020304" pitchFamily="18" charset="0"/>
+              <a:cs typeface="Times New Roman" panose="02020603050405020304" pitchFamily="18" charset="0"/>
+            </a:endParaRPr>
+          </a:p>
+          <a:p>
+            <a:pPr marL="285750" indent="-285750">
+              <a:lnSpc>
+                <a:spcPct val="150000"/>
+              </a:lnSpc>
+              <a:buFont typeface="Arial" panose="020B0604020202020204" pitchFamily="34" charset="0"/>
+              <a:buChar char="•"/>
+            </a:pPr>
+            <a:r>
+              <a:rPr lang="ro-RO" b="1" dirty="0" smtClean="0">
+                <a:solidFill>
+                  <a:schemeClr val="bg1"/>
+                </a:solidFill>
+                <a:latin typeface="Times New Roman" panose="02020603050405020304" pitchFamily="18" charset="0"/>
+                <a:cs typeface="Times New Roman" panose="02020603050405020304" pitchFamily="18" charset="0"/>
+              </a:rPr>
+              <a:t>Adăgare suport pentru interacțiune vocală</a:t>
+            </a:r>
+          </a:p>
+          <a:p>
+            <a:pPr lvl="2">
+              <a:lnSpc>
+                <a:spcPct val="150000"/>
+              </a:lnSpc>
+            </a:pPr>
+            <a:r>
+              <a:rPr lang="ro-RO" dirty="0" smtClean="0">
+                <a:solidFill>
+                  <a:schemeClr val="bg1"/>
+                </a:solidFill>
+                <a:latin typeface="Times New Roman" panose="02020603050405020304" pitchFamily="18" charset="0"/>
+                <a:cs typeface="Times New Roman" panose="02020603050405020304" pitchFamily="18" charset="0"/>
+              </a:rPr>
+              <a:t>Fie i</a:t>
+            </a:r>
+            <a:r>
+              <a:rPr lang="ro-RO" dirty="0" smtClean="0">
+                <a:solidFill>
+                  <a:schemeClr val="bg1"/>
+                </a:solidFill>
+                <a:latin typeface="Times New Roman" panose="02020603050405020304" pitchFamily="18" charset="0"/>
+                <a:cs typeface="Times New Roman" panose="02020603050405020304" pitchFamily="18" charset="0"/>
+              </a:rPr>
+              <a:t>mplementarea unui modul de conversie (Speech 2 Text și Text a Speech)</a:t>
+            </a:r>
+          </a:p>
+          <a:p>
+            <a:pPr lvl="2">
+              <a:lnSpc>
+                <a:spcPct val="150000"/>
+              </a:lnSpc>
+            </a:pPr>
+            <a:r>
+              <a:rPr lang="ro-RO" dirty="0" smtClean="0">
+                <a:solidFill>
+                  <a:schemeClr val="bg1"/>
+                </a:solidFill>
+                <a:latin typeface="Times New Roman" panose="02020603050405020304" pitchFamily="18" charset="0"/>
+                <a:cs typeface="Times New Roman" panose="02020603050405020304" pitchFamily="18" charset="0"/>
+              </a:rPr>
+              <a:t>Fie integrarea cu un asistent inteligent pentru delegarea procesării vocale</a:t>
+            </a:r>
+          </a:p>
+          <a:p>
+            <a:pPr lvl="2">
+              <a:lnSpc>
+                <a:spcPct val="150000"/>
+              </a:lnSpc>
+            </a:pPr>
+            <a:r>
+              <a:rPr lang="ro-RO" dirty="0">
+                <a:solidFill>
+                  <a:schemeClr val="bg1"/>
+                </a:solidFill>
+                <a:latin typeface="Times New Roman" panose="02020603050405020304" pitchFamily="18" charset="0"/>
+                <a:cs typeface="Times New Roman" panose="02020603050405020304" pitchFamily="18" charset="0"/>
+              </a:rPr>
+              <a:t>	</a:t>
+            </a:r>
+            <a:r>
+              <a:rPr lang="ro-RO" dirty="0" smtClean="0">
+                <a:solidFill>
+                  <a:schemeClr val="bg1"/>
+                </a:solidFill>
+                <a:latin typeface="Times New Roman" panose="02020603050405020304" pitchFamily="18" charset="0"/>
+                <a:cs typeface="Times New Roman" panose="02020603050405020304" pitchFamily="18" charset="0"/>
+              </a:rPr>
+              <a:t>ex. Google Home	</a:t>
+            </a:r>
+            <a:endParaRPr lang="en-US" dirty="0">
+              <a:solidFill>
+                <a:schemeClr val="bg1"/>
+              </a:solidFill>
+              <a:latin typeface="Times New Roman" panose="02020603050405020304" pitchFamily="18" charset="0"/>
+              <a:cs typeface="Times New Roman" panose="02020603050405020304" pitchFamily="18" charset="0"/>
+            </a:endParaRPr>
+          </a:p>
+        </p:txBody>
+      </p:sp>
+    </p:spTree>
+    <p:extLst>
+      <p:ext uri="{BB962C8B-B14F-4D97-AF65-F5344CB8AC3E}">
+        <p14:creationId xmlns:p14="http://schemas.microsoft.com/office/powerpoint/2010/main" val="3465013214"/>
+      </p:ext>
+    </p:extLst>
+  </p:cSld>
+  <p:clrMapOvr>
+    <a:masterClrMapping/>
+  </p:clrMapOvr>
+  <p:timing>
+    <p:tnLst>
+      <p:par>
+        <p:cTn id="1" dur="indefinite" restart="never" nodeType="tmRoot"/>
+      </p:par>
+    </p:tnLst>
+  </p:timing>
+</p:sld>
+</file>
+
+<file path=ppt/slides/slide16.xml><?xml version="1.0" encoding="utf-8"?>
+<p:sld xmlns:a="http://schemas.openxmlformats.org/drawingml/2006/main" xmlns:r="http://schemas.openxmlformats.org/officeDocument/2006/relationships" xmlns:p="http://schemas.openxmlformats.org/presentationml/2006/main">
+  <p:cSld>
+    <p:bg>
+      <p:bgPr>
         <a:gradFill rotWithShape="1">
           <a:gsLst>
             <a:gs pos="100000">
@@ -15379,13 +15853,6 @@
               </a:rPr>
               <a:t> - A.L.I.C.E. -</a:t>
             </a:r>
-            <a:endParaRPr lang="ro-RO" sz="3600" b="1" dirty="0" smtClean="0">
-              <a:solidFill>
-                <a:schemeClr val="bg1"/>
-              </a:solidFill>
-              <a:latin typeface="Times New Roman" panose="02020603050405020304" pitchFamily="18" charset="0"/>
-              <a:cs typeface="Times New Roman" panose="02020603050405020304" pitchFamily="18" charset="0"/>
-            </a:endParaRPr>
           </a:p>
         </p:txBody>
       </p:sp>
@@ -17031,25 +17498,8 @@
                 <a:latin typeface="Times New Roman" panose="02020603050405020304" pitchFamily="18" charset="0"/>
                 <a:cs typeface="Times New Roman" panose="02020603050405020304" pitchFamily="18" charset="0"/>
               </a:rPr>
-              <a:t>Interoperabilitate garantată prin clase de comenzi </a:t>
-            </a:r>
-            <a:r>
-              <a:rPr lang="ro-RO" sz="2000" b="1" dirty="0" smtClean="0">
-                <a:solidFill>
-                  <a:schemeClr val="bg1"/>
-                </a:solidFill>
-                <a:latin typeface="Times New Roman" panose="02020603050405020304" pitchFamily="18" charset="0"/>
-                <a:cs typeface="Times New Roman" panose="02020603050405020304" pitchFamily="18" charset="0"/>
-              </a:rPr>
-              <a:t>standardizate</a:t>
-            </a:r>
-            <a:endParaRPr lang="ro-RO" sz="2000" b="1" dirty="0" smtClean="0">
-              <a:solidFill>
-                <a:schemeClr val="bg1"/>
-              </a:solidFill>
-              <a:latin typeface="Times New Roman" panose="02020603050405020304" pitchFamily="18" charset="0"/>
-              <a:cs typeface="Times New Roman" panose="02020603050405020304" pitchFamily="18" charset="0"/>
-            </a:endParaRPr>
+              <a:t>Interoperabilitate garantată prin clase de comenzi standardizate</a:t>
+            </a:r>
           </a:p>
           <a:p>
             <a:pPr lvl="2">
@@ -17075,7 +17525,27 @@
                 <a:latin typeface="Times New Roman" panose="02020603050405020304" pitchFamily="18" charset="0"/>
                 <a:cs typeface="Times New Roman" panose="02020603050405020304" pitchFamily="18" charset="0"/>
               </a:rPr>
-              <a:t>Comenzi </a:t>
+              <a:t>Comenzi de bază</a:t>
+            </a:r>
+            <a:r>
+              <a:rPr lang="en-US" sz="2000" b="1" dirty="0" smtClean="0">
+                <a:solidFill>
+                  <a:schemeClr val="bg1"/>
+                </a:solidFill>
+                <a:latin typeface="Times New Roman" panose="02020603050405020304" pitchFamily="18" charset="0"/>
+                <a:cs typeface="Times New Roman" panose="02020603050405020304" pitchFamily="18" charset="0"/>
+              </a:rPr>
+              <a:t>: </a:t>
+            </a:r>
+            <a:r>
+              <a:rPr lang="ro-RO" sz="2000" dirty="0" smtClean="0">
+                <a:solidFill>
+                  <a:schemeClr val="bg1"/>
+                </a:solidFill>
+                <a:latin typeface="Times New Roman" panose="02020603050405020304" pitchFamily="18" charset="0"/>
+                <a:cs typeface="Times New Roman" panose="02020603050405020304" pitchFamily="18" charset="0"/>
+              </a:rPr>
+              <a:t>funcții de bază</a:t>
             </a:r>
             <a:r>
               <a:rPr lang="ro-RO" sz="2000" b="1" dirty="0" smtClean="0">
@@ -17085,17 +17555,27 @@
                 <a:latin typeface="Times New Roman" panose="02020603050405020304" pitchFamily="18" charset="0"/>
                 <a:cs typeface="Times New Roman" panose="02020603050405020304" pitchFamily="18" charset="0"/>
               </a:rPr>
-              <a:t>de bază</a:t>
-            </a:r>
-            <a:r>
-              <a:rPr lang="en-US" sz="2000" b="1" dirty="0" smtClean="0">
-                <a:solidFill>
-                  <a:schemeClr val="bg1"/>
-                </a:solidFill>
-                <a:latin typeface="Times New Roman" panose="02020603050405020304" pitchFamily="18" charset="0"/>
-                <a:cs typeface="Times New Roman" panose="02020603050405020304" pitchFamily="18" charset="0"/>
-              </a:rPr>
-              <a:t>: </a:t>
+              <a:t> </a:t>
+            </a:r>
+            <a:r>
+              <a:rPr lang="en-US" sz="2000" dirty="0" smtClean="0">
+                <a:solidFill>
+                  <a:schemeClr val="bg1"/>
+                </a:solidFill>
+                <a:latin typeface="Times New Roman" panose="02020603050405020304" pitchFamily="18" charset="0"/>
+                <a:cs typeface="Times New Roman" panose="02020603050405020304" pitchFamily="18" charset="0"/>
+              </a:rPr>
+              <a:t>universal </a:t>
+            </a:r>
+            <a:r>
+              <a:rPr lang="en-US" sz="2000" dirty="0" err="1" smtClean="0">
+                <a:solidFill>
+                  <a:schemeClr val="bg1"/>
+                </a:solidFill>
+                <a:latin typeface="Times New Roman" panose="02020603050405020304" pitchFamily="18" charset="0"/>
+                <a:cs typeface="Times New Roman" panose="02020603050405020304" pitchFamily="18" charset="0"/>
+              </a:rPr>
+              <a:t>valabile</a:t>
             </a:r>
             <a:r>
               <a:rPr lang="ro-RO" sz="2000" dirty="0" smtClean="0">
@@ -17105,10 +17585,10 @@
                 <a:latin typeface="Times New Roman" panose="02020603050405020304" pitchFamily="18" charset="0"/>
                 <a:cs typeface="Times New Roman" panose="02020603050405020304" pitchFamily="18" charset="0"/>
               </a:rPr>
-              <a:t>funcții de bază</a:t>
-            </a:r>
-            <a:r>
-              <a:rPr lang="ro-RO" sz="2000" b="1" dirty="0" smtClean="0">
+              <a:t>,</a:t>
+            </a:r>
+            <a:r>
+              <a:rPr lang="en-US" sz="2000" dirty="0" smtClean="0">
                 <a:solidFill>
                   <a:schemeClr val="bg1"/>
                 </a:solidFill>
@@ -17118,6 +17598,16 @@
               <a:t> </a:t>
             </a:r>
             <a:r>
+              <a:rPr lang="en-US" sz="2000" dirty="0" err="1" smtClean="0">
+                <a:solidFill>
+                  <a:schemeClr val="bg1"/>
+                </a:solidFill>
+                <a:latin typeface="Times New Roman" panose="02020603050405020304" pitchFamily="18" charset="0"/>
+                <a:cs typeface="Times New Roman" panose="02020603050405020304" pitchFamily="18" charset="0"/>
+              </a:rPr>
+              <a:t>agnostice</a:t>
+            </a:r>
+            <a:r>
               <a:rPr lang="en-US" sz="2000" dirty="0" smtClean="0">
                 <a:solidFill>
                   <a:schemeClr val="bg1"/>
@@ -17125,7 +17615,7 @@
                 <a:latin typeface="Times New Roman" panose="02020603050405020304" pitchFamily="18" charset="0"/>
                 <a:cs typeface="Times New Roman" panose="02020603050405020304" pitchFamily="18" charset="0"/>
               </a:rPr>
-              <a:t>universal </a:t>
+              <a:t> de </a:t>
             </a:r>
             <a:r>
               <a:rPr lang="en-US" sz="2000" dirty="0" err="1" smtClean="0">
@@ -17135,7 +17625,7 @@
                 <a:latin typeface="Times New Roman" panose="02020603050405020304" pitchFamily="18" charset="0"/>
                 <a:cs typeface="Times New Roman" panose="02020603050405020304" pitchFamily="18" charset="0"/>
               </a:rPr>
-              <a:t>valabile</a:t>
+              <a:t>produc</a:t>
             </a:r>
             <a:r>
               <a:rPr lang="ro-RO" sz="2000" dirty="0" smtClean="0">
@@ -17145,67 +17635,7 @@
                 <a:latin typeface="Times New Roman" panose="02020603050405020304" pitchFamily="18" charset="0"/>
                 <a:cs typeface="Times New Roman" panose="02020603050405020304" pitchFamily="18" charset="0"/>
               </a:rPr>
-              <a:t>,</a:t>
-            </a:r>
-            <a:r>
-              <a:rPr lang="en-US" sz="2000" dirty="0" smtClean="0">
-                <a:solidFill>
-                  <a:schemeClr val="bg1"/>
-                </a:solidFill>
-                <a:latin typeface="Times New Roman" panose="02020603050405020304" pitchFamily="18" charset="0"/>
-                <a:cs typeface="Times New Roman" panose="02020603050405020304" pitchFamily="18" charset="0"/>
-              </a:rPr>
-              <a:t> </a:t>
-            </a:r>
-            <a:r>
-              <a:rPr lang="en-US" sz="2000" dirty="0" err="1" smtClean="0">
-                <a:solidFill>
-                  <a:schemeClr val="bg1"/>
-                </a:solidFill>
-                <a:latin typeface="Times New Roman" panose="02020603050405020304" pitchFamily="18" charset="0"/>
-                <a:cs typeface="Times New Roman" panose="02020603050405020304" pitchFamily="18" charset="0"/>
-              </a:rPr>
-              <a:t>agnostice</a:t>
-            </a:r>
-            <a:r>
-              <a:rPr lang="en-US" sz="2000" dirty="0" smtClean="0">
-                <a:solidFill>
-                  <a:schemeClr val="bg1"/>
-                </a:solidFill>
-                <a:latin typeface="Times New Roman" panose="02020603050405020304" pitchFamily="18" charset="0"/>
-                <a:cs typeface="Times New Roman" panose="02020603050405020304" pitchFamily="18" charset="0"/>
-              </a:rPr>
-              <a:t> de </a:t>
-            </a:r>
-            <a:r>
-              <a:rPr lang="en-US" sz="2000" dirty="0" err="1" smtClean="0">
-                <a:solidFill>
-                  <a:schemeClr val="bg1"/>
-                </a:solidFill>
-                <a:latin typeface="Times New Roman" panose="02020603050405020304" pitchFamily="18" charset="0"/>
-                <a:cs typeface="Times New Roman" panose="02020603050405020304" pitchFamily="18" charset="0"/>
-              </a:rPr>
-              <a:t>produc</a:t>
-            </a:r>
-            <a:r>
-              <a:rPr lang="ro-RO" sz="2000" dirty="0" smtClean="0">
-                <a:solidFill>
-                  <a:schemeClr val="bg1"/>
-                </a:solidFill>
-                <a:latin typeface="Times New Roman" panose="02020603050405020304" pitchFamily="18" charset="0"/>
-                <a:cs typeface="Times New Roman" panose="02020603050405020304" pitchFamily="18" charset="0"/>
-              </a:rPr>
-              <a:t>ător sau </a:t>
-            </a:r>
-            <a:r>
-              <a:rPr lang="ro-RO" sz="2000" dirty="0" smtClean="0">
-                <a:solidFill>
-                  <a:schemeClr val="bg1"/>
-                </a:solidFill>
-                <a:latin typeface="Times New Roman" panose="02020603050405020304" pitchFamily="18" charset="0"/>
-                <a:cs typeface="Times New Roman" panose="02020603050405020304" pitchFamily="18" charset="0"/>
-              </a:rPr>
-              <a:t>tip</a:t>
+              <a:t>ător sau tip</a:t>
             </a:r>
             <a:r>
               <a:rPr lang="en-US" sz="2000" dirty="0" smtClean="0">
@@ -17302,17 +17732,7 @@
                 <a:latin typeface="Times New Roman" panose="02020603050405020304" pitchFamily="18" charset="0"/>
                 <a:cs typeface="Times New Roman" panose="02020603050405020304" pitchFamily="18" charset="0"/>
               </a:rPr>
-              <a:t>)</a:t>
-            </a:r>
-            <a:r>
-              <a:rPr lang="en-US" sz="2000" dirty="0" smtClean="0">
-                <a:solidFill>
-                  <a:schemeClr val="bg1"/>
-                </a:solidFill>
-                <a:latin typeface="Times New Roman" panose="02020603050405020304" pitchFamily="18" charset="0"/>
-                <a:cs typeface="Times New Roman" panose="02020603050405020304" pitchFamily="18" charset="0"/>
-              </a:rPr>
-              <a:t>    </a:t>
+              <a:t>)    </a:t>
             </a:r>
             <a:endParaRPr lang="ro-RO" sz="2000" dirty="0" smtClean="0">
               <a:solidFill>
@@ -17457,27 +17877,7 @@
                 <a:latin typeface="Times New Roman" panose="02020603050405020304" pitchFamily="18" charset="0"/>
                 <a:cs typeface="Times New Roman" panose="02020603050405020304" pitchFamily="18" charset="0"/>
               </a:rPr>
-              <a:t>(</a:t>
-            </a:r>
-            <a:r>
-              <a:rPr lang="ro-RO" sz="2000" dirty="0" smtClean="0">
-                <a:solidFill>
-                  <a:schemeClr val="bg1"/>
-                </a:solidFill>
-                <a:latin typeface="Times New Roman" panose="02020603050405020304" pitchFamily="18" charset="0"/>
-                <a:cs typeface="Times New Roman" panose="02020603050405020304" pitchFamily="18" charset="0"/>
-              </a:rPr>
-              <a:t>ex. De iluminat, de termoficare, de securitate, utilitară, de confort</a:t>
-            </a:r>
-            <a:r>
-              <a:rPr lang="ro-RO" sz="2000" dirty="0" smtClean="0">
-                <a:solidFill>
-                  <a:schemeClr val="bg1"/>
-                </a:solidFill>
-                <a:latin typeface="Times New Roman" panose="02020603050405020304" pitchFamily="18" charset="0"/>
-                <a:cs typeface="Times New Roman" panose="02020603050405020304" pitchFamily="18" charset="0"/>
-              </a:rPr>
-              <a:t>)</a:t>
+              <a:t>(ex. De iluminat, de termoficare, de securitate, utilitară, de confort)</a:t>
             </a:r>
           </a:p>
           <a:p>
@@ -17518,17 +17918,7 @@
                 <a:latin typeface="Times New Roman" panose="02020603050405020304" pitchFamily="18" charset="0"/>
                 <a:cs typeface="Times New Roman" panose="02020603050405020304" pitchFamily="18" charset="0"/>
               </a:rPr>
-              <a:t>Comenzi </a:t>
-            </a:r>
-            <a:r>
-              <a:rPr lang="ro-RO" sz="2000" b="1" dirty="0" smtClean="0">
-                <a:solidFill>
-                  <a:schemeClr val="bg1"/>
-                </a:solidFill>
-                <a:latin typeface="Times New Roman" panose="02020603050405020304" pitchFamily="18" charset="0"/>
-                <a:cs typeface="Times New Roman" panose="02020603050405020304" pitchFamily="18" charset="0"/>
-              </a:rPr>
-              <a:t>specific</a:t>
+              <a:t>Comenzi specific</a:t>
             </a:r>
             <a:r>
               <a:rPr lang="en-US" sz="2000" b="1" dirty="0" smtClean="0">
@@ -17588,17 +17978,7 @@
                 <a:latin typeface="Times New Roman" panose="02020603050405020304" pitchFamily="18" charset="0"/>
                 <a:cs typeface="Times New Roman" panose="02020603050405020304" pitchFamily="18" charset="0"/>
               </a:rPr>
-              <a:t>ând strict de nodul </a:t>
-            </a:r>
-            <a:r>
-              <a:rPr lang="ro-RO" sz="2000" dirty="0" smtClean="0">
-                <a:solidFill>
-                  <a:schemeClr val="bg1"/>
-                </a:solidFill>
-                <a:latin typeface="Times New Roman" panose="02020603050405020304" pitchFamily="18" charset="0"/>
-                <a:cs typeface="Times New Roman" panose="02020603050405020304" pitchFamily="18" charset="0"/>
-              </a:rPr>
-              <a:t>utilizato</a:t>
+              <a:t>ând strict de nodul utilizato</a:t>
             </a:r>
             <a:r>
               <a:rPr lang="en-US" sz="2000" dirty="0" smtClean="0">
@@ -17645,17 +18025,7 @@
                 <a:latin typeface="Times New Roman" panose="02020603050405020304" pitchFamily="18" charset="0"/>
                 <a:cs typeface="Times New Roman" panose="02020603050405020304" pitchFamily="18" charset="0"/>
               </a:rPr>
-              <a:t>(ex</a:t>
-            </a:r>
-            <a:r>
-              <a:rPr lang="ro-RO" sz="2000" dirty="0" smtClean="0">
-                <a:solidFill>
-                  <a:schemeClr val="bg1"/>
-                </a:solidFill>
-                <a:latin typeface="Times New Roman" panose="02020603050405020304" pitchFamily="18" charset="0"/>
-                <a:cs typeface="Times New Roman" panose="02020603050405020304" pitchFamily="18" charset="0"/>
-              </a:rPr>
-              <a:t>. Setarea unei valori, interogarea unui </a:t>
+              <a:t>(ex. Setarea unei valori, interogarea unui </a:t>
             </a:r>
             <a:r>
               <a:rPr lang="en-US" sz="2000" dirty="0" smtClean="0">
@@ -19960,17 +20330,7 @@
                 <a:latin typeface="Times New Roman" panose="02020603050405020304" pitchFamily="18" charset="0"/>
                 <a:cs typeface="Times New Roman" panose="02020603050405020304" pitchFamily="18" charset="0"/>
               </a:rPr>
-              <a:t>dedicată </a:t>
-            </a:r>
-            <a:r>
-              <a:rPr lang="ro-RO" dirty="0" smtClean="0">
-                <a:solidFill>
-                  <a:schemeClr val="bg1"/>
-                </a:solidFill>
-                <a:latin typeface="Times New Roman" panose="02020603050405020304" pitchFamily="18" charset="0"/>
-                <a:cs typeface="Times New Roman" panose="02020603050405020304" pitchFamily="18" charset="0"/>
-              </a:rPr>
-              <a:t>interacțiunii cu controller Z-Wave, folosit pentru interogarea și configurarea nodurilor membre rețelei</a:t>
+              <a:t>dedicată interacțiunii cu controller Z-Wave, folosit pentru interogarea și configurarea nodurilor membre rețelei</a:t>
             </a:r>
             <a:endParaRPr lang="en-US" b="1" dirty="0">
               <a:solidFill>
@@ -20125,7 +20485,7 @@
           <a:graphicData uri="http://schemas.openxmlformats.org/presentationml/2006/ole">
             <mc:AlternateContent xmlns:mc="http://schemas.openxmlformats.org/markup-compatibility/2006">
               <mc:Choice xmlns:v="urn:schemas-microsoft-com:vml" Requires="v">
-                <p:oleObj spid="_x0000_s10262" name="Visio" r:id="rId4" imgW="10315508" imgH="6381842" progId="Visio.Drawing.15">
+                <p:oleObj spid="_x0000_s10264" name="Visio" r:id="rId4" imgW="10315508" imgH="6381842" progId="Visio.Drawing.15">
                   <p:embed/>
                 </p:oleObj>
               </mc:Choice>
@@ -20877,7 +21237,7 @@
           <a:graphicData uri="http://schemas.openxmlformats.org/presentationml/2006/ole">
             <mc:AlternateContent xmlns:mc="http://schemas.openxmlformats.org/markup-compatibility/2006">
               <mc:Choice xmlns:v="urn:schemas-microsoft-com:vml" Requires="v">
-                <p:oleObj spid="_x0000_s11278" name="Visio" r:id="rId4" imgW="6953384" imgH="3953046" progId="Visio.Drawing.15">
+                <p:oleObj spid="_x0000_s11280" name="Visio" r:id="rId4" imgW="6953384" imgH="3953046" progId="Visio.Drawing.15">
                   <p:embed/>
                 </p:oleObj>
               </mc:Choice>

--- a/documentation/Prezentare.pptx
+++ b/documentation/Prezentare.pptx
@@ -1,11 +1,11 @@
 
 <file path=ppt/presentation.xml><?xml version="1.0" encoding="utf-8"?>
-<p:presentation xmlns:a="http://schemas.openxmlformats.org/drawingml/2006/main" xmlns:r="http://schemas.openxmlformats.org/officeDocument/2006/relationships" xmlns:p="http://schemas.openxmlformats.org/presentationml/2006/main" saveSubsetFonts="1">
+<p:presentation xmlns:a="http://schemas.openxmlformats.org/drawingml/2006/main" xmlns:r="http://schemas.openxmlformats.org/officeDocument/2006/relationships" xmlns:p="http://schemas.openxmlformats.org/presentationml/2006/main" showSpecialPlsOnTitleSld="0" saveSubsetFonts="1">
   <p:sldMasterIdLst>
     <p:sldMasterId id="2147483732" r:id="rId1"/>
   </p:sldMasterIdLst>
   <p:notesMasterIdLst>
-    <p:notesMasterId r:id="rId18"/>
+    <p:notesMasterId r:id="rId17"/>
   </p:notesMasterIdLst>
   <p:sldIdLst>
     <p:sldId id="256" r:id="rId2"/>
@@ -23,7 +23,6 @@
     <p:sldId id="265" r:id="rId14"/>
     <p:sldId id="266" r:id="rId15"/>
     <p:sldId id="271" r:id="rId16"/>
-    <p:sldId id="269" r:id="rId17"/>
   </p:sldIdLst>
   <p:sldSz cx="12192000" cy="6858000"/>
   <p:notesSz cx="6858000" cy="9144000"/>
@@ -212,7 +211,7 @@
           <a:p>
             <a:fld id="{86DFBA85-E6BB-4198-A85E-2D428CD13009}" type="datetimeFigureOut">
               <a:rPr lang="en-US" smtClean="0"/>
-              <a:t>2/10/2019</a:t>
+              <a:t>2/18/2019</a:t>
             </a:fld>
             <a:endParaRPr lang="en-US"/>
           </a:p>
@@ -648,6 +647,90 @@
 </p:notes>
 </file>
 
+<file path=ppt/notesSlides/notesSlide3.xml><?xml version="1.0" encoding="utf-8"?>
+<p:notes xmlns:a="http://schemas.openxmlformats.org/drawingml/2006/main" xmlns:r="http://schemas.openxmlformats.org/officeDocument/2006/relationships" xmlns:p="http://schemas.openxmlformats.org/presentationml/2006/main">
+  <p:cSld>
+    <p:spTree>
+      <p:nvGrpSpPr>
+        <p:cNvPr id="1" name=""/>
+        <p:cNvGrpSpPr/>
+        <p:nvPr/>
+      </p:nvGrpSpPr>
+      <p:grpSpPr>
+        <a:xfrm>
+          <a:off x="0" y="0"/>
+          <a:ext cx="0" cy="0"/>
+          <a:chOff x="0" y="0"/>
+          <a:chExt cx="0" cy="0"/>
+        </a:xfrm>
+      </p:grpSpPr>
+      <p:sp>
+        <p:nvSpPr>
+          <p:cNvPr id="2" name="Slide Image Placeholder 1"/>
+          <p:cNvSpPr>
+            <a:spLocks noGrp="1" noRot="1" noChangeAspect="1"/>
+          </p:cNvSpPr>
+          <p:nvPr>
+            <p:ph type="sldImg"/>
+          </p:nvPr>
+        </p:nvSpPr>
+        <p:spPr/>
+      </p:sp>
+      <p:sp>
+        <p:nvSpPr>
+          <p:cNvPr id="3" name="Notes Placeholder 2"/>
+          <p:cNvSpPr>
+            <a:spLocks noGrp="1"/>
+          </p:cNvSpPr>
+          <p:nvPr>
+            <p:ph type="body" idx="1"/>
+          </p:nvPr>
+        </p:nvSpPr>
+        <p:spPr/>
+        <p:txBody>
+          <a:bodyPr/>
+          <a:lstStyle/>
+          <a:p>
+            <a:endParaRPr lang="en-US" dirty="0"/>
+          </a:p>
+        </p:txBody>
+      </p:sp>
+      <p:sp>
+        <p:nvSpPr>
+          <p:cNvPr id="4" name="Slide Number Placeholder 3"/>
+          <p:cNvSpPr>
+            <a:spLocks noGrp="1"/>
+          </p:cNvSpPr>
+          <p:nvPr>
+            <p:ph type="sldNum" sz="quarter" idx="10"/>
+          </p:nvPr>
+        </p:nvSpPr>
+        <p:spPr/>
+        <p:txBody>
+          <a:bodyPr/>
+          <a:lstStyle/>
+          <a:p>
+            <a:fld id="{FD9412E6-6B57-4432-A981-5A6E11616801}" type="slidenum">
+              <a:rPr lang="en-US" smtClean="0"/>
+              <a:t>6</a:t>
+            </a:fld>
+            <a:endParaRPr lang="en-US"/>
+          </a:p>
+        </p:txBody>
+      </p:sp>
+    </p:spTree>
+    <p:extLst>
+      <p:ext uri="{BB962C8B-B14F-4D97-AF65-F5344CB8AC3E}">
+        <p14:creationId xmlns:p14="http://schemas.microsoft.com/office/powerpoint/2010/main" val="999587390"/>
+      </p:ext>
+    </p:extLst>
+  </p:cSld>
+  <p:clrMapOvr>
+    <a:masterClrMapping/>
+  </p:clrMapOvr>
+</p:notes>
+</file>
+
 <file path=ppt/slideLayouts/slideLayout1.xml><?xml version="1.0" encoding="utf-8"?>
 <p:sldLayout xmlns:a="http://schemas.openxmlformats.org/drawingml/2006/main" xmlns:r="http://schemas.openxmlformats.org/officeDocument/2006/relationships" xmlns:p="http://schemas.openxmlformats.org/presentationml/2006/main" showMasterSp="0" type="title" preserve="1">
   <p:cSld name="Title Slide">
@@ -698,7 +781,7 @@
           <a:noFill/>
           <a:extLst>
             <a:ext uri="{909E8E84-426E-40dd-AFC4-6F175D3DCCD1}">
-              <a14:hiddenFill xmlns:a14="http://schemas.microsoft.com/office/drawing/2010/main" xmlns="">
+              <a14:hiddenFill xmlns="" xmlns:a14="http://schemas.microsoft.com/office/drawing/2010/main">
                 <a:solidFill>
                   <a:srgbClr val="FFFFFF"/>
                 </a:solidFill>
@@ -758,7 +841,7 @@
             </a:ln>
             <a:extLst>
               <a:ext uri="{91240B29-F687-4f45-9708-019B960494DF}">
-                <a14:hiddenLine xmlns:a14="http://schemas.microsoft.com/office/drawing/2010/main" xmlns="" w="9525">
+                <a14:hiddenLine xmlns="" xmlns:a14="http://schemas.microsoft.com/office/drawing/2010/main" w="9525">
                   <a:solidFill>
                     <a:srgbClr val="000000"/>
                   </a:solidFill>
@@ -848,7 +931,7 @@
             </a:ln>
             <a:extLst>
               <a:ext uri="{91240B29-F687-4f45-9708-019B960494DF}">
-                <a14:hiddenLine xmlns:a14="http://schemas.microsoft.com/office/drawing/2010/main" xmlns="" w="9525">
+                <a14:hiddenLine xmlns="" xmlns:a14="http://schemas.microsoft.com/office/drawing/2010/main" w="9525">
                   <a:solidFill>
                     <a:srgbClr val="000000"/>
                   </a:solidFill>
@@ -938,7 +1021,7 @@
             </a:ln>
             <a:extLst>
               <a:ext uri="{91240B29-F687-4f45-9708-019B960494DF}">
-                <a14:hiddenLine xmlns:a14="http://schemas.microsoft.com/office/drawing/2010/main" xmlns="" w="9525">
+                <a14:hiddenLine xmlns="" xmlns:a14="http://schemas.microsoft.com/office/drawing/2010/main" w="9525">
                   <a:solidFill>
                     <a:srgbClr val="000000"/>
                   </a:solidFill>
@@ -972,7 +1055,7 @@
             </a:ln>
             <a:extLst>
               <a:ext uri="{91240B29-F687-4f45-9708-019B960494DF}">
-                <a14:hiddenLine xmlns:a14="http://schemas.microsoft.com/office/drawing/2010/main" xmlns="" w="9525">
+                <a14:hiddenLine xmlns="" xmlns:a14="http://schemas.microsoft.com/office/drawing/2010/main" w="9525">
                   <a:solidFill>
                     <a:srgbClr val="000000"/>
                   </a:solidFill>
@@ -1062,7 +1145,7 @@
             </a:ln>
             <a:extLst>
               <a:ext uri="{91240B29-F687-4f45-9708-019B960494DF}">
-                <a14:hiddenLine xmlns:a14="http://schemas.microsoft.com/office/drawing/2010/main" xmlns="" w="9525">
+                <a14:hiddenLine xmlns="" xmlns:a14="http://schemas.microsoft.com/office/drawing/2010/main" w="9525">
                   <a:solidFill>
                     <a:srgbClr val="000000"/>
                   </a:solidFill>
@@ -1124,7 +1207,7 @@
             </a:ln>
             <a:extLst>
               <a:ext uri="{91240B29-F687-4f45-9708-019B960494DF}">
-                <a14:hiddenLine xmlns:a14="http://schemas.microsoft.com/office/drawing/2010/main" xmlns="" w="9525">
+                <a14:hiddenLine xmlns="" xmlns:a14="http://schemas.microsoft.com/office/drawing/2010/main" w="9525">
                   <a:solidFill>
                     <a:srgbClr val="000000"/>
                   </a:solidFill>
@@ -1186,7 +1269,7 @@
             </a:ln>
             <a:extLst>
               <a:ext uri="{91240B29-F687-4f45-9708-019B960494DF}">
-                <a14:hiddenLine xmlns:a14="http://schemas.microsoft.com/office/drawing/2010/main" xmlns="" w="9525">
+                <a14:hiddenLine xmlns="" xmlns:a14="http://schemas.microsoft.com/office/drawing/2010/main" w="9525">
                   <a:solidFill>
                     <a:srgbClr val="000000"/>
                   </a:solidFill>
@@ -1276,7 +1359,7 @@
             </a:ln>
             <a:extLst>
               <a:ext uri="{91240B29-F687-4f45-9708-019B960494DF}">
-                <a14:hiddenLine xmlns:a14="http://schemas.microsoft.com/office/drawing/2010/main" xmlns="" w="9525">
+                <a14:hiddenLine xmlns="" xmlns:a14="http://schemas.microsoft.com/office/drawing/2010/main" w="9525">
                   <a:solidFill>
                     <a:srgbClr val="000000"/>
                   </a:solidFill>
@@ -1338,7 +1421,7 @@
             </a:ln>
             <a:extLst>
               <a:ext uri="{91240B29-F687-4f45-9708-019B960494DF}">
-                <a14:hiddenLine xmlns:a14="http://schemas.microsoft.com/office/drawing/2010/main" xmlns="" w="9525">
+                <a14:hiddenLine xmlns="" xmlns:a14="http://schemas.microsoft.com/office/drawing/2010/main" w="9525">
                   <a:solidFill>
                     <a:srgbClr val="000000"/>
                   </a:solidFill>
@@ -1400,7 +1483,7 @@
             </a:ln>
             <a:extLst>
               <a:ext uri="{91240B29-F687-4f45-9708-019B960494DF}">
-                <a14:hiddenLine xmlns:a14="http://schemas.microsoft.com/office/drawing/2010/main" xmlns="" w="9525">
+                <a14:hiddenLine xmlns="" xmlns:a14="http://schemas.microsoft.com/office/drawing/2010/main" w="9525">
                   <a:solidFill>
                     <a:srgbClr val="000000"/>
                   </a:solidFill>
@@ -1490,7 +1573,7 @@
             </a:ln>
             <a:extLst>
               <a:ext uri="{91240B29-F687-4f45-9708-019B960494DF}">
-                <a14:hiddenLine xmlns:a14="http://schemas.microsoft.com/office/drawing/2010/main" xmlns="" w="9525">
+                <a14:hiddenLine xmlns="" xmlns:a14="http://schemas.microsoft.com/office/drawing/2010/main" w="9525">
                   <a:solidFill>
                     <a:srgbClr val="000000"/>
                   </a:solidFill>
@@ -1580,7 +1663,7 @@
             </a:ln>
             <a:extLst>
               <a:ext uri="{91240B29-F687-4f45-9708-019B960494DF}">
-                <a14:hiddenLine xmlns:a14="http://schemas.microsoft.com/office/drawing/2010/main" xmlns="" w="9525">
+                <a14:hiddenLine xmlns="" xmlns:a14="http://schemas.microsoft.com/office/drawing/2010/main" w="9525">
                   <a:solidFill>
                     <a:srgbClr val="000000"/>
                   </a:solidFill>
@@ -1642,7 +1725,7 @@
             </a:ln>
             <a:extLst>
               <a:ext uri="{91240B29-F687-4f45-9708-019B960494DF}">
-                <a14:hiddenLine xmlns:a14="http://schemas.microsoft.com/office/drawing/2010/main" xmlns="" w="9525">
+                <a14:hiddenLine xmlns="" xmlns:a14="http://schemas.microsoft.com/office/drawing/2010/main" w="9525">
                   <a:solidFill>
                     <a:srgbClr val="000000"/>
                   </a:solidFill>
@@ -1752,7 +1835,7 @@
             </a:ln>
             <a:extLst>
               <a:ext uri="{91240B29-F687-4f45-9708-019B960494DF}">
-                <a14:hiddenLine xmlns:a14="http://schemas.microsoft.com/office/drawing/2010/main" xmlns="" w="9525">
+                <a14:hiddenLine xmlns="" xmlns:a14="http://schemas.microsoft.com/office/drawing/2010/main" w="9525">
                   <a:solidFill>
                     <a:srgbClr val="000000"/>
                   </a:solidFill>
@@ -1814,7 +1897,7 @@
             </a:ln>
             <a:extLst>
               <a:ext uri="{91240B29-F687-4f45-9708-019B960494DF}">
-                <a14:hiddenLine xmlns:a14="http://schemas.microsoft.com/office/drawing/2010/main" xmlns="" w="9525">
+                <a14:hiddenLine xmlns="" xmlns:a14="http://schemas.microsoft.com/office/drawing/2010/main" w="9525">
                   <a:solidFill>
                     <a:srgbClr val="000000"/>
                   </a:solidFill>
@@ -1904,7 +1987,7 @@
             </a:ln>
             <a:extLst>
               <a:ext uri="{91240B29-F687-4f45-9708-019B960494DF}">
-                <a14:hiddenLine xmlns:a14="http://schemas.microsoft.com/office/drawing/2010/main" xmlns="" w="9525">
+                <a14:hiddenLine xmlns="" xmlns:a14="http://schemas.microsoft.com/office/drawing/2010/main" w="9525">
                   <a:solidFill>
                     <a:srgbClr val="000000"/>
                   </a:solidFill>
@@ -1994,7 +2077,7 @@
             </a:ln>
             <a:extLst>
               <a:ext uri="{91240B29-F687-4f45-9708-019B960494DF}">
-                <a14:hiddenLine xmlns:a14="http://schemas.microsoft.com/office/drawing/2010/main" xmlns="" w="9525">
+                <a14:hiddenLine xmlns="" xmlns:a14="http://schemas.microsoft.com/office/drawing/2010/main" w="9525">
                   <a:solidFill>
                     <a:srgbClr val="000000"/>
                   </a:solidFill>
@@ -2056,7 +2139,7 @@
             </a:ln>
             <a:extLst>
               <a:ext uri="{91240B29-F687-4f45-9708-019B960494DF}">
-                <a14:hiddenLine xmlns:a14="http://schemas.microsoft.com/office/drawing/2010/main" xmlns="" w="9525">
+                <a14:hiddenLine xmlns="" xmlns:a14="http://schemas.microsoft.com/office/drawing/2010/main" w="9525">
                   <a:solidFill>
                     <a:srgbClr val="000000"/>
                   </a:solidFill>
@@ -2146,7 +2229,7 @@
             </a:ln>
             <a:extLst>
               <a:ext uri="{91240B29-F687-4f45-9708-019B960494DF}">
-                <a14:hiddenLine xmlns:a14="http://schemas.microsoft.com/office/drawing/2010/main" xmlns="" w="9525">
+                <a14:hiddenLine xmlns="" xmlns:a14="http://schemas.microsoft.com/office/drawing/2010/main" w="9525">
                   <a:solidFill>
                     <a:srgbClr val="000000"/>
                   </a:solidFill>
@@ -2236,7 +2319,7 @@
             </a:ln>
             <a:extLst>
               <a:ext uri="{91240B29-F687-4f45-9708-019B960494DF}">
-                <a14:hiddenLine xmlns:a14="http://schemas.microsoft.com/office/drawing/2010/main" xmlns="" w="9525">
+                <a14:hiddenLine xmlns="" xmlns:a14="http://schemas.microsoft.com/office/drawing/2010/main" w="9525">
                   <a:solidFill>
                     <a:srgbClr val="000000"/>
                   </a:solidFill>
@@ -2292,7 +2375,7 @@
             </a:ln>
             <a:extLst>
               <a:ext uri="{91240B29-F687-4f45-9708-019B960494DF}">
-                <a14:hiddenLine xmlns:a14="http://schemas.microsoft.com/office/drawing/2010/main" xmlns="" w="9525">
+                <a14:hiddenLine xmlns="" xmlns:a14="http://schemas.microsoft.com/office/drawing/2010/main" w="9525">
                   <a:solidFill>
                     <a:srgbClr val="000000"/>
                   </a:solidFill>
@@ -2382,7 +2465,7 @@
             </a:ln>
             <a:extLst>
               <a:ext uri="{91240B29-F687-4f45-9708-019B960494DF}">
-                <a14:hiddenLine xmlns:a14="http://schemas.microsoft.com/office/drawing/2010/main" xmlns="" w="9525">
+                <a14:hiddenLine xmlns="" xmlns:a14="http://schemas.microsoft.com/office/drawing/2010/main" w="9525">
                   <a:solidFill>
                     <a:srgbClr val="000000"/>
                   </a:solidFill>
@@ -2438,7 +2521,7 @@
             </a:ln>
             <a:extLst>
               <a:ext uri="{91240B29-F687-4f45-9708-019B960494DF}">
-                <a14:hiddenLine xmlns:a14="http://schemas.microsoft.com/office/drawing/2010/main" xmlns="" w="9525">
+                <a14:hiddenLine xmlns="" xmlns:a14="http://schemas.microsoft.com/office/drawing/2010/main" w="9525">
                   <a:solidFill>
                     <a:srgbClr val="000000"/>
                   </a:solidFill>
@@ -2528,7 +2611,7 @@
             </a:ln>
             <a:extLst>
               <a:ext uri="{91240B29-F687-4f45-9708-019B960494DF}">
-                <a14:hiddenLine xmlns:a14="http://schemas.microsoft.com/office/drawing/2010/main" xmlns="" w="9525">
+                <a14:hiddenLine xmlns="" xmlns:a14="http://schemas.microsoft.com/office/drawing/2010/main" w="9525">
                   <a:solidFill>
                     <a:srgbClr val="000000"/>
                   </a:solidFill>
@@ -2596,7 +2679,7 @@
             </a:ln>
             <a:extLst>
               <a:ext uri="{91240B29-F687-4f45-9708-019B960494DF}">
-                <a14:hiddenLine xmlns:a14="http://schemas.microsoft.com/office/drawing/2010/main" xmlns="" w="9525">
+                <a14:hiddenLine xmlns="" xmlns:a14="http://schemas.microsoft.com/office/drawing/2010/main" w="9525">
                   <a:solidFill>
                     <a:srgbClr val="000000"/>
                   </a:solidFill>
@@ -2686,7 +2769,7 @@
             </a:ln>
             <a:extLst>
               <a:ext uri="{91240B29-F687-4f45-9708-019B960494DF}">
-                <a14:hiddenLine xmlns:a14="http://schemas.microsoft.com/office/drawing/2010/main" xmlns="" w="9525">
+                <a14:hiddenLine xmlns="" xmlns:a14="http://schemas.microsoft.com/office/drawing/2010/main" w="9525">
                   <a:solidFill>
                     <a:srgbClr val="000000"/>
                   </a:solidFill>
@@ -2754,7 +2837,7 @@
             </a:ln>
             <a:extLst>
               <a:ext uri="{91240B29-F687-4f45-9708-019B960494DF}">
-                <a14:hiddenLine xmlns:a14="http://schemas.microsoft.com/office/drawing/2010/main" xmlns="" w="9525">
+                <a14:hiddenLine xmlns="" xmlns:a14="http://schemas.microsoft.com/office/drawing/2010/main" w="9525">
                   <a:solidFill>
                     <a:srgbClr val="000000"/>
                   </a:solidFill>
@@ -2844,7 +2927,7 @@
             </a:ln>
             <a:extLst>
               <a:ext uri="{91240B29-F687-4f45-9708-019B960494DF}">
-                <a14:hiddenLine xmlns:a14="http://schemas.microsoft.com/office/drawing/2010/main" xmlns="" w="9525">
+                <a14:hiddenLine xmlns="" xmlns:a14="http://schemas.microsoft.com/office/drawing/2010/main" w="9525">
                   <a:solidFill>
                     <a:srgbClr val="000000"/>
                   </a:solidFill>
@@ -2878,7 +2961,7 @@
             </a:ln>
             <a:extLst>
               <a:ext uri="{91240B29-F687-4f45-9708-019B960494DF}">
-                <a14:hiddenLine xmlns:a14="http://schemas.microsoft.com/office/drawing/2010/main" xmlns="" w="9525">
+                <a14:hiddenLine xmlns="" xmlns:a14="http://schemas.microsoft.com/office/drawing/2010/main" w="9525">
                   <a:solidFill>
                     <a:srgbClr val="000000"/>
                   </a:solidFill>
@@ -2968,7 +3051,7 @@
             </a:ln>
             <a:extLst>
               <a:ext uri="{91240B29-F687-4f45-9708-019B960494DF}">
-                <a14:hiddenLine xmlns:a14="http://schemas.microsoft.com/office/drawing/2010/main" xmlns="" w="9525">
+                <a14:hiddenLine xmlns="" xmlns:a14="http://schemas.microsoft.com/office/drawing/2010/main" w="9525">
                   <a:solidFill>
                     <a:srgbClr val="000000"/>
                   </a:solidFill>
@@ -3030,7 +3113,7 @@
             </a:ln>
             <a:extLst>
               <a:ext uri="{91240B29-F687-4f45-9708-019B960494DF}">
-                <a14:hiddenLine xmlns:a14="http://schemas.microsoft.com/office/drawing/2010/main" xmlns="" w="9525">
+                <a14:hiddenLine xmlns="" xmlns:a14="http://schemas.microsoft.com/office/drawing/2010/main" w="9525">
                   <a:solidFill>
                     <a:srgbClr val="000000"/>
                   </a:solidFill>
@@ -3092,7 +3175,7 @@
             </a:ln>
             <a:extLst>
               <a:ext uri="{91240B29-F687-4f45-9708-019B960494DF}">
-                <a14:hiddenLine xmlns:a14="http://schemas.microsoft.com/office/drawing/2010/main" xmlns="" w="9525">
+                <a14:hiddenLine xmlns="" xmlns:a14="http://schemas.microsoft.com/office/drawing/2010/main" w="9525">
                   <a:solidFill>
                     <a:srgbClr val="000000"/>
                   </a:solidFill>
@@ -3182,7 +3265,7 @@
             </a:ln>
             <a:extLst>
               <a:ext uri="{91240B29-F687-4f45-9708-019B960494DF}">
-                <a14:hiddenLine xmlns:a14="http://schemas.microsoft.com/office/drawing/2010/main" xmlns="" w="9525">
+                <a14:hiddenLine xmlns="" xmlns:a14="http://schemas.microsoft.com/office/drawing/2010/main" w="9525">
                   <a:solidFill>
                     <a:srgbClr val="000000"/>
                   </a:solidFill>
@@ -3250,7 +3333,7 @@
             </a:ln>
             <a:extLst>
               <a:ext uri="{91240B29-F687-4f45-9708-019B960494DF}">
-                <a14:hiddenLine xmlns:a14="http://schemas.microsoft.com/office/drawing/2010/main" xmlns="" w="9525">
+                <a14:hiddenLine xmlns="" xmlns:a14="http://schemas.microsoft.com/office/drawing/2010/main" w="9525">
                   <a:solidFill>
                     <a:srgbClr val="000000"/>
                   </a:solidFill>
@@ -3312,7 +3395,7 @@
             </a:ln>
             <a:extLst>
               <a:ext uri="{91240B29-F687-4f45-9708-019B960494DF}">
-                <a14:hiddenLine xmlns:a14="http://schemas.microsoft.com/office/drawing/2010/main" xmlns="" w="9525">
+                <a14:hiddenLine xmlns="" xmlns:a14="http://schemas.microsoft.com/office/drawing/2010/main" w="9525">
                   <a:solidFill>
                     <a:srgbClr val="000000"/>
                   </a:solidFill>
@@ -3402,7 +3485,7 @@
             </a:ln>
             <a:extLst>
               <a:ext uri="{91240B29-F687-4f45-9708-019B960494DF}">
-                <a14:hiddenLine xmlns:a14="http://schemas.microsoft.com/office/drawing/2010/main" xmlns="" w="9525">
+                <a14:hiddenLine xmlns="" xmlns:a14="http://schemas.microsoft.com/office/drawing/2010/main" w="9525">
                   <a:solidFill>
                     <a:srgbClr val="000000"/>
                   </a:solidFill>
@@ -3464,7 +3547,7 @@
             </a:ln>
             <a:extLst>
               <a:ext uri="{91240B29-F687-4f45-9708-019B960494DF}">
-                <a14:hiddenLine xmlns:a14="http://schemas.microsoft.com/office/drawing/2010/main" xmlns="" w="9525">
+                <a14:hiddenLine xmlns="" xmlns:a14="http://schemas.microsoft.com/office/drawing/2010/main" w="9525">
                   <a:solidFill>
                     <a:srgbClr val="000000"/>
                   </a:solidFill>
@@ -3554,7 +3637,7 @@
             </a:ln>
             <a:extLst>
               <a:ext uri="{91240B29-F687-4f45-9708-019B960494DF}">
-                <a14:hiddenLine xmlns:a14="http://schemas.microsoft.com/office/drawing/2010/main" xmlns="" w="9525">
+                <a14:hiddenLine xmlns="" xmlns:a14="http://schemas.microsoft.com/office/drawing/2010/main" w="9525">
                   <a:solidFill>
                     <a:srgbClr val="000000"/>
                   </a:solidFill>
@@ -3616,7 +3699,7 @@
             </a:ln>
             <a:extLst>
               <a:ext uri="{91240B29-F687-4f45-9708-019B960494DF}">
-                <a14:hiddenLine xmlns:a14="http://schemas.microsoft.com/office/drawing/2010/main" xmlns="" w="9525">
+                <a14:hiddenLine xmlns="" xmlns:a14="http://schemas.microsoft.com/office/drawing/2010/main" w="9525">
                   <a:solidFill>
                     <a:srgbClr val="000000"/>
                   </a:solidFill>
@@ -3706,7 +3789,7 @@
             </a:ln>
             <a:extLst>
               <a:ext uri="{91240B29-F687-4f45-9708-019B960494DF}">
-                <a14:hiddenLine xmlns:a14="http://schemas.microsoft.com/office/drawing/2010/main" xmlns="" w="9525">
+                <a14:hiddenLine xmlns="" xmlns:a14="http://schemas.microsoft.com/office/drawing/2010/main" w="9525">
                   <a:solidFill>
                     <a:srgbClr val="000000"/>
                   </a:solidFill>
@@ -3740,7 +3823,7 @@
             </a:ln>
             <a:extLst>
               <a:ext uri="{91240B29-F687-4f45-9708-019B960494DF}">
-                <a14:hiddenLine xmlns:a14="http://schemas.microsoft.com/office/drawing/2010/main" xmlns="" w="9525">
+                <a14:hiddenLine xmlns="" xmlns:a14="http://schemas.microsoft.com/office/drawing/2010/main" w="9525">
                   <a:solidFill>
                     <a:srgbClr val="000000"/>
                   </a:solidFill>
@@ -3805,7 +3888,7 @@
             </a:ln>
             <a:extLst>
               <a:ext uri="{91240B29-F687-4f45-9708-019B960494DF}">
-                <a14:hiddenLine xmlns:a14="http://schemas.microsoft.com/office/drawing/2010/main" xmlns="" w="9525">
+                <a14:hiddenLine xmlns="" xmlns:a14="http://schemas.microsoft.com/office/drawing/2010/main" w="9525">
                   <a:solidFill>
                     <a:srgbClr val="000000"/>
                   </a:solidFill>
@@ -3895,7 +3978,7 @@
             </a:ln>
             <a:extLst>
               <a:ext uri="{91240B29-F687-4f45-9708-019B960494DF}">
-                <a14:hiddenLine xmlns:a14="http://schemas.microsoft.com/office/drawing/2010/main" xmlns="" w="9525">
+                <a14:hiddenLine xmlns="" xmlns:a14="http://schemas.microsoft.com/office/drawing/2010/main" w="9525">
                   <a:solidFill>
                     <a:srgbClr val="000000"/>
                   </a:solidFill>
@@ -3957,7 +4040,7 @@
             </a:ln>
             <a:extLst>
               <a:ext uri="{91240B29-F687-4f45-9708-019B960494DF}">
-                <a14:hiddenLine xmlns:a14="http://schemas.microsoft.com/office/drawing/2010/main" xmlns="" w="9525">
+                <a14:hiddenLine xmlns="" xmlns:a14="http://schemas.microsoft.com/office/drawing/2010/main" w="9525">
                   <a:solidFill>
                     <a:srgbClr val="000000"/>
                   </a:solidFill>
@@ -4047,7 +4130,7 @@
             </a:ln>
             <a:extLst>
               <a:ext uri="{91240B29-F687-4f45-9708-019B960494DF}">
-                <a14:hiddenLine xmlns:a14="http://schemas.microsoft.com/office/drawing/2010/main" xmlns="" w="9525">
+                <a14:hiddenLine xmlns="" xmlns:a14="http://schemas.microsoft.com/office/drawing/2010/main" w="9525">
                   <a:solidFill>
                     <a:srgbClr val="000000"/>
                   </a:solidFill>
@@ -4137,7 +4220,7 @@
             </a:ln>
             <a:extLst>
               <a:ext uri="{91240B29-F687-4f45-9708-019B960494DF}">
-                <a14:hiddenLine xmlns:a14="http://schemas.microsoft.com/office/drawing/2010/main" xmlns="" w="9525">
+                <a14:hiddenLine xmlns="" xmlns:a14="http://schemas.microsoft.com/office/drawing/2010/main" w="9525">
                   <a:solidFill>
                     <a:srgbClr val="000000"/>
                   </a:solidFill>
@@ -4202,7 +4285,7 @@
             </a:ln>
             <a:extLst>
               <a:ext uri="{91240B29-F687-4f45-9708-019B960494DF}">
-                <a14:hiddenLine xmlns:a14="http://schemas.microsoft.com/office/drawing/2010/main" xmlns="" w="9525">
+                <a14:hiddenLine xmlns="" xmlns:a14="http://schemas.microsoft.com/office/drawing/2010/main" w="9525">
                   <a:solidFill>
                     <a:srgbClr val="000000"/>
                   </a:solidFill>
@@ -4264,7 +4347,7 @@
             </a:ln>
             <a:extLst>
               <a:ext uri="{91240B29-F687-4f45-9708-019B960494DF}">
-                <a14:hiddenLine xmlns:a14="http://schemas.microsoft.com/office/drawing/2010/main" xmlns="" w="9525">
+                <a14:hiddenLine xmlns="" xmlns:a14="http://schemas.microsoft.com/office/drawing/2010/main" w="9525">
                   <a:solidFill>
                     <a:srgbClr val="000000"/>
                   </a:solidFill>
@@ -4354,7 +4437,7 @@
             </a:ln>
             <a:extLst>
               <a:ext uri="{91240B29-F687-4f45-9708-019B960494DF}">
-                <a14:hiddenLine xmlns:a14="http://schemas.microsoft.com/office/drawing/2010/main" xmlns="" w="9525">
+                <a14:hiddenLine xmlns="" xmlns:a14="http://schemas.microsoft.com/office/drawing/2010/main" w="9525">
                   <a:solidFill>
                     <a:srgbClr val="000000"/>
                   </a:solidFill>
@@ -4444,7 +4527,7 @@
             </a:ln>
             <a:extLst>
               <a:ext uri="{91240B29-F687-4f45-9708-019B960494DF}">
-                <a14:hiddenLine xmlns:a14="http://schemas.microsoft.com/office/drawing/2010/main" xmlns="" w="9525">
+                <a14:hiddenLine xmlns="" xmlns:a14="http://schemas.microsoft.com/office/drawing/2010/main" w="9525">
                   <a:solidFill>
                     <a:srgbClr val="000000"/>
                   </a:solidFill>
@@ -4506,7 +4589,7 @@
             </a:ln>
             <a:extLst>
               <a:ext uri="{91240B29-F687-4f45-9708-019B960494DF}">
-                <a14:hiddenLine xmlns:a14="http://schemas.microsoft.com/office/drawing/2010/main" xmlns="" w="9525">
+                <a14:hiddenLine xmlns="" xmlns:a14="http://schemas.microsoft.com/office/drawing/2010/main" w="9525">
                   <a:solidFill>
                     <a:srgbClr val="000000"/>
                   </a:solidFill>
@@ -4626,7 +4709,7 @@
             </a:ln>
             <a:extLst>
               <a:ext uri="{91240B29-F687-4f45-9708-019B960494DF}">
-                <a14:hiddenLine xmlns:a14="http://schemas.microsoft.com/office/drawing/2010/main" xmlns="" w="9525">
+                <a14:hiddenLine xmlns="" xmlns:a14="http://schemas.microsoft.com/office/drawing/2010/main" w="9525">
                   <a:solidFill>
                     <a:srgbClr val="000000"/>
                   </a:solidFill>
@@ -4694,7 +4777,7 @@
             </a:ln>
             <a:extLst>
               <a:ext uri="{91240B29-F687-4f45-9708-019B960494DF}">
-                <a14:hiddenLine xmlns:a14="http://schemas.microsoft.com/office/drawing/2010/main" xmlns="" w="9525">
+                <a14:hiddenLine xmlns="" xmlns:a14="http://schemas.microsoft.com/office/drawing/2010/main" w="9525">
                   <a:solidFill>
                     <a:srgbClr val="000000"/>
                   </a:solidFill>
@@ -4784,7 +4867,7 @@
             </a:ln>
             <a:extLst>
               <a:ext uri="{91240B29-F687-4f45-9708-019B960494DF}">
-                <a14:hiddenLine xmlns:a14="http://schemas.microsoft.com/office/drawing/2010/main" xmlns="" w="9525">
+                <a14:hiddenLine xmlns="" xmlns:a14="http://schemas.microsoft.com/office/drawing/2010/main" w="9525">
                   <a:solidFill>
                     <a:srgbClr val="000000"/>
                   </a:solidFill>
@@ -4922,9 +5005,9 @@
           <a:bodyPr/>
           <a:lstStyle/>
           <a:p>
-            <a:fld id="{A783637B-6E4A-4491-8AE9-A3DE6F44193F}" type="datetimeFigureOut">
+            <a:fld id="{D2E01BF2-41EC-4A2A-AB1C-099A461B7CEF}" type="datetime1">
               <a:rPr lang="en-US" smtClean="0"/>
-              <a:t>2/10/2019</a:t>
+              <a:t>2/18/2019</a:t>
             </a:fld>
             <a:endParaRPr lang="en-US"/>
           </a:p>
@@ -5189,9 +5272,9 @@
           <a:bodyPr/>
           <a:lstStyle/>
           <a:p>
-            <a:fld id="{A783637B-6E4A-4491-8AE9-A3DE6F44193F}" type="datetimeFigureOut">
+            <a:fld id="{5B004D25-15D4-42F9-99A8-12FCDFC6BD98}" type="datetime1">
               <a:rPr lang="en-US" smtClean="0"/>
-              <a:t>2/10/2019</a:t>
+              <a:t>2/18/2019</a:t>
             </a:fld>
             <a:endParaRPr lang="en-US"/>
           </a:p>
@@ -5385,9 +5468,9 @@
           <a:bodyPr/>
           <a:lstStyle/>
           <a:p>
-            <a:fld id="{A783637B-6E4A-4491-8AE9-A3DE6F44193F}" type="datetimeFigureOut">
+            <a:fld id="{E20BBAEC-CBE3-4701-BD81-32DC5E8AEB5D}" type="datetime1">
               <a:rPr lang="en-US" smtClean="0"/>
-              <a:t>2/10/2019</a:t>
+              <a:t>2/18/2019</a:t>
             </a:fld>
             <a:endParaRPr lang="en-US"/>
           </a:p>
@@ -5648,9 +5731,9 @@
           <a:bodyPr/>
           <a:lstStyle/>
           <a:p>
-            <a:fld id="{A783637B-6E4A-4491-8AE9-A3DE6F44193F}" type="datetimeFigureOut">
+            <a:fld id="{F56A475E-2E35-4CE7-87AE-582E403A5050}" type="datetime1">
               <a:rPr lang="en-US" smtClean="0"/>
-              <a:t>2/10/2019</a:t>
+              <a:t>2/18/2019</a:t>
             </a:fld>
             <a:endParaRPr lang="en-US"/>
           </a:p>
@@ -6082,9 +6165,9 @@
           <a:bodyPr/>
           <a:lstStyle/>
           <a:p>
-            <a:fld id="{A783637B-6E4A-4491-8AE9-A3DE6F44193F}" type="datetimeFigureOut">
+            <a:fld id="{6AA0CB7A-AC79-4928-AC93-4C1BCF452F82}" type="datetime1">
               <a:rPr lang="en-US" smtClean="0"/>
-              <a:t>2/10/2019</a:t>
+              <a:t>2/18/2019</a:t>
             </a:fld>
             <a:endParaRPr lang="en-US"/>
           </a:p>
@@ -6628,9 +6711,9 @@
           <a:bodyPr/>
           <a:lstStyle/>
           <a:p>
-            <a:fld id="{A783637B-6E4A-4491-8AE9-A3DE6F44193F}" type="datetimeFigureOut">
+            <a:fld id="{A9CF4079-F988-446D-A706-03FA0DA390E3}" type="datetime1">
               <a:rPr lang="en-US" smtClean="0"/>
-              <a:t>2/10/2019</a:t>
+              <a:t>2/18/2019</a:t>
             </a:fld>
             <a:endParaRPr lang="en-US"/>
           </a:p>
@@ -7348,9 +7431,9 @@
           <a:bodyPr/>
           <a:lstStyle/>
           <a:p>
-            <a:fld id="{A783637B-6E4A-4491-8AE9-A3DE6F44193F}" type="datetimeFigureOut">
+            <a:fld id="{0050964A-F0E2-4678-BC93-39FE3EBA95EC}" type="datetime1">
               <a:rPr lang="en-US" smtClean="0"/>
-              <a:t>2/10/2019</a:t>
+              <a:t>2/18/2019</a:t>
             </a:fld>
             <a:endParaRPr lang="en-US"/>
           </a:p>
@@ -7518,9 +7601,9 @@
           <a:bodyPr/>
           <a:lstStyle/>
           <a:p>
-            <a:fld id="{A783637B-6E4A-4491-8AE9-A3DE6F44193F}" type="datetimeFigureOut">
+            <a:fld id="{FC0928FC-D19A-4D6A-A0B5-03532DCCFEA8}" type="datetime1">
               <a:rPr lang="en-US" smtClean="0"/>
-              <a:t>2/10/2019</a:t>
+              <a:t>2/18/2019</a:t>
             </a:fld>
             <a:endParaRPr lang="en-US"/>
           </a:p>
@@ -7698,9 +7781,9 @@
           <a:bodyPr/>
           <a:lstStyle/>
           <a:p>
-            <a:fld id="{A783637B-6E4A-4491-8AE9-A3DE6F44193F}" type="datetimeFigureOut">
+            <a:fld id="{055F61FC-3278-45F4-BC58-940FA29F939A}" type="datetime1">
               <a:rPr lang="en-US" smtClean="0"/>
-              <a:t>2/10/2019</a:t>
+              <a:t>2/18/2019</a:t>
             </a:fld>
             <a:endParaRPr lang="en-US"/>
           </a:p>
@@ -7868,9 +7951,9 @@
           <a:bodyPr/>
           <a:lstStyle/>
           <a:p>
-            <a:fld id="{A783637B-6E4A-4491-8AE9-A3DE6F44193F}" type="datetimeFigureOut">
+            <a:fld id="{FCCF46C3-EA1D-4817-B99E-ED1A72736697}" type="datetime1">
               <a:rPr lang="en-US" smtClean="0"/>
-              <a:t>2/10/2019</a:t>
+              <a:t>2/18/2019</a:t>
             </a:fld>
             <a:endParaRPr lang="en-US"/>
           </a:p>
@@ -8118,9 +8201,9 @@
           <a:bodyPr/>
           <a:lstStyle/>
           <a:p>
-            <a:fld id="{A783637B-6E4A-4491-8AE9-A3DE6F44193F}" type="datetimeFigureOut">
+            <a:fld id="{2AF14B31-D984-4BC8-A0D4-70A17F1D1E12}" type="datetime1">
               <a:rPr lang="en-US" smtClean="0"/>
-              <a:t>2/10/2019</a:t>
+              <a:t>2/18/2019</a:t>
             </a:fld>
             <a:endParaRPr lang="en-US"/>
           </a:p>
@@ -8350,9 +8433,9 @@
           <a:bodyPr/>
           <a:lstStyle/>
           <a:p>
-            <a:fld id="{A783637B-6E4A-4491-8AE9-A3DE6F44193F}" type="datetimeFigureOut">
+            <a:fld id="{A2E98C65-ACFE-4303-AF7B-641602562B9A}" type="datetime1">
               <a:rPr lang="en-US" smtClean="0"/>
-              <a:t>2/10/2019</a:t>
+              <a:t>2/18/2019</a:t>
             </a:fld>
             <a:endParaRPr lang="en-US"/>
           </a:p>
@@ -8731,9 +8814,9 @@
           <a:bodyPr/>
           <a:lstStyle/>
           <a:p>
-            <a:fld id="{A783637B-6E4A-4491-8AE9-A3DE6F44193F}" type="datetimeFigureOut">
+            <a:fld id="{C6556AC2-6DDE-4CDA-B787-B7F925974024}" type="datetime1">
               <a:rPr lang="en-US" smtClean="0"/>
-              <a:t>2/10/2019</a:t>
+              <a:t>2/18/2019</a:t>
             </a:fld>
             <a:endParaRPr lang="en-US"/>
           </a:p>
@@ -8849,9 +8932,9 @@
           <a:bodyPr/>
           <a:lstStyle/>
           <a:p>
-            <a:fld id="{A783637B-6E4A-4491-8AE9-A3DE6F44193F}" type="datetimeFigureOut">
+            <a:fld id="{64BAD257-A010-4CDB-BB8D-0AB35BB5FA2A}" type="datetime1">
               <a:rPr lang="en-US" smtClean="0"/>
-              <a:t>2/10/2019</a:t>
+              <a:t>2/18/2019</a:t>
             </a:fld>
             <a:endParaRPr lang="en-US"/>
           </a:p>
@@ -8944,9 +9027,9 @@
           <a:bodyPr/>
           <a:lstStyle/>
           <a:p>
-            <a:fld id="{A783637B-6E4A-4491-8AE9-A3DE6F44193F}" type="datetimeFigureOut">
+            <a:fld id="{1ECE46F7-ED76-42BF-B6AC-40CFF9B07CE2}" type="datetime1">
               <a:rPr lang="en-US" smtClean="0"/>
-              <a:t>2/10/2019</a:t>
+              <a:t>2/18/2019</a:t>
             </a:fld>
             <a:endParaRPr lang="en-US"/>
           </a:p>
@@ -9193,9 +9276,9 @@
           <a:bodyPr/>
           <a:lstStyle/>
           <a:p>
-            <a:fld id="{A783637B-6E4A-4491-8AE9-A3DE6F44193F}" type="datetimeFigureOut">
+            <a:fld id="{BF5F8CC2-8598-46D5-85AD-DA1D4168948C}" type="datetime1">
               <a:rPr lang="en-US" smtClean="0"/>
-              <a:t>2/10/2019</a:t>
+              <a:t>2/18/2019</a:t>
             </a:fld>
             <a:endParaRPr lang="en-US"/>
           </a:p>
@@ -9473,9 +9556,9 @@
           <a:bodyPr/>
           <a:lstStyle/>
           <a:p>
-            <a:fld id="{A783637B-6E4A-4491-8AE9-A3DE6F44193F}" type="datetimeFigureOut">
+            <a:fld id="{EFD24594-2E42-437E-9F01-0981D7C39812}" type="datetime1">
               <a:rPr lang="en-US" smtClean="0"/>
-              <a:t>2/10/2019</a:t>
+              <a:t>2/18/2019</a:t>
             </a:fld>
             <a:endParaRPr lang="en-US"/>
           </a:p>
@@ -9591,7 +9674,7 @@
           <a:noFill/>
           <a:extLst>
             <a:ext uri="{909E8E84-426E-40dd-AFC4-6F175D3DCCD1}">
-              <a14:hiddenFill xmlns:a14="http://schemas.microsoft.com/office/drawing/2010/main" xmlns="">
+              <a14:hiddenFill xmlns="" xmlns:a14="http://schemas.microsoft.com/office/drawing/2010/main">
                 <a:solidFill>
                   <a:srgbClr val="FFFFFF"/>
                 </a:solidFill>
@@ -9665,7 +9748,7 @@
               </a:ln>
               <a:extLst>
                 <a:ext uri="{91240B29-F687-4f45-9708-019B960494DF}">
-                  <a14:hiddenLine xmlns:a14="http://schemas.microsoft.com/office/drawing/2010/main" xmlns="" w="9525">
+                  <a14:hiddenLine xmlns="" xmlns:a14="http://schemas.microsoft.com/office/drawing/2010/main" w="9525">
                     <a:solidFill>
                       <a:srgbClr val="000000"/>
                     </a:solidFill>
@@ -9755,7 +9838,7 @@
               </a:ln>
               <a:extLst>
                 <a:ext uri="{91240B29-F687-4f45-9708-019B960494DF}">
-                  <a14:hiddenLine xmlns:a14="http://schemas.microsoft.com/office/drawing/2010/main" xmlns="" w="9525">
+                  <a14:hiddenLine xmlns="" xmlns:a14="http://schemas.microsoft.com/office/drawing/2010/main" w="9525">
                     <a:solidFill>
                       <a:srgbClr val="000000"/>
                     </a:solidFill>
@@ -9845,7 +9928,7 @@
               </a:ln>
               <a:extLst>
                 <a:ext uri="{91240B29-F687-4f45-9708-019B960494DF}">
-                  <a14:hiddenLine xmlns:a14="http://schemas.microsoft.com/office/drawing/2010/main" xmlns="" w="9525">
+                  <a14:hiddenLine xmlns="" xmlns:a14="http://schemas.microsoft.com/office/drawing/2010/main" w="9525">
                     <a:solidFill>
                       <a:srgbClr val="000000"/>
                     </a:solidFill>
@@ -9907,7 +9990,7 @@
               </a:ln>
               <a:extLst>
                 <a:ext uri="{91240B29-F687-4f45-9708-019B960494DF}">
-                  <a14:hiddenLine xmlns:a14="http://schemas.microsoft.com/office/drawing/2010/main" xmlns="" w="9525">
+                  <a14:hiddenLine xmlns="" xmlns:a14="http://schemas.microsoft.com/office/drawing/2010/main" w="9525">
                     <a:solidFill>
                       <a:srgbClr val="000000"/>
                     </a:solidFill>
@@ -9997,7 +10080,7 @@
               </a:ln>
               <a:extLst>
                 <a:ext uri="{91240B29-F687-4f45-9708-019B960494DF}">
-                  <a14:hiddenLine xmlns:a14="http://schemas.microsoft.com/office/drawing/2010/main" xmlns="" w="9525">
+                  <a14:hiddenLine xmlns="" xmlns:a14="http://schemas.microsoft.com/office/drawing/2010/main" w="9525">
                     <a:solidFill>
                       <a:srgbClr val="000000"/>
                     </a:solidFill>
@@ -10059,7 +10142,7 @@
               </a:ln>
               <a:extLst>
                 <a:ext uri="{91240B29-F687-4f45-9708-019B960494DF}">
-                  <a14:hiddenLine xmlns:a14="http://schemas.microsoft.com/office/drawing/2010/main" xmlns="" w="9525">
+                  <a14:hiddenLine xmlns="" xmlns:a14="http://schemas.microsoft.com/office/drawing/2010/main" w="9525">
                     <a:solidFill>
                       <a:srgbClr val="000000"/>
                     </a:solidFill>
@@ -10121,7 +10204,7 @@
               </a:ln>
               <a:extLst>
                 <a:ext uri="{91240B29-F687-4f45-9708-019B960494DF}">
-                  <a14:hiddenLine xmlns:a14="http://schemas.microsoft.com/office/drawing/2010/main" xmlns="" w="9525">
+                  <a14:hiddenLine xmlns="" xmlns:a14="http://schemas.microsoft.com/office/drawing/2010/main" w="9525">
                     <a:solidFill>
                       <a:srgbClr val="000000"/>
                     </a:solidFill>
@@ -10211,7 +10294,7 @@
               </a:ln>
               <a:extLst>
                 <a:ext uri="{91240B29-F687-4f45-9708-019B960494DF}">
-                  <a14:hiddenLine xmlns:a14="http://schemas.microsoft.com/office/drawing/2010/main" xmlns="" w="9525">
+                  <a14:hiddenLine xmlns="" xmlns:a14="http://schemas.microsoft.com/office/drawing/2010/main" w="9525">
                     <a:solidFill>
                       <a:srgbClr val="000000"/>
                     </a:solidFill>
@@ -10301,7 +10384,7 @@
               </a:ln>
               <a:extLst>
                 <a:ext uri="{91240B29-F687-4f45-9708-019B960494DF}">
-                  <a14:hiddenLine xmlns:a14="http://schemas.microsoft.com/office/drawing/2010/main" xmlns="" w="9525">
+                  <a14:hiddenLine xmlns="" xmlns:a14="http://schemas.microsoft.com/office/drawing/2010/main" w="9525">
                     <a:solidFill>
                       <a:srgbClr val="000000"/>
                     </a:solidFill>
@@ -10363,7 +10446,7 @@
               </a:ln>
               <a:extLst>
                 <a:ext uri="{91240B29-F687-4f45-9708-019B960494DF}">
-                  <a14:hiddenLine xmlns:a14="http://schemas.microsoft.com/office/drawing/2010/main" xmlns="" w="9525">
+                  <a14:hiddenLine xmlns="" xmlns:a14="http://schemas.microsoft.com/office/drawing/2010/main" w="9525">
                     <a:solidFill>
                       <a:srgbClr val="000000"/>
                     </a:solidFill>
@@ -10473,7 +10556,7 @@
               </a:ln>
               <a:extLst>
                 <a:ext uri="{91240B29-F687-4f45-9708-019B960494DF}">
-                  <a14:hiddenLine xmlns:a14="http://schemas.microsoft.com/office/drawing/2010/main" xmlns="" w="9525">
+                  <a14:hiddenLine xmlns="" xmlns:a14="http://schemas.microsoft.com/office/drawing/2010/main" w="9525">
                     <a:solidFill>
                       <a:srgbClr val="000000"/>
                     </a:solidFill>
@@ -10557,7 +10640,7 @@
               </a:ln>
               <a:extLst>
                 <a:ext uri="{91240B29-F687-4f45-9708-019B960494DF}">
-                  <a14:hiddenLine xmlns:a14="http://schemas.microsoft.com/office/drawing/2010/main" xmlns="" w="9525">
+                  <a14:hiddenLine xmlns="" xmlns:a14="http://schemas.microsoft.com/office/drawing/2010/main" w="9525">
                     <a:solidFill>
                       <a:srgbClr val="000000"/>
                     </a:solidFill>
@@ -10619,7 +10702,7 @@
               </a:ln>
               <a:extLst>
                 <a:ext uri="{91240B29-F687-4f45-9708-019B960494DF}">
-                  <a14:hiddenLine xmlns:a14="http://schemas.microsoft.com/office/drawing/2010/main" xmlns="" w="9525">
+                  <a14:hiddenLine xmlns="" xmlns:a14="http://schemas.microsoft.com/office/drawing/2010/main" w="9525">
                     <a:solidFill>
                       <a:srgbClr val="000000"/>
                     </a:solidFill>
@@ -10681,7 +10764,7 @@
               </a:ln>
               <a:extLst>
                 <a:ext uri="{91240B29-F687-4f45-9708-019B960494DF}">
-                  <a14:hiddenLine xmlns:a14="http://schemas.microsoft.com/office/drawing/2010/main" xmlns="" w="9525">
+                  <a14:hiddenLine xmlns="" xmlns:a14="http://schemas.microsoft.com/office/drawing/2010/main" w="9525">
                     <a:solidFill>
                       <a:srgbClr val="000000"/>
                     </a:solidFill>
@@ -10771,7 +10854,7 @@
               </a:ln>
               <a:extLst>
                 <a:ext uri="{91240B29-F687-4f45-9708-019B960494DF}">
-                  <a14:hiddenLine xmlns:a14="http://schemas.microsoft.com/office/drawing/2010/main" xmlns="" w="9525">
+                  <a14:hiddenLine xmlns="" xmlns:a14="http://schemas.microsoft.com/office/drawing/2010/main" w="9525">
                     <a:solidFill>
                       <a:srgbClr val="000000"/>
                     </a:solidFill>
@@ -10805,7 +10888,7 @@
               </a:ln>
               <a:extLst>
                 <a:ext uri="{91240B29-F687-4f45-9708-019B960494DF}">
-                  <a14:hiddenLine xmlns:a14="http://schemas.microsoft.com/office/drawing/2010/main" xmlns="" w="9525">
+                  <a14:hiddenLine xmlns="" xmlns:a14="http://schemas.microsoft.com/office/drawing/2010/main" w="9525">
                     <a:solidFill>
                       <a:srgbClr val="000000"/>
                     </a:solidFill>
@@ -10870,7 +10953,7 @@
               </a:ln>
               <a:extLst>
                 <a:ext uri="{91240B29-F687-4f45-9708-019B960494DF}">
-                  <a14:hiddenLine xmlns:a14="http://schemas.microsoft.com/office/drawing/2010/main" xmlns="" w="9525">
+                  <a14:hiddenLine xmlns="" xmlns:a14="http://schemas.microsoft.com/office/drawing/2010/main" w="9525">
                     <a:solidFill>
                       <a:srgbClr val="000000"/>
                     </a:solidFill>
@@ -10960,7 +11043,7 @@
               </a:ln>
               <a:extLst>
                 <a:ext uri="{91240B29-F687-4f45-9708-019B960494DF}">
-                  <a14:hiddenLine xmlns:a14="http://schemas.microsoft.com/office/drawing/2010/main" xmlns="" w="9525">
+                  <a14:hiddenLine xmlns="" xmlns:a14="http://schemas.microsoft.com/office/drawing/2010/main" w="9525">
                     <a:solidFill>
                       <a:srgbClr val="000000"/>
                     </a:solidFill>
@@ -11022,7 +11105,7 @@
               </a:ln>
               <a:extLst>
                 <a:ext uri="{91240B29-F687-4f45-9708-019B960494DF}">
-                  <a14:hiddenLine xmlns:a14="http://schemas.microsoft.com/office/drawing/2010/main" xmlns="" w="9525">
+                  <a14:hiddenLine xmlns="" xmlns:a14="http://schemas.microsoft.com/office/drawing/2010/main" w="9525">
                     <a:solidFill>
                       <a:srgbClr val="000000"/>
                     </a:solidFill>
@@ -11112,7 +11195,7 @@
               </a:ln>
               <a:extLst>
                 <a:ext uri="{91240B29-F687-4f45-9708-019B960494DF}">
-                  <a14:hiddenLine xmlns:a14="http://schemas.microsoft.com/office/drawing/2010/main" xmlns="" w="9525">
+                  <a14:hiddenLine xmlns="" xmlns:a14="http://schemas.microsoft.com/office/drawing/2010/main" w="9525">
                     <a:solidFill>
                       <a:srgbClr val="000000"/>
                     </a:solidFill>
@@ -11177,7 +11260,7 @@
               </a:ln>
               <a:extLst>
                 <a:ext uri="{91240B29-F687-4f45-9708-019B960494DF}">
-                  <a14:hiddenLine xmlns:a14="http://schemas.microsoft.com/office/drawing/2010/main" xmlns="" w="9525">
+                  <a14:hiddenLine xmlns="" xmlns:a14="http://schemas.microsoft.com/office/drawing/2010/main" w="9525">
                     <a:solidFill>
                       <a:srgbClr val="000000"/>
                     </a:solidFill>
@@ -11239,7 +11322,7 @@
               </a:ln>
               <a:extLst>
                 <a:ext uri="{91240B29-F687-4f45-9708-019B960494DF}">
-                  <a14:hiddenLine xmlns:a14="http://schemas.microsoft.com/office/drawing/2010/main" xmlns="" w="9525">
+                  <a14:hiddenLine xmlns="" xmlns:a14="http://schemas.microsoft.com/office/drawing/2010/main" w="9525">
                     <a:solidFill>
                       <a:srgbClr val="000000"/>
                     </a:solidFill>
@@ -11329,7 +11412,7 @@
               </a:ln>
               <a:extLst>
                 <a:ext uri="{91240B29-F687-4f45-9708-019B960494DF}">
-                  <a14:hiddenLine xmlns:a14="http://schemas.microsoft.com/office/drawing/2010/main" xmlns="" w="9525">
+                  <a14:hiddenLine xmlns="" xmlns:a14="http://schemas.microsoft.com/office/drawing/2010/main" w="9525">
                     <a:solidFill>
                       <a:srgbClr val="000000"/>
                     </a:solidFill>
@@ -11419,7 +11502,7 @@
               </a:ln>
               <a:extLst>
                 <a:ext uri="{91240B29-F687-4f45-9708-019B960494DF}">
-                  <a14:hiddenLine xmlns:a14="http://schemas.microsoft.com/office/drawing/2010/main" xmlns="" w="9525">
+                  <a14:hiddenLine xmlns="" xmlns:a14="http://schemas.microsoft.com/office/drawing/2010/main" w="9525">
                     <a:solidFill>
                       <a:srgbClr val="000000"/>
                     </a:solidFill>
@@ -11484,7 +11567,7 @@
               </a:ln>
               <a:extLst>
                 <a:ext uri="{91240B29-F687-4f45-9708-019B960494DF}">
-                  <a14:hiddenLine xmlns:a14="http://schemas.microsoft.com/office/drawing/2010/main" xmlns="" w="9525">
+                  <a14:hiddenLine xmlns="" xmlns:a14="http://schemas.microsoft.com/office/drawing/2010/main" w="9525">
                     <a:solidFill>
                       <a:srgbClr val="000000"/>
                     </a:solidFill>
@@ -11604,7 +11687,7 @@
               </a:ln>
               <a:extLst>
                 <a:ext uri="{91240B29-F687-4f45-9708-019B960494DF}">
-                  <a14:hiddenLine xmlns:a14="http://schemas.microsoft.com/office/drawing/2010/main" xmlns="" w="9525">
+                  <a14:hiddenLine xmlns="" xmlns:a14="http://schemas.microsoft.com/office/drawing/2010/main" w="9525">
                     <a:solidFill>
                       <a:srgbClr val="000000"/>
                     </a:solidFill>
@@ -11702,7 +11785,7 @@
               </a:ln>
               <a:extLst>
                 <a:ext uri="{91240B29-F687-4f45-9708-019B960494DF}">
-                  <a14:hiddenLine xmlns:a14="http://schemas.microsoft.com/office/drawing/2010/main" xmlns="" w="9525">
+                  <a14:hiddenLine xmlns="" xmlns:a14="http://schemas.microsoft.com/office/drawing/2010/main" w="9525">
                     <a:solidFill>
                       <a:srgbClr val="000000"/>
                     </a:solidFill>
@@ -11817,7 +11900,7 @@
               </a:ln>
               <a:extLst>
                 <a:ext uri="{91240B29-F687-4f45-9708-019B960494DF}">
-                  <a14:hiddenLine xmlns:a14="http://schemas.microsoft.com/office/drawing/2010/main" xmlns="" w="9525">
+                  <a14:hiddenLine xmlns="" xmlns:a14="http://schemas.microsoft.com/office/drawing/2010/main" w="9525">
                     <a:solidFill>
                       <a:srgbClr val="000000"/>
                     </a:solidFill>
@@ -11907,7 +11990,7 @@
               </a:ln>
               <a:extLst>
                 <a:ext uri="{91240B29-F687-4f45-9708-019B960494DF}">
-                  <a14:hiddenLine xmlns:a14="http://schemas.microsoft.com/office/drawing/2010/main" xmlns="" w="9525">
+                  <a14:hiddenLine xmlns="" xmlns:a14="http://schemas.microsoft.com/office/drawing/2010/main" w="9525">
                     <a:solidFill>
                       <a:srgbClr val="000000"/>
                     </a:solidFill>
@@ -11972,7 +12055,7 @@
               </a:ln>
               <a:extLst>
                 <a:ext uri="{91240B29-F687-4f45-9708-019B960494DF}">
-                  <a14:hiddenLine xmlns:a14="http://schemas.microsoft.com/office/drawing/2010/main" xmlns="" w="9525">
+                  <a14:hiddenLine xmlns="" xmlns:a14="http://schemas.microsoft.com/office/drawing/2010/main" w="9525">
                     <a:solidFill>
                       <a:srgbClr val="000000"/>
                     </a:solidFill>
@@ -12062,7 +12145,7 @@
               </a:ln>
               <a:extLst>
                 <a:ext uri="{91240B29-F687-4f45-9708-019B960494DF}">
-                  <a14:hiddenLine xmlns:a14="http://schemas.microsoft.com/office/drawing/2010/main" xmlns="" w="9525">
+                  <a14:hiddenLine xmlns="" xmlns:a14="http://schemas.microsoft.com/office/drawing/2010/main" w="9525">
                     <a:solidFill>
                       <a:srgbClr val="000000"/>
                     </a:solidFill>
@@ -12130,7 +12213,7 @@
               </a:ln>
               <a:extLst>
                 <a:ext uri="{91240B29-F687-4f45-9708-019B960494DF}">
-                  <a14:hiddenLine xmlns:a14="http://schemas.microsoft.com/office/drawing/2010/main" xmlns="" w="9525">
+                  <a14:hiddenLine xmlns="" xmlns:a14="http://schemas.microsoft.com/office/drawing/2010/main" w="9525">
                     <a:solidFill>
                       <a:srgbClr val="000000"/>
                     </a:solidFill>
@@ -12220,7 +12303,7 @@
               </a:ln>
               <a:extLst>
                 <a:ext uri="{91240B29-F687-4f45-9708-019B960494DF}">
-                  <a14:hiddenLine xmlns:a14="http://schemas.microsoft.com/office/drawing/2010/main" xmlns="" w="9525">
+                  <a14:hiddenLine xmlns="" xmlns:a14="http://schemas.microsoft.com/office/drawing/2010/main" w="9525">
                     <a:solidFill>
                       <a:srgbClr val="000000"/>
                     </a:solidFill>
@@ -12288,7 +12371,7 @@
               </a:ln>
               <a:extLst>
                 <a:ext uri="{91240B29-F687-4f45-9708-019B960494DF}">
-                  <a14:hiddenLine xmlns:a14="http://schemas.microsoft.com/office/drawing/2010/main" xmlns="" w="9525">
+                  <a14:hiddenLine xmlns="" xmlns:a14="http://schemas.microsoft.com/office/drawing/2010/main" w="9525">
                     <a:solidFill>
                       <a:srgbClr val="000000"/>
                     </a:solidFill>
@@ -12378,7 +12461,7 @@
               </a:ln>
               <a:extLst>
                 <a:ext uri="{91240B29-F687-4f45-9708-019B960494DF}">
-                  <a14:hiddenLine xmlns:a14="http://schemas.microsoft.com/office/drawing/2010/main" xmlns="" w="9525">
+                  <a14:hiddenLine xmlns="" xmlns:a14="http://schemas.microsoft.com/office/drawing/2010/main" w="9525">
                     <a:solidFill>
                       <a:srgbClr val="000000"/>
                     </a:solidFill>
@@ -12412,7 +12495,7 @@
               </a:ln>
               <a:extLst>
                 <a:ext uri="{91240B29-F687-4f45-9708-019B960494DF}">
-                  <a14:hiddenLine xmlns:a14="http://schemas.microsoft.com/office/drawing/2010/main" xmlns="" w="9525">
+                  <a14:hiddenLine xmlns="" xmlns:a14="http://schemas.microsoft.com/office/drawing/2010/main" w="9525">
                     <a:solidFill>
                       <a:srgbClr val="000000"/>
                     </a:solidFill>
@@ -12550,9 +12633,9 @@
             </a:lvl1pPr>
           </a:lstStyle>
           <a:p>
-            <a:fld id="{A783637B-6E4A-4491-8AE9-A3DE6F44193F}" type="datetimeFigureOut">
+            <a:fld id="{A7E840F9-FF06-4F4E-9C97-4F55BA7D82DE}" type="datetime1">
               <a:rPr lang="en-US" smtClean="0"/>
-              <a:t>2/10/2019</a:t>
+              <a:t>2/18/2019</a:t>
             </a:fld>
             <a:endParaRPr lang="en-US"/>
           </a:p>
@@ -12663,6 +12746,7 @@
     <p:sldLayoutId id="2147483748" r:id="rId16"/>
     <p:sldLayoutId id="2147483749" r:id="rId17"/>
   </p:sldLayoutIdLst>
+  <p:hf hdr="0" ftr="0" dt="0"/>
   <p:txStyles>
     <p:titleStyle>
       <a:lvl1pPr algn="l" defTabSz="914400" rtl="0" eaLnBrk="1" latinLnBrk="0" hangingPunct="1">
@@ -13242,6 +13326,40 @@
       </p:grpSpPr>
       <p:sp>
         <p:nvSpPr>
+          <p:cNvPr id="10" name="TextBox 9"/>
+          <p:cNvSpPr txBox="1"/>
+          <p:nvPr/>
+        </p:nvSpPr>
+        <p:spPr>
+          <a:xfrm rot="5400000">
+            <a:off x="10652112" y="5452797"/>
+            <a:ext cx="2164078" cy="646331"/>
+          </a:xfrm>
+          <a:prstGeom prst="rect">
+            <a:avLst/>
+          </a:prstGeom>
+          <a:solidFill>
+            <a:schemeClr val="tx1"/>
+          </a:solidFill>
+        </p:spPr>
+        <p:txBody>
+          <a:bodyPr wrap="square" rtlCol="0">
+            <a:spAutoFit/>
+          </a:bodyPr>
+          <a:lstStyle/>
+          <a:p>
+            <a:endParaRPr lang="ro-RO" sz="3600" b="1" dirty="0" smtClean="0">
+              <a:solidFill>
+                <a:schemeClr val="bg1"/>
+              </a:solidFill>
+              <a:latin typeface="Times New Roman" panose="02020603050405020304" pitchFamily="18" charset="0"/>
+              <a:cs typeface="Times New Roman" panose="02020603050405020304" pitchFamily="18" charset="0"/>
+            </a:endParaRPr>
+          </a:p>
+        </p:txBody>
+      </p:sp>
+      <p:sp>
+        <p:nvSpPr>
           <p:cNvPr id="7" name="TextBox 6"/>
           <p:cNvSpPr txBox="1"/>
           <p:nvPr/>
@@ -13249,7 +13367,7 @@
         <p:spPr>
           <a:xfrm>
             <a:off x="1841501" y="38100"/>
-            <a:ext cx="6670416" cy="646331"/>
+            <a:ext cx="5831725" cy="523220"/>
           </a:xfrm>
           <a:prstGeom prst="rect">
             <a:avLst/>
@@ -13263,7 +13381,7 @@
           <a:lstStyle/>
           <a:p>
             <a:r>
-              <a:rPr lang="ro-RO" sz="3600" b="1" dirty="0" smtClean="0">
+              <a:rPr lang="ro-RO" sz="2800" b="1" dirty="0" smtClean="0">
                 <a:solidFill>
                   <a:schemeClr val="bg1"/>
                 </a:solidFill>
@@ -13273,7 +13391,7 @@
               <a:t>Prelucrarea </a:t>
             </a:r>
             <a:r>
-              <a:rPr lang="en-US" sz="3600" b="1" dirty="0" err="1" smtClean="0">
+              <a:rPr lang="en-US" sz="2800" b="1" dirty="0" err="1" smtClean="0">
                 <a:solidFill>
                   <a:schemeClr val="bg1"/>
                 </a:solidFill>
@@ -13283,7 +13401,7 @@
               <a:t>datelor</a:t>
             </a:r>
             <a:r>
-              <a:rPr lang="en-US" sz="3600" b="1" dirty="0" smtClean="0">
+              <a:rPr lang="en-US" sz="2800" b="1" dirty="0" smtClean="0">
                 <a:solidFill>
                   <a:schemeClr val="bg1"/>
                 </a:solidFill>
@@ -13293,7 +13411,7 @@
               <a:t> de </a:t>
             </a:r>
             <a:r>
-              <a:rPr lang="en-US" sz="3600" b="1" dirty="0" err="1" smtClean="0">
+              <a:rPr lang="en-US" sz="2800" b="1" dirty="0" err="1" smtClean="0">
                 <a:solidFill>
                   <a:schemeClr val="bg1"/>
                 </a:solidFill>
@@ -13301,6 +13419,16 @@
                 <a:cs typeface="Times New Roman" panose="02020603050405020304" pitchFamily="18" charset="0"/>
               </a:rPr>
               <a:t>antrenare</a:t>
+            </a:r>
+            <a:r>
+              <a:rPr lang="ro-RO" sz="2800" b="1" dirty="0" smtClean="0">
+                <a:solidFill>
+                  <a:schemeClr val="bg1"/>
+                </a:solidFill>
+                <a:latin typeface="Times New Roman" panose="02020603050405020304" pitchFamily="18" charset="0"/>
+                <a:cs typeface="Times New Roman" panose="02020603050405020304" pitchFamily="18" charset="0"/>
+              </a:rPr>
+              <a:t> (II)</a:t>
             </a:r>
             <a:endParaRPr lang="en-US" sz="3600" b="1" i="1" dirty="0">
               <a:solidFill>
@@ -13344,8 +13472,8 @@
         </p:nvSpPr>
         <p:spPr>
           <a:xfrm>
-            <a:off x="2033221" y="857250"/>
-            <a:ext cx="9587279" cy="923330"/>
+            <a:off x="1841501" y="1379769"/>
+            <a:ext cx="9778999" cy="923330"/>
           </a:xfrm>
           <a:prstGeom prst="rect">
             <a:avLst/>
@@ -13359,6 +13487,36 @@
           <a:lstStyle/>
           <a:p>
             <a:r>
+              <a:rPr lang="en-US" dirty="0" smtClean="0">
+                <a:solidFill>
+                  <a:schemeClr val="bg1"/>
+                </a:solidFill>
+                <a:latin typeface="Times New Roman" panose="02020603050405020304" pitchFamily="18" charset="0"/>
+                <a:cs typeface="Times New Roman" panose="02020603050405020304" pitchFamily="18" charset="0"/>
+              </a:rPr>
+              <a:t>T</a:t>
+            </a:r>
+            <a:r>
+              <a:rPr lang="en-US" dirty="0">
+                <a:solidFill>
+                  <a:schemeClr val="bg1"/>
+                </a:solidFill>
+                <a:latin typeface="Times New Roman" panose="02020603050405020304" pitchFamily="18" charset="0"/>
+                <a:cs typeface="Times New Roman" panose="02020603050405020304" pitchFamily="18" charset="0"/>
+              </a:rPr>
+              <a:t>o</a:t>
+            </a:r>
+            <a:r>
+              <a:rPr lang="ro-RO" dirty="0" smtClean="0">
+                <a:solidFill>
+                  <a:schemeClr val="bg1"/>
+                </a:solidFill>
+                <a:latin typeface="Times New Roman" panose="02020603050405020304" pitchFamily="18" charset="0"/>
+                <a:cs typeface="Times New Roman" panose="02020603050405020304" pitchFamily="18" charset="0"/>
+              </a:rPr>
+              <a:t>atele </a:t>
+            </a:r>
+            <a:r>
               <a:rPr lang="ro-RO" dirty="0">
                 <a:solidFill>
                   <a:schemeClr val="bg1"/>
@@ -13366,7 +13524,7 @@
                 <a:latin typeface="Times New Roman" panose="02020603050405020304" pitchFamily="18" charset="0"/>
                 <a:cs typeface="Times New Roman" panose="02020603050405020304" pitchFamily="18" charset="0"/>
               </a:rPr>
-              <a:t>Utilizând cei doi vectori creați, lexic și categorii, toate datele de antrenare se pot coda folosind tehnica </a:t>
+              <a:t>de antrenare se pot coda folosind tehnica </a:t>
             </a:r>
             <a:r>
               <a:rPr lang="ro-RO" i="1" dirty="0">
@@ -13479,20 +13637,20 @@
           <p:nvPr>
             <p:extLst>
               <p:ext uri="{D42A27DB-BD31-4B8C-83A1-F6EECF244321}">
-                <p14:modId xmlns:p14="http://schemas.microsoft.com/office/powerpoint/2010/main" val="315446386"/>
+                <p14:modId xmlns:p14="http://schemas.microsoft.com/office/powerpoint/2010/main" val="1685765807"/>
               </p:ext>
             </p:extLst>
           </p:nvPr>
         </p:nvGraphicFramePr>
         <p:xfrm>
-          <a:off x="3197835" y="2081705"/>
+          <a:off x="3197835" y="2586803"/>
           <a:ext cx="8033724" cy="3750684"/>
         </p:xfrm>
         <a:graphic>
           <a:graphicData uri="http://schemas.openxmlformats.org/presentationml/2006/ole">
             <mc:AlternateContent xmlns:mc="http://schemas.openxmlformats.org/markup-compatibility/2006">
               <mc:Choice xmlns:v="urn:schemas-microsoft-com:vml" Requires="v">
-                <p:oleObj spid="_x0000_s13325" name="Visio" r:id="rId4" imgW="6324779" imgH="2952724" progId="Visio.Drawing.15">
+                <p:oleObj spid="_x0000_s13349" name="Visio" r:id="rId4" imgW="6324779" imgH="2952724" progId="Visio.Drawing.15">
                   <p:embed/>
                 </p:oleObj>
               </mc:Choice>
@@ -13513,7 +13671,7 @@
                     </p:blipFill>
                     <p:spPr>
                       <a:xfrm>
-                        <a:off x="3197835" y="2081705"/>
+                        <a:off x="3197835" y="2586803"/>
                         <a:ext cx="8033724" cy="3750684"/>
                       </a:xfrm>
                       <a:prstGeom prst="rect">
@@ -13527,6 +13685,162 @@
           </a:graphicData>
         </a:graphic>
       </p:graphicFrame>
+      <p:sp>
+        <p:nvSpPr>
+          <p:cNvPr id="5" name="Slide Number Placeholder 4"/>
+          <p:cNvSpPr>
+            <a:spLocks noGrp="1"/>
+          </p:cNvSpPr>
+          <p:nvPr>
+            <p:ph type="sldNum" sz="quarter" idx="12"/>
+          </p:nvPr>
+        </p:nvSpPr>
+        <p:spPr/>
+        <p:txBody>
+          <a:bodyPr/>
+          <a:lstStyle/>
+          <a:p>
+            <a:fld id="{1969C00C-B637-4E60-ADB7-20B7B30724B5}" type="slidenum">
+              <a:rPr lang="en-US" smtClean="0"/>
+              <a:t>10</a:t>
+            </a:fld>
+            <a:endParaRPr lang="en-US"/>
+          </a:p>
+        </p:txBody>
+      </p:sp>
+      <p:sp>
+        <p:nvSpPr>
+          <p:cNvPr id="11" name="Slide Number Placeholder 2"/>
+          <p:cNvSpPr txBox="1">
+            <a:spLocks/>
+          </p:cNvSpPr>
+          <p:nvPr/>
+        </p:nvSpPr>
+        <p:spPr>
+          <a:xfrm>
+            <a:off x="11721737" y="6362252"/>
+            <a:ext cx="292336" cy="365125"/>
+          </a:xfrm>
+          <a:prstGeom prst="rect">
+            <a:avLst/>
+          </a:prstGeom>
+        </p:spPr>
+        <p:txBody>
+          <a:bodyPr vert="horz" lIns="91440" tIns="45720" rIns="91440" bIns="45720" rtlCol="0" anchor="ctr"/>
+          <a:lstStyle>
+            <a:defPPr>
+              <a:defRPr lang="en-US"/>
+            </a:defPPr>
+            <a:lvl1pPr marL="0" algn="r" defTabSz="914400" rtl="0" eaLnBrk="1" latinLnBrk="0" hangingPunct="1">
+              <a:defRPr sz="1050" kern="1200">
+                <a:solidFill>
+                  <a:schemeClr val="tx1">
+                    <a:tint val="75000"/>
+                  </a:schemeClr>
+                </a:solidFill>
+                <a:latin typeface="+mn-lt"/>
+                <a:ea typeface="+mn-ea"/>
+                <a:cs typeface="+mn-cs"/>
+              </a:defRPr>
+            </a:lvl1pPr>
+            <a:lvl2pPr marL="457200" algn="l" defTabSz="914400" rtl="0" eaLnBrk="1" latinLnBrk="0" hangingPunct="1">
+              <a:defRPr sz="1800" kern="1200">
+                <a:solidFill>
+                  <a:schemeClr val="tx1"/>
+                </a:solidFill>
+                <a:latin typeface="+mn-lt"/>
+                <a:ea typeface="+mn-ea"/>
+                <a:cs typeface="+mn-cs"/>
+              </a:defRPr>
+            </a:lvl2pPr>
+            <a:lvl3pPr marL="914400" algn="l" defTabSz="914400" rtl="0" eaLnBrk="1" latinLnBrk="0" hangingPunct="1">
+              <a:defRPr sz="1800" kern="1200">
+                <a:solidFill>
+                  <a:schemeClr val="tx1"/>
+                </a:solidFill>
+                <a:latin typeface="+mn-lt"/>
+                <a:ea typeface="+mn-ea"/>
+                <a:cs typeface="+mn-cs"/>
+              </a:defRPr>
+            </a:lvl3pPr>
+            <a:lvl4pPr marL="1371600" algn="l" defTabSz="914400" rtl="0" eaLnBrk="1" latinLnBrk="0" hangingPunct="1">
+              <a:defRPr sz="1800" kern="1200">
+                <a:solidFill>
+                  <a:schemeClr val="tx1"/>
+                </a:solidFill>
+                <a:latin typeface="+mn-lt"/>
+                <a:ea typeface="+mn-ea"/>
+                <a:cs typeface="+mn-cs"/>
+              </a:defRPr>
+            </a:lvl4pPr>
+            <a:lvl5pPr marL="1828800" algn="l" defTabSz="914400" rtl="0" eaLnBrk="1" latinLnBrk="0" hangingPunct="1">
+              <a:defRPr sz="1800" kern="1200">
+                <a:solidFill>
+                  <a:schemeClr val="tx1"/>
+                </a:solidFill>
+                <a:latin typeface="+mn-lt"/>
+                <a:ea typeface="+mn-ea"/>
+                <a:cs typeface="+mn-cs"/>
+              </a:defRPr>
+            </a:lvl5pPr>
+            <a:lvl6pPr marL="2286000" algn="l" defTabSz="914400" rtl="0" eaLnBrk="1" latinLnBrk="0" hangingPunct="1">
+              <a:defRPr sz="1800" kern="1200">
+                <a:solidFill>
+                  <a:schemeClr val="tx1"/>
+                </a:solidFill>
+                <a:latin typeface="+mn-lt"/>
+                <a:ea typeface="+mn-ea"/>
+                <a:cs typeface="+mn-cs"/>
+              </a:defRPr>
+            </a:lvl6pPr>
+            <a:lvl7pPr marL="2743200" algn="l" defTabSz="914400" rtl="0" eaLnBrk="1" latinLnBrk="0" hangingPunct="1">
+              <a:defRPr sz="1800" kern="1200">
+                <a:solidFill>
+                  <a:schemeClr val="tx1"/>
+                </a:solidFill>
+                <a:latin typeface="+mn-lt"/>
+                <a:ea typeface="+mn-ea"/>
+                <a:cs typeface="+mn-cs"/>
+              </a:defRPr>
+            </a:lvl7pPr>
+            <a:lvl8pPr marL="3200400" algn="l" defTabSz="914400" rtl="0" eaLnBrk="1" latinLnBrk="0" hangingPunct="1">
+              <a:defRPr sz="1800" kern="1200">
+                <a:solidFill>
+                  <a:schemeClr val="tx1"/>
+                </a:solidFill>
+                <a:latin typeface="+mn-lt"/>
+                <a:ea typeface="+mn-ea"/>
+                <a:cs typeface="+mn-cs"/>
+              </a:defRPr>
+            </a:lvl8pPr>
+            <a:lvl9pPr marL="3657600" algn="l" defTabSz="914400" rtl="0" eaLnBrk="1" latinLnBrk="0" hangingPunct="1">
+              <a:defRPr sz="1800" kern="1200">
+                <a:solidFill>
+                  <a:schemeClr val="tx1"/>
+                </a:solidFill>
+                <a:latin typeface="+mn-lt"/>
+                <a:ea typeface="+mn-ea"/>
+                <a:cs typeface="+mn-cs"/>
+              </a:defRPr>
+            </a:lvl9pPr>
+          </a:lstStyle>
+          <a:p>
+            <a:r>
+              <a:rPr lang="ro-RO" sz="1200" b="1" dirty="0" smtClean="0">
+                <a:solidFill>
+                  <a:schemeClr val="bg1"/>
+                </a:solidFill>
+              </a:rPr>
+              <a:t>9</a:t>
+            </a:r>
+            <a:endParaRPr lang="en-US" b="1" dirty="0">
+              <a:solidFill>
+                <a:schemeClr val="bg1"/>
+              </a:solidFill>
+            </a:endParaRPr>
+          </a:p>
+        </p:txBody>
+      </p:sp>
     </p:spTree>
     <p:extLst>
       <p:ext uri="{BB962C8B-B14F-4D97-AF65-F5344CB8AC3E}">
@@ -13574,6 +13888,40 @@
       </p:grpSpPr>
       <p:sp>
         <p:nvSpPr>
+          <p:cNvPr id="6" name="TextBox 5"/>
+          <p:cNvSpPr txBox="1"/>
+          <p:nvPr/>
+        </p:nvSpPr>
+        <p:spPr>
+          <a:xfrm rot="5400000">
+            <a:off x="10652112" y="5452797"/>
+            <a:ext cx="2164078" cy="646331"/>
+          </a:xfrm>
+          <a:prstGeom prst="rect">
+            <a:avLst/>
+          </a:prstGeom>
+          <a:solidFill>
+            <a:schemeClr val="tx1"/>
+          </a:solidFill>
+        </p:spPr>
+        <p:txBody>
+          <a:bodyPr wrap="square" rtlCol="0">
+            <a:spAutoFit/>
+          </a:bodyPr>
+          <a:lstStyle/>
+          <a:p>
+            <a:endParaRPr lang="ro-RO" sz="3600" b="1" dirty="0" smtClean="0">
+              <a:solidFill>
+                <a:schemeClr val="bg1"/>
+              </a:solidFill>
+              <a:latin typeface="Times New Roman" panose="02020603050405020304" pitchFamily="18" charset="0"/>
+              <a:cs typeface="Times New Roman" panose="02020603050405020304" pitchFamily="18" charset="0"/>
+            </a:endParaRPr>
+          </a:p>
+        </p:txBody>
+      </p:sp>
+      <p:sp>
+        <p:nvSpPr>
           <p:cNvPr id="7" name="TextBox 6"/>
           <p:cNvSpPr txBox="1"/>
           <p:nvPr/>
@@ -13581,7 +13929,7 @@
         <p:spPr>
           <a:xfrm>
             <a:off x="1841501" y="38100"/>
-            <a:ext cx="4823115" cy="646331"/>
+            <a:ext cx="3784882" cy="523220"/>
           </a:xfrm>
           <a:prstGeom prst="rect">
             <a:avLst/>
@@ -13595,7 +13943,7 @@
           <a:lstStyle/>
           <a:p>
             <a:r>
-              <a:rPr lang="ro-RO" sz="3600" b="1" dirty="0" smtClean="0">
+              <a:rPr lang="ro-RO" sz="2800" b="1" dirty="0" smtClean="0">
                 <a:solidFill>
                   <a:schemeClr val="bg1"/>
                 </a:solidFill>
@@ -13647,7 +13995,7 @@
         <p:spPr>
           <a:xfrm>
             <a:off x="1841501" y="770840"/>
-            <a:ext cx="8885830" cy="2723823"/>
+            <a:ext cx="9031062" cy="2169825"/>
           </a:xfrm>
           <a:prstGeom prst="rect">
             <a:avLst/>
@@ -13755,7 +14103,7 @@
               <a:t>: </a:t>
             </a:r>
             <a:r>
-              <a:rPr lang="en-US" i="1" dirty="0" smtClean="0">
+              <a:rPr lang="en-US" b="1" i="1" dirty="0" smtClean="0">
                 <a:solidFill>
                   <a:schemeClr val="bg1"/>
                 </a:solidFill>
@@ -13844,7 +14192,7 @@
               <a:t>: </a:t>
             </a:r>
             <a:r>
-              <a:rPr lang="en-US" i="1" dirty="0" smtClean="0">
+              <a:rPr lang="en-US" b="1" i="1" dirty="0" smtClean="0">
                 <a:solidFill>
                   <a:schemeClr val="bg1"/>
                 </a:solidFill>
@@ -13923,7 +14271,7 @@
               <a:t>: </a:t>
             </a:r>
             <a:r>
-              <a:rPr lang="en-US" i="1" dirty="0" smtClean="0">
+              <a:rPr lang="en-US" b="1" i="1" dirty="0" smtClean="0">
                 <a:solidFill>
                   <a:schemeClr val="bg1"/>
                 </a:solidFill>
@@ -13962,7 +14310,7 @@
               <a:t> </a:t>
             </a:r>
             <a:r>
-              <a:rPr lang="en-US" i="1" dirty="0" smtClean="0">
+              <a:rPr lang="en-US" b="1" i="1" dirty="0" smtClean="0">
                 <a:solidFill>
                   <a:schemeClr val="bg1"/>
                 </a:solidFill>
@@ -14061,35 +14409,6 @@
               </a:rPr>
               <a:t>antrenare</a:t>
             </a:r>
-            <a:r>
-              <a:rPr lang="en-US" i="1" dirty="0" smtClean="0">
-                <a:solidFill>
-                  <a:schemeClr val="bg1"/>
-                </a:solidFill>
-                <a:latin typeface="Times New Roman" panose="02020603050405020304" pitchFamily="18" charset="0"/>
-                <a:cs typeface="Times New Roman" panose="02020603050405020304" pitchFamily="18" charset="0"/>
-              </a:rPr>
-              <a:t>:</a:t>
-            </a:r>
-          </a:p>
-          <a:p>
-            <a:pPr marL="800100" lvl="1" indent="-342900">
-              <a:buFont typeface="+mj-lt"/>
-              <a:buAutoNum type="arabicPeriod"/>
-            </a:pPr>
-            <a:endParaRPr lang="en-US" i="1" dirty="0">
-              <a:solidFill>
-                <a:schemeClr val="bg1"/>
-              </a:solidFill>
-              <a:latin typeface="Times New Roman" panose="02020603050405020304" pitchFamily="18" charset="0"/>
-              <a:cs typeface="Times New Roman" panose="02020603050405020304" pitchFamily="18" charset="0"/>
-            </a:endParaRPr>
-          </a:p>
-          <a:p>
-            <a:pPr marL="800100" lvl="1" indent="-342900">
-              <a:buFont typeface="+mj-lt"/>
-              <a:buAutoNum type="arabicPeriod"/>
-            </a:pPr>
             <a:endParaRPr lang="en-US" dirty="0">
               <a:solidFill>
                 <a:schemeClr val="bg1"/>
@@ -14109,20 +14428,20 @@
           <p:nvPr>
             <p:extLst>
               <p:ext uri="{D42A27DB-BD31-4B8C-83A1-F6EECF244321}">
-                <p14:modId xmlns:p14="http://schemas.microsoft.com/office/powerpoint/2010/main" val="3320872804"/>
+                <p14:modId xmlns:p14="http://schemas.microsoft.com/office/powerpoint/2010/main" val="4193868120"/>
               </p:ext>
             </p:extLst>
           </p:nvPr>
         </p:nvGraphicFramePr>
         <p:xfrm>
-          <a:off x="2176769" y="3093791"/>
+          <a:off x="2377070" y="3537927"/>
           <a:ext cx="10239375" cy="5513315"/>
         </p:xfrm>
         <a:graphic>
           <a:graphicData uri="http://schemas.openxmlformats.org/presentationml/2006/ole">
             <mc:AlternateContent xmlns:mc="http://schemas.openxmlformats.org/markup-compatibility/2006">
               <mc:Choice xmlns:v="urn:schemas-microsoft-com:vml" Requires="v">
-                <p:oleObj spid="_x0000_s12303" name="Visio" r:id="rId4" imgW="8934584" imgH="4829214" progId="Visio.Drawing.15">
+                <p:oleObj spid="_x0000_s12327" name="Visio" r:id="rId4" imgW="8934584" imgH="4829214" progId="Visio.Drawing.15">
                   <p:embed/>
                 </p:oleObj>
               </mc:Choice>
@@ -14143,7 +14462,7 @@
                     </p:blipFill>
                     <p:spPr>
                       <a:xfrm>
-                        <a:off x="2176769" y="3093791"/>
+                        <a:off x="2377070" y="3537927"/>
                         <a:ext cx="10239375" cy="5513315"/>
                       </a:xfrm>
                       <a:prstGeom prst="rect">
@@ -14157,6 +14476,162 @@
           </a:graphicData>
         </a:graphic>
       </p:graphicFrame>
+      <p:sp>
+        <p:nvSpPr>
+          <p:cNvPr id="4" name="Slide Number Placeholder 3"/>
+          <p:cNvSpPr>
+            <a:spLocks noGrp="1"/>
+          </p:cNvSpPr>
+          <p:nvPr>
+            <p:ph type="sldNum" sz="quarter" idx="12"/>
+          </p:nvPr>
+        </p:nvSpPr>
+        <p:spPr/>
+        <p:txBody>
+          <a:bodyPr/>
+          <a:lstStyle/>
+          <a:p>
+            <a:fld id="{1969C00C-B637-4E60-ADB7-20B7B30724B5}" type="slidenum">
+              <a:rPr lang="en-US" smtClean="0"/>
+              <a:t>11</a:t>
+            </a:fld>
+            <a:endParaRPr lang="en-US"/>
+          </a:p>
+        </p:txBody>
+      </p:sp>
+      <p:sp>
+        <p:nvSpPr>
+          <p:cNvPr id="9" name="Slide Number Placeholder 2"/>
+          <p:cNvSpPr txBox="1">
+            <a:spLocks/>
+          </p:cNvSpPr>
+          <p:nvPr/>
+        </p:nvSpPr>
+        <p:spPr>
+          <a:xfrm>
+            <a:off x="11652069" y="6362252"/>
+            <a:ext cx="362004" cy="365125"/>
+          </a:xfrm>
+          <a:prstGeom prst="rect">
+            <a:avLst/>
+          </a:prstGeom>
+        </p:spPr>
+        <p:txBody>
+          <a:bodyPr vert="horz" lIns="91440" tIns="45720" rIns="91440" bIns="45720" rtlCol="0" anchor="ctr"/>
+          <a:lstStyle>
+            <a:defPPr>
+              <a:defRPr lang="en-US"/>
+            </a:defPPr>
+            <a:lvl1pPr marL="0" algn="r" defTabSz="914400" rtl="0" eaLnBrk="1" latinLnBrk="0" hangingPunct="1">
+              <a:defRPr sz="1050" kern="1200">
+                <a:solidFill>
+                  <a:schemeClr val="tx1">
+                    <a:tint val="75000"/>
+                  </a:schemeClr>
+                </a:solidFill>
+                <a:latin typeface="+mn-lt"/>
+                <a:ea typeface="+mn-ea"/>
+                <a:cs typeface="+mn-cs"/>
+              </a:defRPr>
+            </a:lvl1pPr>
+            <a:lvl2pPr marL="457200" algn="l" defTabSz="914400" rtl="0" eaLnBrk="1" latinLnBrk="0" hangingPunct="1">
+              <a:defRPr sz="1800" kern="1200">
+                <a:solidFill>
+                  <a:schemeClr val="tx1"/>
+                </a:solidFill>
+                <a:latin typeface="+mn-lt"/>
+                <a:ea typeface="+mn-ea"/>
+                <a:cs typeface="+mn-cs"/>
+              </a:defRPr>
+            </a:lvl2pPr>
+            <a:lvl3pPr marL="914400" algn="l" defTabSz="914400" rtl="0" eaLnBrk="1" latinLnBrk="0" hangingPunct="1">
+              <a:defRPr sz="1800" kern="1200">
+                <a:solidFill>
+                  <a:schemeClr val="tx1"/>
+                </a:solidFill>
+                <a:latin typeface="+mn-lt"/>
+                <a:ea typeface="+mn-ea"/>
+                <a:cs typeface="+mn-cs"/>
+              </a:defRPr>
+            </a:lvl3pPr>
+            <a:lvl4pPr marL="1371600" algn="l" defTabSz="914400" rtl="0" eaLnBrk="1" latinLnBrk="0" hangingPunct="1">
+              <a:defRPr sz="1800" kern="1200">
+                <a:solidFill>
+                  <a:schemeClr val="tx1"/>
+                </a:solidFill>
+                <a:latin typeface="+mn-lt"/>
+                <a:ea typeface="+mn-ea"/>
+                <a:cs typeface="+mn-cs"/>
+              </a:defRPr>
+            </a:lvl4pPr>
+            <a:lvl5pPr marL="1828800" algn="l" defTabSz="914400" rtl="0" eaLnBrk="1" latinLnBrk="0" hangingPunct="1">
+              <a:defRPr sz="1800" kern="1200">
+                <a:solidFill>
+                  <a:schemeClr val="tx1"/>
+                </a:solidFill>
+                <a:latin typeface="+mn-lt"/>
+                <a:ea typeface="+mn-ea"/>
+                <a:cs typeface="+mn-cs"/>
+              </a:defRPr>
+            </a:lvl5pPr>
+            <a:lvl6pPr marL="2286000" algn="l" defTabSz="914400" rtl="0" eaLnBrk="1" latinLnBrk="0" hangingPunct="1">
+              <a:defRPr sz="1800" kern="1200">
+                <a:solidFill>
+                  <a:schemeClr val="tx1"/>
+                </a:solidFill>
+                <a:latin typeface="+mn-lt"/>
+                <a:ea typeface="+mn-ea"/>
+                <a:cs typeface="+mn-cs"/>
+              </a:defRPr>
+            </a:lvl6pPr>
+            <a:lvl7pPr marL="2743200" algn="l" defTabSz="914400" rtl="0" eaLnBrk="1" latinLnBrk="0" hangingPunct="1">
+              <a:defRPr sz="1800" kern="1200">
+                <a:solidFill>
+                  <a:schemeClr val="tx1"/>
+                </a:solidFill>
+                <a:latin typeface="+mn-lt"/>
+                <a:ea typeface="+mn-ea"/>
+                <a:cs typeface="+mn-cs"/>
+              </a:defRPr>
+            </a:lvl7pPr>
+            <a:lvl8pPr marL="3200400" algn="l" defTabSz="914400" rtl="0" eaLnBrk="1" latinLnBrk="0" hangingPunct="1">
+              <a:defRPr sz="1800" kern="1200">
+                <a:solidFill>
+                  <a:schemeClr val="tx1"/>
+                </a:solidFill>
+                <a:latin typeface="+mn-lt"/>
+                <a:ea typeface="+mn-ea"/>
+                <a:cs typeface="+mn-cs"/>
+              </a:defRPr>
+            </a:lvl8pPr>
+            <a:lvl9pPr marL="3657600" algn="l" defTabSz="914400" rtl="0" eaLnBrk="1" latinLnBrk="0" hangingPunct="1">
+              <a:defRPr sz="1800" kern="1200">
+                <a:solidFill>
+                  <a:schemeClr val="tx1"/>
+                </a:solidFill>
+                <a:latin typeface="+mn-lt"/>
+                <a:ea typeface="+mn-ea"/>
+                <a:cs typeface="+mn-cs"/>
+              </a:defRPr>
+            </a:lvl9pPr>
+          </a:lstStyle>
+          <a:p>
+            <a:r>
+              <a:rPr lang="ro-RO" sz="1200" b="1" dirty="0" smtClean="0">
+                <a:solidFill>
+                  <a:schemeClr val="bg1"/>
+                </a:solidFill>
+              </a:rPr>
+              <a:t>10</a:t>
+            </a:r>
+            <a:endParaRPr lang="en-US" b="1" dirty="0">
+              <a:solidFill>
+                <a:schemeClr val="bg1"/>
+              </a:solidFill>
+            </a:endParaRPr>
+          </a:p>
+        </p:txBody>
+      </p:sp>
     </p:spTree>
     <p:extLst>
       <p:ext uri="{BB962C8B-B14F-4D97-AF65-F5344CB8AC3E}">
@@ -14211,7 +14686,7 @@
         <p:spPr>
           <a:xfrm>
             <a:off x="1841501" y="38100"/>
-            <a:ext cx="7605928" cy="646331"/>
+            <a:ext cx="5955348" cy="523220"/>
           </a:xfrm>
           <a:prstGeom prst="rect">
             <a:avLst/>
@@ -14225,7 +14700,7 @@
           <a:lstStyle/>
           <a:p>
             <a:r>
-              <a:rPr lang="ro-RO" sz="3600" b="1" dirty="0" smtClean="0">
+              <a:rPr lang="ro-RO" sz="2800" b="1" dirty="0" smtClean="0">
                 <a:solidFill>
                   <a:schemeClr val="bg1"/>
                 </a:solidFill>
@@ -14340,20 +14815,20 @@
           <p:nvPr>
             <p:extLst>
               <p:ext uri="{D42A27DB-BD31-4B8C-83A1-F6EECF244321}">
-                <p14:modId xmlns:p14="http://schemas.microsoft.com/office/powerpoint/2010/main" val="3591985991"/>
+                <p14:modId xmlns:p14="http://schemas.microsoft.com/office/powerpoint/2010/main" val="4114983726"/>
               </p:ext>
             </p:extLst>
           </p:nvPr>
         </p:nvGraphicFramePr>
         <p:xfrm>
-          <a:off x="2781300" y="722531"/>
+          <a:off x="2781300" y="173887"/>
           <a:ext cx="7669706" cy="3441700"/>
         </p:xfrm>
         <a:graphic>
           <a:graphicData uri="http://schemas.openxmlformats.org/presentationml/2006/ole">
             <mc:AlternateContent xmlns:mc="http://schemas.openxmlformats.org/markup-compatibility/2006">
               <mc:Choice xmlns:v="urn:schemas-microsoft-com:vml" Requires="v">
-                <p:oleObj spid="_x0000_s3107" name="Visio" r:id="rId4" imgW="7229520" imgH="3247958" progId="Visio.Drawing.15">
+                <p:oleObj spid="_x0000_s3131" name="Visio" r:id="rId4" imgW="7229520" imgH="3247958" progId="Visio.Drawing.15">
                   <p:embed/>
                 </p:oleObj>
               </mc:Choice>
@@ -14383,7 +14858,7 @@
                     </p:blipFill>
                     <p:spPr bwMode="auto">
                       <a:xfrm>
-                        <a:off x="2781300" y="722531"/>
+                        <a:off x="2781300" y="173887"/>
                         <a:ext cx="7669706" cy="3441700"/>
                       </a:xfrm>
                       <a:prstGeom prst="rect">
@@ -14406,7 +14881,7 @@
         </p:nvSpPr>
         <p:spPr>
           <a:xfrm>
-            <a:off x="2105025" y="3781425"/>
+            <a:off x="2131152" y="3633374"/>
             <a:ext cx="8601075" cy="3000821"/>
           </a:xfrm>
           <a:prstGeom prst="rect">
@@ -14702,7 +15177,71 @@
                 <a:latin typeface="Times New Roman" panose="02020603050405020304" pitchFamily="18" charset="0"/>
                 <a:cs typeface="Times New Roman" panose="02020603050405020304" pitchFamily="18" charset="0"/>
               </a:rPr>
-              <a:t>cu termostat integrat pentru monitorizarea temperaturii ambientale precum și</a:t>
+              <a:t>cu termostat integrat pentru </a:t>
+            </a:r>
+            <a:r>
+              <a:rPr lang="ro-RO" dirty="0" smtClean="0">
+                <a:solidFill>
+                  <a:schemeClr val="bg1"/>
+                </a:solidFill>
+                <a:latin typeface="Times New Roman" panose="02020603050405020304" pitchFamily="18" charset="0"/>
+                <a:cs typeface="Times New Roman" panose="02020603050405020304" pitchFamily="18" charset="0"/>
+              </a:rPr>
+              <a:t>monitorizarea</a:t>
+            </a:r>
+            <a:endParaRPr lang="en-US" dirty="0" smtClean="0">
+              <a:solidFill>
+                <a:schemeClr val="bg1"/>
+              </a:solidFill>
+              <a:latin typeface="Times New Roman" panose="02020603050405020304" pitchFamily="18" charset="0"/>
+              <a:cs typeface="Times New Roman" panose="02020603050405020304" pitchFamily="18" charset="0"/>
+            </a:endParaRPr>
+          </a:p>
+          <a:p>
+            <a:pPr lvl="2">
+              <a:lnSpc>
+                <a:spcPct val="150000"/>
+              </a:lnSpc>
+            </a:pPr>
+            <a:r>
+              <a:rPr lang="en-US" dirty="0">
+                <a:solidFill>
+                  <a:schemeClr val="bg1"/>
+                </a:solidFill>
+                <a:latin typeface="Times New Roman" panose="02020603050405020304" pitchFamily="18" charset="0"/>
+                <a:cs typeface="Times New Roman" panose="02020603050405020304" pitchFamily="18" charset="0"/>
+              </a:rPr>
+              <a:t> </a:t>
+            </a:r>
+            <a:r>
+              <a:rPr lang="en-US" dirty="0" smtClean="0">
+                <a:solidFill>
+                  <a:schemeClr val="bg1"/>
+                </a:solidFill>
+                <a:latin typeface="Times New Roman" panose="02020603050405020304" pitchFamily="18" charset="0"/>
+                <a:cs typeface="Times New Roman" panose="02020603050405020304" pitchFamily="18" charset="0"/>
+              </a:rPr>
+              <a:t>     </a:t>
+            </a:r>
+            <a:r>
+              <a:rPr lang="ro-RO" dirty="0" smtClean="0">
+                <a:solidFill>
+                  <a:schemeClr val="bg1"/>
+                </a:solidFill>
+                <a:latin typeface="Times New Roman" panose="02020603050405020304" pitchFamily="18" charset="0"/>
+                <a:cs typeface="Times New Roman" panose="02020603050405020304" pitchFamily="18" charset="0"/>
+              </a:rPr>
+              <a:t>temperaturii </a:t>
+            </a:r>
+            <a:r>
+              <a:rPr lang="ro-RO" dirty="0" smtClean="0">
+                <a:solidFill>
+                  <a:schemeClr val="bg1"/>
+                </a:solidFill>
+                <a:latin typeface="Times New Roman" panose="02020603050405020304" pitchFamily="18" charset="0"/>
+                <a:cs typeface="Times New Roman" panose="02020603050405020304" pitchFamily="18" charset="0"/>
+              </a:rPr>
+              <a:t>ambientale precum și</a:t>
             </a:r>
             <a:r>
               <a:rPr lang="en-US" dirty="0" smtClean="0">
@@ -14730,6 +15269,196 @@
               </a:solidFill>
               <a:latin typeface="Times New Roman" panose="02020603050405020304" pitchFamily="18" charset="0"/>
               <a:cs typeface="Times New Roman" panose="02020603050405020304" pitchFamily="18" charset="0"/>
+            </a:endParaRPr>
+          </a:p>
+        </p:txBody>
+      </p:sp>
+      <p:sp>
+        <p:nvSpPr>
+          <p:cNvPr id="9" name="TextBox 8"/>
+          <p:cNvSpPr txBox="1"/>
+          <p:nvPr/>
+        </p:nvSpPr>
+        <p:spPr>
+          <a:xfrm rot="5400000">
+            <a:off x="10652112" y="5452797"/>
+            <a:ext cx="2164078" cy="646331"/>
+          </a:xfrm>
+          <a:prstGeom prst="rect">
+            <a:avLst/>
+          </a:prstGeom>
+          <a:solidFill>
+            <a:schemeClr val="tx1"/>
+          </a:solidFill>
+        </p:spPr>
+        <p:txBody>
+          <a:bodyPr wrap="square" rtlCol="0">
+            <a:spAutoFit/>
+          </a:bodyPr>
+          <a:lstStyle/>
+          <a:p>
+            <a:endParaRPr lang="ro-RO" sz="3600" b="1" dirty="0" smtClean="0">
+              <a:solidFill>
+                <a:schemeClr val="bg1"/>
+              </a:solidFill>
+              <a:latin typeface="Times New Roman" panose="02020603050405020304" pitchFamily="18" charset="0"/>
+              <a:cs typeface="Times New Roman" panose="02020603050405020304" pitchFamily="18" charset="0"/>
+            </a:endParaRPr>
+          </a:p>
+        </p:txBody>
+      </p:sp>
+      <p:sp>
+        <p:nvSpPr>
+          <p:cNvPr id="6" name="Slide Number Placeholder 5"/>
+          <p:cNvSpPr>
+            <a:spLocks noGrp="1"/>
+          </p:cNvSpPr>
+          <p:nvPr>
+            <p:ph type="sldNum" sz="quarter" idx="12"/>
+          </p:nvPr>
+        </p:nvSpPr>
+        <p:spPr/>
+        <p:txBody>
+          <a:bodyPr/>
+          <a:lstStyle/>
+          <a:p>
+            <a:fld id="{1969C00C-B637-4E60-ADB7-20B7B30724B5}" type="slidenum">
+              <a:rPr lang="en-US" smtClean="0"/>
+              <a:t>12</a:t>
+            </a:fld>
+            <a:endParaRPr lang="en-US"/>
+          </a:p>
+        </p:txBody>
+      </p:sp>
+      <p:sp>
+        <p:nvSpPr>
+          <p:cNvPr id="10" name="Slide Number Placeholder 2"/>
+          <p:cNvSpPr txBox="1">
+            <a:spLocks/>
+          </p:cNvSpPr>
+          <p:nvPr/>
+        </p:nvSpPr>
+        <p:spPr>
+          <a:xfrm>
+            <a:off x="11652069" y="6362252"/>
+            <a:ext cx="362004" cy="365125"/>
+          </a:xfrm>
+          <a:prstGeom prst="rect">
+            <a:avLst/>
+          </a:prstGeom>
+        </p:spPr>
+        <p:txBody>
+          <a:bodyPr vert="horz" lIns="91440" tIns="45720" rIns="91440" bIns="45720" rtlCol="0" anchor="ctr"/>
+          <a:lstStyle>
+            <a:defPPr>
+              <a:defRPr lang="en-US"/>
+            </a:defPPr>
+            <a:lvl1pPr marL="0" algn="r" defTabSz="914400" rtl="0" eaLnBrk="1" latinLnBrk="0" hangingPunct="1">
+              <a:defRPr sz="1050" kern="1200">
+                <a:solidFill>
+                  <a:schemeClr val="tx1">
+                    <a:tint val="75000"/>
+                  </a:schemeClr>
+                </a:solidFill>
+                <a:latin typeface="+mn-lt"/>
+                <a:ea typeface="+mn-ea"/>
+                <a:cs typeface="+mn-cs"/>
+              </a:defRPr>
+            </a:lvl1pPr>
+            <a:lvl2pPr marL="457200" algn="l" defTabSz="914400" rtl="0" eaLnBrk="1" latinLnBrk="0" hangingPunct="1">
+              <a:defRPr sz="1800" kern="1200">
+                <a:solidFill>
+                  <a:schemeClr val="tx1"/>
+                </a:solidFill>
+                <a:latin typeface="+mn-lt"/>
+                <a:ea typeface="+mn-ea"/>
+                <a:cs typeface="+mn-cs"/>
+              </a:defRPr>
+            </a:lvl2pPr>
+            <a:lvl3pPr marL="914400" algn="l" defTabSz="914400" rtl="0" eaLnBrk="1" latinLnBrk="0" hangingPunct="1">
+              <a:defRPr sz="1800" kern="1200">
+                <a:solidFill>
+                  <a:schemeClr val="tx1"/>
+                </a:solidFill>
+                <a:latin typeface="+mn-lt"/>
+                <a:ea typeface="+mn-ea"/>
+                <a:cs typeface="+mn-cs"/>
+              </a:defRPr>
+            </a:lvl3pPr>
+            <a:lvl4pPr marL="1371600" algn="l" defTabSz="914400" rtl="0" eaLnBrk="1" latinLnBrk="0" hangingPunct="1">
+              <a:defRPr sz="1800" kern="1200">
+                <a:solidFill>
+                  <a:schemeClr val="tx1"/>
+                </a:solidFill>
+                <a:latin typeface="+mn-lt"/>
+                <a:ea typeface="+mn-ea"/>
+                <a:cs typeface="+mn-cs"/>
+              </a:defRPr>
+            </a:lvl4pPr>
+            <a:lvl5pPr marL="1828800" algn="l" defTabSz="914400" rtl="0" eaLnBrk="1" latinLnBrk="0" hangingPunct="1">
+              <a:defRPr sz="1800" kern="1200">
+                <a:solidFill>
+                  <a:schemeClr val="tx1"/>
+                </a:solidFill>
+                <a:latin typeface="+mn-lt"/>
+                <a:ea typeface="+mn-ea"/>
+                <a:cs typeface="+mn-cs"/>
+              </a:defRPr>
+            </a:lvl5pPr>
+            <a:lvl6pPr marL="2286000" algn="l" defTabSz="914400" rtl="0" eaLnBrk="1" latinLnBrk="0" hangingPunct="1">
+              <a:defRPr sz="1800" kern="1200">
+                <a:solidFill>
+                  <a:schemeClr val="tx1"/>
+                </a:solidFill>
+                <a:latin typeface="+mn-lt"/>
+                <a:ea typeface="+mn-ea"/>
+                <a:cs typeface="+mn-cs"/>
+              </a:defRPr>
+            </a:lvl6pPr>
+            <a:lvl7pPr marL="2743200" algn="l" defTabSz="914400" rtl="0" eaLnBrk="1" latinLnBrk="0" hangingPunct="1">
+              <a:defRPr sz="1800" kern="1200">
+                <a:solidFill>
+                  <a:schemeClr val="tx1"/>
+                </a:solidFill>
+                <a:latin typeface="+mn-lt"/>
+                <a:ea typeface="+mn-ea"/>
+                <a:cs typeface="+mn-cs"/>
+              </a:defRPr>
+            </a:lvl7pPr>
+            <a:lvl8pPr marL="3200400" algn="l" defTabSz="914400" rtl="0" eaLnBrk="1" latinLnBrk="0" hangingPunct="1">
+              <a:defRPr sz="1800" kern="1200">
+                <a:solidFill>
+                  <a:schemeClr val="tx1"/>
+                </a:solidFill>
+                <a:latin typeface="+mn-lt"/>
+                <a:ea typeface="+mn-ea"/>
+                <a:cs typeface="+mn-cs"/>
+              </a:defRPr>
+            </a:lvl8pPr>
+            <a:lvl9pPr marL="3657600" algn="l" defTabSz="914400" rtl="0" eaLnBrk="1" latinLnBrk="0" hangingPunct="1">
+              <a:defRPr sz="1800" kern="1200">
+                <a:solidFill>
+                  <a:schemeClr val="tx1"/>
+                </a:solidFill>
+                <a:latin typeface="+mn-lt"/>
+                <a:ea typeface="+mn-ea"/>
+                <a:cs typeface="+mn-cs"/>
+              </a:defRPr>
+            </a:lvl9pPr>
+          </a:lstStyle>
+          <a:p>
+            <a:r>
+              <a:rPr lang="ro-RO" sz="1200" b="1" dirty="0" smtClean="0">
+                <a:solidFill>
+                  <a:schemeClr val="bg1"/>
+                </a:solidFill>
+              </a:rPr>
+              <a:t>11</a:t>
+            </a:r>
+            <a:endParaRPr lang="en-US" b="1" dirty="0">
+              <a:solidFill>
+                <a:schemeClr val="bg1"/>
+              </a:solidFill>
             </a:endParaRPr>
           </a:p>
         </p:txBody>
@@ -14788,7 +15517,7 @@
         <p:spPr>
           <a:xfrm>
             <a:off x="1841501" y="38100"/>
-            <a:ext cx="7375096" cy="646331"/>
+            <a:ext cx="5775812" cy="523220"/>
           </a:xfrm>
           <a:prstGeom prst="rect">
             <a:avLst/>
@@ -14802,7 +15531,7 @@
           <a:lstStyle/>
           <a:p>
             <a:r>
-              <a:rPr lang="ro-RO" sz="3600" b="1" dirty="0" smtClean="0">
+              <a:rPr lang="ro-RO" sz="2800" b="1" dirty="0" smtClean="0">
                 <a:solidFill>
                   <a:schemeClr val="bg1"/>
                 </a:solidFill>
@@ -14917,20 +15646,20 @@
           <p:nvPr>
             <p:extLst>
               <p:ext uri="{D42A27DB-BD31-4B8C-83A1-F6EECF244321}">
-                <p14:modId xmlns:p14="http://schemas.microsoft.com/office/powerpoint/2010/main" val="1535442155"/>
+                <p14:modId xmlns:p14="http://schemas.microsoft.com/office/powerpoint/2010/main" val="2207331690"/>
               </p:ext>
             </p:extLst>
           </p:nvPr>
         </p:nvGraphicFramePr>
         <p:xfrm>
-          <a:off x="1881187" y="1233270"/>
+          <a:off x="1796580" y="1651285"/>
           <a:ext cx="9957385" cy="3770530"/>
         </p:xfrm>
         <a:graphic>
           <a:graphicData uri="http://schemas.openxmlformats.org/presentationml/2006/ole">
             <mc:AlternateContent xmlns:mc="http://schemas.openxmlformats.org/markup-compatibility/2006">
               <mc:Choice xmlns:v="urn:schemas-microsoft-com:vml" Requires="v">
-                <p:oleObj spid="_x0000_s9249" name="Visio" r:id="rId4" imgW="10715692" imgH="4057689" progId="Visio.Drawing.15">
+                <p:oleObj spid="_x0000_s9272" name="Visio" r:id="rId4" imgW="10715692" imgH="4057689" progId="Visio.Drawing.15">
                   <p:embed/>
                 </p:oleObj>
               </mc:Choice>
@@ -14951,7 +15680,7 @@
                     </p:blipFill>
                     <p:spPr>
                       <a:xfrm>
-                        <a:off x="1881187" y="1233270"/>
+                        <a:off x="1796580" y="1651285"/>
                         <a:ext cx="9957385" cy="3770530"/>
                       </a:xfrm>
                       <a:prstGeom prst="rect">
@@ -14965,6 +15694,196 @@
           </a:graphicData>
         </a:graphic>
       </p:graphicFrame>
+      <p:sp>
+        <p:nvSpPr>
+          <p:cNvPr id="6" name="TextBox 5"/>
+          <p:cNvSpPr txBox="1"/>
+          <p:nvPr/>
+        </p:nvSpPr>
+        <p:spPr>
+          <a:xfrm rot="5400000">
+            <a:off x="10652112" y="5452797"/>
+            <a:ext cx="2164078" cy="646331"/>
+          </a:xfrm>
+          <a:prstGeom prst="rect">
+            <a:avLst/>
+          </a:prstGeom>
+          <a:solidFill>
+            <a:schemeClr val="tx1"/>
+          </a:solidFill>
+        </p:spPr>
+        <p:txBody>
+          <a:bodyPr wrap="square" rtlCol="0">
+            <a:spAutoFit/>
+          </a:bodyPr>
+          <a:lstStyle/>
+          <a:p>
+            <a:endParaRPr lang="ro-RO" sz="3600" b="1" dirty="0" smtClean="0">
+              <a:solidFill>
+                <a:schemeClr val="bg1"/>
+              </a:solidFill>
+              <a:latin typeface="Times New Roman" panose="02020603050405020304" pitchFamily="18" charset="0"/>
+              <a:cs typeface="Times New Roman" panose="02020603050405020304" pitchFamily="18" charset="0"/>
+            </a:endParaRPr>
+          </a:p>
+        </p:txBody>
+      </p:sp>
+      <p:sp>
+        <p:nvSpPr>
+          <p:cNvPr id="5" name="Slide Number Placeholder 4"/>
+          <p:cNvSpPr>
+            <a:spLocks noGrp="1"/>
+          </p:cNvSpPr>
+          <p:nvPr>
+            <p:ph type="sldNum" sz="quarter" idx="12"/>
+          </p:nvPr>
+        </p:nvSpPr>
+        <p:spPr/>
+        <p:txBody>
+          <a:bodyPr/>
+          <a:lstStyle/>
+          <a:p>
+            <a:fld id="{1969C00C-B637-4E60-ADB7-20B7B30724B5}" type="slidenum">
+              <a:rPr lang="en-US" smtClean="0"/>
+              <a:t>13</a:t>
+            </a:fld>
+            <a:endParaRPr lang="en-US"/>
+          </a:p>
+        </p:txBody>
+      </p:sp>
+      <p:sp>
+        <p:nvSpPr>
+          <p:cNvPr id="9" name="Slide Number Placeholder 2"/>
+          <p:cNvSpPr txBox="1">
+            <a:spLocks/>
+          </p:cNvSpPr>
+          <p:nvPr/>
+        </p:nvSpPr>
+        <p:spPr>
+          <a:xfrm>
+            <a:off x="11652069" y="6362252"/>
+            <a:ext cx="362004" cy="365125"/>
+          </a:xfrm>
+          <a:prstGeom prst="rect">
+            <a:avLst/>
+          </a:prstGeom>
+        </p:spPr>
+        <p:txBody>
+          <a:bodyPr vert="horz" lIns="91440" tIns="45720" rIns="91440" bIns="45720" rtlCol="0" anchor="ctr"/>
+          <a:lstStyle>
+            <a:defPPr>
+              <a:defRPr lang="en-US"/>
+            </a:defPPr>
+            <a:lvl1pPr marL="0" algn="r" defTabSz="914400" rtl="0" eaLnBrk="1" latinLnBrk="0" hangingPunct="1">
+              <a:defRPr sz="1050" kern="1200">
+                <a:solidFill>
+                  <a:schemeClr val="tx1">
+                    <a:tint val="75000"/>
+                  </a:schemeClr>
+                </a:solidFill>
+                <a:latin typeface="+mn-lt"/>
+                <a:ea typeface="+mn-ea"/>
+                <a:cs typeface="+mn-cs"/>
+              </a:defRPr>
+            </a:lvl1pPr>
+            <a:lvl2pPr marL="457200" algn="l" defTabSz="914400" rtl="0" eaLnBrk="1" latinLnBrk="0" hangingPunct="1">
+              <a:defRPr sz="1800" kern="1200">
+                <a:solidFill>
+                  <a:schemeClr val="tx1"/>
+                </a:solidFill>
+                <a:latin typeface="+mn-lt"/>
+                <a:ea typeface="+mn-ea"/>
+                <a:cs typeface="+mn-cs"/>
+              </a:defRPr>
+            </a:lvl2pPr>
+            <a:lvl3pPr marL="914400" algn="l" defTabSz="914400" rtl="0" eaLnBrk="1" latinLnBrk="0" hangingPunct="1">
+              <a:defRPr sz="1800" kern="1200">
+                <a:solidFill>
+                  <a:schemeClr val="tx1"/>
+                </a:solidFill>
+                <a:latin typeface="+mn-lt"/>
+                <a:ea typeface="+mn-ea"/>
+                <a:cs typeface="+mn-cs"/>
+              </a:defRPr>
+            </a:lvl3pPr>
+            <a:lvl4pPr marL="1371600" algn="l" defTabSz="914400" rtl="0" eaLnBrk="1" latinLnBrk="0" hangingPunct="1">
+              <a:defRPr sz="1800" kern="1200">
+                <a:solidFill>
+                  <a:schemeClr val="tx1"/>
+                </a:solidFill>
+                <a:latin typeface="+mn-lt"/>
+                <a:ea typeface="+mn-ea"/>
+                <a:cs typeface="+mn-cs"/>
+              </a:defRPr>
+            </a:lvl4pPr>
+            <a:lvl5pPr marL="1828800" algn="l" defTabSz="914400" rtl="0" eaLnBrk="1" latinLnBrk="0" hangingPunct="1">
+              <a:defRPr sz="1800" kern="1200">
+                <a:solidFill>
+                  <a:schemeClr val="tx1"/>
+                </a:solidFill>
+                <a:latin typeface="+mn-lt"/>
+                <a:ea typeface="+mn-ea"/>
+                <a:cs typeface="+mn-cs"/>
+              </a:defRPr>
+            </a:lvl5pPr>
+            <a:lvl6pPr marL="2286000" algn="l" defTabSz="914400" rtl="0" eaLnBrk="1" latinLnBrk="0" hangingPunct="1">
+              <a:defRPr sz="1800" kern="1200">
+                <a:solidFill>
+                  <a:schemeClr val="tx1"/>
+                </a:solidFill>
+                <a:latin typeface="+mn-lt"/>
+                <a:ea typeface="+mn-ea"/>
+                <a:cs typeface="+mn-cs"/>
+              </a:defRPr>
+            </a:lvl6pPr>
+            <a:lvl7pPr marL="2743200" algn="l" defTabSz="914400" rtl="0" eaLnBrk="1" latinLnBrk="0" hangingPunct="1">
+              <a:defRPr sz="1800" kern="1200">
+                <a:solidFill>
+                  <a:schemeClr val="tx1"/>
+                </a:solidFill>
+                <a:latin typeface="+mn-lt"/>
+                <a:ea typeface="+mn-ea"/>
+                <a:cs typeface="+mn-cs"/>
+              </a:defRPr>
+            </a:lvl7pPr>
+            <a:lvl8pPr marL="3200400" algn="l" defTabSz="914400" rtl="0" eaLnBrk="1" latinLnBrk="0" hangingPunct="1">
+              <a:defRPr sz="1800" kern="1200">
+                <a:solidFill>
+                  <a:schemeClr val="tx1"/>
+                </a:solidFill>
+                <a:latin typeface="+mn-lt"/>
+                <a:ea typeface="+mn-ea"/>
+                <a:cs typeface="+mn-cs"/>
+              </a:defRPr>
+            </a:lvl8pPr>
+            <a:lvl9pPr marL="3657600" algn="l" defTabSz="914400" rtl="0" eaLnBrk="1" latinLnBrk="0" hangingPunct="1">
+              <a:defRPr sz="1800" kern="1200">
+                <a:solidFill>
+                  <a:schemeClr val="tx1"/>
+                </a:solidFill>
+                <a:latin typeface="+mn-lt"/>
+                <a:ea typeface="+mn-ea"/>
+                <a:cs typeface="+mn-cs"/>
+              </a:defRPr>
+            </a:lvl9pPr>
+          </a:lstStyle>
+          <a:p>
+            <a:r>
+              <a:rPr lang="ro-RO" sz="1200" b="1" dirty="0" smtClean="0">
+                <a:solidFill>
+                  <a:schemeClr val="bg1"/>
+                </a:solidFill>
+              </a:rPr>
+              <a:t>12</a:t>
+            </a:r>
+            <a:endParaRPr lang="en-US" b="1" dirty="0">
+              <a:solidFill>
+                <a:schemeClr val="bg1"/>
+              </a:solidFill>
+            </a:endParaRPr>
+          </a:p>
+        </p:txBody>
+      </p:sp>
     </p:spTree>
     <p:extLst>
       <p:ext uri="{BB962C8B-B14F-4D97-AF65-F5344CB8AC3E}">
@@ -15019,7 +15938,7 @@
         <p:spPr>
           <a:xfrm>
             <a:off x="1841501" y="38100"/>
-            <a:ext cx="4845049" cy="646331"/>
+            <a:ext cx="4845049" cy="523220"/>
           </a:xfrm>
           <a:prstGeom prst="rect">
             <a:avLst/>
@@ -15033,7 +15952,7 @@
           <a:lstStyle/>
           <a:p>
             <a:r>
-              <a:rPr lang="ro-RO" sz="3600" b="1" dirty="0" smtClean="0">
+              <a:rPr lang="ro-RO" sz="2800" b="1" dirty="0" smtClean="0">
                 <a:solidFill>
                   <a:schemeClr val="bg1"/>
                 </a:solidFill>
@@ -15139,9 +16058,199 @@
           </a:p>
         </p:txBody>
       </p:sp>
+      <p:sp>
+        <p:nvSpPr>
+          <p:cNvPr id="6" name="TextBox 5"/>
+          <p:cNvSpPr txBox="1"/>
+          <p:nvPr/>
+        </p:nvSpPr>
+        <p:spPr>
+          <a:xfrm rot="5400000">
+            <a:off x="10652112" y="5452797"/>
+            <a:ext cx="2164078" cy="646331"/>
+          </a:xfrm>
+          <a:prstGeom prst="rect">
+            <a:avLst/>
+          </a:prstGeom>
+          <a:solidFill>
+            <a:schemeClr val="tx1"/>
+          </a:solidFill>
+        </p:spPr>
+        <p:txBody>
+          <a:bodyPr wrap="square" rtlCol="0">
+            <a:spAutoFit/>
+          </a:bodyPr>
+          <a:lstStyle/>
+          <a:p>
+            <a:endParaRPr lang="ro-RO" sz="3600" b="1" dirty="0" smtClean="0">
+              <a:solidFill>
+                <a:schemeClr val="bg1"/>
+              </a:solidFill>
+              <a:latin typeface="Times New Roman" panose="02020603050405020304" pitchFamily="18" charset="0"/>
+              <a:cs typeface="Times New Roman" panose="02020603050405020304" pitchFamily="18" charset="0"/>
+            </a:endParaRPr>
+          </a:p>
+        </p:txBody>
+      </p:sp>
+      <p:sp>
+        <p:nvSpPr>
+          <p:cNvPr id="5" name="Slide Number Placeholder 4"/>
+          <p:cNvSpPr>
+            <a:spLocks noGrp="1"/>
+          </p:cNvSpPr>
+          <p:nvPr>
+            <p:ph type="sldNum" sz="quarter" idx="12"/>
+          </p:nvPr>
+        </p:nvSpPr>
+        <p:spPr/>
+        <p:txBody>
+          <a:bodyPr/>
+          <a:lstStyle/>
+          <a:p>
+            <a:fld id="{1969C00C-B637-4E60-ADB7-20B7B30724B5}" type="slidenum">
+              <a:rPr lang="en-US" smtClean="0"/>
+              <a:t>14</a:t>
+            </a:fld>
+            <a:endParaRPr lang="en-US"/>
+          </a:p>
+        </p:txBody>
+      </p:sp>
+      <p:sp>
+        <p:nvSpPr>
+          <p:cNvPr id="9" name="Slide Number Placeholder 2"/>
+          <p:cNvSpPr txBox="1">
+            <a:spLocks/>
+          </p:cNvSpPr>
+          <p:nvPr/>
+        </p:nvSpPr>
+        <p:spPr>
+          <a:xfrm>
+            <a:off x="11652069" y="6362252"/>
+            <a:ext cx="362004" cy="365125"/>
+          </a:xfrm>
+          <a:prstGeom prst="rect">
+            <a:avLst/>
+          </a:prstGeom>
+        </p:spPr>
+        <p:txBody>
+          <a:bodyPr vert="horz" lIns="91440" tIns="45720" rIns="91440" bIns="45720" rtlCol="0" anchor="ctr"/>
+          <a:lstStyle>
+            <a:defPPr>
+              <a:defRPr lang="en-US"/>
+            </a:defPPr>
+            <a:lvl1pPr marL="0" algn="r" defTabSz="914400" rtl="0" eaLnBrk="1" latinLnBrk="0" hangingPunct="1">
+              <a:defRPr sz="1050" kern="1200">
+                <a:solidFill>
+                  <a:schemeClr val="tx1">
+                    <a:tint val="75000"/>
+                  </a:schemeClr>
+                </a:solidFill>
+                <a:latin typeface="+mn-lt"/>
+                <a:ea typeface="+mn-ea"/>
+                <a:cs typeface="+mn-cs"/>
+              </a:defRPr>
+            </a:lvl1pPr>
+            <a:lvl2pPr marL="457200" algn="l" defTabSz="914400" rtl="0" eaLnBrk="1" latinLnBrk="0" hangingPunct="1">
+              <a:defRPr sz="1800" kern="1200">
+                <a:solidFill>
+                  <a:schemeClr val="tx1"/>
+                </a:solidFill>
+                <a:latin typeface="+mn-lt"/>
+                <a:ea typeface="+mn-ea"/>
+                <a:cs typeface="+mn-cs"/>
+              </a:defRPr>
+            </a:lvl2pPr>
+            <a:lvl3pPr marL="914400" algn="l" defTabSz="914400" rtl="0" eaLnBrk="1" latinLnBrk="0" hangingPunct="1">
+              <a:defRPr sz="1800" kern="1200">
+                <a:solidFill>
+                  <a:schemeClr val="tx1"/>
+                </a:solidFill>
+                <a:latin typeface="+mn-lt"/>
+                <a:ea typeface="+mn-ea"/>
+                <a:cs typeface="+mn-cs"/>
+              </a:defRPr>
+            </a:lvl3pPr>
+            <a:lvl4pPr marL="1371600" algn="l" defTabSz="914400" rtl="0" eaLnBrk="1" latinLnBrk="0" hangingPunct="1">
+              <a:defRPr sz="1800" kern="1200">
+                <a:solidFill>
+                  <a:schemeClr val="tx1"/>
+                </a:solidFill>
+                <a:latin typeface="+mn-lt"/>
+                <a:ea typeface="+mn-ea"/>
+                <a:cs typeface="+mn-cs"/>
+              </a:defRPr>
+            </a:lvl4pPr>
+            <a:lvl5pPr marL="1828800" algn="l" defTabSz="914400" rtl="0" eaLnBrk="1" latinLnBrk="0" hangingPunct="1">
+              <a:defRPr sz="1800" kern="1200">
+                <a:solidFill>
+                  <a:schemeClr val="tx1"/>
+                </a:solidFill>
+                <a:latin typeface="+mn-lt"/>
+                <a:ea typeface="+mn-ea"/>
+                <a:cs typeface="+mn-cs"/>
+              </a:defRPr>
+            </a:lvl5pPr>
+            <a:lvl6pPr marL="2286000" algn="l" defTabSz="914400" rtl="0" eaLnBrk="1" latinLnBrk="0" hangingPunct="1">
+              <a:defRPr sz="1800" kern="1200">
+                <a:solidFill>
+                  <a:schemeClr val="tx1"/>
+                </a:solidFill>
+                <a:latin typeface="+mn-lt"/>
+                <a:ea typeface="+mn-ea"/>
+                <a:cs typeface="+mn-cs"/>
+              </a:defRPr>
+            </a:lvl6pPr>
+            <a:lvl7pPr marL="2743200" algn="l" defTabSz="914400" rtl="0" eaLnBrk="1" latinLnBrk="0" hangingPunct="1">
+              <a:defRPr sz="1800" kern="1200">
+                <a:solidFill>
+                  <a:schemeClr val="tx1"/>
+                </a:solidFill>
+                <a:latin typeface="+mn-lt"/>
+                <a:ea typeface="+mn-ea"/>
+                <a:cs typeface="+mn-cs"/>
+              </a:defRPr>
+            </a:lvl7pPr>
+            <a:lvl8pPr marL="3200400" algn="l" defTabSz="914400" rtl="0" eaLnBrk="1" latinLnBrk="0" hangingPunct="1">
+              <a:defRPr sz="1800" kern="1200">
+                <a:solidFill>
+                  <a:schemeClr val="tx1"/>
+                </a:solidFill>
+                <a:latin typeface="+mn-lt"/>
+                <a:ea typeface="+mn-ea"/>
+                <a:cs typeface="+mn-cs"/>
+              </a:defRPr>
+            </a:lvl8pPr>
+            <a:lvl9pPr marL="3657600" algn="l" defTabSz="914400" rtl="0" eaLnBrk="1" latinLnBrk="0" hangingPunct="1">
+              <a:defRPr sz="1800" kern="1200">
+                <a:solidFill>
+                  <a:schemeClr val="tx1"/>
+                </a:solidFill>
+                <a:latin typeface="+mn-lt"/>
+                <a:ea typeface="+mn-ea"/>
+                <a:cs typeface="+mn-cs"/>
+              </a:defRPr>
+            </a:lvl9pPr>
+          </a:lstStyle>
+          <a:p>
+            <a:r>
+              <a:rPr lang="ro-RO" sz="1200" b="1" dirty="0" smtClean="0">
+                <a:solidFill>
+                  <a:schemeClr val="bg1"/>
+                </a:solidFill>
+              </a:rPr>
+              <a:t>13</a:t>
+            </a:r>
+            <a:endParaRPr lang="en-US" b="1" dirty="0">
+              <a:solidFill>
+                <a:schemeClr val="bg1"/>
+              </a:solidFill>
+            </a:endParaRPr>
+          </a:p>
+        </p:txBody>
+      </p:sp>
       <p:pic>
         <p:nvPicPr>
-          <p:cNvPr id="3" name="Picture 2"/>
+          <p:cNvPr id="10" name="Picture 9"/>
           <p:cNvPicPr>
             <a:picLocks noChangeAspect="1"/>
           </p:cNvPicPr>
@@ -15150,15 +16259,6 @@
         <p:blipFill>
           <a:blip r:embed="rId3">
             <a:extLst>
-              <a:ext uri="{BEBA8EAE-BF5A-486C-A8C5-ECC9F3942E4B}">
-                <a14:imgProps xmlns:a14="http://schemas.microsoft.com/office/drawing/2010/main">
-                  <a14:imgLayer r:embed="rId4">
-                    <a14:imgEffect>
-                      <a14:brightnessContrast bright="-7000"/>
-                    </a14:imgEffect>
-                  </a14:imgLayer>
-                </a14:imgProps>
-              </a:ext>
               <a:ext uri="{28A0092B-C50C-407E-A947-70E740481C1C}">
                 <a14:useLocalDpi xmlns:a14="http://schemas.microsoft.com/office/drawing/2010/main" val="0"/>
               </a:ext>
@@ -15170,8 +16270,8 @@
         </p:blipFill>
         <p:spPr>
           <a:xfrm>
-            <a:off x="2790825" y="850900"/>
-            <a:ext cx="7219950" cy="5648462"/>
+            <a:off x="2889142" y="674917"/>
+            <a:ext cx="7910396" cy="5991497"/>
           </a:xfrm>
           <a:prstGeom prst="rect">
             <a:avLst/>
@@ -15232,7 +16332,7 @@
         <p:spPr>
           <a:xfrm>
             <a:off x="1841501" y="38100"/>
-            <a:ext cx="7537168" cy="646331"/>
+            <a:ext cx="7537168" cy="523220"/>
           </a:xfrm>
           <a:prstGeom prst="rect">
             <a:avLst/>
@@ -15246,24 +16346,14 @@
           <a:lstStyle/>
           <a:p>
             <a:r>
-              <a:rPr lang="ro-RO" sz="3600" b="1" dirty="0" smtClean="0">
-                <a:solidFill>
-                  <a:schemeClr val="bg1"/>
-                </a:solidFill>
-                <a:latin typeface="Times New Roman" panose="02020603050405020304" pitchFamily="18" charset="0"/>
-                <a:cs typeface="Times New Roman" panose="02020603050405020304" pitchFamily="18" charset="0"/>
-              </a:rPr>
-              <a:t>Posibile î</a:t>
-            </a:r>
-            <a:r>
-              <a:rPr lang="ro-RO" sz="3600" b="1" dirty="0" smtClean="0">
-                <a:solidFill>
-                  <a:schemeClr val="bg1"/>
-                </a:solidFill>
-                <a:latin typeface="Times New Roman" panose="02020603050405020304" pitchFamily="18" charset="0"/>
-                <a:cs typeface="Times New Roman" panose="02020603050405020304" pitchFamily="18" charset="0"/>
-              </a:rPr>
-              <a:t>mbunătățiri viitoare</a:t>
+              <a:rPr lang="ro-RO" sz="2800" b="1" dirty="0" smtClean="0">
+                <a:solidFill>
+                  <a:schemeClr val="bg1"/>
+                </a:solidFill>
+                <a:latin typeface="Times New Roman" panose="02020603050405020304" pitchFamily="18" charset="0"/>
+                <a:cs typeface="Times New Roman" panose="02020603050405020304" pitchFamily="18" charset="0"/>
+              </a:rPr>
+              <a:t>Direcții viitoare de cercetare</a:t>
             </a:r>
             <a:endParaRPr lang="en-US" sz="3600" b="1" dirty="0">
               <a:solidFill>
@@ -15301,69 +16391,6 @@
       </p:pic>
       <p:sp>
         <p:nvSpPr>
-          <p:cNvPr id="2" name="Rectangle 2"/>
-          <p:cNvSpPr>
-            <a:spLocks noChangeArrowheads="1"/>
-          </p:cNvSpPr>
-          <p:nvPr/>
-        </p:nvSpPr>
-        <p:spPr bwMode="auto">
-          <a:xfrm>
-            <a:off x="3581400" y="927100"/>
-            <a:ext cx="12192000" cy="0"/>
-          </a:xfrm>
-          <a:prstGeom prst="rect">
-            <a:avLst/>
-          </a:prstGeom>
-          <a:noFill/>
-          <a:ln>
-            <a:noFill/>
-          </a:ln>
-          <a:effectLst/>
-          <a:extLst>
-            <a:ext uri="{909E8E84-426E-40DD-AFC4-6F175D3DCCD1}">
-              <a14:hiddenFill xmlns:a14="http://schemas.microsoft.com/office/drawing/2010/main">
-                <a:solidFill>
-                  <a:schemeClr val="accent1"/>
-                </a:solidFill>
-              </a14:hiddenFill>
-            </a:ext>
-            <a:ext uri="{91240B29-F687-4F45-9708-019B960494DF}">
-              <a14:hiddenLine xmlns:a14="http://schemas.microsoft.com/office/drawing/2010/main" w="9525">
-                <a:solidFill>
-                  <a:schemeClr val="tx1"/>
-                </a:solidFill>
-                <a:miter lim="800000"/>
-                <a:headEnd/>
-                <a:tailEnd/>
-              </a14:hiddenLine>
-            </a:ext>
-            <a:ext uri="{AF507438-7753-43E0-B8FC-AC1667EBCBE1}">
-              <a14:hiddenEffects xmlns:a14="http://schemas.microsoft.com/office/drawing/2010/main">
-                <a:effectLst>
-                  <a:outerShdw dist="35921" dir="2700000" algn="ctr" rotWithShape="0">
-                    <a:schemeClr val="bg2"/>
-                  </a:outerShdw>
-                </a:effectLst>
-              </a14:hiddenEffects>
-            </a:ext>
-          </a:extLst>
-        </p:spPr>
-        <p:txBody>
-          <a:bodyPr vert="horz" wrap="none" lIns="91440" tIns="45720" rIns="91440" bIns="45720" numCol="1" anchor="ctr" anchorCtr="0" compatLnSpc="1">
-            <a:prstTxWarp prst="textNoShape">
-              <a:avLst/>
-            </a:prstTxWarp>
-            <a:spAutoFit/>
-          </a:bodyPr>
-          <a:lstStyle/>
-          <a:p>
-            <a:endParaRPr lang="en-US"/>
-          </a:p>
-        </p:txBody>
-      </p:sp>
-      <p:sp>
-        <p:nvSpPr>
           <p:cNvPr id="6" name="TextBox 5"/>
           <p:cNvSpPr txBox="1"/>
           <p:nvPr/>
@@ -15371,7 +16398,7 @@
         <p:spPr>
           <a:xfrm>
             <a:off x="1999829" y="1169770"/>
-            <a:ext cx="8601075" cy="5078313"/>
+            <a:ext cx="10026708" cy="5078313"/>
           </a:xfrm>
           <a:prstGeom prst="rect">
             <a:avLst/>
@@ -15513,7 +16540,27 @@
                 <a:latin typeface="Times New Roman" panose="02020603050405020304" pitchFamily="18" charset="0"/>
                 <a:cs typeface="Times New Roman" panose="02020603050405020304" pitchFamily="18" charset="0"/>
               </a:rPr>
-              <a:t>Implementarea unei rețele neuronale recurente (</a:t>
+              <a:t>Utilizarea </a:t>
+            </a:r>
+            <a:r>
+              <a:rPr lang="ro-RO" b="1" dirty="0" smtClean="0">
+                <a:solidFill>
+                  <a:schemeClr val="bg1"/>
+                </a:solidFill>
+                <a:latin typeface="Times New Roman" panose="02020603050405020304" pitchFamily="18" charset="0"/>
+                <a:cs typeface="Times New Roman" panose="02020603050405020304" pitchFamily="18" charset="0"/>
+              </a:rPr>
+              <a:t>rețelelor </a:t>
+            </a:r>
+            <a:r>
+              <a:rPr lang="ro-RO" b="1" dirty="0" smtClean="0">
+                <a:solidFill>
+                  <a:schemeClr val="bg1"/>
+                </a:solidFill>
+                <a:latin typeface="Times New Roman" panose="02020603050405020304" pitchFamily="18" charset="0"/>
+                <a:cs typeface="Times New Roman" panose="02020603050405020304" pitchFamily="18" charset="0"/>
+              </a:rPr>
+              <a:t>neuronale recurente (</a:t>
             </a:r>
             <a:r>
               <a:rPr lang="ro-RO" b="1" i="1" dirty="0" smtClean="0">
@@ -15533,7 +16580,81 @@
                 <a:latin typeface="Times New Roman" panose="02020603050405020304" pitchFamily="18" charset="0"/>
                 <a:cs typeface="Times New Roman" panose="02020603050405020304" pitchFamily="18" charset="0"/>
               </a:rPr>
-              <a:t>) pentru a utiliza date de intrare de lungime variabilă</a:t>
+              <a:t>) </a:t>
+            </a:r>
+            <a:endParaRPr lang="en-US" b="1" dirty="0" smtClean="0">
+              <a:solidFill>
+                <a:schemeClr val="bg1"/>
+              </a:solidFill>
+              <a:latin typeface="Times New Roman" panose="02020603050405020304" pitchFamily="18" charset="0"/>
+              <a:cs typeface="Times New Roman" panose="02020603050405020304" pitchFamily="18" charset="0"/>
+            </a:endParaRPr>
+          </a:p>
+          <a:p>
+            <a:pPr lvl="1">
+              <a:lnSpc>
+                <a:spcPct val="150000"/>
+              </a:lnSpc>
+            </a:pPr>
+            <a:r>
+              <a:rPr lang="en-US" b="1" dirty="0">
+                <a:solidFill>
+                  <a:schemeClr val="bg1"/>
+                </a:solidFill>
+                <a:latin typeface="Times New Roman" panose="02020603050405020304" pitchFamily="18" charset="0"/>
+                <a:cs typeface="Times New Roman" panose="02020603050405020304" pitchFamily="18" charset="0"/>
+              </a:rPr>
+              <a:t>	</a:t>
+            </a:r>
+            <a:r>
+              <a:rPr lang="en-US" dirty="0" smtClean="0">
+                <a:solidFill>
+                  <a:schemeClr val="bg1"/>
+                </a:solidFill>
+                <a:latin typeface="Times New Roman" panose="02020603050405020304" pitchFamily="18" charset="0"/>
+                <a:cs typeface="Times New Roman" panose="02020603050405020304" pitchFamily="18" charset="0"/>
+              </a:rPr>
+              <a:t>P</a:t>
+            </a:r>
+            <a:r>
+              <a:rPr lang="ro-RO" dirty="0" smtClean="0">
+                <a:solidFill>
+                  <a:schemeClr val="bg1"/>
+                </a:solidFill>
+                <a:latin typeface="Times New Roman" panose="02020603050405020304" pitchFamily="18" charset="0"/>
+                <a:cs typeface="Times New Roman" panose="02020603050405020304" pitchFamily="18" charset="0"/>
+              </a:rPr>
+              <a:t>entru </a:t>
+            </a:r>
+            <a:r>
+              <a:rPr lang="ro-RO" dirty="0" smtClean="0">
+                <a:solidFill>
+                  <a:schemeClr val="bg1"/>
+                </a:solidFill>
+                <a:latin typeface="Times New Roman" panose="02020603050405020304" pitchFamily="18" charset="0"/>
+                <a:cs typeface="Times New Roman" panose="02020603050405020304" pitchFamily="18" charset="0"/>
+              </a:rPr>
+              <a:t>procesarea </a:t>
+            </a:r>
+            <a:r>
+              <a:rPr lang="ro-RO" dirty="0" smtClean="0">
+                <a:solidFill>
+                  <a:schemeClr val="bg1"/>
+                </a:solidFill>
+                <a:latin typeface="Times New Roman" panose="02020603050405020304" pitchFamily="18" charset="0"/>
+                <a:cs typeface="Times New Roman" panose="02020603050405020304" pitchFamily="18" charset="0"/>
+              </a:rPr>
+              <a:t>datelor </a:t>
+            </a:r>
+            <a:r>
+              <a:rPr lang="ro-RO" dirty="0" smtClean="0">
+                <a:solidFill>
+                  <a:schemeClr val="bg1"/>
+                </a:solidFill>
+                <a:latin typeface="Times New Roman" panose="02020603050405020304" pitchFamily="18" charset="0"/>
+                <a:cs typeface="Times New Roman" panose="02020603050405020304" pitchFamily="18" charset="0"/>
+              </a:rPr>
+              <a:t>de intrare de lungime variabilă</a:t>
             </a:r>
           </a:p>
           <a:p>
@@ -15585,7 +16706,7 @@
                 <a:latin typeface="Times New Roman" panose="02020603050405020304" pitchFamily="18" charset="0"/>
                 <a:cs typeface="Times New Roman" panose="02020603050405020304" pitchFamily="18" charset="0"/>
               </a:rPr>
-              <a:t>Fie i</a:t>
+              <a:t>Fie implementarea unui modul de conversie (Speech 2 Text și Text </a:t>
             </a:r>
             <a:r>
               <a:rPr lang="ro-RO" dirty="0" smtClean="0">
@@ -15595,7 +16716,17 @@
                 <a:latin typeface="Times New Roman" panose="02020603050405020304" pitchFamily="18" charset="0"/>
                 <a:cs typeface="Times New Roman" panose="02020603050405020304" pitchFamily="18" charset="0"/>
               </a:rPr>
-              <a:t>mplementarea unui modul de conversie (Speech 2 Text și Text a Speech)</a:t>
+              <a:t>2 </a:t>
+            </a:r>
+            <a:r>
+              <a:rPr lang="ro-RO" dirty="0" smtClean="0">
+                <a:solidFill>
+                  <a:schemeClr val="bg1"/>
+                </a:solidFill>
+                <a:latin typeface="Times New Roman" panose="02020603050405020304" pitchFamily="18" charset="0"/>
+                <a:cs typeface="Times New Roman" panose="02020603050405020304" pitchFamily="18" charset="0"/>
+              </a:rPr>
+              <a:t>Speech)</a:t>
             </a:r>
           </a:p>
           <a:p>
@@ -15651,91 +16782,192 @@
           </a:p>
         </p:txBody>
       </p:sp>
-    </p:spTree>
-    <p:extLst>
-      <p:ext uri="{BB962C8B-B14F-4D97-AF65-F5344CB8AC3E}">
-        <p14:creationId xmlns:p14="http://schemas.microsoft.com/office/powerpoint/2010/main" val="3465013214"/>
-      </p:ext>
-    </p:extLst>
-  </p:cSld>
-  <p:clrMapOvr>
-    <a:masterClrMapping/>
-  </p:clrMapOvr>
-  <p:timing>
-    <p:tnLst>
-      <p:par>
-        <p:cTn id="1" dur="indefinite" restart="never" nodeType="tmRoot"/>
-      </p:par>
-    </p:tnLst>
-  </p:timing>
-</p:sld>
-</file>
-
-<file path=ppt/slides/slide16.xml><?xml version="1.0" encoding="utf-8"?>
-<p:sld xmlns:a="http://schemas.openxmlformats.org/drawingml/2006/main" xmlns:r="http://schemas.openxmlformats.org/officeDocument/2006/relationships" xmlns:p="http://schemas.openxmlformats.org/presentationml/2006/main">
-  <p:cSld>
-    <p:bg>
-      <p:bgPr>
-        <a:gradFill rotWithShape="1">
-          <a:gsLst>
-            <a:gs pos="100000">
-              <a:srgbClr val="5A7993"/>
-            </a:gs>
-            <a:gs pos="8000">
-              <a:srgbClr val="063874"/>
-            </a:gs>
-          </a:gsLst>
-          <a:lin ang="6120000" scaled="1"/>
-        </a:gradFill>
-        <a:effectLst/>
-      </p:bgPr>
-    </p:bg>
-    <p:spTree>
-      <p:nvGrpSpPr>
-        <p:cNvPr id="1" name=""/>
-        <p:cNvGrpSpPr/>
-        <p:nvPr/>
-      </p:nvGrpSpPr>
-      <p:grpSpPr>
-        <a:xfrm>
-          <a:off x="0" y="0"/>
-          <a:ext cx="0" cy="0"/>
-          <a:chOff x="0" y="0"/>
-          <a:chExt cx="0" cy="0"/>
-        </a:xfrm>
-      </p:grpSpPr>
       <p:sp>
         <p:nvSpPr>
-          <p:cNvPr id="2" name="TextBox 1"/>
+          <p:cNvPr id="9" name="TextBox 8"/>
           <p:cNvSpPr txBox="1"/>
           <p:nvPr/>
         </p:nvSpPr>
         <p:spPr>
-          <a:xfrm>
-            <a:off x="5400675" y="904875"/>
-            <a:ext cx="1545616" cy="3770263"/>
+          <a:xfrm rot="5400000">
+            <a:off x="10652112" y="5452797"/>
+            <a:ext cx="2164078" cy="646331"/>
           </a:xfrm>
           <a:prstGeom prst="rect">
             <a:avLst/>
           </a:prstGeom>
-          <a:noFill/>
+          <a:solidFill>
+            <a:schemeClr val="tx1"/>
+          </a:solidFill>
         </p:spPr>
         <p:txBody>
-          <a:bodyPr wrap="none" rtlCol="0">
+          <a:bodyPr wrap="square" rtlCol="0">
             <a:spAutoFit/>
           </a:bodyPr>
           <a:lstStyle/>
           <a:p>
-            <a:r>
-              <a:rPr lang="en-US" sz="23900" dirty="0" smtClean="0">
-                <a:latin typeface="Times New Roman" panose="02020603050405020304" pitchFamily="18" charset="0"/>
-                <a:cs typeface="Times New Roman" panose="02020603050405020304" pitchFamily="18" charset="0"/>
-              </a:rPr>
-              <a:t>?</a:t>
-            </a:r>
-            <a:endParaRPr lang="en-US" dirty="0">
+            <a:endParaRPr lang="ro-RO" sz="3600" b="1" dirty="0" smtClean="0">
+              <a:solidFill>
+                <a:schemeClr val="bg1"/>
+              </a:solidFill>
               <a:latin typeface="Times New Roman" panose="02020603050405020304" pitchFamily="18" charset="0"/>
               <a:cs typeface="Times New Roman" panose="02020603050405020304" pitchFamily="18" charset="0"/>
+            </a:endParaRPr>
+          </a:p>
+        </p:txBody>
+      </p:sp>
+      <p:sp>
+        <p:nvSpPr>
+          <p:cNvPr id="4" name="Slide Number Placeholder 3"/>
+          <p:cNvSpPr>
+            <a:spLocks noGrp="1"/>
+          </p:cNvSpPr>
+          <p:nvPr>
+            <p:ph type="sldNum" sz="quarter" idx="12"/>
+          </p:nvPr>
+        </p:nvSpPr>
+        <p:spPr/>
+        <p:txBody>
+          <a:bodyPr/>
+          <a:lstStyle/>
+          <a:p>
+            <a:fld id="{1969C00C-B637-4E60-ADB7-20B7B30724B5}" type="slidenum">
+              <a:rPr lang="en-US" smtClean="0"/>
+              <a:t>15</a:t>
+            </a:fld>
+            <a:endParaRPr lang="en-US"/>
+          </a:p>
+        </p:txBody>
+      </p:sp>
+      <p:sp>
+        <p:nvSpPr>
+          <p:cNvPr id="10" name="Slide Number Placeholder 2"/>
+          <p:cNvSpPr txBox="1">
+            <a:spLocks/>
+          </p:cNvSpPr>
+          <p:nvPr/>
+        </p:nvSpPr>
+        <p:spPr>
+          <a:xfrm>
+            <a:off x="11652069" y="6362252"/>
+            <a:ext cx="362004" cy="365125"/>
+          </a:xfrm>
+          <a:prstGeom prst="rect">
+            <a:avLst/>
+          </a:prstGeom>
+        </p:spPr>
+        <p:txBody>
+          <a:bodyPr vert="horz" lIns="91440" tIns="45720" rIns="91440" bIns="45720" rtlCol="0" anchor="ctr"/>
+          <a:lstStyle>
+            <a:defPPr>
+              <a:defRPr lang="en-US"/>
+            </a:defPPr>
+            <a:lvl1pPr marL="0" algn="r" defTabSz="914400" rtl="0" eaLnBrk="1" latinLnBrk="0" hangingPunct="1">
+              <a:defRPr sz="1050" kern="1200">
+                <a:solidFill>
+                  <a:schemeClr val="tx1">
+                    <a:tint val="75000"/>
+                  </a:schemeClr>
+                </a:solidFill>
+                <a:latin typeface="+mn-lt"/>
+                <a:ea typeface="+mn-ea"/>
+                <a:cs typeface="+mn-cs"/>
+              </a:defRPr>
+            </a:lvl1pPr>
+            <a:lvl2pPr marL="457200" algn="l" defTabSz="914400" rtl="0" eaLnBrk="1" latinLnBrk="0" hangingPunct="1">
+              <a:defRPr sz="1800" kern="1200">
+                <a:solidFill>
+                  <a:schemeClr val="tx1"/>
+                </a:solidFill>
+                <a:latin typeface="+mn-lt"/>
+                <a:ea typeface="+mn-ea"/>
+                <a:cs typeface="+mn-cs"/>
+              </a:defRPr>
+            </a:lvl2pPr>
+            <a:lvl3pPr marL="914400" algn="l" defTabSz="914400" rtl="0" eaLnBrk="1" latinLnBrk="0" hangingPunct="1">
+              <a:defRPr sz="1800" kern="1200">
+                <a:solidFill>
+                  <a:schemeClr val="tx1"/>
+                </a:solidFill>
+                <a:latin typeface="+mn-lt"/>
+                <a:ea typeface="+mn-ea"/>
+                <a:cs typeface="+mn-cs"/>
+              </a:defRPr>
+            </a:lvl3pPr>
+            <a:lvl4pPr marL="1371600" algn="l" defTabSz="914400" rtl="0" eaLnBrk="1" latinLnBrk="0" hangingPunct="1">
+              <a:defRPr sz="1800" kern="1200">
+                <a:solidFill>
+                  <a:schemeClr val="tx1"/>
+                </a:solidFill>
+                <a:latin typeface="+mn-lt"/>
+                <a:ea typeface="+mn-ea"/>
+                <a:cs typeface="+mn-cs"/>
+              </a:defRPr>
+            </a:lvl4pPr>
+            <a:lvl5pPr marL="1828800" algn="l" defTabSz="914400" rtl="0" eaLnBrk="1" latinLnBrk="0" hangingPunct="1">
+              <a:defRPr sz="1800" kern="1200">
+                <a:solidFill>
+                  <a:schemeClr val="tx1"/>
+                </a:solidFill>
+                <a:latin typeface="+mn-lt"/>
+                <a:ea typeface="+mn-ea"/>
+                <a:cs typeface="+mn-cs"/>
+              </a:defRPr>
+            </a:lvl5pPr>
+            <a:lvl6pPr marL="2286000" algn="l" defTabSz="914400" rtl="0" eaLnBrk="1" latinLnBrk="0" hangingPunct="1">
+              <a:defRPr sz="1800" kern="1200">
+                <a:solidFill>
+                  <a:schemeClr val="tx1"/>
+                </a:solidFill>
+                <a:latin typeface="+mn-lt"/>
+                <a:ea typeface="+mn-ea"/>
+                <a:cs typeface="+mn-cs"/>
+              </a:defRPr>
+            </a:lvl6pPr>
+            <a:lvl7pPr marL="2743200" algn="l" defTabSz="914400" rtl="0" eaLnBrk="1" latinLnBrk="0" hangingPunct="1">
+              <a:defRPr sz="1800" kern="1200">
+                <a:solidFill>
+                  <a:schemeClr val="tx1"/>
+                </a:solidFill>
+                <a:latin typeface="+mn-lt"/>
+                <a:ea typeface="+mn-ea"/>
+                <a:cs typeface="+mn-cs"/>
+              </a:defRPr>
+            </a:lvl7pPr>
+            <a:lvl8pPr marL="3200400" algn="l" defTabSz="914400" rtl="0" eaLnBrk="1" latinLnBrk="0" hangingPunct="1">
+              <a:defRPr sz="1800" kern="1200">
+                <a:solidFill>
+                  <a:schemeClr val="tx1"/>
+                </a:solidFill>
+                <a:latin typeface="+mn-lt"/>
+                <a:ea typeface="+mn-ea"/>
+                <a:cs typeface="+mn-cs"/>
+              </a:defRPr>
+            </a:lvl8pPr>
+            <a:lvl9pPr marL="3657600" algn="l" defTabSz="914400" rtl="0" eaLnBrk="1" latinLnBrk="0" hangingPunct="1">
+              <a:defRPr sz="1800" kern="1200">
+                <a:solidFill>
+                  <a:schemeClr val="tx1"/>
+                </a:solidFill>
+                <a:latin typeface="+mn-lt"/>
+                <a:ea typeface="+mn-ea"/>
+                <a:cs typeface="+mn-cs"/>
+              </a:defRPr>
+            </a:lvl9pPr>
+          </a:lstStyle>
+          <a:p>
+            <a:r>
+              <a:rPr lang="ro-RO" sz="1200" b="1" dirty="0" smtClean="0">
+                <a:solidFill>
+                  <a:schemeClr val="bg1"/>
+                </a:solidFill>
+              </a:rPr>
+              <a:t>14</a:t>
+            </a:r>
+            <a:endParaRPr lang="en-US" b="1" dirty="0">
+              <a:solidFill>
+                <a:schemeClr val="bg1"/>
+              </a:solidFill>
             </a:endParaRPr>
           </a:p>
         </p:txBody>
@@ -15743,7 +16975,7 @@
     </p:spTree>
     <p:extLst>
       <p:ext uri="{BB962C8B-B14F-4D97-AF65-F5344CB8AC3E}">
-        <p14:creationId xmlns:p14="http://schemas.microsoft.com/office/powerpoint/2010/main" val="3123183395"/>
+        <p14:creationId xmlns:p14="http://schemas.microsoft.com/office/powerpoint/2010/main" val="3465013214"/>
       </p:ext>
     </p:extLst>
   </p:cSld>
@@ -15818,7 +17050,7 @@
         <p:spPr>
           <a:xfrm>
             <a:off x="1841501" y="14715"/>
-            <a:ext cx="10320133" cy="1200329"/>
+            <a:ext cx="10350499" cy="523220"/>
           </a:xfrm>
           <a:prstGeom prst="rect">
             <a:avLst/>
@@ -15826,33 +17058,78 @@
           <a:noFill/>
         </p:spPr>
         <p:txBody>
-          <a:bodyPr wrap="none" rtlCol="0">
+          <a:bodyPr wrap="square" rtlCol="0">
             <a:spAutoFit/>
           </a:bodyPr>
           <a:lstStyle/>
           <a:p>
             <a:r>
-              <a:rPr lang="ro-RO" sz="3600" b="1" dirty="0" smtClean="0">
-                <a:solidFill>
-                  <a:schemeClr val="bg1"/>
-                </a:solidFill>
-                <a:latin typeface="Times New Roman" panose="02020603050405020304" pitchFamily="18" charset="0"/>
-                <a:cs typeface="Times New Roman" panose="02020603050405020304" pitchFamily="18" charset="0"/>
-              </a:rPr>
-              <a:t>Automation of locally integrated control equipment</a:t>
-            </a:r>
-          </a:p>
-          <a:p>
-            <a:r>
-              <a:rPr lang="ro-RO" sz="3600" b="1" dirty="0" smtClean="0">
-                <a:solidFill>
-                  <a:schemeClr val="bg1"/>
-                </a:solidFill>
-                <a:latin typeface="Times New Roman" panose="02020603050405020304" pitchFamily="18" charset="0"/>
-                <a:cs typeface="Times New Roman" panose="02020603050405020304" pitchFamily="18" charset="0"/>
-              </a:rPr>
-              <a:t> - A.L.I.C.E. -</a:t>
-            </a:r>
+              <a:rPr lang="ro-RO" sz="2800" b="1" dirty="0" smtClean="0">
+                <a:solidFill>
+                  <a:schemeClr val="bg1"/>
+                </a:solidFill>
+                <a:latin typeface="Times New Roman" panose="02020603050405020304" pitchFamily="18" charset="0"/>
+                <a:cs typeface="Times New Roman" panose="02020603050405020304" pitchFamily="18" charset="0"/>
+              </a:rPr>
+              <a:t>Automation of locally integrated control </a:t>
+            </a:r>
+            <a:r>
+              <a:rPr lang="ro-RO" sz="2800" b="1" dirty="0" smtClean="0">
+                <a:solidFill>
+                  <a:schemeClr val="bg1"/>
+                </a:solidFill>
+                <a:latin typeface="Times New Roman" panose="02020603050405020304" pitchFamily="18" charset="0"/>
+                <a:cs typeface="Times New Roman" panose="02020603050405020304" pitchFamily="18" charset="0"/>
+              </a:rPr>
+              <a:t>equipment</a:t>
+            </a:r>
+            <a:r>
+              <a:rPr lang="en-US" sz="2800" b="1" dirty="0" smtClean="0">
+                <a:solidFill>
+                  <a:schemeClr val="bg1"/>
+                </a:solidFill>
+                <a:latin typeface="Times New Roman" panose="02020603050405020304" pitchFamily="18" charset="0"/>
+                <a:cs typeface="Times New Roman" panose="02020603050405020304" pitchFamily="18" charset="0"/>
+              </a:rPr>
+              <a:t> -</a:t>
+            </a:r>
+            <a:r>
+              <a:rPr lang="ro-RO" sz="2800" b="1" dirty="0" smtClean="0">
+                <a:solidFill>
+                  <a:schemeClr val="bg1"/>
+                </a:solidFill>
+                <a:latin typeface="Times New Roman" panose="02020603050405020304" pitchFamily="18" charset="0"/>
+                <a:cs typeface="Times New Roman" panose="02020603050405020304" pitchFamily="18" charset="0"/>
+              </a:rPr>
+              <a:t> </a:t>
+            </a:r>
+            <a:r>
+              <a:rPr lang="ro-RO" sz="2800" b="1" dirty="0" smtClean="0">
+                <a:solidFill>
+                  <a:schemeClr val="bg1"/>
+                </a:solidFill>
+                <a:latin typeface="Times New Roman" panose="02020603050405020304" pitchFamily="18" charset="0"/>
+                <a:cs typeface="Times New Roman" panose="02020603050405020304" pitchFamily="18" charset="0"/>
+              </a:rPr>
+              <a:t>A.L.I.C.E</a:t>
+            </a:r>
+            <a:r>
+              <a:rPr lang="ro-RO" sz="2800" b="1" dirty="0" smtClean="0">
+                <a:solidFill>
+                  <a:schemeClr val="bg1"/>
+                </a:solidFill>
+                <a:latin typeface="Times New Roman" panose="02020603050405020304" pitchFamily="18" charset="0"/>
+                <a:cs typeface="Times New Roman" panose="02020603050405020304" pitchFamily="18" charset="0"/>
+              </a:rPr>
+              <a:t>.</a:t>
+            </a:r>
+            <a:endParaRPr lang="ro-RO" sz="2800" b="1" dirty="0" smtClean="0">
+              <a:solidFill>
+                <a:schemeClr val="bg1"/>
+              </a:solidFill>
+              <a:latin typeface="Times New Roman" panose="02020603050405020304" pitchFamily="18" charset="0"/>
+              <a:cs typeface="Times New Roman" panose="02020603050405020304" pitchFamily="18" charset="0"/>
+            </a:endParaRPr>
           </a:p>
         </p:txBody>
       </p:sp>
@@ -15864,7 +17141,7 @@
         </p:nvSpPr>
         <p:spPr>
           <a:xfrm>
-            <a:off x="1841501" y="2333274"/>
+            <a:off x="1841501" y="1540794"/>
             <a:ext cx="6528326" cy="2862322"/>
           </a:xfrm>
           <a:prstGeom prst="rect">
@@ -16000,14 +17277,83 @@
       </p:sp>
       <p:sp>
         <p:nvSpPr>
+          <p:cNvPr id="10" name="TextBox 9"/>
+          <p:cNvSpPr txBox="1"/>
+          <p:nvPr/>
+        </p:nvSpPr>
+        <p:spPr>
+          <a:xfrm>
+            <a:off x="1841501" y="882538"/>
+            <a:ext cx="1680268" cy="523220"/>
+          </a:xfrm>
+          <a:prstGeom prst="rect">
+            <a:avLst/>
+          </a:prstGeom>
+          <a:noFill/>
+        </p:spPr>
+        <p:txBody>
+          <a:bodyPr wrap="none" rtlCol="0">
+            <a:spAutoFit/>
+          </a:bodyPr>
+          <a:lstStyle/>
+          <a:p>
+            <a:r>
+              <a:rPr lang="ro-RO" sz="2800" b="1" dirty="0" smtClean="0">
+                <a:solidFill>
+                  <a:schemeClr val="bg1"/>
+                </a:solidFill>
+                <a:latin typeface="Times New Roman" panose="02020603050405020304" pitchFamily="18" charset="0"/>
+                <a:cs typeface="Times New Roman" panose="02020603050405020304" pitchFamily="18" charset="0"/>
+              </a:rPr>
+              <a:t>Motivația</a:t>
+            </a:r>
+          </a:p>
+        </p:txBody>
+      </p:sp>
+      <p:sp>
+        <p:nvSpPr>
+          <p:cNvPr id="11" name="TextBox 10"/>
+          <p:cNvSpPr txBox="1"/>
+          <p:nvPr/>
+        </p:nvSpPr>
+        <p:spPr>
+          <a:xfrm rot="5400000">
+            <a:off x="10652112" y="5452797"/>
+            <a:ext cx="2164078" cy="646331"/>
+          </a:xfrm>
+          <a:prstGeom prst="rect">
+            <a:avLst/>
+          </a:prstGeom>
+          <a:solidFill>
+            <a:schemeClr val="tx1"/>
+          </a:solidFill>
+        </p:spPr>
+        <p:txBody>
+          <a:bodyPr wrap="square" rtlCol="0">
+            <a:spAutoFit/>
+          </a:bodyPr>
+          <a:lstStyle/>
+          <a:p>
+            <a:endParaRPr lang="ro-RO" sz="3600" b="1" dirty="0" smtClean="0">
+              <a:solidFill>
+                <a:schemeClr val="bg1"/>
+              </a:solidFill>
+              <a:latin typeface="Times New Roman" panose="02020603050405020304" pitchFamily="18" charset="0"/>
+              <a:cs typeface="Times New Roman" panose="02020603050405020304" pitchFamily="18" charset="0"/>
+            </a:endParaRPr>
+          </a:p>
+        </p:txBody>
+      </p:sp>
+      <p:sp>
+        <p:nvSpPr>
           <p:cNvPr id="9" name="TextBox 8"/>
           <p:cNvSpPr txBox="1"/>
           <p:nvPr/>
         </p:nvSpPr>
         <p:spPr>
           <a:xfrm>
-            <a:off x="1841501" y="5540199"/>
-            <a:ext cx="7734300" cy="1015663"/>
+            <a:off x="1841501" y="4538152"/>
+            <a:ext cx="10237288" cy="498663"/>
           </a:xfrm>
           <a:prstGeom prst="rect">
             <a:avLst/>
@@ -16035,13 +17381,6 @@
               </a:rPr>
               <a:t>Curiozitatea îmbinării domeniilor Internetul Lucrurilor (IoT) </a:t>
             </a:r>
-          </a:p>
-          <a:p>
-            <a:pPr>
-              <a:lnSpc>
-                <a:spcPct val="150000"/>
-              </a:lnSpc>
-            </a:pPr>
             <a:r>
               <a:rPr lang="ro-RO" sz="2000" b="1" dirty="0" smtClean="0">
                 <a:solidFill>
@@ -16050,7 +17389,17 @@
                 <a:latin typeface="Times New Roman" panose="02020603050405020304" pitchFamily="18" charset="0"/>
                 <a:cs typeface="Times New Roman" panose="02020603050405020304" pitchFamily="18" charset="0"/>
               </a:rPr>
-              <a:t>cu Inteligență Artificială (A.I.)</a:t>
+              <a:t>cu </a:t>
+            </a:r>
+            <a:r>
+              <a:rPr lang="ro-RO" sz="2000" b="1" dirty="0" smtClean="0">
+                <a:solidFill>
+                  <a:schemeClr val="bg1"/>
+                </a:solidFill>
+                <a:latin typeface="Times New Roman" panose="02020603050405020304" pitchFamily="18" charset="0"/>
+                <a:cs typeface="Times New Roman" panose="02020603050405020304" pitchFamily="18" charset="0"/>
+              </a:rPr>
+              <a:t>Inteligență Artificială (A.I.)</a:t>
             </a:r>
             <a:endParaRPr lang="en-US" sz="2000" b="1" dirty="0">
               <a:solidFill>
@@ -16064,36 +17413,37 @@
       </p:sp>
       <p:sp>
         <p:nvSpPr>
-          <p:cNvPr id="10" name="TextBox 9"/>
-          <p:cNvSpPr txBox="1"/>
-          <p:nvPr/>
+          <p:cNvPr id="3" name="Slide Number Placeholder 2"/>
+          <p:cNvSpPr>
+            <a:spLocks noGrp="1"/>
+          </p:cNvSpPr>
+          <p:nvPr>
+            <p:ph type="sldNum" sz="quarter" idx="12"/>
+          </p:nvPr>
         </p:nvSpPr>
         <p:spPr>
           <a:xfrm>
-            <a:off x="1841501" y="1665505"/>
-            <a:ext cx="2108269" cy="646331"/>
+            <a:off x="11721737" y="6362252"/>
+            <a:ext cx="292336" cy="365125"/>
           </a:xfrm>
-          <a:prstGeom prst="rect">
-            <a:avLst/>
-          </a:prstGeom>
-          <a:noFill/>
         </p:spPr>
         <p:txBody>
-          <a:bodyPr wrap="none" rtlCol="0">
-            <a:spAutoFit/>
-          </a:bodyPr>
+          <a:bodyPr/>
           <a:lstStyle/>
           <a:p>
             <a:r>
-              <a:rPr lang="ro-RO" sz="3600" b="1" dirty="0" smtClean="0">
-                <a:solidFill>
-                  <a:schemeClr val="bg1"/>
-                </a:solidFill>
-                <a:latin typeface="Times New Roman" panose="02020603050405020304" pitchFamily="18" charset="0"/>
-                <a:cs typeface="Times New Roman" panose="02020603050405020304" pitchFamily="18" charset="0"/>
-              </a:rPr>
-              <a:t>Motivația</a:t>
-            </a:r>
+              <a:rPr lang="ro-RO" sz="1200" b="1" dirty="0" smtClean="0">
+                <a:solidFill>
+                  <a:schemeClr val="bg1"/>
+                </a:solidFill>
+              </a:rPr>
+              <a:t>1</a:t>
+            </a:r>
+            <a:endParaRPr lang="en-US" b="1" dirty="0">
+              <a:solidFill>
+                <a:schemeClr val="bg1"/>
+              </a:solidFill>
+            </a:endParaRPr>
           </a:p>
         </p:txBody>
       </p:sp>
@@ -16151,7 +17501,7 @@
         <p:spPr>
           <a:xfrm>
             <a:off x="1841501" y="38100"/>
-            <a:ext cx="9561281" cy="646331"/>
+            <a:ext cx="9561281" cy="523220"/>
           </a:xfrm>
           <a:prstGeom prst="rect">
             <a:avLst/>
@@ -16165,7 +17515,7 @@
           <a:lstStyle/>
           <a:p>
             <a:r>
-              <a:rPr lang="ro-RO" sz="3600" b="1" dirty="0" smtClean="0">
+              <a:rPr lang="ro-RO" sz="2800" b="1" dirty="0" smtClean="0">
                 <a:solidFill>
                   <a:schemeClr val="bg1"/>
                 </a:solidFill>
@@ -16174,7 +17524,7 @@
               </a:rPr>
               <a:t>Internetul lucrurilor și automatizare</a:t>
             </a:r>
-            <a:endParaRPr lang="en-US" sz="3600" b="1" dirty="0">
+            <a:endParaRPr lang="en-US" sz="2800" b="1" dirty="0">
               <a:solidFill>
                 <a:schemeClr val="bg1"/>
               </a:solidFill>
@@ -16847,6 +18197,162 @@
               </a:solidFill>
               <a:latin typeface="Times New Roman" panose="02020603050405020304" pitchFamily="18" charset="0"/>
               <a:cs typeface="Times New Roman" panose="02020603050405020304" pitchFamily="18" charset="0"/>
+            </a:endParaRPr>
+          </a:p>
+        </p:txBody>
+      </p:sp>
+      <p:sp>
+        <p:nvSpPr>
+          <p:cNvPr id="3" name="Slide Number Placeholder 2"/>
+          <p:cNvSpPr>
+            <a:spLocks noGrp="1"/>
+          </p:cNvSpPr>
+          <p:nvPr>
+            <p:ph type="sldNum" sz="quarter" idx="12"/>
+          </p:nvPr>
+        </p:nvSpPr>
+        <p:spPr/>
+        <p:txBody>
+          <a:bodyPr/>
+          <a:lstStyle/>
+          <a:p>
+            <a:fld id="{1969C00C-B637-4E60-ADB7-20B7B30724B5}" type="slidenum">
+              <a:rPr lang="en-US" smtClean="0"/>
+              <a:t>3</a:t>
+            </a:fld>
+            <a:endParaRPr lang="en-US"/>
+          </a:p>
+        </p:txBody>
+      </p:sp>
+      <p:sp>
+        <p:nvSpPr>
+          <p:cNvPr id="8" name="Slide Number Placeholder 2"/>
+          <p:cNvSpPr txBox="1">
+            <a:spLocks/>
+          </p:cNvSpPr>
+          <p:nvPr/>
+        </p:nvSpPr>
+        <p:spPr>
+          <a:xfrm>
+            <a:off x="11721737" y="6362252"/>
+            <a:ext cx="292336" cy="365125"/>
+          </a:xfrm>
+          <a:prstGeom prst="rect">
+            <a:avLst/>
+          </a:prstGeom>
+        </p:spPr>
+        <p:txBody>
+          <a:bodyPr vert="horz" lIns="91440" tIns="45720" rIns="91440" bIns="45720" rtlCol="0" anchor="ctr"/>
+          <a:lstStyle>
+            <a:defPPr>
+              <a:defRPr lang="en-US"/>
+            </a:defPPr>
+            <a:lvl1pPr marL="0" algn="r" defTabSz="914400" rtl="0" eaLnBrk="1" latinLnBrk="0" hangingPunct="1">
+              <a:defRPr sz="1050" kern="1200">
+                <a:solidFill>
+                  <a:schemeClr val="tx1">
+                    <a:tint val="75000"/>
+                  </a:schemeClr>
+                </a:solidFill>
+                <a:latin typeface="+mn-lt"/>
+                <a:ea typeface="+mn-ea"/>
+                <a:cs typeface="+mn-cs"/>
+              </a:defRPr>
+            </a:lvl1pPr>
+            <a:lvl2pPr marL="457200" algn="l" defTabSz="914400" rtl="0" eaLnBrk="1" latinLnBrk="0" hangingPunct="1">
+              <a:defRPr sz="1800" kern="1200">
+                <a:solidFill>
+                  <a:schemeClr val="tx1"/>
+                </a:solidFill>
+                <a:latin typeface="+mn-lt"/>
+                <a:ea typeface="+mn-ea"/>
+                <a:cs typeface="+mn-cs"/>
+              </a:defRPr>
+            </a:lvl2pPr>
+            <a:lvl3pPr marL="914400" algn="l" defTabSz="914400" rtl="0" eaLnBrk="1" latinLnBrk="0" hangingPunct="1">
+              <a:defRPr sz="1800" kern="1200">
+                <a:solidFill>
+                  <a:schemeClr val="tx1"/>
+                </a:solidFill>
+                <a:latin typeface="+mn-lt"/>
+                <a:ea typeface="+mn-ea"/>
+                <a:cs typeface="+mn-cs"/>
+              </a:defRPr>
+            </a:lvl3pPr>
+            <a:lvl4pPr marL="1371600" algn="l" defTabSz="914400" rtl="0" eaLnBrk="1" latinLnBrk="0" hangingPunct="1">
+              <a:defRPr sz="1800" kern="1200">
+                <a:solidFill>
+                  <a:schemeClr val="tx1"/>
+                </a:solidFill>
+                <a:latin typeface="+mn-lt"/>
+                <a:ea typeface="+mn-ea"/>
+                <a:cs typeface="+mn-cs"/>
+              </a:defRPr>
+            </a:lvl4pPr>
+            <a:lvl5pPr marL="1828800" algn="l" defTabSz="914400" rtl="0" eaLnBrk="1" latinLnBrk="0" hangingPunct="1">
+              <a:defRPr sz="1800" kern="1200">
+                <a:solidFill>
+                  <a:schemeClr val="tx1"/>
+                </a:solidFill>
+                <a:latin typeface="+mn-lt"/>
+                <a:ea typeface="+mn-ea"/>
+                <a:cs typeface="+mn-cs"/>
+              </a:defRPr>
+            </a:lvl5pPr>
+            <a:lvl6pPr marL="2286000" algn="l" defTabSz="914400" rtl="0" eaLnBrk="1" latinLnBrk="0" hangingPunct="1">
+              <a:defRPr sz="1800" kern="1200">
+                <a:solidFill>
+                  <a:schemeClr val="tx1"/>
+                </a:solidFill>
+                <a:latin typeface="+mn-lt"/>
+                <a:ea typeface="+mn-ea"/>
+                <a:cs typeface="+mn-cs"/>
+              </a:defRPr>
+            </a:lvl6pPr>
+            <a:lvl7pPr marL="2743200" algn="l" defTabSz="914400" rtl="0" eaLnBrk="1" latinLnBrk="0" hangingPunct="1">
+              <a:defRPr sz="1800" kern="1200">
+                <a:solidFill>
+                  <a:schemeClr val="tx1"/>
+                </a:solidFill>
+                <a:latin typeface="+mn-lt"/>
+                <a:ea typeface="+mn-ea"/>
+                <a:cs typeface="+mn-cs"/>
+              </a:defRPr>
+            </a:lvl7pPr>
+            <a:lvl8pPr marL="3200400" algn="l" defTabSz="914400" rtl="0" eaLnBrk="1" latinLnBrk="0" hangingPunct="1">
+              <a:defRPr sz="1800" kern="1200">
+                <a:solidFill>
+                  <a:schemeClr val="tx1"/>
+                </a:solidFill>
+                <a:latin typeface="+mn-lt"/>
+                <a:ea typeface="+mn-ea"/>
+                <a:cs typeface="+mn-cs"/>
+              </a:defRPr>
+            </a:lvl8pPr>
+            <a:lvl9pPr marL="3657600" algn="l" defTabSz="914400" rtl="0" eaLnBrk="1" latinLnBrk="0" hangingPunct="1">
+              <a:defRPr sz="1800" kern="1200">
+                <a:solidFill>
+                  <a:schemeClr val="tx1"/>
+                </a:solidFill>
+                <a:latin typeface="+mn-lt"/>
+                <a:ea typeface="+mn-ea"/>
+                <a:cs typeface="+mn-cs"/>
+              </a:defRPr>
+            </a:lvl9pPr>
+          </a:lstStyle>
+          <a:p>
+            <a:r>
+              <a:rPr lang="ro-RO" sz="1200" b="1" dirty="0" smtClean="0">
+                <a:solidFill>
+                  <a:schemeClr val="bg1"/>
+                </a:solidFill>
+              </a:rPr>
+              <a:t>2</a:t>
+            </a:r>
+            <a:endParaRPr lang="en-US" b="1" dirty="0">
+              <a:solidFill>
+                <a:schemeClr val="bg1"/>
+              </a:solidFill>
             </a:endParaRPr>
           </a:p>
         </p:txBody>
@@ -16904,8 +18410,8 @@
         </p:nvSpPr>
         <p:spPr>
           <a:xfrm>
-            <a:off x="1841501" y="38100"/>
-            <a:ext cx="3908314" cy="646331"/>
+            <a:off x="1841501" y="0"/>
+            <a:ext cx="5090522" cy="523220"/>
           </a:xfrm>
           <a:prstGeom prst="rect">
             <a:avLst/>
@@ -16913,22 +18419,62 @@
           <a:noFill/>
         </p:spPr>
         <p:txBody>
-          <a:bodyPr wrap="none" rtlCol="0">
+          <a:bodyPr wrap="square" rtlCol="0">
             <a:spAutoFit/>
           </a:bodyPr>
           <a:lstStyle/>
           <a:p>
             <a:r>
-              <a:rPr lang="ro-RO" sz="3600" b="1" dirty="0" smtClean="0">
-                <a:solidFill>
-                  <a:schemeClr val="bg1"/>
-                </a:solidFill>
-                <a:latin typeface="Times New Roman" panose="02020603050405020304" pitchFamily="18" charset="0"/>
-                <a:cs typeface="Times New Roman" panose="02020603050405020304" pitchFamily="18" charset="0"/>
-              </a:rPr>
-              <a:t>Protocolul Z-Wave</a:t>
-            </a:r>
-            <a:endParaRPr lang="en-US" sz="3600" b="1" dirty="0">
+              <a:rPr lang="ro-RO" sz="2800" b="1" dirty="0" smtClean="0">
+                <a:solidFill>
+                  <a:schemeClr val="bg1"/>
+                </a:solidFill>
+                <a:latin typeface="Times New Roman" panose="02020603050405020304" pitchFamily="18" charset="0"/>
+                <a:cs typeface="Times New Roman" panose="02020603050405020304" pitchFamily="18" charset="0"/>
+              </a:rPr>
+              <a:t>Protocolul </a:t>
+            </a:r>
+            <a:r>
+              <a:rPr lang="ro-RO" sz="2800" b="1" dirty="0" smtClean="0">
+                <a:solidFill>
+                  <a:schemeClr val="bg1"/>
+                </a:solidFill>
+                <a:latin typeface="Times New Roman" panose="02020603050405020304" pitchFamily="18" charset="0"/>
+                <a:cs typeface="Times New Roman" panose="02020603050405020304" pitchFamily="18" charset="0"/>
+              </a:rPr>
+              <a:t>Z-Wave</a:t>
+            </a:r>
+            <a:r>
+              <a:rPr lang="en-US" sz="2800" b="1" dirty="0" smtClean="0">
+                <a:solidFill>
+                  <a:schemeClr val="bg1"/>
+                </a:solidFill>
+                <a:latin typeface="Times New Roman" panose="02020603050405020304" pitchFamily="18" charset="0"/>
+                <a:cs typeface="Times New Roman" panose="02020603050405020304" pitchFamily="18" charset="0"/>
+              </a:rPr>
+              <a:t> (</a:t>
+            </a:r>
+            <a:r>
+              <a:rPr lang="ro-RO" sz="2800" b="1" dirty="0" smtClean="0">
+                <a:solidFill>
+                  <a:schemeClr val="bg1"/>
+                </a:solidFill>
+                <a:latin typeface="Times New Roman" panose="02020603050405020304" pitchFamily="18" charset="0"/>
+                <a:cs typeface="Times New Roman" panose="02020603050405020304" pitchFamily="18" charset="0"/>
+              </a:rPr>
+              <a:t>I</a:t>
+            </a:r>
+            <a:r>
+              <a:rPr lang="en-US" sz="2800" b="1" dirty="0" smtClean="0">
+                <a:solidFill>
+                  <a:schemeClr val="bg1"/>
+                </a:solidFill>
+                <a:latin typeface="Times New Roman" panose="02020603050405020304" pitchFamily="18" charset="0"/>
+                <a:cs typeface="Times New Roman" panose="02020603050405020304" pitchFamily="18" charset="0"/>
+              </a:rPr>
+              <a:t>)</a:t>
+            </a:r>
+            <a:endParaRPr lang="en-US" sz="2800" b="1" dirty="0">
               <a:solidFill>
                 <a:schemeClr val="bg1"/>
               </a:solidFill>
@@ -16938,30 +18484,6 @@
           </a:p>
         </p:txBody>
       </p:sp>
-      <p:pic>
-        <p:nvPicPr>
-          <p:cNvPr id="2" name="Picture 1"/>
-          <p:cNvPicPr>
-            <a:picLocks noChangeAspect="1"/>
-          </p:cNvPicPr>
-          <p:nvPr/>
-        </p:nvPicPr>
-        <p:blipFill>
-          <a:blip r:embed="rId2"/>
-          <a:stretch>
-            <a:fillRect/>
-          </a:stretch>
-        </p:blipFill>
-        <p:spPr>
-          <a:xfrm>
-            <a:off x="8838399" y="5424022"/>
-            <a:ext cx="3340901" cy="1421278"/>
-          </a:xfrm>
-          <a:prstGeom prst="rect">
-            <a:avLst/>
-          </a:prstGeom>
-        </p:spPr>
-      </p:pic>
       <p:pic>
         <p:nvPicPr>
           <p:cNvPr id="8" name="Picture 7"/>
@@ -16971,7 +18493,7 @@
           <p:nvPr/>
         </p:nvPicPr>
         <p:blipFill>
-          <a:blip r:embed="rId3"/>
+          <a:blip r:embed="rId2"/>
           <a:stretch>
             <a:fillRect/>
           </a:stretch>
@@ -17102,7 +18624,17 @@
                 <a:latin typeface="Times New Roman" panose="02020603050405020304" pitchFamily="18" charset="0"/>
                 <a:cs typeface="Times New Roman" panose="02020603050405020304" pitchFamily="18" charset="0"/>
               </a:rPr>
-              <a:t>Peste 2.400 de echipamente compatibile Z-Wave (aprilie 2018)</a:t>
+              <a:t>Peste 2.400 de echipamente compatibile Z-Wave (aprilie 2018</a:t>
+            </a:r>
+            <a:r>
+              <a:rPr lang="ro-RO" sz="2000" dirty="0" smtClean="0">
+                <a:solidFill>
+                  <a:schemeClr val="bg1"/>
+                </a:solidFill>
+                <a:latin typeface="Times New Roman" panose="02020603050405020304" pitchFamily="18" charset="0"/>
+                <a:cs typeface="Times New Roman" panose="02020603050405020304" pitchFamily="18" charset="0"/>
+              </a:rPr>
+              <a:t>)</a:t>
             </a:r>
           </a:p>
           <a:p>
@@ -17121,7 +18653,17 @@
                 <a:latin typeface="Times New Roman" panose="02020603050405020304" pitchFamily="18" charset="0"/>
                 <a:cs typeface="Times New Roman" panose="02020603050405020304" pitchFamily="18" charset="0"/>
               </a:rPr>
-              <a:t>Rețea de tip plasă</a:t>
+              <a:t>Rețea </a:t>
+            </a:r>
+            <a:r>
+              <a:rPr lang="ro-RO" sz="2000" b="1" dirty="0" smtClean="0">
+                <a:solidFill>
+                  <a:schemeClr val="bg1"/>
+                </a:solidFill>
+                <a:latin typeface="Times New Roman" panose="02020603050405020304" pitchFamily="18" charset="0"/>
+                <a:cs typeface="Times New Roman" panose="02020603050405020304" pitchFamily="18" charset="0"/>
+              </a:rPr>
+              <a:t>de tip plasă</a:t>
             </a:r>
           </a:p>
           <a:p>
@@ -17178,8 +18720,25 @@
                 <a:latin typeface="Times New Roman" panose="02020603050405020304" pitchFamily="18" charset="0"/>
                 <a:cs typeface="Times New Roman" panose="02020603050405020304" pitchFamily="18" charset="0"/>
               </a:rPr>
-              <a:t>Reconfigurarea automată a topologiei în cazul defectării unui nod</a:t>
-            </a:r>
+              <a:t>Reconfigurarea automată a topologiei în cazul defectării unui </a:t>
+            </a:r>
+            <a:r>
+              <a:rPr lang="ro-RO" sz="2000" dirty="0" smtClean="0">
+                <a:solidFill>
+                  <a:schemeClr val="bg1"/>
+                </a:solidFill>
+                <a:latin typeface="Times New Roman" panose="02020603050405020304" pitchFamily="18" charset="0"/>
+                <a:cs typeface="Times New Roman" panose="02020603050405020304" pitchFamily="18" charset="0"/>
+              </a:rPr>
+              <a:t>nod</a:t>
+            </a:r>
+            <a:endParaRPr lang="ro-RO" sz="2000" dirty="0" smtClean="0">
+              <a:solidFill>
+                <a:schemeClr val="bg1"/>
+              </a:solidFill>
+              <a:latin typeface="Times New Roman" panose="02020603050405020304" pitchFamily="18" charset="0"/>
+              <a:cs typeface="Times New Roman" panose="02020603050405020304" pitchFamily="18" charset="0"/>
+            </a:endParaRPr>
           </a:p>
           <a:p>
             <a:pPr marL="342900" indent="-342900">
@@ -17268,6 +18827,220 @@
               </a:rPr>
               <a:t>)</a:t>
             </a:r>
+          </a:p>
+        </p:txBody>
+      </p:sp>
+      <p:sp>
+        <p:nvSpPr>
+          <p:cNvPr id="6" name="TextBox 5"/>
+          <p:cNvSpPr txBox="1"/>
+          <p:nvPr/>
+        </p:nvSpPr>
+        <p:spPr>
+          <a:xfrm rot="5400000">
+            <a:off x="10652112" y="5452797"/>
+            <a:ext cx="2164078" cy="646331"/>
+          </a:xfrm>
+          <a:prstGeom prst="rect">
+            <a:avLst/>
+          </a:prstGeom>
+          <a:solidFill>
+            <a:schemeClr val="tx1"/>
+          </a:solidFill>
+        </p:spPr>
+        <p:txBody>
+          <a:bodyPr wrap="square" rtlCol="0">
+            <a:spAutoFit/>
+          </a:bodyPr>
+          <a:lstStyle/>
+          <a:p>
+            <a:endParaRPr lang="ro-RO" sz="3600" b="1" dirty="0" smtClean="0">
+              <a:solidFill>
+                <a:schemeClr val="bg1"/>
+              </a:solidFill>
+              <a:latin typeface="Times New Roman" panose="02020603050405020304" pitchFamily="18" charset="0"/>
+              <a:cs typeface="Times New Roman" panose="02020603050405020304" pitchFamily="18" charset="0"/>
+            </a:endParaRPr>
+          </a:p>
+        </p:txBody>
+      </p:sp>
+      <p:pic>
+        <p:nvPicPr>
+          <p:cNvPr id="2" name="Picture 1"/>
+          <p:cNvPicPr>
+            <a:picLocks noChangeAspect="1"/>
+          </p:cNvPicPr>
+          <p:nvPr/>
+        </p:nvPicPr>
+        <p:blipFill>
+          <a:blip r:embed="rId3"/>
+          <a:stretch>
+            <a:fillRect/>
+          </a:stretch>
+        </p:blipFill>
+        <p:spPr>
+          <a:xfrm>
+            <a:off x="8560526" y="5514741"/>
+            <a:ext cx="2850459" cy="1212635"/>
+          </a:xfrm>
+          <a:prstGeom prst="rect">
+            <a:avLst/>
+          </a:prstGeom>
+        </p:spPr>
+      </p:pic>
+      <p:sp>
+        <p:nvSpPr>
+          <p:cNvPr id="4" name="Slide Number Placeholder 3"/>
+          <p:cNvSpPr>
+            <a:spLocks noGrp="1"/>
+          </p:cNvSpPr>
+          <p:nvPr>
+            <p:ph type="sldNum" sz="quarter" idx="12"/>
+          </p:nvPr>
+        </p:nvSpPr>
+        <p:spPr/>
+        <p:txBody>
+          <a:bodyPr/>
+          <a:lstStyle/>
+          <a:p>
+            <a:fld id="{1969C00C-B637-4E60-ADB7-20B7B30724B5}" type="slidenum">
+              <a:rPr lang="en-US" smtClean="0"/>
+              <a:t>4</a:t>
+            </a:fld>
+            <a:endParaRPr lang="en-US"/>
+          </a:p>
+        </p:txBody>
+      </p:sp>
+      <p:sp>
+        <p:nvSpPr>
+          <p:cNvPr id="9" name="Slide Number Placeholder 2"/>
+          <p:cNvSpPr txBox="1">
+            <a:spLocks/>
+          </p:cNvSpPr>
+          <p:nvPr/>
+        </p:nvSpPr>
+        <p:spPr>
+          <a:xfrm>
+            <a:off x="11721737" y="6362252"/>
+            <a:ext cx="292336" cy="365125"/>
+          </a:xfrm>
+          <a:prstGeom prst="rect">
+            <a:avLst/>
+          </a:prstGeom>
+        </p:spPr>
+        <p:txBody>
+          <a:bodyPr vert="horz" lIns="91440" tIns="45720" rIns="91440" bIns="45720" rtlCol="0" anchor="ctr"/>
+          <a:lstStyle>
+            <a:defPPr>
+              <a:defRPr lang="en-US"/>
+            </a:defPPr>
+            <a:lvl1pPr marL="0" algn="r" defTabSz="914400" rtl="0" eaLnBrk="1" latinLnBrk="0" hangingPunct="1">
+              <a:defRPr sz="1050" kern="1200">
+                <a:solidFill>
+                  <a:schemeClr val="tx1">
+                    <a:tint val="75000"/>
+                  </a:schemeClr>
+                </a:solidFill>
+                <a:latin typeface="+mn-lt"/>
+                <a:ea typeface="+mn-ea"/>
+                <a:cs typeface="+mn-cs"/>
+              </a:defRPr>
+            </a:lvl1pPr>
+            <a:lvl2pPr marL="457200" algn="l" defTabSz="914400" rtl="0" eaLnBrk="1" latinLnBrk="0" hangingPunct="1">
+              <a:defRPr sz="1800" kern="1200">
+                <a:solidFill>
+                  <a:schemeClr val="tx1"/>
+                </a:solidFill>
+                <a:latin typeface="+mn-lt"/>
+                <a:ea typeface="+mn-ea"/>
+                <a:cs typeface="+mn-cs"/>
+              </a:defRPr>
+            </a:lvl2pPr>
+            <a:lvl3pPr marL="914400" algn="l" defTabSz="914400" rtl="0" eaLnBrk="1" latinLnBrk="0" hangingPunct="1">
+              <a:defRPr sz="1800" kern="1200">
+                <a:solidFill>
+                  <a:schemeClr val="tx1"/>
+                </a:solidFill>
+                <a:latin typeface="+mn-lt"/>
+                <a:ea typeface="+mn-ea"/>
+                <a:cs typeface="+mn-cs"/>
+              </a:defRPr>
+            </a:lvl3pPr>
+            <a:lvl4pPr marL="1371600" algn="l" defTabSz="914400" rtl="0" eaLnBrk="1" latinLnBrk="0" hangingPunct="1">
+              <a:defRPr sz="1800" kern="1200">
+                <a:solidFill>
+                  <a:schemeClr val="tx1"/>
+                </a:solidFill>
+                <a:latin typeface="+mn-lt"/>
+                <a:ea typeface="+mn-ea"/>
+                <a:cs typeface="+mn-cs"/>
+              </a:defRPr>
+            </a:lvl4pPr>
+            <a:lvl5pPr marL="1828800" algn="l" defTabSz="914400" rtl="0" eaLnBrk="1" latinLnBrk="0" hangingPunct="1">
+              <a:defRPr sz="1800" kern="1200">
+                <a:solidFill>
+                  <a:schemeClr val="tx1"/>
+                </a:solidFill>
+                <a:latin typeface="+mn-lt"/>
+                <a:ea typeface="+mn-ea"/>
+                <a:cs typeface="+mn-cs"/>
+              </a:defRPr>
+            </a:lvl5pPr>
+            <a:lvl6pPr marL="2286000" algn="l" defTabSz="914400" rtl="0" eaLnBrk="1" latinLnBrk="0" hangingPunct="1">
+              <a:defRPr sz="1800" kern="1200">
+                <a:solidFill>
+                  <a:schemeClr val="tx1"/>
+                </a:solidFill>
+                <a:latin typeface="+mn-lt"/>
+                <a:ea typeface="+mn-ea"/>
+                <a:cs typeface="+mn-cs"/>
+              </a:defRPr>
+            </a:lvl6pPr>
+            <a:lvl7pPr marL="2743200" algn="l" defTabSz="914400" rtl="0" eaLnBrk="1" latinLnBrk="0" hangingPunct="1">
+              <a:defRPr sz="1800" kern="1200">
+                <a:solidFill>
+                  <a:schemeClr val="tx1"/>
+                </a:solidFill>
+                <a:latin typeface="+mn-lt"/>
+                <a:ea typeface="+mn-ea"/>
+                <a:cs typeface="+mn-cs"/>
+              </a:defRPr>
+            </a:lvl7pPr>
+            <a:lvl8pPr marL="3200400" algn="l" defTabSz="914400" rtl="0" eaLnBrk="1" latinLnBrk="0" hangingPunct="1">
+              <a:defRPr sz="1800" kern="1200">
+                <a:solidFill>
+                  <a:schemeClr val="tx1"/>
+                </a:solidFill>
+                <a:latin typeface="+mn-lt"/>
+                <a:ea typeface="+mn-ea"/>
+                <a:cs typeface="+mn-cs"/>
+              </a:defRPr>
+            </a:lvl8pPr>
+            <a:lvl9pPr marL="3657600" algn="l" defTabSz="914400" rtl="0" eaLnBrk="1" latinLnBrk="0" hangingPunct="1">
+              <a:defRPr sz="1800" kern="1200">
+                <a:solidFill>
+                  <a:schemeClr val="tx1"/>
+                </a:solidFill>
+                <a:latin typeface="+mn-lt"/>
+                <a:ea typeface="+mn-ea"/>
+                <a:cs typeface="+mn-cs"/>
+              </a:defRPr>
+            </a:lvl9pPr>
+          </a:lstStyle>
+          <a:p>
+            <a:r>
+              <a:rPr lang="ro-RO" sz="1200" b="1" dirty="0" smtClean="0">
+                <a:solidFill>
+                  <a:schemeClr val="bg1"/>
+                </a:solidFill>
+              </a:rPr>
+              <a:t>3</a:t>
+            </a:r>
+            <a:endParaRPr lang="en-US" b="1" dirty="0">
+              <a:solidFill>
+                <a:schemeClr val="bg1"/>
+              </a:solidFill>
+            </a:endParaRPr>
           </a:p>
         </p:txBody>
       </p:sp>
@@ -17318,6 +19091,40 @@
       </p:grpSpPr>
       <p:sp>
         <p:nvSpPr>
+          <p:cNvPr id="9" name="TextBox 8"/>
+          <p:cNvSpPr txBox="1"/>
+          <p:nvPr/>
+        </p:nvSpPr>
+        <p:spPr>
+          <a:xfrm rot="5400000">
+            <a:off x="10652112" y="5452797"/>
+            <a:ext cx="2164078" cy="646331"/>
+          </a:xfrm>
+          <a:prstGeom prst="rect">
+            <a:avLst/>
+          </a:prstGeom>
+          <a:solidFill>
+            <a:schemeClr val="tx1"/>
+          </a:solidFill>
+        </p:spPr>
+        <p:txBody>
+          <a:bodyPr wrap="square" rtlCol="0">
+            <a:spAutoFit/>
+          </a:bodyPr>
+          <a:lstStyle/>
+          <a:p>
+            <a:endParaRPr lang="ro-RO" sz="3600" b="1" dirty="0" smtClean="0">
+              <a:solidFill>
+                <a:schemeClr val="bg1"/>
+              </a:solidFill>
+              <a:latin typeface="Times New Roman" panose="02020603050405020304" pitchFamily="18" charset="0"/>
+              <a:cs typeface="Times New Roman" panose="02020603050405020304" pitchFamily="18" charset="0"/>
+            </a:endParaRPr>
+          </a:p>
+        </p:txBody>
+      </p:sp>
+      <p:sp>
+        <p:nvSpPr>
           <p:cNvPr id="7" name="TextBox 6"/>
           <p:cNvSpPr txBox="1"/>
           <p:nvPr/>
@@ -17325,7 +19132,7 @@
         <p:spPr>
           <a:xfrm>
             <a:off x="1841501" y="38100"/>
-            <a:ext cx="3908314" cy="646331"/>
+            <a:ext cx="5334362" cy="523220"/>
           </a:xfrm>
           <a:prstGeom prst="rect">
             <a:avLst/>
@@ -17333,20 +19140,60 @@
           <a:noFill/>
         </p:spPr>
         <p:txBody>
-          <a:bodyPr wrap="none" rtlCol="0">
+          <a:bodyPr wrap="square" rtlCol="0">
             <a:spAutoFit/>
           </a:bodyPr>
           <a:lstStyle/>
           <a:p>
             <a:r>
-              <a:rPr lang="ro-RO" sz="3600" b="1" dirty="0" smtClean="0">
-                <a:solidFill>
-                  <a:schemeClr val="bg1"/>
-                </a:solidFill>
-                <a:latin typeface="Times New Roman" panose="02020603050405020304" pitchFamily="18" charset="0"/>
-                <a:cs typeface="Times New Roman" panose="02020603050405020304" pitchFamily="18" charset="0"/>
-              </a:rPr>
-              <a:t>Protocolul Z-Wave</a:t>
+              <a:rPr lang="ro-RO" sz="2800" b="1" dirty="0" smtClean="0">
+                <a:solidFill>
+                  <a:schemeClr val="bg1"/>
+                </a:solidFill>
+                <a:latin typeface="Times New Roman" panose="02020603050405020304" pitchFamily="18" charset="0"/>
+                <a:cs typeface="Times New Roman" panose="02020603050405020304" pitchFamily="18" charset="0"/>
+              </a:rPr>
+              <a:t>Protocolul </a:t>
+            </a:r>
+            <a:r>
+              <a:rPr lang="ro-RO" sz="2800" b="1" dirty="0" smtClean="0">
+                <a:solidFill>
+                  <a:schemeClr val="bg1"/>
+                </a:solidFill>
+                <a:latin typeface="Times New Roman" panose="02020603050405020304" pitchFamily="18" charset="0"/>
+                <a:cs typeface="Times New Roman" panose="02020603050405020304" pitchFamily="18" charset="0"/>
+              </a:rPr>
+              <a:t>Z-Wave</a:t>
+            </a:r>
+            <a:r>
+              <a:rPr lang="en-US" sz="2800" b="1" dirty="0" smtClean="0">
+                <a:solidFill>
+                  <a:schemeClr val="bg1"/>
+                </a:solidFill>
+                <a:latin typeface="Times New Roman" panose="02020603050405020304" pitchFamily="18" charset="0"/>
+                <a:cs typeface="Times New Roman" panose="02020603050405020304" pitchFamily="18" charset="0"/>
+              </a:rPr>
+              <a:t> (</a:t>
+            </a:r>
+            <a:r>
+              <a:rPr lang="ro-RO" sz="2800" b="1" dirty="0" smtClean="0">
+                <a:solidFill>
+                  <a:schemeClr val="bg1"/>
+                </a:solidFill>
+                <a:latin typeface="Times New Roman" panose="02020603050405020304" pitchFamily="18" charset="0"/>
+                <a:cs typeface="Times New Roman" panose="02020603050405020304" pitchFamily="18" charset="0"/>
+              </a:rPr>
+              <a:t>II</a:t>
+            </a:r>
+            <a:r>
+              <a:rPr lang="en-US" sz="2800" b="1" dirty="0" smtClean="0">
+                <a:solidFill>
+                  <a:schemeClr val="bg1"/>
+                </a:solidFill>
+                <a:latin typeface="Times New Roman" panose="02020603050405020304" pitchFamily="18" charset="0"/>
+                <a:cs typeface="Times New Roman" panose="02020603050405020304" pitchFamily="18" charset="0"/>
+              </a:rPr>
+              <a:t>)</a:t>
             </a:r>
             <a:endParaRPr lang="en-US" sz="3600" b="1" dirty="0">
               <a:solidFill>
@@ -17358,30 +19205,6 @@
           </a:p>
         </p:txBody>
       </p:sp>
-      <p:pic>
-        <p:nvPicPr>
-          <p:cNvPr id="2" name="Picture 1"/>
-          <p:cNvPicPr>
-            <a:picLocks noChangeAspect="1"/>
-          </p:cNvPicPr>
-          <p:nvPr/>
-        </p:nvPicPr>
-        <p:blipFill>
-          <a:blip r:embed="rId3"/>
-          <a:stretch>
-            <a:fillRect/>
-          </a:stretch>
-        </p:blipFill>
-        <p:spPr>
-          <a:xfrm>
-            <a:off x="8838399" y="5424022"/>
-            <a:ext cx="3340901" cy="1421278"/>
-          </a:xfrm>
-          <a:prstGeom prst="rect">
-            <a:avLst/>
-          </a:prstGeom>
-        </p:spPr>
-      </p:pic>
       <p:pic>
         <p:nvPicPr>
           <p:cNvPr id="8" name="Picture 7"/>
@@ -17391,7 +19214,7 @@
           <p:nvPr/>
         </p:nvPicPr>
         <p:blipFill>
-          <a:blip r:embed="rId4"/>
+          <a:blip r:embed="rId3"/>
           <a:stretch>
             <a:fillRect/>
           </a:stretch>
@@ -18114,13 +19937,201 @@
               <a:t>Special  </a:t>
             </a:r>
             <a:r>
+              <a:rPr lang="en-US" dirty="0" smtClean="0"/>
+              <a:t>I</a:t>
+            </a:r>
+            <a:endParaRPr lang="ro-RO" dirty="0" smtClean="0"/>
+          </a:p>
+          <a:p>
+            <a:pPr algn="ctr"/>
+            <a:r>
               <a:rPr lang="en-US" dirty="0" err="1" smtClean="0"/>
-              <a:t>izare</a:t>
+              <a:t>zare</a:t>
             </a:r>
             <a:endParaRPr lang="en-US" dirty="0"/>
           </a:p>
         </p:txBody>
       </p:sp>
+      <p:sp>
+        <p:nvSpPr>
+          <p:cNvPr id="6" name="Slide Number Placeholder 5"/>
+          <p:cNvSpPr>
+            <a:spLocks noGrp="1"/>
+          </p:cNvSpPr>
+          <p:nvPr>
+            <p:ph type="sldNum" sz="quarter" idx="12"/>
+          </p:nvPr>
+        </p:nvSpPr>
+        <p:spPr/>
+        <p:txBody>
+          <a:bodyPr/>
+          <a:lstStyle/>
+          <a:p>
+            <a:fld id="{1969C00C-B637-4E60-ADB7-20B7B30724B5}" type="slidenum">
+              <a:rPr lang="en-US" smtClean="0"/>
+              <a:t>5</a:t>
+            </a:fld>
+            <a:endParaRPr lang="en-US"/>
+          </a:p>
+        </p:txBody>
+      </p:sp>
+      <p:sp>
+        <p:nvSpPr>
+          <p:cNvPr id="10" name="Slide Number Placeholder 2"/>
+          <p:cNvSpPr txBox="1">
+            <a:spLocks/>
+          </p:cNvSpPr>
+          <p:nvPr/>
+        </p:nvSpPr>
+        <p:spPr>
+          <a:xfrm>
+            <a:off x="11721737" y="6362252"/>
+            <a:ext cx="292336" cy="365125"/>
+          </a:xfrm>
+          <a:prstGeom prst="rect">
+            <a:avLst/>
+          </a:prstGeom>
+        </p:spPr>
+        <p:txBody>
+          <a:bodyPr vert="horz" lIns="91440" tIns="45720" rIns="91440" bIns="45720" rtlCol="0" anchor="ctr"/>
+          <a:lstStyle>
+            <a:defPPr>
+              <a:defRPr lang="en-US"/>
+            </a:defPPr>
+            <a:lvl1pPr marL="0" algn="r" defTabSz="914400" rtl="0" eaLnBrk="1" latinLnBrk="0" hangingPunct="1">
+              <a:defRPr sz="1050" kern="1200">
+                <a:solidFill>
+                  <a:schemeClr val="tx1">
+                    <a:tint val="75000"/>
+                  </a:schemeClr>
+                </a:solidFill>
+                <a:latin typeface="+mn-lt"/>
+                <a:ea typeface="+mn-ea"/>
+                <a:cs typeface="+mn-cs"/>
+              </a:defRPr>
+            </a:lvl1pPr>
+            <a:lvl2pPr marL="457200" algn="l" defTabSz="914400" rtl="0" eaLnBrk="1" latinLnBrk="0" hangingPunct="1">
+              <a:defRPr sz="1800" kern="1200">
+                <a:solidFill>
+                  <a:schemeClr val="tx1"/>
+                </a:solidFill>
+                <a:latin typeface="+mn-lt"/>
+                <a:ea typeface="+mn-ea"/>
+                <a:cs typeface="+mn-cs"/>
+              </a:defRPr>
+            </a:lvl2pPr>
+            <a:lvl3pPr marL="914400" algn="l" defTabSz="914400" rtl="0" eaLnBrk="1" latinLnBrk="0" hangingPunct="1">
+              <a:defRPr sz="1800" kern="1200">
+                <a:solidFill>
+                  <a:schemeClr val="tx1"/>
+                </a:solidFill>
+                <a:latin typeface="+mn-lt"/>
+                <a:ea typeface="+mn-ea"/>
+                <a:cs typeface="+mn-cs"/>
+              </a:defRPr>
+            </a:lvl3pPr>
+            <a:lvl4pPr marL="1371600" algn="l" defTabSz="914400" rtl="0" eaLnBrk="1" latinLnBrk="0" hangingPunct="1">
+              <a:defRPr sz="1800" kern="1200">
+                <a:solidFill>
+                  <a:schemeClr val="tx1"/>
+                </a:solidFill>
+                <a:latin typeface="+mn-lt"/>
+                <a:ea typeface="+mn-ea"/>
+                <a:cs typeface="+mn-cs"/>
+              </a:defRPr>
+            </a:lvl4pPr>
+            <a:lvl5pPr marL="1828800" algn="l" defTabSz="914400" rtl="0" eaLnBrk="1" latinLnBrk="0" hangingPunct="1">
+              <a:defRPr sz="1800" kern="1200">
+                <a:solidFill>
+                  <a:schemeClr val="tx1"/>
+                </a:solidFill>
+                <a:latin typeface="+mn-lt"/>
+                <a:ea typeface="+mn-ea"/>
+                <a:cs typeface="+mn-cs"/>
+              </a:defRPr>
+            </a:lvl5pPr>
+            <a:lvl6pPr marL="2286000" algn="l" defTabSz="914400" rtl="0" eaLnBrk="1" latinLnBrk="0" hangingPunct="1">
+              <a:defRPr sz="1800" kern="1200">
+                <a:solidFill>
+                  <a:schemeClr val="tx1"/>
+                </a:solidFill>
+                <a:latin typeface="+mn-lt"/>
+                <a:ea typeface="+mn-ea"/>
+                <a:cs typeface="+mn-cs"/>
+              </a:defRPr>
+            </a:lvl6pPr>
+            <a:lvl7pPr marL="2743200" algn="l" defTabSz="914400" rtl="0" eaLnBrk="1" latinLnBrk="0" hangingPunct="1">
+              <a:defRPr sz="1800" kern="1200">
+                <a:solidFill>
+                  <a:schemeClr val="tx1"/>
+                </a:solidFill>
+                <a:latin typeface="+mn-lt"/>
+                <a:ea typeface="+mn-ea"/>
+                <a:cs typeface="+mn-cs"/>
+              </a:defRPr>
+            </a:lvl7pPr>
+            <a:lvl8pPr marL="3200400" algn="l" defTabSz="914400" rtl="0" eaLnBrk="1" latinLnBrk="0" hangingPunct="1">
+              <a:defRPr sz="1800" kern="1200">
+                <a:solidFill>
+                  <a:schemeClr val="tx1"/>
+                </a:solidFill>
+                <a:latin typeface="+mn-lt"/>
+                <a:ea typeface="+mn-ea"/>
+                <a:cs typeface="+mn-cs"/>
+              </a:defRPr>
+            </a:lvl8pPr>
+            <a:lvl9pPr marL="3657600" algn="l" defTabSz="914400" rtl="0" eaLnBrk="1" latinLnBrk="0" hangingPunct="1">
+              <a:defRPr sz="1800" kern="1200">
+                <a:solidFill>
+                  <a:schemeClr val="tx1"/>
+                </a:solidFill>
+                <a:latin typeface="+mn-lt"/>
+                <a:ea typeface="+mn-ea"/>
+                <a:cs typeface="+mn-cs"/>
+              </a:defRPr>
+            </a:lvl9pPr>
+          </a:lstStyle>
+          <a:p>
+            <a:r>
+              <a:rPr lang="ro-RO" sz="1200" b="1" dirty="0" smtClean="0">
+                <a:solidFill>
+                  <a:schemeClr val="bg1"/>
+                </a:solidFill>
+              </a:rPr>
+              <a:t>4</a:t>
+            </a:r>
+            <a:endParaRPr lang="en-US" b="1" dirty="0">
+              <a:solidFill>
+                <a:schemeClr val="bg1"/>
+              </a:solidFill>
+            </a:endParaRPr>
+          </a:p>
+        </p:txBody>
+      </p:sp>
+      <p:pic>
+        <p:nvPicPr>
+          <p:cNvPr id="12" name="Picture 11"/>
+          <p:cNvPicPr>
+            <a:picLocks noChangeAspect="1"/>
+          </p:cNvPicPr>
+          <p:nvPr/>
+        </p:nvPicPr>
+        <p:blipFill>
+          <a:blip r:embed="rId4"/>
+          <a:stretch>
+            <a:fillRect/>
+          </a:stretch>
+        </p:blipFill>
+        <p:spPr>
+          <a:xfrm>
+            <a:off x="8560526" y="5514741"/>
+            <a:ext cx="2850459" cy="1212635"/>
+          </a:xfrm>
+          <a:prstGeom prst="rect">
+            <a:avLst/>
+          </a:prstGeom>
+        </p:spPr>
+      </p:pic>
     </p:spTree>
     <p:extLst>
       <p:ext uri="{BB962C8B-B14F-4D97-AF65-F5344CB8AC3E}">
@@ -18168,6 +20179,98 @@
       </p:grpSpPr>
       <p:sp>
         <p:nvSpPr>
+          <p:cNvPr id="13" name="TextBox 12"/>
+          <p:cNvSpPr txBox="1"/>
+          <p:nvPr/>
+        </p:nvSpPr>
+        <p:spPr>
+          <a:xfrm rot="5400000">
+            <a:off x="10804512" y="5439735"/>
+            <a:ext cx="2164078" cy="646331"/>
+          </a:xfrm>
+          <a:prstGeom prst="rect">
+            <a:avLst/>
+          </a:prstGeom>
+          <a:solidFill>
+            <a:schemeClr val="tx1"/>
+          </a:solidFill>
+        </p:spPr>
+        <p:txBody>
+          <a:bodyPr wrap="square" rtlCol="0">
+            <a:spAutoFit/>
+          </a:bodyPr>
+          <a:lstStyle/>
+          <a:p>
+            <a:endParaRPr lang="ro-RO" sz="3600" b="1" dirty="0" smtClean="0">
+              <a:solidFill>
+                <a:schemeClr val="bg1"/>
+              </a:solidFill>
+              <a:latin typeface="Times New Roman" panose="02020603050405020304" pitchFamily="18" charset="0"/>
+              <a:cs typeface="Times New Roman" panose="02020603050405020304" pitchFamily="18" charset="0"/>
+            </a:endParaRPr>
+          </a:p>
+        </p:txBody>
+      </p:sp>
+      <p:sp>
+        <p:nvSpPr>
+          <p:cNvPr id="12" name="TextBox 11"/>
+          <p:cNvSpPr txBox="1"/>
+          <p:nvPr/>
+        </p:nvSpPr>
+        <p:spPr>
+          <a:xfrm rot="5400000">
+            <a:off x="10652112" y="5452797"/>
+            <a:ext cx="2164078" cy="646331"/>
+          </a:xfrm>
+          <a:prstGeom prst="rect">
+            <a:avLst/>
+          </a:prstGeom>
+          <a:solidFill>
+            <a:schemeClr val="tx1"/>
+          </a:solidFill>
+        </p:spPr>
+        <p:txBody>
+          <a:bodyPr wrap="square" rtlCol="0">
+            <a:spAutoFit/>
+          </a:bodyPr>
+          <a:lstStyle/>
+          <a:p>
+            <a:endParaRPr lang="ro-RO" sz="3600" b="1" dirty="0" smtClean="0">
+              <a:solidFill>
+                <a:schemeClr val="bg1"/>
+              </a:solidFill>
+              <a:latin typeface="Times New Roman" panose="02020603050405020304" pitchFamily="18" charset="0"/>
+              <a:cs typeface="Times New Roman" panose="02020603050405020304" pitchFamily="18" charset="0"/>
+            </a:endParaRPr>
+          </a:p>
+        </p:txBody>
+      </p:sp>
+      <p:pic>
+        <p:nvPicPr>
+          <p:cNvPr id="3" name="Picture 2"/>
+          <p:cNvPicPr>
+            <a:picLocks noChangeAspect="1"/>
+          </p:cNvPicPr>
+          <p:nvPr/>
+        </p:nvPicPr>
+        <p:blipFill>
+          <a:blip r:embed="rId3"/>
+          <a:stretch>
+            <a:fillRect/>
+          </a:stretch>
+        </p:blipFill>
+        <p:spPr>
+          <a:xfrm>
+            <a:off x="6479177" y="429709"/>
+            <a:ext cx="5636624" cy="2568787"/>
+          </a:xfrm>
+          <a:prstGeom prst="rect">
+            <a:avLst/>
+          </a:prstGeom>
+        </p:spPr>
+      </p:pic>
+      <p:sp>
+        <p:nvSpPr>
           <p:cNvPr id="7" name="TextBox 6"/>
           <p:cNvSpPr txBox="1"/>
           <p:nvPr/>
@@ -18175,7 +20278,7 @@
         <p:spPr>
           <a:xfrm>
             <a:off x="1841501" y="38100"/>
-            <a:ext cx="4818627" cy="646331"/>
+            <a:ext cx="3792961" cy="523220"/>
           </a:xfrm>
           <a:prstGeom prst="rect">
             <a:avLst/>
@@ -18189,7 +20292,7 @@
           <a:lstStyle/>
           <a:p>
             <a:r>
-              <a:rPr lang="ro-RO" sz="3600" b="1" dirty="0" smtClean="0">
+              <a:rPr lang="ro-RO" sz="2800" b="1" dirty="0" smtClean="0">
                 <a:solidFill>
                   <a:schemeClr val="bg1"/>
                 </a:solidFill>
@@ -18217,7 +20320,7 @@
           <p:nvPr/>
         </p:nvPicPr>
         <p:blipFill>
-          <a:blip r:embed="rId2"/>
+          <a:blip r:embed="rId4"/>
           <a:stretch>
             <a:fillRect/>
           </a:stretch>
@@ -18240,8 +20343,8 @@
         </p:nvSpPr>
         <p:spPr>
           <a:xfrm>
-            <a:off x="1842576" y="2240050"/>
-            <a:ext cx="4264024" cy="1200329"/>
+            <a:off x="1791495" y="3092876"/>
+            <a:ext cx="6015219" cy="369332"/>
           </a:xfrm>
           <a:prstGeom prst="rect">
             <a:avLst/>
@@ -18262,7 +20365,7 @@
                 <a:latin typeface="Times New Roman" panose="02020603050405020304" pitchFamily="18" charset="0"/>
                 <a:cs typeface="Times New Roman" panose="02020603050405020304" pitchFamily="18" charset="0"/>
               </a:rPr>
-              <a:t>Dezvoltarea </a:t>
+              <a:t>Dedicată </a:t>
             </a:r>
             <a:r>
               <a:rPr lang="ro-RO" dirty="0">
@@ -18272,7 +20375,7 @@
                 <a:latin typeface="Times New Roman" panose="02020603050405020304" pitchFamily="18" charset="0"/>
                 <a:cs typeface="Times New Roman" panose="02020603050405020304" pitchFamily="18" charset="0"/>
               </a:rPr>
-              <a:t>pe bază fluxurilor de date, descriind modul de operare și interconectarea diferitlor noduri de lucru, palete și elemente vizuale</a:t>
+              <a:t>integrării echipamentelor hardware în proiecte de IoT</a:t>
             </a:r>
             <a:endParaRPr lang="en-US" dirty="0">
               <a:solidFill>
@@ -18284,30 +20387,6 @@
           </a:p>
         </p:txBody>
       </p:sp>
-      <p:pic>
-        <p:nvPicPr>
-          <p:cNvPr id="3" name="Picture 2"/>
-          <p:cNvPicPr>
-            <a:picLocks noChangeAspect="1"/>
-          </p:cNvPicPr>
-          <p:nvPr/>
-        </p:nvPicPr>
-        <p:blipFill>
-          <a:blip r:embed="rId3"/>
-          <a:stretch>
-            <a:fillRect/>
-          </a:stretch>
-        </p:blipFill>
-        <p:spPr>
-          <a:xfrm>
-            <a:off x="6005513" y="847725"/>
-            <a:ext cx="6110288" cy="2784651"/>
-          </a:xfrm>
-          <a:prstGeom prst="rect">
-            <a:avLst/>
-          </a:prstGeom>
-        </p:spPr>
-      </p:pic>
       <p:sp>
         <p:nvSpPr>
           <p:cNvPr id="6" name="TextBox 5"/>
@@ -18316,8 +20395,8 @@
         </p:nvSpPr>
         <p:spPr>
           <a:xfrm>
-            <a:off x="1801020" y="879779"/>
-            <a:ext cx="4244974" cy="1200329"/>
+            <a:off x="1791495" y="995772"/>
+            <a:ext cx="4244974" cy="369332"/>
           </a:xfrm>
           <a:prstGeom prst="rect">
             <a:avLst/>
@@ -18338,11 +20417,25 @@
                 <a:latin typeface="Times New Roman" panose="02020603050405020304" pitchFamily="18" charset="0"/>
                 <a:cs typeface="Times New Roman" panose="02020603050405020304" pitchFamily="18" charset="0"/>
               </a:rPr>
-              <a:t>Mediu de programare vizuală, open source, dedicată integrării echipamentelor hardware în proiecte de IoT</a:t>
-            </a:r>
-          </a:p>
-          <a:p>
-            <a:endParaRPr lang="en-US" dirty="0"/>
+              <a:t>Mediu de programare vizuală, open </a:t>
+            </a:r>
+            <a:r>
+              <a:rPr lang="ro-RO" dirty="0" smtClean="0">
+                <a:solidFill>
+                  <a:schemeClr val="bg1"/>
+                </a:solidFill>
+                <a:latin typeface="Times New Roman" panose="02020603050405020304" pitchFamily="18" charset="0"/>
+                <a:cs typeface="Times New Roman" panose="02020603050405020304" pitchFamily="18" charset="0"/>
+              </a:rPr>
+              <a:t>source </a:t>
+            </a:r>
+            <a:endParaRPr lang="ro-RO" dirty="0">
+              <a:solidFill>
+                <a:schemeClr val="bg1"/>
+              </a:solidFill>
+              <a:latin typeface="Times New Roman" panose="02020603050405020304" pitchFamily="18" charset="0"/>
+              <a:cs typeface="Times New Roman" panose="02020603050405020304" pitchFamily="18" charset="0"/>
+            </a:endParaRPr>
           </a:p>
         </p:txBody>
       </p:sp>
@@ -18354,8 +20447,8 @@
         </p:nvSpPr>
         <p:spPr>
           <a:xfrm>
-            <a:off x="1839912" y="3774503"/>
-            <a:ext cx="10209213" cy="646331"/>
+            <a:off x="1791495" y="4141428"/>
+            <a:ext cx="10209213" cy="369332"/>
           </a:xfrm>
           <a:prstGeom prst="rect">
             <a:avLst/>
@@ -18416,7 +20509,7 @@
                 <a:latin typeface="Times New Roman" panose="02020603050405020304" pitchFamily="18" charset="0"/>
                 <a:cs typeface="Times New Roman" panose="02020603050405020304" pitchFamily="18" charset="0"/>
               </a:rPr>
-              <a:t>API-uri și servicii online, cât și prelucrarea mai multor structuri de </a:t>
+              <a:t>API-uri și servicii </a:t>
             </a:r>
             <a:r>
               <a:rPr lang="ro-RO" dirty="0" smtClean="0">
@@ -18426,7 +20519,7 @@
                 <a:latin typeface="Times New Roman" panose="02020603050405020304" pitchFamily="18" charset="0"/>
                 <a:cs typeface="Times New Roman" panose="02020603050405020304" pitchFamily="18" charset="0"/>
               </a:rPr>
-              <a:t>date</a:t>
+              <a:t>online</a:t>
             </a:r>
             <a:endParaRPr lang="ro-RO" dirty="0">
               <a:solidFill>
@@ -18446,8 +20539,8 @@
         </p:nvSpPr>
         <p:spPr>
           <a:xfrm>
-            <a:off x="1801020" y="4562961"/>
-            <a:ext cx="9704388" cy="646331"/>
+            <a:off x="1791495" y="5189980"/>
+            <a:ext cx="10139248" cy="369332"/>
           </a:xfrm>
           <a:prstGeom prst="rect">
             <a:avLst/>
@@ -18468,7 +20561,67 @@
                 <a:latin typeface="Times New Roman" panose="02020603050405020304" pitchFamily="18" charset="0"/>
                 <a:cs typeface="Times New Roman" panose="02020603050405020304" pitchFamily="18" charset="0"/>
               </a:rPr>
-              <a:t>Oferă o gamă variată de elemente vizuale ușor configurabile și utilizabile, permițând dezvoltarea rapidă a unor interfețe de lucru</a:t>
+              <a:t>Oferă o gamă variată de elemente vizuale </a:t>
+            </a:r>
+            <a:r>
+              <a:rPr lang="ro-RO" dirty="0" smtClean="0">
+                <a:solidFill>
+                  <a:schemeClr val="bg1"/>
+                </a:solidFill>
+                <a:latin typeface="Times New Roman" panose="02020603050405020304" pitchFamily="18" charset="0"/>
+                <a:cs typeface="Times New Roman" panose="02020603050405020304" pitchFamily="18" charset="0"/>
+              </a:rPr>
+              <a:t>ușor configurabile și utilizabile în dezvoltarea </a:t>
+            </a:r>
+            <a:r>
+              <a:rPr lang="ro-RO" dirty="0" smtClean="0">
+                <a:solidFill>
+                  <a:schemeClr val="bg1"/>
+                </a:solidFill>
+                <a:latin typeface="Times New Roman" panose="02020603050405020304" pitchFamily="18" charset="0"/>
+                <a:cs typeface="Times New Roman" panose="02020603050405020304" pitchFamily="18" charset="0"/>
+              </a:rPr>
+              <a:t>rapidă </a:t>
+            </a:r>
+            <a:r>
+              <a:rPr lang="ro-RO" dirty="0" smtClean="0">
+                <a:solidFill>
+                  <a:schemeClr val="bg1"/>
+                </a:solidFill>
+                <a:latin typeface="Times New Roman" panose="02020603050405020304" pitchFamily="18" charset="0"/>
+                <a:cs typeface="Times New Roman" panose="02020603050405020304" pitchFamily="18" charset="0"/>
+              </a:rPr>
+              <a:t>a</a:t>
+            </a:r>
+            <a:r>
+              <a:rPr lang="en-US" dirty="0" smtClean="0">
+                <a:solidFill>
+                  <a:schemeClr val="bg1"/>
+                </a:solidFill>
+                <a:latin typeface="Times New Roman" panose="02020603050405020304" pitchFamily="18" charset="0"/>
+                <a:cs typeface="Times New Roman" panose="02020603050405020304" pitchFamily="18" charset="0"/>
+              </a:rPr>
+              <a:t> interfe</a:t>
+            </a:r>
+            <a:r>
+              <a:rPr lang="ro-RO" dirty="0" smtClean="0">
+                <a:solidFill>
+                  <a:schemeClr val="bg1"/>
+                </a:solidFill>
+                <a:latin typeface="Times New Roman" panose="02020603050405020304" pitchFamily="18" charset="0"/>
+                <a:cs typeface="Times New Roman" panose="02020603050405020304" pitchFamily="18" charset="0"/>
+              </a:rPr>
+              <a:t>ț</a:t>
+            </a:r>
+            <a:r>
+              <a:rPr lang="en-US" dirty="0" smtClean="0">
+                <a:solidFill>
+                  <a:schemeClr val="bg1"/>
+                </a:solidFill>
+                <a:latin typeface="Times New Roman" panose="02020603050405020304" pitchFamily="18" charset="0"/>
+                <a:cs typeface="Times New Roman" panose="02020603050405020304" pitchFamily="18" charset="0"/>
+              </a:rPr>
+              <a:t>elor</a:t>
             </a:r>
             <a:endParaRPr lang="ro-RO" dirty="0">
               <a:solidFill>
@@ -18476,6 +20629,201 @@
               </a:solidFill>
               <a:latin typeface="Times New Roman" panose="02020603050405020304" pitchFamily="18" charset="0"/>
               <a:cs typeface="Times New Roman" panose="02020603050405020304" pitchFamily="18" charset="0"/>
+            </a:endParaRPr>
+          </a:p>
+        </p:txBody>
+      </p:sp>
+      <p:sp>
+        <p:nvSpPr>
+          <p:cNvPr id="11" name="TextBox 10"/>
+          <p:cNvSpPr txBox="1"/>
+          <p:nvPr/>
+        </p:nvSpPr>
+        <p:spPr>
+          <a:xfrm>
+            <a:off x="1791495" y="2044324"/>
+            <a:ext cx="4264024" cy="369332"/>
+          </a:xfrm>
+          <a:prstGeom prst="rect">
+            <a:avLst/>
+          </a:prstGeom>
+          <a:noFill/>
+        </p:spPr>
+        <p:txBody>
+          <a:bodyPr wrap="square" rtlCol="0">
+            <a:spAutoFit/>
+          </a:bodyPr>
+          <a:lstStyle/>
+          <a:p>
+            <a:r>
+              <a:rPr lang="ro-RO" dirty="0" smtClean="0">
+                <a:solidFill>
+                  <a:schemeClr val="bg1"/>
+                </a:solidFill>
+                <a:latin typeface="Times New Roman" panose="02020603050405020304" pitchFamily="18" charset="0"/>
+                <a:cs typeface="Times New Roman" panose="02020603050405020304" pitchFamily="18" charset="0"/>
+              </a:rPr>
+              <a:t>Dezvoltarea </a:t>
+            </a:r>
+            <a:r>
+              <a:rPr lang="ro-RO" dirty="0">
+                <a:solidFill>
+                  <a:schemeClr val="bg1"/>
+                </a:solidFill>
+                <a:latin typeface="Times New Roman" panose="02020603050405020304" pitchFamily="18" charset="0"/>
+                <a:cs typeface="Times New Roman" panose="02020603050405020304" pitchFamily="18" charset="0"/>
+              </a:rPr>
+              <a:t>pe bază fluxurilor de </a:t>
+            </a:r>
+            <a:r>
+              <a:rPr lang="ro-RO" dirty="0" smtClean="0">
+                <a:solidFill>
+                  <a:schemeClr val="bg1"/>
+                </a:solidFill>
+                <a:latin typeface="Times New Roman" panose="02020603050405020304" pitchFamily="18" charset="0"/>
+                <a:cs typeface="Times New Roman" panose="02020603050405020304" pitchFamily="18" charset="0"/>
+              </a:rPr>
+              <a:t>date</a:t>
+            </a:r>
+            <a:endParaRPr lang="en-US" dirty="0">
+              <a:solidFill>
+                <a:schemeClr val="bg1"/>
+              </a:solidFill>
+              <a:latin typeface="Times New Roman" panose="02020603050405020304" pitchFamily="18" charset="0"/>
+              <a:cs typeface="Times New Roman" panose="02020603050405020304" pitchFamily="18" charset="0"/>
+            </a:endParaRPr>
+          </a:p>
+        </p:txBody>
+      </p:sp>
+      <p:sp>
+        <p:nvSpPr>
+          <p:cNvPr id="15" name="Slide Number Placeholder 2"/>
+          <p:cNvSpPr txBox="1">
+            <a:spLocks/>
+          </p:cNvSpPr>
+          <p:nvPr/>
+        </p:nvSpPr>
+        <p:spPr>
+          <a:xfrm>
+            <a:off x="11721737" y="6362252"/>
+            <a:ext cx="292336" cy="365125"/>
+          </a:xfrm>
+          <a:prstGeom prst="rect">
+            <a:avLst/>
+          </a:prstGeom>
+        </p:spPr>
+        <p:txBody>
+          <a:bodyPr vert="horz" lIns="91440" tIns="45720" rIns="91440" bIns="45720" rtlCol="0" anchor="ctr"/>
+          <a:lstStyle>
+            <a:defPPr>
+              <a:defRPr lang="en-US"/>
+            </a:defPPr>
+            <a:lvl1pPr marL="0" algn="r" defTabSz="914400" rtl="0" eaLnBrk="1" latinLnBrk="0" hangingPunct="1">
+              <a:defRPr sz="1050" kern="1200">
+                <a:solidFill>
+                  <a:schemeClr val="tx1">
+                    <a:tint val="75000"/>
+                  </a:schemeClr>
+                </a:solidFill>
+                <a:latin typeface="+mn-lt"/>
+                <a:ea typeface="+mn-ea"/>
+                <a:cs typeface="+mn-cs"/>
+              </a:defRPr>
+            </a:lvl1pPr>
+            <a:lvl2pPr marL="457200" algn="l" defTabSz="914400" rtl="0" eaLnBrk="1" latinLnBrk="0" hangingPunct="1">
+              <a:defRPr sz="1800" kern="1200">
+                <a:solidFill>
+                  <a:schemeClr val="tx1"/>
+                </a:solidFill>
+                <a:latin typeface="+mn-lt"/>
+                <a:ea typeface="+mn-ea"/>
+                <a:cs typeface="+mn-cs"/>
+              </a:defRPr>
+            </a:lvl2pPr>
+            <a:lvl3pPr marL="914400" algn="l" defTabSz="914400" rtl="0" eaLnBrk="1" latinLnBrk="0" hangingPunct="1">
+              <a:defRPr sz="1800" kern="1200">
+                <a:solidFill>
+                  <a:schemeClr val="tx1"/>
+                </a:solidFill>
+                <a:latin typeface="+mn-lt"/>
+                <a:ea typeface="+mn-ea"/>
+                <a:cs typeface="+mn-cs"/>
+              </a:defRPr>
+            </a:lvl3pPr>
+            <a:lvl4pPr marL="1371600" algn="l" defTabSz="914400" rtl="0" eaLnBrk="1" latinLnBrk="0" hangingPunct="1">
+              <a:defRPr sz="1800" kern="1200">
+                <a:solidFill>
+                  <a:schemeClr val="tx1"/>
+                </a:solidFill>
+                <a:latin typeface="+mn-lt"/>
+                <a:ea typeface="+mn-ea"/>
+                <a:cs typeface="+mn-cs"/>
+              </a:defRPr>
+            </a:lvl4pPr>
+            <a:lvl5pPr marL="1828800" algn="l" defTabSz="914400" rtl="0" eaLnBrk="1" latinLnBrk="0" hangingPunct="1">
+              <a:defRPr sz="1800" kern="1200">
+                <a:solidFill>
+                  <a:schemeClr val="tx1"/>
+                </a:solidFill>
+                <a:latin typeface="+mn-lt"/>
+                <a:ea typeface="+mn-ea"/>
+                <a:cs typeface="+mn-cs"/>
+              </a:defRPr>
+            </a:lvl5pPr>
+            <a:lvl6pPr marL="2286000" algn="l" defTabSz="914400" rtl="0" eaLnBrk="1" latinLnBrk="0" hangingPunct="1">
+              <a:defRPr sz="1800" kern="1200">
+                <a:solidFill>
+                  <a:schemeClr val="tx1"/>
+                </a:solidFill>
+                <a:latin typeface="+mn-lt"/>
+                <a:ea typeface="+mn-ea"/>
+                <a:cs typeface="+mn-cs"/>
+              </a:defRPr>
+            </a:lvl6pPr>
+            <a:lvl7pPr marL="2743200" algn="l" defTabSz="914400" rtl="0" eaLnBrk="1" latinLnBrk="0" hangingPunct="1">
+              <a:defRPr sz="1800" kern="1200">
+                <a:solidFill>
+                  <a:schemeClr val="tx1"/>
+                </a:solidFill>
+                <a:latin typeface="+mn-lt"/>
+                <a:ea typeface="+mn-ea"/>
+                <a:cs typeface="+mn-cs"/>
+              </a:defRPr>
+            </a:lvl7pPr>
+            <a:lvl8pPr marL="3200400" algn="l" defTabSz="914400" rtl="0" eaLnBrk="1" latinLnBrk="0" hangingPunct="1">
+              <a:defRPr sz="1800" kern="1200">
+                <a:solidFill>
+                  <a:schemeClr val="tx1"/>
+                </a:solidFill>
+                <a:latin typeface="+mn-lt"/>
+                <a:ea typeface="+mn-ea"/>
+                <a:cs typeface="+mn-cs"/>
+              </a:defRPr>
+            </a:lvl8pPr>
+            <a:lvl9pPr marL="3657600" algn="l" defTabSz="914400" rtl="0" eaLnBrk="1" latinLnBrk="0" hangingPunct="1">
+              <a:defRPr sz="1800" kern="1200">
+                <a:solidFill>
+                  <a:schemeClr val="tx1"/>
+                </a:solidFill>
+                <a:latin typeface="+mn-lt"/>
+                <a:ea typeface="+mn-ea"/>
+                <a:cs typeface="+mn-cs"/>
+              </a:defRPr>
+            </a:lvl9pPr>
+          </a:lstStyle>
+          <a:p>
+            <a:r>
+              <a:rPr lang="ro-RO" sz="1200" b="1" dirty="0" smtClean="0">
+                <a:solidFill>
+                  <a:schemeClr val="bg1"/>
+                </a:solidFill>
+              </a:rPr>
+              <a:t>5</a:t>
+            </a:r>
+            <a:endParaRPr lang="en-US" b="1" dirty="0">
+              <a:solidFill>
+                <a:schemeClr val="bg1"/>
+              </a:solidFill>
             </a:endParaRPr>
           </a:p>
         </p:txBody>
@@ -18527,6 +20875,40 @@
       </p:grpSpPr>
       <p:sp>
         <p:nvSpPr>
+          <p:cNvPr id="5" name="TextBox 4"/>
+          <p:cNvSpPr txBox="1"/>
+          <p:nvPr/>
+        </p:nvSpPr>
+        <p:spPr>
+          <a:xfrm rot="5400000">
+            <a:off x="10652112" y="5452797"/>
+            <a:ext cx="2164078" cy="646331"/>
+          </a:xfrm>
+          <a:prstGeom prst="rect">
+            <a:avLst/>
+          </a:prstGeom>
+          <a:solidFill>
+            <a:schemeClr val="tx1"/>
+          </a:solidFill>
+        </p:spPr>
+        <p:txBody>
+          <a:bodyPr wrap="square" rtlCol="0">
+            <a:spAutoFit/>
+          </a:bodyPr>
+          <a:lstStyle/>
+          <a:p>
+            <a:endParaRPr lang="ro-RO" sz="3600" b="1" dirty="0" smtClean="0">
+              <a:solidFill>
+                <a:schemeClr val="bg1"/>
+              </a:solidFill>
+              <a:latin typeface="Times New Roman" panose="02020603050405020304" pitchFamily="18" charset="0"/>
+              <a:cs typeface="Times New Roman" panose="02020603050405020304" pitchFamily="18" charset="0"/>
+            </a:endParaRPr>
+          </a:p>
+        </p:txBody>
+      </p:sp>
+      <p:sp>
+        <p:nvSpPr>
           <p:cNvPr id="7" name="TextBox 6"/>
           <p:cNvSpPr txBox="1"/>
           <p:nvPr/>
@@ -18534,7 +20916,7 @@
         <p:spPr>
           <a:xfrm>
             <a:off x="1841501" y="38100"/>
-            <a:ext cx="3954929" cy="646331"/>
+            <a:ext cx="3121367" cy="523220"/>
           </a:xfrm>
           <a:prstGeom prst="rect">
             <a:avLst/>
@@ -18548,7 +20930,7 @@
           <a:lstStyle/>
           <a:p>
             <a:r>
-              <a:rPr lang="ro-RO" sz="3600" b="1" dirty="0" smtClean="0">
+              <a:rPr lang="ro-RO" sz="2800" b="1" dirty="0" smtClean="0">
                 <a:solidFill>
                   <a:schemeClr val="bg1"/>
                 </a:solidFill>
@@ -18557,7 +20939,7 @@
               </a:rPr>
               <a:t>Python (Back End)</a:t>
             </a:r>
-            <a:endParaRPr lang="en-US" sz="3600" b="1" dirty="0">
+            <a:endParaRPr lang="en-US" sz="2800" b="1" dirty="0">
               <a:solidFill>
                 <a:schemeClr val="bg1"/>
               </a:solidFill>
@@ -20338,6 +22720,162 @@
               </a:solidFill>
               <a:latin typeface="Times New Roman" panose="02020603050405020304" pitchFamily="18" charset="0"/>
               <a:cs typeface="Times New Roman" panose="02020603050405020304" pitchFamily="18" charset="0"/>
+            </a:endParaRPr>
+          </a:p>
+        </p:txBody>
+      </p:sp>
+      <p:sp>
+        <p:nvSpPr>
+          <p:cNvPr id="4" name="Slide Number Placeholder 3"/>
+          <p:cNvSpPr>
+            <a:spLocks noGrp="1"/>
+          </p:cNvSpPr>
+          <p:nvPr>
+            <p:ph type="sldNum" sz="quarter" idx="12"/>
+          </p:nvPr>
+        </p:nvSpPr>
+        <p:spPr/>
+        <p:txBody>
+          <a:bodyPr/>
+          <a:lstStyle/>
+          <a:p>
+            <a:fld id="{1969C00C-B637-4E60-ADB7-20B7B30724B5}" type="slidenum">
+              <a:rPr lang="en-US" smtClean="0"/>
+              <a:t>7</a:t>
+            </a:fld>
+            <a:endParaRPr lang="en-US"/>
+          </a:p>
+        </p:txBody>
+      </p:sp>
+      <p:sp>
+        <p:nvSpPr>
+          <p:cNvPr id="9" name="Slide Number Placeholder 2"/>
+          <p:cNvSpPr txBox="1">
+            <a:spLocks/>
+          </p:cNvSpPr>
+          <p:nvPr/>
+        </p:nvSpPr>
+        <p:spPr>
+          <a:xfrm>
+            <a:off x="11721737" y="6362252"/>
+            <a:ext cx="292336" cy="365125"/>
+          </a:xfrm>
+          <a:prstGeom prst="rect">
+            <a:avLst/>
+          </a:prstGeom>
+        </p:spPr>
+        <p:txBody>
+          <a:bodyPr vert="horz" lIns="91440" tIns="45720" rIns="91440" bIns="45720" rtlCol="0" anchor="ctr"/>
+          <a:lstStyle>
+            <a:defPPr>
+              <a:defRPr lang="en-US"/>
+            </a:defPPr>
+            <a:lvl1pPr marL="0" algn="r" defTabSz="914400" rtl="0" eaLnBrk="1" latinLnBrk="0" hangingPunct="1">
+              <a:defRPr sz="1050" kern="1200">
+                <a:solidFill>
+                  <a:schemeClr val="tx1">
+                    <a:tint val="75000"/>
+                  </a:schemeClr>
+                </a:solidFill>
+                <a:latin typeface="+mn-lt"/>
+                <a:ea typeface="+mn-ea"/>
+                <a:cs typeface="+mn-cs"/>
+              </a:defRPr>
+            </a:lvl1pPr>
+            <a:lvl2pPr marL="457200" algn="l" defTabSz="914400" rtl="0" eaLnBrk="1" latinLnBrk="0" hangingPunct="1">
+              <a:defRPr sz="1800" kern="1200">
+                <a:solidFill>
+                  <a:schemeClr val="tx1"/>
+                </a:solidFill>
+                <a:latin typeface="+mn-lt"/>
+                <a:ea typeface="+mn-ea"/>
+                <a:cs typeface="+mn-cs"/>
+              </a:defRPr>
+            </a:lvl2pPr>
+            <a:lvl3pPr marL="914400" algn="l" defTabSz="914400" rtl="0" eaLnBrk="1" latinLnBrk="0" hangingPunct="1">
+              <a:defRPr sz="1800" kern="1200">
+                <a:solidFill>
+                  <a:schemeClr val="tx1"/>
+                </a:solidFill>
+                <a:latin typeface="+mn-lt"/>
+                <a:ea typeface="+mn-ea"/>
+                <a:cs typeface="+mn-cs"/>
+              </a:defRPr>
+            </a:lvl3pPr>
+            <a:lvl4pPr marL="1371600" algn="l" defTabSz="914400" rtl="0" eaLnBrk="1" latinLnBrk="0" hangingPunct="1">
+              <a:defRPr sz="1800" kern="1200">
+                <a:solidFill>
+                  <a:schemeClr val="tx1"/>
+                </a:solidFill>
+                <a:latin typeface="+mn-lt"/>
+                <a:ea typeface="+mn-ea"/>
+                <a:cs typeface="+mn-cs"/>
+              </a:defRPr>
+            </a:lvl4pPr>
+            <a:lvl5pPr marL="1828800" algn="l" defTabSz="914400" rtl="0" eaLnBrk="1" latinLnBrk="0" hangingPunct="1">
+              <a:defRPr sz="1800" kern="1200">
+                <a:solidFill>
+                  <a:schemeClr val="tx1"/>
+                </a:solidFill>
+                <a:latin typeface="+mn-lt"/>
+                <a:ea typeface="+mn-ea"/>
+                <a:cs typeface="+mn-cs"/>
+              </a:defRPr>
+            </a:lvl5pPr>
+            <a:lvl6pPr marL="2286000" algn="l" defTabSz="914400" rtl="0" eaLnBrk="1" latinLnBrk="0" hangingPunct="1">
+              <a:defRPr sz="1800" kern="1200">
+                <a:solidFill>
+                  <a:schemeClr val="tx1"/>
+                </a:solidFill>
+                <a:latin typeface="+mn-lt"/>
+                <a:ea typeface="+mn-ea"/>
+                <a:cs typeface="+mn-cs"/>
+              </a:defRPr>
+            </a:lvl6pPr>
+            <a:lvl7pPr marL="2743200" algn="l" defTabSz="914400" rtl="0" eaLnBrk="1" latinLnBrk="0" hangingPunct="1">
+              <a:defRPr sz="1800" kern="1200">
+                <a:solidFill>
+                  <a:schemeClr val="tx1"/>
+                </a:solidFill>
+                <a:latin typeface="+mn-lt"/>
+                <a:ea typeface="+mn-ea"/>
+                <a:cs typeface="+mn-cs"/>
+              </a:defRPr>
+            </a:lvl7pPr>
+            <a:lvl8pPr marL="3200400" algn="l" defTabSz="914400" rtl="0" eaLnBrk="1" latinLnBrk="0" hangingPunct="1">
+              <a:defRPr sz="1800" kern="1200">
+                <a:solidFill>
+                  <a:schemeClr val="tx1"/>
+                </a:solidFill>
+                <a:latin typeface="+mn-lt"/>
+                <a:ea typeface="+mn-ea"/>
+                <a:cs typeface="+mn-cs"/>
+              </a:defRPr>
+            </a:lvl8pPr>
+            <a:lvl9pPr marL="3657600" algn="l" defTabSz="914400" rtl="0" eaLnBrk="1" latinLnBrk="0" hangingPunct="1">
+              <a:defRPr sz="1800" kern="1200">
+                <a:solidFill>
+                  <a:schemeClr val="tx1"/>
+                </a:solidFill>
+                <a:latin typeface="+mn-lt"/>
+                <a:ea typeface="+mn-ea"/>
+                <a:cs typeface="+mn-cs"/>
+              </a:defRPr>
+            </a:lvl9pPr>
+          </a:lstStyle>
+          <a:p>
+            <a:r>
+              <a:rPr lang="ro-RO" sz="1200" b="1" dirty="0" smtClean="0">
+                <a:solidFill>
+                  <a:schemeClr val="bg1"/>
+                </a:solidFill>
+              </a:rPr>
+              <a:t>6</a:t>
+            </a:r>
+            <a:endParaRPr lang="en-US" b="1" dirty="0">
+              <a:solidFill>
+                <a:schemeClr val="bg1"/>
+              </a:solidFill>
             </a:endParaRPr>
           </a:p>
         </p:txBody>
@@ -20389,6 +22927,40 @@
       </p:grpSpPr>
       <p:sp>
         <p:nvSpPr>
+          <p:cNvPr id="10" name="TextBox 9"/>
+          <p:cNvSpPr txBox="1"/>
+          <p:nvPr/>
+        </p:nvSpPr>
+        <p:spPr>
+          <a:xfrm rot="5400000">
+            <a:off x="10652112" y="5452797"/>
+            <a:ext cx="2164078" cy="646331"/>
+          </a:xfrm>
+          <a:prstGeom prst="rect">
+            <a:avLst/>
+          </a:prstGeom>
+          <a:solidFill>
+            <a:schemeClr val="tx1"/>
+          </a:solidFill>
+        </p:spPr>
+        <p:txBody>
+          <a:bodyPr wrap="square" rtlCol="0">
+            <a:spAutoFit/>
+          </a:bodyPr>
+          <a:lstStyle/>
+          <a:p>
+            <a:endParaRPr lang="ro-RO" sz="3600" b="1" dirty="0" smtClean="0">
+              <a:solidFill>
+                <a:schemeClr val="bg1"/>
+              </a:solidFill>
+              <a:latin typeface="Times New Roman" panose="02020603050405020304" pitchFamily="18" charset="0"/>
+              <a:cs typeface="Times New Roman" panose="02020603050405020304" pitchFamily="18" charset="0"/>
+            </a:endParaRPr>
+          </a:p>
+        </p:txBody>
+      </p:sp>
+      <p:sp>
+        <p:nvSpPr>
           <p:cNvPr id="7" name="TextBox 6"/>
           <p:cNvSpPr txBox="1"/>
           <p:nvPr/>
@@ -20396,7 +22968,7 @@
         <p:spPr>
           <a:xfrm>
             <a:off x="1841501" y="38100"/>
-            <a:ext cx="9644948" cy="646331"/>
+            <a:ext cx="7527895" cy="523220"/>
           </a:xfrm>
           <a:prstGeom prst="rect">
             <a:avLst/>
@@ -20410,7 +22982,7 @@
           <a:lstStyle/>
           <a:p>
             <a:r>
-              <a:rPr lang="ro-RO" sz="3600" b="1" dirty="0" smtClean="0">
+              <a:rPr lang="ro-RO" sz="2800" b="1" dirty="0" smtClean="0">
                 <a:solidFill>
                   <a:schemeClr val="bg1"/>
                 </a:solidFill>
@@ -20420,7 +22992,7 @@
               <a:t>Rețea neuronală pentru clasificare, </a:t>
             </a:r>
             <a:r>
-              <a:rPr lang="ro-RO" sz="3600" b="1" i="1" dirty="0" smtClean="0">
+              <a:rPr lang="ro-RO" sz="2800" b="1" i="1" dirty="0" smtClean="0">
                 <a:solidFill>
                   <a:schemeClr val="bg1"/>
                 </a:solidFill>
@@ -20429,7 +23001,7 @@
               </a:rPr>
               <a:t>feed forward</a:t>
             </a:r>
-            <a:endParaRPr lang="en-US" sz="3600" b="1" i="1" dirty="0">
+            <a:endParaRPr lang="en-US" sz="2800" b="1" i="1" dirty="0">
               <a:solidFill>
                 <a:schemeClr val="bg1"/>
               </a:solidFill>
@@ -20485,7 +23057,7 @@
           <a:graphicData uri="http://schemas.openxmlformats.org/presentationml/2006/ole">
             <mc:AlternateContent xmlns:mc="http://schemas.openxmlformats.org/markup-compatibility/2006">
               <mc:Choice xmlns:v="urn:schemas-microsoft-com:vml" Requires="v">
-                <p:oleObj spid="_x0000_s10264" name="Visio" r:id="rId4" imgW="10315508" imgH="6381842" progId="Visio.Drawing.15">
+                <p:oleObj spid="_x0000_s10287" name="Visio" r:id="rId4" imgW="10315508" imgH="6381842" progId="Visio.Drawing.15">
                   <p:embed/>
                 </p:oleObj>
               </mc:Choice>
@@ -20930,6 +23502,162 @@
           </a:p>
         </p:txBody>
       </p:sp>
+      <p:sp>
+        <p:nvSpPr>
+          <p:cNvPr id="5" name="Slide Number Placeholder 4"/>
+          <p:cNvSpPr>
+            <a:spLocks noGrp="1"/>
+          </p:cNvSpPr>
+          <p:nvPr>
+            <p:ph type="sldNum" sz="quarter" idx="12"/>
+          </p:nvPr>
+        </p:nvSpPr>
+        <p:spPr/>
+        <p:txBody>
+          <a:bodyPr/>
+          <a:lstStyle/>
+          <a:p>
+            <a:fld id="{1969C00C-B637-4E60-ADB7-20B7B30724B5}" type="slidenum">
+              <a:rPr lang="en-US" smtClean="0"/>
+              <a:t>8</a:t>
+            </a:fld>
+            <a:endParaRPr lang="en-US"/>
+          </a:p>
+        </p:txBody>
+      </p:sp>
+      <p:sp>
+        <p:nvSpPr>
+          <p:cNvPr id="11" name="Slide Number Placeholder 2"/>
+          <p:cNvSpPr txBox="1">
+            <a:spLocks/>
+          </p:cNvSpPr>
+          <p:nvPr/>
+        </p:nvSpPr>
+        <p:spPr>
+          <a:xfrm>
+            <a:off x="11721737" y="6362252"/>
+            <a:ext cx="292336" cy="365125"/>
+          </a:xfrm>
+          <a:prstGeom prst="rect">
+            <a:avLst/>
+          </a:prstGeom>
+        </p:spPr>
+        <p:txBody>
+          <a:bodyPr vert="horz" lIns="91440" tIns="45720" rIns="91440" bIns="45720" rtlCol="0" anchor="ctr"/>
+          <a:lstStyle>
+            <a:defPPr>
+              <a:defRPr lang="en-US"/>
+            </a:defPPr>
+            <a:lvl1pPr marL="0" algn="r" defTabSz="914400" rtl="0" eaLnBrk="1" latinLnBrk="0" hangingPunct="1">
+              <a:defRPr sz="1050" kern="1200">
+                <a:solidFill>
+                  <a:schemeClr val="tx1">
+                    <a:tint val="75000"/>
+                  </a:schemeClr>
+                </a:solidFill>
+                <a:latin typeface="+mn-lt"/>
+                <a:ea typeface="+mn-ea"/>
+                <a:cs typeface="+mn-cs"/>
+              </a:defRPr>
+            </a:lvl1pPr>
+            <a:lvl2pPr marL="457200" algn="l" defTabSz="914400" rtl="0" eaLnBrk="1" latinLnBrk="0" hangingPunct="1">
+              <a:defRPr sz="1800" kern="1200">
+                <a:solidFill>
+                  <a:schemeClr val="tx1"/>
+                </a:solidFill>
+                <a:latin typeface="+mn-lt"/>
+                <a:ea typeface="+mn-ea"/>
+                <a:cs typeface="+mn-cs"/>
+              </a:defRPr>
+            </a:lvl2pPr>
+            <a:lvl3pPr marL="914400" algn="l" defTabSz="914400" rtl="0" eaLnBrk="1" latinLnBrk="0" hangingPunct="1">
+              <a:defRPr sz="1800" kern="1200">
+                <a:solidFill>
+                  <a:schemeClr val="tx1"/>
+                </a:solidFill>
+                <a:latin typeface="+mn-lt"/>
+                <a:ea typeface="+mn-ea"/>
+                <a:cs typeface="+mn-cs"/>
+              </a:defRPr>
+            </a:lvl3pPr>
+            <a:lvl4pPr marL="1371600" algn="l" defTabSz="914400" rtl="0" eaLnBrk="1" latinLnBrk="0" hangingPunct="1">
+              <a:defRPr sz="1800" kern="1200">
+                <a:solidFill>
+                  <a:schemeClr val="tx1"/>
+                </a:solidFill>
+                <a:latin typeface="+mn-lt"/>
+                <a:ea typeface="+mn-ea"/>
+                <a:cs typeface="+mn-cs"/>
+              </a:defRPr>
+            </a:lvl4pPr>
+            <a:lvl5pPr marL="1828800" algn="l" defTabSz="914400" rtl="0" eaLnBrk="1" latinLnBrk="0" hangingPunct="1">
+              <a:defRPr sz="1800" kern="1200">
+                <a:solidFill>
+                  <a:schemeClr val="tx1"/>
+                </a:solidFill>
+                <a:latin typeface="+mn-lt"/>
+                <a:ea typeface="+mn-ea"/>
+                <a:cs typeface="+mn-cs"/>
+              </a:defRPr>
+            </a:lvl5pPr>
+            <a:lvl6pPr marL="2286000" algn="l" defTabSz="914400" rtl="0" eaLnBrk="1" latinLnBrk="0" hangingPunct="1">
+              <a:defRPr sz="1800" kern="1200">
+                <a:solidFill>
+                  <a:schemeClr val="tx1"/>
+                </a:solidFill>
+                <a:latin typeface="+mn-lt"/>
+                <a:ea typeface="+mn-ea"/>
+                <a:cs typeface="+mn-cs"/>
+              </a:defRPr>
+            </a:lvl6pPr>
+            <a:lvl7pPr marL="2743200" algn="l" defTabSz="914400" rtl="0" eaLnBrk="1" latinLnBrk="0" hangingPunct="1">
+              <a:defRPr sz="1800" kern="1200">
+                <a:solidFill>
+                  <a:schemeClr val="tx1"/>
+                </a:solidFill>
+                <a:latin typeface="+mn-lt"/>
+                <a:ea typeface="+mn-ea"/>
+                <a:cs typeface="+mn-cs"/>
+              </a:defRPr>
+            </a:lvl7pPr>
+            <a:lvl8pPr marL="3200400" algn="l" defTabSz="914400" rtl="0" eaLnBrk="1" latinLnBrk="0" hangingPunct="1">
+              <a:defRPr sz="1800" kern="1200">
+                <a:solidFill>
+                  <a:schemeClr val="tx1"/>
+                </a:solidFill>
+                <a:latin typeface="+mn-lt"/>
+                <a:ea typeface="+mn-ea"/>
+                <a:cs typeface="+mn-cs"/>
+              </a:defRPr>
+            </a:lvl8pPr>
+            <a:lvl9pPr marL="3657600" algn="l" defTabSz="914400" rtl="0" eaLnBrk="1" latinLnBrk="0" hangingPunct="1">
+              <a:defRPr sz="1800" kern="1200">
+                <a:solidFill>
+                  <a:schemeClr val="tx1"/>
+                </a:solidFill>
+                <a:latin typeface="+mn-lt"/>
+                <a:ea typeface="+mn-ea"/>
+                <a:cs typeface="+mn-cs"/>
+              </a:defRPr>
+            </a:lvl9pPr>
+          </a:lstStyle>
+          <a:p>
+            <a:r>
+              <a:rPr lang="ro-RO" sz="1200" b="1" dirty="0" smtClean="0">
+                <a:solidFill>
+                  <a:schemeClr val="bg1"/>
+                </a:solidFill>
+              </a:rPr>
+              <a:t>7</a:t>
+            </a:r>
+            <a:endParaRPr lang="en-US" b="1" dirty="0">
+              <a:solidFill>
+                <a:schemeClr val="bg1"/>
+              </a:solidFill>
+            </a:endParaRPr>
+          </a:p>
+        </p:txBody>
+      </p:sp>
     </p:spTree>
     <p:extLst>
       <p:ext uri="{BB962C8B-B14F-4D97-AF65-F5344CB8AC3E}">
@@ -20977,6 +23705,40 @@
       </p:grpSpPr>
       <p:sp>
         <p:nvSpPr>
+          <p:cNvPr id="10" name="TextBox 9"/>
+          <p:cNvSpPr txBox="1"/>
+          <p:nvPr/>
+        </p:nvSpPr>
+        <p:spPr>
+          <a:xfrm rot="5400000">
+            <a:off x="10652112" y="5452797"/>
+            <a:ext cx="2164078" cy="646331"/>
+          </a:xfrm>
+          <a:prstGeom prst="rect">
+            <a:avLst/>
+          </a:prstGeom>
+          <a:solidFill>
+            <a:schemeClr val="tx1"/>
+          </a:solidFill>
+        </p:spPr>
+        <p:txBody>
+          <a:bodyPr wrap="square" rtlCol="0">
+            <a:spAutoFit/>
+          </a:bodyPr>
+          <a:lstStyle/>
+          <a:p>
+            <a:endParaRPr lang="ro-RO" sz="3600" b="1" dirty="0" smtClean="0">
+              <a:solidFill>
+                <a:schemeClr val="bg1"/>
+              </a:solidFill>
+              <a:latin typeface="Times New Roman" panose="02020603050405020304" pitchFamily="18" charset="0"/>
+              <a:cs typeface="Times New Roman" panose="02020603050405020304" pitchFamily="18" charset="0"/>
+            </a:endParaRPr>
+          </a:p>
+        </p:txBody>
+      </p:sp>
+      <p:sp>
+        <p:nvSpPr>
           <p:cNvPr id="7" name="TextBox 6"/>
           <p:cNvSpPr txBox="1"/>
           <p:nvPr/>
@@ -20984,7 +23746,7 @@
         <p:spPr>
           <a:xfrm>
             <a:off x="1841501" y="38100"/>
-            <a:ext cx="7169149" cy="646331"/>
+            <a:ext cx="7169149" cy="523220"/>
           </a:xfrm>
           <a:prstGeom prst="rect">
             <a:avLst/>
@@ -20998,7 +23760,7 @@
           <a:lstStyle/>
           <a:p>
             <a:r>
-              <a:rPr lang="ro-RO" sz="3600" b="1" dirty="0" smtClean="0">
+              <a:rPr lang="ro-RO" sz="2800" b="1" dirty="0" smtClean="0">
                 <a:solidFill>
                   <a:schemeClr val="bg1"/>
                 </a:solidFill>
@@ -21008,7 +23770,7 @@
               <a:t>Prelucrarea </a:t>
             </a:r>
             <a:r>
-              <a:rPr lang="en-US" sz="3600" b="1" dirty="0" err="1" smtClean="0">
+              <a:rPr lang="en-US" sz="2800" b="1" dirty="0" err="1" smtClean="0">
                 <a:solidFill>
                   <a:schemeClr val="bg1"/>
                 </a:solidFill>
@@ -21018,7 +23780,7 @@
               <a:t>datelor</a:t>
             </a:r>
             <a:r>
-              <a:rPr lang="en-US" sz="3600" b="1" dirty="0" smtClean="0">
+              <a:rPr lang="en-US" sz="2800" b="1" dirty="0" smtClean="0">
                 <a:solidFill>
                   <a:schemeClr val="bg1"/>
                 </a:solidFill>
@@ -21028,7 +23790,7 @@
               <a:t> de </a:t>
             </a:r>
             <a:r>
-              <a:rPr lang="en-US" sz="3600" b="1" dirty="0" err="1" smtClean="0">
+              <a:rPr lang="en-US" sz="2800" b="1" dirty="0" err="1" smtClean="0">
                 <a:solidFill>
                   <a:schemeClr val="bg1"/>
                 </a:solidFill>
@@ -21036,6 +23798,16 @@
                 <a:cs typeface="Times New Roman" panose="02020603050405020304" pitchFamily="18" charset="0"/>
               </a:rPr>
               <a:t>antrenare</a:t>
+            </a:r>
+            <a:r>
+              <a:rPr lang="ro-RO" sz="2800" b="1" dirty="0" smtClean="0">
+                <a:solidFill>
+                  <a:schemeClr val="bg1"/>
+                </a:solidFill>
+                <a:latin typeface="Times New Roman" panose="02020603050405020304" pitchFamily="18" charset="0"/>
+                <a:cs typeface="Times New Roman" panose="02020603050405020304" pitchFamily="18" charset="0"/>
+              </a:rPr>
+              <a:t> (I)</a:t>
             </a:r>
             <a:endParaRPr lang="en-US" sz="3600" b="1" i="1" dirty="0">
               <a:solidFill>
@@ -21071,150 +23843,6 @@
           </a:prstGeom>
         </p:spPr>
       </p:pic>
-      <p:sp>
-        <p:nvSpPr>
-          <p:cNvPr id="2" name="TextBox 1"/>
-          <p:cNvSpPr txBox="1"/>
-          <p:nvPr/>
-        </p:nvSpPr>
-        <p:spPr>
-          <a:xfrm>
-            <a:off x="2033221" y="857250"/>
-            <a:ext cx="9587279" cy="1754326"/>
-          </a:xfrm>
-          <a:prstGeom prst="rect">
-            <a:avLst/>
-          </a:prstGeom>
-          <a:noFill/>
-        </p:spPr>
-        <p:txBody>
-          <a:bodyPr wrap="square" rtlCol="0">
-            <a:spAutoFit/>
-          </a:bodyPr>
-          <a:lstStyle/>
-          <a:p>
-            <a:r>
-              <a:rPr lang="ro-RO" dirty="0" smtClean="0">
-                <a:solidFill>
-                  <a:schemeClr val="bg1"/>
-                </a:solidFill>
-                <a:latin typeface="Times New Roman" panose="02020603050405020304" pitchFamily="18" charset="0"/>
-                <a:cs typeface="Times New Roman" panose="02020603050405020304" pitchFamily="18" charset="0"/>
-              </a:rPr>
-              <a:t>Pentru </a:t>
-            </a:r>
-            <a:r>
-              <a:rPr lang="ro-RO" dirty="0">
-                <a:solidFill>
-                  <a:schemeClr val="bg1"/>
-                </a:solidFill>
-                <a:latin typeface="Times New Roman" panose="02020603050405020304" pitchFamily="18" charset="0"/>
-                <a:cs typeface="Times New Roman" panose="02020603050405020304" pitchFamily="18" charset="0"/>
-              </a:rPr>
-              <a:t>a putea utiliza codarea one hot, în primă instanță este necesară determinarea lungimii rezultatului codării, care este, în fapt, numărul total de cuvinte diferite utilizabile pentru formarea propozițiilor de comandă. Deoarece acest număr este practic incuantificabil, alegerea logică a fost utilizarea doar a acelor cuvinte care se regăsesc în lista de date folosite pentru antrenarea rețelei. Astfel, a apărut noțiunea de </a:t>
-            </a:r>
-            <a:r>
-              <a:rPr lang="ro-RO" i="1" dirty="0">
-                <a:solidFill>
-                  <a:schemeClr val="bg1"/>
-                </a:solidFill>
-                <a:latin typeface="Times New Roman" panose="02020603050405020304" pitchFamily="18" charset="0"/>
-                <a:cs typeface="Times New Roman" panose="02020603050405020304" pitchFamily="18" charset="0"/>
-              </a:rPr>
-              <a:t>lexic</a:t>
-            </a:r>
-            <a:r>
-              <a:rPr lang="ro-RO" dirty="0">
-                <a:solidFill>
-                  <a:schemeClr val="bg1"/>
-                </a:solidFill>
-                <a:latin typeface="Times New Roman" panose="02020603050405020304" pitchFamily="18" charset="0"/>
-                <a:cs typeface="Times New Roman" panose="02020603050405020304" pitchFamily="18" charset="0"/>
-              </a:rPr>
-              <a:t>.</a:t>
-            </a:r>
-            <a:endParaRPr lang="en-US" dirty="0">
-              <a:solidFill>
-                <a:schemeClr val="bg1"/>
-              </a:solidFill>
-              <a:latin typeface="Times New Roman" panose="02020603050405020304" pitchFamily="18" charset="0"/>
-              <a:cs typeface="Times New Roman" panose="02020603050405020304" pitchFamily="18" charset="0"/>
-            </a:endParaRPr>
-          </a:p>
-          <a:p>
-            <a:endParaRPr lang="en-US" b="1" dirty="0">
-              <a:solidFill>
-                <a:schemeClr val="bg1"/>
-              </a:solidFill>
-              <a:latin typeface="Times New Roman" panose="02020603050405020304" pitchFamily="18" charset="0"/>
-              <a:cs typeface="Times New Roman" panose="02020603050405020304" pitchFamily="18" charset="0"/>
-            </a:endParaRPr>
-          </a:p>
-        </p:txBody>
-      </p:sp>
-      <p:sp>
-        <p:nvSpPr>
-          <p:cNvPr id="4" name="Rectangle 2"/>
-          <p:cNvSpPr>
-            <a:spLocks noChangeArrowheads="1"/>
-          </p:cNvSpPr>
-          <p:nvPr/>
-        </p:nvSpPr>
-        <p:spPr bwMode="auto">
-          <a:xfrm>
-            <a:off x="3686175" y="3257550"/>
-            <a:ext cx="12192000" cy="0"/>
-          </a:xfrm>
-          <a:prstGeom prst="rect">
-            <a:avLst/>
-          </a:prstGeom>
-          <a:noFill/>
-          <a:ln>
-            <a:noFill/>
-          </a:ln>
-          <a:effectLst/>
-          <a:extLst>
-            <a:ext uri="{909E8E84-426E-40DD-AFC4-6F175D3DCCD1}">
-              <a14:hiddenFill xmlns:a14="http://schemas.microsoft.com/office/drawing/2010/main">
-                <a:solidFill>
-                  <a:schemeClr val="accent1"/>
-                </a:solidFill>
-              </a14:hiddenFill>
-            </a:ext>
-            <a:ext uri="{91240B29-F687-4F45-9708-019B960494DF}">
-              <a14:hiddenLine xmlns:a14="http://schemas.microsoft.com/office/drawing/2010/main" w="9525">
-                <a:solidFill>
-                  <a:schemeClr val="tx1"/>
-                </a:solidFill>
-                <a:miter lim="800000"/>
-                <a:headEnd/>
-                <a:tailEnd/>
-              </a14:hiddenLine>
-            </a:ext>
-            <a:ext uri="{AF507438-7753-43E0-B8FC-AC1667EBCBE1}">
-              <a14:hiddenEffects xmlns:a14="http://schemas.microsoft.com/office/drawing/2010/main">
-                <a:effectLst>
-                  <a:outerShdw dist="35921" dir="2700000" algn="ctr" rotWithShape="0">
-                    <a:schemeClr val="bg2"/>
-                  </a:outerShdw>
-                </a:effectLst>
-              </a14:hiddenEffects>
-            </a:ext>
-          </a:extLst>
-        </p:spPr>
-        <p:txBody>
-          <a:bodyPr vert="horz" wrap="none" lIns="91440" tIns="45720" rIns="91440" bIns="45720" numCol="1" anchor="ctr" anchorCtr="0" compatLnSpc="1">
-            <a:prstTxWarp prst="textNoShape">
-              <a:avLst/>
-            </a:prstTxWarp>
-            <a:spAutoFit/>
-          </a:bodyPr>
-          <a:lstStyle/>
-          <a:p>
-            <a:endParaRPr lang="en-US"/>
-          </a:p>
-        </p:txBody>
-      </p:sp>
       <p:graphicFrame>
         <p:nvGraphicFramePr>
           <p:cNvPr id="6" name="Object 5"/>
@@ -21224,20 +23852,20 @@
           <p:nvPr>
             <p:extLst>
               <p:ext uri="{D42A27DB-BD31-4B8C-83A1-F6EECF244321}">
-                <p14:modId xmlns:p14="http://schemas.microsoft.com/office/powerpoint/2010/main" val="3341418926"/>
+                <p14:modId xmlns:p14="http://schemas.microsoft.com/office/powerpoint/2010/main" val="2141065528"/>
               </p:ext>
             </p:extLst>
           </p:nvPr>
         </p:nvGraphicFramePr>
         <p:xfrm>
-          <a:off x="3357196" y="2350288"/>
-          <a:ext cx="6301074" cy="3584382"/>
+          <a:off x="3026270" y="1192046"/>
+          <a:ext cx="7441988" cy="4233394"/>
         </p:xfrm>
         <a:graphic>
           <a:graphicData uri="http://schemas.openxmlformats.org/presentationml/2006/ole">
             <mc:AlternateContent xmlns:mc="http://schemas.openxmlformats.org/markup-compatibility/2006">
               <mc:Choice xmlns:v="urn:schemas-microsoft-com:vml" Requires="v">
-                <p:oleObj spid="_x0000_s11280" name="Visio" r:id="rId4" imgW="6953384" imgH="3953046" progId="Visio.Drawing.15">
+                <p:oleObj spid="_x0000_s11304" name="Visio" r:id="rId4" imgW="6953384" imgH="3953046" progId="Visio.Drawing.15">
                   <p:embed/>
                 </p:oleObj>
               </mc:Choice>
@@ -21261,8 +23889,8 @@
                     </p:blipFill>
                     <p:spPr bwMode="auto">
                       <a:xfrm>
-                        <a:off x="3357196" y="2350288"/>
-                        <a:ext cx="6301074" cy="3584382"/>
+                        <a:off x="3026270" y="1192046"/>
+                        <a:ext cx="7441988" cy="4233394"/>
                       </a:xfrm>
                       <a:prstGeom prst="rect">
                         <a:avLst/>
@@ -21284,8 +23912,8 @@
         </p:nvSpPr>
         <p:spPr>
           <a:xfrm>
-            <a:off x="2152650" y="5934670"/>
-            <a:ext cx="8686800" cy="923330"/>
+            <a:off x="2152650" y="6056592"/>
+            <a:ext cx="8686800" cy="369332"/>
           </a:xfrm>
           <a:prstGeom prst="rect">
             <a:avLst/>
@@ -21299,6 +23927,36 @@
           <a:lstStyle/>
           <a:p>
             <a:r>
+              <a:rPr lang="en-US" dirty="0" err="1" smtClean="0">
+                <a:solidFill>
+                  <a:schemeClr val="bg1"/>
+                </a:solidFill>
+                <a:latin typeface="Times New Roman" panose="02020603050405020304" pitchFamily="18" charset="0"/>
+                <a:cs typeface="Times New Roman" panose="02020603050405020304" pitchFamily="18" charset="0"/>
+              </a:rPr>
+              <a:t>Lexicul</a:t>
+            </a:r>
+            <a:r>
+              <a:rPr lang="en-US" dirty="0" smtClean="0">
+                <a:solidFill>
+                  <a:schemeClr val="bg1"/>
+                </a:solidFill>
+                <a:latin typeface="Times New Roman" panose="02020603050405020304" pitchFamily="18" charset="0"/>
+                <a:cs typeface="Times New Roman" panose="02020603050405020304" pitchFamily="18" charset="0"/>
+              </a:rPr>
+              <a:t> </a:t>
+            </a:r>
+            <a:r>
+              <a:rPr lang="ro-RO" dirty="0" smtClean="0">
+                <a:solidFill>
+                  <a:schemeClr val="bg1"/>
+                </a:solidFill>
+                <a:latin typeface="Times New Roman" panose="02020603050405020304" pitchFamily="18" charset="0"/>
+                <a:cs typeface="Times New Roman" panose="02020603050405020304" pitchFamily="18" charset="0"/>
+              </a:rPr>
+              <a:t>și </a:t>
+            </a:r>
+            <a:r>
               <a:rPr lang="ro-RO" dirty="0">
                 <a:solidFill>
                   <a:schemeClr val="bg1"/>
@@ -21306,7 +23964,17 @@
                 <a:latin typeface="Times New Roman" panose="02020603050405020304" pitchFamily="18" charset="0"/>
                 <a:cs typeface="Times New Roman" panose="02020603050405020304" pitchFamily="18" charset="0"/>
               </a:rPr>
-              <a:t>Odată generate, lexicul și lista categoriilor se vor utiliza pentru codarea tuturor comenzilor de-a lungul rulării, urmând identic pașii de la codarea datelor de antrenare.</a:t>
+              <a:t>lista categoriilor se vor utiliza pentru codarea tuturor </a:t>
+            </a:r>
+            <a:r>
+              <a:rPr lang="ro-RO" dirty="0" smtClean="0">
+                <a:solidFill>
+                  <a:schemeClr val="bg1"/>
+                </a:solidFill>
+                <a:latin typeface="Times New Roman" panose="02020603050405020304" pitchFamily="18" charset="0"/>
+                <a:cs typeface="Times New Roman" panose="02020603050405020304" pitchFamily="18" charset="0"/>
+              </a:rPr>
+              <a:t>comenzilor</a:t>
             </a:r>
             <a:endParaRPr lang="en-US" dirty="0">
               <a:solidFill>
@@ -21316,13 +23984,160 @@
               <a:cs typeface="Times New Roman" panose="02020603050405020304" pitchFamily="18" charset="0"/>
             </a:endParaRPr>
           </a:p>
-          <a:p>
-            <a:endParaRPr lang="en-US" dirty="0">
+        </p:txBody>
+      </p:sp>
+      <p:sp>
+        <p:nvSpPr>
+          <p:cNvPr id="5" name="Slide Number Placeholder 4"/>
+          <p:cNvSpPr>
+            <a:spLocks noGrp="1"/>
+          </p:cNvSpPr>
+          <p:nvPr>
+            <p:ph type="sldNum" sz="quarter" idx="12"/>
+          </p:nvPr>
+        </p:nvSpPr>
+        <p:spPr/>
+        <p:txBody>
+          <a:bodyPr/>
+          <a:lstStyle/>
+          <a:p>
+            <a:fld id="{1969C00C-B637-4E60-ADB7-20B7B30724B5}" type="slidenum">
+              <a:rPr lang="en-US" smtClean="0"/>
+              <a:t>9</a:t>
+            </a:fld>
+            <a:endParaRPr lang="en-US"/>
+          </a:p>
+        </p:txBody>
+      </p:sp>
+      <p:sp>
+        <p:nvSpPr>
+          <p:cNvPr id="11" name="Slide Number Placeholder 2"/>
+          <p:cNvSpPr txBox="1">
+            <a:spLocks/>
+          </p:cNvSpPr>
+          <p:nvPr/>
+        </p:nvSpPr>
+        <p:spPr>
+          <a:xfrm>
+            <a:off x="11721737" y="6362252"/>
+            <a:ext cx="292336" cy="365125"/>
+          </a:xfrm>
+          <a:prstGeom prst="rect">
+            <a:avLst/>
+          </a:prstGeom>
+        </p:spPr>
+        <p:txBody>
+          <a:bodyPr vert="horz" lIns="91440" tIns="45720" rIns="91440" bIns="45720" rtlCol="0" anchor="ctr"/>
+          <a:lstStyle>
+            <a:defPPr>
+              <a:defRPr lang="en-US"/>
+            </a:defPPr>
+            <a:lvl1pPr marL="0" algn="r" defTabSz="914400" rtl="0" eaLnBrk="1" latinLnBrk="0" hangingPunct="1">
+              <a:defRPr sz="1050" kern="1200">
+                <a:solidFill>
+                  <a:schemeClr val="tx1">
+                    <a:tint val="75000"/>
+                  </a:schemeClr>
+                </a:solidFill>
+                <a:latin typeface="+mn-lt"/>
+                <a:ea typeface="+mn-ea"/>
+                <a:cs typeface="+mn-cs"/>
+              </a:defRPr>
+            </a:lvl1pPr>
+            <a:lvl2pPr marL="457200" algn="l" defTabSz="914400" rtl="0" eaLnBrk="1" latinLnBrk="0" hangingPunct="1">
+              <a:defRPr sz="1800" kern="1200">
+                <a:solidFill>
+                  <a:schemeClr val="tx1"/>
+                </a:solidFill>
+                <a:latin typeface="+mn-lt"/>
+                <a:ea typeface="+mn-ea"/>
+                <a:cs typeface="+mn-cs"/>
+              </a:defRPr>
+            </a:lvl2pPr>
+            <a:lvl3pPr marL="914400" algn="l" defTabSz="914400" rtl="0" eaLnBrk="1" latinLnBrk="0" hangingPunct="1">
+              <a:defRPr sz="1800" kern="1200">
+                <a:solidFill>
+                  <a:schemeClr val="tx1"/>
+                </a:solidFill>
+                <a:latin typeface="+mn-lt"/>
+                <a:ea typeface="+mn-ea"/>
+                <a:cs typeface="+mn-cs"/>
+              </a:defRPr>
+            </a:lvl3pPr>
+            <a:lvl4pPr marL="1371600" algn="l" defTabSz="914400" rtl="0" eaLnBrk="1" latinLnBrk="0" hangingPunct="1">
+              <a:defRPr sz="1800" kern="1200">
+                <a:solidFill>
+                  <a:schemeClr val="tx1"/>
+                </a:solidFill>
+                <a:latin typeface="+mn-lt"/>
+                <a:ea typeface="+mn-ea"/>
+                <a:cs typeface="+mn-cs"/>
+              </a:defRPr>
+            </a:lvl4pPr>
+            <a:lvl5pPr marL="1828800" algn="l" defTabSz="914400" rtl="0" eaLnBrk="1" latinLnBrk="0" hangingPunct="1">
+              <a:defRPr sz="1800" kern="1200">
+                <a:solidFill>
+                  <a:schemeClr val="tx1"/>
+                </a:solidFill>
+                <a:latin typeface="+mn-lt"/>
+                <a:ea typeface="+mn-ea"/>
+                <a:cs typeface="+mn-cs"/>
+              </a:defRPr>
+            </a:lvl5pPr>
+            <a:lvl6pPr marL="2286000" algn="l" defTabSz="914400" rtl="0" eaLnBrk="1" latinLnBrk="0" hangingPunct="1">
+              <a:defRPr sz="1800" kern="1200">
+                <a:solidFill>
+                  <a:schemeClr val="tx1"/>
+                </a:solidFill>
+                <a:latin typeface="+mn-lt"/>
+                <a:ea typeface="+mn-ea"/>
+                <a:cs typeface="+mn-cs"/>
+              </a:defRPr>
+            </a:lvl6pPr>
+            <a:lvl7pPr marL="2743200" algn="l" defTabSz="914400" rtl="0" eaLnBrk="1" latinLnBrk="0" hangingPunct="1">
+              <a:defRPr sz="1800" kern="1200">
+                <a:solidFill>
+                  <a:schemeClr val="tx1"/>
+                </a:solidFill>
+                <a:latin typeface="+mn-lt"/>
+                <a:ea typeface="+mn-ea"/>
+                <a:cs typeface="+mn-cs"/>
+              </a:defRPr>
+            </a:lvl7pPr>
+            <a:lvl8pPr marL="3200400" algn="l" defTabSz="914400" rtl="0" eaLnBrk="1" latinLnBrk="0" hangingPunct="1">
+              <a:defRPr sz="1800" kern="1200">
+                <a:solidFill>
+                  <a:schemeClr val="tx1"/>
+                </a:solidFill>
+                <a:latin typeface="+mn-lt"/>
+                <a:ea typeface="+mn-ea"/>
+                <a:cs typeface="+mn-cs"/>
+              </a:defRPr>
+            </a:lvl8pPr>
+            <a:lvl9pPr marL="3657600" algn="l" defTabSz="914400" rtl="0" eaLnBrk="1" latinLnBrk="0" hangingPunct="1">
+              <a:defRPr sz="1800" kern="1200">
+                <a:solidFill>
+                  <a:schemeClr val="tx1"/>
+                </a:solidFill>
+                <a:latin typeface="+mn-lt"/>
+                <a:ea typeface="+mn-ea"/>
+                <a:cs typeface="+mn-cs"/>
+              </a:defRPr>
+            </a:lvl9pPr>
+          </a:lstStyle>
+          <a:p>
+            <a:r>
+              <a:rPr lang="ro-RO" sz="1200" b="1" dirty="0">
+                <a:solidFill>
+                  <a:schemeClr val="bg1"/>
+                </a:solidFill>
+              </a:rPr>
+              <a:t>8</a:t>
+            </a:r>
+            <a:endParaRPr lang="en-US" b="1" dirty="0">
               <a:solidFill>
                 <a:schemeClr val="bg1"/>
               </a:solidFill>
-              <a:latin typeface="Times New Roman" panose="02020603050405020304" pitchFamily="18" charset="0"/>
-              <a:cs typeface="Times New Roman" panose="02020603050405020304" pitchFamily="18" charset="0"/>
             </a:endParaRPr>
           </a:p>
         </p:txBody>
